--- a/04/slides.pptx
+++ b/04/slides.pptx
@@ -5,38 +5,58 @@
     <p:sldMasterId id="2147483648" r:id="rId1"/>
   </p:sldMasterIdLst>
   <p:notesMasterIdLst>
-    <p:notesMasterId r:id="rId5"/>
+    <p:notesMasterId r:id="rId6"/>
   </p:notesMasterIdLst>
   <p:handoutMasterIdLst>
-    <p:handoutMasterId r:id="rId30"/>
+    <p:handoutMasterId r:id="rId50"/>
   </p:handoutMasterIdLst>
   <p:sldIdLst>
     <p:sldId id="256" r:id="rId3"/>
-    <p:sldId id="257" r:id="rId4"/>
-    <p:sldId id="258" r:id="rId6"/>
-    <p:sldId id="259" r:id="rId7"/>
-    <p:sldId id="264" r:id="rId8"/>
-    <p:sldId id="271" r:id="rId9"/>
-    <p:sldId id="267" r:id="rId10"/>
-    <p:sldId id="265" r:id="rId11"/>
-    <p:sldId id="268" r:id="rId12"/>
-    <p:sldId id="269" r:id="rId13"/>
-    <p:sldId id="270" r:id="rId14"/>
-    <p:sldId id="272" r:id="rId15"/>
-    <p:sldId id="273" r:id="rId16"/>
-    <p:sldId id="281" r:id="rId17"/>
-    <p:sldId id="282" r:id="rId18"/>
-    <p:sldId id="283" r:id="rId19"/>
-    <p:sldId id="284" r:id="rId20"/>
-    <p:sldId id="285" r:id="rId21"/>
-    <p:sldId id="286" r:id="rId22"/>
-    <p:sldId id="274" r:id="rId23"/>
-    <p:sldId id="275" r:id="rId24"/>
-    <p:sldId id="277" r:id="rId25"/>
-    <p:sldId id="276" r:id="rId26"/>
-    <p:sldId id="278" r:id="rId27"/>
-    <p:sldId id="279" r:id="rId28"/>
-    <p:sldId id="280" r:id="rId29"/>
+    <p:sldId id="298" r:id="rId4"/>
+    <p:sldId id="257" r:id="rId5"/>
+    <p:sldId id="258" r:id="rId7"/>
+    <p:sldId id="259" r:id="rId8"/>
+    <p:sldId id="264" r:id="rId9"/>
+    <p:sldId id="271" r:id="rId10"/>
+    <p:sldId id="267" r:id="rId11"/>
+    <p:sldId id="265" r:id="rId12"/>
+    <p:sldId id="268" r:id="rId13"/>
+    <p:sldId id="269" r:id="rId14"/>
+    <p:sldId id="270" r:id="rId15"/>
+    <p:sldId id="272" r:id="rId16"/>
+    <p:sldId id="273" r:id="rId17"/>
+    <p:sldId id="281" r:id="rId18"/>
+    <p:sldId id="282" r:id="rId19"/>
+    <p:sldId id="283" r:id="rId20"/>
+    <p:sldId id="284" r:id="rId21"/>
+    <p:sldId id="285" r:id="rId22"/>
+    <p:sldId id="286" r:id="rId23"/>
+    <p:sldId id="294" r:id="rId24"/>
+    <p:sldId id="295" r:id="rId25"/>
+    <p:sldId id="302" r:id="rId26"/>
+    <p:sldId id="274" r:id="rId27"/>
+    <p:sldId id="275" r:id="rId28"/>
+    <p:sldId id="277" r:id="rId29"/>
+    <p:sldId id="276" r:id="rId30"/>
+    <p:sldId id="278" r:id="rId31"/>
+    <p:sldId id="279" r:id="rId32"/>
+    <p:sldId id="280" r:id="rId33"/>
+    <p:sldId id="299" r:id="rId34"/>
+    <p:sldId id="297" r:id="rId35"/>
+    <p:sldId id="300" r:id="rId36"/>
+    <p:sldId id="303" r:id="rId37"/>
+    <p:sldId id="305" r:id="rId38"/>
+    <p:sldId id="306" r:id="rId39"/>
+    <p:sldId id="307" r:id="rId40"/>
+    <p:sldId id="308" r:id="rId41"/>
+    <p:sldId id="314" r:id="rId42"/>
+    <p:sldId id="309" r:id="rId43"/>
+    <p:sldId id="310" r:id="rId44"/>
+    <p:sldId id="311" r:id="rId45"/>
+    <p:sldId id="312" r:id="rId46"/>
+    <p:sldId id="313" r:id="rId47"/>
+    <p:sldId id="315" r:id="rId48"/>
+    <p:sldId id="316" r:id="rId49"/>
   </p:sldIdLst>
   <p:sldSz cx="12192000" cy="6858000"/>
   <p:notesSz cx="7103745" cy="10234295"/>
@@ -136,6 +156,12 @@
     </a:lvl9pPr>
   </p:defaultTextStyle>
 </p:presentation>
+</file>
+
+<file path=ppt/commentAuthors.xml><?xml version="1.0" encoding="utf-8"?>
+<p:cmAuthorLst xmlns:a="http://schemas.openxmlformats.org/drawingml/2006/main" xmlns:r="http://schemas.openxmlformats.org/officeDocument/2006/relationships" xmlns:p="http://schemas.openxmlformats.org/presentationml/2006/main">
+  <p:cmAuthor id="1" name="bate" initials="b" lastIdx="1" clrIdx="0"/>
+</p:cmAuthorLst>
 </file>
 
 <file path=ppt/handoutMasters/handoutMaster1.xml><?xml version="1.0" encoding="utf-8"?>
@@ -776,6 +802,138 @@
 </file>
 
 <file path=ppt/notesSlides/notesSlide4.xml><?xml version="1.0" encoding="utf-8"?>
+<p:notes xmlns:a="http://schemas.openxmlformats.org/drawingml/2006/main" xmlns:r="http://schemas.openxmlformats.org/officeDocument/2006/relationships" xmlns:p="http://schemas.openxmlformats.org/presentationml/2006/main">
+  <p:cSld>
+    <p:spTree>
+      <p:nvGrpSpPr>
+        <p:cNvPr id="1" name=""/>
+        <p:cNvGrpSpPr/>
+        <p:nvPr/>
+      </p:nvGrpSpPr>
+      <p:grpSpPr/>
+      <p:sp>
+        <p:nvSpPr>
+          <p:cNvPr id="2" name="Slide Image Placeholder 1"/>
+          <p:cNvSpPr/>
+          <p:nvPr>
+            <p:ph type="sldImg" idx="2"/>
+          </p:nvPr>
+        </p:nvSpPr>
+        <p:spPr/>
+      </p:sp>
+      <p:sp>
+        <p:nvSpPr>
+          <p:cNvPr id="3" name="Text Placeholder 2"/>
+          <p:cNvSpPr/>
+          <p:nvPr>
+            <p:ph type="body" idx="3"/>
+          </p:nvPr>
+        </p:nvSpPr>
+        <p:spPr/>
+        <p:txBody>
+          <a:bodyPr/>
+          <a:p>
+            <a:endParaRPr lang="en-US"/>
+          </a:p>
+        </p:txBody>
+      </p:sp>
+    </p:spTree>
+  </p:cSld>
+  <p:clrMapOvr>
+    <a:masterClrMapping/>
+  </p:clrMapOvr>
+</p:notes>
+</file>
+
+<file path=ppt/notesSlides/notesSlide5.xml><?xml version="1.0" encoding="utf-8"?>
+<p:notes xmlns:a="http://schemas.openxmlformats.org/drawingml/2006/main" xmlns:r="http://schemas.openxmlformats.org/officeDocument/2006/relationships" xmlns:p="http://schemas.openxmlformats.org/presentationml/2006/main">
+  <p:cSld>
+    <p:spTree>
+      <p:nvGrpSpPr>
+        <p:cNvPr id="1" name=""/>
+        <p:cNvGrpSpPr/>
+        <p:nvPr/>
+      </p:nvGrpSpPr>
+      <p:grpSpPr/>
+      <p:sp>
+        <p:nvSpPr>
+          <p:cNvPr id="2" name="Slide Image Placeholder 1"/>
+          <p:cNvSpPr/>
+          <p:nvPr>
+            <p:ph type="sldImg" idx="2"/>
+          </p:nvPr>
+        </p:nvSpPr>
+        <p:spPr/>
+      </p:sp>
+      <p:sp>
+        <p:nvSpPr>
+          <p:cNvPr id="3" name="Text Placeholder 2"/>
+          <p:cNvSpPr/>
+          <p:nvPr>
+            <p:ph type="body" idx="3"/>
+          </p:nvPr>
+        </p:nvSpPr>
+        <p:spPr/>
+        <p:txBody>
+          <a:bodyPr/>
+          <a:p>
+            <a:endParaRPr lang="en-US"/>
+          </a:p>
+        </p:txBody>
+      </p:sp>
+    </p:spTree>
+  </p:cSld>
+  <p:clrMapOvr>
+    <a:masterClrMapping/>
+  </p:clrMapOvr>
+</p:notes>
+</file>
+
+<file path=ppt/notesSlides/notesSlide6.xml><?xml version="1.0" encoding="utf-8"?>
+<p:notes xmlns:a="http://schemas.openxmlformats.org/drawingml/2006/main" xmlns:r="http://schemas.openxmlformats.org/officeDocument/2006/relationships" xmlns:p="http://schemas.openxmlformats.org/presentationml/2006/main">
+  <p:cSld>
+    <p:spTree>
+      <p:nvGrpSpPr>
+        <p:cNvPr id="1" name=""/>
+        <p:cNvGrpSpPr/>
+        <p:nvPr/>
+      </p:nvGrpSpPr>
+      <p:grpSpPr/>
+      <p:sp>
+        <p:nvSpPr>
+          <p:cNvPr id="2" name="Slide Image Placeholder 1"/>
+          <p:cNvSpPr/>
+          <p:nvPr>
+            <p:ph type="sldImg" idx="2"/>
+          </p:nvPr>
+        </p:nvSpPr>
+        <p:spPr/>
+      </p:sp>
+      <p:sp>
+        <p:nvSpPr>
+          <p:cNvPr id="3" name="Text Placeholder 2"/>
+          <p:cNvSpPr/>
+          <p:nvPr>
+            <p:ph type="body" idx="3"/>
+          </p:nvPr>
+        </p:nvSpPr>
+        <p:spPr/>
+        <p:txBody>
+          <a:bodyPr/>
+          <a:p>
+            <a:endParaRPr lang="en-US"/>
+          </a:p>
+        </p:txBody>
+      </p:sp>
+    </p:spTree>
+  </p:cSld>
+  <p:clrMapOvr>
+    <a:masterClrMapping/>
+  </p:clrMapOvr>
+</p:notes>
+</file>
+
+<file path=ppt/notesSlides/notesSlide7.xml><?xml version="1.0" encoding="utf-8"?>
 <p:notes xmlns:a="http://schemas.openxmlformats.org/drawingml/2006/main" xmlns:r="http://schemas.openxmlformats.org/officeDocument/2006/relationships" xmlns:p="http://schemas.openxmlformats.org/presentationml/2006/main">
   <p:cSld>
     <p:spTree>
@@ -3859,24 +4017,26 @@
           <a:bodyPr/>
           <a:p>
             <a:r>
-              <a:rPr lang="en-US" altLang="zh-CN"/>
-              <a:t>32</a:t>
-            </a:r>
-            <a:r>
-              <a:rPr lang="zh-CN" altLang="en-US"/>
-              <a:t>位乘法运算：</a:t>
-            </a:r>
-            <a:r>
-              <a:rPr lang="en-US" altLang="zh-CN"/>
-              <a:t>imull</a:t>
-            </a:r>
-            <a:endParaRPr lang="en-US" altLang="zh-CN"/>
+              <a:rPr lang="zh-CN">
+                <a:sym typeface="+mn-ea"/>
+              </a:rPr>
+              <a:t>开启优化：</a:t>
+            </a:r>
+            <a:r>
+              <a:rPr lang="en-US" altLang="zh-CN">
+                <a:sym typeface="+mn-ea"/>
+              </a:rPr>
+              <a:t>-O3</a:t>
+            </a:r>
+            <a:endParaRPr lang="en-US" altLang="zh-CN">
+              <a:sym typeface="+mn-ea"/>
+            </a:endParaRPr>
           </a:p>
         </p:txBody>
       </p:sp>
       <p:pic>
         <p:nvPicPr>
-          <p:cNvPr id="5" name="Content Placeholder 4"/>
+          <p:cNvPr id="16" name="Content Placeholder 15"/>
           <p:cNvPicPr>
             <a:picLocks noChangeAspect="1"/>
           </p:cNvPicPr>
@@ -3892,8 +4052,8 @@
         </p:blipFill>
         <p:spPr>
           <a:xfrm>
-            <a:off x="904240" y="3474085"/>
-            <a:ext cx="4667885" cy="1054100"/>
+            <a:off x="2000250" y="1975485"/>
+            <a:ext cx="7423785" cy="843280"/>
           </a:xfrm>
           <a:prstGeom prst="rect">
             <a:avLst/>
@@ -3902,7 +4062,7 @@
       </p:pic>
       <p:pic>
         <p:nvPicPr>
-          <p:cNvPr id="6" name="Content Placeholder 5"/>
+          <p:cNvPr id="4" name="Content Placeholder 3"/>
           <p:cNvPicPr>
             <a:picLocks noChangeAspect="1"/>
           </p:cNvPicPr>
@@ -3918,8 +4078,32 @@
         </p:blipFill>
         <p:spPr>
           <a:xfrm>
-            <a:off x="5830570" y="2522855"/>
-            <a:ext cx="5483225" cy="2956560"/>
+            <a:off x="1346835" y="3460115"/>
+            <a:ext cx="8730615" cy="2310130"/>
+          </a:xfrm>
+          <a:prstGeom prst="rect">
+            <a:avLst/>
+          </a:prstGeom>
+        </p:spPr>
+      </p:pic>
+      <p:pic>
+        <p:nvPicPr>
+          <p:cNvPr id="5" name="Picture 4"/>
+          <p:cNvPicPr>
+            <a:picLocks noChangeAspect="1"/>
+          </p:cNvPicPr>
+          <p:nvPr/>
+        </p:nvPicPr>
+        <p:blipFill>
+          <a:blip r:embed="rId3"/>
+          <a:stretch>
+            <a:fillRect/>
+          </a:stretch>
+        </p:blipFill>
+        <p:spPr>
+          <a:xfrm>
+            <a:off x="2373630" y="0"/>
+            <a:ext cx="9818370" cy="320040"/>
           </a:xfrm>
           <a:prstGeom prst="rect">
             <a:avLst/>
@@ -3960,7 +4144,7 @@
           <a:p>
             <a:r>
               <a:rPr lang="en-US" altLang="zh-CN"/>
-              <a:t>64</a:t>
+              <a:t>32</a:t>
             </a:r>
             <a:r>
               <a:rPr lang="zh-CN" altLang="en-US"/>
@@ -3968,7 +4152,7 @@
             </a:r>
             <a:r>
               <a:rPr lang="en-US" altLang="zh-CN"/>
-              <a:t>imulq</a:t>
+              <a:t>imull</a:t>
             </a:r>
             <a:endParaRPr lang="en-US" altLang="zh-CN"/>
           </a:p>
@@ -3976,12 +4160,12 @@
       </p:sp>
       <p:pic>
         <p:nvPicPr>
-          <p:cNvPr id="4" name="Content Placeholder 3"/>
+          <p:cNvPr id="5" name="Content Placeholder 4"/>
           <p:cNvPicPr>
             <a:picLocks noChangeAspect="1"/>
           </p:cNvPicPr>
           <p:nvPr>
-            <p:ph sz="half" idx="2"/>
+            <p:ph sz="half" idx="1"/>
           </p:nvPr>
         </p:nvPicPr>
         <p:blipFill>
@@ -3992,8 +4176,8 @@
         </p:blipFill>
         <p:spPr>
           <a:xfrm>
-            <a:off x="5756910" y="2520315"/>
-            <a:ext cx="5630545" cy="2961640"/>
+            <a:off x="904240" y="3474085"/>
+            <a:ext cx="4667885" cy="1054100"/>
           </a:xfrm>
           <a:prstGeom prst="rect">
             <a:avLst/>
@@ -4002,12 +4186,12 @@
       </p:pic>
       <p:pic>
         <p:nvPicPr>
-          <p:cNvPr id="8" name="Content Placeholder 7"/>
+          <p:cNvPr id="6" name="Content Placeholder 5"/>
           <p:cNvPicPr>
             <a:picLocks noChangeAspect="1"/>
           </p:cNvPicPr>
           <p:nvPr>
-            <p:ph sz="half" idx="1"/>
+            <p:ph sz="half" idx="2"/>
           </p:nvPr>
         </p:nvPicPr>
         <p:blipFill>
@@ -4018,8 +4202,8 @@
         </p:blipFill>
         <p:spPr>
           <a:xfrm>
-            <a:off x="837565" y="3643630"/>
-            <a:ext cx="4800600" cy="714375"/>
+            <a:off x="5830570" y="2522855"/>
+            <a:ext cx="5483225" cy="2956560"/>
           </a:xfrm>
           <a:prstGeom prst="rect">
             <a:avLst/>
@@ -4059,21 +4243,29 @@
           <a:bodyPr/>
           <a:p>
             <a:r>
-              <a:rPr lang="zh-CN" altLang="en-US"/>
-              <a:t>编译器优化：代数化简</a:t>
-            </a:r>
-            <a:endParaRPr lang="zh-CN" altLang="en-US"/>
+              <a:rPr lang="en-US" altLang="zh-CN"/>
+              <a:t>64</a:t>
+            </a:r>
+            <a:r>
+              <a:rPr lang="zh-CN" altLang="en-US"/>
+              <a:t>位乘法运算：</a:t>
+            </a:r>
+            <a:r>
+              <a:rPr lang="en-US" altLang="zh-CN"/>
+              <a:t>imulq</a:t>
+            </a:r>
+            <a:endParaRPr lang="en-US" altLang="zh-CN"/>
           </a:p>
         </p:txBody>
       </p:sp>
       <p:pic>
         <p:nvPicPr>
-          <p:cNvPr id="5" name="Content Placeholder 4"/>
+          <p:cNvPr id="4" name="Content Placeholder 3"/>
           <p:cNvPicPr>
             <a:picLocks noChangeAspect="1"/>
           </p:cNvPicPr>
           <p:nvPr>
-            <p:ph sz="half" idx="1"/>
+            <p:ph sz="half" idx="2"/>
           </p:nvPr>
         </p:nvPicPr>
         <p:blipFill>
@@ -4084,8 +4276,8 @@
         </p:blipFill>
         <p:spPr>
           <a:xfrm>
-            <a:off x="814705" y="3027045"/>
-            <a:ext cx="4846320" cy="1948180"/>
+            <a:off x="5756910" y="2520315"/>
+            <a:ext cx="5630545" cy="2961640"/>
           </a:xfrm>
           <a:prstGeom prst="rect">
             <a:avLst/>
@@ -4094,12 +4286,12 @@
       </p:pic>
       <p:pic>
         <p:nvPicPr>
-          <p:cNvPr id="6" name="Content Placeholder 5"/>
+          <p:cNvPr id="8" name="Content Placeholder 7"/>
           <p:cNvPicPr>
             <a:picLocks noChangeAspect="1"/>
           </p:cNvPicPr>
           <p:nvPr>
-            <p:ph sz="half" idx="2"/>
+            <p:ph sz="half" idx="1"/>
           </p:nvPr>
         </p:nvPicPr>
         <p:blipFill>
@@ -4110,8 +4302,8 @@
         </p:blipFill>
         <p:spPr>
           <a:xfrm>
-            <a:off x="5898515" y="2806700"/>
-            <a:ext cx="5346700" cy="2388870"/>
+            <a:off x="837565" y="3643630"/>
+            <a:ext cx="4800600" cy="714375"/>
           </a:xfrm>
           <a:prstGeom prst="rect">
             <a:avLst/>
@@ -4152,7 +4344,7 @@
           <a:p>
             <a:r>
               <a:rPr lang="zh-CN" altLang="en-US"/>
-              <a:t>编译器优化：常量折叠</a:t>
+              <a:t>编译器优化：代数化简</a:t>
             </a:r>
             <a:endParaRPr lang="zh-CN" altLang="en-US"/>
           </a:p>
@@ -4160,7 +4352,7 @@
       </p:sp>
       <p:pic>
         <p:nvPicPr>
-          <p:cNvPr id="4" name="Content Placeholder 3"/>
+          <p:cNvPr id="5" name="Content Placeholder 4"/>
           <p:cNvPicPr>
             <a:picLocks noChangeAspect="1"/>
           </p:cNvPicPr>
@@ -4176,8 +4368,8 @@
         </p:blipFill>
         <p:spPr>
           <a:xfrm>
-            <a:off x="1082675" y="2858770"/>
-            <a:ext cx="4311015" cy="2284730"/>
+            <a:off x="814705" y="3027045"/>
+            <a:ext cx="4846320" cy="1948180"/>
           </a:xfrm>
           <a:prstGeom prst="rect">
             <a:avLst/>
@@ -4186,7 +4378,7 @@
       </p:pic>
       <p:pic>
         <p:nvPicPr>
-          <p:cNvPr id="8" name="Content Placeholder 7"/>
+          <p:cNvPr id="6" name="Content Placeholder 5"/>
           <p:cNvPicPr>
             <a:picLocks noChangeAspect="1"/>
           </p:cNvPicPr>
@@ -4202,8 +4394,8 @@
         </p:blipFill>
         <p:spPr>
           <a:xfrm>
-            <a:off x="6245225" y="2616200"/>
-            <a:ext cx="4653280" cy="2769870"/>
+            <a:off x="5898515" y="2806700"/>
+            <a:ext cx="5346700" cy="2388870"/>
           </a:xfrm>
           <a:prstGeom prst="rect">
             <a:avLst/>
@@ -4244,7 +4436,7 @@
           <a:p>
             <a:r>
               <a:rPr lang="zh-CN" altLang="en-US"/>
-              <a:t>编译器优化：举个例子</a:t>
+              <a:t>编译器优化：常量折叠</a:t>
             </a:r>
             <a:endParaRPr lang="zh-CN" altLang="en-US"/>
           </a:p>
@@ -4252,12 +4444,12 @@
       </p:sp>
       <p:pic>
         <p:nvPicPr>
-          <p:cNvPr id="5" name="Content Placeholder 4"/>
+          <p:cNvPr id="4" name="Content Placeholder 3"/>
           <p:cNvPicPr>
             <a:picLocks noChangeAspect="1"/>
           </p:cNvPicPr>
           <p:nvPr>
-            <p:ph sz="half" idx="2"/>
+            <p:ph sz="half" idx="1"/>
           </p:nvPr>
         </p:nvPicPr>
         <p:blipFill>
@@ -4268,8 +4460,8 @@
         </p:blipFill>
         <p:spPr>
           <a:xfrm>
-            <a:off x="6172835" y="2554605"/>
-            <a:ext cx="4799330" cy="2893060"/>
+            <a:off x="1082675" y="2858770"/>
+            <a:ext cx="4311015" cy="2284730"/>
           </a:xfrm>
           <a:prstGeom prst="rect">
             <a:avLst/>
@@ -4278,12 +4470,12 @@
       </p:pic>
       <p:pic>
         <p:nvPicPr>
-          <p:cNvPr id="6" name="Content Placeholder 5"/>
+          <p:cNvPr id="8" name="Content Placeholder 7"/>
           <p:cNvPicPr>
             <a:picLocks noChangeAspect="1"/>
           </p:cNvPicPr>
           <p:nvPr>
-            <p:ph sz="half" idx="1"/>
+            <p:ph sz="half" idx="2"/>
           </p:nvPr>
         </p:nvPicPr>
         <p:blipFill>
@@ -4294,8 +4486,8 @@
         </p:blipFill>
         <p:spPr>
           <a:xfrm>
-            <a:off x="492125" y="2907665"/>
-            <a:ext cx="5492115" cy="2186940"/>
+            <a:off x="6245225" y="2616200"/>
+            <a:ext cx="4653280" cy="2769870"/>
           </a:xfrm>
           <a:prstGeom prst="rect">
             <a:avLst/>
@@ -4311,6 +4503,98 @@
 </file>
 
 <file path=ppt/slides/slide15.xml><?xml version="1.0" encoding="utf-8"?>
+<p:sld xmlns:a="http://schemas.openxmlformats.org/drawingml/2006/main" xmlns:r="http://schemas.openxmlformats.org/officeDocument/2006/relationships" xmlns:p="http://schemas.openxmlformats.org/presentationml/2006/main">
+  <p:cSld>
+    <p:spTree>
+      <p:nvGrpSpPr>
+        <p:cNvPr id="1" name=""/>
+        <p:cNvGrpSpPr/>
+        <p:nvPr/>
+      </p:nvGrpSpPr>
+      <p:grpSpPr/>
+      <p:sp>
+        <p:nvSpPr>
+          <p:cNvPr id="2" name="Title 1"/>
+          <p:cNvSpPr>
+            <a:spLocks noGrp="1"/>
+          </p:cNvSpPr>
+          <p:nvPr>
+            <p:ph type="title"/>
+          </p:nvPr>
+        </p:nvSpPr>
+        <p:spPr/>
+        <p:txBody>
+          <a:bodyPr/>
+          <a:p>
+            <a:r>
+              <a:rPr lang="zh-CN" altLang="en-US"/>
+              <a:t>编译器优化：举个例子</a:t>
+            </a:r>
+            <a:endParaRPr lang="zh-CN" altLang="en-US"/>
+          </a:p>
+        </p:txBody>
+      </p:sp>
+      <p:pic>
+        <p:nvPicPr>
+          <p:cNvPr id="5" name="Content Placeholder 4"/>
+          <p:cNvPicPr>
+            <a:picLocks noChangeAspect="1"/>
+          </p:cNvPicPr>
+          <p:nvPr>
+            <p:ph sz="half" idx="2"/>
+          </p:nvPr>
+        </p:nvPicPr>
+        <p:blipFill>
+          <a:blip r:embed="rId1"/>
+          <a:stretch>
+            <a:fillRect/>
+          </a:stretch>
+        </p:blipFill>
+        <p:spPr>
+          <a:xfrm>
+            <a:off x="6172835" y="2554605"/>
+            <a:ext cx="4799330" cy="2893060"/>
+          </a:xfrm>
+          <a:prstGeom prst="rect">
+            <a:avLst/>
+          </a:prstGeom>
+        </p:spPr>
+      </p:pic>
+      <p:pic>
+        <p:nvPicPr>
+          <p:cNvPr id="6" name="Content Placeholder 5"/>
+          <p:cNvPicPr>
+            <a:picLocks noChangeAspect="1"/>
+          </p:cNvPicPr>
+          <p:nvPr>
+            <p:ph sz="half" idx="1"/>
+          </p:nvPr>
+        </p:nvPicPr>
+        <p:blipFill>
+          <a:blip r:embed="rId2"/>
+          <a:stretch>
+            <a:fillRect/>
+          </a:stretch>
+        </p:blipFill>
+        <p:spPr>
+          <a:xfrm>
+            <a:off x="492125" y="2907665"/>
+            <a:ext cx="5492115" cy="2186940"/>
+          </a:xfrm>
+          <a:prstGeom prst="rect">
+            <a:avLst/>
+          </a:prstGeom>
+        </p:spPr>
+      </p:pic>
+    </p:spTree>
+  </p:cSld>
+  <p:clrMapOvr>
+    <a:masterClrMapping/>
+  </p:clrMapOvr>
+</p:sld>
+</file>
+
+<file path=ppt/slides/slide16.xml><?xml version="1.0" encoding="utf-8"?>
 <p:sld xmlns:a="http://schemas.openxmlformats.org/drawingml/2006/main" xmlns:r="http://schemas.openxmlformats.org/officeDocument/2006/relationships" xmlns:p="http://schemas.openxmlformats.org/presentationml/2006/main">
   <p:cSld>
     <p:spTree>
@@ -4544,7 +4828,7 @@
 </p:sld>
 </file>
 
-<file path=ppt/slides/slide16.xml><?xml version="1.0" encoding="utf-8"?>
+<file path=ppt/slides/slide17.xml><?xml version="1.0" encoding="utf-8"?>
 <p:sld xmlns:a="http://schemas.openxmlformats.org/drawingml/2006/main" xmlns:r="http://schemas.openxmlformats.org/officeDocument/2006/relationships" xmlns:p="http://schemas.openxmlformats.org/presentationml/2006/main">
   <p:cSld>
     <p:spTree>
@@ -4925,106 +5209,6 @@
 </p:sld>
 </file>
 
-<file path=ppt/slides/slide17.xml><?xml version="1.0" encoding="utf-8"?>
-<p:sld xmlns:a="http://schemas.openxmlformats.org/drawingml/2006/main" xmlns:r="http://schemas.openxmlformats.org/officeDocument/2006/relationships" xmlns:p="http://schemas.openxmlformats.org/presentationml/2006/main">
-  <p:cSld>
-    <p:spTree>
-      <p:nvGrpSpPr>
-        <p:cNvPr id="1" name=""/>
-        <p:cNvGrpSpPr/>
-        <p:nvPr/>
-      </p:nvGrpSpPr>
-      <p:grpSpPr/>
-      <p:sp>
-        <p:nvSpPr>
-          <p:cNvPr id="2" name="Title 1"/>
-          <p:cNvSpPr>
-            <a:spLocks noGrp="1"/>
-          </p:cNvSpPr>
-          <p:nvPr>
-            <p:ph type="title"/>
-          </p:nvPr>
-        </p:nvSpPr>
-        <p:spPr/>
-        <p:txBody>
-          <a:bodyPr/>
-          <a:p>
-            <a:r>
-              <a:rPr lang="zh-CN" altLang="en-US"/>
-              <a:t>那改用</a:t>
-            </a:r>
-            <a:r>
-              <a:rPr lang="en-US" altLang="zh-CN"/>
-              <a:t> array </a:t>
-            </a:r>
-            <a:r>
-              <a:rPr lang="zh-CN" altLang="en-US"/>
-              <a:t>试试？</a:t>
-            </a:r>
-            <a:endParaRPr lang="zh-CN" altLang="en-US"/>
-          </a:p>
-        </p:txBody>
-      </p:sp>
-      <p:pic>
-        <p:nvPicPr>
-          <p:cNvPr id="5" name="Content Placeholder 4"/>
-          <p:cNvPicPr>
-            <a:picLocks noChangeAspect="1"/>
-          </p:cNvPicPr>
-          <p:nvPr>
-            <p:ph sz="half" idx="2"/>
-          </p:nvPr>
-        </p:nvPicPr>
-        <p:blipFill>
-          <a:blip r:embed="rId1"/>
-          <a:stretch>
-            <a:fillRect/>
-          </a:stretch>
-        </p:blipFill>
-        <p:spPr>
-          <a:xfrm>
-            <a:off x="5869305" y="2381885"/>
-            <a:ext cx="5406390" cy="3237865"/>
-          </a:xfrm>
-          <a:prstGeom prst="rect">
-            <a:avLst/>
-          </a:prstGeom>
-        </p:spPr>
-      </p:pic>
-      <p:pic>
-        <p:nvPicPr>
-          <p:cNvPr id="6" name="Content Placeholder 5"/>
-          <p:cNvPicPr>
-            <a:picLocks noChangeAspect="1"/>
-          </p:cNvPicPr>
-          <p:nvPr>
-            <p:ph sz="half" idx="1"/>
-          </p:nvPr>
-        </p:nvPicPr>
-        <p:blipFill>
-          <a:blip r:embed="rId2"/>
-          <a:stretch>
-            <a:fillRect/>
-          </a:stretch>
-        </p:blipFill>
-        <p:spPr>
-          <a:xfrm>
-            <a:off x="647700" y="2821305"/>
-            <a:ext cx="5181600" cy="2359025"/>
-          </a:xfrm>
-          <a:prstGeom prst="rect">
-            <a:avLst/>
-          </a:prstGeom>
-        </p:spPr>
-      </p:pic>
-    </p:spTree>
-  </p:cSld>
-  <p:clrMapOvr>
-    <a:masterClrMapping/>
-  </p:clrMapOvr>
-</p:sld>
-</file>
-
 <file path=ppt/slides/slide18.xml><?xml version="1.0" encoding="utf-8"?>
 <p:sld xmlns:a="http://schemas.openxmlformats.org/drawingml/2006/main" xmlns:r="http://schemas.openxmlformats.org/officeDocument/2006/relationships" xmlns:p="http://schemas.openxmlformats.org/presentationml/2006/main">
   <p:cSld>
@@ -5050,43 +5234,29 @@
           <a:bodyPr/>
           <a:p>
             <a:r>
-              <a:rPr lang="zh-CN" altLang="en-US">
-                <a:sym typeface="+mn-ea"/>
-              </a:rPr>
+              <a:rPr lang="zh-CN" altLang="en-US"/>
               <a:t>那改用</a:t>
             </a:r>
             <a:r>
-              <a:rPr lang="zh-CN">
-                <a:sym typeface="+mn-ea"/>
-              </a:rPr>
-              <a:t>手写的</a:t>
-            </a:r>
-            <a:r>
-              <a:rPr lang="en-US" altLang="zh-CN">
-                <a:sym typeface="+mn-ea"/>
-              </a:rPr>
-              <a:t> reduce</a:t>
-            </a:r>
-            <a:r>
-              <a:rPr lang="zh-CN" altLang="en-US">
-                <a:sym typeface="+mn-ea"/>
-              </a:rPr>
-              <a:t>？</a:t>
-            </a:r>
-            <a:endParaRPr lang="zh-CN" altLang="en-US">
-              <a:sym typeface="+mn-ea"/>
-            </a:endParaRPr>
+              <a:rPr lang="en-US" altLang="zh-CN"/>
+              <a:t> array </a:t>
+            </a:r>
+            <a:r>
+              <a:rPr lang="zh-CN" altLang="en-US"/>
+              <a:t>试试？</a:t>
+            </a:r>
+            <a:endParaRPr lang="zh-CN" altLang="en-US"/>
           </a:p>
         </p:txBody>
       </p:sp>
       <p:pic>
         <p:nvPicPr>
-          <p:cNvPr id="4" name="Content Placeholder 3"/>
+          <p:cNvPr id="5" name="Content Placeholder 4"/>
           <p:cNvPicPr>
             <a:picLocks noChangeAspect="1"/>
           </p:cNvPicPr>
           <p:nvPr>
-            <p:ph sz="half" idx="1"/>
+            <p:ph sz="half" idx="2"/>
           </p:nvPr>
         </p:nvPicPr>
         <p:blipFill>
@@ -5097,8 +5267,8 @@
         </p:blipFill>
         <p:spPr>
           <a:xfrm>
-            <a:off x="836295" y="2265680"/>
-            <a:ext cx="4803140" cy="3471545"/>
+            <a:off x="5869305" y="2381885"/>
+            <a:ext cx="5406390" cy="3237865"/>
           </a:xfrm>
           <a:prstGeom prst="rect">
             <a:avLst/>
@@ -5107,12 +5277,12 @@
       </p:pic>
       <p:pic>
         <p:nvPicPr>
-          <p:cNvPr id="8" name="Content Placeholder 7"/>
+          <p:cNvPr id="6" name="Content Placeholder 5"/>
           <p:cNvPicPr>
             <a:picLocks noChangeAspect="1"/>
           </p:cNvPicPr>
           <p:nvPr>
-            <p:ph sz="half" idx="2"/>
+            <p:ph sz="half" idx="1"/>
           </p:nvPr>
         </p:nvPicPr>
         <p:blipFill>
@@ -5123,8 +5293,8 @@
         </p:blipFill>
         <p:spPr>
           <a:xfrm>
-            <a:off x="5720715" y="2561590"/>
-            <a:ext cx="5703570" cy="2879090"/>
+            <a:off x="647700" y="2821305"/>
+            <a:ext cx="5181600" cy="2359025"/>
           </a:xfrm>
           <a:prstGeom prst="rect">
             <a:avLst/>
@@ -5140,6 +5310,168 @@
 </file>
 
 <file path=ppt/slides/slide19.xml><?xml version="1.0" encoding="utf-8"?>
+<p:sld xmlns:a="http://schemas.openxmlformats.org/drawingml/2006/main" xmlns:r="http://schemas.openxmlformats.org/officeDocument/2006/relationships" xmlns:p="http://schemas.openxmlformats.org/presentationml/2006/main">
+  <p:cSld>
+    <p:spTree>
+      <p:nvGrpSpPr>
+        <p:cNvPr id="1" name=""/>
+        <p:cNvGrpSpPr/>
+        <p:nvPr/>
+      </p:nvGrpSpPr>
+      <p:grpSpPr/>
+      <p:sp>
+        <p:nvSpPr>
+          <p:cNvPr id="2" name="Title 1"/>
+          <p:cNvSpPr>
+            <a:spLocks noGrp="1"/>
+          </p:cNvSpPr>
+          <p:nvPr>
+            <p:ph type="title"/>
+          </p:nvPr>
+        </p:nvSpPr>
+        <p:spPr/>
+        <p:txBody>
+          <a:bodyPr/>
+          <a:p>
+            <a:r>
+              <a:rPr lang="zh-CN" altLang="en-US">
+                <a:sym typeface="+mn-ea"/>
+              </a:rPr>
+              <a:t>那改用</a:t>
+            </a:r>
+            <a:r>
+              <a:rPr lang="zh-CN">
+                <a:sym typeface="+mn-ea"/>
+              </a:rPr>
+              <a:t>手写的</a:t>
+            </a:r>
+            <a:r>
+              <a:rPr lang="en-US" altLang="zh-CN">
+                <a:sym typeface="+mn-ea"/>
+              </a:rPr>
+              <a:t> reduce</a:t>
+            </a:r>
+            <a:r>
+              <a:rPr lang="zh-CN" altLang="en-US">
+                <a:sym typeface="+mn-ea"/>
+              </a:rPr>
+              <a:t>？</a:t>
+            </a:r>
+            <a:endParaRPr lang="zh-CN" altLang="en-US">
+              <a:sym typeface="+mn-ea"/>
+            </a:endParaRPr>
+          </a:p>
+        </p:txBody>
+      </p:sp>
+      <p:pic>
+        <p:nvPicPr>
+          <p:cNvPr id="4" name="Content Placeholder 3"/>
+          <p:cNvPicPr>
+            <a:picLocks noChangeAspect="1"/>
+          </p:cNvPicPr>
+          <p:nvPr>
+            <p:ph sz="half" idx="1"/>
+          </p:nvPr>
+        </p:nvPicPr>
+        <p:blipFill>
+          <a:blip r:embed="rId1"/>
+          <a:stretch>
+            <a:fillRect/>
+          </a:stretch>
+        </p:blipFill>
+        <p:spPr>
+          <a:xfrm>
+            <a:off x="836295" y="2265680"/>
+            <a:ext cx="4803140" cy="3471545"/>
+          </a:xfrm>
+          <a:prstGeom prst="rect">
+            <a:avLst/>
+          </a:prstGeom>
+        </p:spPr>
+      </p:pic>
+      <p:pic>
+        <p:nvPicPr>
+          <p:cNvPr id="8" name="Content Placeholder 7"/>
+          <p:cNvPicPr>
+            <a:picLocks noChangeAspect="1"/>
+          </p:cNvPicPr>
+          <p:nvPr>
+            <p:ph sz="half" idx="2"/>
+          </p:nvPr>
+        </p:nvPicPr>
+        <p:blipFill>
+          <a:blip r:embed="rId2"/>
+          <a:stretch>
+            <a:fillRect/>
+          </a:stretch>
+        </p:blipFill>
+        <p:spPr>
+          <a:xfrm>
+            <a:off x="5720715" y="2561590"/>
+            <a:ext cx="5703570" cy="2879090"/>
+          </a:xfrm>
+          <a:prstGeom prst="rect">
+            <a:avLst/>
+          </a:prstGeom>
+        </p:spPr>
+      </p:pic>
+    </p:spTree>
+  </p:cSld>
+  <p:clrMapOvr>
+    <a:masterClrMapping/>
+  </p:clrMapOvr>
+</p:sld>
+</file>
+
+<file path=ppt/slides/slide2.xml><?xml version="1.0" encoding="utf-8"?>
+<p:sld xmlns:a="http://schemas.openxmlformats.org/drawingml/2006/main" xmlns:r="http://schemas.openxmlformats.org/officeDocument/2006/relationships" xmlns:p="http://schemas.openxmlformats.org/presentationml/2006/main">
+  <p:cSld>
+    <p:spTree>
+      <p:nvGrpSpPr>
+        <p:cNvPr id="1" name=""/>
+        <p:cNvGrpSpPr/>
+        <p:nvPr/>
+      </p:nvGrpSpPr>
+      <p:grpSpPr/>
+      <p:sp>
+        <p:nvSpPr>
+          <p:cNvPr id="2" name="Title 1"/>
+          <p:cNvSpPr>
+            <a:spLocks noGrp="1"/>
+          </p:cNvSpPr>
+          <p:nvPr>
+            <p:ph type="title"/>
+          </p:nvPr>
+        </p:nvSpPr>
+        <p:spPr/>
+        <p:txBody>
+          <a:bodyPr/>
+          <a:p>
+            <a:r>
+              <a:rPr lang="zh-CN" altLang="en-US"/>
+              <a:t>第</a:t>
+            </a:r>
+            <a:r>
+              <a:rPr lang="en-US" altLang="zh-CN"/>
+              <a:t>1</a:t>
+            </a:r>
+            <a:r>
+              <a:rPr lang="zh-CN" altLang="en-US"/>
+              <a:t>章：化简</a:t>
+            </a:r>
+            <a:endParaRPr lang="zh-CN" altLang="en-US"/>
+          </a:p>
+        </p:txBody>
+      </p:sp>
+    </p:spTree>
+  </p:cSld>
+  <p:clrMapOvr>
+    <a:masterClrMapping/>
+  </p:clrMapOvr>
+</p:sld>
+</file>
+
+<file path=ppt/slides/slide20.xml><?xml version="1.0" encoding="utf-8"?>
 <p:sld xmlns:a="http://schemas.openxmlformats.org/drawingml/2006/main" xmlns:r="http://schemas.openxmlformats.org/officeDocument/2006/relationships" xmlns:p="http://schemas.openxmlformats.org/presentationml/2006/main">
   <p:cSld>
     <p:spTree>
@@ -5397,7 +5729,7 @@
 </p:sld>
 </file>
 
-<file path=ppt/slides/slide2.xml><?xml version="1.0" encoding="utf-8"?>
+<file path=ppt/slides/slide21.xml><?xml version="1.0" encoding="utf-8"?>
 <p:sld xmlns:a="http://schemas.openxmlformats.org/drawingml/2006/main" xmlns:r="http://schemas.openxmlformats.org/officeDocument/2006/relationships" xmlns:p="http://schemas.openxmlformats.org/presentationml/2006/main">
   <p:cSld>
     <p:spTree>
@@ -5422,24 +5754,126 @@
           <a:bodyPr/>
           <a:p>
             <a:r>
+              <a:rPr lang="en-US"/>
+              <a:t>constexpr</a:t>
+            </a:r>
+            <a:r>
+              <a:rPr lang="zh-CN" altLang="en-US"/>
+              <a:t>：强迫编译器在编译期求值</a:t>
+            </a:r>
+            <a:endParaRPr lang="zh-CN" altLang="en-US"/>
+          </a:p>
+        </p:txBody>
+      </p:sp>
+      <p:sp>
+        <p:nvSpPr>
+          <p:cNvPr id="9" name="Text Box 8"/>
+          <p:cNvSpPr txBox="1"/>
+          <p:nvPr/>
+        </p:nvSpPr>
+        <p:spPr>
+          <a:xfrm>
+            <a:off x="6196965" y="346710"/>
+            <a:ext cx="4966335" cy="645160"/>
+          </a:xfrm>
+          <a:prstGeom prst="rect">
+            <a:avLst/>
+          </a:prstGeom>
+          <a:noFill/>
+        </p:spPr>
+        <p:txBody>
+          <a:bodyPr wrap="square" rtlCol="0">
+            <a:spAutoFit/>
+          </a:bodyPr>
+          <a:p>
+            <a:r>
+              <a:rPr lang="zh-CN" altLang="en-US"/>
+              <a:t>结论：如果发现编译器放弃了自动优化，可以用</a:t>
+            </a:r>
+            <a:r>
+              <a:rPr lang="en-US" altLang="zh-CN"/>
+              <a:t> constexpr </a:t>
+            </a:r>
+            <a:r>
+              <a:rPr lang="zh-CN" altLang="en-US"/>
+              <a:t>函数</a:t>
+            </a:r>
+            <a:r>
+              <a:rPr lang="zh-CN" altLang="en-US" b="1"/>
+              <a:t>迫使</a:t>
+            </a:r>
+            <a:r>
+              <a:rPr lang="zh-CN" altLang="en-US"/>
+              <a:t>编译器进行常量折叠</a:t>
+            </a:r>
+            <a:r>
               <a:rPr lang="zh-CN"/>
-              <a:t>编译器：从</a:t>
+              <a:t>！</a:t>
+            </a:r>
+            <a:endParaRPr lang="zh-CN" altLang="en-US" u="sng"/>
+          </a:p>
+        </p:txBody>
+      </p:sp>
+      <p:sp>
+        <p:nvSpPr>
+          <p:cNvPr id="6" name="Text Box 5"/>
+          <p:cNvSpPr txBox="1"/>
+          <p:nvPr/>
+        </p:nvSpPr>
+        <p:spPr>
+          <a:xfrm>
+            <a:off x="6316980" y="1033145"/>
+            <a:ext cx="4966335" cy="645160"/>
+          </a:xfrm>
+          <a:prstGeom prst="rect">
+            <a:avLst/>
+          </a:prstGeom>
+          <a:noFill/>
+        </p:spPr>
+        <p:txBody>
+          <a:bodyPr wrap="square" rtlCol="0">
+            <a:spAutoFit/>
+          </a:bodyPr>
+          <a:p>
+            <a:r>
+              <a:rPr lang="zh-CN"/>
+              <a:t>不过，</a:t>
             </a:r>
             <a:r>
               <a:rPr lang="en-US" altLang="zh-CN"/>
-              <a:t>C++</a:t>
-            </a:r>
-            <a:r>
-              <a:rPr lang="zh-CN"/>
-              <a:t>源码到汇编指令</a:t>
-            </a:r>
-            <a:endParaRPr lang="zh-CN"/>
+              <a:t>constexpr </a:t>
+            </a:r>
+            <a:r>
+              <a:rPr lang="zh-CN" altLang="en-US"/>
+              <a:t>函数中无法使用非</a:t>
+            </a:r>
+            <a:r>
+              <a:rPr lang="en-US" altLang="zh-CN"/>
+              <a:t> constexpr </a:t>
+            </a:r>
+            <a:r>
+              <a:rPr lang="zh-CN" altLang="en-US"/>
+              <a:t>的容器：</a:t>
+            </a:r>
+            <a:r>
+              <a:rPr lang="en-US" altLang="zh-CN"/>
+              <a:t>vector, map, set, string </a:t>
+            </a:r>
+            <a:r>
+              <a:rPr lang="zh-CN" altLang="en-US"/>
+              <a:t>等</a:t>
+            </a:r>
+            <a:r>
+              <a:rPr lang="en-US" altLang="zh-CN"/>
+              <a:t>……</a:t>
+            </a:r>
+            <a:endParaRPr lang="en-US" altLang="zh-CN" u="sng"/>
           </a:p>
         </p:txBody>
       </p:sp>
       <p:pic>
         <p:nvPicPr>
-          <p:cNvPr id="6" name="Content Placeholder 5"/>
+          <p:cNvPr id="8" name="Content Placeholder 4"/>
           <p:cNvPicPr>
             <a:picLocks noChangeAspect="1"/>
           </p:cNvPicPr>
@@ -5455,8 +5889,281 @@
         </p:blipFill>
         <p:spPr>
           <a:xfrm>
-            <a:off x="882015" y="2955290"/>
-            <a:ext cx="4712335" cy="2091690"/>
+            <a:off x="1004570" y="1700530"/>
+            <a:ext cx="4467860" cy="4601210"/>
+          </a:xfrm>
+          <a:prstGeom prst="rect">
+            <a:avLst/>
+          </a:prstGeom>
+        </p:spPr>
+      </p:pic>
+      <p:pic>
+        <p:nvPicPr>
+          <p:cNvPr id="10" name="Content Placeholder 9"/>
+          <p:cNvPicPr>
+            <a:picLocks noChangeAspect="1"/>
+          </p:cNvPicPr>
+          <p:nvPr>
+            <p:ph sz="half" idx="2"/>
+          </p:nvPr>
+        </p:nvPicPr>
+        <p:blipFill>
+          <a:blip r:embed="rId2"/>
+          <a:stretch>
+            <a:fillRect/>
+          </a:stretch>
+        </p:blipFill>
+        <p:spPr>
+          <a:xfrm>
+            <a:off x="6242685" y="2580640"/>
+            <a:ext cx="4659630" cy="2840990"/>
+          </a:xfrm>
+          <a:prstGeom prst="rect">
+            <a:avLst/>
+          </a:prstGeom>
+        </p:spPr>
+      </p:pic>
+    </p:spTree>
+  </p:cSld>
+  <p:clrMapOvr>
+    <a:masterClrMapping/>
+  </p:clrMapOvr>
+  <p:timing>
+    <p:tnLst>
+      <p:par>
+        <p:cTn id="1" dur="indefinite" restart="never" nodeType="tmRoot">
+          <p:childTnLst>
+            <p:seq concurrent="1" nextAc="seek">
+              <p:cTn id="2" dur="indefinite" nodeType="mainSeq">
+                <p:childTnLst>
+                  <p:par>
+                    <p:cTn id="3" fill="hold">
+                      <p:stCondLst>
+                        <p:cond delay="indefinite"/>
+                      </p:stCondLst>
+                      <p:childTnLst>
+                        <p:par>
+                          <p:cTn id="4" fill="hold">
+                            <p:stCondLst>
+                              <p:cond delay="0"/>
+                            </p:stCondLst>
+                            <p:childTnLst>
+                              <p:par>
+                                <p:cTn id="5" presetID="5" presetClass="entr" presetSubtype="10" fill="hold" grpId="0" nodeType="clickEffect">
+                                  <p:stCondLst>
+                                    <p:cond delay="0"/>
+                                  </p:stCondLst>
+                                  <p:childTnLst>
+                                    <p:set>
+                                      <p:cBhvr>
+                                        <p:cTn id="6" dur="1" fill="hold">
+                                          <p:stCondLst>
+                                            <p:cond delay="0"/>
+                                          </p:stCondLst>
+                                        </p:cTn>
+                                        <p:tgtEl>
+                                          <p:spTgt spid="9"/>
+                                        </p:tgtEl>
+                                        <p:attrNameLst>
+                                          <p:attrName>style.visibility</p:attrName>
+                                        </p:attrNameLst>
+                                      </p:cBhvr>
+                                      <p:to>
+                                        <p:strVal val="visible"/>
+                                      </p:to>
+                                    </p:set>
+                                    <p:animEffect transition="in" filter="checkerboard(across)">
+                                      <p:cBhvr>
+                                        <p:cTn id="7" dur="500"/>
+                                        <p:tgtEl>
+                                          <p:spTgt spid="9"/>
+                                        </p:tgtEl>
+                                      </p:cBhvr>
+                                    </p:animEffect>
+                                  </p:childTnLst>
+                                </p:cTn>
+                              </p:par>
+                            </p:childTnLst>
+                          </p:cTn>
+                        </p:par>
+                      </p:childTnLst>
+                    </p:cTn>
+                  </p:par>
+                  <p:par>
+                    <p:cTn id="8" fill="hold">
+                      <p:stCondLst>
+                        <p:cond delay="indefinite"/>
+                      </p:stCondLst>
+                      <p:childTnLst>
+                        <p:par>
+                          <p:cTn id="9" fill="hold">
+                            <p:stCondLst>
+                              <p:cond delay="0"/>
+                            </p:stCondLst>
+                            <p:childTnLst>
+                              <p:par>
+                                <p:cTn id="10" presetID="5" presetClass="entr" presetSubtype="10" fill="hold" grpId="0" nodeType="clickEffect">
+                                  <p:stCondLst>
+                                    <p:cond delay="0"/>
+                                  </p:stCondLst>
+                                  <p:childTnLst>
+                                    <p:set>
+                                      <p:cBhvr>
+                                        <p:cTn id="11" dur="1" fill="hold">
+                                          <p:stCondLst>
+                                            <p:cond delay="0"/>
+                                          </p:stCondLst>
+                                        </p:cTn>
+                                        <p:tgtEl>
+                                          <p:spTgt spid="6"/>
+                                        </p:tgtEl>
+                                        <p:attrNameLst>
+                                          <p:attrName>style.visibility</p:attrName>
+                                        </p:attrNameLst>
+                                      </p:cBhvr>
+                                      <p:to>
+                                        <p:strVal val="visible"/>
+                                      </p:to>
+                                    </p:set>
+                                    <p:animEffect transition="in" filter="checkerboard(across)">
+                                      <p:cBhvr>
+                                        <p:cTn id="12" dur="500"/>
+                                        <p:tgtEl>
+                                          <p:spTgt spid="6"/>
+                                        </p:tgtEl>
+                                      </p:cBhvr>
+                                    </p:animEffect>
+                                  </p:childTnLst>
+                                </p:cTn>
+                              </p:par>
+                            </p:childTnLst>
+                          </p:cTn>
+                        </p:par>
+                      </p:childTnLst>
+                    </p:cTn>
+                  </p:par>
+                </p:childTnLst>
+              </p:cTn>
+              <p:prevCondLst>
+                <p:cond evt="onPrev" delay="0">
+                  <p:tgtEl>
+                    <p:sldTgt/>
+                  </p:tgtEl>
+                </p:cond>
+              </p:prevCondLst>
+              <p:nextCondLst>
+                <p:cond evt="onNext" delay="0">
+                  <p:tgtEl>
+                    <p:sldTgt/>
+                  </p:tgtEl>
+                </p:cond>
+              </p:nextCondLst>
+            </p:seq>
+          </p:childTnLst>
+        </p:cTn>
+      </p:par>
+    </p:tnLst>
+    <p:bldLst>
+      <p:bldP spid="9" grpId="0"/>
+      <p:bldP spid="6" grpId="0"/>
+    </p:bldLst>
+  </p:timing>
+</p:sld>
+</file>
+
+<file path=ppt/slides/slide22.xml><?xml version="1.0" encoding="utf-8"?>
+<p:sld xmlns:a="http://schemas.openxmlformats.org/drawingml/2006/main" xmlns:r="http://schemas.openxmlformats.org/officeDocument/2006/relationships" xmlns:p="http://schemas.openxmlformats.org/presentationml/2006/main">
+  <p:cSld>
+    <p:spTree>
+      <p:nvGrpSpPr>
+        <p:cNvPr id="1" name=""/>
+        <p:cNvGrpSpPr/>
+        <p:nvPr/>
+      </p:nvGrpSpPr>
+      <p:grpSpPr/>
+      <p:sp>
+        <p:nvSpPr>
+          <p:cNvPr id="2" name="Title 1"/>
+          <p:cNvSpPr>
+            <a:spLocks noGrp="1"/>
+          </p:cNvSpPr>
+          <p:nvPr>
+            <p:ph type="title"/>
+          </p:nvPr>
+        </p:nvSpPr>
+        <p:spPr/>
+        <p:txBody>
+          <a:bodyPr/>
+          <a:p>
+            <a:r>
+              <a:rPr lang="en-US"/>
+              <a:t>constexpr</a:t>
+            </a:r>
+            <a:r>
+              <a:rPr lang="zh-CN" altLang="en-US"/>
+              <a:t>：强迫编译器在编译期求值（续）</a:t>
+            </a:r>
+            <a:endParaRPr lang="en-US" altLang="zh-CN"/>
+          </a:p>
+        </p:txBody>
+      </p:sp>
+      <p:sp>
+        <p:nvSpPr>
+          <p:cNvPr id="9" name="Text Box 8"/>
+          <p:cNvSpPr txBox="1"/>
+          <p:nvPr/>
+        </p:nvSpPr>
+        <p:spPr>
+          <a:xfrm>
+            <a:off x="6196965" y="1511935"/>
+            <a:ext cx="4261485" cy="645160"/>
+          </a:xfrm>
+          <a:prstGeom prst="rect">
+            <a:avLst/>
+          </a:prstGeom>
+          <a:noFill/>
+        </p:spPr>
+        <p:txBody>
+          <a:bodyPr wrap="square" rtlCol="0">
+            <a:spAutoFit/>
+          </a:bodyPr>
+          <a:p>
+            <a:r>
+              <a:rPr lang="zh-CN" altLang="en-US"/>
+              <a:t>发现：会让编译变得很慢，因为这</a:t>
+            </a:r>
+            <a:r>
+              <a:rPr lang="en-US" altLang="zh-CN"/>
+              <a:t> 50000 </a:t>
+            </a:r>
+            <a:r>
+              <a:rPr lang="zh-CN" altLang="en-US"/>
+              <a:t>次迭代是在编译期进行的。</a:t>
+            </a:r>
+            <a:endParaRPr lang="zh-CN" altLang="en-US"/>
+          </a:p>
+        </p:txBody>
+      </p:sp>
+      <p:pic>
+        <p:nvPicPr>
+          <p:cNvPr id="4" name="Content Placeholder 3"/>
+          <p:cNvPicPr>
+            <a:picLocks noChangeAspect="1"/>
+          </p:cNvPicPr>
+          <p:nvPr>
+            <p:ph sz="half" idx="1"/>
+          </p:nvPr>
+        </p:nvPicPr>
+        <p:blipFill>
+          <a:blip r:embed="rId1"/>
+          <a:stretch>
+            <a:fillRect/>
+          </a:stretch>
+        </p:blipFill>
+        <p:spPr>
+          <a:xfrm>
+            <a:off x="864235" y="1825625"/>
+            <a:ext cx="4747895" cy="4351655"/>
           </a:xfrm>
           <a:prstGeom prst="rect">
             <a:avLst/>
@@ -5481,8 +6188,250 @@
         </p:blipFill>
         <p:spPr>
           <a:xfrm>
-            <a:off x="7000240" y="1390650"/>
-            <a:ext cx="3143885" cy="5220970"/>
+            <a:off x="6278880" y="2924175"/>
+            <a:ext cx="4587240" cy="2153920"/>
+          </a:xfrm>
+          <a:prstGeom prst="rect">
+            <a:avLst/>
+          </a:prstGeom>
+        </p:spPr>
+      </p:pic>
+    </p:spTree>
+  </p:cSld>
+  <p:clrMapOvr>
+    <a:masterClrMapping/>
+  </p:clrMapOvr>
+  <p:timing>
+    <p:tnLst>
+      <p:par>
+        <p:cTn id="1" dur="indefinite" restart="never" nodeType="tmRoot">
+          <p:childTnLst>
+            <p:seq concurrent="1" nextAc="seek">
+              <p:cTn id="2" dur="indefinite" nodeType="mainSeq">
+                <p:childTnLst>
+                  <p:par>
+                    <p:cTn id="3" fill="hold">
+                      <p:stCondLst>
+                        <p:cond delay="indefinite"/>
+                      </p:stCondLst>
+                      <p:childTnLst>
+                        <p:par>
+                          <p:cTn id="4" fill="hold">
+                            <p:stCondLst>
+                              <p:cond delay="0"/>
+                            </p:stCondLst>
+                            <p:childTnLst>
+                              <p:par>
+                                <p:cTn id="5" presetID="5" presetClass="entr" presetSubtype="10" fill="hold" grpId="0" nodeType="clickEffect">
+                                  <p:stCondLst>
+                                    <p:cond delay="0"/>
+                                  </p:stCondLst>
+                                  <p:childTnLst>
+                                    <p:set>
+                                      <p:cBhvr>
+                                        <p:cTn id="6" dur="1" fill="hold">
+                                          <p:stCondLst>
+                                            <p:cond delay="0"/>
+                                          </p:stCondLst>
+                                        </p:cTn>
+                                        <p:tgtEl>
+                                          <p:spTgt spid="9"/>
+                                        </p:tgtEl>
+                                        <p:attrNameLst>
+                                          <p:attrName>style.visibility</p:attrName>
+                                        </p:attrNameLst>
+                                      </p:cBhvr>
+                                      <p:to>
+                                        <p:strVal val="visible"/>
+                                      </p:to>
+                                    </p:set>
+                                    <p:animEffect transition="in" filter="checkerboard(across)">
+                                      <p:cBhvr>
+                                        <p:cTn id="7" dur="500"/>
+                                        <p:tgtEl>
+                                          <p:spTgt spid="9"/>
+                                        </p:tgtEl>
+                                      </p:cBhvr>
+                                    </p:animEffect>
+                                  </p:childTnLst>
+                                </p:cTn>
+                              </p:par>
+                            </p:childTnLst>
+                          </p:cTn>
+                        </p:par>
+                      </p:childTnLst>
+                    </p:cTn>
+                  </p:par>
+                </p:childTnLst>
+              </p:cTn>
+              <p:prevCondLst>
+                <p:cond evt="onPrev" delay="0">
+                  <p:tgtEl>
+                    <p:sldTgt/>
+                  </p:tgtEl>
+                </p:cond>
+              </p:prevCondLst>
+              <p:nextCondLst>
+                <p:cond evt="onNext" delay="0">
+                  <p:tgtEl>
+                    <p:sldTgt/>
+                  </p:tgtEl>
+                </p:cond>
+              </p:nextCondLst>
+            </p:seq>
+          </p:childTnLst>
+        </p:cTn>
+      </p:par>
+    </p:tnLst>
+    <p:bldLst>
+      <p:bldP spid="9" grpId="0"/>
+    </p:bldLst>
+  </p:timing>
+</p:sld>
+</file>
+
+<file path=ppt/slides/slide23.xml><?xml version="1.0" encoding="utf-8"?>
+<p:sld xmlns:a="http://schemas.openxmlformats.org/drawingml/2006/main" xmlns:r="http://schemas.openxmlformats.org/officeDocument/2006/relationships" xmlns:p="http://schemas.openxmlformats.org/presentationml/2006/main">
+  <p:cSld>
+    <p:spTree>
+      <p:nvGrpSpPr>
+        <p:cNvPr id="1" name=""/>
+        <p:cNvGrpSpPr/>
+        <p:nvPr/>
+      </p:nvGrpSpPr>
+      <p:grpSpPr/>
+      <p:sp>
+        <p:nvSpPr>
+          <p:cNvPr id="2" name="Title 1"/>
+          <p:cNvSpPr>
+            <a:spLocks noGrp="1"/>
+          </p:cNvSpPr>
+          <p:nvPr>
+            <p:ph type="title"/>
+          </p:nvPr>
+        </p:nvSpPr>
+        <p:spPr/>
+        <p:txBody>
+          <a:bodyPr/>
+          <a:p>
+            <a:r>
+              <a:rPr lang="zh-CN" altLang="en-US"/>
+              <a:t>第</a:t>
+            </a:r>
+            <a:r>
+              <a:rPr lang="en-US" altLang="zh-CN"/>
+              <a:t>2</a:t>
+            </a:r>
+            <a:r>
+              <a:rPr lang="zh-CN" altLang="en-US"/>
+              <a:t>章：内联</a:t>
+            </a:r>
+            <a:endParaRPr lang="zh-CN" altLang="en-US"/>
+          </a:p>
+        </p:txBody>
+      </p:sp>
+    </p:spTree>
+  </p:cSld>
+  <p:clrMapOvr>
+    <a:masterClrMapping/>
+  </p:clrMapOvr>
+</p:sld>
+</file>
+
+<file path=ppt/slides/slide24.xml><?xml version="1.0" encoding="utf-8"?>
+<p:sld xmlns:a="http://schemas.openxmlformats.org/drawingml/2006/main" xmlns:r="http://schemas.openxmlformats.org/officeDocument/2006/relationships" xmlns:p="http://schemas.openxmlformats.org/presentationml/2006/main">
+  <p:cSld>
+    <p:spTree>
+      <p:nvGrpSpPr>
+        <p:cNvPr id="1" name=""/>
+        <p:cNvGrpSpPr/>
+        <p:nvPr/>
+      </p:nvGrpSpPr>
+      <p:grpSpPr/>
+      <p:sp>
+        <p:nvSpPr>
+          <p:cNvPr id="2" name="Title 1"/>
+          <p:cNvSpPr>
+            <a:spLocks noGrp="1"/>
+          </p:cNvSpPr>
+          <p:nvPr>
+            <p:ph type="title"/>
+          </p:nvPr>
+        </p:nvSpPr>
+        <p:spPr/>
+        <p:txBody>
+          <a:bodyPr/>
+          <a:p>
+            <a:r>
+              <a:rPr lang="zh-CN" altLang="en-US">
+                <a:sym typeface="+mn-ea"/>
+              </a:rPr>
+              <a:t>调用其他函数：</a:t>
+            </a:r>
+            <a:r>
+              <a:rPr lang="en-US" altLang="zh-CN">
+                <a:sym typeface="+mn-ea"/>
+              </a:rPr>
+              <a:t>call </a:t>
+            </a:r>
+            <a:r>
+              <a:rPr lang="zh-CN" altLang="en-US">
+                <a:sym typeface="+mn-ea"/>
+              </a:rPr>
+              <a:t>指令</a:t>
+            </a:r>
+            <a:endParaRPr lang="zh-CN" altLang="en-US">
+              <a:sym typeface="+mn-ea"/>
+            </a:endParaRPr>
+          </a:p>
+        </p:txBody>
+      </p:sp>
+      <p:pic>
+        <p:nvPicPr>
+          <p:cNvPr id="6" name="Content Placeholder 5"/>
+          <p:cNvPicPr>
+            <a:picLocks noChangeAspect="1"/>
+          </p:cNvPicPr>
+          <p:nvPr>
+            <p:ph sz="half" idx="2"/>
+          </p:nvPr>
+        </p:nvPicPr>
+        <p:blipFill>
+          <a:blip r:embed="rId1"/>
+          <a:stretch>
+            <a:fillRect/>
+          </a:stretch>
+        </p:blipFill>
+        <p:spPr>
+          <a:xfrm>
+            <a:off x="6144260" y="2019300"/>
+            <a:ext cx="4856480" cy="3963670"/>
+          </a:xfrm>
+          <a:prstGeom prst="rect">
+            <a:avLst/>
+          </a:prstGeom>
+        </p:spPr>
+      </p:pic>
+      <p:pic>
+        <p:nvPicPr>
+          <p:cNvPr id="7" name="Content Placeholder 6"/>
+          <p:cNvPicPr>
+            <a:picLocks noChangeAspect="1"/>
+          </p:cNvPicPr>
+          <p:nvPr>
+            <p:ph sz="half" idx="1"/>
+          </p:nvPr>
+        </p:nvPicPr>
+        <p:blipFill>
+          <a:blip r:embed="rId2"/>
+          <a:stretch>
+            <a:fillRect/>
+          </a:stretch>
+        </p:blipFill>
+        <p:spPr>
+          <a:xfrm>
+            <a:off x="650240" y="2838450"/>
+            <a:ext cx="5175250" cy="2325370"/>
           </a:xfrm>
           <a:prstGeom prst="rect">
             <a:avLst/>
@@ -5505,193 +6454,6 @@
         </p:blipFill>
         <p:spPr>
           <a:xfrm>
-            <a:off x="7000240" y="955675"/>
-            <a:ext cx="3238500" cy="266700"/>
-          </a:xfrm>
-          <a:prstGeom prst="rect">
-            <a:avLst/>
-          </a:prstGeom>
-        </p:spPr>
-      </p:pic>
-      <p:sp>
-        <p:nvSpPr>
-          <p:cNvPr id="9" name="Text Box 8"/>
-          <p:cNvSpPr txBox="1"/>
-          <p:nvPr/>
-        </p:nvSpPr>
-        <p:spPr>
-          <a:xfrm>
-            <a:off x="1458595" y="1649730"/>
-            <a:ext cx="2777490" cy="922020"/>
-          </a:xfrm>
-          <a:prstGeom prst="rect">
-            <a:avLst/>
-          </a:prstGeom>
-          <a:noFill/>
-        </p:spPr>
-        <p:txBody>
-          <a:bodyPr wrap="square" rtlCol="0">
-            <a:spAutoFit/>
-          </a:bodyPr>
-          <a:p>
-            <a:r>
-              <a:rPr lang="en-US"/>
-              <a:t>lea</a:t>
-            </a:r>
-            <a:r>
-              <a:rPr lang="zh-CN" altLang="en-US"/>
-              <a:t>：加载字符串的地址</a:t>
-            </a:r>
-            <a:endParaRPr lang="zh-CN" altLang="en-US"/>
-          </a:p>
-          <a:p>
-            <a:r>
-              <a:rPr lang="en-US" altLang="zh-CN"/>
-              <a:t>rdi</a:t>
-            </a:r>
-            <a:r>
-              <a:rPr lang="zh-CN" altLang="en-US"/>
-              <a:t>：第一个参数寄存器</a:t>
-            </a:r>
-            <a:endParaRPr lang="zh-CN" altLang="en-US"/>
-          </a:p>
-          <a:p>
-            <a:r>
-              <a:rPr lang="en-US" altLang="zh-CN"/>
-              <a:t>eax</a:t>
-            </a:r>
-            <a:r>
-              <a:rPr lang="zh-CN" altLang="en-US"/>
-              <a:t>：返回值寄存器</a:t>
-            </a:r>
-            <a:endParaRPr lang="zh-CN" altLang="en-US"/>
-          </a:p>
-        </p:txBody>
-      </p:sp>
-    </p:spTree>
-  </p:cSld>
-  <p:clrMapOvr>
-    <a:masterClrMapping/>
-  </p:clrMapOvr>
-</p:sld>
-</file>
-
-<file path=ppt/slides/slide20.xml><?xml version="1.0" encoding="utf-8"?>
-<p:sld xmlns:a="http://schemas.openxmlformats.org/drawingml/2006/main" xmlns:r="http://schemas.openxmlformats.org/officeDocument/2006/relationships" xmlns:p="http://schemas.openxmlformats.org/presentationml/2006/main">
-  <p:cSld>
-    <p:spTree>
-      <p:nvGrpSpPr>
-        <p:cNvPr id="1" name=""/>
-        <p:cNvGrpSpPr/>
-        <p:nvPr/>
-      </p:nvGrpSpPr>
-      <p:grpSpPr/>
-      <p:sp>
-        <p:nvSpPr>
-          <p:cNvPr id="2" name="Title 1"/>
-          <p:cNvSpPr>
-            <a:spLocks noGrp="1"/>
-          </p:cNvSpPr>
-          <p:nvPr>
-            <p:ph type="title"/>
-          </p:nvPr>
-        </p:nvSpPr>
-        <p:spPr/>
-        <p:txBody>
-          <a:bodyPr/>
-          <a:p>
-            <a:r>
-              <a:rPr lang="zh-CN" altLang="en-US">
-                <a:sym typeface="+mn-ea"/>
-              </a:rPr>
-              <a:t>调用其他函数：</a:t>
-            </a:r>
-            <a:r>
-              <a:rPr lang="en-US" altLang="zh-CN">
-                <a:sym typeface="+mn-ea"/>
-              </a:rPr>
-              <a:t>call </a:t>
-            </a:r>
-            <a:r>
-              <a:rPr lang="zh-CN" altLang="en-US">
-                <a:sym typeface="+mn-ea"/>
-              </a:rPr>
-              <a:t>指令</a:t>
-            </a:r>
-            <a:endParaRPr lang="zh-CN" altLang="en-US">
-              <a:sym typeface="+mn-ea"/>
-            </a:endParaRPr>
-          </a:p>
-        </p:txBody>
-      </p:sp>
-      <p:pic>
-        <p:nvPicPr>
-          <p:cNvPr id="6" name="Content Placeholder 5"/>
-          <p:cNvPicPr>
-            <a:picLocks noChangeAspect="1"/>
-          </p:cNvPicPr>
-          <p:nvPr>
-            <p:ph sz="half" idx="2"/>
-          </p:nvPr>
-        </p:nvPicPr>
-        <p:blipFill>
-          <a:blip r:embed="rId1"/>
-          <a:stretch>
-            <a:fillRect/>
-          </a:stretch>
-        </p:blipFill>
-        <p:spPr>
-          <a:xfrm>
-            <a:off x="6144260" y="2019300"/>
-            <a:ext cx="4856480" cy="3963670"/>
-          </a:xfrm>
-          <a:prstGeom prst="rect">
-            <a:avLst/>
-          </a:prstGeom>
-        </p:spPr>
-      </p:pic>
-      <p:pic>
-        <p:nvPicPr>
-          <p:cNvPr id="7" name="Content Placeholder 6"/>
-          <p:cNvPicPr>
-            <a:picLocks noChangeAspect="1"/>
-          </p:cNvPicPr>
-          <p:nvPr>
-            <p:ph sz="half" idx="1"/>
-          </p:nvPr>
-        </p:nvPicPr>
-        <p:blipFill>
-          <a:blip r:embed="rId2"/>
-          <a:stretch>
-            <a:fillRect/>
-          </a:stretch>
-        </p:blipFill>
-        <p:spPr>
-          <a:xfrm>
-            <a:off x="650240" y="2838450"/>
-            <a:ext cx="5175250" cy="2325370"/>
-          </a:xfrm>
-          <a:prstGeom prst="rect">
-            <a:avLst/>
-          </a:prstGeom>
-        </p:spPr>
-      </p:pic>
-      <p:pic>
-        <p:nvPicPr>
-          <p:cNvPr id="8" name="Picture 7"/>
-          <p:cNvPicPr>
-            <a:picLocks noChangeAspect="1"/>
-          </p:cNvPicPr>
-          <p:nvPr/>
-        </p:nvPicPr>
-        <p:blipFill>
-          <a:blip r:embed="rId3"/>
-          <a:stretch>
-            <a:fillRect/>
-          </a:stretch>
-        </p:blipFill>
-        <p:spPr>
-          <a:xfrm>
             <a:off x="3680460" y="0"/>
             <a:ext cx="8511540" cy="315595"/>
           </a:xfrm>
@@ -5708,7 +6470,7 @@
 </p:sld>
 </file>
 
-<file path=ppt/slides/slide21.xml><?xml version="1.0" encoding="utf-8"?>
+<file path=ppt/slides/slide25.xml><?xml version="1.0" encoding="utf-8"?>
 <p:sld xmlns:a="http://schemas.openxmlformats.org/drawingml/2006/main" xmlns:r="http://schemas.openxmlformats.org/officeDocument/2006/relationships" xmlns:p="http://schemas.openxmlformats.org/presentationml/2006/main">
   <p:cSld>
     <p:spTree>
@@ -5846,7 +6608,7 @@
 </p:sld>
 </file>
 
-<file path=ppt/slides/slide22.xml><?xml version="1.0" encoding="utf-8"?>
+<file path=ppt/slides/slide26.xml><?xml version="1.0" encoding="utf-8"?>
 <p:sld xmlns:a="http://schemas.openxmlformats.org/drawingml/2006/main" xmlns:r="http://schemas.openxmlformats.org/officeDocument/2006/relationships" xmlns:p="http://schemas.openxmlformats.org/presentationml/2006/main">
   <p:cSld>
     <p:spTree>
@@ -6198,7 +6960,7 @@
 </p:sld>
 </file>
 
-<file path=ppt/slides/slide23.xml><?xml version="1.0" encoding="utf-8"?>
+<file path=ppt/slides/slide27.xml><?xml version="1.0" encoding="utf-8"?>
 <p:sld xmlns:a="http://schemas.openxmlformats.org/drawingml/2006/main" xmlns:r="http://schemas.openxmlformats.org/officeDocument/2006/relationships" xmlns:p="http://schemas.openxmlformats.org/presentationml/2006/main">
   <p:cSld>
     <p:spTree>
@@ -6448,7 +7210,7 @@
 </p:sld>
 </file>
 
-<file path=ppt/slides/slide24.xml><?xml version="1.0" encoding="utf-8"?>
+<file path=ppt/slides/slide28.xml><?xml version="1.0" encoding="utf-8"?>
 <p:sld xmlns:a="http://schemas.openxmlformats.org/drawingml/2006/main" xmlns:r="http://schemas.openxmlformats.org/officeDocument/2006/relationships" xmlns:p="http://schemas.openxmlformats.org/presentationml/2006/main">
   <p:cSld>
     <p:spTree>
@@ -6729,7 +7491,7 @@
 </p:sld>
 </file>
 
-<file path=ppt/slides/slide25.xml><?xml version="1.0" encoding="utf-8"?>
+<file path=ppt/slides/slide29.xml><?xml version="1.0" encoding="utf-8"?>
 <p:sld xmlns:a="http://schemas.openxmlformats.org/drawingml/2006/main" xmlns:r="http://schemas.openxmlformats.org/officeDocument/2006/relationships" xmlns:p="http://schemas.openxmlformats.org/presentationml/2006/main">
   <p:cSld>
     <p:spTree>
@@ -6759,15 +7521,15 @@
             </a:r>
             <a:r>
               <a:rPr lang="zh-CN" altLang="en-US"/>
-              <a:t>关键字？编译器不是傻子</a:t>
-            </a:r>
-            <a:endParaRPr lang="zh-CN" altLang="en-US"/>
+              <a:t>关键字？不需要！</a:t>
+            </a:r>
+            <a:endParaRPr lang="en-US" altLang="zh-CN"/>
           </a:p>
         </p:txBody>
       </p:sp>
       <p:pic>
         <p:nvPicPr>
-          <p:cNvPr id="8" name="Picture 7"/>
+          <p:cNvPr id="10" name="Picture 9"/>
           <p:cNvPicPr>
             <a:picLocks noChangeAspect="1"/>
           </p:cNvPicPr>
@@ -6781,8 +7543,8 @@
         </p:blipFill>
         <p:spPr>
           <a:xfrm>
-            <a:off x="3005455" y="1601470"/>
-            <a:ext cx="2267585" cy="1336040"/>
+            <a:off x="563245" y="1426845"/>
+            <a:ext cx="2404745" cy="1297940"/>
           </a:xfrm>
           <a:prstGeom prst="rect">
             <a:avLst/>
@@ -6791,7 +7553,7 @@
       </p:pic>
       <p:pic>
         <p:nvPicPr>
-          <p:cNvPr id="9" name="Picture 8"/>
+          <p:cNvPr id="11" name="Picture 10"/>
           <p:cNvPicPr>
             <a:picLocks noChangeAspect="1"/>
           </p:cNvPicPr>
@@ -6805,8 +7567,8 @@
         </p:blipFill>
         <p:spPr>
           <a:xfrm>
-            <a:off x="5877560" y="1249045"/>
-            <a:ext cx="3046730" cy="1670050"/>
+            <a:off x="6000115" y="1434465"/>
+            <a:ext cx="3046095" cy="1336040"/>
           </a:xfrm>
           <a:prstGeom prst="rect">
             <a:avLst/>
@@ -6815,7 +7577,7 @@
       </p:pic>
       <p:pic>
         <p:nvPicPr>
-          <p:cNvPr id="10" name="Picture 9"/>
+          <p:cNvPr id="12" name="Picture 11"/>
           <p:cNvPicPr>
             <a:picLocks noChangeAspect="1"/>
           </p:cNvPicPr>
@@ -6829,55 +7591,7 @@
         </p:blipFill>
         <p:spPr>
           <a:xfrm>
-            <a:off x="440690" y="5259070"/>
-            <a:ext cx="2404745" cy="1297940"/>
-          </a:xfrm>
-          <a:prstGeom prst="rect">
-            <a:avLst/>
-          </a:prstGeom>
-        </p:spPr>
-      </p:pic>
-      <p:pic>
-        <p:nvPicPr>
-          <p:cNvPr id="11" name="Picture 10"/>
-          <p:cNvPicPr>
-            <a:picLocks noChangeAspect="1"/>
-          </p:cNvPicPr>
-          <p:nvPr/>
-        </p:nvPicPr>
-        <p:blipFill>
-          <a:blip r:embed="rId4"/>
-          <a:stretch>
-            <a:fillRect/>
-          </a:stretch>
-        </p:blipFill>
-        <p:spPr>
-          <a:xfrm>
-            <a:off x="5877560" y="5266690"/>
-            <a:ext cx="3046095" cy="1336040"/>
-          </a:xfrm>
-          <a:prstGeom prst="rect">
-            <a:avLst/>
-          </a:prstGeom>
-        </p:spPr>
-      </p:pic>
-      <p:pic>
-        <p:nvPicPr>
-          <p:cNvPr id="12" name="Picture 11"/>
-          <p:cNvPicPr>
-            <a:picLocks noChangeAspect="1"/>
-          </p:cNvPicPr>
-          <p:nvPr/>
-        </p:nvPicPr>
-        <p:blipFill>
-          <a:blip r:embed="rId1"/>
-          <a:stretch>
-            <a:fillRect/>
-          </a:stretch>
-        </p:blipFill>
-        <p:spPr>
-          <a:xfrm>
-            <a:off x="3005455" y="5241290"/>
+            <a:off x="3128010" y="1409065"/>
             <a:ext cx="2267585" cy="1336040"/>
           </a:xfrm>
           <a:prstGeom prst="rect">
@@ -6894,62 +7608,14 @@
           <p:nvPr/>
         </p:nvPicPr>
         <p:blipFill>
-          <a:blip r:embed="rId1"/>
+          <a:blip r:embed="rId3"/>
           <a:stretch>
             <a:fillRect/>
           </a:stretch>
         </p:blipFill>
         <p:spPr>
           <a:xfrm>
-            <a:off x="9187815" y="5266690"/>
-            <a:ext cx="2267585" cy="1336040"/>
-          </a:xfrm>
-          <a:prstGeom prst="rect">
-            <a:avLst/>
-          </a:prstGeom>
-        </p:spPr>
-      </p:pic>
-      <p:pic>
-        <p:nvPicPr>
-          <p:cNvPr id="14" name="Picture 13"/>
-          <p:cNvPicPr>
-            <a:picLocks noChangeAspect="1"/>
-          </p:cNvPicPr>
-          <p:nvPr/>
-        </p:nvPicPr>
-        <p:blipFill>
-          <a:blip r:embed="rId5"/>
-          <a:stretch>
-            <a:fillRect/>
-          </a:stretch>
-        </p:blipFill>
-        <p:spPr>
-          <a:xfrm>
-            <a:off x="647700" y="1595755"/>
-            <a:ext cx="2197735" cy="1341755"/>
-          </a:xfrm>
-          <a:prstGeom prst="rect">
-            <a:avLst/>
-          </a:prstGeom>
-        </p:spPr>
-      </p:pic>
-      <p:pic>
-        <p:nvPicPr>
-          <p:cNvPr id="15" name="Picture 14"/>
-          <p:cNvPicPr>
-            <a:picLocks noChangeAspect="1"/>
-          </p:cNvPicPr>
-          <p:nvPr/>
-        </p:nvPicPr>
-        <p:blipFill>
-          <a:blip r:embed="rId1"/>
-          <a:stretch>
-            <a:fillRect/>
-          </a:stretch>
-        </p:blipFill>
-        <p:spPr>
-          <a:xfrm>
-            <a:off x="9187815" y="1583055"/>
+            <a:off x="9310370" y="1434465"/>
             <a:ext cx="2267585" cy="1336040"/>
           </a:xfrm>
           <a:prstGeom prst="rect">
@@ -6965,8 +7631,8 @@
         </p:nvSpPr>
         <p:spPr>
           <a:xfrm>
-            <a:off x="2845435" y="2959735"/>
-            <a:ext cx="7919720" cy="2306955"/>
+            <a:off x="2487930" y="3608070"/>
+            <a:ext cx="7919720" cy="2030095"/>
           </a:xfrm>
           <a:prstGeom prst="rect">
             <a:avLst/>
@@ -6987,7 +7653,15 @@
           <a:p>
             <a:r>
               <a:rPr lang="zh-CN" altLang="en-US"/>
-              <a:t>结论：在现代编译器中，</a:t>
+              <a:t>结论：在现代编译器的高强度优化下，</a:t>
+            </a:r>
+            <a:r>
+              <a:rPr lang="zh-CN" altLang="en-US" b="1"/>
+              <a:t>加不加</a:t>
+            </a:r>
+            <a:r>
+              <a:rPr lang="en-US" altLang="zh-CN" b="1"/>
+              <a:t> </a:t>
             </a:r>
             <a:r>
               <a:rPr lang="en-US" b="1"/>
@@ -6995,15 +7669,7 @@
             </a:r>
             <a:r>
               <a:rPr lang="zh-CN" altLang="en-US" b="1"/>
-              <a:t>和</a:t>
-            </a:r>
-            <a:r>
-              <a:rPr lang="en-US" altLang="zh-CN" b="1"/>
-              <a:t> static </a:t>
-            </a:r>
-            <a:r>
-              <a:rPr lang="zh-CN" altLang="en-US" b="1"/>
-              <a:t>等价</a:t>
+              <a:t>无所谓</a:t>
             </a:r>
             <a:endParaRPr lang="zh-CN" altLang="en-US"/>
           </a:p>
@@ -7039,7 +7705,7 @@
             </a:r>
             <a:r>
               <a:rPr lang="zh-CN" altLang="en-US" b="1"/>
-              <a:t>只取决于是否定义在同一个文件内</a:t>
+              <a:t>只取决于是否在同文件，且函数体够小</a:t>
             </a:r>
             <a:endParaRPr lang="zh-CN" altLang="en-US"/>
           </a:p>
@@ -7083,27 +7749,8 @@
           </a:p>
           <a:p>
             <a:r>
-              <a:rPr lang="en-US" altLang="zh-CN"/>
-              <a:t>constexpr </a:t>
-            </a:r>
-            <a:r>
-              <a:rPr lang="zh-CN" altLang="en-US"/>
-              <a:t>同理，不过是</a:t>
-            </a:r>
-            <a:r>
-              <a:rPr lang="en-US" altLang="zh-CN"/>
-              <a:t> constexpr </a:t>
-            </a:r>
-            <a:r>
-              <a:rPr lang="zh-CN" altLang="en-US"/>
-              <a:t>函数都是出现在同一个文件，所以才快</a:t>
-            </a:r>
-            <a:endParaRPr lang="zh-CN" altLang="en-US"/>
-          </a:p>
-          <a:p>
-            <a:r>
-              <a:rPr lang="zh-CN" altLang="en-US"/>
-              <a:t>并不是因为这些关键字本身有什么魔力！只需要处于同一个文件就够了</a:t>
+              <a:rPr lang="zh-CN" altLang="en-US"/>
+              <a:t>如果你不确定某修改是否能提升性能，那你最好实际测一下，不要脑内模拟</a:t>
             </a:r>
             <a:endParaRPr lang="zh-CN" altLang="en-US"/>
           </a:p>
@@ -7203,208 +7850,6 @@
 </p:sld>
 </file>
 
-<file path=ppt/slides/slide26.xml><?xml version="1.0" encoding="utf-8"?>
-<p:sld xmlns:a="http://schemas.openxmlformats.org/drawingml/2006/main" xmlns:r="http://schemas.openxmlformats.org/officeDocument/2006/relationships" xmlns:p="http://schemas.openxmlformats.org/presentationml/2006/main">
-  <p:cSld>
-    <p:spTree>
-      <p:nvGrpSpPr>
-        <p:cNvPr id="1" name=""/>
-        <p:cNvGrpSpPr/>
-        <p:nvPr/>
-      </p:nvGrpSpPr>
-      <p:grpSpPr/>
-      <p:sp>
-        <p:nvSpPr>
-          <p:cNvPr id="2" name="Title 1"/>
-          <p:cNvSpPr>
-            <a:spLocks noGrp="1"/>
-          </p:cNvSpPr>
-          <p:nvPr>
-            <p:ph type="title"/>
-          </p:nvPr>
-        </p:nvSpPr>
-        <p:spPr/>
-        <p:txBody>
-          <a:bodyPr/>
-          <a:p>
-            <a:r>
-              <a:rPr lang="zh-CN" altLang="en-US">
-                <a:sym typeface="+mn-ea"/>
-              </a:rPr>
-              <a:t>无内鬼？来点</a:t>
-            </a:r>
-            <a:r>
-              <a:rPr lang="zh-CN" altLang="en-US">
-                <a:sym typeface="+mn-ea"/>
-              </a:rPr>
-              <a:t>“</a:t>
-            </a:r>
-            <a:r>
-              <a:rPr lang="zh-CN" altLang="en-US">
-                <a:sym typeface="+mn-ea"/>
-              </a:rPr>
-              <a:t>大厂面试官”笑话</a:t>
-            </a:r>
-            <a:endParaRPr lang="en-US"/>
-          </a:p>
-        </p:txBody>
-      </p:sp>
-      <p:sp>
-        <p:nvSpPr>
-          <p:cNvPr id="3" name="Content Placeholder 2"/>
-          <p:cNvSpPr>
-            <a:spLocks noGrp="1"/>
-          </p:cNvSpPr>
-          <p:nvPr>
-            <p:ph idx="1"/>
-          </p:nvPr>
-        </p:nvSpPr>
-        <p:spPr/>
-        <p:txBody>
-          <a:bodyPr/>
-          <a:p>
-            <a:r>
-              <a:rPr lang="zh-CN" altLang="en-US"/>
-              <a:t>同样沦为笑柄的还有</a:t>
-            </a:r>
-            <a:r>
-              <a:rPr lang="en-US" altLang="zh-CN"/>
-              <a:t> register </a:t>
-            </a:r>
-            <a:r>
-              <a:rPr lang="zh-CN" altLang="en-US"/>
-              <a:t>关键字，曰：可以让一个变量使用寄存器存储，更高效。</a:t>
-            </a:r>
-            <a:endParaRPr lang="zh-CN" altLang="en-US"/>
-          </a:p>
-          <a:p>
-            <a:r>
-              <a:rPr lang="zh-CN" altLang="en-US"/>
-              <a:t>能把等差数列求和优化成</a:t>
-            </a:r>
-            <a:r>
-              <a:rPr lang="en-US" altLang="zh-CN"/>
-              <a:t> 5050 </a:t>
-            </a:r>
-            <a:r>
-              <a:rPr lang="zh-CN" altLang="en-US"/>
-              <a:t>的编译器笑着看着你，说道：还要你提醒吗？</a:t>
-            </a:r>
-            <a:endParaRPr lang="zh-CN" altLang="en-US"/>
-          </a:p>
-          <a:p>
-            <a:r>
-              <a:rPr lang="zh-CN" altLang="en-US"/>
-              <a:t>所以，如果某</a:t>
-            </a:r>
-            <a:r>
-              <a:rPr lang="zh-CN" altLang="en-US">
-                <a:sym typeface="+mn-ea"/>
-              </a:rPr>
-              <a:t>“</a:t>
-            </a:r>
-            <a:r>
-              <a:rPr lang="zh-CN" altLang="en-US"/>
-              <a:t>面试官”试图考考你</a:t>
-            </a:r>
-            <a:r>
-              <a:rPr lang="en-US" altLang="zh-CN"/>
-              <a:t> register </a:t>
-            </a:r>
-            <a:r>
-              <a:rPr lang="zh-CN" altLang="en-US"/>
-              <a:t>和</a:t>
-            </a:r>
-            <a:r>
-              <a:rPr lang="en-US" altLang="zh-CN"/>
-              <a:t> inline </a:t>
-            </a:r>
-            <a:r>
-              <a:rPr lang="zh-CN" altLang="en-US"/>
-              <a:t>的所谓“优化技巧</a:t>
-            </a:r>
-            <a:r>
-              <a:rPr lang="zh-CN" altLang="en-US">
-                <a:sym typeface="+mn-ea"/>
-              </a:rPr>
-              <a:t>”</a:t>
-            </a:r>
-            <a:r>
-              <a:rPr lang="zh-CN" altLang="en-US"/>
-              <a:t>，你直接把小彭老师这两页</a:t>
-            </a:r>
-            <a:r>
-              <a:rPr lang="en-US" altLang="zh-CN"/>
-              <a:t> ppt</a:t>
-            </a:r>
-            <a:r>
-              <a:rPr lang="zh-CN" altLang="en-US"/>
-              <a:t>，</a:t>
-            </a:r>
-            <a:r>
-              <a:rPr lang="zh-CN" altLang="en-US"/>
-              <a:t>贴到他脸上即可。</a:t>
-            </a:r>
-            <a:endParaRPr lang="zh-CN" altLang="en-US"/>
-          </a:p>
-          <a:p>
-            <a:r>
-              <a:rPr lang="zh-CN" altLang="en-US"/>
-              <a:t>明明实验一下就知道的事，还在照着上世纪谭某强教材念。古有纸上谈兵，今有脑内编程。</a:t>
-            </a:r>
-            <a:endParaRPr lang="zh-CN" altLang="en-US"/>
-          </a:p>
-          <a:p>
-            <a:r>
-              <a:rPr lang="zh-CN" altLang="en-US"/>
-              <a:t>计算机编程又不是量子物理广义相对论，我们每个人都有电脑，做一下实验很容易，可总有所谓的“老师”就不肯动动手敲几行命令（写</a:t>
-            </a:r>
-            <a:r>
-              <a:rPr lang="en-US" altLang="zh-CN"/>
-              <a:t>doc</a:t>
-            </a:r>
-            <a:r>
-              <a:rPr lang="zh-CN" altLang="en-US"/>
-              <a:t>文件倒挺勤的），在那里传播虚假知识。</a:t>
-            </a:r>
-            <a:endParaRPr lang="zh-CN" altLang="en-US"/>
-          </a:p>
-          <a:p>
-            <a:r>
-              <a:rPr lang="zh-CN" altLang="en-US"/>
-              <a:t>在线做编译器实验推荐这个网站：</a:t>
-            </a:r>
-            <a:r>
-              <a:rPr lang="en-US" altLang="zh-CN"/>
-              <a:t>https://godbolt.org/</a:t>
-            </a:r>
-            <a:endParaRPr lang="en-US" altLang="zh-CN"/>
-          </a:p>
-          <a:p>
-            <a:r>
-              <a:rPr lang="zh-CN" altLang="en-US"/>
-              <a:t>可以实时看源代码编译的结果，还能选不同的编译器版本和</a:t>
-            </a:r>
-            <a:r>
-              <a:rPr lang="en-US" altLang="zh-CN"/>
-              <a:t> flag</a:t>
-            </a:r>
-            <a:r>
-              <a:rPr lang="zh-CN" altLang="en-US"/>
-              <a:t>。</a:t>
-            </a:r>
-            <a:endParaRPr lang="zh-CN" altLang="en-US"/>
-          </a:p>
-        </p:txBody>
-      </p:sp>
-    </p:spTree>
-  </p:cSld>
-  <p:clrMapOvr>
-    <a:masterClrMapping/>
-  </p:clrMapOvr>
-</p:sld>
-</file>
-
 <file path=ppt/slides/slide3.xml><?xml version="1.0" encoding="utf-8"?>
 <p:sld xmlns:a="http://schemas.openxmlformats.org/drawingml/2006/main" xmlns:r="http://schemas.openxmlformats.org/officeDocument/2006/relationships" xmlns:p="http://schemas.openxmlformats.org/presentationml/2006/main">
   <p:cSld>
@@ -7430,24 +7875,30 @@
           <a:bodyPr/>
           <a:p>
             <a:r>
-              <a:rPr lang="zh-CN" altLang="en-US"/>
-              <a:t>启用优化：</a:t>
+              <a:rPr lang="zh-CN"/>
+              <a:t>编译器：从</a:t>
             </a:r>
             <a:r>
               <a:rPr lang="en-US" altLang="zh-CN"/>
-              <a:t>-O3</a:t>
-            </a:r>
-            <a:endParaRPr lang="en-US" altLang="zh-CN"/>
+              <a:t>C++</a:t>
+            </a:r>
+            <a:r>
+              <a:rPr lang="zh-CN"/>
+              <a:t>源码到汇编指令</a:t>
+            </a:r>
+            <a:endParaRPr lang="zh-CN"/>
           </a:p>
         </p:txBody>
       </p:sp>
       <p:pic>
         <p:nvPicPr>
-          <p:cNvPr id="5" name="Picture 4"/>
+          <p:cNvPr id="6" name="Content Placeholder 5"/>
           <p:cNvPicPr>
             <a:picLocks noChangeAspect="1"/>
           </p:cNvPicPr>
-          <p:nvPr/>
+          <p:nvPr>
+            <p:ph sz="half" idx="1"/>
+          </p:nvPr>
         </p:nvPicPr>
         <p:blipFill>
           <a:blip r:embed="rId1"/>
@@ -7457,8 +7908,8 @@
         </p:blipFill>
         <p:spPr>
           <a:xfrm>
-            <a:off x="6262370" y="1539875"/>
-            <a:ext cx="3629025" cy="285750"/>
+            <a:off x="882015" y="2955290"/>
+            <a:ext cx="4712335" cy="2091690"/>
           </a:xfrm>
           <a:prstGeom prst="rect">
             <a:avLst/>
@@ -7467,12 +7918,12 @@
       </p:pic>
       <p:pic>
         <p:nvPicPr>
-          <p:cNvPr id="6" name="Content Placeholder 6"/>
+          <p:cNvPr id="7" name="Content Placeholder 6"/>
           <p:cNvPicPr>
             <a:picLocks noChangeAspect="1"/>
           </p:cNvPicPr>
           <p:nvPr>
-            <p:ph sz="half" idx="1"/>
+            <p:ph sz="half" idx="2"/>
           </p:nvPr>
         </p:nvPicPr>
         <p:blipFill>
@@ -7483,8 +7934,8 @@
         </p:blipFill>
         <p:spPr>
           <a:xfrm>
-            <a:off x="1704340" y="1584325"/>
-            <a:ext cx="2995295" cy="4973955"/>
+            <a:off x="7000240" y="1390650"/>
+            <a:ext cx="3143885" cy="5220970"/>
           </a:xfrm>
           <a:prstGeom prst="rect">
             <a:avLst/>
@@ -7507,8 +7958,1606 @@
         </p:blipFill>
         <p:spPr>
           <a:xfrm>
-            <a:off x="1582420" y="1273175"/>
+            <a:off x="7000240" y="955675"/>
             <a:ext cx="3238500" cy="266700"/>
+          </a:xfrm>
+          <a:prstGeom prst="rect">
+            <a:avLst/>
+          </a:prstGeom>
+        </p:spPr>
+      </p:pic>
+      <p:sp>
+        <p:nvSpPr>
+          <p:cNvPr id="9" name="Text Box 8"/>
+          <p:cNvSpPr txBox="1"/>
+          <p:nvPr/>
+        </p:nvSpPr>
+        <p:spPr>
+          <a:xfrm>
+            <a:off x="1458595" y="1649730"/>
+            <a:ext cx="2777490" cy="922020"/>
+          </a:xfrm>
+          <a:prstGeom prst="rect">
+            <a:avLst/>
+          </a:prstGeom>
+          <a:noFill/>
+        </p:spPr>
+        <p:txBody>
+          <a:bodyPr wrap="square" rtlCol="0">
+            <a:spAutoFit/>
+          </a:bodyPr>
+          <a:p>
+            <a:r>
+              <a:rPr lang="en-US"/>
+              <a:t>lea</a:t>
+            </a:r>
+            <a:r>
+              <a:rPr lang="zh-CN" altLang="en-US"/>
+              <a:t>：加载字符串的地址</a:t>
+            </a:r>
+            <a:endParaRPr lang="zh-CN" altLang="en-US"/>
+          </a:p>
+          <a:p>
+            <a:r>
+              <a:rPr lang="en-US" altLang="zh-CN"/>
+              <a:t>rdi</a:t>
+            </a:r>
+            <a:r>
+              <a:rPr lang="zh-CN" altLang="en-US"/>
+              <a:t>：第一个参数寄存器</a:t>
+            </a:r>
+            <a:endParaRPr lang="zh-CN" altLang="en-US"/>
+          </a:p>
+          <a:p>
+            <a:r>
+              <a:rPr lang="en-US" altLang="zh-CN"/>
+              <a:t>eax</a:t>
+            </a:r>
+            <a:r>
+              <a:rPr lang="zh-CN" altLang="en-US"/>
+              <a:t>：返回值寄存器</a:t>
+            </a:r>
+            <a:endParaRPr lang="zh-CN" altLang="en-US"/>
+          </a:p>
+        </p:txBody>
+      </p:sp>
+    </p:spTree>
+  </p:cSld>
+  <p:clrMapOvr>
+    <a:masterClrMapping/>
+  </p:clrMapOvr>
+</p:sld>
+</file>
+
+<file path=ppt/slides/slide30.xml><?xml version="1.0" encoding="utf-8"?>
+<p:sld xmlns:a="http://schemas.openxmlformats.org/drawingml/2006/main" xmlns:r="http://schemas.openxmlformats.org/officeDocument/2006/relationships" xmlns:p="http://schemas.openxmlformats.org/presentationml/2006/main">
+  <p:cSld>
+    <p:spTree>
+      <p:nvGrpSpPr>
+        <p:cNvPr id="1" name=""/>
+        <p:cNvGrpSpPr/>
+        <p:nvPr/>
+      </p:nvGrpSpPr>
+      <p:grpSpPr/>
+      <p:sp>
+        <p:nvSpPr>
+          <p:cNvPr id="2" name="Title 1"/>
+          <p:cNvSpPr>
+            <a:spLocks noGrp="1"/>
+          </p:cNvSpPr>
+          <p:nvPr>
+            <p:ph type="title"/>
+          </p:nvPr>
+        </p:nvSpPr>
+        <p:spPr/>
+        <p:txBody>
+          <a:bodyPr/>
+          <a:p>
+            <a:r>
+              <a:rPr lang="zh-CN" altLang="en-US">
+                <a:sym typeface="+mn-ea"/>
+              </a:rPr>
+              <a:t>无内鬼？来点</a:t>
+            </a:r>
+            <a:r>
+              <a:rPr lang="zh-CN" altLang="en-US">
+                <a:sym typeface="+mn-ea"/>
+              </a:rPr>
+              <a:t>“</a:t>
+            </a:r>
+            <a:r>
+              <a:rPr lang="zh-CN" altLang="en-US">
+                <a:sym typeface="+mn-ea"/>
+              </a:rPr>
+              <a:t>大厂面试官”笑话</a:t>
+            </a:r>
+            <a:endParaRPr lang="en-US"/>
+          </a:p>
+        </p:txBody>
+      </p:sp>
+      <p:sp>
+        <p:nvSpPr>
+          <p:cNvPr id="3" name="Content Placeholder 2"/>
+          <p:cNvSpPr>
+            <a:spLocks noGrp="1"/>
+          </p:cNvSpPr>
+          <p:nvPr>
+            <p:ph idx="1"/>
+          </p:nvPr>
+        </p:nvSpPr>
+        <p:spPr/>
+        <p:txBody>
+          <a:bodyPr/>
+          <a:p>
+            <a:r>
+              <a:rPr lang="zh-CN" altLang="en-US"/>
+              <a:t>同样沦为笑柄的还有</a:t>
+            </a:r>
+            <a:r>
+              <a:rPr lang="en-US" altLang="zh-CN"/>
+              <a:t> register </a:t>
+            </a:r>
+            <a:r>
+              <a:rPr lang="zh-CN" altLang="en-US"/>
+              <a:t>关键字，号称：可以让一个变量使用寄存器存储，更高效。</a:t>
+            </a:r>
+            <a:endParaRPr lang="zh-CN" altLang="en-US"/>
+          </a:p>
+          <a:p>
+            <a:r>
+              <a:rPr lang="zh-CN" altLang="en-US"/>
+              <a:t>能把等差数列求和优化成</a:t>
+            </a:r>
+            <a:r>
+              <a:rPr lang="en-US" altLang="zh-CN"/>
+              <a:t> 5050 </a:t>
+            </a:r>
+            <a:r>
+              <a:rPr lang="zh-CN" altLang="en-US"/>
+              <a:t>的编译器笑着看着你，说道：还要你提醒吗？</a:t>
+            </a:r>
+            <a:endParaRPr lang="zh-CN" altLang="en-US"/>
+          </a:p>
+          <a:p>
+            <a:r>
+              <a:rPr lang="zh-CN" altLang="en-US"/>
+              <a:t>所以，如果某</a:t>
+            </a:r>
+            <a:r>
+              <a:rPr lang="zh-CN" altLang="en-US">
+                <a:sym typeface="+mn-ea"/>
+              </a:rPr>
+              <a:t>“</a:t>
+            </a:r>
+            <a:r>
+              <a:rPr lang="zh-CN" altLang="en-US"/>
+              <a:t>面试官”试图考考你</a:t>
+            </a:r>
+            <a:r>
+              <a:rPr lang="en-US" altLang="zh-CN"/>
+              <a:t> register </a:t>
+            </a:r>
+            <a:r>
+              <a:rPr lang="zh-CN" altLang="en-US"/>
+              <a:t>和</a:t>
+            </a:r>
+            <a:r>
+              <a:rPr lang="en-US" altLang="zh-CN"/>
+              <a:t> inline </a:t>
+            </a:r>
+            <a:r>
+              <a:rPr lang="zh-CN" altLang="en-US"/>
+              <a:t>的所谓“优化技巧</a:t>
+            </a:r>
+            <a:r>
+              <a:rPr lang="zh-CN" altLang="en-US">
+                <a:sym typeface="+mn-ea"/>
+              </a:rPr>
+              <a:t>”</a:t>
+            </a:r>
+            <a:r>
+              <a:rPr lang="zh-CN" altLang="en-US"/>
+              <a:t>，你直接把小彭老师这两页</a:t>
+            </a:r>
+            <a:r>
+              <a:rPr lang="en-US" altLang="zh-CN"/>
+              <a:t> ppt</a:t>
+            </a:r>
+            <a:r>
+              <a:rPr lang="zh-CN" altLang="en-US"/>
+              <a:t>，</a:t>
+            </a:r>
+            <a:r>
+              <a:rPr lang="zh-CN" altLang="en-US"/>
+              <a:t>贴到他脸上即可。</a:t>
+            </a:r>
+            <a:endParaRPr lang="zh-CN" altLang="en-US"/>
+          </a:p>
+          <a:p>
+            <a:r>
+              <a:rPr lang="zh-CN" altLang="en-US"/>
+              <a:t>明明实验一下就知道的事，还在照着上世纪谭某强教材念。古有纸上谈兵，今有脑内编程。</a:t>
+            </a:r>
+            <a:endParaRPr lang="zh-CN" altLang="en-US"/>
+          </a:p>
+          <a:p>
+            <a:r>
+              <a:rPr lang="zh-CN" altLang="en-US"/>
+              <a:t>计算机编程又不是量子物理广义相对论，我们每个人都有电脑，做一下实验很容易，可总有所谓的“老师”就不肯动动手敲几行命令（写</a:t>
+            </a:r>
+            <a:r>
+              <a:rPr lang="en-US" altLang="zh-CN"/>
+              <a:t>doc</a:t>
+            </a:r>
+            <a:r>
+              <a:rPr lang="zh-CN" altLang="en-US"/>
+              <a:t>文件倒挺勤的），在那里传播虚假知识。</a:t>
+            </a:r>
+            <a:endParaRPr lang="zh-CN" altLang="en-US"/>
+          </a:p>
+          <a:p>
+            <a:r>
+              <a:rPr lang="zh-CN" altLang="en-US"/>
+              <a:t>在线做编译器实验推荐这个网站：</a:t>
+            </a:r>
+            <a:r>
+              <a:rPr lang="en-US" altLang="zh-CN"/>
+              <a:t>https://godbolt.org/</a:t>
+            </a:r>
+            <a:endParaRPr lang="en-US" altLang="zh-CN"/>
+          </a:p>
+          <a:p>
+            <a:r>
+              <a:rPr lang="zh-CN" altLang="en-US"/>
+              <a:t>可以实时看源代码编译的结果，还能选不同的编译器版本和</a:t>
+            </a:r>
+            <a:r>
+              <a:rPr lang="en-US" altLang="zh-CN"/>
+              <a:t> flag</a:t>
+            </a:r>
+            <a:r>
+              <a:rPr lang="zh-CN" altLang="en-US"/>
+              <a:t>。</a:t>
+            </a:r>
+            <a:endParaRPr lang="zh-CN" altLang="en-US"/>
+          </a:p>
+          <a:p>
+            <a:r>
+              <a:rPr lang="zh-CN" altLang="en-US"/>
+              <a:t>不要脑内模拟！你自以为某更改对性能有帮助，然而实际测一下时间有一定可能反而变慢。</a:t>
+            </a:r>
+            <a:endParaRPr lang="zh-CN" altLang="en-US"/>
+          </a:p>
+        </p:txBody>
+      </p:sp>
+    </p:spTree>
+  </p:cSld>
+  <p:clrMapOvr>
+    <a:masterClrMapping/>
+  </p:clrMapOvr>
+</p:sld>
+</file>
+
+<file path=ppt/slides/slide31.xml><?xml version="1.0" encoding="utf-8"?>
+<p:sld xmlns:a="http://schemas.openxmlformats.org/drawingml/2006/main" xmlns:r="http://schemas.openxmlformats.org/officeDocument/2006/relationships" xmlns:p="http://schemas.openxmlformats.org/presentationml/2006/main">
+  <p:cSld>
+    <p:spTree>
+      <p:nvGrpSpPr>
+        <p:cNvPr id="1" name=""/>
+        <p:cNvGrpSpPr/>
+        <p:nvPr/>
+      </p:nvGrpSpPr>
+      <p:grpSpPr/>
+      <p:sp>
+        <p:nvSpPr>
+          <p:cNvPr id="2" name="Title 1"/>
+          <p:cNvSpPr>
+            <a:spLocks noGrp="1"/>
+          </p:cNvSpPr>
+          <p:nvPr>
+            <p:ph type="title"/>
+          </p:nvPr>
+        </p:nvSpPr>
+        <p:spPr/>
+        <p:txBody>
+          <a:bodyPr/>
+          <a:p>
+            <a:r>
+              <a:rPr lang="zh-CN" altLang="en-US"/>
+              <a:t>第</a:t>
+            </a:r>
+            <a:r>
+              <a:rPr lang="en-US" altLang="zh-CN"/>
+              <a:t>3</a:t>
+            </a:r>
+            <a:r>
+              <a:rPr lang="zh-CN" altLang="en-US"/>
+              <a:t>章：指针</a:t>
+            </a:r>
+            <a:endParaRPr lang="zh-CN" altLang="en-US"/>
+          </a:p>
+        </p:txBody>
+      </p:sp>
+    </p:spTree>
+  </p:cSld>
+  <p:clrMapOvr>
+    <a:masterClrMapping/>
+  </p:clrMapOvr>
+</p:sld>
+</file>
+
+<file path=ppt/slides/slide32.xml><?xml version="1.0" encoding="utf-8"?>
+<p:sld xmlns:a="http://schemas.openxmlformats.org/drawingml/2006/main" xmlns:r="http://schemas.openxmlformats.org/officeDocument/2006/relationships" xmlns:p="http://schemas.openxmlformats.org/presentationml/2006/main">
+  <p:cSld>
+    <p:spTree>
+      <p:nvGrpSpPr>
+        <p:cNvPr id="1" name=""/>
+        <p:cNvGrpSpPr/>
+        <p:nvPr/>
+      </p:nvGrpSpPr>
+      <p:grpSpPr/>
+      <p:sp>
+        <p:nvSpPr>
+          <p:cNvPr id="3" name="Title 2"/>
+          <p:cNvSpPr>
+            <a:spLocks noGrp="1"/>
+          </p:cNvSpPr>
+          <p:nvPr>
+            <p:ph type="title"/>
+          </p:nvPr>
+        </p:nvSpPr>
+        <p:spPr/>
+        <p:txBody>
+          <a:bodyPr/>
+          <a:p>
+            <a:r>
+              <a:rPr lang="zh-CN" altLang="en-US"/>
+              <a:t>编译器傻了吗？</a:t>
+            </a:r>
+            <a:endParaRPr lang="zh-CN" altLang="en-US"/>
+          </a:p>
+        </p:txBody>
+      </p:sp>
+      <p:pic>
+        <p:nvPicPr>
+          <p:cNvPr id="8" name="Content Placeholder 7"/>
+          <p:cNvPicPr>
+            <a:picLocks noChangeAspect="1"/>
+          </p:cNvPicPr>
+          <p:nvPr>
+            <p:ph sz="half" idx="1"/>
+          </p:nvPr>
+        </p:nvPicPr>
+        <p:blipFill>
+          <a:blip r:embed="rId1"/>
+          <a:stretch>
+            <a:fillRect/>
+          </a:stretch>
+        </p:blipFill>
+        <p:spPr>
+          <a:xfrm>
+            <a:off x="601345" y="3430270"/>
+            <a:ext cx="5273675" cy="1141730"/>
+          </a:xfrm>
+          <a:prstGeom prst="rect">
+            <a:avLst/>
+          </a:prstGeom>
+        </p:spPr>
+      </p:pic>
+      <p:pic>
+        <p:nvPicPr>
+          <p:cNvPr id="9" name="Content Placeholder 8"/>
+          <p:cNvPicPr>
+            <a:picLocks noChangeAspect="1"/>
+          </p:cNvPicPr>
+          <p:nvPr>
+            <p:ph sz="half" idx="2"/>
+          </p:nvPr>
+        </p:nvPicPr>
+        <p:blipFill>
+          <a:blip r:embed="rId2"/>
+          <a:stretch>
+            <a:fillRect/>
+          </a:stretch>
+        </p:blipFill>
+        <p:spPr>
+          <a:xfrm>
+            <a:off x="6123305" y="2136775"/>
+            <a:ext cx="4898390" cy="3729355"/>
+          </a:xfrm>
+          <a:prstGeom prst="rect">
+            <a:avLst/>
+          </a:prstGeom>
+        </p:spPr>
+      </p:pic>
+      <p:sp>
+        <p:nvSpPr>
+          <p:cNvPr id="16" name="Text Box 15"/>
+          <p:cNvSpPr txBox="1"/>
+          <p:nvPr/>
+        </p:nvSpPr>
+        <p:spPr>
+          <a:xfrm>
+            <a:off x="3064510" y="1492250"/>
+            <a:ext cx="5681980" cy="368300"/>
+          </a:xfrm>
+          <a:prstGeom prst="rect">
+            <a:avLst/>
+          </a:prstGeom>
+          <a:noFill/>
+        </p:spPr>
+        <p:txBody>
+          <a:bodyPr wrap="square" rtlCol="0">
+            <a:spAutoFit/>
+          </a:bodyPr>
+          <a:p>
+            <a:r>
+              <a:rPr lang="zh-CN" altLang="en-US"/>
+              <a:t>为什么编译器不优化掉</a:t>
+            </a:r>
+            <a:r>
+              <a:rPr lang="en-US" altLang="zh-CN"/>
+              <a:t> *c = *a</a:t>
+            </a:r>
+            <a:r>
+              <a:rPr lang="zh-CN" altLang="en-US"/>
+              <a:t>？</a:t>
+            </a:r>
+            <a:endParaRPr lang="zh-CN" altLang="en-US"/>
+          </a:p>
+        </p:txBody>
+      </p:sp>
+    </p:spTree>
+  </p:cSld>
+  <p:clrMapOvr>
+    <a:masterClrMapping/>
+  </p:clrMapOvr>
+  <p:timing>
+    <p:tnLst>
+      <p:par>
+        <p:cTn id="1" dur="indefinite" restart="never" nodeType="tmRoot">
+          <p:childTnLst>
+            <p:seq concurrent="1" nextAc="seek">
+              <p:cTn id="2" dur="indefinite" nodeType="mainSeq">
+                <p:childTnLst>
+                  <p:par>
+                    <p:cTn id="3" fill="hold">
+                      <p:stCondLst>
+                        <p:cond delay="indefinite"/>
+                      </p:stCondLst>
+                      <p:childTnLst>
+                        <p:par>
+                          <p:cTn id="4" fill="hold">
+                            <p:stCondLst>
+                              <p:cond delay="0"/>
+                            </p:stCondLst>
+                            <p:childTnLst>
+                              <p:par>
+                                <p:cTn id="5" presetID="6" presetClass="entr" presetSubtype="16" fill="hold" grpId="0" nodeType="clickEffect">
+                                  <p:stCondLst>
+                                    <p:cond delay="0"/>
+                                  </p:stCondLst>
+                                  <p:childTnLst>
+                                    <p:set>
+                                      <p:cBhvr>
+                                        <p:cTn id="6" dur="1" fill="hold">
+                                          <p:stCondLst>
+                                            <p:cond delay="0"/>
+                                          </p:stCondLst>
+                                        </p:cTn>
+                                        <p:tgtEl>
+                                          <p:spTgt spid="16"/>
+                                        </p:tgtEl>
+                                        <p:attrNameLst>
+                                          <p:attrName>style.visibility</p:attrName>
+                                        </p:attrNameLst>
+                                      </p:cBhvr>
+                                      <p:to>
+                                        <p:strVal val="visible"/>
+                                      </p:to>
+                                    </p:set>
+                                    <p:animEffect transition="in" filter="circle(in)">
+                                      <p:cBhvr>
+                                        <p:cTn id="7" dur="2000"/>
+                                        <p:tgtEl>
+                                          <p:spTgt spid="16"/>
+                                        </p:tgtEl>
+                                      </p:cBhvr>
+                                    </p:animEffect>
+                                  </p:childTnLst>
+                                </p:cTn>
+                              </p:par>
+                            </p:childTnLst>
+                          </p:cTn>
+                        </p:par>
+                      </p:childTnLst>
+                    </p:cTn>
+                  </p:par>
+                </p:childTnLst>
+              </p:cTn>
+              <p:prevCondLst>
+                <p:cond evt="onPrev" delay="0">
+                  <p:tgtEl>
+                    <p:sldTgt/>
+                  </p:tgtEl>
+                </p:cond>
+              </p:prevCondLst>
+              <p:nextCondLst>
+                <p:cond evt="onNext" delay="0">
+                  <p:tgtEl>
+                    <p:sldTgt/>
+                  </p:tgtEl>
+                </p:cond>
+              </p:nextCondLst>
+            </p:seq>
+          </p:childTnLst>
+        </p:cTn>
+      </p:par>
+    </p:tnLst>
+    <p:bldLst>
+      <p:bldP spid="16" grpId="0"/>
+    </p:bldLst>
+  </p:timing>
+</p:sld>
+</file>
+
+<file path=ppt/slides/slide33.xml><?xml version="1.0" encoding="utf-8"?>
+<p:sld xmlns:a="http://schemas.openxmlformats.org/drawingml/2006/main" xmlns:r="http://schemas.openxmlformats.org/officeDocument/2006/relationships" xmlns:p="http://schemas.openxmlformats.org/presentationml/2006/main">
+  <p:cSld>
+    <p:spTree>
+      <p:nvGrpSpPr>
+        <p:cNvPr id="1" name=""/>
+        <p:cNvGrpSpPr/>
+        <p:nvPr/>
+      </p:nvGrpSpPr>
+      <p:grpSpPr/>
+      <p:sp>
+        <p:nvSpPr>
+          <p:cNvPr id="3" name="Title 2"/>
+          <p:cNvSpPr>
+            <a:spLocks noGrp="1"/>
+          </p:cNvSpPr>
+          <p:nvPr>
+            <p:ph type="title"/>
+          </p:nvPr>
+        </p:nvSpPr>
+        <p:spPr/>
+        <p:txBody>
+          <a:bodyPr/>
+          <a:p>
+            <a:r>
+              <a:rPr lang="zh-CN" altLang="en-US"/>
+              <a:t>指针别名现象（</a:t>
+            </a:r>
+            <a:r>
+              <a:rPr lang="en-US" altLang="zh-CN"/>
+              <a:t>pointer aliasing</a:t>
+            </a:r>
+            <a:r>
+              <a:rPr lang="zh-CN" altLang="en-US"/>
+              <a:t>）</a:t>
+            </a:r>
+            <a:endParaRPr lang="zh-CN" altLang="en-US"/>
+          </a:p>
+        </p:txBody>
+      </p:sp>
+      <p:pic>
+        <p:nvPicPr>
+          <p:cNvPr id="8" name="Content Placeholder 7"/>
+          <p:cNvPicPr>
+            <a:picLocks noChangeAspect="1"/>
+          </p:cNvPicPr>
+          <p:nvPr>
+            <p:ph sz="half" idx="1"/>
+          </p:nvPr>
+        </p:nvPicPr>
+        <p:blipFill>
+          <a:blip r:embed="rId1"/>
+          <a:stretch>
+            <a:fillRect/>
+          </a:stretch>
+        </p:blipFill>
+        <p:spPr>
+          <a:xfrm>
+            <a:off x="601345" y="3430270"/>
+            <a:ext cx="5273675" cy="1141730"/>
+          </a:xfrm>
+          <a:prstGeom prst="rect">
+            <a:avLst/>
+          </a:prstGeom>
+        </p:spPr>
+      </p:pic>
+      <p:sp>
+        <p:nvSpPr>
+          <p:cNvPr id="16" name="Text Box 15"/>
+          <p:cNvSpPr txBox="1"/>
+          <p:nvPr/>
+        </p:nvSpPr>
+        <p:spPr>
+          <a:xfrm>
+            <a:off x="3064510" y="1983105"/>
+            <a:ext cx="5681980" cy="368300"/>
+          </a:xfrm>
+          <a:prstGeom prst="rect">
+            <a:avLst/>
+          </a:prstGeom>
+          <a:noFill/>
+        </p:spPr>
+        <p:txBody>
+          <a:bodyPr wrap="square" rtlCol="0">
+            <a:spAutoFit/>
+          </a:bodyPr>
+          <a:p>
+            <a:r>
+              <a:rPr lang="zh-CN"/>
+              <a:t>考虑这种调用方式：</a:t>
+            </a:r>
+            <a:r>
+              <a:rPr lang="en-US" altLang="zh-CN"/>
+              <a:t>b </a:t>
+            </a:r>
+            <a:r>
+              <a:rPr lang="zh-CN" altLang="en-US"/>
+              <a:t>和</a:t>
+            </a:r>
+            <a:r>
+              <a:rPr lang="en-US" altLang="zh-CN"/>
+              <a:t> c </a:t>
+            </a:r>
+            <a:r>
+              <a:rPr lang="zh-CN" altLang="en-US"/>
+              <a:t>指向同一个变量。</a:t>
+            </a:r>
+            <a:endParaRPr lang="zh-CN" altLang="en-US"/>
+          </a:p>
+        </p:txBody>
+      </p:sp>
+      <p:pic>
+        <p:nvPicPr>
+          <p:cNvPr id="4" name="Content Placeholder 3"/>
+          <p:cNvPicPr>
+            <a:picLocks noChangeAspect="1"/>
+          </p:cNvPicPr>
+          <p:nvPr>
+            <p:ph sz="half" idx="2"/>
+          </p:nvPr>
+        </p:nvPicPr>
+        <p:blipFill>
+          <a:blip r:embed="rId2"/>
+          <a:stretch>
+            <a:fillRect/>
+          </a:stretch>
+        </p:blipFill>
+        <p:spPr>
+          <a:xfrm>
+            <a:off x="6533515" y="3068320"/>
+            <a:ext cx="4076700" cy="1865630"/>
+          </a:xfrm>
+          <a:prstGeom prst="rect">
+            <a:avLst/>
+          </a:prstGeom>
+        </p:spPr>
+      </p:pic>
+      <p:sp>
+        <p:nvSpPr>
+          <p:cNvPr id="5" name="Text Box 4"/>
+          <p:cNvSpPr txBox="1"/>
+          <p:nvPr/>
+        </p:nvSpPr>
+        <p:spPr>
+          <a:xfrm>
+            <a:off x="1510665" y="5318760"/>
+            <a:ext cx="1972310" cy="1198880"/>
+          </a:xfrm>
+          <a:prstGeom prst="rect">
+            <a:avLst/>
+          </a:prstGeom>
+          <a:noFill/>
+        </p:spPr>
+        <p:txBody>
+          <a:bodyPr wrap="square" rtlCol="0">
+            <a:spAutoFit/>
+          </a:bodyPr>
+          <a:p>
+            <a:r>
+              <a:rPr lang="zh-CN" altLang="en-US"/>
+              <a:t>优化前</a:t>
+            </a:r>
+            <a:r>
+              <a:rPr lang="zh-CN"/>
+              <a:t>相当于</a:t>
+            </a:r>
+            <a:r>
+              <a:rPr lang="zh-CN"/>
+              <a:t>：</a:t>
+            </a:r>
+            <a:endParaRPr lang="zh-CN"/>
+          </a:p>
+          <a:p>
+            <a:r>
+              <a:rPr lang="en-US" altLang="zh-CN"/>
+              <a:t>b = a;</a:t>
+            </a:r>
+            <a:endParaRPr lang="en-US" altLang="zh-CN"/>
+          </a:p>
+          <a:p>
+            <a:r>
+              <a:rPr lang="en-US" altLang="zh-CN"/>
+              <a:t>b = b;</a:t>
+            </a:r>
+            <a:endParaRPr lang="en-US" altLang="zh-CN"/>
+          </a:p>
+          <a:p>
+            <a:r>
+              <a:rPr lang="zh-CN" altLang="en-US" b="1"/>
+              <a:t>最后</a:t>
+            </a:r>
+            <a:r>
+              <a:rPr lang="en-US" altLang="zh-CN" b="1"/>
+              <a:t> b </a:t>
+            </a:r>
+            <a:r>
+              <a:rPr lang="zh-CN" altLang="en-US" b="1"/>
+              <a:t>变成了</a:t>
+            </a:r>
+            <a:r>
+              <a:rPr lang="en-US" altLang="zh-CN" b="1"/>
+              <a:t> a</a:t>
+            </a:r>
+            <a:r>
+              <a:rPr lang="zh-CN" altLang="en-US" b="1"/>
+              <a:t>。</a:t>
+            </a:r>
+            <a:endParaRPr lang="zh-CN" altLang="en-US" b="1"/>
+          </a:p>
+        </p:txBody>
+      </p:sp>
+      <p:sp>
+        <p:nvSpPr>
+          <p:cNvPr id="6" name="Text Box 5"/>
+          <p:cNvSpPr txBox="1"/>
+          <p:nvPr/>
+        </p:nvSpPr>
+        <p:spPr>
+          <a:xfrm>
+            <a:off x="4499610" y="5318760"/>
+            <a:ext cx="3525520" cy="1476375"/>
+          </a:xfrm>
+          <a:prstGeom prst="rect">
+            <a:avLst/>
+          </a:prstGeom>
+          <a:noFill/>
+        </p:spPr>
+        <p:txBody>
+          <a:bodyPr wrap="square" rtlCol="0">
+            <a:spAutoFit/>
+          </a:bodyPr>
+          <a:p>
+            <a:r>
+              <a:rPr lang="zh-CN" altLang="en-US"/>
+              <a:t>如果优化了：</a:t>
+            </a:r>
+            <a:endParaRPr lang="zh-CN" altLang="en-US"/>
+          </a:p>
+          <a:p>
+            <a:r>
+              <a:rPr lang="en-US" altLang="zh-CN"/>
+              <a:t>b = b;</a:t>
+            </a:r>
+            <a:endParaRPr lang="en-US" altLang="zh-CN"/>
+          </a:p>
+          <a:p>
+            <a:r>
+              <a:rPr lang="zh-CN" altLang="en-US" b="1"/>
+              <a:t>最后</a:t>
+            </a:r>
+            <a:r>
+              <a:rPr lang="en-US" altLang="zh-CN" b="1"/>
+              <a:t> b </a:t>
+            </a:r>
+            <a:r>
+              <a:rPr lang="zh-CN" altLang="en-US" b="1"/>
+              <a:t>没有改变</a:t>
+            </a:r>
+            <a:r>
+              <a:rPr lang="zh-CN" altLang="en-US"/>
+              <a:t>。</a:t>
+            </a:r>
+            <a:endParaRPr lang="en-US" altLang="zh-CN"/>
+          </a:p>
+          <a:p>
+            <a:r>
+              <a:rPr lang="zh-CN" altLang="en-US"/>
+              <a:t>导致优化后结果不一样，这就是编译器放弃优化的原因。</a:t>
+            </a:r>
+            <a:endParaRPr lang="zh-CN" altLang="en-US"/>
+          </a:p>
+        </p:txBody>
+      </p:sp>
+    </p:spTree>
+  </p:cSld>
+  <p:clrMapOvr>
+    <a:masterClrMapping/>
+  </p:clrMapOvr>
+  <p:timing>
+    <p:tnLst>
+      <p:par>
+        <p:cTn id="1" dur="indefinite" restart="never" nodeType="tmRoot"/>
+      </p:par>
+    </p:tnLst>
+  </p:timing>
+</p:sld>
+</file>
+
+<file path=ppt/slides/slide34.xml><?xml version="1.0" encoding="utf-8"?>
+<p:sld xmlns:a="http://schemas.openxmlformats.org/drawingml/2006/main" xmlns:r="http://schemas.openxmlformats.org/officeDocument/2006/relationships" xmlns:p="http://schemas.openxmlformats.org/presentationml/2006/main">
+  <p:cSld>
+    <p:spTree>
+      <p:nvGrpSpPr>
+        <p:cNvPr id="1" name=""/>
+        <p:cNvGrpSpPr/>
+        <p:nvPr/>
+      </p:nvGrpSpPr>
+      <p:grpSpPr/>
+      <p:sp>
+        <p:nvSpPr>
+          <p:cNvPr id="2" name="Title 1"/>
+          <p:cNvSpPr>
+            <a:spLocks noGrp="1"/>
+          </p:cNvSpPr>
+          <p:nvPr>
+            <p:ph type="title"/>
+          </p:nvPr>
+        </p:nvSpPr>
+        <p:spPr/>
+        <p:txBody>
+          <a:bodyPr/>
+          <a:p>
+            <a:r>
+              <a:rPr lang="zh-CN" altLang="en-US">
+                <a:sym typeface="+mn-ea"/>
+              </a:rPr>
+              <a:t>告诉编译器别怕指针别名：</a:t>
+            </a:r>
+            <a:r>
+              <a:rPr lang="en-US" altLang="zh-CN">
+                <a:sym typeface="+mn-ea"/>
+              </a:rPr>
+              <a:t>__restrict </a:t>
+            </a:r>
+            <a:r>
+              <a:rPr lang="zh-CN" altLang="en-US">
+                <a:sym typeface="+mn-ea"/>
+              </a:rPr>
+              <a:t>关键字</a:t>
+            </a:r>
+            <a:endParaRPr lang="zh-CN" altLang="en-US">
+              <a:sym typeface="+mn-ea"/>
+            </a:endParaRPr>
+          </a:p>
+        </p:txBody>
+      </p:sp>
+      <p:pic>
+        <p:nvPicPr>
+          <p:cNvPr id="5" name="Content Placeholder 4"/>
+          <p:cNvPicPr>
+            <a:picLocks noChangeAspect="1"/>
+          </p:cNvPicPr>
+          <p:nvPr>
+            <p:ph sz="half" idx="1"/>
+          </p:nvPr>
+        </p:nvPicPr>
+        <p:blipFill>
+          <a:blip r:embed="rId1"/>
+          <a:stretch>
+            <a:fillRect/>
+          </a:stretch>
+        </p:blipFill>
+        <p:spPr>
+          <a:xfrm>
+            <a:off x="2227580" y="1793240"/>
+            <a:ext cx="8052435" cy="1084580"/>
+          </a:xfrm>
+          <a:prstGeom prst="rect">
+            <a:avLst/>
+          </a:prstGeom>
+        </p:spPr>
+      </p:pic>
+      <p:pic>
+        <p:nvPicPr>
+          <p:cNvPr id="6" name="Content Placeholder 5"/>
+          <p:cNvPicPr>
+            <a:picLocks noChangeAspect="1"/>
+          </p:cNvPicPr>
+          <p:nvPr>
+            <p:ph sz="half" idx="2"/>
+          </p:nvPr>
+        </p:nvPicPr>
+        <p:blipFill>
+          <a:blip r:embed="rId2"/>
+          <a:stretch>
+            <a:fillRect/>
+          </a:stretch>
+        </p:blipFill>
+        <p:spPr>
+          <a:xfrm>
+            <a:off x="3893185" y="3931285"/>
+            <a:ext cx="4848225" cy="2162175"/>
+          </a:xfrm>
+          <a:prstGeom prst="rect">
+            <a:avLst/>
+          </a:prstGeom>
+        </p:spPr>
+      </p:pic>
+      <p:sp>
+        <p:nvSpPr>
+          <p:cNvPr id="7" name="Text Box 6"/>
+          <p:cNvSpPr txBox="1"/>
+          <p:nvPr/>
+        </p:nvSpPr>
+        <p:spPr>
+          <a:xfrm>
+            <a:off x="3893185" y="2967990"/>
+            <a:ext cx="4946015" cy="922020"/>
+          </a:xfrm>
+          <a:prstGeom prst="rect">
+            <a:avLst/>
+          </a:prstGeom>
+          <a:noFill/>
+        </p:spPr>
+        <p:txBody>
+          <a:bodyPr wrap="square" rtlCol="0">
+            <a:spAutoFit/>
+          </a:bodyPr>
+          <a:p>
+            <a:r>
+              <a:rPr lang="en-US" altLang="zh-CN"/>
+              <a:t>__restrict </a:t>
+            </a:r>
+            <a:r>
+              <a:rPr lang="zh-CN" altLang="en-US"/>
+              <a:t>是一个提示性的关键字，是程序员向编译器保证：这些指针之间不会发生重叠！</a:t>
+            </a:r>
+            <a:endParaRPr lang="zh-CN" altLang="en-US"/>
+          </a:p>
+          <a:p>
+            <a:r>
+              <a:rPr lang="zh-CN" altLang="en-US"/>
+              <a:t>从而他可以放心地优化成功：</a:t>
+            </a:r>
+            <a:endParaRPr lang="zh-CN" altLang="en-US"/>
+          </a:p>
+        </p:txBody>
+      </p:sp>
+    </p:spTree>
+  </p:cSld>
+  <p:clrMapOvr>
+    <a:masterClrMapping/>
+  </p:clrMapOvr>
+</p:sld>
+</file>
+
+<file path=ppt/slides/slide35.xml><?xml version="1.0" encoding="utf-8"?>
+<p:sld xmlns:a="http://schemas.openxmlformats.org/drawingml/2006/main" xmlns:r="http://schemas.openxmlformats.org/officeDocument/2006/relationships" xmlns:p="http://schemas.openxmlformats.org/presentationml/2006/main">
+  <p:cSld>
+    <p:spTree>
+      <p:nvGrpSpPr>
+        <p:cNvPr id="1" name=""/>
+        <p:cNvGrpSpPr/>
+        <p:nvPr/>
+      </p:nvGrpSpPr>
+      <p:grpSpPr/>
+      <p:sp>
+        <p:nvSpPr>
+          <p:cNvPr id="2" name="Title 1"/>
+          <p:cNvSpPr>
+            <a:spLocks noGrp="1"/>
+          </p:cNvSpPr>
+          <p:nvPr>
+            <p:ph type="title"/>
+          </p:nvPr>
+        </p:nvSpPr>
+        <p:spPr/>
+        <p:txBody>
+          <a:bodyPr/>
+          <a:p>
+            <a:r>
+              <a:rPr lang="zh-CN" altLang="en-US"/>
+              <a:t>放弃优化：</a:t>
+            </a:r>
+            <a:r>
+              <a:rPr lang="en-US" altLang="zh-CN"/>
+              <a:t>volatile</a:t>
+            </a:r>
+            <a:endParaRPr lang="en-US" altLang="zh-CN"/>
+          </a:p>
+        </p:txBody>
+      </p:sp>
+      <p:pic>
+        <p:nvPicPr>
+          <p:cNvPr id="5" name="Content Placeholder 4"/>
+          <p:cNvPicPr>
+            <a:picLocks noChangeAspect="1"/>
+          </p:cNvPicPr>
+          <p:nvPr>
+            <p:ph sz="half" idx="2"/>
+          </p:nvPr>
+        </p:nvPicPr>
+        <p:blipFill>
+          <a:blip r:embed="rId1"/>
+          <a:stretch>
+            <a:fillRect/>
+          </a:stretch>
+        </p:blipFill>
+        <p:spPr>
+          <a:xfrm>
+            <a:off x="6513195" y="808990"/>
+            <a:ext cx="4098290" cy="2399030"/>
+          </a:xfrm>
+          <a:prstGeom prst="rect">
+            <a:avLst/>
+          </a:prstGeom>
+        </p:spPr>
+      </p:pic>
+      <p:pic>
+        <p:nvPicPr>
+          <p:cNvPr id="6" name="Content Placeholder 5"/>
+          <p:cNvPicPr>
+            <a:picLocks noChangeAspect="1"/>
+          </p:cNvPicPr>
+          <p:nvPr>
+            <p:ph sz="half" idx="1"/>
+          </p:nvPr>
+        </p:nvPicPr>
+        <p:blipFill>
+          <a:blip r:embed="rId2"/>
+          <a:stretch>
+            <a:fillRect/>
+          </a:stretch>
+        </p:blipFill>
+        <p:spPr>
+          <a:xfrm>
+            <a:off x="1638300" y="1409065"/>
+            <a:ext cx="3261360" cy="1464945"/>
+          </a:xfrm>
+          <a:prstGeom prst="rect">
+            <a:avLst/>
+          </a:prstGeom>
+        </p:spPr>
+      </p:pic>
+      <p:pic>
+        <p:nvPicPr>
+          <p:cNvPr id="7" name="Picture 6"/>
+          <p:cNvPicPr>
+            <a:picLocks noChangeAspect="1"/>
+          </p:cNvPicPr>
+          <p:nvPr/>
+        </p:nvPicPr>
+        <p:blipFill>
+          <a:blip r:embed="rId3"/>
+          <a:stretch>
+            <a:fillRect/>
+          </a:stretch>
+        </p:blipFill>
+        <p:spPr>
+          <a:xfrm>
+            <a:off x="6043295" y="3935095"/>
+            <a:ext cx="5038725" cy="2400300"/>
+          </a:xfrm>
+          <a:prstGeom prst="rect">
+            <a:avLst/>
+          </a:prstGeom>
+        </p:spPr>
+      </p:pic>
+      <p:pic>
+        <p:nvPicPr>
+          <p:cNvPr id="8" name="Picture 7"/>
+          <p:cNvPicPr>
+            <a:picLocks noChangeAspect="1"/>
+          </p:cNvPicPr>
+          <p:nvPr/>
+        </p:nvPicPr>
+        <p:blipFill>
+          <a:blip r:embed="rId4"/>
+          <a:stretch>
+            <a:fillRect/>
+          </a:stretch>
+        </p:blipFill>
+        <p:spPr>
+          <a:xfrm>
+            <a:off x="1394460" y="4574540"/>
+            <a:ext cx="3689985" cy="1143000"/>
+          </a:xfrm>
+          <a:prstGeom prst="rect">
+            <a:avLst/>
+          </a:prstGeom>
+        </p:spPr>
+      </p:pic>
+      <p:sp>
+        <p:nvSpPr>
+          <p:cNvPr id="9" name="Text Box 8"/>
+          <p:cNvSpPr txBox="1"/>
+          <p:nvPr/>
+        </p:nvSpPr>
+        <p:spPr>
+          <a:xfrm>
+            <a:off x="949325" y="3474720"/>
+            <a:ext cx="3576955" cy="922020"/>
+          </a:xfrm>
+          <a:prstGeom prst="rect">
+            <a:avLst/>
+          </a:prstGeom>
+          <a:noFill/>
+        </p:spPr>
+        <p:txBody>
+          <a:bodyPr wrap="square" rtlCol="0">
+            <a:spAutoFit/>
+          </a:bodyPr>
+          <a:p>
+            <a:r>
+              <a:rPr lang="zh-CN" altLang="en-US"/>
+              <a:t>结论：加了</a:t>
+            </a:r>
+            <a:r>
+              <a:rPr lang="en-US" altLang="zh-CN"/>
+              <a:t> volatile </a:t>
+            </a:r>
+            <a:r>
+              <a:rPr lang="zh-CN" altLang="en-US"/>
+              <a:t>的对象，编译器不会试图优化对他的读写访问。</a:t>
+            </a:r>
+            <a:endParaRPr lang="zh-CN" altLang="en-US"/>
+          </a:p>
+          <a:p>
+            <a:r>
+              <a:rPr lang="zh-CN" altLang="en-US"/>
+              <a:t>做性能实验的时候非常有用！</a:t>
+            </a:r>
+            <a:endParaRPr lang="zh-CN" altLang="en-US"/>
+          </a:p>
+        </p:txBody>
+      </p:sp>
+    </p:spTree>
+  </p:cSld>
+  <p:clrMapOvr>
+    <a:masterClrMapping/>
+  </p:clrMapOvr>
+  <p:timing>
+    <p:tnLst>
+      <p:par>
+        <p:cTn id="1" dur="indefinite" restart="never" nodeType="tmRoot">
+          <p:childTnLst>
+            <p:seq concurrent="1" nextAc="seek">
+              <p:cTn id="2" dur="indefinite" nodeType="mainSeq">
+                <p:childTnLst>
+                  <p:par>
+                    <p:cTn id="3" fill="hold">
+                      <p:stCondLst>
+                        <p:cond delay="indefinite"/>
+                      </p:stCondLst>
+                      <p:childTnLst>
+                        <p:par>
+                          <p:cTn id="4" fill="hold">
+                            <p:stCondLst>
+                              <p:cond delay="0"/>
+                            </p:stCondLst>
+                            <p:childTnLst>
+                              <p:par>
+                                <p:cTn id="5" presetID="5" presetClass="entr" presetSubtype="10" fill="hold" grpId="0" nodeType="clickEffect">
+                                  <p:stCondLst>
+                                    <p:cond delay="0"/>
+                                  </p:stCondLst>
+                                  <p:childTnLst>
+                                    <p:set>
+                                      <p:cBhvr>
+                                        <p:cTn id="6" dur="1" fill="hold">
+                                          <p:stCondLst>
+                                            <p:cond delay="0"/>
+                                          </p:stCondLst>
+                                        </p:cTn>
+                                        <p:tgtEl>
+                                          <p:spTgt spid="9"/>
+                                        </p:tgtEl>
+                                        <p:attrNameLst>
+                                          <p:attrName>style.visibility</p:attrName>
+                                        </p:attrNameLst>
+                                      </p:cBhvr>
+                                      <p:to>
+                                        <p:strVal val="visible"/>
+                                      </p:to>
+                                    </p:set>
+                                    <p:animEffect transition="in" filter="checkerboard(across)">
+                                      <p:cBhvr>
+                                        <p:cTn id="7" dur="500"/>
+                                        <p:tgtEl>
+                                          <p:spTgt spid="9"/>
+                                        </p:tgtEl>
+                                      </p:cBhvr>
+                                    </p:animEffect>
+                                  </p:childTnLst>
+                                </p:cTn>
+                              </p:par>
+                            </p:childTnLst>
+                          </p:cTn>
+                        </p:par>
+                      </p:childTnLst>
+                    </p:cTn>
+                  </p:par>
+                </p:childTnLst>
+              </p:cTn>
+              <p:prevCondLst>
+                <p:cond evt="onPrev" delay="0">
+                  <p:tgtEl>
+                    <p:sldTgt/>
+                  </p:tgtEl>
+                </p:cond>
+              </p:prevCondLst>
+              <p:nextCondLst>
+                <p:cond evt="onNext" delay="0">
+                  <p:tgtEl>
+                    <p:sldTgt/>
+                  </p:tgtEl>
+                </p:cond>
+              </p:nextCondLst>
+            </p:seq>
+          </p:childTnLst>
+        </p:cTn>
+      </p:par>
+    </p:tnLst>
+    <p:bldLst>
+      <p:bldP spid="9" grpId="0"/>
+    </p:bldLst>
+  </p:timing>
+</p:sld>
+</file>
+
+<file path=ppt/slides/slide36.xml><?xml version="1.0" encoding="utf-8"?>
+<p:sld xmlns:a="http://schemas.openxmlformats.org/drawingml/2006/main" xmlns:r="http://schemas.openxmlformats.org/officeDocument/2006/relationships" xmlns:p="http://schemas.openxmlformats.org/presentationml/2006/main">
+  <p:cSld>
+    <p:spTree>
+      <p:nvGrpSpPr>
+        <p:cNvPr id="1" name=""/>
+        <p:cNvGrpSpPr/>
+        <p:nvPr/>
+      </p:nvGrpSpPr>
+      <p:grpSpPr/>
+      <p:sp>
+        <p:nvSpPr>
+          <p:cNvPr id="5" name="Title 4"/>
+          <p:cNvSpPr>
+            <a:spLocks noGrp="1"/>
+          </p:cNvSpPr>
+          <p:nvPr>
+            <p:ph type="title"/>
+          </p:nvPr>
+        </p:nvSpPr>
+        <p:spPr/>
+        <p:txBody>
+          <a:bodyPr/>
+          <a:p>
+            <a:r>
+              <a:rPr lang="zh-CN" altLang="en-US"/>
+              <a:t>注意一下区别</a:t>
+            </a:r>
+            <a:endParaRPr lang="zh-CN" altLang="en-US"/>
+          </a:p>
+        </p:txBody>
+      </p:sp>
+      <p:sp>
+        <p:nvSpPr>
+          <p:cNvPr id="6" name="Content Placeholder 5"/>
+          <p:cNvSpPr>
+            <a:spLocks noGrp="1"/>
+          </p:cNvSpPr>
+          <p:nvPr>
+            <p:ph idx="1"/>
+          </p:nvPr>
+        </p:nvSpPr>
+        <p:spPr/>
+        <p:txBody>
+          <a:bodyPr/>
+          <a:p>
+            <a:pPr marL="457200" indent="-457200">
+              <a:buAutoNum type="arabicPeriod"/>
+            </a:pPr>
+            <a:r>
+              <a:rPr lang="en-US"/>
+              <a:t>volatile int *a</a:t>
+            </a:r>
+            <a:endParaRPr lang="en-US"/>
+          </a:p>
+          <a:p>
+            <a:pPr marL="457200" indent="-457200">
+              <a:buAutoNum type="arabicPeriod"/>
+            </a:pPr>
+            <a:r>
+              <a:rPr lang="en-US"/>
+              <a:t>int *__restrict a</a:t>
+            </a:r>
+            <a:endParaRPr lang="zh-CN" altLang="en-US"/>
+          </a:p>
+          <a:p>
+            <a:pPr marL="457200" indent="-457200"/>
+            <a:r>
+              <a:rPr lang="zh-CN" altLang="en-US"/>
+              <a:t>语法上区别：</a:t>
+            </a:r>
+            <a:r>
+              <a:rPr lang="en-US"/>
+              <a:t>volatile </a:t>
+            </a:r>
+            <a:r>
+              <a:rPr lang="zh-CN" altLang="en-US"/>
+              <a:t>在</a:t>
+            </a:r>
+            <a:r>
+              <a:rPr lang="en-US" altLang="zh-CN"/>
+              <a:t> * </a:t>
+            </a:r>
+            <a:r>
+              <a:rPr lang="zh-CN" altLang="en-US"/>
+              <a:t>前面而</a:t>
+            </a:r>
+            <a:r>
+              <a:rPr lang="en-US" altLang="zh-CN"/>
+              <a:t> __restrict </a:t>
+            </a:r>
+            <a:r>
+              <a:rPr lang="zh-CN" altLang="en-US"/>
+              <a:t>在</a:t>
+            </a:r>
+            <a:r>
+              <a:rPr lang="en-US" altLang="zh-CN"/>
+              <a:t> * </a:t>
+            </a:r>
+            <a:r>
+              <a:rPr lang="zh-CN" altLang="en-US"/>
+              <a:t>后面。</a:t>
+            </a:r>
+            <a:endParaRPr lang="zh-CN" altLang="en-US"/>
+          </a:p>
+          <a:p>
+            <a:pPr marL="457200" indent="-457200"/>
+            <a:r>
+              <a:rPr lang="zh-CN" altLang="en-US"/>
+              <a:t>功能上区别：</a:t>
+            </a:r>
+            <a:r>
+              <a:rPr lang="en-US" altLang="zh-CN"/>
+              <a:t>volatile </a:t>
+            </a:r>
+            <a:r>
+              <a:rPr lang="zh-CN" altLang="en-US"/>
+              <a:t>是禁用优化，</a:t>
+            </a:r>
+            <a:r>
+              <a:rPr lang="en-US" altLang="zh-CN"/>
+              <a:t>__restrict </a:t>
+            </a:r>
+            <a:r>
+              <a:rPr lang="zh-CN" altLang="en-US"/>
+              <a:t>是帮助优化。</a:t>
+            </a:r>
+            <a:endParaRPr lang="zh-CN" altLang="en-US"/>
+          </a:p>
+          <a:p>
+            <a:pPr marL="457200" indent="-457200"/>
+            <a:r>
+              <a:rPr lang="zh-CN" altLang="en-US"/>
+              <a:t>是否属于标准上区别：</a:t>
+            </a:r>
+            <a:endParaRPr lang="zh-CN" altLang="en-US"/>
+          </a:p>
+          <a:p>
+            <a:pPr marL="457200" indent="-457200"/>
+            <a:r>
+              <a:rPr lang="en-US" altLang="zh-CN"/>
+              <a:t>volatile </a:t>
+            </a:r>
+            <a:r>
+              <a:rPr lang="zh-CN" altLang="en-US"/>
+              <a:t>和</a:t>
+            </a:r>
+            <a:r>
+              <a:rPr lang="en-US" altLang="zh-CN"/>
+              <a:t> const </a:t>
+            </a:r>
+            <a:r>
+              <a:rPr lang="zh-CN" altLang="en-US"/>
+              <a:t>一样是</a:t>
+            </a:r>
+            <a:r>
+              <a:rPr lang="en-US" altLang="zh-CN"/>
+              <a:t> C++ </a:t>
+            </a:r>
+            <a:r>
+              <a:rPr lang="zh-CN" altLang="en-US"/>
+              <a:t>标准的一部分。</a:t>
+            </a:r>
+            <a:endParaRPr lang="zh-CN" altLang="en-US"/>
+          </a:p>
+          <a:p>
+            <a:pPr marL="457200" indent="-457200"/>
+            <a:r>
+              <a:rPr lang="en-US" altLang="zh-CN"/>
+              <a:t>restrict </a:t>
+            </a:r>
+            <a:r>
+              <a:rPr lang="zh-CN" altLang="en-US"/>
+              <a:t>是</a:t>
+            </a:r>
+            <a:r>
+              <a:rPr lang="en-US" altLang="zh-CN"/>
+              <a:t> C99 </a:t>
+            </a:r>
+            <a:r>
+              <a:rPr lang="zh-CN" altLang="en-US"/>
+              <a:t>标准关键字，但不是</a:t>
+            </a:r>
+            <a:r>
+              <a:rPr lang="en-US" altLang="zh-CN"/>
+              <a:t> C++ </a:t>
+            </a:r>
+            <a:r>
+              <a:rPr lang="zh-CN" altLang="en-US"/>
+              <a:t>标准的关键字。</a:t>
+            </a:r>
+            <a:endParaRPr lang="zh-CN" altLang="en-US"/>
+          </a:p>
+          <a:p>
+            <a:pPr marL="457200" indent="-457200"/>
+            <a:r>
+              <a:rPr lang="zh-CN" altLang="en-US"/>
+              <a:t>注：</a:t>
+            </a:r>
+            <a:r>
+              <a:rPr lang="en-US" altLang="zh-CN"/>
+              <a:t>__restrict </a:t>
+            </a:r>
+            <a:r>
+              <a:rPr lang="zh-CN" altLang="en-US"/>
+              <a:t>其实是编译器的</a:t>
+            </a:r>
+            <a:r>
+              <a:rPr lang="zh-CN" altLang="en-US">
+                <a:sym typeface="+mn-ea"/>
+              </a:rPr>
+              <a:t>“</a:t>
+            </a:r>
+            <a:r>
+              <a:rPr lang="zh-CN" altLang="en-US"/>
+              <a:t>私货”，好在大多数主流编译器都支持。</a:t>
+            </a:r>
+            <a:endParaRPr lang="zh-CN" altLang="en-US"/>
+          </a:p>
+          <a:p>
+            <a:pPr marL="457200" indent="-457200"/>
+            <a:r>
+              <a:rPr lang="zh-CN" altLang="en-US" strike="sngStrike">
+                <a:solidFill>
+                  <a:schemeClr val="bg1">
+                    <a:lumMod val="65000"/>
+                  </a:schemeClr>
+                </a:solidFill>
+                <a:uFillTx/>
+              </a:rPr>
+              <a:t>所以无耻的</a:t>
+            </a:r>
+            <a:r>
+              <a:rPr lang="en-US" altLang="zh-CN" strike="sngStrike">
+                <a:solidFill>
+                  <a:schemeClr val="bg1">
+                    <a:lumMod val="65000"/>
+                  </a:schemeClr>
+                </a:solidFill>
+                <a:uFillTx/>
+              </a:rPr>
+              <a:t> C</a:t>
+            </a:r>
+            <a:r>
+              <a:rPr lang="zh-CN" altLang="en-US" strike="sngStrike">
+                <a:solidFill>
+                  <a:schemeClr val="bg1">
+                    <a:lumMod val="65000"/>
+                  </a:schemeClr>
+                </a:solidFill>
+                <a:uFillTx/>
+              </a:rPr>
+              <a:t>艹标准委员会什么时候肯把他加入标准呢？看看人家</a:t>
+            </a:r>
+            <a:r>
+              <a:rPr lang="en-US" altLang="zh-CN" strike="sngStrike">
+                <a:solidFill>
+                  <a:schemeClr val="bg1">
+                    <a:lumMod val="65000"/>
+                  </a:schemeClr>
+                </a:solidFill>
+                <a:uFillTx/>
+              </a:rPr>
+              <a:t> C </a:t>
+            </a:r>
+            <a:r>
+              <a:rPr lang="zh-CN" altLang="en-US" strike="sngStrike">
+                <a:solidFill>
+                  <a:schemeClr val="bg1">
+                    <a:lumMod val="65000"/>
+                  </a:schemeClr>
+                </a:solidFill>
+                <a:uFillTx/>
+              </a:rPr>
+              <a:t>语言。</a:t>
+            </a:r>
+            <a:endParaRPr lang="zh-CN" altLang="en-US" strike="sngStrike">
+              <a:solidFill>
+                <a:schemeClr val="bg1">
+                  <a:lumMod val="65000"/>
+                </a:schemeClr>
+              </a:solidFill>
+              <a:uFillTx/>
+            </a:endParaRPr>
+          </a:p>
+        </p:txBody>
+      </p:sp>
+    </p:spTree>
+  </p:cSld>
+  <p:clrMapOvr>
+    <a:masterClrMapping/>
+  </p:clrMapOvr>
+</p:sld>
+</file>
+
+<file path=ppt/slides/slide37.xml><?xml version="1.0" encoding="utf-8"?>
+<p:sld xmlns:a="http://schemas.openxmlformats.org/drawingml/2006/main" xmlns:r="http://schemas.openxmlformats.org/officeDocument/2006/relationships" xmlns:p="http://schemas.openxmlformats.org/presentationml/2006/main">
+  <p:cSld>
+    <p:spTree>
+      <p:nvGrpSpPr>
+        <p:cNvPr id="1" name=""/>
+        <p:cNvGrpSpPr/>
+        <p:nvPr/>
+      </p:nvGrpSpPr>
+      <p:grpSpPr/>
+      <p:sp>
+        <p:nvSpPr>
+          <p:cNvPr id="2" name="Title 1"/>
+          <p:cNvSpPr>
+            <a:spLocks noGrp="1"/>
+          </p:cNvSpPr>
+          <p:nvPr>
+            <p:ph type="title"/>
+          </p:nvPr>
+        </p:nvSpPr>
+        <p:spPr/>
+        <p:txBody>
+          <a:bodyPr/>
+          <a:p>
+            <a:r>
+              <a:rPr lang="zh-CN" altLang="en-US"/>
+              <a:t>编译器优化：合并写入</a:t>
+            </a:r>
+            <a:endParaRPr lang="zh-CN" altLang="en-US"/>
+          </a:p>
+        </p:txBody>
+      </p:sp>
+      <p:pic>
+        <p:nvPicPr>
+          <p:cNvPr id="10" name="Content Placeholder 9"/>
+          <p:cNvPicPr>
+            <a:picLocks noChangeAspect="1"/>
+          </p:cNvPicPr>
+          <p:nvPr>
+            <p:ph sz="half" idx="2"/>
+          </p:nvPr>
+        </p:nvPicPr>
+        <p:blipFill>
+          <a:blip r:embed="rId1"/>
+          <a:stretch>
+            <a:fillRect/>
+          </a:stretch>
+        </p:blipFill>
+        <p:spPr>
+          <a:xfrm>
+            <a:off x="5981700" y="2170430"/>
+            <a:ext cx="5181600" cy="3661410"/>
           </a:xfrm>
           <a:prstGeom prst="rect">
             <a:avLst/>
@@ -7522,19 +9571,19 @@
             <a:picLocks noChangeAspect="1"/>
           </p:cNvPicPr>
           <p:nvPr>
-            <p:ph sz="half" idx="2"/>
+            <p:ph sz="half" idx="1"/>
           </p:nvPr>
         </p:nvPicPr>
         <p:blipFill>
-          <a:blip r:embed="rId4"/>
+          <a:blip r:embed="rId2"/>
           <a:stretch>
             <a:fillRect/>
           </a:stretch>
         </p:blipFill>
         <p:spPr>
           <a:xfrm>
-            <a:off x="6233795" y="1843405"/>
-            <a:ext cx="4676775" cy="4314825"/>
+            <a:off x="934720" y="3100070"/>
+            <a:ext cx="4606925" cy="1802130"/>
           </a:xfrm>
           <a:prstGeom prst="rect">
             <a:avLst/>
@@ -7543,14 +9592,14 @@
       </p:pic>
       <p:sp>
         <p:nvSpPr>
-          <p:cNvPr id="13" name="Text Box 12"/>
+          <p:cNvPr id="12" name="Text Box 11"/>
           <p:cNvSpPr txBox="1"/>
           <p:nvPr/>
         </p:nvSpPr>
         <p:spPr>
           <a:xfrm>
-            <a:off x="6454775" y="258445"/>
-            <a:ext cx="2777490" cy="922020"/>
+            <a:off x="5043170" y="1073150"/>
+            <a:ext cx="2738755" cy="645160"/>
           </a:xfrm>
           <a:prstGeom prst="rect">
             <a:avLst/>
@@ -7563,10 +9612,199 @@
           </a:bodyPr>
           <a:p>
             <a:r>
+              <a:rPr lang="zh-CN" altLang="en-US"/>
+              <a:t>将两个</a:t>
+            </a:r>
+            <a:r>
+              <a:rPr lang="en-US" altLang="zh-CN"/>
+              <a:t> int32 </a:t>
+            </a:r>
+            <a:r>
+              <a:rPr lang="zh-CN" altLang="en-US"/>
+              <a:t>的写入合并为一个</a:t>
+            </a:r>
+            <a:r>
+              <a:rPr lang="en-US" altLang="zh-CN"/>
+              <a:t> int64 </a:t>
+            </a:r>
+            <a:r>
+              <a:rPr lang="zh-CN" altLang="en-US"/>
+              <a:t>的写入。</a:t>
+            </a:r>
+            <a:endParaRPr lang="zh-CN" altLang="en-US"/>
+          </a:p>
+        </p:txBody>
+      </p:sp>
+    </p:spTree>
+  </p:cSld>
+  <p:clrMapOvr>
+    <a:masterClrMapping/>
+  </p:clrMapOvr>
+</p:sld>
+</file>
+
+<file path=ppt/slides/slide38.xml><?xml version="1.0" encoding="utf-8"?>
+<p:sld xmlns:a="http://schemas.openxmlformats.org/drawingml/2006/main" xmlns:r="http://schemas.openxmlformats.org/officeDocument/2006/relationships" xmlns:p="http://schemas.openxmlformats.org/presentationml/2006/main">
+  <p:cSld>
+    <p:spTree>
+      <p:nvGrpSpPr>
+        <p:cNvPr id="1" name=""/>
+        <p:cNvGrpSpPr/>
+        <p:nvPr/>
+      </p:nvGrpSpPr>
+      <p:grpSpPr/>
+      <p:sp>
+        <p:nvSpPr>
+          <p:cNvPr id="2" name="Title 1"/>
+          <p:cNvSpPr>
+            <a:spLocks noGrp="1"/>
+          </p:cNvSpPr>
+          <p:nvPr>
+            <p:ph type="title"/>
+          </p:nvPr>
+        </p:nvSpPr>
+        <p:spPr/>
+        <p:txBody>
+          <a:bodyPr/>
+          <a:p>
+            <a:r>
+              <a:rPr lang="zh-CN" altLang="en-US">
+                <a:sym typeface="+mn-ea"/>
+              </a:rPr>
+              <a:t>合并写入：不能跳跃</a:t>
+            </a:r>
+            <a:endParaRPr lang="en-US"/>
+          </a:p>
+        </p:txBody>
+      </p:sp>
+      <p:pic>
+        <p:nvPicPr>
+          <p:cNvPr id="6" name="Content Placeholder 5"/>
+          <p:cNvPicPr>
+            <a:picLocks noChangeAspect="1"/>
+          </p:cNvPicPr>
+          <p:nvPr>
+            <p:ph sz="half" idx="1"/>
+          </p:nvPr>
+        </p:nvPicPr>
+        <p:blipFill>
+          <a:blip r:embed="rId1"/>
+          <a:stretch>
+            <a:fillRect/>
+          </a:stretch>
+        </p:blipFill>
+        <p:spPr>
+          <a:xfrm>
+            <a:off x="793115" y="3034665"/>
+            <a:ext cx="4890135" cy="1932940"/>
+          </a:xfrm>
+          <a:prstGeom prst="rect">
+            <a:avLst/>
+          </a:prstGeom>
+        </p:spPr>
+      </p:pic>
+      <p:pic>
+        <p:nvPicPr>
+          <p:cNvPr id="7" name="Content Placeholder 6"/>
+          <p:cNvPicPr>
+            <a:picLocks noChangeAspect="1"/>
+          </p:cNvPicPr>
+          <p:nvPr>
+            <p:ph sz="half" idx="2"/>
+          </p:nvPr>
+        </p:nvPicPr>
+        <p:blipFill>
+          <a:blip r:embed="rId2"/>
+          <a:stretch>
+            <a:fillRect/>
+          </a:stretch>
+        </p:blipFill>
+        <p:spPr>
+          <a:xfrm>
+            <a:off x="5934710" y="2724150"/>
+            <a:ext cx="6054090" cy="2553970"/>
+          </a:xfrm>
+          <a:prstGeom prst="rect">
+            <a:avLst/>
+          </a:prstGeom>
+        </p:spPr>
+      </p:pic>
+      <p:sp>
+        <p:nvSpPr>
+          <p:cNvPr id="12" name="Text Box 11"/>
+          <p:cNvSpPr txBox="1"/>
+          <p:nvPr/>
+        </p:nvSpPr>
+        <p:spPr>
+          <a:xfrm>
+            <a:off x="5584825" y="776605"/>
+            <a:ext cx="2738755" cy="922020"/>
+          </a:xfrm>
+          <a:prstGeom prst="rect">
+            <a:avLst/>
+          </a:prstGeom>
+          <a:noFill/>
+        </p:spPr>
+        <p:txBody>
+          <a:bodyPr wrap="square" rtlCol="0">
+            <a:spAutoFit/>
+          </a:bodyPr>
+          <a:p>
+            <a:r>
               <a:rPr lang="zh-CN"/>
-              <a:t>结论：启用优化后编译器会生成更高效更紧凑的汇编指令。</a:t>
+              <a:t>但如果访问的两个元素地址间有跳跃，就不能合并了。</a:t>
             </a:r>
             <a:endParaRPr lang="zh-CN"/>
+          </a:p>
+        </p:txBody>
+      </p:sp>
+    </p:spTree>
+  </p:cSld>
+  <p:clrMapOvr>
+    <a:masterClrMapping/>
+  </p:clrMapOvr>
+</p:sld>
+</file>
+
+<file path=ppt/slides/slide39.xml><?xml version="1.0" encoding="utf-8"?>
+<p:sld xmlns:a="http://schemas.openxmlformats.org/drawingml/2006/main" xmlns:r="http://schemas.openxmlformats.org/officeDocument/2006/relationships" xmlns:p="http://schemas.openxmlformats.org/presentationml/2006/main">
+  <p:cSld>
+    <p:spTree>
+      <p:nvGrpSpPr>
+        <p:cNvPr id="1" name=""/>
+        <p:cNvGrpSpPr/>
+        <p:nvPr/>
+      </p:nvGrpSpPr>
+      <p:grpSpPr/>
+      <p:sp>
+        <p:nvSpPr>
+          <p:cNvPr id="5" name="Title 4"/>
+          <p:cNvSpPr>
+            <a:spLocks noGrp="1"/>
+          </p:cNvSpPr>
+          <p:nvPr>
+            <p:ph type="title"/>
+          </p:nvPr>
+        </p:nvSpPr>
+        <p:spPr/>
+        <p:txBody>
+          <a:bodyPr>
+            <a:normAutofit/>
+          </a:bodyPr>
+          <a:p>
+            <a:r>
+              <a:rPr lang="zh-CN" altLang="en-US"/>
+              <a:t>第</a:t>
+            </a:r>
+            <a:r>
+              <a:rPr lang="en-US" altLang="zh-CN"/>
+              <a:t>4</a:t>
+            </a:r>
+            <a:r>
+              <a:rPr lang="zh-CN" altLang="en-US"/>
+              <a:t>章：矢量化</a:t>
+            </a:r>
+            <a:endParaRPr lang="zh-CN" altLang="en-US"/>
           </a:p>
         </p:txBody>
       </p:sp>
@@ -7604,11 +9842,11 @@
           <a:p>
             <a:r>
               <a:rPr lang="zh-CN" altLang="en-US"/>
-              <a:t>帮助调试：</a:t>
+              <a:t>启用优化：</a:t>
             </a:r>
             <a:r>
               <a:rPr lang="en-US" altLang="zh-CN"/>
-              <a:t>-fverbose-asm</a:t>
+              <a:t>-O3</a:t>
             </a:r>
             <a:endParaRPr lang="en-US" altLang="zh-CN"/>
           </a:p>
@@ -7616,13 +9854,11 @@
       </p:sp>
       <p:pic>
         <p:nvPicPr>
-          <p:cNvPr id="5" name="Content Placeholder 4"/>
+          <p:cNvPr id="5" name="Picture 4"/>
           <p:cNvPicPr>
             <a:picLocks noChangeAspect="1"/>
           </p:cNvPicPr>
-          <p:nvPr>
-            <p:ph sz="half" idx="2"/>
-          </p:nvPr>
+          <p:nvPr/>
         </p:nvPicPr>
         <p:blipFill>
           <a:blip r:embed="rId1"/>
@@ -7632,8 +9868,8 @@
         </p:blipFill>
         <p:spPr>
           <a:xfrm>
-            <a:off x="6557010" y="1408430"/>
-            <a:ext cx="4029710" cy="5035550"/>
+            <a:off x="6262370" y="1539875"/>
+            <a:ext cx="3629025" cy="285750"/>
           </a:xfrm>
           <a:prstGeom prst="rect">
             <a:avLst/>
@@ -7658,8 +9894,8 @@
         </p:blipFill>
         <p:spPr>
           <a:xfrm>
-            <a:off x="1716405" y="1473835"/>
-            <a:ext cx="3044190" cy="5055235"/>
+            <a:off x="1704340" y="1584325"/>
+            <a:ext cx="2995295" cy="4973955"/>
           </a:xfrm>
           <a:prstGeom prst="rect">
             <a:avLst/>
@@ -7682,6 +9918,2024 @@
         </p:blipFill>
         <p:spPr>
           <a:xfrm>
+            <a:off x="1582420" y="1273175"/>
+            <a:ext cx="3238500" cy="266700"/>
+          </a:xfrm>
+          <a:prstGeom prst="rect">
+            <a:avLst/>
+          </a:prstGeom>
+        </p:spPr>
+      </p:pic>
+      <p:pic>
+        <p:nvPicPr>
+          <p:cNvPr id="11" name="Content Placeholder 10"/>
+          <p:cNvPicPr>
+            <a:picLocks noChangeAspect="1"/>
+          </p:cNvPicPr>
+          <p:nvPr>
+            <p:ph sz="half" idx="2"/>
+          </p:nvPr>
+        </p:nvPicPr>
+        <p:blipFill>
+          <a:blip r:embed="rId4"/>
+          <a:stretch>
+            <a:fillRect/>
+          </a:stretch>
+        </p:blipFill>
+        <p:spPr>
+          <a:xfrm>
+            <a:off x="6233795" y="1843405"/>
+            <a:ext cx="4676775" cy="4314825"/>
+          </a:xfrm>
+          <a:prstGeom prst="rect">
+            <a:avLst/>
+          </a:prstGeom>
+        </p:spPr>
+      </p:pic>
+      <p:sp>
+        <p:nvSpPr>
+          <p:cNvPr id="13" name="Text Box 12"/>
+          <p:cNvSpPr txBox="1"/>
+          <p:nvPr/>
+        </p:nvSpPr>
+        <p:spPr>
+          <a:xfrm>
+            <a:off x="6454775" y="258445"/>
+            <a:ext cx="2777490" cy="922020"/>
+          </a:xfrm>
+          <a:prstGeom prst="rect">
+            <a:avLst/>
+          </a:prstGeom>
+          <a:noFill/>
+        </p:spPr>
+        <p:txBody>
+          <a:bodyPr wrap="square" rtlCol="0">
+            <a:spAutoFit/>
+          </a:bodyPr>
+          <a:p>
+            <a:r>
+              <a:rPr lang="zh-CN"/>
+              <a:t>结论：启用优化后编译器会生成更高效更紧凑的汇编指令。</a:t>
+            </a:r>
+            <a:endParaRPr lang="zh-CN"/>
+          </a:p>
+        </p:txBody>
+      </p:sp>
+    </p:spTree>
+  </p:cSld>
+  <p:clrMapOvr>
+    <a:masterClrMapping/>
+  </p:clrMapOvr>
+</p:sld>
+</file>
+
+<file path=ppt/slides/slide40.xml><?xml version="1.0" encoding="utf-8"?>
+<p:sld xmlns:a="http://schemas.openxmlformats.org/drawingml/2006/main" xmlns:r="http://schemas.openxmlformats.org/officeDocument/2006/relationships" xmlns:p="http://schemas.openxmlformats.org/presentationml/2006/main">
+  <p:cSld>
+    <p:spTree>
+      <p:nvGrpSpPr>
+        <p:cNvPr id="1" name=""/>
+        <p:cNvGrpSpPr/>
+        <p:nvPr/>
+      </p:nvGrpSpPr>
+      <p:grpSpPr/>
+      <p:pic>
+        <p:nvPicPr>
+          <p:cNvPr id="10" name="Content Placeholder 9"/>
+          <p:cNvPicPr>
+            <a:picLocks noChangeAspect="1"/>
+          </p:cNvPicPr>
+          <p:nvPr>
+            <p:ph sz="half" idx="2"/>
+          </p:nvPr>
+        </p:nvPicPr>
+        <p:blipFill>
+          <a:blip r:embed="rId1"/>
+          <a:stretch>
+            <a:fillRect/>
+          </a:stretch>
+        </p:blipFill>
+        <p:spPr>
+          <a:xfrm>
+            <a:off x="5865495" y="1871980"/>
+            <a:ext cx="5414645" cy="4258310"/>
+          </a:xfrm>
+          <a:prstGeom prst="rect">
+            <a:avLst/>
+          </a:prstGeom>
+        </p:spPr>
+      </p:pic>
+      <p:sp>
+        <p:nvSpPr>
+          <p:cNvPr id="2" name="Title 1"/>
+          <p:cNvSpPr>
+            <a:spLocks noGrp="1"/>
+          </p:cNvSpPr>
+          <p:nvPr>
+            <p:ph type="title"/>
+          </p:nvPr>
+        </p:nvSpPr>
+        <p:spPr/>
+        <p:txBody>
+          <a:bodyPr/>
+          <a:p>
+            <a:r>
+              <a:rPr lang="zh-CN" altLang="en-US"/>
+              <a:t>更宽的合并写入：矢量化指令（</a:t>
+            </a:r>
+            <a:r>
+              <a:rPr lang="en-US" altLang="zh-CN">
+                <a:sym typeface="+mn-ea"/>
+              </a:rPr>
+              <a:t>SIMD</a:t>
+            </a:r>
+            <a:r>
+              <a:rPr lang="zh-CN" altLang="en-US"/>
+              <a:t>）</a:t>
+            </a:r>
+            <a:endParaRPr lang="en-US" altLang="zh-CN"/>
+          </a:p>
+        </p:txBody>
+      </p:sp>
+      <p:sp>
+        <p:nvSpPr>
+          <p:cNvPr id="12" name="Text Box 11"/>
+          <p:cNvSpPr txBox="1"/>
+          <p:nvPr/>
+        </p:nvSpPr>
+        <p:spPr>
+          <a:xfrm>
+            <a:off x="1040765" y="1788160"/>
+            <a:ext cx="4189730" cy="645160"/>
+          </a:xfrm>
+          <a:prstGeom prst="rect">
+            <a:avLst/>
+          </a:prstGeom>
+          <a:noFill/>
+        </p:spPr>
+        <p:txBody>
+          <a:bodyPr wrap="square" rtlCol="0">
+            <a:spAutoFit/>
+          </a:bodyPr>
+          <a:p>
+            <a:r>
+              <a:rPr lang="zh-CN" altLang="en-US"/>
+              <a:t>两个</a:t>
+            </a:r>
+            <a:r>
+              <a:rPr lang="en-US" altLang="zh-CN"/>
+              <a:t> int32 </a:t>
+            </a:r>
+            <a:r>
+              <a:rPr lang="zh-CN" altLang="en-US"/>
+              <a:t>可以合并为</a:t>
+            </a:r>
+            <a:r>
+              <a:rPr lang="zh-CN" altLang="en-US"/>
+              <a:t>一个</a:t>
+            </a:r>
+            <a:r>
+              <a:rPr lang="en-US" altLang="zh-CN"/>
+              <a:t> int64</a:t>
+            </a:r>
+            <a:endParaRPr lang="en-US" altLang="zh-CN"/>
+          </a:p>
+          <a:p>
+            <a:r>
+              <a:rPr lang="zh-CN" altLang="en-US"/>
+              <a:t>四个</a:t>
+            </a:r>
+            <a:r>
+              <a:rPr lang="en-US" altLang="zh-CN"/>
+              <a:t> int32 </a:t>
+            </a:r>
+            <a:r>
+              <a:rPr lang="zh-CN" altLang="en-US">
+                <a:sym typeface="+mn-ea"/>
+              </a:rPr>
+              <a:t>可以合并为</a:t>
+            </a:r>
+            <a:r>
+              <a:rPr lang="zh-CN" altLang="en-US"/>
+              <a:t>一个</a:t>
+            </a:r>
+            <a:r>
+              <a:rPr lang="en-US" altLang="zh-CN"/>
+              <a:t> __m128</a:t>
+            </a:r>
+            <a:endParaRPr lang="zh-CN" altLang="en-US"/>
+          </a:p>
+        </p:txBody>
+      </p:sp>
+      <p:sp>
+        <p:nvSpPr>
+          <p:cNvPr id="6" name="Text Box 5"/>
+          <p:cNvSpPr txBox="1"/>
+          <p:nvPr/>
+        </p:nvSpPr>
+        <p:spPr>
+          <a:xfrm>
+            <a:off x="889000" y="5568950"/>
+            <a:ext cx="4341495" cy="645160"/>
+          </a:xfrm>
+          <a:prstGeom prst="rect">
+            <a:avLst/>
+          </a:prstGeom>
+          <a:noFill/>
+        </p:spPr>
+        <p:txBody>
+          <a:bodyPr wrap="square" rtlCol="0">
+            <a:spAutoFit/>
+          </a:bodyPr>
+          <a:p>
+            <a:r>
+              <a:rPr lang="en-US"/>
+              <a:t>xmm0 </a:t>
+            </a:r>
+            <a:r>
+              <a:rPr lang="zh-CN" altLang="en-US"/>
+              <a:t>由</a:t>
+            </a:r>
+            <a:r>
+              <a:rPr lang="en-US" altLang="zh-CN"/>
+              <a:t> SSE </a:t>
+            </a:r>
+            <a:r>
+              <a:rPr lang="zh-CN" altLang="en-US"/>
+              <a:t>引入，是个</a:t>
+            </a:r>
+            <a:r>
+              <a:rPr lang="en-US" altLang="zh-CN"/>
+              <a:t> 128 </a:t>
+            </a:r>
+            <a:r>
+              <a:rPr lang="zh-CN" altLang="en-US"/>
+              <a:t>位寄存器</a:t>
+            </a:r>
+            <a:endParaRPr lang="zh-CN" altLang="en-US"/>
+          </a:p>
+          <a:p>
+            <a:r>
+              <a:rPr lang="zh-CN" altLang="en-US"/>
+              <a:t>他可以一次存储</a:t>
+            </a:r>
+            <a:r>
+              <a:rPr lang="en-US" altLang="zh-CN"/>
+              <a:t> 4 </a:t>
+            </a:r>
+            <a:r>
+              <a:rPr lang="zh-CN" altLang="en-US"/>
+              <a:t>个</a:t>
+            </a:r>
+            <a:r>
+              <a:rPr lang="en-US" altLang="zh-CN"/>
+              <a:t> int</a:t>
+            </a:r>
+            <a:r>
+              <a:rPr lang="zh-CN" altLang="en-US"/>
+              <a:t>，或</a:t>
+            </a:r>
+            <a:r>
+              <a:rPr lang="en-US" altLang="zh-CN"/>
+              <a:t> 4 </a:t>
+            </a:r>
+            <a:r>
+              <a:rPr lang="zh-CN" altLang="en-US"/>
+              <a:t>个</a:t>
+            </a:r>
+            <a:r>
+              <a:rPr lang="en-US" altLang="zh-CN"/>
+              <a:t> float</a:t>
+            </a:r>
+            <a:endParaRPr lang="en-US" altLang="zh-CN"/>
+          </a:p>
+        </p:txBody>
+      </p:sp>
+      <p:cxnSp>
+        <p:nvCxnSpPr>
+          <p:cNvPr id="8" name="Straight Connector 7"/>
+          <p:cNvCxnSpPr/>
+          <p:nvPr/>
+        </p:nvCxnSpPr>
+        <p:spPr>
+          <a:xfrm flipV="1">
+            <a:off x="7183755" y="3280410"/>
+            <a:ext cx="593090" cy="10160"/>
+          </a:xfrm>
+          <a:prstGeom prst="line">
+            <a:avLst/>
+          </a:prstGeom>
+          <a:ln w="28575" cmpd="sng">
+            <a:solidFill>
+              <a:srgbClr val="FF3300"/>
+            </a:solidFill>
+            <a:prstDash val="solid"/>
+          </a:ln>
+        </p:spPr>
+        <p:style>
+          <a:lnRef idx="1">
+            <a:schemeClr val="accent1"/>
+          </a:lnRef>
+          <a:fillRef idx="0">
+            <a:schemeClr val="accent1"/>
+          </a:fillRef>
+          <a:effectRef idx="0">
+            <a:schemeClr val="accent1"/>
+          </a:effectRef>
+          <a:fontRef idx="minor">
+            <a:schemeClr val="tx1"/>
+          </a:fontRef>
+        </p:style>
+      </p:cxnSp>
+      <p:pic>
+        <p:nvPicPr>
+          <p:cNvPr id="13" name="Content Placeholder 12"/>
+          <p:cNvPicPr>
+            <a:picLocks noChangeAspect="1"/>
+          </p:cNvPicPr>
+          <p:nvPr>
+            <p:ph sz="half" idx="1"/>
+          </p:nvPr>
+        </p:nvPicPr>
+        <p:blipFill>
+          <a:blip r:embed="rId2"/>
+          <a:stretch>
+            <a:fillRect/>
+          </a:stretch>
+        </p:blipFill>
+        <p:spPr>
+          <a:xfrm>
+            <a:off x="1581150" y="2981325"/>
+            <a:ext cx="3314065" cy="2039620"/>
+          </a:xfrm>
+          <a:prstGeom prst="rect">
+            <a:avLst/>
+          </a:prstGeom>
+        </p:spPr>
+      </p:pic>
+    </p:spTree>
+  </p:cSld>
+  <p:clrMapOvr>
+    <a:masterClrMapping/>
+  </p:clrMapOvr>
+  <p:timing>
+    <p:tnLst>
+      <p:par>
+        <p:cTn id="1" dur="indefinite" restart="never" nodeType="tmRoot">
+          <p:childTnLst>
+            <p:seq concurrent="1" nextAc="seek">
+              <p:cTn id="2" dur="indefinite" nodeType="mainSeq">
+                <p:childTnLst>
+                  <p:par>
+                    <p:cTn id="3" fill="hold">
+                      <p:stCondLst>
+                        <p:cond delay="indefinite"/>
+                      </p:stCondLst>
+                      <p:childTnLst>
+                        <p:par>
+                          <p:cTn id="4" fill="hold">
+                            <p:stCondLst>
+                              <p:cond delay="0"/>
+                            </p:stCondLst>
+                            <p:childTnLst>
+                              <p:par>
+                                <p:cTn id="5" presetID="9" presetClass="entr" presetSubtype="0" fill="hold" grpId="0" nodeType="clickEffect">
+                                  <p:stCondLst>
+                                    <p:cond delay="0"/>
+                                  </p:stCondLst>
+                                  <p:childTnLst>
+                                    <p:set>
+                                      <p:cBhvr>
+                                        <p:cTn id="6" dur="1" fill="hold">
+                                          <p:stCondLst>
+                                            <p:cond delay="0"/>
+                                          </p:stCondLst>
+                                        </p:cTn>
+                                        <p:tgtEl>
+                                          <p:spTgt spid="6"/>
+                                        </p:tgtEl>
+                                        <p:attrNameLst>
+                                          <p:attrName>style.visibility</p:attrName>
+                                        </p:attrNameLst>
+                                      </p:cBhvr>
+                                      <p:to>
+                                        <p:strVal val="visible"/>
+                                      </p:to>
+                                    </p:set>
+                                    <p:animEffect transition="in" filter="dissolve">
+                                      <p:cBhvr>
+                                        <p:cTn id="7" dur="500"/>
+                                        <p:tgtEl>
+                                          <p:spTgt spid="6"/>
+                                        </p:tgtEl>
+                                      </p:cBhvr>
+                                    </p:animEffect>
+                                  </p:childTnLst>
+                                </p:cTn>
+                              </p:par>
+                              <p:par>
+                                <p:cTn id="8" presetID="7" presetClass="entr" presetSubtype="4" fill="hold" nodeType="withEffect">
+                                  <p:stCondLst>
+                                    <p:cond delay="0"/>
+                                  </p:stCondLst>
+                                  <p:childTnLst>
+                                    <p:set>
+                                      <p:cBhvr>
+                                        <p:cTn id="9" dur="1000" fill="hold">
+                                          <p:stCondLst>
+                                            <p:cond delay="0"/>
+                                          </p:stCondLst>
+                                        </p:cTn>
+                                        <p:tgtEl>
+                                          <p:spTgt spid="8"/>
+                                        </p:tgtEl>
+                                        <p:attrNameLst>
+                                          <p:attrName>style.visibility</p:attrName>
+                                        </p:attrNameLst>
+                                      </p:cBhvr>
+                                      <p:to>
+                                        <p:strVal val="visible"/>
+                                      </p:to>
+                                    </p:set>
+                                    <p:anim calcmode="lin" valueType="num">
+                                      <p:cBhvr additive="base">
+                                        <p:cTn id="10" dur="1000" fill="hold"/>
+                                        <p:tgtEl>
+                                          <p:spTgt spid="8"/>
+                                        </p:tgtEl>
+                                        <p:attrNameLst>
+                                          <p:attrName>ppt_x</p:attrName>
+                                        </p:attrNameLst>
+                                      </p:cBhvr>
+                                      <p:tavLst>
+                                        <p:tav tm="0">
+                                          <p:val>
+                                            <p:strVal val="#ppt_x"/>
+                                          </p:val>
+                                        </p:tav>
+                                        <p:tav tm="100000">
+                                          <p:val>
+                                            <p:strVal val="#ppt_x"/>
+                                          </p:val>
+                                        </p:tav>
+                                      </p:tavLst>
+                                    </p:anim>
+                                    <p:anim calcmode="lin" valueType="num">
+                                      <p:cBhvr additive="base">
+                                        <p:cTn id="11" dur="1000" fill="hold"/>
+                                        <p:tgtEl>
+                                          <p:spTgt spid="8"/>
+                                        </p:tgtEl>
+                                        <p:attrNameLst>
+                                          <p:attrName>ppt_y</p:attrName>
+                                        </p:attrNameLst>
+                                      </p:cBhvr>
+                                      <p:tavLst>
+                                        <p:tav tm="0">
+                                          <p:val>
+                                            <p:strVal val="1+#ppt_h/2"/>
+                                          </p:val>
+                                        </p:tav>
+                                        <p:tav tm="100000">
+                                          <p:val>
+                                            <p:strVal val="#ppt_y"/>
+                                          </p:val>
+                                        </p:tav>
+                                      </p:tavLst>
+                                    </p:anim>
+                                  </p:childTnLst>
+                                </p:cTn>
+                              </p:par>
+                            </p:childTnLst>
+                          </p:cTn>
+                        </p:par>
+                      </p:childTnLst>
+                    </p:cTn>
+                  </p:par>
+                </p:childTnLst>
+              </p:cTn>
+              <p:prevCondLst>
+                <p:cond evt="onPrev" delay="0">
+                  <p:tgtEl>
+                    <p:sldTgt/>
+                  </p:tgtEl>
+                </p:cond>
+              </p:prevCondLst>
+              <p:nextCondLst>
+                <p:cond evt="onNext" delay="0">
+                  <p:tgtEl>
+                    <p:sldTgt/>
+                  </p:tgtEl>
+                </p:cond>
+              </p:nextCondLst>
+            </p:seq>
+          </p:childTnLst>
+        </p:cTn>
+      </p:par>
+    </p:tnLst>
+    <p:bldLst>
+      <p:bldP spid="6" grpId="0"/>
+    </p:bldLst>
+  </p:timing>
+</p:sld>
+</file>
+
+<file path=ppt/slides/slide41.xml><?xml version="1.0" encoding="utf-8"?>
+<p:sld xmlns:a="http://schemas.openxmlformats.org/drawingml/2006/main" xmlns:r="http://schemas.openxmlformats.org/officeDocument/2006/relationships" xmlns:p="http://schemas.openxmlformats.org/presentationml/2006/main">
+  <p:cSld>
+    <p:spTree>
+      <p:nvGrpSpPr>
+        <p:cNvPr id="1" name=""/>
+        <p:cNvGrpSpPr/>
+        <p:nvPr/>
+      </p:nvGrpSpPr>
+      <p:grpSpPr/>
+      <p:sp>
+        <p:nvSpPr>
+          <p:cNvPr id="2" name="Title 1"/>
+          <p:cNvSpPr>
+            <a:spLocks noGrp="1"/>
+          </p:cNvSpPr>
+          <p:nvPr>
+            <p:ph type="title"/>
+          </p:nvPr>
+        </p:nvSpPr>
+        <p:spPr/>
+        <p:txBody>
+          <a:bodyPr/>
+          <a:p>
+            <a:r>
+              <a:rPr lang="en-US" altLang="zh-CN">
+                <a:sym typeface="+mn-ea"/>
+              </a:rPr>
+              <a:t>SIMD </a:t>
+            </a:r>
+            <a:r>
+              <a:rPr lang="zh-CN" altLang="en-US">
+                <a:sym typeface="+mn-ea"/>
+              </a:rPr>
+              <a:t>指令：</a:t>
+            </a:r>
+            <a:r>
+              <a:rPr lang="zh-CN"/>
+              <a:t>敢不敢再宽一点？</a:t>
+            </a:r>
+            <a:endParaRPr lang="zh-CN"/>
+          </a:p>
+        </p:txBody>
+      </p:sp>
+      <p:pic>
+        <p:nvPicPr>
+          <p:cNvPr id="5" name="Content Placeholder 4"/>
+          <p:cNvPicPr>
+            <a:picLocks noChangeAspect="1"/>
+          </p:cNvPicPr>
+          <p:nvPr>
+            <p:ph sz="half" idx="1"/>
+          </p:nvPr>
+        </p:nvPicPr>
+        <p:blipFill>
+          <a:blip r:embed="rId1"/>
+          <a:stretch>
+            <a:fillRect/>
+          </a:stretch>
+        </p:blipFill>
+        <p:spPr>
+          <a:xfrm>
+            <a:off x="1702435" y="2477770"/>
+            <a:ext cx="3070860" cy="3046730"/>
+          </a:xfrm>
+          <a:prstGeom prst="rect">
+            <a:avLst/>
+          </a:prstGeom>
+        </p:spPr>
+      </p:pic>
+      <p:pic>
+        <p:nvPicPr>
+          <p:cNvPr id="6" name="Content Placeholder 5"/>
+          <p:cNvPicPr>
+            <a:picLocks noChangeAspect="1"/>
+          </p:cNvPicPr>
+          <p:nvPr>
+            <p:ph sz="half" idx="2"/>
+          </p:nvPr>
+        </p:nvPicPr>
+        <p:blipFill>
+          <a:blip r:embed="rId2"/>
+          <a:stretch>
+            <a:fillRect/>
+          </a:stretch>
+        </p:blipFill>
+        <p:spPr>
+          <a:xfrm>
+            <a:off x="6322695" y="1469390"/>
+            <a:ext cx="4499610" cy="5064125"/>
+          </a:xfrm>
+          <a:prstGeom prst="rect">
+            <a:avLst/>
+          </a:prstGeom>
+        </p:spPr>
+      </p:pic>
+      <p:sp>
+        <p:nvSpPr>
+          <p:cNvPr id="7" name="Text Box 6"/>
+          <p:cNvSpPr txBox="1"/>
+          <p:nvPr/>
+        </p:nvSpPr>
+        <p:spPr>
+          <a:xfrm>
+            <a:off x="1066800" y="5722620"/>
+            <a:ext cx="4341495" cy="922020"/>
+          </a:xfrm>
+          <a:prstGeom prst="rect">
+            <a:avLst/>
+          </a:prstGeom>
+          <a:noFill/>
+        </p:spPr>
+        <p:txBody>
+          <a:bodyPr wrap="square" rtlCol="0">
+            <a:spAutoFit/>
+          </a:bodyPr>
+          <a:p>
+            <a:r>
+              <a:rPr lang="zh-CN"/>
+              <a:t>为什么编译器没有用</a:t>
+            </a:r>
+            <a:r>
+              <a:rPr lang="en-US" altLang="zh-CN"/>
+              <a:t> 256 </a:t>
+            </a:r>
+            <a:r>
+              <a:rPr lang="zh-CN" altLang="en-US"/>
+              <a:t>位的</a:t>
+            </a:r>
+            <a:r>
+              <a:rPr lang="en-US" altLang="zh-CN"/>
+              <a:t> ymm0</a:t>
+            </a:r>
+            <a:r>
+              <a:rPr lang="zh-CN" altLang="en-US"/>
+              <a:t>？</a:t>
+            </a:r>
+            <a:endParaRPr lang="zh-CN" altLang="en-US"/>
+          </a:p>
+          <a:p>
+            <a:r>
+              <a:rPr lang="zh-CN" altLang="en-US"/>
+              <a:t>因为他不敢保证运行这个程序的电脑支持</a:t>
+            </a:r>
+            <a:r>
+              <a:rPr lang="en-US" altLang="zh-CN"/>
+              <a:t> AVX </a:t>
+            </a:r>
+            <a:r>
+              <a:rPr lang="zh-CN" altLang="en-US"/>
+              <a:t>指令集</a:t>
+            </a:r>
+            <a:r>
+              <a:rPr lang="en-US" altLang="zh-CN"/>
+              <a:t>……</a:t>
+            </a:r>
+            <a:endParaRPr lang="en-US" altLang="zh-CN"/>
+          </a:p>
+        </p:txBody>
+      </p:sp>
+      <p:sp>
+        <p:nvSpPr>
+          <p:cNvPr id="12" name="Text Box 11"/>
+          <p:cNvSpPr txBox="1"/>
+          <p:nvPr/>
+        </p:nvSpPr>
+        <p:spPr>
+          <a:xfrm>
+            <a:off x="1142365" y="1469390"/>
+            <a:ext cx="4189730" cy="922020"/>
+          </a:xfrm>
+          <a:prstGeom prst="rect">
+            <a:avLst/>
+          </a:prstGeom>
+          <a:noFill/>
+        </p:spPr>
+        <p:txBody>
+          <a:bodyPr wrap="square" rtlCol="0">
+            <a:spAutoFit/>
+          </a:bodyPr>
+          <a:p>
+            <a:r>
+              <a:rPr lang="zh-CN" altLang="en-US"/>
+              <a:t>两个</a:t>
+            </a:r>
+            <a:r>
+              <a:rPr lang="en-US" altLang="zh-CN"/>
+              <a:t> int32 </a:t>
+            </a:r>
+            <a:r>
+              <a:rPr lang="zh-CN" altLang="en-US"/>
+              <a:t>可以合并为</a:t>
+            </a:r>
+            <a:r>
+              <a:rPr lang="zh-CN" altLang="en-US"/>
+              <a:t>一个</a:t>
+            </a:r>
+            <a:r>
+              <a:rPr lang="en-US" altLang="zh-CN"/>
+              <a:t> int64</a:t>
+            </a:r>
+            <a:endParaRPr lang="en-US" altLang="zh-CN"/>
+          </a:p>
+          <a:p>
+            <a:r>
+              <a:rPr lang="zh-CN" altLang="en-US"/>
+              <a:t>四个</a:t>
+            </a:r>
+            <a:r>
+              <a:rPr lang="en-US" altLang="zh-CN"/>
+              <a:t> int32 </a:t>
+            </a:r>
+            <a:r>
+              <a:rPr lang="zh-CN" altLang="en-US">
+                <a:sym typeface="+mn-ea"/>
+              </a:rPr>
+              <a:t>可以合并为</a:t>
+            </a:r>
+            <a:r>
+              <a:rPr lang="zh-CN" altLang="en-US"/>
+              <a:t>一个</a:t>
+            </a:r>
+            <a:r>
+              <a:rPr lang="en-US" altLang="zh-CN"/>
+              <a:t> __m128</a:t>
+            </a:r>
+            <a:endParaRPr lang="en-US" altLang="zh-CN"/>
+          </a:p>
+          <a:p>
+            <a:r>
+              <a:rPr lang="zh-CN" altLang="en-US"/>
+              <a:t>八个</a:t>
+            </a:r>
+            <a:r>
+              <a:rPr lang="en-US" altLang="zh-CN"/>
+              <a:t> int32 </a:t>
+            </a:r>
+            <a:r>
+              <a:rPr lang="zh-CN" altLang="en-US">
+                <a:sym typeface="+mn-ea"/>
+              </a:rPr>
+              <a:t>可以合并为</a:t>
+            </a:r>
+            <a:r>
+              <a:rPr lang="zh-CN" altLang="en-US">
+                <a:sym typeface="+mn-ea"/>
+              </a:rPr>
+              <a:t>一个</a:t>
+            </a:r>
+            <a:r>
+              <a:rPr lang="en-US" altLang="zh-CN">
+                <a:sym typeface="+mn-ea"/>
+              </a:rPr>
+              <a:t> __m256</a:t>
+            </a:r>
+            <a:endParaRPr lang="en-US" altLang="zh-CN"/>
+          </a:p>
+        </p:txBody>
+      </p:sp>
+    </p:spTree>
+  </p:cSld>
+  <p:clrMapOvr>
+    <a:masterClrMapping/>
+  </p:clrMapOvr>
+  <p:timing>
+    <p:tnLst>
+      <p:par>
+        <p:cTn id="1" dur="indefinite" restart="never" nodeType="tmRoot">
+          <p:childTnLst>
+            <p:seq concurrent="1" nextAc="seek">
+              <p:cTn id="2" dur="indefinite" nodeType="mainSeq">
+                <p:childTnLst>
+                  <p:par>
+                    <p:cTn id="3" fill="hold">
+                      <p:stCondLst>
+                        <p:cond delay="indefinite"/>
+                      </p:stCondLst>
+                      <p:childTnLst>
+                        <p:par>
+                          <p:cTn id="4" fill="hold">
+                            <p:stCondLst>
+                              <p:cond delay="0"/>
+                            </p:stCondLst>
+                            <p:childTnLst>
+                              <p:par>
+                                <p:cTn id="5" presetID="9" presetClass="entr" presetSubtype="0" fill="hold" grpId="0" nodeType="clickEffect">
+                                  <p:stCondLst>
+                                    <p:cond delay="0"/>
+                                  </p:stCondLst>
+                                  <p:childTnLst>
+                                    <p:set>
+                                      <p:cBhvr>
+                                        <p:cTn id="6" dur="1" fill="hold">
+                                          <p:stCondLst>
+                                            <p:cond delay="0"/>
+                                          </p:stCondLst>
+                                        </p:cTn>
+                                        <p:tgtEl>
+                                          <p:spTgt spid="7"/>
+                                        </p:tgtEl>
+                                        <p:attrNameLst>
+                                          <p:attrName>style.visibility</p:attrName>
+                                        </p:attrNameLst>
+                                      </p:cBhvr>
+                                      <p:to>
+                                        <p:strVal val="visible"/>
+                                      </p:to>
+                                    </p:set>
+                                    <p:animEffect transition="in" filter="dissolve">
+                                      <p:cBhvr>
+                                        <p:cTn id="7" dur="500"/>
+                                        <p:tgtEl>
+                                          <p:spTgt spid="7"/>
+                                        </p:tgtEl>
+                                      </p:cBhvr>
+                                    </p:animEffect>
+                                  </p:childTnLst>
+                                </p:cTn>
+                              </p:par>
+                            </p:childTnLst>
+                          </p:cTn>
+                        </p:par>
+                      </p:childTnLst>
+                    </p:cTn>
+                  </p:par>
+                </p:childTnLst>
+              </p:cTn>
+              <p:prevCondLst>
+                <p:cond evt="onPrev" delay="0">
+                  <p:tgtEl>
+                    <p:sldTgt/>
+                  </p:tgtEl>
+                </p:cond>
+              </p:prevCondLst>
+              <p:nextCondLst>
+                <p:cond evt="onNext" delay="0">
+                  <p:tgtEl>
+                    <p:sldTgt/>
+                  </p:tgtEl>
+                </p:cond>
+              </p:nextCondLst>
+            </p:seq>
+          </p:childTnLst>
+        </p:cTn>
+      </p:par>
+    </p:tnLst>
+    <p:bldLst>
+      <p:bldP spid="7" grpId="0"/>
+    </p:bldLst>
+  </p:timing>
+</p:sld>
+</file>
+
+<file path=ppt/slides/slide42.xml><?xml version="1.0" encoding="utf-8"?>
+<p:sld xmlns:a="http://schemas.openxmlformats.org/drawingml/2006/main" xmlns:r="http://schemas.openxmlformats.org/officeDocument/2006/relationships" xmlns:p="http://schemas.openxmlformats.org/presentationml/2006/main">
+  <p:cSld>
+    <p:spTree>
+      <p:nvGrpSpPr>
+        <p:cNvPr id="1" name=""/>
+        <p:cNvGrpSpPr/>
+        <p:nvPr/>
+      </p:nvGrpSpPr>
+      <p:grpSpPr/>
+      <p:sp>
+        <p:nvSpPr>
+          <p:cNvPr id="2" name="Title 1"/>
+          <p:cNvSpPr>
+            <a:spLocks noGrp="1"/>
+          </p:cNvSpPr>
+          <p:nvPr>
+            <p:ph type="title"/>
+          </p:nvPr>
+        </p:nvSpPr>
+        <p:spPr/>
+        <p:txBody>
+          <a:bodyPr/>
+          <a:p>
+            <a:r>
+              <a:rPr lang="zh-CN" altLang="en-US"/>
+              <a:t>让编译器自动检测当前硬件支持的指令集</a:t>
+            </a:r>
+            <a:endParaRPr lang="zh-CN" altLang="en-US"/>
+          </a:p>
+        </p:txBody>
+      </p:sp>
+      <p:pic>
+        <p:nvPicPr>
+          <p:cNvPr id="5" name="Picture 4"/>
+          <p:cNvPicPr>
+            <a:picLocks noChangeAspect="1"/>
+          </p:cNvPicPr>
+          <p:nvPr/>
+        </p:nvPicPr>
+        <p:blipFill>
+          <a:blip r:embed="rId1"/>
+          <a:stretch>
+            <a:fillRect/>
+          </a:stretch>
+        </p:blipFill>
+        <p:spPr>
+          <a:xfrm>
+            <a:off x="7792085" y="714375"/>
+            <a:ext cx="3611880" cy="302260"/>
+          </a:xfrm>
+          <a:prstGeom prst="rect">
+            <a:avLst/>
+          </a:prstGeom>
+        </p:spPr>
+      </p:pic>
+      <p:pic>
+        <p:nvPicPr>
+          <p:cNvPr id="6" name="Content Placeholder 4"/>
+          <p:cNvPicPr>
+            <a:picLocks noChangeAspect="1"/>
+          </p:cNvPicPr>
+          <p:nvPr>
+            <p:ph sz="half" idx="1"/>
+          </p:nvPr>
+        </p:nvPicPr>
+        <p:blipFill>
+          <a:blip r:embed="rId2"/>
+          <a:stretch>
+            <a:fillRect/>
+          </a:stretch>
+        </p:blipFill>
+        <p:spPr>
+          <a:xfrm>
+            <a:off x="1784350" y="2559050"/>
+            <a:ext cx="2907030" cy="2884170"/>
+          </a:xfrm>
+          <a:prstGeom prst="rect">
+            <a:avLst/>
+          </a:prstGeom>
+        </p:spPr>
+      </p:pic>
+      <p:pic>
+        <p:nvPicPr>
+          <p:cNvPr id="7" name="Content Placeholder 6"/>
+          <p:cNvPicPr>
+            <a:picLocks noChangeAspect="1"/>
+          </p:cNvPicPr>
+          <p:nvPr>
+            <p:ph sz="half" idx="2"/>
+          </p:nvPr>
+        </p:nvPicPr>
+        <p:blipFill>
+          <a:blip r:embed="rId3"/>
+          <a:stretch>
+            <a:fillRect/>
+          </a:stretch>
+        </p:blipFill>
+        <p:spPr>
+          <a:xfrm>
+            <a:off x="6657340" y="1292225"/>
+            <a:ext cx="3829050" cy="5419090"/>
+          </a:xfrm>
+          <a:prstGeom prst="rect">
+            <a:avLst/>
+          </a:prstGeom>
+        </p:spPr>
+      </p:pic>
+      <p:sp>
+        <p:nvSpPr>
+          <p:cNvPr id="8" name="Text Box 7"/>
+          <p:cNvSpPr txBox="1"/>
+          <p:nvPr/>
+        </p:nvSpPr>
+        <p:spPr>
+          <a:xfrm>
+            <a:off x="791845" y="5659120"/>
+            <a:ext cx="4892675" cy="1198880"/>
+          </a:xfrm>
+          <a:prstGeom prst="rect">
+            <a:avLst/>
+          </a:prstGeom>
+          <a:noFill/>
+        </p:spPr>
+        <p:txBody>
+          <a:bodyPr wrap="square" rtlCol="0">
+            <a:spAutoFit/>
+          </a:bodyPr>
+          <a:p>
+            <a:r>
+              <a:rPr lang="en-US" altLang="zh-CN"/>
+              <a:t>-march=native </a:t>
+            </a:r>
+            <a:r>
+              <a:rPr lang="zh-CN" altLang="en-US"/>
+              <a:t>让编译器自动判断当前硬件支持的指令。</a:t>
+            </a:r>
+            <a:r>
+              <a:rPr lang="zh-CN"/>
+              <a:t>老师的电脑支持</a:t>
+            </a:r>
+            <a:r>
+              <a:rPr lang="en-US" altLang="zh-CN"/>
+              <a:t> AVX </a:t>
+            </a:r>
+            <a:r>
+              <a:rPr lang="zh-CN" altLang="en-US"/>
+              <a:t>指令集，所以他用了。不过注意这样编译出的程序可能别人不支持</a:t>
+            </a:r>
+            <a:r>
+              <a:rPr lang="en-US" altLang="zh-CN"/>
+              <a:t> AVX </a:t>
+            </a:r>
+            <a:r>
+              <a:rPr lang="zh-CN" altLang="en-US"/>
+              <a:t>的电脑上没法运行。</a:t>
+            </a:r>
+            <a:endParaRPr lang="zh-CN" altLang="en-US"/>
+          </a:p>
+        </p:txBody>
+      </p:sp>
+    </p:spTree>
+  </p:cSld>
+  <p:clrMapOvr>
+    <a:masterClrMapping/>
+  </p:clrMapOvr>
+  <p:timing>
+    <p:tnLst>
+      <p:par>
+        <p:cTn id="1" dur="indefinite" restart="never" nodeType="tmRoot">
+          <p:childTnLst>
+            <p:seq concurrent="1" nextAc="seek">
+              <p:cTn id="2" dur="indefinite" nodeType="mainSeq">
+                <p:childTnLst>
+                  <p:par>
+                    <p:cTn id="3" fill="hold">
+                      <p:stCondLst>
+                        <p:cond delay="indefinite"/>
+                      </p:stCondLst>
+                      <p:childTnLst>
+                        <p:par>
+                          <p:cTn id="4" fill="hold">
+                            <p:stCondLst>
+                              <p:cond delay="0"/>
+                            </p:stCondLst>
+                            <p:childTnLst>
+                              <p:par>
+                                <p:cTn id="5" presetID="9" presetClass="entr" presetSubtype="0" fill="hold" grpId="0" nodeType="clickEffect">
+                                  <p:stCondLst>
+                                    <p:cond delay="0"/>
+                                  </p:stCondLst>
+                                  <p:childTnLst>
+                                    <p:set>
+                                      <p:cBhvr>
+                                        <p:cTn id="6" dur="1" fill="hold">
+                                          <p:stCondLst>
+                                            <p:cond delay="0"/>
+                                          </p:stCondLst>
+                                        </p:cTn>
+                                        <p:tgtEl>
+                                          <p:spTgt spid="8"/>
+                                        </p:tgtEl>
+                                        <p:attrNameLst>
+                                          <p:attrName>style.visibility</p:attrName>
+                                        </p:attrNameLst>
+                                      </p:cBhvr>
+                                      <p:to>
+                                        <p:strVal val="visible"/>
+                                      </p:to>
+                                    </p:set>
+                                    <p:animEffect transition="in" filter="dissolve">
+                                      <p:cBhvr>
+                                        <p:cTn id="7" dur="500"/>
+                                        <p:tgtEl>
+                                          <p:spTgt spid="8"/>
+                                        </p:tgtEl>
+                                      </p:cBhvr>
+                                    </p:animEffect>
+                                  </p:childTnLst>
+                                </p:cTn>
+                              </p:par>
+                            </p:childTnLst>
+                          </p:cTn>
+                        </p:par>
+                      </p:childTnLst>
+                    </p:cTn>
+                  </p:par>
+                </p:childTnLst>
+              </p:cTn>
+              <p:prevCondLst>
+                <p:cond evt="onPrev" delay="0">
+                  <p:tgtEl>
+                    <p:sldTgt/>
+                  </p:tgtEl>
+                </p:cond>
+              </p:prevCondLst>
+              <p:nextCondLst>
+                <p:cond evt="onNext" delay="0">
+                  <p:tgtEl>
+                    <p:sldTgt/>
+                  </p:tgtEl>
+                </p:cond>
+              </p:nextCondLst>
+            </p:seq>
+          </p:childTnLst>
+        </p:cTn>
+      </p:par>
+    </p:tnLst>
+    <p:bldLst>
+      <p:bldP spid="8" grpId="0"/>
+    </p:bldLst>
+  </p:timing>
+</p:sld>
+</file>
+
+<file path=ppt/slides/slide43.xml><?xml version="1.0" encoding="utf-8"?>
+<p:sld xmlns:a="http://schemas.openxmlformats.org/drawingml/2006/main" xmlns:r="http://schemas.openxmlformats.org/officeDocument/2006/relationships" xmlns:p="http://schemas.openxmlformats.org/presentationml/2006/main">
+  <p:cSld>
+    <p:spTree>
+      <p:nvGrpSpPr>
+        <p:cNvPr id="1" name=""/>
+        <p:cNvGrpSpPr/>
+        <p:nvPr/>
+      </p:nvGrpSpPr>
+      <p:grpSpPr/>
+      <p:sp>
+        <p:nvSpPr>
+          <p:cNvPr id="2" name="Title 1"/>
+          <p:cNvSpPr>
+            <a:spLocks noGrp="1"/>
+          </p:cNvSpPr>
+          <p:nvPr>
+            <p:ph type="title"/>
+          </p:nvPr>
+        </p:nvSpPr>
+        <p:spPr/>
+        <p:txBody>
+          <a:bodyPr/>
+          <a:p>
+            <a:r>
+              <a:rPr lang="zh-CN" altLang="en-US"/>
+              <a:t>数组清零：自动调用标准库的</a:t>
+            </a:r>
+            <a:r>
+              <a:rPr lang="en-US" altLang="zh-CN"/>
+              <a:t> memset</a:t>
+            </a:r>
+            <a:endParaRPr lang="en-US" altLang="zh-CN"/>
+          </a:p>
+        </p:txBody>
+      </p:sp>
+      <p:pic>
+        <p:nvPicPr>
+          <p:cNvPr id="6" name="Content Placeholder 5"/>
+          <p:cNvPicPr>
+            <a:picLocks noChangeAspect="1"/>
+          </p:cNvPicPr>
+          <p:nvPr>
+            <p:ph sz="half" idx="1"/>
+          </p:nvPr>
+        </p:nvPicPr>
+        <p:blipFill>
+          <a:blip r:embed="rId1"/>
+          <a:stretch>
+            <a:fillRect/>
+          </a:stretch>
+        </p:blipFill>
+        <p:spPr>
+          <a:xfrm>
+            <a:off x="737870" y="3175635"/>
+            <a:ext cx="5001260" cy="1651000"/>
+          </a:xfrm>
+          <a:prstGeom prst="rect">
+            <a:avLst/>
+          </a:prstGeom>
+        </p:spPr>
+      </p:pic>
+      <p:pic>
+        <p:nvPicPr>
+          <p:cNvPr id="7" name="Content Placeholder 6"/>
+          <p:cNvPicPr>
+            <a:picLocks noChangeAspect="1"/>
+          </p:cNvPicPr>
+          <p:nvPr>
+            <p:ph sz="half" idx="2"/>
+          </p:nvPr>
+        </p:nvPicPr>
+        <p:blipFill>
+          <a:blip r:embed="rId2"/>
+          <a:stretch>
+            <a:fillRect/>
+          </a:stretch>
+        </p:blipFill>
+        <p:spPr>
+          <a:xfrm>
+            <a:off x="6015990" y="1889760"/>
+            <a:ext cx="5113020" cy="4222750"/>
+          </a:xfrm>
+          <a:prstGeom prst="rect">
+            <a:avLst/>
+          </a:prstGeom>
+        </p:spPr>
+      </p:pic>
+      <p:sp>
+        <p:nvSpPr>
+          <p:cNvPr id="9" name="Text Box 8"/>
+          <p:cNvSpPr txBox="1"/>
+          <p:nvPr/>
+        </p:nvSpPr>
+        <p:spPr>
+          <a:xfrm>
+            <a:off x="1209675" y="5659120"/>
+            <a:ext cx="4341495" cy="1198880"/>
+          </a:xfrm>
+          <a:prstGeom prst="rect">
+            <a:avLst/>
+          </a:prstGeom>
+          <a:noFill/>
+        </p:spPr>
+        <p:txBody>
+          <a:bodyPr wrap="square" rtlCol="0">
+            <a:spAutoFit/>
+          </a:bodyPr>
+          <a:p>
+            <a:r>
+              <a:rPr lang="en-US"/>
+              <a:t>memcpy </a:t>
+            </a:r>
+            <a:r>
+              <a:rPr lang="zh-CN" altLang="en-US"/>
+              <a:t>也是同理！不一定要自己改写成</a:t>
+            </a:r>
+            <a:r>
+              <a:rPr lang="en-US" altLang="zh-CN"/>
+              <a:t> memcpy/memset </a:t>
+            </a:r>
+            <a:r>
+              <a:rPr lang="zh-CN" altLang="en-US"/>
+              <a:t>的形式，编译器会自动分析你在做</a:t>
+            </a:r>
+            <a:r>
+              <a:rPr lang="zh-CN" altLang="en-US">
+                <a:sym typeface="+mn-ea"/>
+              </a:rPr>
+              <a:t>拷贝还是</a:t>
+            </a:r>
+            <a:r>
+              <a:rPr lang="zh-CN" altLang="en-US"/>
+              <a:t>清零，并优化成对标准库这俩的调用。</a:t>
+            </a:r>
+            <a:endParaRPr lang="zh-CN" altLang="en-US"/>
+          </a:p>
+        </p:txBody>
+      </p:sp>
+    </p:spTree>
+  </p:cSld>
+  <p:clrMapOvr>
+    <a:masterClrMapping/>
+  </p:clrMapOvr>
+  <p:timing>
+    <p:tnLst>
+      <p:par>
+        <p:cTn id="1" dur="indefinite" restart="never" nodeType="tmRoot">
+          <p:childTnLst>
+            <p:seq concurrent="1" nextAc="seek">
+              <p:cTn id="2" dur="indefinite" nodeType="mainSeq">
+                <p:childTnLst>
+                  <p:par>
+                    <p:cTn id="3" fill="hold">
+                      <p:stCondLst>
+                        <p:cond delay="indefinite"/>
+                      </p:stCondLst>
+                      <p:childTnLst>
+                        <p:par>
+                          <p:cTn id="4" fill="hold">
+                            <p:stCondLst>
+                              <p:cond delay="0"/>
+                            </p:stCondLst>
+                            <p:childTnLst>
+                              <p:par>
+                                <p:cTn id="5" presetID="9" presetClass="entr" presetSubtype="0" fill="hold" grpId="0" nodeType="clickEffect">
+                                  <p:stCondLst>
+                                    <p:cond delay="0"/>
+                                  </p:stCondLst>
+                                  <p:childTnLst>
+                                    <p:set>
+                                      <p:cBhvr>
+                                        <p:cTn id="6" dur="1" fill="hold">
+                                          <p:stCondLst>
+                                            <p:cond delay="0"/>
+                                          </p:stCondLst>
+                                        </p:cTn>
+                                        <p:tgtEl>
+                                          <p:spTgt spid="9"/>
+                                        </p:tgtEl>
+                                        <p:attrNameLst>
+                                          <p:attrName>style.visibility</p:attrName>
+                                        </p:attrNameLst>
+                                      </p:cBhvr>
+                                      <p:to>
+                                        <p:strVal val="visible"/>
+                                      </p:to>
+                                    </p:set>
+                                    <p:animEffect transition="in" filter="dissolve">
+                                      <p:cBhvr>
+                                        <p:cTn id="7" dur="500"/>
+                                        <p:tgtEl>
+                                          <p:spTgt spid="9"/>
+                                        </p:tgtEl>
+                                      </p:cBhvr>
+                                    </p:animEffect>
+                                  </p:childTnLst>
+                                </p:cTn>
+                              </p:par>
+                            </p:childTnLst>
+                          </p:cTn>
+                        </p:par>
+                      </p:childTnLst>
+                    </p:cTn>
+                  </p:par>
+                </p:childTnLst>
+              </p:cTn>
+              <p:prevCondLst>
+                <p:cond evt="onPrev" delay="0">
+                  <p:tgtEl>
+                    <p:sldTgt/>
+                  </p:tgtEl>
+                </p:cond>
+              </p:prevCondLst>
+              <p:nextCondLst>
+                <p:cond evt="onNext" delay="0">
+                  <p:tgtEl>
+                    <p:sldTgt/>
+                  </p:tgtEl>
+                </p:cond>
+              </p:nextCondLst>
+            </p:seq>
+          </p:childTnLst>
+        </p:cTn>
+      </p:par>
+    </p:tnLst>
+    <p:bldLst>
+      <p:bldP spid="9" grpId="0"/>
+    </p:bldLst>
+  </p:timing>
+</p:sld>
+</file>
+
+<file path=ppt/slides/slide44.xml><?xml version="1.0" encoding="utf-8"?>
+<p:sld xmlns:a="http://schemas.openxmlformats.org/drawingml/2006/main" xmlns:r="http://schemas.openxmlformats.org/officeDocument/2006/relationships" xmlns:p="http://schemas.openxmlformats.org/presentationml/2006/main">
+  <p:cSld>
+    <p:spTree>
+      <p:nvGrpSpPr>
+        <p:cNvPr id="1" name=""/>
+        <p:cNvGrpSpPr/>
+        <p:nvPr/>
+      </p:nvGrpSpPr>
+      <p:grpSpPr/>
+      <p:sp>
+        <p:nvSpPr>
+          <p:cNvPr id="2" name="Title 1"/>
+          <p:cNvSpPr>
+            <a:spLocks noGrp="1"/>
+          </p:cNvSpPr>
+          <p:nvPr>
+            <p:ph type="title"/>
+          </p:nvPr>
+        </p:nvSpPr>
+        <p:spPr/>
+        <p:txBody>
+          <a:bodyPr/>
+          <a:p>
+            <a:r>
+              <a:rPr lang="zh-CN" altLang="en-US"/>
+              <a:t>从</a:t>
+            </a:r>
+            <a:r>
+              <a:rPr lang="en-US" altLang="zh-CN"/>
+              <a:t> 0 </a:t>
+            </a:r>
+            <a:r>
+              <a:rPr lang="zh-CN" altLang="en-US"/>
+              <a:t>到</a:t>
+            </a:r>
+            <a:r>
+              <a:rPr lang="en-US" altLang="zh-CN"/>
+              <a:t> 1024 </a:t>
+            </a:r>
+            <a:r>
+              <a:rPr lang="zh-CN" altLang="en-US"/>
+              <a:t>填充：</a:t>
+            </a:r>
+            <a:r>
+              <a:rPr lang="en-US" altLang="zh-CN"/>
+              <a:t>SIMD </a:t>
+            </a:r>
+            <a:r>
+              <a:rPr lang="zh-CN" altLang="en-US"/>
+              <a:t>加速</a:t>
+            </a:r>
+            <a:endParaRPr lang="zh-CN" altLang="en-US"/>
+          </a:p>
+        </p:txBody>
+      </p:sp>
+      <p:pic>
+        <p:nvPicPr>
+          <p:cNvPr id="5" name="Content Placeholder 4"/>
+          <p:cNvPicPr>
+            <a:picLocks noChangeAspect="1"/>
+          </p:cNvPicPr>
+          <p:nvPr>
+            <p:ph sz="half" idx="1"/>
+          </p:nvPr>
+        </p:nvPicPr>
+        <p:blipFill>
+          <a:blip r:embed="rId1"/>
+          <a:stretch>
+            <a:fillRect/>
+          </a:stretch>
+        </p:blipFill>
+        <p:spPr>
+          <a:xfrm>
+            <a:off x="894715" y="3331845"/>
+            <a:ext cx="4686300" cy="1339215"/>
+          </a:xfrm>
+          <a:prstGeom prst="rect">
+            <a:avLst/>
+          </a:prstGeom>
+        </p:spPr>
+      </p:pic>
+      <p:pic>
+        <p:nvPicPr>
+          <p:cNvPr id="6" name="Content Placeholder 5"/>
+          <p:cNvPicPr>
+            <a:picLocks noChangeAspect="1"/>
+          </p:cNvPicPr>
+          <p:nvPr>
+            <p:ph sz="half" idx="2"/>
+          </p:nvPr>
+        </p:nvPicPr>
+        <p:blipFill>
+          <a:blip r:embed="rId2"/>
+          <a:stretch>
+            <a:fillRect/>
+          </a:stretch>
+        </p:blipFill>
+        <p:spPr>
+          <a:xfrm>
+            <a:off x="6261100" y="1160780"/>
+            <a:ext cx="4621530" cy="5681980"/>
+          </a:xfrm>
+          <a:prstGeom prst="rect">
+            <a:avLst/>
+          </a:prstGeom>
+        </p:spPr>
+      </p:pic>
+    </p:spTree>
+  </p:cSld>
+  <p:clrMapOvr>
+    <a:masterClrMapping/>
+  </p:clrMapOvr>
+</p:sld>
+</file>
+
+<file path=ppt/slides/slide45.xml><?xml version="1.0" encoding="utf-8"?>
+<p:sld xmlns:a="http://schemas.openxmlformats.org/drawingml/2006/main" xmlns:r="http://schemas.openxmlformats.org/officeDocument/2006/relationships" xmlns:p="http://schemas.openxmlformats.org/presentationml/2006/main">
+  <p:cSld>
+    <p:spTree>
+      <p:nvGrpSpPr>
+        <p:cNvPr id="1" name=""/>
+        <p:cNvGrpSpPr/>
+        <p:nvPr/>
+      </p:nvGrpSpPr>
+      <p:grpSpPr/>
+      <p:sp>
+        <p:nvSpPr>
+          <p:cNvPr id="2" name="Title 1"/>
+          <p:cNvSpPr>
+            <a:spLocks noGrp="1"/>
+          </p:cNvSpPr>
+          <p:nvPr>
+            <p:ph type="title"/>
+          </p:nvPr>
+        </p:nvSpPr>
+        <p:spPr/>
+        <p:txBody>
+          <a:bodyPr/>
+          <a:p>
+            <a:r>
+              <a:rPr lang="zh-CN" altLang="en-US">
+                <a:sym typeface="+mn-ea"/>
+              </a:rPr>
+              <a:t>从</a:t>
+            </a:r>
+            <a:r>
+              <a:rPr lang="en-US" altLang="zh-CN">
+                <a:sym typeface="+mn-ea"/>
+              </a:rPr>
+              <a:t> 0 </a:t>
+            </a:r>
+            <a:r>
+              <a:rPr lang="zh-CN" altLang="en-US">
+                <a:sym typeface="+mn-ea"/>
+              </a:rPr>
+              <a:t>到</a:t>
+            </a:r>
+            <a:r>
+              <a:rPr lang="en-US" altLang="zh-CN">
+                <a:sym typeface="+mn-ea"/>
+              </a:rPr>
+              <a:t> 1024 </a:t>
+            </a:r>
+            <a:r>
+              <a:rPr lang="zh-CN" altLang="en-US">
+                <a:sym typeface="+mn-ea"/>
+              </a:rPr>
+              <a:t>填充：</a:t>
+            </a:r>
+            <a:r>
+              <a:rPr lang="en-US" altLang="zh-CN">
+                <a:sym typeface="+mn-ea"/>
+              </a:rPr>
+              <a:t>SIMD </a:t>
+            </a:r>
+            <a:r>
+              <a:rPr lang="zh-CN" altLang="en-US">
+                <a:sym typeface="+mn-ea"/>
+              </a:rPr>
+              <a:t>加速（续）</a:t>
+            </a:r>
+            <a:endParaRPr lang="en-US"/>
+          </a:p>
+        </p:txBody>
+      </p:sp>
+      <p:pic>
+        <p:nvPicPr>
+          <p:cNvPr id="6" name="Content Placeholder 4"/>
+          <p:cNvPicPr>
+            <a:picLocks noChangeAspect="1"/>
+          </p:cNvPicPr>
+          <p:nvPr>
+            <p:ph sz="half" idx="1"/>
+          </p:nvPr>
+        </p:nvPicPr>
+        <p:blipFill>
+          <a:blip r:embed="rId1"/>
+          <a:stretch>
+            <a:fillRect/>
+          </a:stretch>
+        </p:blipFill>
+        <p:spPr>
+          <a:xfrm>
+            <a:off x="884555" y="3328670"/>
+            <a:ext cx="4706620" cy="1344930"/>
+          </a:xfrm>
+          <a:prstGeom prst="rect">
+            <a:avLst/>
+          </a:prstGeom>
+        </p:spPr>
+      </p:pic>
+      <p:sp>
+        <p:nvSpPr>
+          <p:cNvPr id="7" name="Text Box 6"/>
+          <p:cNvSpPr txBox="1"/>
+          <p:nvPr/>
+        </p:nvSpPr>
+        <p:spPr>
+          <a:xfrm>
+            <a:off x="2891155" y="1900555"/>
+            <a:ext cx="6673215" cy="368300"/>
+          </a:xfrm>
+          <a:prstGeom prst="rect">
+            <a:avLst/>
+          </a:prstGeom>
+          <a:noFill/>
+        </p:spPr>
+        <p:txBody>
+          <a:bodyPr wrap="square" rtlCol="0">
+            <a:spAutoFit/>
+          </a:bodyPr>
+          <a:p>
+            <a:r>
+              <a:rPr lang="zh-CN" altLang="en-US"/>
+              <a:t>看不懂？小彭老师解析一下。右边是方便大家理解的伪代码：</a:t>
+            </a:r>
+            <a:endParaRPr lang="zh-CN" altLang="en-US"/>
+          </a:p>
+        </p:txBody>
+      </p:sp>
+      <p:pic>
+        <p:nvPicPr>
+          <p:cNvPr id="8" name="Content Placeholder 7"/>
+          <p:cNvPicPr>
+            <a:picLocks noChangeAspect="1"/>
+          </p:cNvPicPr>
+          <p:nvPr>
+            <p:ph sz="half" idx="2"/>
+          </p:nvPr>
+        </p:nvPicPr>
+        <p:blipFill>
+          <a:blip r:embed="rId2"/>
+          <a:stretch>
+            <a:fillRect/>
+          </a:stretch>
+        </p:blipFill>
+        <p:spPr>
+          <a:xfrm>
+            <a:off x="5805170" y="2825115"/>
+            <a:ext cx="5534025" cy="2352040"/>
+          </a:xfrm>
+          <a:prstGeom prst="rect">
+            <a:avLst/>
+          </a:prstGeom>
+        </p:spPr>
+      </p:pic>
+      <p:sp>
+        <p:nvSpPr>
+          <p:cNvPr id="14" name="Text Box 13"/>
+          <p:cNvSpPr txBox="1"/>
+          <p:nvPr/>
+        </p:nvSpPr>
+        <p:spPr>
+          <a:xfrm>
+            <a:off x="2519680" y="5968365"/>
+            <a:ext cx="6499225" cy="368300"/>
+          </a:xfrm>
+          <a:prstGeom prst="rect">
+            <a:avLst/>
+          </a:prstGeom>
+          <a:noFill/>
+        </p:spPr>
+        <p:txBody>
+          <a:bodyPr wrap="square" rtlCol="0">
+            <a:spAutoFit/>
+          </a:bodyPr>
+          <a:p>
+            <a:r>
+              <a:rPr lang="zh-CN" altLang="en-US"/>
+              <a:t>一次写入</a:t>
+            </a:r>
+            <a:r>
+              <a:rPr lang="en-US" altLang="zh-CN"/>
+              <a:t> 4 </a:t>
+            </a:r>
+            <a:r>
+              <a:rPr lang="zh-CN" altLang="en-US"/>
+              <a:t>个</a:t>
+            </a:r>
+            <a:r>
+              <a:rPr lang="en-US" altLang="zh-CN"/>
+              <a:t> int</a:t>
+            </a:r>
+            <a:r>
+              <a:rPr lang="zh-CN" altLang="en-US"/>
+              <a:t>，一次计算</a:t>
+            </a:r>
+            <a:r>
+              <a:rPr lang="en-US" altLang="zh-CN"/>
+              <a:t> 4 </a:t>
+            </a:r>
+            <a:r>
+              <a:rPr lang="zh-CN" altLang="en-US"/>
+              <a:t>个</a:t>
+            </a:r>
+            <a:r>
+              <a:rPr lang="en-US" altLang="zh-CN"/>
+              <a:t> int </a:t>
+            </a:r>
+            <a:r>
+              <a:rPr lang="zh-CN" altLang="en-US"/>
+              <a:t>的加法，从而更加高效</a:t>
+            </a:r>
+            <a:endParaRPr lang="zh-CN" altLang="en-US"/>
+          </a:p>
+        </p:txBody>
+      </p:sp>
+    </p:spTree>
+  </p:cSld>
+  <p:clrMapOvr>
+    <a:masterClrMapping/>
+  </p:clrMapOvr>
+</p:sld>
+</file>
+
+<file path=ppt/slides/slide46.xml><?xml version="1.0" encoding="utf-8"?>
+<p:sld xmlns:a="http://schemas.openxmlformats.org/drawingml/2006/main" xmlns:r="http://schemas.openxmlformats.org/officeDocument/2006/relationships" xmlns:p="http://schemas.openxmlformats.org/presentationml/2006/main">
+  <p:cSld>
+    <p:spTree>
+      <p:nvGrpSpPr>
+        <p:cNvPr id="1" name=""/>
+        <p:cNvGrpSpPr/>
+        <p:nvPr/>
+      </p:nvGrpSpPr>
+      <p:grpSpPr/>
+      <p:sp>
+        <p:nvSpPr>
+          <p:cNvPr id="2" name="Title 1"/>
+          <p:cNvSpPr>
+            <a:spLocks noGrp="1"/>
+          </p:cNvSpPr>
+          <p:nvPr>
+            <p:ph type="title"/>
+          </p:nvPr>
+        </p:nvSpPr>
+        <p:spPr/>
+        <p:txBody>
+          <a:bodyPr/>
+          <a:p>
+            <a:r>
+              <a:rPr lang="zh-CN" altLang="en-US"/>
+              <a:t>如果不是</a:t>
+            </a:r>
+            <a:r>
+              <a:rPr lang="en-US" altLang="zh-CN"/>
+              <a:t> 4 </a:t>
+            </a:r>
+            <a:r>
+              <a:rPr lang="zh-CN" altLang="en-US"/>
+              <a:t>的倍数？</a:t>
+            </a:r>
+            <a:endParaRPr lang="zh-CN" altLang="en-US"/>
+          </a:p>
+        </p:txBody>
+      </p:sp>
+      <p:pic>
+        <p:nvPicPr>
+          <p:cNvPr id="5" name="Content Placeholder 4"/>
+          <p:cNvPicPr>
+            <a:picLocks noChangeAspect="1"/>
+          </p:cNvPicPr>
+          <p:nvPr>
+            <p:ph sz="half" idx="1"/>
+          </p:nvPr>
+        </p:nvPicPr>
+        <p:blipFill>
+          <a:blip r:embed="rId1"/>
+          <a:stretch>
+            <a:fillRect/>
+          </a:stretch>
+        </p:blipFill>
+        <p:spPr>
+          <a:xfrm>
+            <a:off x="767080" y="3247390"/>
+            <a:ext cx="4942205" cy="1507490"/>
+          </a:xfrm>
+          <a:prstGeom prst="rect">
+            <a:avLst/>
+          </a:prstGeom>
+        </p:spPr>
+      </p:pic>
+      <p:pic>
+        <p:nvPicPr>
+          <p:cNvPr id="6" name="Content Placeholder 5"/>
+          <p:cNvPicPr>
+            <a:picLocks noChangeAspect="1"/>
+          </p:cNvPicPr>
+          <p:nvPr>
+            <p:ph sz="half" idx="2"/>
+          </p:nvPr>
+        </p:nvPicPr>
+        <p:blipFill>
+          <a:blip r:embed="rId2"/>
+          <a:stretch>
+            <a:fillRect/>
+          </a:stretch>
+        </p:blipFill>
+        <p:spPr>
+          <a:xfrm>
+            <a:off x="5931535" y="1034415"/>
+            <a:ext cx="3338830" cy="4443730"/>
+          </a:xfrm>
+          <a:prstGeom prst="rect">
+            <a:avLst/>
+          </a:prstGeom>
+        </p:spPr>
+      </p:pic>
+      <p:pic>
+        <p:nvPicPr>
+          <p:cNvPr id="7" name="Picture 6"/>
+          <p:cNvPicPr>
+            <a:picLocks noChangeAspect="1"/>
+          </p:cNvPicPr>
+          <p:nvPr/>
+        </p:nvPicPr>
+        <p:blipFill>
+          <a:blip r:embed="rId3"/>
+          <a:stretch>
+            <a:fillRect/>
+          </a:stretch>
+        </p:blipFill>
+        <p:spPr>
+          <a:xfrm>
+            <a:off x="9270365" y="899795"/>
+            <a:ext cx="2580005" cy="4906010"/>
+          </a:xfrm>
+          <a:prstGeom prst="rect">
+            <a:avLst/>
+          </a:prstGeom>
+        </p:spPr>
+      </p:pic>
+      <p:sp>
+        <p:nvSpPr>
+          <p:cNvPr id="10" name="Text Box 9"/>
+          <p:cNvSpPr txBox="1"/>
+          <p:nvPr/>
+        </p:nvSpPr>
+        <p:spPr>
+          <a:xfrm>
+            <a:off x="499745" y="1891030"/>
+            <a:ext cx="5288915" cy="922020"/>
+          </a:xfrm>
+          <a:prstGeom prst="rect">
+            <a:avLst/>
+          </a:prstGeom>
+          <a:noFill/>
+        </p:spPr>
+        <p:txBody>
+          <a:bodyPr wrap="square" rtlCol="0">
+            <a:spAutoFit/>
+          </a:bodyPr>
+          <a:p>
+            <a:r>
+              <a:rPr lang="zh-CN" altLang="en-US"/>
+              <a:t>看不懂？很简单，假设</a:t>
+            </a:r>
+            <a:r>
+              <a:rPr lang="en-US" altLang="zh-CN"/>
+              <a:t> n = 1023</a:t>
+            </a:r>
+            <a:r>
+              <a:rPr lang="zh-CN" altLang="en-US"/>
+              <a:t>：</a:t>
+            </a:r>
+            <a:endParaRPr lang="zh-CN" altLang="en-US"/>
+          </a:p>
+          <a:p>
+            <a:r>
+              <a:rPr lang="zh-CN" altLang="en-US"/>
+              <a:t>先对前</a:t>
+            </a:r>
+            <a:r>
+              <a:rPr lang="en-US" altLang="zh-CN"/>
+              <a:t> 1020 </a:t>
+            </a:r>
+            <a:r>
+              <a:rPr lang="zh-CN" altLang="en-US"/>
+              <a:t>个元素进行</a:t>
+            </a:r>
+            <a:r>
+              <a:rPr lang="en-US" altLang="zh-CN"/>
+              <a:t> SIMD </a:t>
+            </a:r>
+            <a:r>
+              <a:rPr lang="zh-CN" altLang="en-US"/>
+              <a:t>地填入，</a:t>
+            </a:r>
+            <a:r>
+              <a:rPr lang="en-US" altLang="zh-CN"/>
+              <a:t>4 </a:t>
+            </a:r>
+            <a:r>
+              <a:rPr lang="zh-CN" altLang="en-US"/>
+              <a:t>个一填</a:t>
+            </a:r>
+            <a:endParaRPr lang="zh-CN" altLang="en-US"/>
+          </a:p>
+          <a:p>
+            <a:r>
+              <a:rPr lang="zh-CN" altLang="en-US"/>
+              <a:t>剩下的</a:t>
+            </a:r>
+            <a:r>
+              <a:rPr lang="en-US" altLang="zh-CN"/>
+              <a:t> 3 </a:t>
+            </a:r>
+            <a:r>
+              <a:rPr lang="zh-CN" altLang="en-US"/>
+              <a:t>个元素用传统的标量方式填入，</a:t>
+            </a:r>
+            <a:r>
+              <a:rPr lang="en-US" altLang="zh-CN"/>
+              <a:t>1 </a:t>
+            </a:r>
+            <a:r>
+              <a:rPr lang="zh-CN" altLang="en-US"/>
+              <a:t>个一填</a:t>
+            </a:r>
+            <a:endParaRPr lang="zh-CN" altLang="en-US"/>
+          </a:p>
+        </p:txBody>
+      </p:sp>
+    </p:spTree>
+  </p:cSld>
+  <p:clrMapOvr>
+    <a:masterClrMapping/>
+  </p:clrMapOvr>
+</p:sld>
+</file>
+
+<file path=ppt/slides/slide5.xml><?xml version="1.0" encoding="utf-8"?>
+<p:sld xmlns:a="http://schemas.openxmlformats.org/drawingml/2006/main" xmlns:r="http://schemas.openxmlformats.org/officeDocument/2006/relationships" xmlns:p="http://schemas.openxmlformats.org/presentationml/2006/main">
+  <p:cSld>
+    <p:spTree>
+      <p:nvGrpSpPr>
+        <p:cNvPr id="1" name=""/>
+        <p:cNvGrpSpPr/>
+        <p:nvPr/>
+      </p:nvGrpSpPr>
+      <p:grpSpPr/>
+      <p:sp>
+        <p:nvSpPr>
+          <p:cNvPr id="2" name="Title 1"/>
+          <p:cNvSpPr>
+            <a:spLocks noGrp="1"/>
+          </p:cNvSpPr>
+          <p:nvPr>
+            <p:ph type="title"/>
+          </p:nvPr>
+        </p:nvSpPr>
+        <p:spPr/>
+        <p:txBody>
+          <a:bodyPr/>
+          <a:p>
+            <a:r>
+              <a:rPr lang="zh-CN" altLang="en-US"/>
+              <a:t>帮助调试：</a:t>
+            </a:r>
+            <a:r>
+              <a:rPr lang="en-US" altLang="zh-CN"/>
+              <a:t>-fverbose-asm</a:t>
+            </a:r>
+            <a:endParaRPr lang="en-US" altLang="zh-CN"/>
+          </a:p>
+        </p:txBody>
+      </p:sp>
+      <p:pic>
+        <p:nvPicPr>
+          <p:cNvPr id="5" name="Content Placeholder 4"/>
+          <p:cNvPicPr>
+            <a:picLocks noChangeAspect="1"/>
+          </p:cNvPicPr>
+          <p:nvPr>
+            <p:ph sz="half" idx="2"/>
+          </p:nvPr>
+        </p:nvPicPr>
+        <p:blipFill>
+          <a:blip r:embed="rId1"/>
+          <a:stretch>
+            <a:fillRect/>
+          </a:stretch>
+        </p:blipFill>
+        <p:spPr>
+          <a:xfrm>
+            <a:off x="6557010" y="1408430"/>
+            <a:ext cx="4029710" cy="5035550"/>
+          </a:xfrm>
+          <a:prstGeom prst="rect">
+            <a:avLst/>
+          </a:prstGeom>
+        </p:spPr>
+      </p:pic>
+      <p:pic>
+        <p:nvPicPr>
+          <p:cNvPr id="6" name="Content Placeholder 6"/>
+          <p:cNvPicPr>
+            <a:picLocks noChangeAspect="1"/>
+          </p:cNvPicPr>
+          <p:nvPr>
+            <p:ph sz="half" idx="1"/>
+          </p:nvPr>
+        </p:nvPicPr>
+        <p:blipFill>
+          <a:blip r:embed="rId2"/>
+          <a:stretch>
+            <a:fillRect/>
+          </a:stretch>
+        </p:blipFill>
+        <p:spPr>
+          <a:xfrm>
+            <a:off x="1716405" y="1473835"/>
+            <a:ext cx="3044190" cy="5055235"/>
+          </a:xfrm>
+          <a:prstGeom prst="rect">
+            <a:avLst/>
+          </a:prstGeom>
+        </p:spPr>
+      </p:pic>
+      <p:pic>
+        <p:nvPicPr>
+          <p:cNvPr id="8" name="Picture 7"/>
+          <p:cNvPicPr>
+            <a:picLocks noChangeAspect="1"/>
+          </p:cNvPicPr>
+          <p:nvPr/>
+        </p:nvPicPr>
+        <p:blipFill>
+          <a:blip r:embed="rId3"/>
+          <a:stretch>
+            <a:fillRect/>
+          </a:stretch>
+        </p:blipFill>
+        <p:spPr>
+          <a:xfrm>
             <a:off x="1619250" y="1141730"/>
             <a:ext cx="3238500" cy="266700"/>
           </a:xfrm>
@@ -7767,7 +12021,7 @@
 </p:sld>
 </file>
 
-<file path=ppt/slides/slide5.xml><?xml version="1.0" encoding="utf-8"?>
+<file path=ppt/slides/slide6.xml><?xml version="1.0" encoding="utf-8"?>
 <p:sld xmlns:a="http://schemas.openxmlformats.org/drawingml/2006/main" xmlns:r="http://schemas.openxmlformats.org/officeDocument/2006/relationships" xmlns:p="http://schemas.openxmlformats.org/presentationml/2006/main">
   <p:cSld>
     <p:spTree>
@@ -7969,170 +12223,6 @@
 </p:sld>
 </file>
 
-<file path=ppt/slides/slide6.xml><?xml version="1.0" encoding="utf-8"?>
-<p:sld xmlns:a="http://schemas.openxmlformats.org/drawingml/2006/main" xmlns:r="http://schemas.openxmlformats.org/officeDocument/2006/relationships" xmlns:p="http://schemas.openxmlformats.org/presentationml/2006/main">
-  <p:cSld>
-    <p:spTree>
-      <p:nvGrpSpPr>
-        <p:cNvPr id="1" name=""/>
-        <p:cNvGrpSpPr/>
-        <p:nvPr/>
-      </p:nvGrpSpPr>
-      <p:grpSpPr/>
-      <p:sp>
-        <p:nvSpPr>
-          <p:cNvPr id="8" name="Title 7"/>
-          <p:cNvSpPr>
-            <a:spLocks noGrp="1"/>
-          </p:cNvSpPr>
-          <p:nvPr>
-            <p:ph type="title"/>
-          </p:nvPr>
-        </p:nvSpPr>
-        <p:spPr/>
-        <p:txBody>
-          <a:bodyPr/>
-          <a:p>
-            <a:r>
-              <a:rPr lang="en-US" altLang="zh-CN"/>
-              <a:t>8</a:t>
-            </a:r>
-            <a:r>
-              <a:rPr lang="zh-CN" altLang="en-US"/>
-              <a:t>位，</a:t>
-            </a:r>
-            <a:r>
-              <a:rPr lang="en-US" altLang="zh-CN"/>
-              <a:t>16</a:t>
-            </a:r>
-            <a:r>
-              <a:rPr lang="zh-CN" altLang="en-US"/>
-              <a:t>位，</a:t>
-            </a:r>
-            <a:r>
-              <a:rPr lang="en-US" altLang="zh-CN"/>
-              <a:t>32</a:t>
-            </a:r>
-            <a:r>
-              <a:rPr lang="zh-CN" altLang="en-US"/>
-              <a:t>位，</a:t>
-            </a:r>
-            <a:r>
-              <a:rPr lang="en-US" altLang="zh-CN"/>
-              <a:t>64</a:t>
-            </a:r>
-            <a:r>
-              <a:rPr lang="zh-CN" altLang="en-US"/>
-              <a:t>位版本</a:t>
-            </a:r>
-            <a:endParaRPr lang="zh-CN" altLang="en-US"/>
-          </a:p>
-        </p:txBody>
-      </p:sp>
-      <p:sp>
-        <p:nvSpPr>
-          <p:cNvPr id="9" name="Text Placeholder 8"/>
-          <p:cNvSpPr>
-            <a:spLocks noGrp="1"/>
-          </p:cNvSpPr>
-          <p:nvPr>
-            <p:ph type="body" idx="1"/>
-          </p:nvPr>
-        </p:nvSpPr>
-        <p:spPr/>
-        <p:txBody>
-          <a:bodyPr/>
-          <a:p>
-            <a:r>
-              <a:rPr lang="en-US"/>
-              <a:t>al, ax, eax, rax</a:t>
-            </a:r>
-            <a:endParaRPr lang="en-US"/>
-          </a:p>
-        </p:txBody>
-      </p:sp>
-      <p:pic>
-        <p:nvPicPr>
-          <p:cNvPr id="4" name="Content Placeholder 3"/>
-          <p:cNvPicPr>
-            <a:picLocks noChangeAspect="1"/>
-          </p:cNvPicPr>
-          <p:nvPr>
-            <p:ph sz="half" idx="2"/>
-          </p:nvPr>
-        </p:nvPicPr>
-        <p:blipFill>
-          <a:blip r:embed="rId1"/>
-          <a:stretch>
-            <a:fillRect/>
-          </a:stretch>
-        </p:blipFill>
-        <p:spPr>
-          <a:xfrm>
-            <a:off x="899160" y="3406775"/>
-            <a:ext cx="5038725" cy="1990725"/>
-          </a:xfrm>
-          <a:prstGeom prst="rect">
-            <a:avLst/>
-          </a:prstGeom>
-        </p:spPr>
-      </p:pic>
-      <p:sp>
-        <p:nvSpPr>
-          <p:cNvPr id="10" name="Text Placeholder 9"/>
-          <p:cNvSpPr>
-            <a:spLocks noGrp="1"/>
-          </p:cNvSpPr>
-          <p:nvPr>
-            <p:ph type="body" sz="quarter" idx="3"/>
-          </p:nvPr>
-        </p:nvSpPr>
-        <p:spPr/>
-        <p:txBody>
-          <a:bodyPr/>
-          <a:p>
-            <a:r>
-              <a:rPr lang="en-US"/>
-              <a:t>r15b, r15w, r15d, r15</a:t>
-            </a:r>
-            <a:endParaRPr lang="en-US"/>
-          </a:p>
-        </p:txBody>
-      </p:sp>
-      <p:pic>
-        <p:nvPicPr>
-          <p:cNvPr id="7" name="Content Placeholder 6"/>
-          <p:cNvPicPr>
-            <a:picLocks noChangeAspect="1"/>
-          </p:cNvPicPr>
-          <p:nvPr>
-            <p:ph sz="quarter" idx="4"/>
-          </p:nvPr>
-        </p:nvPicPr>
-        <p:blipFill>
-          <a:blip r:embed="rId2"/>
-          <a:stretch>
-            <a:fillRect/>
-          </a:stretch>
-        </p:blipFill>
-        <p:spPr>
-          <a:xfrm>
-            <a:off x="6506210" y="3954780"/>
-            <a:ext cx="4514850" cy="895350"/>
-          </a:xfrm>
-          <a:prstGeom prst="rect">
-            <a:avLst/>
-          </a:prstGeom>
-        </p:spPr>
-      </p:pic>
-    </p:spTree>
-  </p:cSld>
-  <p:clrMapOvr>
-    <a:masterClrMapping/>
-  </p:clrMapOvr>
-</p:sld>
-</file>
-
 <file path=ppt/slides/slide7.xml><?xml version="1.0" encoding="utf-8"?>
 <p:sld xmlns:a="http://schemas.openxmlformats.org/drawingml/2006/main" xmlns:r="http://schemas.openxmlformats.org/officeDocument/2006/relationships" xmlns:p="http://schemas.openxmlformats.org/presentationml/2006/main">
   <p:cSld>
@@ -8145,7 +12235,7 @@
       <p:grpSpPr/>
       <p:sp>
         <p:nvSpPr>
-          <p:cNvPr id="2" name="Title 1"/>
+          <p:cNvPr id="8" name="Title 7"/>
           <p:cNvSpPr>
             <a:spLocks noGrp="1"/>
           </p:cNvSpPr>
@@ -8158,29 +12248,71 @@
           <a:bodyPr/>
           <a:p>
             <a:r>
-              <a:rPr lang="zh-CN" altLang="en-US"/>
-              <a:t>返回值：通过</a:t>
-            </a:r>
-            <a:r>
               <a:rPr lang="en-US" altLang="zh-CN"/>
-              <a:t> eax </a:t>
-            </a:r>
-            <a:r>
-              <a:rPr lang="zh-CN" altLang="en-US"/>
-              <a:t>传出</a:t>
+              <a:t>8</a:t>
+            </a:r>
+            <a:r>
+              <a:rPr lang="zh-CN" altLang="en-US"/>
+              <a:t>位，</a:t>
+            </a:r>
+            <a:r>
+              <a:rPr lang="en-US" altLang="zh-CN"/>
+              <a:t>16</a:t>
+            </a:r>
+            <a:r>
+              <a:rPr lang="zh-CN" altLang="en-US"/>
+              <a:t>位，</a:t>
+            </a:r>
+            <a:r>
+              <a:rPr lang="en-US" altLang="zh-CN"/>
+              <a:t>32</a:t>
+            </a:r>
+            <a:r>
+              <a:rPr lang="zh-CN" altLang="en-US"/>
+              <a:t>位，</a:t>
+            </a:r>
+            <a:r>
+              <a:rPr lang="en-US" altLang="zh-CN"/>
+              <a:t>64</a:t>
+            </a:r>
+            <a:r>
+              <a:rPr lang="zh-CN" altLang="en-US"/>
+              <a:t>位版本</a:t>
             </a:r>
             <a:endParaRPr lang="zh-CN" altLang="en-US"/>
+          </a:p>
+        </p:txBody>
+      </p:sp>
+      <p:sp>
+        <p:nvSpPr>
+          <p:cNvPr id="9" name="Text Placeholder 8"/>
+          <p:cNvSpPr>
+            <a:spLocks noGrp="1"/>
+          </p:cNvSpPr>
+          <p:nvPr>
+            <p:ph type="body" idx="1"/>
+          </p:nvPr>
+        </p:nvSpPr>
+        <p:spPr/>
+        <p:txBody>
+          <a:bodyPr/>
+          <a:p>
+            <a:r>
+              <a:rPr lang="en-US"/>
+              <a:t>al, ax, eax, rax</a:t>
+            </a:r>
+            <a:endParaRPr lang="en-US"/>
           </a:p>
         </p:txBody>
       </p:sp>
       <p:pic>
         <p:nvPicPr>
-          <p:cNvPr id="9" name="Content Placeholder 8"/>
+          <p:cNvPr id="4" name="Content Placeholder 3"/>
           <p:cNvPicPr>
             <a:picLocks noChangeAspect="1"/>
           </p:cNvPicPr>
           <p:nvPr>
-            <p:ph sz="half" idx="1"/>
+            <p:ph sz="half" idx="2"/>
           </p:nvPr>
         </p:nvPicPr>
         <p:blipFill>
@@ -8191,22 +12323,44 @@
         </p:blipFill>
         <p:spPr>
           <a:xfrm>
-            <a:off x="1870075" y="3444875"/>
-            <a:ext cx="2736850" cy="1112520"/>
+            <a:off x="899160" y="3406775"/>
+            <a:ext cx="5038725" cy="1990725"/>
           </a:xfrm>
           <a:prstGeom prst="rect">
             <a:avLst/>
           </a:prstGeom>
         </p:spPr>
       </p:pic>
+      <p:sp>
+        <p:nvSpPr>
+          <p:cNvPr id="10" name="Text Placeholder 9"/>
+          <p:cNvSpPr>
+            <a:spLocks noGrp="1"/>
+          </p:cNvSpPr>
+          <p:nvPr>
+            <p:ph type="body" sz="quarter" idx="3"/>
+          </p:nvPr>
+        </p:nvSpPr>
+        <p:spPr/>
+        <p:txBody>
+          <a:bodyPr/>
+          <a:p>
+            <a:r>
+              <a:rPr lang="en-US"/>
+              <a:t>r15b, r15w, r15d, r15</a:t>
+            </a:r>
+            <a:endParaRPr lang="en-US"/>
+          </a:p>
+        </p:txBody>
+      </p:sp>
       <p:pic>
         <p:nvPicPr>
-          <p:cNvPr id="5" name="Content Placeholder 4"/>
+          <p:cNvPr id="7" name="Content Placeholder 6"/>
           <p:cNvPicPr>
             <a:picLocks noChangeAspect="1"/>
           </p:cNvPicPr>
           <p:nvPr>
-            <p:ph sz="half" idx="2"/>
+            <p:ph sz="quarter" idx="4"/>
           </p:nvPr>
         </p:nvPicPr>
         <p:blipFill>
@@ -8217,32 +12371,8 @@
         </p:blipFill>
         <p:spPr>
           <a:xfrm>
-            <a:off x="6463030" y="2691130"/>
-            <a:ext cx="4217670" cy="2620010"/>
-          </a:xfrm>
-          <a:prstGeom prst="rect">
-            <a:avLst/>
-          </a:prstGeom>
-        </p:spPr>
-      </p:pic>
-      <p:pic>
-        <p:nvPicPr>
-          <p:cNvPr id="6" name="Picture 5"/>
-          <p:cNvPicPr>
-            <a:picLocks noChangeAspect="1"/>
-          </p:cNvPicPr>
-          <p:nvPr/>
-        </p:nvPicPr>
-        <p:blipFill>
-          <a:blip r:embed="rId3"/>
-          <a:stretch>
-            <a:fillRect/>
-          </a:stretch>
-        </p:blipFill>
-        <p:spPr>
-          <a:xfrm>
-            <a:off x="3680460" y="0"/>
-            <a:ext cx="8511540" cy="315595"/>
+            <a:off x="6506210" y="3954780"/>
+            <a:ext cx="4514850" cy="895350"/>
           </a:xfrm>
           <a:prstGeom prst="rect">
             <a:avLst/>
@@ -8282,74 +12412,16 @@
           <a:bodyPr/>
           <a:p>
             <a:r>
-              <a:rPr lang="zh-CN" altLang="en-US">
-                <a:sym typeface="+mn-ea"/>
-              </a:rPr>
-              <a:t>前</a:t>
-            </a:r>
-            <a:r>
-              <a:rPr lang="en-US" altLang="zh-CN">
-                <a:sym typeface="+mn-ea"/>
-              </a:rPr>
-              <a:t>6</a:t>
-            </a:r>
-            <a:r>
-              <a:rPr lang="zh-CN" altLang="en-US">
-                <a:sym typeface="+mn-ea"/>
-              </a:rPr>
-              <a:t>个参数</a:t>
-            </a:r>
-            <a:r>
-              <a:rPr lang="zh-CN" altLang="en-US"/>
-              <a:t>：分别通过</a:t>
+              <a:rPr lang="zh-CN" altLang="en-US"/>
+              <a:t>返回值：通过</a:t>
             </a:r>
             <a:r>
               <a:rPr lang="en-US" altLang="zh-CN"/>
-              <a:t> edi</a:t>
-            </a:r>
-            <a:r>
-              <a:rPr lang="zh-CN" altLang="en-US"/>
-              <a:t>，</a:t>
-            </a:r>
-            <a:r>
-              <a:rPr lang="en-US" altLang="zh-CN"/>
-              <a:t>esi</a:t>
-            </a:r>
-            <a:r>
-              <a:rPr lang="zh-CN" altLang="en-US"/>
-              <a:t>，</a:t>
-            </a:r>
-            <a:r>
-              <a:rPr lang="en-US" altLang="zh-CN"/>
-              <a:t>edx</a:t>
-            </a:r>
-            <a:r>
-              <a:rPr lang="zh-CN" altLang="en-US"/>
-              <a:t>，</a:t>
-            </a:r>
-            <a:r>
-              <a:rPr lang="en-US" altLang="zh-CN"/>
-              <a:t>ecx</a:t>
-            </a:r>
-            <a:r>
-              <a:rPr lang="zh-CN" altLang="en-US"/>
-              <a:t>，</a:t>
-            </a:r>
-            <a:r>
-              <a:rPr lang="en-US" altLang="zh-CN"/>
-              <a:t>r8d</a:t>
-            </a:r>
-            <a:r>
-              <a:rPr lang="zh-CN" altLang="en-US"/>
-              <a:t>，</a:t>
-            </a:r>
-            <a:r>
-              <a:rPr lang="en-US" altLang="zh-CN"/>
-              <a:t>r9d </a:t>
-            </a:r>
-            <a:r>
-              <a:rPr lang="zh-CN" altLang="en-US"/>
-              <a:t>传入</a:t>
+              <a:t> eax </a:t>
+            </a:r>
+            <a:r>
+              <a:rPr lang="zh-CN" altLang="en-US"/>
+              <a:t>传出</a:t>
             </a:r>
             <a:endParaRPr lang="zh-CN" altLang="en-US"/>
           </a:p>
@@ -8357,12 +12429,12 @@
       </p:sp>
       <p:pic>
         <p:nvPicPr>
-          <p:cNvPr id="14" name="Content Placeholder 13"/>
+          <p:cNvPr id="9" name="Content Placeholder 8"/>
           <p:cNvPicPr>
             <a:picLocks noChangeAspect="1"/>
           </p:cNvPicPr>
           <p:nvPr>
-            <p:ph sz="half" idx="2"/>
+            <p:ph sz="half" idx="1"/>
           </p:nvPr>
         </p:nvPicPr>
         <p:blipFill>
@@ -8373,8 +12445,8 @@
         </p:blipFill>
         <p:spPr>
           <a:xfrm>
-            <a:off x="3773170" y="2593975"/>
-            <a:ext cx="4645660" cy="3978910"/>
+            <a:off x="1870075" y="3444875"/>
+            <a:ext cx="2736850" cy="1112520"/>
           </a:xfrm>
           <a:prstGeom prst="rect">
             <a:avLst/>
@@ -8383,12 +12455,12 @@
       </p:pic>
       <p:pic>
         <p:nvPicPr>
-          <p:cNvPr id="16" name="Content Placeholder 15"/>
+          <p:cNvPr id="5" name="Content Placeholder 4"/>
           <p:cNvPicPr>
             <a:picLocks noChangeAspect="1"/>
           </p:cNvPicPr>
           <p:nvPr>
-            <p:ph sz="half" idx="1"/>
+            <p:ph sz="half" idx="2"/>
           </p:nvPr>
         </p:nvPicPr>
         <p:blipFill>
@@ -8399,8 +12471,32 @@
         </p:blipFill>
         <p:spPr>
           <a:xfrm>
-            <a:off x="2703195" y="1584325"/>
-            <a:ext cx="6534785" cy="742315"/>
+            <a:off x="6463030" y="2691130"/>
+            <a:ext cx="4217670" cy="2620010"/>
+          </a:xfrm>
+          <a:prstGeom prst="rect">
+            <a:avLst/>
+          </a:prstGeom>
+        </p:spPr>
+      </p:pic>
+      <p:pic>
+        <p:nvPicPr>
+          <p:cNvPr id="6" name="Picture 5"/>
+          <p:cNvPicPr>
+            <a:picLocks noChangeAspect="1"/>
+          </p:cNvPicPr>
+          <p:nvPr/>
+        </p:nvPicPr>
+        <p:blipFill>
+          <a:blip r:embed="rId3"/>
+          <a:stretch>
+            <a:fillRect/>
+          </a:stretch>
+        </p:blipFill>
+        <p:spPr>
+          <a:xfrm>
+            <a:off x="3680460" y="0"/>
+            <a:ext cx="8511540" cy="315595"/>
           </a:xfrm>
           <a:prstGeom prst="rect">
             <a:avLst/>
@@ -8440,31 +12536,87 @@
           <a:bodyPr/>
           <a:p>
             <a:r>
-              <a:rPr lang="zh-CN">
+              <a:rPr lang="zh-CN" altLang="en-US">
                 <a:sym typeface="+mn-ea"/>
               </a:rPr>
-              <a:t>开启优化：</a:t>
+              <a:t>前</a:t>
             </a:r>
             <a:r>
               <a:rPr lang="en-US" altLang="zh-CN">
                 <a:sym typeface="+mn-ea"/>
               </a:rPr>
-              <a:t>-O3</a:t>
-            </a:r>
-            <a:endParaRPr lang="en-US" altLang="zh-CN">
-              <a:sym typeface="+mn-ea"/>
-            </a:endParaRPr>
+              <a:t>6</a:t>
+            </a:r>
+            <a:r>
+              <a:rPr lang="zh-CN" altLang="en-US">
+                <a:sym typeface="+mn-ea"/>
+              </a:rPr>
+              <a:t>个参数</a:t>
+            </a:r>
+            <a:r>
+              <a:rPr lang="zh-CN" altLang="en-US"/>
+              <a:t>：分别通过</a:t>
+            </a:r>
+            <a:r>
+              <a:rPr lang="en-US" altLang="zh-CN"/>
+              <a:t> edi</a:t>
+            </a:r>
+            <a:r>
+              <a:rPr lang="zh-CN" altLang="en-US"/>
+              <a:t>，</a:t>
+            </a:r>
+            <a:r>
+              <a:rPr lang="en-US" altLang="zh-CN"/>
+              <a:t>esi</a:t>
+            </a:r>
+            <a:r>
+              <a:rPr lang="zh-CN" altLang="en-US"/>
+              <a:t>，</a:t>
+            </a:r>
+            <a:r>
+              <a:rPr lang="en-US" altLang="zh-CN"/>
+              <a:t>edx</a:t>
+            </a:r>
+            <a:r>
+              <a:rPr lang="zh-CN" altLang="en-US"/>
+              <a:t>，</a:t>
+            </a:r>
+            <a:r>
+              <a:rPr lang="en-US" altLang="zh-CN"/>
+              <a:t>ecx</a:t>
+            </a:r>
+            <a:r>
+              <a:rPr lang="zh-CN" altLang="en-US"/>
+              <a:t>，</a:t>
+            </a:r>
+            <a:r>
+              <a:rPr lang="en-US" altLang="zh-CN"/>
+              <a:t>r8d</a:t>
+            </a:r>
+            <a:r>
+              <a:rPr lang="zh-CN" altLang="en-US"/>
+              <a:t>，</a:t>
+            </a:r>
+            <a:r>
+              <a:rPr lang="en-US" altLang="zh-CN"/>
+              <a:t>r9d </a:t>
+            </a:r>
+            <a:r>
+              <a:rPr lang="zh-CN" altLang="en-US"/>
+              <a:t>传入</a:t>
+            </a:r>
+            <a:endParaRPr lang="zh-CN" altLang="en-US"/>
           </a:p>
         </p:txBody>
       </p:sp>
       <p:pic>
         <p:nvPicPr>
-          <p:cNvPr id="16" name="Content Placeholder 15"/>
+          <p:cNvPr id="14" name="Content Placeholder 13"/>
           <p:cNvPicPr>
             <a:picLocks noChangeAspect="1"/>
           </p:cNvPicPr>
           <p:nvPr>
-            <p:ph sz="half" idx="1"/>
+            <p:ph sz="half" idx="2"/>
           </p:nvPr>
         </p:nvPicPr>
         <p:blipFill>
@@ -8475,8 +12627,8 @@
         </p:blipFill>
         <p:spPr>
           <a:xfrm>
-            <a:off x="2000250" y="1975485"/>
-            <a:ext cx="7423785" cy="843280"/>
+            <a:off x="3773170" y="2593975"/>
+            <a:ext cx="4645660" cy="3978910"/>
           </a:xfrm>
           <a:prstGeom prst="rect">
             <a:avLst/>
@@ -8485,12 +12637,12 @@
       </p:pic>
       <p:pic>
         <p:nvPicPr>
-          <p:cNvPr id="4" name="Content Placeholder 3"/>
+          <p:cNvPr id="16" name="Content Placeholder 15"/>
           <p:cNvPicPr>
             <a:picLocks noChangeAspect="1"/>
           </p:cNvPicPr>
           <p:nvPr>
-            <p:ph sz="half" idx="2"/>
+            <p:ph sz="half" idx="1"/>
           </p:nvPr>
         </p:nvPicPr>
         <p:blipFill>
@@ -8501,32 +12653,8 @@
         </p:blipFill>
         <p:spPr>
           <a:xfrm>
-            <a:off x="1346835" y="3460115"/>
-            <a:ext cx="8730615" cy="2310130"/>
-          </a:xfrm>
-          <a:prstGeom prst="rect">
-            <a:avLst/>
-          </a:prstGeom>
-        </p:spPr>
-      </p:pic>
-      <p:pic>
-        <p:nvPicPr>
-          <p:cNvPr id="5" name="Picture 4"/>
-          <p:cNvPicPr>
-            <a:picLocks noChangeAspect="1"/>
-          </p:cNvPicPr>
-          <p:nvPr/>
-        </p:nvPicPr>
-        <p:blipFill>
-          <a:blip r:embed="rId3"/>
-          <a:stretch>
-            <a:fillRect/>
-          </a:stretch>
-        </p:blipFill>
-        <p:spPr>
-          <a:xfrm>
-            <a:off x="2373630" y="0"/>
-            <a:ext cx="9818370" cy="320040"/>
+            <a:off x="2703195" y="1584325"/>
+            <a:ext cx="6534785" cy="742315"/>
           </a:xfrm>
           <a:prstGeom prst="rect">
             <a:avLst/>

--- a/04/slides.pptx
+++ b/04/slides.pptx
@@ -11556,7 +11556,7 @@
         </p:nvSpPr>
         <p:spPr>
           <a:xfrm>
-            <a:off x="2519680" y="5968365"/>
+            <a:off x="2529840" y="5600065"/>
             <a:ext cx="6499225" cy="368300"/>
           </a:xfrm>
           <a:prstGeom prst="rect">
@@ -11606,6 +11606,50 @@
               <a:t>的加法，从而更加高效</a:t>
             </a:r>
             <a:endParaRPr lang="zh-CN" altLang="en-US"/>
+          </a:p>
+        </p:txBody>
+      </p:sp>
+      <p:sp>
+        <p:nvSpPr>
+          <p:cNvPr id="18" name="Text Box 17"/>
+          <p:cNvSpPr txBox="1"/>
+          <p:nvPr/>
+        </p:nvSpPr>
+        <p:spPr>
+          <a:xfrm>
+            <a:off x="2606040" y="6036310"/>
+            <a:ext cx="6033770" cy="645160"/>
+          </a:xfrm>
+          <a:prstGeom prst="rect">
+            <a:avLst/>
+          </a:prstGeom>
+          <a:noFill/>
+        </p:spPr>
+        <p:txBody>
+          <a:bodyPr wrap="square" rtlCol="0">
+            <a:spAutoFit/>
+          </a:bodyPr>
+          <a:p>
+            <a:r>
+              <a:rPr lang="zh-CN" altLang="en-US"/>
+              <a:t>但这样有个缺点，那就是数组的大小必须为</a:t>
+            </a:r>
+            <a:r>
+              <a:rPr lang="en-US" altLang="zh-CN"/>
+              <a:t> 4 </a:t>
+            </a:r>
+            <a:r>
+              <a:rPr lang="zh-CN" altLang="en-US"/>
+              <a:t>的整数倍</a:t>
+            </a:r>
+            <a:endParaRPr lang="zh-CN" altLang="en-US"/>
+          </a:p>
+          <a:p>
+            <a:r>
+              <a:rPr lang="zh-CN" altLang="en-US"/>
+              <a:t>否则就会写入不希望写入的地址</a:t>
+            </a:r>
+            <a:endParaRPr lang="en-US" altLang="zh-CN"/>
           </a:p>
         </p:txBody>
       </p:sp>
@@ -11614,6 +11658,92 @@
   <p:clrMapOvr>
     <a:masterClrMapping/>
   </p:clrMapOvr>
+  <p:timing>
+    <p:tnLst>
+      <p:par>
+        <p:cTn id="1" dur="indefinite" restart="never" nodeType="tmRoot">
+          <p:childTnLst>
+            <p:seq concurrent="1" nextAc="seek">
+              <p:cTn id="2" dur="indefinite" nodeType="mainSeq">
+                <p:childTnLst>
+                  <p:par>
+                    <p:cTn id="3" fill="hold">
+                      <p:stCondLst>
+                        <p:cond delay="indefinite"/>
+                      </p:stCondLst>
+                      <p:childTnLst>
+                        <p:par>
+                          <p:cTn id="4" fill="hold">
+                            <p:stCondLst>
+                              <p:cond delay="0"/>
+                            </p:stCondLst>
+                            <p:childTnLst>
+                              <p:par>
+                                <p:cTn id="5" presetID="4" presetClass="entr" presetSubtype="16" fill="hold" grpId="0" nodeType="clickEffect">
+                                  <p:stCondLst>
+                                    <p:cond delay="0"/>
+                                  </p:stCondLst>
+                                  <p:childTnLst>
+                                    <p:set>
+                                      <p:cBhvr>
+                                        <p:cTn id="6" dur="1" fill="hold">
+                                          <p:stCondLst>
+                                            <p:cond delay="0"/>
+                                          </p:stCondLst>
+                                        </p:cTn>
+                                        <p:tgtEl>
+                                          <p:spTgt spid="18"/>
+                                        </p:tgtEl>
+                                        <p:attrNameLst>
+                                          <p:attrName>style.visibility</p:attrName>
+                                        </p:attrNameLst>
+                                      </p:cBhvr>
+                                      <p:to>
+                                        <p:strVal val="visible"/>
+                                      </p:to>
+                                    </p:set>
+                                    <p:animEffect transition="in" filter="box(in)">
+                                      <p:cBhvr>
+                                        <p:cTn id="7" dur="2000"/>
+                                        <p:tgtEl>
+                                          <p:spTgt spid="18"/>
+                                        </p:tgtEl>
+                                      </p:cBhvr>
+                                    </p:animEffect>
+                                  </p:childTnLst>
+                                </p:cTn>
+                              </p:par>
+                            </p:childTnLst>
+                          </p:cTn>
+                        </p:par>
+                      </p:childTnLst>
+                    </p:cTn>
+                  </p:par>
+                </p:childTnLst>
+              </p:cTn>
+              <p:prevCondLst>
+                <p:cond evt="onPrev" delay="0">
+                  <p:tgtEl>
+                    <p:sldTgt/>
+                  </p:tgtEl>
+                </p:cond>
+              </p:prevCondLst>
+              <p:nextCondLst>
+                <p:cond evt="onNext" delay="0">
+                  <p:tgtEl>
+                    <p:sldTgt/>
+                  </p:tgtEl>
+                </p:cond>
+              </p:nextCondLst>
+            </p:seq>
+          </p:childTnLst>
+        </p:cTn>
+      </p:par>
+    </p:tnLst>
+    <p:bldLst>
+      <p:bldP spid="18" grpId="0"/>
+    </p:bldLst>
+  </p:timing>
 </p:sld>
 </file>
 
@@ -11651,7 +11781,7 @@
             </a:r>
             <a:r>
               <a:rPr lang="zh-CN" altLang="en-US"/>
-              <a:t>的倍数？</a:t>
+              <a:t>的倍数？边界特判法</a:t>
             </a:r>
             <a:endParaRPr lang="zh-CN" altLang="en-US"/>
           </a:p>
@@ -11675,7 +11805,7 @@
         </p:blipFill>
         <p:spPr>
           <a:xfrm>
-            <a:off x="767080" y="3247390"/>
+            <a:off x="647700" y="3420745"/>
             <a:ext cx="4942205" cy="1507490"/>
           </a:xfrm>
           <a:prstGeom prst="rect">
@@ -11701,7 +11831,7 @@
         </p:blipFill>
         <p:spPr>
           <a:xfrm>
-            <a:off x="5931535" y="1034415"/>
+            <a:off x="6085205" y="1698625"/>
             <a:ext cx="3338830" cy="4443730"/>
           </a:xfrm>
           <a:prstGeom prst="rect">
@@ -11725,7 +11855,7 @@
         </p:blipFill>
         <p:spPr>
           <a:xfrm>
-            <a:off x="9270365" y="899795"/>
+            <a:off x="9424035" y="1564005"/>
             <a:ext cx="2580005" cy="4906010"/>
           </a:xfrm>
           <a:prstGeom prst="rect">
@@ -11741,8 +11871,8 @@
         </p:nvSpPr>
         <p:spPr>
           <a:xfrm>
-            <a:off x="499745" y="1891030"/>
-            <a:ext cx="5288915" cy="922020"/>
+            <a:off x="409575" y="2061210"/>
+            <a:ext cx="5675630" cy="1198880"/>
           </a:xfrm>
           <a:prstGeom prst="rect">
             <a:avLst/>
@@ -11779,7 +11909,7 @@
             </a:r>
             <a:r>
               <a:rPr lang="zh-CN" altLang="en-US"/>
-              <a:t>个元素进行</a:t>
+              <a:t>个元素用</a:t>
             </a:r>
             <a:r>
               <a:rPr lang="en-US" altLang="zh-CN"/>
@@ -11787,22 +11917,22 @@
             </a:r>
             <a:r>
               <a:rPr lang="zh-CN" altLang="en-US"/>
-              <a:t>地填入，</a:t>
+              <a:t>指令填入，每次处理</a:t>
             </a:r>
             <a:r>
               <a:rPr lang="en-US" altLang="zh-CN"/>
-              <a:t>4 </a:t>
-            </a:r>
-            <a:r>
-              <a:rPr lang="zh-CN" altLang="en-US"/>
-              <a:t>个一填</a:t>
+              <a:t> 4 </a:t>
+            </a:r>
+            <a:r>
+              <a:rPr lang="zh-CN" altLang="en-US"/>
+              <a:t>个</a:t>
             </a:r>
             <a:endParaRPr lang="zh-CN" altLang="en-US"/>
           </a:p>
           <a:p>
             <a:r>
               <a:rPr lang="zh-CN" altLang="en-US"/>
-              <a:t>剩下的</a:t>
+              <a:t>剩下</a:t>
             </a:r>
             <a:r>
               <a:rPr lang="en-US" altLang="zh-CN"/>
@@ -11810,15 +11940,59 @@
             </a:r>
             <a:r>
               <a:rPr lang="zh-CN" altLang="en-US"/>
-              <a:t>个元素用传统的标量方式填入，</a:t>
+              <a:t>个元素用传统的标量方式填入，每次处理</a:t>
             </a:r>
             <a:r>
               <a:rPr lang="en-US" altLang="zh-CN"/>
-              <a:t>1 </a:t>
-            </a:r>
-            <a:r>
-              <a:rPr lang="zh-CN" altLang="en-US"/>
-              <a:t>个一填</a:t>
+              <a:t> 1 </a:t>
+            </a:r>
+            <a:r>
+              <a:rPr lang="zh-CN" altLang="en-US"/>
+              <a:t>个</a:t>
+            </a:r>
+            <a:endParaRPr lang="zh-CN" altLang="en-US"/>
+          </a:p>
+          <a:p>
+            <a:r>
+              <a:rPr lang="zh-CN" altLang="en-US"/>
+              <a:t>思想：对边界特殊处理，而对大部分数据能够自由优化</a:t>
+            </a:r>
+            <a:endParaRPr lang="zh-CN" altLang="en-US"/>
+          </a:p>
+        </p:txBody>
+      </p:sp>
+      <p:sp>
+        <p:nvSpPr>
+          <p:cNvPr id="17" name="Text Box 16"/>
+          <p:cNvSpPr txBox="1"/>
+          <p:nvPr/>
+        </p:nvSpPr>
+        <p:spPr>
+          <a:xfrm>
+            <a:off x="1396365" y="5457190"/>
+            <a:ext cx="3791585" cy="922020"/>
+          </a:xfrm>
+          <a:prstGeom prst="rect">
+            <a:avLst/>
+          </a:prstGeom>
+          <a:noFill/>
+        </p:spPr>
+        <p:txBody>
+          <a:bodyPr wrap="square" rtlCol="0">
+            <a:spAutoFit/>
+          </a:bodyPr>
+          <a:p>
+            <a:r>
+              <a:rPr lang="zh-CN" altLang="en-US"/>
+              <a:t>编译器做优化时会自动处理边界特判。如果你是自己手写</a:t>
+            </a:r>
+            <a:r>
+              <a:rPr lang="en-US" altLang="zh-CN"/>
+              <a:t> SIMD </a:t>
+            </a:r>
+            <a:r>
+              <a:rPr lang="zh-CN" altLang="en-US"/>
+              <a:t>指令的话就要考虑一下这个。</a:t>
             </a:r>
             <a:endParaRPr lang="zh-CN" altLang="en-US"/>
           </a:p>
@@ -11829,6 +12003,92 @@
   <p:clrMapOvr>
     <a:masterClrMapping/>
   </p:clrMapOvr>
+  <p:timing>
+    <p:tnLst>
+      <p:par>
+        <p:cTn id="1" dur="indefinite" restart="never" nodeType="tmRoot">
+          <p:childTnLst>
+            <p:seq concurrent="1" nextAc="seek">
+              <p:cTn id="2" dur="indefinite" nodeType="mainSeq">
+                <p:childTnLst>
+                  <p:par>
+                    <p:cTn id="3" fill="hold">
+                      <p:stCondLst>
+                        <p:cond delay="indefinite"/>
+                      </p:stCondLst>
+                      <p:childTnLst>
+                        <p:par>
+                          <p:cTn id="4" fill="hold">
+                            <p:stCondLst>
+                              <p:cond delay="0"/>
+                            </p:stCondLst>
+                            <p:childTnLst>
+                              <p:par>
+                                <p:cTn id="5" presetID="9" presetClass="entr" presetSubtype="0" fill="hold" grpId="0" nodeType="clickEffect">
+                                  <p:stCondLst>
+                                    <p:cond delay="0"/>
+                                  </p:stCondLst>
+                                  <p:childTnLst>
+                                    <p:set>
+                                      <p:cBhvr>
+                                        <p:cTn id="6" dur="1" fill="hold">
+                                          <p:stCondLst>
+                                            <p:cond delay="0"/>
+                                          </p:stCondLst>
+                                        </p:cTn>
+                                        <p:tgtEl>
+                                          <p:spTgt spid="17"/>
+                                        </p:tgtEl>
+                                        <p:attrNameLst>
+                                          <p:attrName>style.visibility</p:attrName>
+                                        </p:attrNameLst>
+                                      </p:cBhvr>
+                                      <p:to>
+                                        <p:strVal val="visible"/>
+                                      </p:to>
+                                    </p:set>
+                                    <p:animEffect transition="in" filter="dissolve">
+                                      <p:cBhvr>
+                                        <p:cTn id="7" dur="500"/>
+                                        <p:tgtEl>
+                                          <p:spTgt spid="17"/>
+                                        </p:tgtEl>
+                                      </p:cBhvr>
+                                    </p:animEffect>
+                                  </p:childTnLst>
+                                </p:cTn>
+                              </p:par>
+                            </p:childTnLst>
+                          </p:cTn>
+                        </p:par>
+                      </p:childTnLst>
+                    </p:cTn>
+                  </p:par>
+                </p:childTnLst>
+              </p:cTn>
+              <p:prevCondLst>
+                <p:cond evt="onPrev" delay="0">
+                  <p:tgtEl>
+                    <p:sldTgt/>
+                  </p:tgtEl>
+                </p:cond>
+              </p:prevCondLst>
+              <p:nextCondLst>
+                <p:cond evt="onNext" delay="0">
+                  <p:tgtEl>
+                    <p:sldTgt/>
+                  </p:tgtEl>
+                </p:cond>
+              </p:nextCondLst>
+            </p:seq>
+          </p:childTnLst>
+        </p:cTn>
+      </p:par>
+    </p:tnLst>
+    <p:bldLst>
+      <p:bldP spid="17" grpId="0"/>
+    </p:bldLst>
+  </p:timing>
 </p:sld>
 </file>
 

--- a/04/slides.pptx
+++ b/04/slides.pptx
@@ -5,17 +5,17 @@
     <p:sldMasterId id="2147483648" r:id="rId1"/>
   </p:sldMasterIdLst>
   <p:notesMasterIdLst>
-    <p:notesMasterId r:id="rId6"/>
+    <p:notesMasterId r:id="rId5"/>
   </p:notesMasterIdLst>
   <p:handoutMasterIdLst>
-    <p:handoutMasterId r:id="rId50"/>
+    <p:handoutMasterId r:id="rId53"/>
   </p:handoutMasterIdLst>
   <p:sldIdLst>
     <p:sldId id="256" r:id="rId3"/>
-    <p:sldId id="298" r:id="rId4"/>
-    <p:sldId id="257" r:id="rId5"/>
-    <p:sldId id="258" r:id="rId7"/>
-    <p:sldId id="259" r:id="rId8"/>
+    <p:sldId id="257" r:id="rId4"/>
+    <p:sldId id="258" r:id="rId6"/>
+    <p:sldId id="259" r:id="rId7"/>
+    <p:sldId id="298" r:id="rId8"/>
     <p:sldId id="264" r:id="rId9"/>
     <p:sldId id="271" r:id="rId10"/>
     <p:sldId id="267" r:id="rId11"/>
@@ -23,40 +23,43 @@
     <p:sldId id="268" r:id="rId13"/>
     <p:sldId id="269" r:id="rId14"/>
     <p:sldId id="270" r:id="rId15"/>
-    <p:sldId id="272" r:id="rId16"/>
-    <p:sldId id="273" r:id="rId17"/>
-    <p:sldId id="281" r:id="rId18"/>
-    <p:sldId id="282" r:id="rId19"/>
-    <p:sldId id="283" r:id="rId20"/>
-    <p:sldId id="284" r:id="rId21"/>
-    <p:sldId id="285" r:id="rId22"/>
-    <p:sldId id="286" r:id="rId23"/>
-    <p:sldId id="294" r:id="rId24"/>
-    <p:sldId id="295" r:id="rId25"/>
-    <p:sldId id="302" r:id="rId26"/>
-    <p:sldId id="274" r:id="rId27"/>
-    <p:sldId id="275" r:id="rId28"/>
-    <p:sldId id="277" r:id="rId29"/>
-    <p:sldId id="276" r:id="rId30"/>
-    <p:sldId id="278" r:id="rId31"/>
-    <p:sldId id="279" r:id="rId32"/>
-    <p:sldId id="280" r:id="rId33"/>
-    <p:sldId id="299" r:id="rId34"/>
-    <p:sldId id="297" r:id="rId35"/>
-    <p:sldId id="300" r:id="rId36"/>
-    <p:sldId id="303" r:id="rId37"/>
-    <p:sldId id="305" r:id="rId38"/>
-    <p:sldId id="306" r:id="rId39"/>
-    <p:sldId id="307" r:id="rId40"/>
-    <p:sldId id="308" r:id="rId41"/>
-    <p:sldId id="314" r:id="rId42"/>
-    <p:sldId id="309" r:id="rId43"/>
-    <p:sldId id="310" r:id="rId44"/>
-    <p:sldId id="311" r:id="rId45"/>
-    <p:sldId id="312" r:id="rId46"/>
-    <p:sldId id="313" r:id="rId47"/>
-    <p:sldId id="315" r:id="rId48"/>
-    <p:sldId id="316" r:id="rId49"/>
+    <p:sldId id="319" r:id="rId16"/>
+    <p:sldId id="272" r:id="rId17"/>
+    <p:sldId id="273" r:id="rId18"/>
+    <p:sldId id="281" r:id="rId19"/>
+    <p:sldId id="282" r:id="rId20"/>
+    <p:sldId id="283" r:id="rId21"/>
+    <p:sldId id="284" r:id="rId22"/>
+    <p:sldId id="285" r:id="rId23"/>
+    <p:sldId id="286" r:id="rId24"/>
+    <p:sldId id="294" r:id="rId25"/>
+    <p:sldId id="295" r:id="rId26"/>
+    <p:sldId id="302" r:id="rId27"/>
+    <p:sldId id="274" r:id="rId28"/>
+    <p:sldId id="275" r:id="rId29"/>
+    <p:sldId id="277" r:id="rId30"/>
+    <p:sldId id="276" r:id="rId31"/>
+    <p:sldId id="278" r:id="rId32"/>
+    <p:sldId id="279" r:id="rId33"/>
+    <p:sldId id="280" r:id="rId34"/>
+    <p:sldId id="299" r:id="rId35"/>
+    <p:sldId id="297" r:id="rId36"/>
+    <p:sldId id="300" r:id="rId37"/>
+    <p:sldId id="303" r:id="rId38"/>
+    <p:sldId id="305" r:id="rId39"/>
+    <p:sldId id="306" r:id="rId40"/>
+    <p:sldId id="307" r:id="rId41"/>
+    <p:sldId id="308" r:id="rId42"/>
+    <p:sldId id="314" r:id="rId43"/>
+    <p:sldId id="309" r:id="rId44"/>
+    <p:sldId id="310" r:id="rId45"/>
+    <p:sldId id="311" r:id="rId46"/>
+    <p:sldId id="312" r:id="rId47"/>
+    <p:sldId id="313" r:id="rId48"/>
+    <p:sldId id="315" r:id="rId49"/>
+    <p:sldId id="316" r:id="rId50"/>
+    <p:sldId id="317" r:id="rId51"/>
+    <p:sldId id="318" r:id="rId52"/>
   </p:sldIdLst>
   <p:sldSz cx="12192000" cy="6858000"/>
   <p:notesSz cx="7103745" cy="10234295"/>
@@ -3906,7 +3909,7 @@
           <a:p>
             <a:r>
               <a:rPr lang="zh-CN" altLang="en-US"/>
-              <a:t>编译器自动优化的重要性</a:t>
+              <a:t>论编译器自动优化</a:t>
             </a:r>
             <a:endParaRPr lang="en-US" altLang="zh-CN"/>
           </a:p>
@@ -4330,7 +4333,7 @@
       <p:grpSpPr/>
       <p:sp>
         <p:nvSpPr>
-          <p:cNvPr id="2" name="Title 1"/>
+          <p:cNvPr id="5" name="Title 4"/>
           <p:cNvSpPr>
             <a:spLocks noGrp="1"/>
           </p:cNvSpPr>
@@ -4344,64 +4347,20 @@
           <a:p>
             <a:r>
               <a:rPr lang="zh-CN" altLang="en-US"/>
-              <a:t>编译器优化：代数化简</a:t>
+              <a:t>第</a:t>
+            </a:r>
+            <a:r>
+              <a:rPr lang="en-US" altLang="zh-CN"/>
+              <a:t>1</a:t>
+            </a:r>
+            <a:r>
+              <a:rPr lang="zh-CN" altLang="en-US"/>
+              <a:t>章：化简</a:t>
             </a:r>
             <a:endParaRPr lang="zh-CN" altLang="en-US"/>
           </a:p>
         </p:txBody>
       </p:sp>
-      <p:pic>
-        <p:nvPicPr>
-          <p:cNvPr id="5" name="Content Placeholder 4"/>
-          <p:cNvPicPr>
-            <a:picLocks noChangeAspect="1"/>
-          </p:cNvPicPr>
-          <p:nvPr>
-            <p:ph sz="half" idx="1"/>
-          </p:nvPr>
-        </p:nvPicPr>
-        <p:blipFill>
-          <a:blip r:embed="rId1"/>
-          <a:stretch>
-            <a:fillRect/>
-          </a:stretch>
-        </p:blipFill>
-        <p:spPr>
-          <a:xfrm>
-            <a:off x="814705" y="3027045"/>
-            <a:ext cx="4846320" cy="1948180"/>
-          </a:xfrm>
-          <a:prstGeom prst="rect">
-            <a:avLst/>
-          </a:prstGeom>
-        </p:spPr>
-      </p:pic>
-      <p:pic>
-        <p:nvPicPr>
-          <p:cNvPr id="6" name="Content Placeholder 5"/>
-          <p:cNvPicPr>
-            <a:picLocks noChangeAspect="1"/>
-          </p:cNvPicPr>
-          <p:nvPr>
-            <p:ph sz="half" idx="2"/>
-          </p:nvPr>
-        </p:nvPicPr>
-        <p:blipFill>
-          <a:blip r:embed="rId2"/>
-          <a:stretch>
-            <a:fillRect/>
-          </a:stretch>
-        </p:blipFill>
-        <p:spPr>
-          <a:xfrm>
-            <a:off x="5898515" y="2806700"/>
-            <a:ext cx="5346700" cy="2388870"/>
-          </a:xfrm>
-          <a:prstGeom prst="rect">
-            <a:avLst/>
-          </a:prstGeom>
-        </p:spPr>
-      </p:pic>
     </p:spTree>
   </p:cSld>
   <p:clrMapOvr>
@@ -4436,7 +4395,7 @@
           <a:p>
             <a:r>
               <a:rPr lang="zh-CN" altLang="en-US"/>
-              <a:t>编译器优化：常量折叠</a:t>
+              <a:t>编译器优化：代数化简</a:t>
             </a:r>
             <a:endParaRPr lang="zh-CN" altLang="en-US"/>
           </a:p>
@@ -4444,7 +4403,7 @@
       </p:sp>
       <p:pic>
         <p:nvPicPr>
-          <p:cNvPr id="4" name="Content Placeholder 3"/>
+          <p:cNvPr id="5" name="Content Placeholder 4"/>
           <p:cNvPicPr>
             <a:picLocks noChangeAspect="1"/>
           </p:cNvPicPr>
@@ -4460,8 +4419,8 @@
         </p:blipFill>
         <p:spPr>
           <a:xfrm>
-            <a:off x="1082675" y="2858770"/>
-            <a:ext cx="4311015" cy="2284730"/>
+            <a:off x="814705" y="3027045"/>
+            <a:ext cx="4846320" cy="1948180"/>
           </a:xfrm>
           <a:prstGeom prst="rect">
             <a:avLst/>
@@ -4470,7 +4429,7 @@
       </p:pic>
       <p:pic>
         <p:nvPicPr>
-          <p:cNvPr id="8" name="Content Placeholder 7"/>
+          <p:cNvPr id="6" name="Content Placeholder 5"/>
           <p:cNvPicPr>
             <a:picLocks noChangeAspect="1"/>
           </p:cNvPicPr>
@@ -4486,8 +4445,8 @@
         </p:blipFill>
         <p:spPr>
           <a:xfrm>
-            <a:off x="6245225" y="2616200"/>
-            <a:ext cx="4653280" cy="2769870"/>
+            <a:off x="5898515" y="2806700"/>
+            <a:ext cx="5346700" cy="2388870"/>
           </a:xfrm>
           <a:prstGeom prst="rect">
             <a:avLst/>
@@ -4528,7 +4487,7 @@
           <a:p>
             <a:r>
               <a:rPr lang="zh-CN" altLang="en-US"/>
-              <a:t>编译器优化：举个例子</a:t>
+              <a:t>编译器优化：常量折叠</a:t>
             </a:r>
             <a:endParaRPr lang="zh-CN" altLang="en-US"/>
           </a:p>
@@ -4536,12 +4495,12 @@
       </p:sp>
       <p:pic>
         <p:nvPicPr>
-          <p:cNvPr id="5" name="Content Placeholder 4"/>
+          <p:cNvPr id="4" name="Content Placeholder 3"/>
           <p:cNvPicPr>
             <a:picLocks noChangeAspect="1"/>
           </p:cNvPicPr>
           <p:nvPr>
-            <p:ph sz="half" idx="2"/>
+            <p:ph sz="half" idx="1"/>
           </p:nvPr>
         </p:nvPicPr>
         <p:blipFill>
@@ -4552,8 +4511,8 @@
         </p:blipFill>
         <p:spPr>
           <a:xfrm>
-            <a:off x="6172835" y="2554605"/>
-            <a:ext cx="4799330" cy="2893060"/>
+            <a:off x="1082675" y="2858770"/>
+            <a:ext cx="4311015" cy="2284730"/>
           </a:xfrm>
           <a:prstGeom prst="rect">
             <a:avLst/>
@@ -4562,12 +4521,12 @@
       </p:pic>
       <p:pic>
         <p:nvPicPr>
-          <p:cNvPr id="6" name="Content Placeholder 5"/>
+          <p:cNvPr id="8" name="Content Placeholder 7"/>
           <p:cNvPicPr>
             <a:picLocks noChangeAspect="1"/>
           </p:cNvPicPr>
           <p:nvPr>
-            <p:ph sz="half" idx="1"/>
+            <p:ph sz="half" idx="2"/>
           </p:nvPr>
         </p:nvPicPr>
         <p:blipFill>
@@ -4578,8 +4537,8 @@
         </p:blipFill>
         <p:spPr>
           <a:xfrm>
-            <a:off x="492125" y="2907665"/>
-            <a:ext cx="5492115" cy="2186940"/>
+            <a:off x="6245225" y="2616200"/>
+            <a:ext cx="4653280" cy="2769870"/>
           </a:xfrm>
           <a:prstGeom prst="rect">
             <a:avLst/>
@@ -4595,6 +4554,98 @@
 </file>
 
 <file path=ppt/slides/slide16.xml><?xml version="1.0" encoding="utf-8"?>
+<p:sld xmlns:a="http://schemas.openxmlformats.org/drawingml/2006/main" xmlns:r="http://schemas.openxmlformats.org/officeDocument/2006/relationships" xmlns:p="http://schemas.openxmlformats.org/presentationml/2006/main">
+  <p:cSld>
+    <p:spTree>
+      <p:nvGrpSpPr>
+        <p:cNvPr id="1" name=""/>
+        <p:cNvGrpSpPr/>
+        <p:nvPr/>
+      </p:nvGrpSpPr>
+      <p:grpSpPr/>
+      <p:sp>
+        <p:nvSpPr>
+          <p:cNvPr id="2" name="Title 1"/>
+          <p:cNvSpPr>
+            <a:spLocks noGrp="1"/>
+          </p:cNvSpPr>
+          <p:nvPr>
+            <p:ph type="title"/>
+          </p:nvPr>
+        </p:nvSpPr>
+        <p:spPr/>
+        <p:txBody>
+          <a:bodyPr/>
+          <a:p>
+            <a:r>
+              <a:rPr lang="zh-CN" altLang="en-US"/>
+              <a:t>编译器优化：举个例子</a:t>
+            </a:r>
+            <a:endParaRPr lang="zh-CN" altLang="en-US"/>
+          </a:p>
+        </p:txBody>
+      </p:sp>
+      <p:pic>
+        <p:nvPicPr>
+          <p:cNvPr id="5" name="Content Placeholder 4"/>
+          <p:cNvPicPr>
+            <a:picLocks noChangeAspect="1"/>
+          </p:cNvPicPr>
+          <p:nvPr>
+            <p:ph sz="half" idx="2"/>
+          </p:nvPr>
+        </p:nvPicPr>
+        <p:blipFill>
+          <a:blip r:embed="rId1"/>
+          <a:stretch>
+            <a:fillRect/>
+          </a:stretch>
+        </p:blipFill>
+        <p:spPr>
+          <a:xfrm>
+            <a:off x="6172835" y="2554605"/>
+            <a:ext cx="4799330" cy="2893060"/>
+          </a:xfrm>
+          <a:prstGeom prst="rect">
+            <a:avLst/>
+          </a:prstGeom>
+        </p:spPr>
+      </p:pic>
+      <p:pic>
+        <p:nvPicPr>
+          <p:cNvPr id="6" name="Content Placeholder 5"/>
+          <p:cNvPicPr>
+            <a:picLocks noChangeAspect="1"/>
+          </p:cNvPicPr>
+          <p:nvPr>
+            <p:ph sz="half" idx="1"/>
+          </p:nvPr>
+        </p:nvPicPr>
+        <p:blipFill>
+          <a:blip r:embed="rId2"/>
+          <a:stretch>
+            <a:fillRect/>
+          </a:stretch>
+        </p:blipFill>
+        <p:spPr>
+          <a:xfrm>
+            <a:off x="492125" y="2907665"/>
+            <a:ext cx="5492115" cy="2186940"/>
+          </a:xfrm>
+          <a:prstGeom prst="rect">
+            <a:avLst/>
+          </a:prstGeom>
+        </p:spPr>
+      </p:pic>
+    </p:spTree>
+  </p:cSld>
+  <p:clrMapOvr>
+    <a:masterClrMapping/>
+  </p:clrMapOvr>
+</p:sld>
+</file>
+
+<file path=ppt/slides/slide17.xml><?xml version="1.0" encoding="utf-8"?>
 <p:sld xmlns:a="http://schemas.openxmlformats.org/drawingml/2006/main" xmlns:r="http://schemas.openxmlformats.org/officeDocument/2006/relationships" xmlns:p="http://schemas.openxmlformats.org/presentationml/2006/main">
   <p:cSld>
     <p:spTree>
@@ -4828,7 +4879,7 @@
 </p:sld>
 </file>
 
-<file path=ppt/slides/slide17.xml><?xml version="1.0" encoding="utf-8"?>
+<file path=ppt/slides/slide18.xml><?xml version="1.0" encoding="utf-8"?>
 <p:sld xmlns:a="http://schemas.openxmlformats.org/drawingml/2006/main" xmlns:r="http://schemas.openxmlformats.org/officeDocument/2006/relationships" xmlns:p="http://schemas.openxmlformats.org/presentationml/2006/main">
   <p:cSld>
     <p:spTree>
@@ -5209,106 +5260,6 @@
 </p:sld>
 </file>
 
-<file path=ppt/slides/slide18.xml><?xml version="1.0" encoding="utf-8"?>
-<p:sld xmlns:a="http://schemas.openxmlformats.org/drawingml/2006/main" xmlns:r="http://schemas.openxmlformats.org/officeDocument/2006/relationships" xmlns:p="http://schemas.openxmlformats.org/presentationml/2006/main">
-  <p:cSld>
-    <p:spTree>
-      <p:nvGrpSpPr>
-        <p:cNvPr id="1" name=""/>
-        <p:cNvGrpSpPr/>
-        <p:nvPr/>
-      </p:nvGrpSpPr>
-      <p:grpSpPr/>
-      <p:sp>
-        <p:nvSpPr>
-          <p:cNvPr id="2" name="Title 1"/>
-          <p:cNvSpPr>
-            <a:spLocks noGrp="1"/>
-          </p:cNvSpPr>
-          <p:nvPr>
-            <p:ph type="title"/>
-          </p:nvPr>
-        </p:nvSpPr>
-        <p:spPr/>
-        <p:txBody>
-          <a:bodyPr/>
-          <a:p>
-            <a:r>
-              <a:rPr lang="zh-CN" altLang="en-US"/>
-              <a:t>那改用</a:t>
-            </a:r>
-            <a:r>
-              <a:rPr lang="en-US" altLang="zh-CN"/>
-              <a:t> array </a:t>
-            </a:r>
-            <a:r>
-              <a:rPr lang="zh-CN" altLang="en-US"/>
-              <a:t>试试？</a:t>
-            </a:r>
-            <a:endParaRPr lang="zh-CN" altLang="en-US"/>
-          </a:p>
-        </p:txBody>
-      </p:sp>
-      <p:pic>
-        <p:nvPicPr>
-          <p:cNvPr id="5" name="Content Placeholder 4"/>
-          <p:cNvPicPr>
-            <a:picLocks noChangeAspect="1"/>
-          </p:cNvPicPr>
-          <p:nvPr>
-            <p:ph sz="half" idx="2"/>
-          </p:nvPr>
-        </p:nvPicPr>
-        <p:blipFill>
-          <a:blip r:embed="rId1"/>
-          <a:stretch>
-            <a:fillRect/>
-          </a:stretch>
-        </p:blipFill>
-        <p:spPr>
-          <a:xfrm>
-            <a:off x="5869305" y="2381885"/>
-            <a:ext cx="5406390" cy="3237865"/>
-          </a:xfrm>
-          <a:prstGeom prst="rect">
-            <a:avLst/>
-          </a:prstGeom>
-        </p:spPr>
-      </p:pic>
-      <p:pic>
-        <p:nvPicPr>
-          <p:cNvPr id="6" name="Content Placeholder 5"/>
-          <p:cNvPicPr>
-            <a:picLocks noChangeAspect="1"/>
-          </p:cNvPicPr>
-          <p:nvPr>
-            <p:ph sz="half" idx="1"/>
-          </p:nvPr>
-        </p:nvPicPr>
-        <p:blipFill>
-          <a:blip r:embed="rId2"/>
-          <a:stretch>
-            <a:fillRect/>
-          </a:stretch>
-        </p:blipFill>
-        <p:spPr>
-          <a:xfrm>
-            <a:off x="647700" y="2821305"/>
-            <a:ext cx="5181600" cy="2359025"/>
-          </a:xfrm>
-          <a:prstGeom prst="rect">
-            <a:avLst/>
-          </a:prstGeom>
-        </p:spPr>
-      </p:pic>
-    </p:spTree>
-  </p:cSld>
-  <p:clrMapOvr>
-    <a:masterClrMapping/>
-  </p:clrMapOvr>
-</p:sld>
-</file>
-
 <file path=ppt/slides/slide19.xml><?xml version="1.0" encoding="utf-8"?>
 <p:sld xmlns:a="http://schemas.openxmlformats.org/drawingml/2006/main" xmlns:r="http://schemas.openxmlformats.org/officeDocument/2006/relationships" xmlns:p="http://schemas.openxmlformats.org/presentationml/2006/main">
   <p:cSld>
@@ -5334,43 +5285,29 @@
           <a:bodyPr/>
           <a:p>
             <a:r>
-              <a:rPr lang="zh-CN" altLang="en-US">
-                <a:sym typeface="+mn-ea"/>
-              </a:rPr>
+              <a:rPr lang="zh-CN" altLang="en-US"/>
               <a:t>那改用</a:t>
             </a:r>
             <a:r>
-              <a:rPr lang="zh-CN">
-                <a:sym typeface="+mn-ea"/>
-              </a:rPr>
-              <a:t>手写的</a:t>
-            </a:r>
-            <a:r>
-              <a:rPr lang="en-US" altLang="zh-CN">
-                <a:sym typeface="+mn-ea"/>
-              </a:rPr>
-              <a:t> reduce</a:t>
-            </a:r>
-            <a:r>
-              <a:rPr lang="zh-CN" altLang="en-US">
-                <a:sym typeface="+mn-ea"/>
-              </a:rPr>
-              <a:t>？</a:t>
-            </a:r>
-            <a:endParaRPr lang="zh-CN" altLang="en-US">
-              <a:sym typeface="+mn-ea"/>
-            </a:endParaRPr>
+              <a:rPr lang="en-US" altLang="zh-CN"/>
+              <a:t> array </a:t>
+            </a:r>
+            <a:r>
+              <a:rPr lang="zh-CN" altLang="en-US"/>
+              <a:t>试试？</a:t>
+            </a:r>
+            <a:endParaRPr lang="zh-CN" altLang="en-US"/>
           </a:p>
         </p:txBody>
       </p:sp>
       <p:pic>
         <p:nvPicPr>
-          <p:cNvPr id="4" name="Content Placeholder 3"/>
+          <p:cNvPr id="5" name="Content Placeholder 4"/>
           <p:cNvPicPr>
             <a:picLocks noChangeAspect="1"/>
           </p:cNvPicPr>
           <p:nvPr>
-            <p:ph sz="half" idx="1"/>
+            <p:ph sz="half" idx="2"/>
           </p:nvPr>
         </p:nvPicPr>
         <p:blipFill>
@@ -5381,8 +5318,8 @@
         </p:blipFill>
         <p:spPr>
           <a:xfrm>
-            <a:off x="836295" y="2265680"/>
-            <a:ext cx="4803140" cy="3471545"/>
+            <a:off x="5869305" y="2381885"/>
+            <a:ext cx="5406390" cy="3237865"/>
           </a:xfrm>
           <a:prstGeom prst="rect">
             <a:avLst/>
@@ -5391,12 +5328,12 @@
       </p:pic>
       <p:pic>
         <p:nvPicPr>
-          <p:cNvPr id="8" name="Content Placeholder 7"/>
+          <p:cNvPr id="6" name="Content Placeholder 5"/>
           <p:cNvPicPr>
             <a:picLocks noChangeAspect="1"/>
           </p:cNvPicPr>
           <p:nvPr>
-            <p:ph sz="half" idx="2"/>
+            <p:ph sz="half" idx="1"/>
           </p:nvPr>
         </p:nvPicPr>
         <p:blipFill>
@@ -5407,8 +5344,8 @@
         </p:blipFill>
         <p:spPr>
           <a:xfrm>
-            <a:off x="5720715" y="2561590"/>
-            <a:ext cx="5703570" cy="2879090"/>
+            <a:off x="647700" y="2821305"/>
+            <a:ext cx="5181600" cy="2359025"/>
           </a:xfrm>
           <a:prstGeom prst="rect">
             <a:avLst/>
@@ -5448,16 +5385,147 @@
           <a:bodyPr/>
           <a:p>
             <a:r>
-              <a:rPr lang="zh-CN" altLang="en-US"/>
-              <a:t>第</a:t>
+              <a:rPr lang="zh-CN"/>
+              <a:t>编译器：从</a:t>
             </a:r>
             <a:r>
               <a:rPr lang="en-US" altLang="zh-CN"/>
-              <a:t>1</a:t>
-            </a:r>
-            <a:r>
-              <a:rPr lang="zh-CN" altLang="en-US"/>
-              <a:t>章：化简</a:t>
+              <a:t>C++</a:t>
+            </a:r>
+            <a:r>
+              <a:rPr lang="zh-CN"/>
+              <a:t>源码到汇编指令</a:t>
+            </a:r>
+            <a:endParaRPr lang="zh-CN"/>
+          </a:p>
+        </p:txBody>
+      </p:sp>
+      <p:pic>
+        <p:nvPicPr>
+          <p:cNvPr id="6" name="Content Placeholder 5"/>
+          <p:cNvPicPr>
+            <a:picLocks noChangeAspect="1"/>
+          </p:cNvPicPr>
+          <p:nvPr>
+            <p:ph sz="half" idx="1"/>
+          </p:nvPr>
+        </p:nvPicPr>
+        <p:blipFill>
+          <a:blip r:embed="rId1"/>
+          <a:stretch>
+            <a:fillRect/>
+          </a:stretch>
+        </p:blipFill>
+        <p:spPr>
+          <a:xfrm>
+            <a:off x="882015" y="2955290"/>
+            <a:ext cx="4712335" cy="2091690"/>
+          </a:xfrm>
+          <a:prstGeom prst="rect">
+            <a:avLst/>
+          </a:prstGeom>
+        </p:spPr>
+      </p:pic>
+      <p:pic>
+        <p:nvPicPr>
+          <p:cNvPr id="7" name="Content Placeholder 6"/>
+          <p:cNvPicPr>
+            <a:picLocks noChangeAspect="1"/>
+          </p:cNvPicPr>
+          <p:nvPr>
+            <p:ph sz="half" idx="2"/>
+          </p:nvPr>
+        </p:nvPicPr>
+        <p:blipFill>
+          <a:blip r:embed="rId2"/>
+          <a:stretch>
+            <a:fillRect/>
+          </a:stretch>
+        </p:blipFill>
+        <p:spPr>
+          <a:xfrm>
+            <a:off x="7000240" y="1390650"/>
+            <a:ext cx="3143885" cy="5220970"/>
+          </a:xfrm>
+          <a:prstGeom prst="rect">
+            <a:avLst/>
+          </a:prstGeom>
+        </p:spPr>
+      </p:pic>
+      <p:pic>
+        <p:nvPicPr>
+          <p:cNvPr id="8" name="Picture 7"/>
+          <p:cNvPicPr>
+            <a:picLocks noChangeAspect="1"/>
+          </p:cNvPicPr>
+          <p:nvPr/>
+        </p:nvPicPr>
+        <p:blipFill>
+          <a:blip r:embed="rId3"/>
+          <a:stretch>
+            <a:fillRect/>
+          </a:stretch>
+        </p:blipFill>
+        <p:spPr>
+          <a:xfrm>
+            <a:off x="7000240" y="955675"/>
+            <a:ext cx="3238500" cy="266700"/>
+          </a:xfrm>
+          <a:prstGeom prst="rect">
+            <a:avLst/>
+          </a:prstGeom>
+        </p:spPr>
+      </p:pic>
+      <p:sp>
+        <p:nvSpPr>
+          <p:cNvPr id="9" name="Text Box 8"/>
+          <p:cNvSpPr txBox="1"/>
+          <p:nvPr/>
+        </p:nvSpPr>
+        <p:spPr>
+          <a:xfrm>
+            <a:off x="1458595" y="1649730"/>
+            <a:ext cx="2777490" cy="922020"/>
+          </a:xfrm>
+          <a:prstGeom prst="rect">
+            <a:avLst/>
+          </a:prstGeom>
+          <a:noFill/>
+        </p:spPr>
+        <p:txBody>
+          <a:bodyPr wrap="square" rtlCol="0">
+            <a:spAutoFit/>
+          </a:bodyPr>
+          <a:p>
+            <a:r>
+              <a:rPr lang="en-US"/>
+              <a:t>lea</a:t>
+            </a:r>
+            <a:r>
+              <a:rPr lang="zh-CN" altLang="en-US"/>
+              <a:t>：加载字符串的地址</a:t>
+            </a:r>
+            <a:endParaRPr lang="zh-CN" altLang="en-US"/>
+          </a:p>
+          <a:p>
+            <a:r>
+              <a:rPr lang="en-US" altLang="zh-CN"/>
+              <a:t>rdi</a:t>
+            </a:r>
+            <a:r>
+              <a:rPr lang="zh-CN" altLang="en-US"/>
+              <a:t>：第一个参数寄存器</a:t>
+            </a:r>
+            <a:endParaRPr lang="zh-CN" altLang="en-US"/>
+          </a:p>
+          <a:p>
+            <a:r>
+              <a:rPr lang="en-US" altLang="zh-CN"/>
+              <a:t>eax</a:t>
+            </a:r>
+            <a:r>
+              <a:rPr lang="zh-CN" altLang="en-US"/>
+              <a:t>：返回值寄存器</a:t>
             </a:r>
             <a:endParaRPr lang="zh-CN" altLang="en-US"/>
           </a:p>
@@ -5472,6 +5540,120 @@
 </file>
 
 <file path=ppt/slides/slide20.xml><?xml version="1.0" encoding="utf-8"?>
+<p:sld xmlns:a="http://schemas.openxmlformats.org/drawingml/2006/main" xmlns:r="http://schemas.openxmlformats.org/officeDocument/2006/relationships" xmlns:p="http://schemas.openxmlformats.org/presentationml/2006/main">
+  <p:cSld>
+    <p:spTree>
+      <p:nvGrpSpPr>
+        <p:cNvPr id="1" name=""/>
+        <p:cNvGrpSpPr/>
+        <p:nvPr/>
+      </p:nvGrpSpPr>
+      <p:grpSpPr/>
+      <p:sp>
+        <p:nvSpPr>
+          <p:cNvPr id="2" name="Title 1"/>
+          <p:cNvSpPr>
+            <a:spLocks noGrp="1"/>
+          </p:cNvSpPr>
+          <p:nvPr>
+            <p:ph type="title"/>
+          </p:nvPr>
+        </p:nvSpPr>
+        <p:spPr/>
+        <p:txBody>
+          <a:bodyPr/>
+          <a:p>
+            <a:r>
+              <a:rPr lang="zh-CN" altLang="en-US">
+                <a:sym typeface="+mn-ea"/>
+              </a:rPr>
+              <a:t>那改用</a:t>
+            </a:r>
+            <a:r>
+              <a:rPr lang="zh-CN">
+                <a:sym typeface="+mn-ea"/>
+              </a:rPr>
+              <a:t>手写的</a:t>
+            </a:r>
+            <a:r>
+              <a:rPr lang="en-US" altLang="zh-CN">
+                <a:sym typeface="+mn-ea"/>
+              </a:rPr>
+              <a:t> reduce</a:t>
+            </a:r>
+            <a:r>
+              <a:rPr lang="zh-CN" altLang="en-US">
+                <a:sym typeface="+mn-ea"/>
+              </a:rPr>
+              <a:t>？</a:t>
+            </a:r>
+            <a:endParaRPr lang="zh-CN" altLang="en-US">
+              <a:sym typeface="+mn-ea"/>
+            </a:endParaRPr>
+          </a:p>
+        </p:txBody>
+      </p:sp>
+      <p:pic>
+        <p:nvPicPr>
+          <p:cNvPr id="4" name="Content Placeholder 3"/>
+          <p:cNvPicPr>
+            <a:picLocks noChangeAspect="1"/>
+          </p:cNvPicPr>
+          <p:nvPr>
+            <p:ph sz="half" idx="1"/>
+          </p:nvPr>
+        </p:nvPicPr>
+        <p:blipFill>
+          <a:blip r:embed="rId1"/>
+          <a:stretch>
+            <a:fillRect/>
+          </a:stretch>
+        </p:blipFill>
+        <p:spPr>
+          <a:xfrm>
+            <a:off x="836295" y="2265680"/>
+            <a:ext cx="4803140" cy="3471545"/>
+          </a:xfrm>
+          <a:prstGeom prst="rect">
+            <a:avLst/>
+          </a:prstGeom>
+        </p:spPr>
+      </p:pic>
+      <p:pic>
+        <p:nvPicPr>
+          <p:cNvPr id="8" name="Content Placeholder 7"/>
+          <p:cNvPicPr>
+            <a:picLocks noChangeAspect="1"/>
+          </p:cNvPicPr>
+          <p:nvPr>
+            <p:ph sz="half" idx="2"/>
+          </p:nvPr>
+        </p:nvPicPr>
+        <p:blipFill>
+          <a:blip r:embed="rId2"/>
+          <a:stretch>
+            <a:fillRect/>
+          </a:stretch>
+        </p:blipFill>
+        <p:spPr>
+          <a:xfrm>
+            <a:off x="5720715" y="2561590"/>
+            <a:ext cx="5703570" cy="2879090"/>
+          </a:xfrm>
+          <a:prstGeom prst="rect">
+            <a:avLst/>
+          </a:prstGeom>
+        </p:spPr>
+      </p:pic>
+    </p:spTree>
+  </p:cSld>
+  <p:clrMapOvr>
+    <a:masterClrMapping/>
+  </p:clrMapOvr>
+</p:sld>
+</file>
+
+<file path=ppt/slides/slide21.xml><?xml version="1.0" encoding="utf-8"?>
 <p:sld xmlns:a="http://schemas.openxmlformats.org/drawingml/2006/main" xmlns:r="http://schemas.openxmlformats.org/officeDocument/2006/relationships" xmlns:p="http://schemas.openxmlformats.org/presentationml/2006/main">
   <p:cSld>
     <p:spTree>
@@ -5729,7 +5911,7 @@
 </p:sld>
 </file>
 
-<file path=ppt/slides/slide21.xml><?xml version="1.0" encoding="utf-8"?>
+<file path=ppt/slides/slide22.xml><?xml version="1.0" encoding="utf-8"?>
 <p:sld xmlns:a="http://schemas.openxmlformats.org/drawingml/2006/main" xmlns:r="http://schemas.openxmlformats.org/officeDocument/2006/relationships" xmlns:p="http://schemas.openxmlformats.org/presentationml/2006/main">
   <p:cSld>
     <p:spTree>
@@ -6071,7 +6253,7 @@
 </p:sld>
 </file>
 
-<file path=ppt/slides/slide22.xml><?xml version="1.0" encoding="utf-8"?>
+<file path=ppt/slides/slide23.xml><?xml version="1.0" encoding="utf-8"?>
 <p:sld xmlns:a="http://schemas.openxmlformats.org/drawingml/2006/main" xmlns:r="http://schemas.openxmlformats.org/officeDocument/2006/relationships" xmlns:p="http://schemas.openxmlformats.org/presentationml/2006/main">
   <p:cSld>
     <p:spTree>
@@ -6290,54 +6472,6 @@
 </p:sld>
 </file>
 
-<file path=ppt/slides/slide23.xml><?xml version="1.0" encoding="utf-8"?>
-<p:sld xmlns:a="http://schemas.openxmlformats.org/drawingml/2006/main" xmlns:r="http://schemas.openxmlformats.org/officeDocument/2006/relationships" xmlns:p="http://schemas.openxmlformats.org/presentationml/2006/main">
-  <p:cSld>
-    <p:spTree>
-      <p:nvGrpSpPr>
-        <p:cNvPr id="1" name=""/>
-        <p:cNvGrpSpPr/>
-        <p:nvPr/>
-      </p:nvGrpSpPr>
-      <p:grpSpPr/>
-      <p:sp>
-        <p:nvSpPr>
-          <p:cNvPr id="2" name="Title 1"/>
-          <p:cNvSpPr>
-            <a:spLocks noGrp="1"/>
-          </p:cNvSpPr>
-          <p:nvPr>
-            <p:ph type="title"/>
-          </p:nvPr>
-        </p:nvSpPr>
-        <p:spPr/>
-        <p:txBody>
-          <a:bodyPr/>
-          <a:p>
-            <a:r>
-              <a:rPr lang="zh-CN" altLang="en-US"/>
-              <a:t>第</a:t>
-            </a:r>
-            <a:r>
-              <a:rPr lang="en-US" altLang="zh-CN"/>
-              <a:t>2</a:t>
-            </a:r>
-            <a:r>
-              <a:rPr lang="zh-CN" altLang="en-US"/>
-              <a:t>章：内联</a:t>
-            </a:r>
-            <a:endParaRPr lang="zh-CN" altLang="en-US"/>
-          </a:p>
-        </p:txBody>
-      </p:sp>
-    </p:spTree>
-  </p:cSld>
-  <p:clrMapOvr>
-    <a:masterClrMapping/>
-  </p:clrMapOvr>
-</p:sld>
-</file>
-
 <file path=ppt/slides/slide24.xml><?xml version="1.0" encoding="utf-8"?>
 <p:sld xmlns:a="http://schemas.openxmlformats.org/drawingml/2006/main" xmlns:r="http://schemas.openxmlformats.org/officeDocument/2006/relationships" xmlns:p="http://schemas.openxmlformats.org/presentationml/2006/main">
   <p:cSld>
@@ -6363,105 +6497,21 @@
           <a:bodyPr/>
           <a:p>
             <a:r>
-              <a:rPr lang="zh-CN" altLang="en-US">
-                <a:sym typeface="+mn-ea"/>
-              </a:rPr>
-              <a:t>调用其他函数：</a:t>
-            </a:r>
-            <a:r>
-              <a:rPr lang="en-US" altLang="zh-CN">
-                <a:sym typeface="+mn-ea"/>
-              </a:rPr>
-              <a:t>call </a:t>
-            </a:r>
-            <a:r>
-              <a:rPr lang="zh-CN" altLang="en-US">
-                <a:sym typeface="+mn-ea"/>
-              </a:rPr>
-              <a:t>指令</a:t>
-            </a:r>
-            <a:endParaRPr lang="zh-CN" altLang="en-US">
-              <a:sym typeface="+mn-ea"/>
-            </a:endParaRPr>
-          </a:p>
-        </p:txBody>
-      </p:sp>
-      <p:pic>
-        <p:nvPicPr>
-          <p:cNvPr id="6" name="Content Placeholder 5"/>
-          <p:cNvPicPr>
-            <a:picLocks noChangeAspect="1"/>
-          </p:cNvPicPr>
-          <p:nvPr>
-            <p:ph sz="half" idx="2"/>
-          </p:nvPr>
-        </p:nvPicPr>
-        <p:blipFill>
-          <a:blip r:embed="rId1"/>
-          <a:stretch>
-            <a:fillRect/>
-          </a:stretch>
-        </p:blipFill>
-        <p:spPr>
-          <a:xfrm>
-            <a:off x="6144260" y="2019300"/>
-            <a:ext cx="4856480" cy="3963670"/>
-          </a:xfrm>
-          <a:prstGeom prst="rect">
-            <a:avLst/>
-          </a:prstGeom>
-        </p:spPr>
-      </p:pic>
-      <p:pic>
-        <p:nvPicPr>
-          <p:cNvPr id="7" name="Content Placeholder 6"/>
-          <p:cNvPicPr>
-            <a:picLocks noChangeAspect="1"/>
-          </p:cNvPicPr>
-          <p:nvPr>
-            <p:ph sz="half" idx="1"/>
-          </p:nvPr>
-        </p:nvPicPr>
-        <p:blipFill>
-          <a:blip r:embed="rId2"/>
-          <a:stretch>
-            <a:fillRect/>
-          </a:stretch>
-        </p:blipFill>
-        <p:spPr>
-          <a:xfrm>
-            <a:off x="650240" y="2838450"/>
-            <a:ext cx="5175250" cy="2325370"/>
-          </a:xfrm>
-          <a:prstGeom prst="rect">
-            <a:avLst/>
-          </a:prstGeom>
-        </p:spPr>
-      </p:pic>
-      <p:pic>
-        <p:nvPicPr>
-          <p:cNvPr id="8" name="Picture 7"/>
-          <p:cNvPicPr>
-            <a:picLocks noChangeAspect="1"/>
-          </p:cNvPicPr>
-          <p:nvPr/>
-        </p:nvPicPr>
-        <p:blipFill>
-          <a:blip r:embed="rId3"/>
-          <a:stretch>
-            <a:fillRect/>
-          </a:stretch>
-        </p:blipFill>
-        <p:spPr>
-          <a:xfrm>
-            <a:off x="3680460" y="0"/>
-            <a:ext cx="8511540" cy="315595"/>
-          </a:xfrm>
-          <a:prstGeom prst="rect">
-            <a:avLst/>
-          </a:prstGeom>
-        </p:spPr>
-      </p:pic>
+              <a:rPr lang="zh-CN" altLang="en-US"/>
+              <a:t>第</a:t>
+            </a:r>
+            <a:r>
+              <a:rPr lang="en-US" altLang="zh-CN"/>
+              <a:t>2</a:t>
+            </a:r>
+            <a:r>
+              <a:rPr lang="zh-CN" altLang="en-US"/>
+              <a:t>章：内联</a:t>
+            </a:r>
+            <a:endParaRPr lang="zh-CN" altLang="en-US"/>
+          </a:p>
+        </p:txBody>
+      </p:sp>
     </p:spTree>
   </p:cSld>
   <p:clrMapOvr>
@@ -6498,6 +6548,138 @@
               <a:rPr lang="zh-CN" altLang="en-US">
                 <a:sym typeface="+mn-ea"/>
               </a:rPr>
+              <a:t>调用其他函数：</a:t>
+            </a:r>
+            <a:r>
+              <a:rPr lang="en-US" altLang="zh-CN">
+                <a:sym typeface="+mn-ea"/>
+              </a:rPr>
+              <a:t>call </a:t>
+            </a:r>
+            <a:r>
+              <a:rPr lang="zh-CN" altLang="en-US">
+                <a:sym typeface="+mn-ea"/>
+              </a:rPr>
+              <a:t>指令</a:t>
+            </a:r>
+            <a:endParaRPr lang="zh-CN" altLang="en-US">
+              <a:sym typeface="+mn-ea"/>
+            </a:endParaRPr>
+          </a:p>
+        </p:txBody>
+      </p:sp>
+      <p:pic>
+        <p:nvPicPr>
+          <p:cNvPr id="6" name="Content Placeholder 5"/>
+          <p:cNvPicPr>
+            <a:picLocks noChangeAspect="1"/>
+          </p:cNvPicPr>
+          <p:nvPr>
+            <p:ph sz="half" idx="2"/>
+          </p:nvPr>
+        </p:nvPicPr>
+        <p:blipFill>
+          <a:blip r:embed="rId1"/>
+          <a:stretch>
+            <a:fillRect/>
+          </a:stretch>
+        </p:blipFill>
+        <p:spPr>
+          <a:xfrm>
+            <a:off x="6144260" y="2019300"/>
+            <a:ext cx="4856480" cy="3963670"/>
+          </a:xfrm>
+          <a:prstGeom prst="rect">
+            <a:avLst/>
+          </a:prstGeom>
+        </p:spPr>
+      </p:pic>
+      <p:pic>
+        <p:nvPicPr>
+          <p:cNvPr id="7" name="Content Placeholder 6"/>
+          <p:cNvPicPr>
+            <a:picLocks noChangeAspect="1"/>
+          </p:cNvPicPr>
+          <p:nvPr>
+            <p:ph sz="half" idx="1"/>
+          </p:nvPr>
+        </p:nvPicPr>
+        <p:blipFill>
+          <a:blip r:embed="rId2"/>
+          <a:stretch>
+            <a:fillRect/>
+          </a:stretch>
+        </p:blipFill>
+        <p:spPr>
+          <a:xfrm>
+            <a:off x="650240" y="2838450"/>
+            <a:ext cx="5175250" cy="2325370"/>
+          </a:xfrm>
+          <a:prstGeom prst="rect">
+            <a:avLst/>
+          </a:prstGeom>
+        </p:spPr>
+      </p:pic>
+      <p:pic>
+        <p:nvPicPr>
+          <p:cNvPr id="8" name="Picture 7"/>
+          <p:cNvPicPr>
+            <a:picLocks noChangeAspect="1"/>
+          </p:cNvPicPr>
+          <p:nvPr/>
+        </p:nvPicPr>
+        <p:blipFill>
+          <a:blip r:embed="rId3"/>
+          <a:stretch>
+            <a:fillRect/>
+          </a:stretch>
+        </p:blipFill>
+        <p:spPr>
+          <a:xfrm>
+            <a:off x="3680460" y="0"/>
+            <a:ext cx="8511540" cy="315595"/>
+          </a:xfrm>
+          <a:prstGeom prst="rect">
+            <a:avLst/>
+          </a:prstGeom>
+        </p:spPr>
+      </p:pic>
+    </p:spTree>
+  </p:cSld>
+  <p:clrMapOvr>
+    <a:masterClrMapping/>
+  </p:clrMapOvr>
+</p:sld>
+</file>
+
+<file path=ppt/slides/slide26.xml><?xml version="1.0" encoding="utf-8"?>
+<p:sld xmlns:a="http://schemas.openxmlformats.org/drawingml/2006/main" xmlns:r="http://schemas.openxmlformats.org/officeDocument/2006/relationships" xmlns:p="http://schemas.openxmlformats.org/presentationml/2006/main">
+  <p:cSld>
+    <p:spTree>
+      <p:nvGrpSpPr>
+        <p:cNvPr id="1" name=""/>
+        <p:cNvGrpSpPr/>
+        <p:nvPr/>
+      </p:nvGrpSpPr>
+      <p:grpSpPr/>
+      <p:sp>
+        <p:nvSpPr>
+          <p:cNvPr id="2" name="Title 1"/>
+          <p:cNvSpPr>
+            <a:spLocks noGrp="1"/>
+          </p:cNvSpPr>
+          <p:nvPr>
+            <p:ph type="title"/>
+          </p:nvPr>
+        </p:nvSpPr>
+        <p:spPr/>
+        <p:txBody>
+          <a:bodyPr/>
+          <a:p>
+            <a:r>
+              <a:rPr lang="zh-CN" altLang="en-US">
+                <a:sym typeface="+mn-ea"/>
+              </a:rPr>
               <a:t>编译器优化：</a:t>
             </a:r>
             <a:r>
@@ -6608,7 +6790,7 @@
 </p:sld>
 </file>
 
-<file path=ppt/slides/slide26.xml><?xml version="1.0" encoding="utf-8"?>
+<file path=ppt/slides/slide27.xml><?xml version="1.0" encoding="utf-8"?>
 <p:sld xmlns:a="http://schemas.openxmlformats.org/drawingml/2006/main" xmlns:r="http://schemas.openxmlformats.org/officeDocument/2006/relationships" xmlns:p="http://schemas.openxmlformats.org/presentationml/2006/main">
   <p:cSld>
     <p:spTree>
@@ -6960,7 +7142,7 @@
 </p:sld>
 </file>
 
-<file path=ppt/slides/slide27.xml><?xml version="1.0" encoding="utf-8"?>
+<file path=ppt/slides/slide28.xml><?xml version="1.0" encoding="utf-8"?>
 <p:sld xmlns:a="http://schemas.openxmlformats.org/drawingml/2006/main" xmlns:r="http://schemas.openxmlformats.org/officeDocument/2006/relationships" xmlns:p="http://schemas.openxmlformats.org/presentationml/2006/main">
   <p:cSld>
     <p:spTree>
@@ -7210,7 +7392,7 @@
 </p:sld>
 </file>
 
-<file path=ppt/slides/slide28.xml><?xml version="1.0" encoding="utf-8"?>
+<file path=ppt/slides/slide29.xml><?xml version="1.0" encoding="utf-8"?>
 <p:sld xmlns:a="http://schemas.openxmlformats.org/drawingml/2006/main" xmlns:r="http://schemas.openxmlformats.org/officeDocument/2006/relationships" xmlns:p="http://schemas.openxmlformats.org/presentationml/2006/main">
   <p:cSld>
     <p:spTree>
@@ -7491,7 +7673,180 @@
 </p:sld>
 </file>
 
-<file path=ppt/slides/slide29.xml><?xml version="1.0" encoding="utf-8"?>
+<file path=ppt/slides/slide3.xml><?xml version="1.0" encoding="utf-8"?>
+<p:sld xmlns:a="http://schemas.openxmlformats.org/drawingml/2006/main" xmlns:r="http://schemas.openxmlformats.org/officeDocument/2006/relationships" xmlns:p="http://schemas.openxmlformats.org/presentationml/2006/main">
+  <p:cSld>
+    <p:spTree>
+      <p:nvGrpSpPr>
+        <p:cNvPr id="1" name=""/>
+        <p:cNvGrpSpPr/>
+        <p:nvPr/>
+      </p:nvGrpSpPr>
+      <p:grpSpPr/>
+      <p:sp>
+        <p:nvSpPr>
+          <p:cNvPr id="2" name="Title 1"/>
+          <p:cNvSpPr>
+            <a:spLocks noGrp="1"/>
+          </p:cNvSpPr>
+          <p:nvPr>
+            <p:ph type="title"/>
+          </p:nvPr>
+        </p:nvSpPr>
+        <p:spPr/>
+        <p:txBody>
+          <a:bodyPr/>
+          <a:p>
+            <a:r>
+              <a:rPr lang="zh-CN" altLang="en-US"/>
+              <a:t>启用优化：</a:t>
+            </a:r>
+            <a:r>
+              <a:rPr lang="en-US" altLang="zh-CN"/>
+              <a:t>-O3</a:t>
+            </a:r>
+            <a:endParaRPr lang="en-US" altLang="zh-CN"/>
+          </a:p>
+        </p:txBody>
+      </p:sp>
+      <p:pic>
+        <p:nvPicPr>
+          <p:cNvPr id="5" name="Picture 4"/>
+          <p:cNvPicPr>
+            <a:picLocks noChangeAspect="1"/>
+          </p:cNvPicPr>
+          <p:nvPr/>
+        </p:nvPicPr>
+        <p:blipFill>
+          <a:blip r:embed="rId1"/>
+          <a:stretch>
+            <a:fillRect/>
+          </a:stretch>
+        </p:blipFill>
+        <p:spPr>
+          <a:xfrm>
+            <a:off x="6262370" y="1539875"/>
+            <a:ext cx="3629025" cy="285750"/>
+          </a:xfrm>
+          <a:prstGeom prst="rect">
+            <a:avLst/>
+          </a:prstGeom>
+        </p:spPr>
+      </p:pic>
+      <p:pic>
+        <p:nvPicPr>
+          <p:cNvPr id="6" name="Content Placeholder 6"/>
+          <p:cNvPicPr>
+            <a:picLocks noChangeAspect="1"/>
+          </p:cNvPicPr>
+          <p:nvPr>
+            <p:ph sz="half" idx="1"/>
+          </p:nvPr>
+        </p:nvPicPr>
+        <p:blipFill>
+          <a:blip r:embed="rId2"/>
+          <a:stretch>
+            <a:fillRect/>
+          </a:stretch>
+        </p:blipFill>
+        <p:spPr>
+          <a:xfrm>
+            <a:off x="1704340" y="1584325"/>
+            <a:ext cx="2995295" cy="4973955"/>
+          </a:xfrm>
+          <a:prstGeom prst="rect">
+            <a:avLst/>
+          </a:prstGeom>
+        </p:spPr>
+      </p:pic>
+      <p:pic>
+        <p:nvPicPr>
+          <p:cNvPr id="8" name="Picture 7"/>
+          <p:cNvPicPr>
+            <a:picLocks noChangeAspect="1"/>
+          </p:cNvPicPr>
+          <p:nvPr/>
+        </p:nvPicPr>
+        <p:blipFill>
+          <a:blip r:embed="rId3"/>
+          <a:stretch>
+            <a:fillRect/>
+          </a:stretch>
+        </p:blipFill>
+        <p:spPr>
+          <a:xfrm>
+            <a:off x="1582420" y="1273175"/>
+            <a:ext cx="3238500" cy="266700"/>
+          </a:xfrm>
+          <a:prstGeom prst="rect">
+            <a:avLst/>
+          </a:prstGeom>
+        </p:spPr>
+      </p:pic>
+      <p:pic>
+        <p:nvPicPr>
+          <p:cNvPr id="11" name="Content Placeholder 10"/>
+          <p:cNvPicPr>
+            <a:picLocks noChangeAspect="1"/>
+          </p:cNvPicPr>
+          <p:nvPr>
+            <p:ph sz="half" idx="2"/>
+          </p:nvPr>
+        </p:nvPicPr>
+        <p:blipFill>
+          <a:blip r:embed="rId4"/>
+          <a:stretch>
+            <a:fillRect/>
+          </a:stretch>
+        </p:blipFill>
+        <p:spPr>
+          <a:xfrm>
+            <a:off x="6233795" y="1843405"/>
+            <a:ext cx="4676775" cy="4314825"/>
+          </a:xfrm>
+          <a:prstGeom prst="rect">
+            <a:avLst/>
+          </a:prstGeom>
+        </p:spPr>
+      </p:pic>
+      <p:sp>
+        <p:nvSpPr>
+          <p:cNvPr id="13" name="Text Box 12"/>
+          <p:cNvSpPr txBox="1"/>
+          <p:nvPr/>
+        </p:nvSpPr>
+        <p:spPr>
+          <a:xfrm>
+            <a:off x="6454775" y="258445"/>
+            <a:ext cx="2777490" cy="922020"/>
+          </a:xfrm>
+          <a:prstGeom prst="rect">
+            <a:avLst/>
+          </a:prstGeom>
+          <a:noFill/>
+        </p:spPr>
+        <p:txBody>
+          <a:bodyPr wrap="square" rtlCol="0">
+            <a:spAutoFit/>
+          </a:bodyPr>
+          <a:p>
+            <a:r>
+              <a:rPr lang="zh-CN"/>
+              <a:t>结论：启用优化后编译器会生成更高效更紧凑的汇编指令。</a:t>
+            </a:r>
+            <a:endParaRPr lang="zh-CN"/>
+          </a:p>
+        </p:txBody>
+      </p:sp>
+    </p:spTree>
+  </p:cSld>
+  <p:clrMapOvr>
+    <a:masterClrMapping/>
+  </p:clrMapOvr>
+</p:sld>
+</file>
+
+<file path=ppt/slides/slide30.xml><?xml version="1.0" encoding="utf-8"?>
 <p:sld xmlns:a="http://schemas.openxmlformats.org/drawingml/2006/main" xmlns:r="http://schemas.openxmlformats.org/officeDocument/2006/relationships" xmlns:p="http://schemas.openxmlformats.org/presentationml/2006/main">
   <p:cSld>
     <p:spTree>
@@ -7850,394 +8205,6 @@
 </p:sld>
 </file>
 
-<file path=ppt/slides/slide3.xml><?xml version="1.0" encoding="utf-8"?>
-<p:sld xmlns:a="http://schemas.openxmlformats.org/drawingml/2006/main" xmlns:r="http://schemas.openxmlformats.org/officeDocument/2006/relationships" xmlns:p="http://schemas.openxmlformats.org/presentationml/2006/main">
-  <p:cSld>
-    <p:spTree>
-      <p:nvGrpSpPr>
-        <p:cNvPr id="1" name=""/>
-        <p:cNvGrpSpPr/>
-        <p:nvPr/>
-      </p:nvGrpSpPr>
-      <p:grpSpPr/>
-      <p:sp>
-        <p:nvSpPr>
-          <p:cNvPr id="2" name="Title 1"/>
-          <p:cNvSpPr>
-            <a:spLocks noGrp="1"/>
-          </p:cNvSpPr>
-          <p:nvPr>
-            <p:ph type="title"/>
-          </p:nvPr>
-        </p:nvSpPr>
-        <p:spPr/>
-        <p:txBody>
-          <a:bodyPr/>
-          <a:p>
-            <a:r>
-              <a:rPr lang="zh-CN"/>
-              <a:t>编译器：从</a:t>
-            </a:r>
-            <a:r>
-              <a:rPr lang="en-US" altLang="zh-CN"/>
-              <a:t>C++</a:t>
-            </a:r>
-            <a:r>
-              <a:rPr lang="zh-CN"/>
-              <a:t>源码到汇编指令</a:t>
-            </a:r>
-            <a:endParaRPr lang="zh-CN"/>
-          </a:p>
-        </p:txBody>
-      </p:sp>
-      <p:pic>
-        <p:nvPicPr>
-          <p:cNvPr id="6" name="Content Placeholder 5"/>
-          <p:cNvPicPr>
-            <a:picLocks noChangeAspect="1"/>
-          </p:cNvPicPr>
-          <p:nvPr>
-            <p:ph sz="half" idx="1"/>
-          </p:nvPr>
-        </p:nvPicPr>
-        <p:blipFill>
-          <a:blip r:embed="rId1"/>
-          <a:stretch>
-            <a:fillRect/>
-          </a:stretch>
-        </p:blipFill>
-        <p:spPr>
-          <a:xfrm>
-            <a:off x="882015" y="2955290"/>
-            <a:ext cx="4712335" cy="2091690"/>
-          </a:xfrm>
-          <a:prstGeom prst="rect">
-            <a:avLst/>
-          </a:prstGeom>
-        </p:spPr>
-      </p:pic>
-      <p:pic>
-        <p:nvPicPr>
-          <p:cNvPr id="7" name="Content Placeholder 6"/>
-          <p:cNvPicPr>
-            <a:picLocks noChangeAspect="1"/>
-          </p:cNvPicPr>
-          <p:nvPr>
-            <p:ph sz="half" idx="2"/>
-          </p:nvPr>
-        </p:nvPicPr>
-        <p:blipFill>
-          <a:blip r:embed="rId2"/>
-          <a:stretch>
-            <a:fillRect/>
-          </a:stretch>
-        </p:blipFill>
-        <p:spPr>
-          <a:xfrm>
-            <a:off x="7000240" y="1390650"/>
-            <a:ext cx="3143885" cy="5220970"/>
-          </a:xfrm>
-          <a:prstGeom prst="rect">
-            <a:avLst/>
-          </a:prstGeom>
-        </p:spPr>
-      </p:pic>
-      <p:pic>
-        <p:nvPicPr>
-          <p:cNvPr id="8" name="Picture 7"/>
-          <p:cNvPicPr>
-            <a:picLocks noChangeAspect="1"/>
-          </p:cNvPicPr>
-          <p:nvPr/>
-        </p:nvPicPr>
-        <p:blipFill>
-          <a:blip r:embed="rId3"/>
-          <a:stretch>
-            <a:fillRect/>
-          </a:stretch>
-        </p:blipFill>
-        <p:spPr>
-          <a:xfrm>
-            <a:off x="7000240" y="955675"/>
-            <a:ext cx="3238500" cy="266700"/>
-          </a:xfrm>
-          <a:prstGeom prst="rect">
-            <a:avLst/>
-          </a:prstGeom>
-        </p:spPr>
-      </p:pic>
-      <p:sp>
-        <p:nvSpPr>
-          <p:cNvPr id="9" name="Text Box 8"/>
-          <p:cNvSpPr txBox="1"/>
-          <p:nvPr/>
-        </p:nvSpPr>
-        <p:spPr>
-          <a:xfrm>
-            <a:off x="1458595" y="1649730"/>
-            <a:ext cx="2777490" cy="922020"/>
-          </a:xfrm>
-          <a:prstGeom prst="rect">
-            <a:avLst/>
-          </a:prstGeom>
-          <a:noFill/>
-        </p:spPr>
-        <p:txBody>
-          <a:bodyPr wrap="square" rtlCol="0">
-            <a:spAutoFit/>
-          </a:bodyPr>
-          <a:p>
-            <a:r>
-              <a:rPr lang="en-US"/>
-              <a:t>lea</a:t>
-            </a:r>
-            <a:r>
-              <a:rPr lang="zh-CN" altLang="en-US"/>
-              <a:t>：加载字符串的地址</a:t>
-            </a:r>
-            <a:endParaRPr lang="zh-CN" altLang="en-US"/>
-          </a:p>
-          <a:p>
-            <a:r>
-              <a:rPr lang="en-US" altLang="zh-CN"/>
-              <a:t>rdi</a:t>
-            </a:r>
-            <a:r>
-              <a:rPr lang="zh-CN" altLang="en-US"/>
-              <a:t>：第一个参数寄存器</a:t>
-            </a:r>
-            <a:endParaRPr lang="zh-CN" altLang="en-US"/>
-          </a:p>
-          <a:p>
-            <a:r>
-              <a:rPr lang="en-US" altLang="zh-CN"/>
-              <a:t>eax</a:t>
-            </a:r>
-            <a:r>
-              <a:rPr lang="zh-CN" altLang="en-US"/>
-              <a:t>：返回值寄存器</a:t>
-            </a:r>
-            <a:endParaRPr lang="zh-CN" altLang="en-US"/>
-          </a:p>
-        </p:txBody>
-      </p:sp>
-    </p:spTree>
-  </p:cSld>
-  <p:clrMapOvr>
-    <a:masterClrMapping/>
-  </p:clrMapOvr>
-</p:sld>
-</file>
-
-<file path=ppt/slides/slide30.xml><?xml version="1.0" encoding="utf-8"?>
-<p:sld xmlns:a="http://schemas.openxmlformats.org/drawingml/2006/main" xmlns:r="http://schemas.openxmlformats.org/officeDocument/2006/relationships" xmlns:p="http://schemas.openxmlformats.org/presentationml/2006/main">
-  <p:cSld>
-    <p:spTree>
-      <p:nvGrpSpPr>
-        <p:cNvPr id="1" name=""/>
-        <p:cNvGrpSpPr/>
-        <p:nvPr/>
-      </p:nvGrpSpPr>
-      <p:grpSpPr/>
-      <p:sp>
-        <p:nvSpPr>
-          <p:cNvPr id="2" name="Title 1"/>
-          <p:cNvSpPr>
-            <a:spLocks noGrp="1"/>
-          </p:cNvSpPr>
-          <p:nvPr>
-            <p:ph type="title"/>
-          </p:nvPr>
-        </p:nvSpPr>
-        <p:spPr/>
-        <p:txBody>
-          <a:bodyPr/>
-          <a:p>
-            <a:r>
-              <a:rPr lang="zh-CN" altLang="en-US">
-                <a:sym typeface="+mn-ea"/>
-              </a:rPr>
-              <a:t>无内鬼？来点</a:t>
-            </a:r>
-            <a:r>
-              <a:rPr lang="zh-CN" altLang="en-US">
-                <a:sym typeface="+mn-ea"/>
-              </a:rPr>
-              <a:t>“</a:t>
-            </a:r>
-            <a:r>
-              <a:rPr lang="zh-CN" altLang="en-US">
-                <a:sym typeface="+mn-ea"/>
-              </a:rPr>
-              <a:t>大厂面试官”笑话</a:t>
-            </a:r>
-            <a:endParaRPr lang="en-US"/>
-          </a:p>
-        </p:txBody>
-      </p:sp>
-      <p:sp>
-        <p:nvSpPr>
-          <p:cNvPr id="3" name="Content Placeholder 2"/>
-          <p:cNvSpPr>
-            <a:spLocks noGrp="1"/>
-          </p:cNvSpPr>
-          <p:nvPr>
-            <p:ph idx="1"/>
-          </p:nvPr>
-        </p:nvSpPr>
-        <p:spPr/>
-        <p:txBody>
-          <a:bodyPr/>
-          <a:p>
-            <a:r>
-              <a:rPr lang="zh-CN" altLang="en-US"/>
-              <a:t>同样沦为笑柄的还有</a:t>
-            </a:r>
-            <a:r>
-              <a:rPr lang="en-US" altLang="zh-CN"/>
-              <a:t> register </a:t>
-            </a:r>
-            <a:r>
-              <a:rPr lang="zh-CN" altLang="en-US"/>
-              <a:t>关键字，号称：可以让一个变量使用寄存器存储，更高效。</a:t>
-            </a:r>
-            <a:endParaRPr lang="zh-CN" altLang="en-US"/>
-          </a:p>
-          <a:p>
-            <a:r>
-              <a:rPr lang="zh-CN" altLang="en-US"/>
-              <a:t>能把等差数列求和优化成</a:t>
-            </a:r>
-            <a:r>
-              <a:rPr lang="en-US" altLang="zh-CN"/>
-              <a:t> 5050 </a:t>
-            </a:r>
-            <a:r>
-              <a:rPr lang="zh-CN" altLang="en-US"/>
-              <a:t>的编译器笑着看着你，说道：还要你提醒吗？</a:t>
-            </a:r>
-            <a:endParaRPr lang="zh-CN" altLang="en-US"/>
-          </a:p>
-          <a:p>
-            <a:r>
-              <a:rPr lang="zh-CN" altLang="en-US"/>
-              <a:t>所以，如果某</a:t>
-            </a:r>
-            <a:r>
-              <a:rPr lang="zh-CN" altLang="en-US">
-                <a:sym typeface="+mn-ea"/>
-              </a:rPr>
-              <a:t>“</a:t>
-            </a:r>
-            <a:r>
-              <a:rPr lang="zh-CN" altLang="en-US"/>
-              <a:t>面试官”试图考考你</a:t>
-            </a:r>
-            <a:r>
-              <a:rPr lang="en-US" altLang="zh-CN"/>
-              <a:t> register </a:t>
-            </a:r>
-            <a:r>
-              <a:rPr lang="zh-CN" altLang="en-US"/>
-              <a:t>和</a:t>
-            </a:r>
-            <a:r>
-              <a:rPr lang="en-US" altLang="zh-CN"/>
-              <a:t> inline </a:t>
-            </a:r>
-            <a:r>
-              <a:rPr lang="zh-CN" altLang="en-US"/>
-              <a:t>的所谓“优化技巧</a:t>
-            </a:r>
-            <a:r>
-              <a:rPr lang="zh-CN" altLang="en-US">
-                <a:sym typeface="+mn-ea"/>
-              </a:rPr>
-              <a:t>”</a:t>
-            </a:r>
-            <a:r>
-              <a:rPr lang="zh-CN" altLang="en-US"/>
-              <a:t>，你直接把小彭老师这两页</a:t>
-            </a:r>
-            <a:r>
-              <a:rPr lang="en-US" altLang="zh-CN"/>
-              <a:t> ppt</a:t>
-            </a:r>
-            <a:r>
-              <a:rPr lang="zh-CN" altLang="en-US"/>
-              <a:t>，</a:t>
-            </a:r>
-            <a:r>
-              <a:rPr lang="zh-CN" altLang="en-US"/>
-              <a:t>贴到他脸上即可。</a:t>
-            </a:r>
-            <a:endParaRPr lang="zh-CN" altLang="en-US"/>
-          </a:p>
-          <a:p>
-            <a:r>
-              <a:rPr lang="zh-CN" altLang="en-US"/>
-              <a:t>明明实验一下就知道的事，还在照着上世纪谭某强教材念。古有纸上谈兵，今有脑内编程。</a:t>
-            </a:r>
-            <a:endParaRPr lang="zh-CN" altLang="en-US"/>
-          </a:p>
-          <a:p>
-            <a:r>
-              <a:rPr lang="zh-CN" altLang="en-US"/>
-              <a:t>计算机编程又不是量子物理广义相对论，我们每个人都有电脑，做一下实验很容易，可总有所谓的“老师”就不肯动动手敲几行命令（写</a:t>
-            </a:r>
-            <a:r>
-              <a:rPr lang="en-US" altLang="zh-CN"/>
-              <a:t>doc</a:t>
-            </a:r>
-            <a:r>
-              <a:rPr lang="zh-CN" altLang="en-US"/>
-              <a:t>文件倒挺勤的），在那里传播虚假知识。</a:t>
-            </a:r>
-            <a:endParaRPr lang="zh-CN" altLang="en-US"/>
-          </a:p>
-          <a:p>
-            <a:r>
-              <a:rPr lang="zh-CN" altLang="en-US"/>
-              <a:t>在线做编译器实验推荐这个网站：</a:t>
-            </a:r>
-            <a:r>
-              <a:rPr lang="en-US" altLang="zh-CN"/>
-              <a:t>https://godbolt.org/</a:t>
-            </a:r>
-            <a:endParaRPr lang="en-US" altLang="zh-CN"/>
-          </a:p>
-          <a:p>
-            <a:r>
-              <a:rPr lang="zh-CN" altLang="en-US"/>
-              <a:t>可以实时看源代码编译的结果，还能选不同的编译器版本和</a:t>
-            </a:r>
-            <a:r>
-              <a:rPr lang="en-US" altLang="zh-CN"/>
-              <a:t> flag</a:t>
-            </a:r>
-            <a:r>
-              <a:rPr lang="zh-CN" altLang="en-US"/>
-              <a:t>。</a:t>
-            </a:r>
-            <a:endParaRPr lang="zh-CN" altLang="en-US"/>
-          </a:p>
-          <a:p>
-            <a:r>
-              <a:rPr lang="zh-CN" altLang="en-US"/>
-              <a:t>不要脑内模拟！你自以为某更改对性能有帮助，然而实际测一下时间有一定可能反而变慢。</a:t>
-            </a:r>
-            <a:endParaRPr lang="zh-CN" altLang="en-US"/>
-          </a:p>
-        </p:txBody>
-      </p:sp>
-    </p:spTree>
-  </p:cSld>
-  <p:clrMapOvr>
-    <a:masterClrMapping/>
-  </p:clrMapOvr>
-</p:sld>
-</file>
-
 <file path=ppt/slides/slide31.xml><?xml version="1.0" encoding="utf-8"?>
 <p:sld xmlns:a="http://schemas.openxmlformats.org/drawingml/2006/main" xmlns:r="http://schemas.openxmlformats.org/officeDocument/2006/relationships" xmlns:p="http://schemas.openxmlformats.org/presentationml/2006/main">
   <p:cSld>
@@ -8263,16 +8230,177 @@
           <a:bodyPr/>
           <a:p>
             <a:r>
-              <a:rPr lang="zh-CN" altLang="en-US"/>
-              <a:t>第</a:t>
+              <a:rPr lang="zh-CN" altLang="en-US">
+                <a:sym typeface="+mn-ea"/>
+              </a:rPr>
+              <a:t>无内鬼？来点</a:t>
+            </a:r>
+            <a:r>
+              <a:rPr lang="zh-CN" altLang="en-US">
+                <a:sym typeface="+mn-ea"/>
+              </a:rPr>
+              <a:t>“</a:t>
+            </a:r>
+            <a:r>
+              <a:rPr lang="zh-CN" altLang="en-US">
+                <a:sym typeface="+mn-ea"/>
+              </a:rPr>
+              <a:t>大厂面试官”笑话</a:t>
+            </a:r>
+            <a:endParaRPr lang="en-US"/>
+          </a:p>
+        </p:txBody>
+      </p:sp>
+      <p:sp>
+        <p:nvSpPr>
+          <p:cNvPr id="3" name="Content Placeholder 2"/>
+          <p:cNvSpPr>
+            <a:spLocks noGrp="1"/>
+          </p:cNvSpPr>
+          <p:nvPr>
+            <p:ph idx="1"/>
+          </p:nvPr>
+        </p:nvSpPr>
+        <p:spPr/>
+        <p:txBody>
+          <a:bodyPr/>
+          <a:p>
+            <a:r>
+              <a:rPr lang="zh-CN" altLang="en-US"/>
+              <a:t>同样沦为笑柄的还有</a:t>
             </a:r>
             <a:r>
               <a:rPr lang="en-US" altLang="zh-CN"/>
-              <a:t>3</a:t>
-            </a:r>
-            <a:r>
-              <a:rPr lang="zh-CN" altLang="en-US"/>
-              <a:t>章：指针</a:t>
+              <a:t> register </a:t>
+            </a:r>
+            <a:r>
+              <a:rPr lang="zh-CN" altLang="en-US"/>
+              <a:t>关键字，号称：可以让一个变量使用寄存器存储，更高效。</a:t>
+            </a:r>
+            <a:endParaRPr lang="zh-CN" altLang="en-US"/>
+          </a:p>
+          <a:p>
+            <a:r>
+              <a:rPr lang="zh-CN" altLang="en-US"/>
+              <a:t>能把等差数列求和优化成</a:t>
+            </a:r>
+            <a:r>
+              <a:rPr lang="en-US" altLang="zh-CN"/>
+              <a:t> 5050 </a:t>
+            </a:r>
+            <a:r>
+              <a:rPr lang="zh-CN" altLang="en-US"/>
+              <a:t>的编译器笑着看着你，说道：还要你提醒吗？</a:t>
+            </a:r>
+            <a:endParaRPr lang="zh-CN" altLang="en-US"/>
+          </a:p>
+          <a:p>
+            <a:r>
+              <a:rPr lang="zh-CN" altLang="en-US"/>
+              <a:t>所以，如果某</a:t>
+            </a:r>
+            <a:r>
+              <a:rPr lang="zh-CN" altLang="en-US">
+                <a:sym typeface="+mn-ea"/>
+              </a:rPr>
+              <a:t>“</a:t>
+            </a:r>
+            <a:r>
+              <a:rPr lang="zh-CN" altLang="en-US"/>
+              <a:t>面试官”试图考考你</a:t>
+            </a:r>
+            <a:r>
+              <a:rPr lang="en-US" altLang="zh-CN"/>
+              <a:t> register </a:t>
+            </a:r>
+            <a:r>
+              <a:rPr lang="zh-CN" altLang="en-US"/>
+              <a:t>和</a:t>
+            </a:r>
+            <a:r>
+              <a:rPr lang="en-US" altLang="zh-CN"/>
+              <a:t> inline </a:t>
+            </a:r>
+            <a:r>
+              <a:rPr lang="zh-CN" altLang="en-US"/>
+              <a:t>的所谓“优化技巧</a:t>
+            </a:r>
+            <a:r>
+              <a:rPr lang="zh-CN" altLang="en-US">
+                <a:sym typeface="+mn-ea"/>
+              </a:rPr>
+              <a:t>”</a:t>
+            </a:r>
+            <a:r>
+              <a:rPr lang="zh-CN" altLang="en-US"/>
+              <a:t>，你直接把小彭老师这两页</a:t>
+            </a:r>
+            <a:r>
+              <a:rPr lang="en-US" altLang="zh-CN"/>
+              <a:t> ppt</a:t>
+            </a:r>
+            <a:r>
+              <a:rPr lang="zh-CN" altLang="en-US"/>
+              <a:t>，</a:t>
+            </a:r>
+            <a:r>
+              <a:rPr lang="zh-CN" altLang="en-US"/>
+              <a:t>贴到他脸上即可。</a:t>
+            </a:r>
+            <a:endParaRPr lang="zh-CN" altLang="en-US"/>
+          </a:p>
+          <a:p>
+            <a:r>
+              <a:rPr lang="zh-CN" altLang="en-US"/>
+              <a:t>明明实验一下就知道的事，还在照着上世纪谭某强教材念。古有纸上谈兵，今有脑内编程。</a:t>
+            </a:r>
+            <a:endParaRPr lang="zh-CN" altLang="en-US"/>
+          </a:p>
+          <a:p>
+            <a:r>
+              <a:rPr lang="zh-CN" altLang="en-US"/>
+              <a:t>计算机编程又不是量子物理广义相对论，我们每个人都有电脑，做一下实验很容易，可总有所谓的“老师”就不肯动动手敲几行命令（写</a:t>
+            </a:r>
+            <a:r>
+              <a:rPr lang="en-US" altLang="zh-CN"/>
+              <a:t>doc</a:t>
+            </a:r>
+            <a:r>
+              <a:rPr lang="zh-CN" altLang="en-US"/>
+              <a:t>文件倒挺勤的），在那里传播虚假知识。</a:t>
+            </a:r>
+            <a:endParaRPr lang="zh-CN" altLang="en-US"/>
+          </a:p>
+          <a:p>
+            <a:r>
+              <a:rPr lang="zh-CN" altLang="en-US"/>
+              <a:t>在线做编译器实验推荐这个网站：</a:t>
+            </a:r>
+            <a:r>
+              <a:rPr lang="en-US" altLang="zh-CN"/>
+              <a:t>https://godbolt.org/</a:t>
+            </a:r>
+            <a:endParaRPr lang="en-US" altLang="zh-CN"/>
+          </a:p>
+          <a:p>
+            <a:r>
+              <a:rPr lang="zh-CN" altLang="en-US"/>
+              <a:t>可以实时看源代码编译的结果，还能选不同的编译器版本和</a:t>
+            </a:r>
+            <a:r>
+              <a:rPr lang="en-US" altLang="zh-CN"/>
+              <a:t> flag</a:t>
+            </a:r>
+            <a:r>
+              <a:rPr lang="zh-CN" altLang="en-US"/>
+              <a:t>。</a:t>
+            </a:r>
+            <a:endParaRPr lang="zh-CN" altLang="en-US"/>
+          </a:p>
+          <a:p>
+            <a:r>
+              <a:rPr lang="zh-CN" altLang="en-US"/>
+              <a:t>不要脑内模拟！你自以为某更改对性能有帮助，然而实际测一下时间有一定可能反而变慢。</a:t>
             </a:r>
             <a:endParaRPr lang="zh-CN" altLang="en-US"/>
           </a:p>
@@ -8287,6 +8415,54 @@
 </file>
 
 <file path=ppt/slides/slide32.xml><?xml version="1.0" encoding="utf-8"?>
+<p:sld xmlns:a="http://schemas.openxmlformats.org/drawingml/2006/main" xmlns:r="http://schemas.openxmlformats.org/officeDocument/2006/relationships" xmlns:p="http://schemas.openxmlformats.org/presentationml/2006/main">
+  <p:cSld>
+    <p:spTree>
+      <p:nvGrpSpPr>
+        <p:cNvPr id="1" name=""/>
+        <p:cNvGrpSpPr/>
+        <p:nvPr/>
+      </p:nvGrpSpPr>
+      <p:grpSpPr/>
+      <p:sp>
+        <p:nvSpPr>
+          <p:cNvPr id="2" name="Title 1"/>
+          <p:cNvSpPr>
+            <a:spLocks noGrp="1"/>
+          </p:cNvSpPr>
+          <p:nvPr>
+            <p:ph type="title"/>
+          </p:nvPr>
+        </p:nvSpPr>
+        <p:spPr/>
+        <p:txBody>
+          <a:bodyPr/>
+          <a:p>
+            <a:r>
+              <a:rPr lang="zh-CN" altLang="en-US"/>
+              <a:t>第</a:t>
+            </a:r>
+            <a:r>
+              <a:rPr lang="en-US" altLang="zh-CN"/>
+              <a:t>3</a:t>
+            </a:r>
+            <a:r>
+              <a:rPr lang="zh-CN" altLang="en-US"/>
+              <a:t>章：指针</a:t>
+            </a:r>
+            <a:endParaRPr lang="zh-CN" altLang="en-US"/>
+          </a:p>
+        </p:txBody>
+      </p:sp>
+    </p:spTree>
+  </p:cSld>
+  <p:clrMapOvr>
+    <a:masterClrMapping/>
+  </p:clrMapOvr>
+</p:sld>
+</file>
+
+<file path=ppt/slides/slide33.xml><?xml version="1.0" encoding="utf-8"?>
 <p:sld xmlns:a="http://schemas.openxmlformats.org/drawingml/2006/main" xmlns:r="http://schemas.openxmlformats.org/officeDocument/2006/relationships" xmlns:p="http://schemas.openxmlformats.org/presentationml/2006/main">
   <p:cSld>
     <p:spTree>
@@ -8501,7 +8677,7 @@
 </p:sld>
 </file>
 
-<file path=ppt/slides/slide33.xml><?xml version="1.0" encoding="utf-8"?>
+<file path=ppt/slides/slide34.xml><?xml version="1.0" encoding="utf-8"?>
 <p:sld xmlns:a="http://schemas.openxmlformats.org/drawingml/2006/main" xmlns:r="http://schemas.openxmlformats.org/officeDocument/2006/relationships" xmlns:p="http://schemas.openxmlformats.org/presentationml/2006/main">
   <p:cSld>
     <p:spTree>
@@ -8789,7 +8965,7 @@
 </p:sld>
 </file>
 
-<file path=ppt/slides/slide34.xml><?xml version="1.0" encoding="utf-8"?>
+<file path=ppt/slides/slide35.xml><?xml version="1.0" encoding="utf-8"?>
 <p:sld xmlns:a="http://schemas.openxmlformats.org/drawingml/2006/main" xmlns:r="http://schemas.openxmlformats.org/officeDocument/2006/relationships" xmlns:p="http://schemas.openxmlformats.org/presentationml/2006/main">
   <p:cSld>
     <p:spTree>
@@ -8937,7 +9113,7 @@
 </p:sld>
 </file>
 
-<file path=ppt/slides/slide35.xml><?xml version="1.0" encoding="utf-8"?>
+<file path=ppt/slides/slide36.xml><?xml version="1.0" encoding="utf-8"?>
 <p:sld xmlns:a="http://schemas.openxmlformats.org/drawingml/2006/main" xmlns:r="http://schemas.openxmlformats.org/officeDocument/2006/relationships" xmlns:p="http://schemas.openxmlformats.org/presentationml/2006/main">
   <p:cSld>
     <p:spTree>
@@ -9211,301 +9387,6 @@
 </p:sld>
 </file>
 
-<file path=ppt/slides/slide36.xml><?xml version="1.0" encoding="utf-8"?>
-<p:sld xmlns:a="http://schemas.openxmlformats.org/drawingml/2006/main" xmlns:r="http://schemas.openxmlformats.org/officeDocument/2006/relationships" xmlns:p="http://schemas.openxmlformats.org/presentationml/2006/main">
-  <p:cSld>
-    <p:spTree>
-      <p:nvGrpSpPr>
-        <p:cNvPr id="1" name=""/>
-        <p:cNvGrpSpPr/>
-        <p:nvPr/>
-      </p:nvGrpSpPr>
-      <p:grpSpPr/>
-      <p:sp>
-        <p:nvSpPr>
-          <p:cNvPr id="5" name="Title 4"/>
-          <p:cNvSpPr>
-            <a:spLocks noGrp="1"/>
-          </p:cNvSpPr>
-          <p:nvPr>
-            <p:ph type="title"/>
-          </p:nvPr>
-        </p:nvSpPr>
-        <p:spPr/>
-        <p:txBody>
-          <a:bodyPr/>
-          <a:p>
-            <a:r>
-              <a:rPr lang="zh-CN" altLang="en-US"/>
-              <a:t>注意一下区别</a:t>
-            </a:r>
-            <a:endParaRPr lang="zh-CN" altLang="en-US"/>
-          </a:p>
-        </p:txBody>
-      </p:sp>
-      <p:sp>
-        <p:nvSpPr>
-          <p:cNvPr id="6" name="Content Placeholder 5"/>
-          <p:cNvSpPr>
-            <a:spLocks noGrp="1"/>
-          </p:cNvSpPr>
-          <p:nvPr>
-            <p:ph idx="1"/>
-          </p:nvPr>
-        </p:nvSpPr>
-        <p:spPr/>
-        <p:txBody>
-          <a:bodyPr/>
-          <a:p>
-            <a:pPr marL="457200" indent="-457200">
-              <a:buAutoNum type="arabicPeriod"/>
-            </a:pPr>
-            <a:r>
-              <a:rPr lang="en-US"/>
-              <a:t>volatile int *a</a:t>
-            </a:r>
-            <a:endParaRPr lang="en-US"/>
-          </a:p>
-          <a:p>
-            <a:pPr marL="457200" indent="-457200">
-              <a:buAutoNum type="arabicPeriod"/>
-            </a:pPr>
-            <a:r>
-              <a:rPr lang="en-US"/>
-              <a:t>int *__restrict a</a:t>
-            </a:r>
-            <a:endParaRPr lang="zh-CN" altLang="en-US"/>
-          </a:p>
-          <a:p>
-            <a:pPr marL="457200" indent="-457200"/>
-            <a:r>
-              <a:rPr lang="zh-CN" altLang="en-US"/>
-              <a:t>语法上区别：</a:t>
-            </a:r>
-            <a:r>
-              <a:rPr lang="en-US"/>
-              <a:t>volatile </a:t>
-            </a:r>
-            <a:r>
-              <a:rPr lang="zh-CN" altLang="en-US"/>
-              <a:t>在</a:t>
-            </a:r>
-            <a:r>
-              <a:rPr lang="en-US" altLang="zh-CN"/>
-              <a:t> * </a:t>
-            </a:r>
-            <a:r>
-              <a:rPr lang="zh-CN" altLang="en-US"/>
-              <a:t>前面而</a:t>
-            </a:r>
-            <a:r>
-              <a:rPr lang="en-US" altLang="zh-CN"/>
-              <a:t> __restrict </a:t>
-            </a:r>
-            <a:r>
-              <a:rPr lang="zh-CN" altLang="en-US"/>
-              <a:t>在</a:t>
-            </a:r>
-            <a:r>
-              <a:rPr lang="en-US" altLang="zh-CN"/>
-              <a:t> * </a:t>
-            </a:r>
-            <a:r>
-              <a:rPr lang="zh-CN" altLang="en-US"/>
-              <a:t>后面。</a:t>
-            </a:r>
-            <a:endParaRPr lang="zh-CN" altLang="en-US"/>
-          </a:p>
-          <a:p>
-            <a:pPr marL="457200" indent="-457200"/>
-            <a:r>
-              <a:rPr lang="zh-CN" altLang="en-US"/>
-              <a:t>功能上区别：</a:t>
-            </a:r>
-            <a:r>
-              <a:rPr lang="en-US" altLang="zh-CN"/>
-              <a:t>volatile </a:t>
-            </a:r>
-            <a:r>
-              <a:rPr lang="zh-CN" altLang="en-US"/>
-              <a:t>是禁用优化，</a:t>
-            </a:r>
-            <a:r>
-              <a:rPr lang="en-US" altLang="zh-CN"/>
-              <a:t>__restrict </a:t>
-            </a:r>
-            <a:r>
-              <a:rPr lang="zh-CN" altLang="en-US"/>
-              <a:t>是帮助优化。</a:t>
-            </a:r>
-            <a:endParaRPr lang="zh-CN" altLang="en-US"/>
-          </a:p>
-          <a:p>
-            <a:pPr marL="457200" indent="-457200"/>
-            <a:r>
-              <a:rPr lang="zh-CN" altLang="en-US"/>
-              <a:t>是否属于标准上区别：</a:t>
-            </a:r>
-            <a:endParaRPr lang="zh-CN" altLang="en-US"/>
-          </a:p>
-          <a:p>
-            <a:pPr marL="457200" indent="-457200"/>
-            <a:r>
-              <a:rPr lang="en-US" altLang="zh-CN"/>
-              <a:t>volatile </a:t>
-            </a:r>
-            <a:r>
-              <a:rPr lang="zh-CN" altLang="en-US"/>
-              <a:t>和</a:t>
-            </a:r>
-            <a:r>
-              <a:rPr lang="en-US" altLang="zh-CN"/>
-              <a:t> const </a:t>
-            </a:r>
-            <a:r>
-              <a:rPr lang="zh-CN" altLang="en-US"/>
-              <a:t>一样是</a:t>
-            </a:r>
-            <a:r>
-              <a:rPr lang="en-US" altLang="zh-CN"/>
-              <a:t> C++ </a:t>
-            </a:r>
-            <a:r>
-              <a:rPr lang="zh-CN" altLang="en-US"/>
-              <a:t>标准的一部分。</a:t>
-            </a:r>
-            <a:endParaRPr lang="zh-CN" altLang="en-US"/>
-          </a:p>
-          <a:p>
-            <a:pPr marL="457200" indent="-457200"/>
-            <a:r>
-              <a:rPr lang="en-US" altLang="zh-CN"/>
-              <a:t>restrict </a:t>
-            </a:r>
-            <a:r>
-              <a:rPr lang="zh-CN" altLang="en-US"/>
-              <a:t>是</a:t>
-            </a:r>
-            <a:r>
-              <a:rPr lang="en-US" altLang="zh-CN"/>
-              <a:t> C99 </a:t>
-            </a:r>
-            <a:r>
-              <a:rPr lang="zh-CN" altLang="en-US"/>
-              <a:t>标准关键字，但不是</a:t>
-            </a:r>
-            <a:r>
-              <a:rPr lang="en-US" altLang="zh-CN"/>
-              <a:t> C++ </a:t>
-            </a:r>
-            <a:r>
-              <a:rPr lang="zh-CN" altLang="en-US"/>
-              <a:t>标准的关键字。</a:t>
-            </a:r>
-            <a:endParaRPr lang="zh-CN" altLang="en-US"/>
-          </a:p>
-          <a:p>
-            <a:pPr marL="457200" indent="-457200"/>
-            <a:r>
-              <a:rPr lang="zh-CN" altLang="en-US"/>
-              <a:t>注：</a:t>
-            </a:r>
-            <a:r>
-              <a:rPr lang="en-US" altLang="zh-CN"/>
-              <a:t>__restrict </a:t>
-            </a:r>
-            <a:r>
-              <a:rPr lang="zh-CN" altLang="en-US"/>
-              <a:t>其实是编译器的</a:t>
-            </a:r>
-            <a:r>
-              <a:rPr lang="zh-CN" altLang="en-US">
-                <a:sym typeface="+mn-ea"/>
-              </a:rPr>
-              <a:t>“</a:t>
-            </a:r>
-            <a:r>
-              <a:rPr lang="zh-CN" altLang="en-US"/>
-              <a:t>私货”，好在大多数主流编译器都支持。</a:t>
-            </a:r>
-            <a:endParaRPr lang="zh-CN" altLang="en-US"/>
-          </a:p>
-          <a:p>
-            <a:pPr marL="457200" indent="-457200"/>
-            <a:r>
-              <a:rPr lang="zh-CN" altLang="en-US" strike="sngStrike">
-                <a:solidFill>
-                  <a:schemeClr val="bg1">
-                    <a:lumMod val="65000"/>
-                  </a:schemeClr>
-                </a:solidFill>
-                <a:uFillTx/>
-              </a:rPr>
-              <a:t>所以无耻的</a:t>
-            </a:r>
-            <a:r>
-              <a:rPr lang="en-US" altLang="zh-CN" strike="sngStrike">
-                <a:solidFill>
-                  <a:schemeClr val="bg1">
-                    <a:lumMod val="65000"/>
-                  </a:schemeClr>
-                </a:solidFill>
-                <a:uFillTx/>
-              </a:rPr>
-              <a:t> C</a:t>
-            </a:r>
-            <a:r>
-              <a:rPr lang="zh-CN" altLang="en-US" strike="sngStrike">
-                <a:solidFill>
-                  <a:schemeClr val="bg1">
-                    <a:lumMod val="65000"/>
-                  </a:schemeClr>
-                </a:solidFill>
-                <a:uFillTx/>
-              </a:rPr>
-              <a:t>艹标准委员会什么时候肯把他加入标准呢？看看人家</a:t>
-            </a:r>
-            <a:r>
-              <a:rPr lang="en-US" altLang="zh-CN" strike="sngStrike">
-                <a:solidFill>
-                  <a:schemeClr val="bg1">
-                    <a:lumMod val="65000"/>
-                  </a:schemeClr>
-                </a:solidFill>
-                <a:uFillTx/>
-              </a:rPr>
-              <a:t> C </a:t>
-            </a:r>
-            <a:r>
-              <a:rPr lang="zh-CN" altLang="en-US" strike="sngStrike">
-                <a:solidFill>
-                  <a:schemeClr val="bg1">
-                    <a:lumMod val="65000"/>
-                  </a:schemeClr>
-                </a:solidFill>
-                <a:uFillTx/>
-              </a:rPr>
-              <a:t>语言。</a:t>
-            </a:r>
-            <a:endParaRPr lang="zh-CN" altLang="en-US" strike="sngStrike">
-              <a:solidFill>
-                <a:schemeClr val="bg1">
-                  <a:lumMod val="65000"/>
-                </a:schemeClr>
-              </a:solidFill>
-              <a:uFillTx/>
-            </a:endParaRPr>
-          </a:p>
-        </p:txBody>
-      </p:sp>
-    </p:spTree>
-  </p:cSld>
-  <p:clrMapOvr>
-    <a:masterClrMapping/>
-  </p:clrMapOvr>
-</p:sld>
-</file>
-
 <file path=ppt/slides/slide37.xml><?xml version="1.0" encoding="utf-8"?>
 <p:sld xmlns:a="http://schemas.openxmlformats.org/drawingml/2006/main" xmlns:r="http://schemas.openxmlformats.org/officeDocument/2006/relationships" xmlns:p="http://schemas.openxmlformats.org/presentationml/2006/main">
   <p:cSld>
@@ -9518,7 +9399,7 @@
       <p:grpSpPr/>
       <p:sp>
         <p:nvSpPr>
-          <p:cNvPr id="2" name="Title 1"/>
+          <p:cNvPr id="5" name="Title 4"/>
           <p:cNvSpPr>
             <a:spLocks noGrp="1"/>
           </p:cNvSpPr>
@@ -9532,106 +9413,264 @@
           <a:p>
             <a:r>
               <a:rPr lang="zh-CN" altLang="en-US"/>
-              <a:t>编译器优化：合并写入</a:t>
+              <a:t>注意一下区别</a:t>
             </a:r>
             <a:endParaRPr lang="zh-CN" altLang="en-US"/>
           </a:p>
         </p:txBody>
       </p:sp>
-      <p:pic>
-        <p:nvPicPr>
-          <p:cNvPr id="10" name="Content Placeholder 9"/>
-          <p:cNvPicPr>
-            <a:picLocks noChangeAspect="1"/>
-          </p:cNvPicPr>
-          <p:nvPr>
-            <p:ph sz="half" idx="2"/>
-          </p:nvPr>
-        </p:nvPicPr>
-        <p:blipFill>
-          <a:blip r:embed="rId1"/>
-          <a:stretch>
-            <a:fillRect/>
-          </a:stretch>
-        </p:blipFill>
-        <p:spPr>
-          <a:xfrm>
-            <a:off x="5981700" y="2170430"/>
-            <a:ext cx="5181600" cy="3661410"/>
-          </a:xfrm>
-          <a:prstGeom prst="rect">
-            <a:avLst/>
-          </a:prstGeom>
-        </p:spPr>
-      </p:pic>
-      <p:pic>
-        <p:nvPicPr>
-          <p:cNvPr id="11" name="Content Placeholder 10"/>
-          <p:cNvPicPr>
-            <a:picLocks noChangeAspect="1"/>
-          </p:cNvPicPr>
-          <p:nvPr>
-            <p:ph sz="half" idx="1"/>
-          </p:nvPr>
-        </p:nvPicPr>
-        <p:blipFill>
-          <a:blip r:embed="rId2"/>
-          <a:stretch>
-            <a:fillRect/>
-          </a:stretch>
-        </p:blipFill>
-        <p:spPr>
-          <a:xfrm>
-            <a:off x="934720" y="3100070"/>
-            <a:ext cx="4606925" cy="1802130"/>
-          </a:xfrm>
-          <a:prstGeom prst="rect">
-            <a:avLst/>
-          </a:prstGeom>
-        </p:spPr>
-      </p:pic>
-      <p:sp>
-        <p:nvSpPr>
-          <p:cNvPr id="12" name="Text Box 11"/>
-          <p:cNvSpPr txBox="1"/>
-          <p:nvPr/>
-        </p:nvSpPr>
-        <p:spPr>
-          <a:xfrm>
-            <a:off x="5043170" y="1073150"/>
-            <a:ext cx="2738755" cy="645160"/>
-          </a:xfrm>
-          <a:prstGeom prst="rect">
-            <a:avLst/>
-          </a:prstGeom>
-          <a:noFill/>
-        </p:spPr>
-        <p:txBody>
-          <a:bodyPr wrap="square" rtlCol="0">
-            <a:spAutoFit/>
-          </a:bodyPr>
-          <a:p>
-            <a:r>
-              <a:rPr lang="zh-CN" altLang="en-US"/>
-              <a:t>将两个</a:t>
+      <p:sp>
+        <p:nvSpPr>
+          <p:cNvPr id="6" name="Content Placeholder 5"/>
+          <p:cNvSpPr>
+            <a:spLocks noGrp="1"/>
+          </p:cNvSpPr>
+          <p:nvPr>
+            <p:ph idx="1"/>
+          </p:nvPr>
+        </p:nvSpPr>
+        <p:spPr/>
+        <p:txBody>
+          <a:bodyPr/>
+          <a:p>
+            <a:pPr marL="457200" indent="-457200">
+              <a:buAutoNum type="arabicPeriod"/>
+            </a:pPr>
+            <a:r>
+              <a:rPr lang="en-US"/>
+              <a:t>volatile int *a</a:t>
+            </a:r>
+            <a:endParaRPr lang="en-US"/>
+          </a:p>
+          <a:p>
+            <a:pPr marL="457200" indent="-457200">
+              <a:buAutoNum type="arabicPeriod"/>
+            </a:pPr>
+            <a:r>
+              <a:rPr lang="en-US"/>
+              <a:t>int *__restrict a</a:t>
+            </a:r>
+            <a:endParaRPr lang="zh-CN" altLang="en-US"/>
+          </a:p>
+          <a:p>
+            <a:pPr marL="457200" indent="-457200"/>
+            <a:r>
+              <a:rPr lang="zh-CN" altLang="en-US"/>
+              <a:t>语法上区别：</a:t>
+            </a:r>
+            <a:r>
+              <a:rPr lang="en-US"/>
+              <a:t>volatile </a:t>
+            </a:r>
+            <a:r>
+              <a:rPr lang="zh-CN" altLang="en-US"/>
+              <a:t>在</a:t>
             </a:r>
             <a:r>
               <a:rPr lang="en-US" altLang="zh-CN"/>
-              <a:t> int32 </a:t>
-            </a:r>
-            <a:r>
-              <a:rPr lang="zh-CN" altLang="en-US"/>
-              <a:t>的写入合并为一个</a:t>
+              <a:t> * </a:t>
+            </a:r>
+            <a:r>
+              <a:rPr lang="zh-CN" altLang="en-US"/>
+              <a:t>前面而</a:t>
             </a:r>
             <a:r>
               <a:rPr lang="en-US" altLang="zh-CN"/>
-              <a:t> int64 </a:t>
-            </a:r>
-            <a:r>
-              <a:rPr lang="zh-CN" altLang="en-US"/>
-              <a:t>的写入。</a:t>
+              <a:t> __restrict </a:t>
+            </a:r>
+            <a:r>
+              <a:rPr lang="zh-CN" altLang="en-US"/>
+              <a:t>在</a:t>
+            </a:r>
+            <a:r>
+              <a:rPr lang="en-US" altLang="zh-CN"/>
+              <a:t> * </a:t>
+            </a:r>
+            <a:r>
+              <a:rPr lang="zh-CN" altLang="en-US"/>
+              <a:t>后面。</a:t>
             </a:r>
             <a:endParaRPr lang="zh-CN" altLang="en-US"/>
+          </a:p>
+          <a:p>
+            <a:pPr marL="457200" indent="-457200"/>
+            <a:r>
+              <a:rPr lang="zh-CN" altLang="en-US"/>
+              <a:t>功能上区别：</a:t>
+            </a:r>
+            <a:r>
+              <a:rPr lang="en-US" altLang="zh-CN"/>
+              <a:t>volatile </a:t>
+            </a:r>
+            <a:r>
+              <a:rPr lang="zh-CN" altLang="en-US"/>
+              <a:t>是禁用优化，</a:t>
+            </a:r>
+            <a:r>
+              <a:rPr lang="en-US" altLang="zh-CN"/>
+              <a:t>__restrict </a:t>
+            </a:r>
+            <a:r>
+              <a:rPr lang="zh-CN" altLang="en-US"/>
+              <a:t>是帮助优化。</a:t>
+            </a:r>
+            <a:endParaRPr lang="zh-CN" altLang="en-US"/>
+          </a:p>
+          <a:p>
+            <a:pPr marL="457200" indent="-457200"/>
+            <a:r>
+              <a:rPr lang="zh-CN" altLang="en-US"/>
+              <a:t>是否属于标准上区别：</a:t>
+            </a:r>
+            <a:endParaRPr lang="zh-CN" altLang="en-US"/>
+          </a:p>
+          <a:p>
+            <a:pPr marL="457200" indent="-457200"/>
+            <a:r>
+              <a:rPr lang="en-US" altLang="zh-CN"/>
+              <a:t>volatile </a:t>
+            </a:r>
+            <a:r>
+              <a:rPr lang="zh-CN" altLang="en-US"/>
+              <a:t>和</a:t>
+            </a:r>
+            <a:r>
+              <a:rPr lang="en-US" altLang="zh-CN"/>
+              <a:t> const </a:t>
+            </a:r>
+            <a:r>
+              <a:rPr lang="zh-CN" altLang="en-US"/>
+              <a:t>一样是</a:t>
+            </a:r>
+            <a:r>
+              <a:rPr lang="en-US" altLang="zh-CN"/>
+              <a:t> C++ </a:t>
+            </a:r>
+            <a:r>
+              <a:rPr lang="zh-CN" altLang="en-US"/>
+              <a:t>标准的一部分。</a:t>
+            </a:r>
+            <a:endParaRPr lang="zh-CN" altLang="en-US"/>
+          </a:p>
+          <a:p>
+            <a:pPr marL="457200" indent="-457200"/>
+            <a:r>
+              <a:rPr lang="en-US" altLang="zh-CN"/>
+              <a:t>restrict </a:t>
+            </a:r>
+            <a:r>
+              <a:rPr lang="zh-CN" altLang="en-US"/>
+              <a:t>是</a:t>
+            </a:r>
+            <a:r>
+              <a:rPr lang="en-US" altLang="zh-CN"/>
+              <a:t> C99 </a:t>
+            </a:r>
+            <a:r>
+              <a:rPr lang="zh-CN" altLang="en-US"/>
+              <a:t>标准关键字，但不是</a:t>
+            </a:r>
+            <a:r>
+              <a:rPr lang="en-US" altLang="zh-CN"/>
+              <a:t> C++ </a:t>
+            </a:r>
+            <a:r>
+              <a:rPr lang="zh-CN" altLang="en-US"/>
+              <a:t>标准的关键字。</a:t>
+            </a:r>
+            <a:endParaRPr lang="zh-CN" altLang="en-US"/>
+          </a:p>
+          <a:p>
+            <a:pPr marL="457200" indent="-457200"/>
+            <a:r>
+              <a:rPr lang="zh-CN" altLang="en-US"/>
+              <a:t>注：</a:t>
+            </a:r>
+            <a:r>
+              <a:rPr lang="en-US" altLang="zh-CN"/>
+              <a:t>__restrict </a:t>
+            </a:r>
+            <a:r>
+              <a:rPr lang="zh-CN" altLang="en-US"/>
+              <a:t>其实是编译器的</a:t>
+            </a:r>
+            <a:r>
+              <a:rPr lang="zh-CN" altLang="en-US">
+                <a:sym typeface="+mn-ea"/>
+              </a:rPr>
+              <a:t>“</a:t>
+            </a:r>
+            <a:r>
+              <a:rPr lang="zh-CN" altLang="en-US"/>
+              <a:t>私货”，好在大多数主流编译器都支持。</a:t>
+            </a:r>
+            <a:endParaRPr lang="zh-CN" altLang="en-US"/>
+          </a:p>
+          <a:p>
+            <a:pPr marL="457200" indent="-457200"/>
+            <a:r>
+              <a:rPr lang="zh-CN" altLang="en-US" strike="sngStrike">
+                <a:solidFill>
+                  <a:schemeClr val="bg1">
+                    <a:lumMod val="65000"/>
+                  </a:schemeClr>
+                </a:solidFill>
+                <a:uFillTx/>
+              </a:rPr>
+              <a:t>所以无耻的</a:t>
+            </a:r>
+            <a:r>
+              <a:rPr lang="en-US" altLang="zh-CN" strike="sngStrike">
+                <a:solidFill>
+                  <a:schemeClr val="bg1">
+                    <a:lumMod val="65000"/>
+                  </a:schemeClr>
+                </a:solidFill>
+                <a:uFillTx/>
+              </a:rPr>
+              <a:t> C</a:t>
+            </a:r>
+            <a:r>
+              <a:rPr lang="zh-CN" altLang="en-US" strike="sngStrike">
+                <a:solidFill>
+                  <a:schemeClr val="bg1">
+                    <a:lumMod val="65000"/>
+                  </a:schemeClr>
+                </a:solidFill>
+                <a:uFillTx/>
+              </a:rPr>
+              <a:t>艹标准委员会什么时候肯把他加入标准呢？看看人家</a:t>
+            </a:r>
+            <a:r>
+              <a:rPr lang="en-US" altLang="zh-CN" strike="sngStrike">
+                <a:solidFill>
+                  <a:schemeClr val="bg1">
+                    <a:lumMod val="65000"/>
+                  </a:schemeClr>
+                </a:solidFill>
+                <a:uFillTx/>
+              </a:rPr>
+              <a:t> C </a:t>
+            </a:r>
+            <a:r>
+              <a:rPr lang="zh-CN" altLang="en-US" strike="sngStrike">
+                <a:solidFill>
+                  <a:schemeClr val="bg1">
+                    <a:lumMod val="65000"/>
+                  </a:schemeClr>
+                </a:solidFill>
+                <a:uFillTx/>
+              </a:rPr>
+              <a:t>语言。</a:t>
+            </a:r>
+            <a:endParaRPr lang="zh-CN" altLang="en-US" strike="sngStrike">
+              <a:solidFill>
+                <a:schemeClr val="bg1">
+                  <a:lumMod val="65000"/>
+                </a:schemeClr>
+              </a:solidFill>
+              <a:uFillTx/>
+            </a:endParaRPr>
           </a:p>
         </p:txBody>
       </p:sp>
@@ -9668,23 +9707,21 @@
           <a:bodyPr/>
           <a:p>
             <a:r>
-              <a:rPr lang="zh-CN" altLang="en-US">
-                <a:sym typeface="+mn-ea"/>
-              </a:rPr>
-              <a:t>合并写入：不能跳跃</a:t>
-            </a:r>
-            <a:endParaRPr lang="en-US"/>
+              <a:rPr lang="zh-CN" altLang="en-US"/>
+              <a:t>编译器优化：合并写入</a:t>
+            </a:r>
+            <a:endParaRPr lang="zh-CN" altLang="en-US"/>
           </a:p>
         </p:txBody>
       </p:sp>
       <p:pic>
         <p:nvPicPr>
-          <p:cNvPr id="6" name="Content Placeholder 5"/>
+          <p:cNvPr id="10" name="Content Placeholder 9"/>
           <p:cNvPicPr>
             <a:picLocks noChangeAspect="1"/>
           </p:cNvPicPr>
           <p:nvPr>
-            <p:ph sz="half" idx="1"/>
+            <p:ph sz="half" idx="2"/>
           </p:nvPr>
         </p:nvPicPr>
         <p:blipFill>
@@ -9695,8 +9732,8 @@
         </p:blipFill>
         <p:spPr>
           <a:xfrm>
-            <a:off x="793115" y="3034665"/>
-            <a:ext cx="4890135" cy="1932940"/>
+            <a:off x="5981700" y="2170430"/>
+            <a:ext cx="5181600" cy="3661410"/>
           </a:xfrm>
           <a:prstGeom prst="rect">
             <a:avLst/>
@@ -9705,12 +9742,12 @@
       </p:pic>
       <p:pic>
         <p:nvPicPr>
-          <p:cNvPr id="7" name="Content Placeholder 6"/>
+          <p:cNvPr id="11" name="Content Placeholder 10"/>
           <p:cNvPicPr>
             <a:picLocks noChangeAspect="1"/>
           </p:cNvPicPr>
           <p:nvPr>
-            <p:ph sz="half" idx="2"/>
+            <p:ph sz="half" idx="1"/>
           </p:nvPr>
         </p:nvPicPr>
         <p:blipFill>
@@ -9721,8 +9758,8 @@
         </p:blipFill>
         <p:spPr>
           <a:xfrm>
-            <a:off x="5934710" y="2724150"/>
-            <a:ext cx="6054090" cy="2553970"/>
+            <a:off x="934720" y="3100070"/>
+            <a:ext cx="4606925" cy="1802130"/>
           </a:xfrm>
           <a:prstGeom prst="rect">
             <a:avLst/>
@@ -9737,8 +9774,8 @@
         </p:nvSpPr>
         <p:spPr>
           <a:xfrm>
-            <a:off x="5584825" y="776605"/>
-            <a:ext cx="2738755" cy="922020"/>
+            <a:off x="5043170" y="1073150"/>
+            <a:ext cx="2738755" cy="645160"/>
           </a:xfrm>
           <a:prstGeom prst="rect">
             <a:avLst/>
@@ -9751,10 +9788,26 @@
           </a:bodyPr>
           <a:p>
             <a:r>
-              <a:rPr lang="zh-CN"/>
-              <a:t>但如果访问的两个元素地址间有跳跃，就不能合并了。</a:t>
-            </a:r>
-            <a:endParaRPr lang="zh-CN"/>
+              <a:rPr lang="zh-CN" altLang="en-US"/>
+              <a:t>将两个</a:t>
+            </a:r>
+            <a:r>
+              <a:rPr lang="en-US" altLang="zh-CN"/>
+              <a:t> int32 </a:t>
+            </a:r>
+            <a:r>
+              <a:rPr lang="zh-CN" altLang="en-US"/>
+              <a:t>的写入合并为一个</a:t>
+            </a:r>
+            <a:r>
+              <a:rPr lang="en-US" altLang="zh-CN"/>
+              <a:t> int64 </a:t>
+            </a:r>
+            <a:r>
+              <a:rPr lang="zh-CN" altLang="en-US"/>
+              <a:t>的写入。</a:t>
+            </a:r>
+            <a:endParaRPr lang="zh-CN" altLang="en-US"/>
           </a:p>
         </p:txBody>
       </p:sp>
@@ -9778,7 +9831,7 @@
       <p:grpSpPr/>
       <p:sp>
         <p:nvSpPr>
-          <p:cNvPr id="5" name="Title 4"/>
+          <p:cNvPr id="2" name="Title 1"/>
           <p:cNvSpPr>
             <a:spLocks noGrp="1"/>
           </p:cNvSpPr>
@@ -9788,23 +9841,96 @@
         </p:nvSpPr>
         <p:spPr/>
         <p:txBody>
-          <a:bodyPr>
-            <a:normAutofit/>
+          <a:bodyPr/>
+          <a:p>
+            <a:r>
+              <a:rPr lang="zh-CN" altLang="en-US">
+                <a:sym typeface="+mn-ea"/>
+              </a:rPr>
+              <a:t>合并写入：不能跳跃</a:t>
+            </a:r>
+            <a:endParaRPr lang="en-US"/>
+          </a:p>
+        </p:txBody>
+      </p:sp>
+      <p:pic>
+        <p:nvPicPr>
+          <p:cNvPr id="6" name="Content Placeholder 5"/>
+          <p:cNvPicPr>
+            <a:picLocks noChangeAspect="1"/>
+          </p:cNvPicPr>
+          <p:nvPr>
+            <p:ph sz="half" idx="1"/>
+          </p:nvPr>
+        </p:nvPicPr>
+        <p:blipFill>
+          <a:blip r:embed="rId1"/>
+          <a:stretch>
+            <a:fillRect/>
+          </a:stretch>
+        </p:blipFill>
+        <p:spPr>
+          <a:xfrm>
+            <a:off x="793115" y="3034665"/>
+            <a:ext cx="4890135" cy="1932940"/>
+          </a:xfrm>
+          <a:prstGeom prst="rect">
+            <a:avLst/>
+          </a:prstGeom>
+        </p:spPr>
+      </p:pic>
+      <p:pic>
+        <p:nvPicPr>
+          <p:cNvPr id="7" name="Content Placeholder 6"/>
+          <p:cNvPicPr>
+            <a:picLocks noChangeAspect="1"/>
+          </p:cNvPicPr>
+          <p:nvPr>
+            <p:ph sz="half" idx="2"/>
+          </p:nvPr>
+        </p:nvPicPr>
+        <p:blipFill>
+          <a:blip r:embed="rId2"/>
+          <a:stretch>
+            <a:fillRect/>
+          </a:stretch>
+        </p:blipFill>
+        <p:spPr>
+          <a:xfrm>
+            <a:off x="5934710" y="2724150"/>
+            <a:ext cx="6054090" cy="2553970"/>
+          </a:xfrm>
+          <a:prstGeom prst="rect">
+            <a:avLst/>
+          </a:prstGeom>
+        </p:spPr>
+      </p:pic>
+      <p:sp>
+        <p:nvSpPr>
+          <p:cNvPr id="12" name="Text Box 11"/>
+          <p:cNvSpPr txBox="1"/>
+          <p:nvPr/>
+        </p:nvSpPr>
+        <p:spPr>
+          <a:xfrm>
+            <a:off x="5584825" y="776605"/>
+            <a:ext cx="2738755" cy="922020"/>
+          </a:xfrm>
+          <a:prstGeom prst="rect">
+            <a:avLst/>
+          </a:prstGeom>
+          <a:noFill/>
+        </p:spPr>
+        <p:txBody>
+          <a:bodyPr wrap="square" rtlCol="0">
+            <a:spAutoFit/>
           </a:bodyPr>
           <a:p>
             <a:r>
-              <a:rPr lang="zh-CN" altLang="en-US"/>
-              <a:t>第</a:t>
-            </a:r>
-            <a:r>
-              <a:rPr lang="en-US" altLang="zh-CN"/>
-              <a:t>4</a:t>
-            </a:r>
-            <a:r>
-              <a:rPr lang="zh-CN" altLang="en-US"/>
-              <a:t>章：矢量化</a:t>
-            </a:r>
-            <a:endParaRPr lang="zh-CN" altLang="en-US"/>
+              <a:rPr lang="zh-CN"/>
+              <a:t>但如果访问的两个元素地址间有跳跃，就不能合并了。</a:t>
+            </a:r>
+            <a:endParaRPr lang="zh-CN"/>
           </a:p>
         </p:txBody>
       </p:sp>
@@ -9842,11 +9968,11 @@
           <a:p>
             <a:r>
               <a:rPr lang="zh-CN" altLang="en-US"/>
-              <a:t>启用优化：</a:t>
+              <a:t>帮助调试：</a:t>
             </a:r>
             <a:r>
               <a:rPr lang="en-US" altLang="zh-CN"/>
-              <a:t>-O3</a:t>
+              <a:t>-fverbose-asm</a:t>
             </a:r>
             <a:endParaRPr lang="en-US" altLang="zh-CN"/>
           </a:p>
@@ -9854,11 +9980,13 @@
       </p:sp>
       <p:pic>
         <p:nvPicPr>
-          <p:cNvPr id="5" name="Picture 4"/>
+          <p:cNvPr id="5" name="Content Placeholder 4"/>
           <p:cNvPicPr>
             <a:picLocks noChangeAspect="1"/>
           </p:cNvPicPr>
-          <p:nvPr/>
+          <p:nvPr>
+            <p:ph sz="half" idx="2"/>
+          </p:nvPr>
         </p:nvPicPr>
         <p:blipFill>
           <a:blip r:embed="rId1"/>
@@ -9868,8 +9996,8 @@
         </p:blipFill>
         <p:spPr>
           <a:xfrm>
-            <a:off x="6262370" y="1539875"/>
-            <a:ext cx="3629025" cy="285750"/>
+            <a:off x="6557010" y="1408430"/>
+            <a:ext cx="4029710" cy="5035550"/>
           </a:xfrm>
           <a:prstGeom prst="rect">
             <a:avLst/>
@@ -9894,8 +10022,8 @@
         </p:blipFill>
         <p:spPr>
           <a:xfrm>
-            <a:off x="1704340" y="1584325"/>
-            <a:ext cx="2995295" cy="4973955"/>
+            <a:off x="1716405" y="1473835"/>
+            <a:ext cx="3044190" cy="5055235"/>
           </a:xfrm>
           <a:prstGeom prst="rect">
             <a:avLst/>
@@ -9918,7 +10046,7 @@
         </p:blipFill>
         <p:spPr>
           <a:xfrm>
-            <a:off x="1582420" y="1273175"/>
+            <a:off x="1619250" y="1141730"/>
             <a:ext cx="3238500" cy="266700"/>
           </a:xfrm>
           <a:prstGeom prst="rect">
@@ -9926,15 +10054,58 @@
           </a:prstGeom>
         </p:spPr>
       </p:pic>
+      <p:sp>
+        <p:nvSpPr>
+          <p:cNvPr id="13" name="Text Box 12"/>
+          <p:cNvSpPr txBox="1"/>
+          <p:nvPr/>
+        </p:nvSpPr>
+        <p:spPr>
+          <a:xfrm>
+            <a:off x="6120130" y="219710"/>
+            <a:ext cx="4358005" cy="922020"/>
+          </a:xfrm>
+          <a:prstGeom prst="rect">
+            <a:avLst/>
+          </a:prstGeom>
+          <a:noFill/>
+        </p:spPr>
+        <p:txBody>
+          <a:bodyPr wrap="square" rtlCol="0">
+            <a:spAutoFit/>
+          </a:bodyPr>
+          <a:p>
+            <a:r>
+              <a:rPr lang="zh-CN"/>
+              <a:t>结论：加了</a:t>
+            </a:r>
+            <a:r>
+              <a:rPr lang="en-US" altLang="zh-CN"/>
+              <a:t> -fverbose-asm </a:t>
+            </a:r>
+            <a:r>
+              <a:rPr lang="zh-CN" altLang="en-US"/>
+              <a:t>这个</a:t>
+            </a:r>
+            <a:r>
+              <a:rPr lang="en-US" altLang="zh-CN"/>
+              <a:t> flag </a:t>
+            </a:r>
+            <a:r>
+              <a:rPr lang="zh-CN"/>
+              <a:t>后编译器生成的汇编指令中会夹杂注释，方便我们分析每行汇编对应源码中哪些行。</a:t>
+            </a:r>
+            <a:endParaRPr lang="zh-CN"/>
+          </a:p>
+        </p:txBody>
+      </p:sp>
       <p:pic>
         <p:nvPicPr>
-          <p:cNvPr id="11" name="Content Placeholder 10"/>
+          <p:cNvPr id="9" name="Picture 8"/>
           <p:cNvPicPr>
             <a:picLocks noChangeAspect="1"/>
           </p:cNvPicPr>
-          <p:nvPr>
-            <p:ph sz="half" idx="2"/>
-          </p:nvPr>
+          <p:nvPr/>
         </p:nvPicPr>
         <p:blipFill>
           <a:blip r:embed="rId4"/>
@@ -9944,43 +10115,14 @@
         </p:blipFill>
         <p:spPr>
           <a:xfrm>
-            <a:off x="6233795" y="1843405"/>
-            <a:ext cx="4676775" cy="4314825"/>
+            <a:off x="6257290" y="1165225"/>
+            <a:ext cx="4629150" cy="219075"/>
           </a:xfrm>
           <a:prstGeom prst="rect">
             <a:avLst/>
           </a:prstGeom>
         </p:spPr>
       </p:pic>
-      <p:sp>
-        <p:nvSpPr>
-          <p:cNvPr id="13" name="Text Box 12"/>
-          <p:cNvSpPr txBox="1"/>
-          <p:nvPr/>
-        </p:nvSpPr>
-        <p:spPr>
-          <a:xfrm>
-            <a:off x="6454775" y="258445"/>
-            <a:ext cx="2777490" cy="922020"/>
-          </a:xfrm>
-          <a:prstGeom prst="rect">
-            <a:avLst/>
-          </a:prstGeom>
-          <a:noFill/>
-        </p:spPr>
-        <p:txBody>
-          <a:bodyPr wrap="square" rtlCol="0">
-            <a:spAutoFit/>
-          </a:bodyPr>
-          <a:p>
-            <a:r>
-              <a:rPr lang="zh-CN"/>
-              <a:t>结论：启用优化后编译器会生成更高效更紧凑的汇编指令。</a:t>
-            </a:r>
-            <a:endParaRPr lang="zh-CN"/>
-          </a:p>
-        </p:txBody>
-      </p:sp>
     </p:spTree>
   </p:cSld>
   <p:clrMapOvr>
@@ -9990,6 +10132,56 @@
 </file>
 
 <file path=ppt/slides/slide40.xml><?xml version="1.0" encoding="utf-8"?>
+<p:sld xmlns:a="http://schemas.openxmlformats.org/drawingml/2006/main" xmlns:r="http://schemas.openxmlformats.org/officeDocument/2006/relationships" xmlns:p="http://schemas.openxmlformats.org/presentationml/2006/main">
+  <p:cSld>
+    <p:spTree>
+      <p:nvGrpSpPr>
+        <p:cNvPr id="1" name=""/>
+        <p:cNvGrpSpPr/>
+        <p:nvPr/>
+      </p:nvGrpSpPr>
+      <p:grpSpPr/>
+      <p:sp>
+        <p:nvSpPr>
+          <p:cNvPr id="5" name="Title 4"/>
+          <p:cNvSpPr>
+            <a:spLocks noGrp="1"/>
+          </p:cNvSpPr>
+          <p:nvPr>
+            <p:ph type="title"/>
+          </p:nvPr>
+        </p:nvSpPr>
+        <p:spPr/>
+        <p:txBody>
+          <a:bodyPr>
+            <a:normAutofit/>
+          </a:bodyPr>
+          <a:p>
+            <a:r>
+              <a:rPr lang="zh-CN" altLang="en-US"/>
+              <a:t>第</a:t>
+            </a:r>
+            <a:r>
+              <a:rPr lang="en-US" altLang="zh-CN"/>
+              <a:t>4</a:t>
+            </a:r>
+            <a:r>
+              <a:rPr lang="zh-CN" altLang="en-US"/>
+              <a:t>章：矢量化</a:t>
+            </a:r>
+            <a:endParaRPr lang="zh-CN" altLang="en-US"/>
+          </a:p>
+        </p:txBody>
+      </p:sp>
+    </p:spTree>
+  </p:cSld>
+  <p:clrMapOvr>
+    <a:masterClrMapping/>
+  </p:clrMapOvr>
+</p:sld>
+</file>
+
+<file path=ppt/slides/slide41.xml><?xml version="1.0" encoding="utf-8"?>
 <p:sld xmlns:a="http://schemas.openxmlformats.org/drawingml/2006/main" xmlns:r="http://schemas.openxmlformats.org/officeDocument/2006/relationships" xmlns:p="http://schemas.openxmlformats.org/presentationml/2006/main">
   <p:cSld>
     <p:spTree>
@@ -10440,7 +10632,7 @@
 </p:sld>
 </file>
 
-<file path=ppt/slides/slide41.xml><?xml version="1.0" encoding="utf-8"?>
+<file path=ppt/slides/slide42.xml><?xml version="1.0" encoding="utf-8"?>
 <p:sld xmlns:a="http://schemas.openxmlformats.org/drawingml/2006/main" xmlns:r="http://schemas.openxmlformats.org/officeDocument/2006/relationships" xmlns:p="http://schemas.openxmlformats.org/presentationml/2006/main">
   <p:cSld>
     <p:spTree>
@@ -10793,7 +10985,7 @@
 </p:sld>
 </file>
 
-<file path=ppt/slides/slide42.xml><?xml version="1.0" encoding="utf-8"?>
+<file path=ppt/slides/slide43.xml><?xml version="1.0" encoding="utf-8"?>
 <p:sld xmlns:a="http://schemas.openxmlformats.org/drawingml/2006/main" xmlns:r="http://schemas.openxmlformats.org/officeDocument/2006/relationships" xmlns:p="http://schemas.openxmlformats.org/presentationml/2006/main">
   <p:cSld>
     <p:spTree>
@@ -11048,7 +11240,7 @@
 </p:sld>
 </file>
 
-<file path=ppt/slides/slide43.xml><?xml version="1.0" encoding="utf-8"?>
+<file path=ppt/slides/slide44.xml><?xml version="1.0" encoding="utf-8"?>
 <p:sld xmlns:a="http://schemas.openxmlformats.org/drawingml/2006/main" xmlns:r="http://schemas.openxmlformats.org/officeDocument/2006/relationships" xmlns:p="http://schemas.openxmlformats.org/presentationml/2006/main">
   <p:cSld>
     <p:spTree>
@@ -11281,7 +11473,7 @@
 </p:sld>
 </file>
 
-<file path=ppt/slides/slide44.xml><?xml version="1.0" encoding="utf-8"?>
+<file path=ppt/slides/slide45.xml><?xml version="1.0" encoding="utf-8"?>
 <p:sld xmlns:a="http://schemas.openxmlformats.org/drawingml/2006/main" xmlns:r="http://schemas.openxmlformats.org/officeDocument/2006/relationships" xmlns:p="http://schemas.openxmlformats.org/presentationml/2006/main">
   <p:cSld>
     <p:spTree>
@@ -11397,7 +11589,7 @@
 </p:sld>
 </file>
 
-<file path=ppt/slides/slide45.xml><?xml version="1.0" encoding="utf-8"?>
+<file path=ppt/slides/slide46.xml><?xml version="1.0" encoding="utf-8"?>
 <p:sld xmlns:a="http://schemas.openxmlformats.org/drawingml/2006/main" xmlns:r="http://schemas.openxmlformats.org/officeDocument/2006/relationships" xmlns:p="http://schemas.openxmlformats.org/presentationml/2006/main">
   <p:cSld>
     <p:spTree>
@@ -11747,7 +11939,7 @@
 </p:sld>
 </file>
 
-<file path=ppt/slides/slide46.xml><?xml version="1.0" encoding="utf-8"?>
+<file path=ppt/slides/slide47.xml><?xml version="1.0" encoding="utf-8"?>
 <p:sld xmlns:a="http://schemas.openxmlformats.org/drawingml/2006/main" xmlns:r="http://schemas.openxmlformats.org/officeDocument/2006/relationships" xmlns:p="http://schemas.openxmlformats.org/presentationml/2006/main">
   <p:cSld>
     <p:spTree>
@@ -12092,6 +12284,130 @@
 </p:sld>
 </file>
 
+<file path=ppt/slides/slide48.xml><?xml version="1.0" encoding="utf-8"?>
+<p:sld xmlns:a="http://schemas.openxmlformats.org/drawingml/2006/main" xmlns:r="http://schemas.openxmlformats.org/officeDocument/2006/relationships" xmlns:p="http://schemas.openxmlformats.org/presentationml/2006/main">
+  <p:cSld>
+    <p:spTree>
+      <p:nvGrpSpPr>
+        <p:cNvPr id="1" name=""/>
+        <p:cNvGrpSpPr/>
+        <p:nvPr/>
+      </p:nvGrpSpPr>
+      <p:grpSpPr/>
+      <p:sp>
+        <p:nvSpPr>
+          <p:cNvPr id="7" name="Title 6"/>
+          <p:cNvSpPr>
+            <a:spLocks noGrp="1"/>
+          </p:cNvSpPr>
+          <p:nvPr>
+            <p:ph type="title"/>
+          </p:nvPr>
+        </p:nvSpPr>
+        <p:spPr/>
+        <p:txBody>
+          <a:bodyPr/>
+          <a:p>
+            <a:r>
+              <a:rPr lang="zh-CN" altLang="en-US"/>
+              <a:t>第</a:t>
+            </a:r>
+            <a:r>
+              <a:rPr lang="en-US" altLang="zh-CN"/>
+              <a:t>5</a:t>
+            </a:r>
+            <a:r>
+              <a:rPr lang="zh-CN" altLang="en-US"/>
+              <a:t>章：循环</a:t>
+            </a:r>
+            <a:endParaRPr lang="zh-CN" altLang="en-US"/>
+          </a:p>
+        </p:txBody>
+      </p:sp>
+    </p:spTree>
+  </p:cSld>
+  <p:clrMapOvr>
+    <a:masterClrMapping/>
+  </p:clrMapOvr>
+</p:sld>
+</file>
+
+<file path=ppt/slides/slide49.xml><?xml version="1.0" encoding="utf-8"?>
+<p:sld xmlns:a="http://schemas.openxmlformats.org/drawingml/2006/main" xmlns:r="http://schemas.openxmlformats.org/officeDocument/2006/relationships" xmlns:p="http://schemas.openxmlformats.org/presentationml/2006/main">
+  <p:cSld>
+    <p:spTree>
+      <p:nvGrpSpPr>
+        <p:cNvPr id="1" name=""/>
+        <p:cNvGrpSpPr/>
+        <p:nvPr/>
+      </p:nvGrpSpPr>
+      <p:grpSpPr/>
+      <p:sp>
+        <p:nvSpPr>
+          <p:cNvPr id="3" name="Title 2"/>
+          <p:cNvSpPr>
+            <a:spLocks noGrp="1"/>
+          </p:cNvSpPr>
+          <p:nvPr>
+            <p:ph type="title"/>
+          </p:nvPr>
+        </p:nvSpPr>
+        <p:spPr/>
+        <p:txBody>
+          <a:bodyPr/>
+          <a:p>
+            <a:r>
+              <a:rPr lang="zh-CN" altLang="en-US"/>
+              <a:t>循环中的矢量化：还在伺候指针别名</a:t>
+            </a:r>
+            <a:endParaRPr lang="zh-CN" altLang="en-US"/>
+          </a:p>
+        </p:txBody>
+      </p:sp>
+      <p:sp>
+        <p:nvSpPr>
+          <p:cNvPr id="4" name="Content Placeholder 3"/>
+          <p:cNvSpPr>
+            <a:spLocks noGrp="1"/>
+          </p:cNvSpPr>
+          <p:nvPr>
+            <p:ph sz="half" idx="1"/>
+          </p:nvPr>
+        </p:nvSpPr>
+        <p:spPr/>
+        <p:txBody>
+          <a:bodyPr/>
+          <a:p>
+            <a:endParaRPr lang="en-US"/>
+          </a:p>
+        </p:txBody>
+      </p:sp>
+      <p:sp>
+        <p:nvSpPr>
+          <p:cNvPr id="5" name="Content Placeholder 4"/>
+          <p:cNvSpPr>
+            <a:spLocks noGrp="1"/>
+          </p:cNvSpPr>
+          <p:nvPr>
+            <p:ph sz="half" idx="2"/>
+          </p:nvPr>
+        </p:nvSpPr>
+        <p:spPr/>
+        <p:txBody>
+          <a:bodyPr/>
+          <a:p>
+            <a:endParaRPr lang="en-US"/>
+          </a:p>
+        </p:txBody>
+      </p:sp>
+    </p:spTree>
+  </p:cSld>
+  <p:clrMapOvr>
+    <a:masterClrMapping/>
+  </p:clrMapOvr>
+</p:sld>
+</file>
+
 <file path=ppt/slides/slide5.xml><?xml version="1.0" encoding="utf-8"?>
 <p:sld xmlns:a="http://schemas.openxmlformats.org/drawingml/2006/main" xmlns:r="http://schemas.openxmlformats.org/officeDocument/2006/relationships" xmlns:p="http://schemas.openxmlformats.org/presentationml/2006/main">
   <p:cSld>
@@ -12118,161 +12434,20 @@
           <a:p>
             <a:r>
               <a:rPr lang="zh-CN" altLang="en-US"/>
-              <a:t>帮助调试：</a:t>
+              <a:t>第</a:t>
             </a:r>
             <a:r>
               <a:rPr lang="en-US" altLang="zh-CN"/>
-              <a:t>-fverbose-asm</a:t>
-            </a:r>
-            <a:endParaRPr lang="en-US" altLang="zh-CN"/>
-          </a:p>
-        </p:txBody>
-      </p:sp>
-      <p:pic>
-        <p:nvPicPr>
-          <p:cNvPr id="5" name="Content Placeholder 4"/>
-          <p:cNvPicPr>
-            <a:picLocks noChangeAspect="1"/>
-          </p:cNvPicPr>
-          <p:nvPr>
-            <p:ph sz="half" idx="2"/>
-          </p:nvPr>
-        </p:nvPicPr>
-        <p:blipFill>
-          <a:blip r:embed="rId1"/>
-          <a:stretch>
-            <a:fillRect/>
-          </a:stretch>
-        </p:blipFill>
-        <p:spPr>
-          <a:xfrm>
-            <a:off x="6557010" y="1408430"/>
-            <a:ext cx="4029710" cy="5035550"/>
-          </a:xfrm>
-          <a:prstGeom prst="rect">
-            <a:avLst/>
-          </a:prstGeom>
-        </p:spPr>
-      </p:pic>
-      <p:pic>
-        <p:nvPicPr>
-          <p:cNvPr id="6" name="Content Placeholder 6"/>
-          <p:cNvPicPr>
-            <a:picLocks noChangeAspect="1"/>
-          </p:cNvPicPr>
-          <p:nvPr>
-            <p:ph sz="half" idx="1"/>
-          </p:nvPr>
-        </p:nvPicPr>
-        <p:blipFill>
-          <a:blip r:embed="rId2"/>
-          <a:stretch>
-            <a:fillRect/>
-          </a:stretch>
-        </p:blipFill>
-        <p:spPr>
-          <a:xfrm>
-            <a:off x="1716405" y="1473835"/>
-            <a:ext cx="3044190" cy="5055235"/>
-          </a:xfrm>
-          <a:prstGeom prst="rect">
-            <a:avLst/>
-          </a:prstGeom>
-        </p:spPr>
-      </p:pic>
-      <p:pic>
-        <p:nvPicPr>
-          <p:cNvPr id="8" name="Picture 7"/>
-          <p:cNvPicPr>
-            <a:picLocks noChangeAspect="1"/>
-          </p:cNvPicPr>
-          <p:nvPr/>
-        </p:nvPicPr>
-        <p:blipFill>
-          <a:blip r:embed="rId3"/>
-          <a:stretch>
-            <a:fillRect/>
-          </a:stretch>
-        </p:blipFill>
-        <p:spPr>
-          <a:xfrm>
-            <a:off x="1619250" y="1141730"/>
-            <a:ext cx="3238500" cy="266700"/>
-          </a:xfrm>
-          <a:prstGeom prst="rect">
-            <a:avLst/>
-          </a:prstGeom>
-        </p:spPr>
-      </p:pic>
-      <p:sp>
-        <p:nvSpPr>
-          <p:cNvPr id="13" name="Text Box 12"/>
-          <p:cNvSpPr txBox="1"/>
-          <p:nvPr/>
-        </p:nvSpPr>
-        <p:spPr>
-          <a:xfrm>
-            <a:off x="6120130" y="219710"/>
-            <a:ext cx="4358005" cy="922020"/>
-          </a:xfrm>
-          <a:prstGeom prst="rect">
-            <a:avLst/>
-          </a:prstGeom>
-          <a:noFill/>
-        </p:spPr>
-        <p:txBody>
-          <a:bodyPr wrap="square" rtlCol="0">
-            <a:spAutoFit/>
-          </a:bodyPr>
-          <a:p>
-            <a:r>
-              <a:rPr lang="zh-CN"/>
-              <a:t>结论：加了</a:t>
-            </a:r>
-            <a:r>
-              <a:rPr lang="en-US" altLang="zh-CN"/>
-              <a:t> -fverbose-asm </a:t>
-            </a:r>
-            <a:r>
-              <a:rPr lang="zh-CN" altLang="en-US"/>
-              <a:t>这个</a:t>
-            </a:r>
-            <a:r>
-              <a:rPr lang="en-US" altLang="zh-CN"/>
-              <a:t> flag </a:t>
-            </a:r>
-            <a:r>
-              <a:rPr lang="zh-CN"/>
-              <a:t>后编译器生成的汇编指令中会夹杂注释，方便我们分析每行汇编对应源码中哪些行。</a:t>
-            </a:r>
-            <a:endParaRPr lang="zh-CN"/>
-          </a:p>
-        </p:txBody>
-      </p:sp>
-      <p:pic>
-        <p:nvPicPr>
-          <p:cNvPr id="9" name="Picture 8"/>
-          <p:cNvPicPr>
-            <a:picLocks noChangeAspect="1"/>
-          </p:cNvPicPr>
-          <p:nvPr/>
-        </p:nvPicPr>
-        <p:blipFill>
-          <a:blip r:embed="rId4"/>
-          <a:stretch>
-            <a:fillRect/>
-          </a:stretch>
-        </p:blipFill>
-        <p:spPr>
-          <a:xfrm>
-            <a:off x="6257290" y="1165225"/>
-            <a:ext cx="4629150" cy="219075"/>
-          </a:xfrm>
-          <a:prstGeom prst="rect">
-            <a:avLst/>
-          </a:prstGeom>
-        </p:spPr>
-      </p:pic>
+              <a:t>0</a:t>
+            </a:r>
+            <a:r>
+              <a:rPr lang="zh-CN" altLang="en-US"/>
+              <a:t>章：汇编语言</a:t>
+            </a:r>
+            <a:endParaRPr lang="zh-CN" altLang="en-US"/>
+          </a:p>
+        </p:txBody>
+      </p:sp>
     </p:spTree>
   </p:cSld>
   <p:clrMapOvr>

--- a/04/slides.pptx
+++ b/04/slides.pptx
@@ -8,7 +8,7 @@
     <p:notesMasterId r:id="rId5"/>
   </p:notesMasterIdLst>
   <p:handoutMasterIdLst>
-    <p:handoutMasterId r:id="rId53"/>
+    <p:handoutMasterId r:id="rId57"/>
   </p:handoutMasterIdLst>
   <p:sldIdLst>
     <p:sldId id="256" r:id="rId3"/>
@@ -60,6 +60,10 @@
     <p:sldId id="316" r:id="rId50"/>
     <p:sldId id="317" r:id="rId51"/>
     <p:sldId id="318" r:id="rId52"/>
+    <p:sldId id="320" r:id="rId53"/>
+    <p:sldId id="357" r:id="rId54"/>
+    <p:sldId id="358" r:id="rId55"/>
+    <p:sldId id="359" r:id="rId56"/>
   </p:sldIdLst>
   <p:sldSz cx="12192000" cy="6858000"/>
   <p:notesSz cx="7103745" cy="10234295"/>
@@ -163,7 +167,7 @@
 
 <file path=ppt/commentAuthors.xml><?xml version="1.0" encoding="utf-8"?>
 <p:cmAuthorLst xmlns:a="http://schemas.openxmlformats.org/drawingml/2006/main" xmlns:r="http://schemas.openxmlformats.org/officeDocument/2006/relationships" xmlns:p="http://schemas.openxmlformats.org/presentationml/2006/main">
-  <p:cmAuthor id="1" name="bate" initials="b" lastIdx="1" clrIdx="0"/>
+  <p:cmAuthor id="1" name="bate" initials="b" lastIdx="2" clrIdx="0"/>
 </p:cmAuthorLst>
 </file>
 
@@ -937,6 +941,50 @@
 </file>
 
 <file path=ppt/notesSlides/notesSlide7.xml><?xml version="1.0" encoding="utf-8"?>
+<p:notes xmlns:a="http://schemas.openxmlformats.org/drawingml/2006/main" xmlns:r="http://schemas.openxmlformats.org/officeDocument/2006/relationships" xmlns:p="http://schemas.openxmlformats.org/presentationml/2006/main">
+  <p:cSld>
+    <p:spTree>
+      <p:nvGrpSpPr>
+        <p:cNvPr id="1" name=""/>
+        <p:cNvGrpSpPr/>
+        <p:nvPr/>
+      </p:nvGrpSpPr>
+      <p:grpSpPr/>
+      <p:sp>
+        <p:nvSpPr>
+          <p:cNvPr id="2" name="Slide Image Placeholder 1"/>
+          <p:cNvSpPr/>
+          <p:nvPr>
+            <p:ph type="sldImg" idx="2"/>
+          </p:nvPr>
+        </p:nvSpPr>
+        <p:spPr/>
+      </p:sp>
+      <p:sp>
+        <p:nvSpPr>
+          <p:cNvPr id="3" name="Text Placeholder 2"/>
+          <p:cNvSpPr/>
+          <p:nvPr>
+            <p:ph type="body" idx="3"/>
+          </p:nvPr>
+        </p:nvSpPr>
+        <p:spPr/>
+        <p:txBody>
+          <a:bodyPr/>
+          <a:p>
+            <a:endParaRPr lang="en-US"/>
+          </a:p>
+        </p:txBody>
+      </p:sp>
+    </p:spTree>
+  </p:cSld>
+  <p:clrMapOvr>
+    <a:masterClrMapping/>
+  </p:clrMapOvr>
+</p:notes>
+</file>
+
+<file path=ppt/notesSlides/notesSlide8.xml><?xml version="1.0" encoding="utf-8"?>
 <p:notes xmlns:a="http://schemas.openxmlformats.org/drawingml/2006/main" xmlns:r="http://schemas.openxmlformats.org/officeDocument/2006/relationships" xmlns:p="http://schemas.openxmlformats.org/presentationml/2006/main">
   <p:cSld>
     <p:spTree>
@@ -12364,47 +12412,795 @@
           </a:p>
         </p:txBody>
       </p:sp>
-      <p:sp>
-        <p:nvSpPr>
-          <p:cNvPr id="4" name="Content Placeholder 3"/>
-          <p:cNvSpPr>
-            <a:spLocks noGrp="1"/>
-          </p:cNvSpPr>
+      <p:pic>
+        <p:nvPicPr>
+          <p:cNvPr id="11" name="Content Placeholder 10"/>
+          <p:cNvPicPr>
+            <a:picLocks noChangeAspect="1"/>
+          </p:cNvPicPr>
           <p:nvPr>
             <p:ph sz="half" idx="1"/>
           </p:nvPr>
-        </p:nvSpPr>
-        <p:spPr/>
-        <p:txBody>
-          <a:bodyPr/>
-          <a:p>
+        </p:nvPicPr>
+        <p:blipFill>
+          <a:blip r:embed="rId1"/>
+          <a:stretch>
+            <a:fillRect/>
+          </a:stretch>
+        </p:blipFill>
+        <p:spPr>
+          <a:xfrm>
+            <a:off x="647700" y="4683125"/>
+            <a:ext cx="5186680" cy="1456690"/>
+          </a:xfrm>
+          <a:prstGeom prst="rect">
+            <a:avLst/>
+          </a:prstGeom>
+        </p:spPr>
+      </p:pic>
+      <p:pic>
+        <p:nvPicPr>
+          <p:cNvPr id="12" name="Content Placeholder 11"/>
+          <p:cNvPicPr>
+            <a:picLocks noChangeAspect="1"/>
+          </p:cNvPicPr>
+          <p:nvPr>
+            <p:ph sz="half" idx="2"/>
+          </p:nvPr>
+        </p:nvPicPr>
+        <p:blipFill>
+          <a:blip r:embed="rId2"/>
+          <a:stretch>
+            <a:fillRect/>
+          </a:stretch>
+        </p:blipFill>
+        <p:spPr>
+          <a:xfrm>
+            <a:off x="7927340" y="0"/>
+            <a:ext cx="4264660" cy="6858000"/>
+          </a:xfrm>
+          <a:prstGeom prst="rect">
+            <a:avLst/>
+          </a:prstGeom>
+        </p:spPr>
+      </p:pic>
+      <p:sp>
+        <p:nvSpPr>
+          <p:cNvPr id="13" name="Text Box 12"/>
+          <p:cNvSpPr txBox="1"/>
+          <p:nvPr/>
+        </p:nvSpPr>
+        <p:spPr>
+          <a:xfrm>
+            <a:off x="410845" y="1584325"/>
+            <a:ext cx="7168515" cy="2030095"/>
+          </a:xfrm>
+          <a:prstGeom prst="rect">
+            <a:avLst/>
+          </a:prstGeom>
+          <a:noFill/>
+        </p:spPr>
+        <p:txBody>
+          <a:bodyPr wrap="square" rtlCol="0">
+            <a:spAutoFit/>
+          </a:bodyPr>
+          <a:p>
+            <a:r>
+              <a:rPr lang="zh-CN" altLang="en-US"/>
+              <a:t>我们可怜的编译器啊！他还在担心</a:t>
+            </a:r>
+            <a:r>
+              <a:rPr lang="en-US" altLang="zh-CN"/>
+              <a:t> a </a:t>
+            </a:r>
+            <a:r>
+              <a:rPr lang="zh-CN" altLang="en-US"/>
+              <a:t>和</a:t>
+            </a:r>
+            <a:r>
+              <a:rPr lang="en-US" altLang="zh-CN"/>
+              <a:t> b </a:t>
+            </a:r>
+            <a:r>
+              <a:rPr lang="zh-CN" altLang="en-US"/>
+              <a:t>指向的数组是否有重合。</a:t>
+            </a:r>
+            <a:endParaRPr lang="zh-CN" altLang="en-US"/>
+          </a:p>
+          <a:p>
+            <a:r>
+              <a:rPr lang="zh-CN" altLang="en-US"/>
+              <a:t>考虑</a:t>
+            </a:r>
+            <a:r>
+              <a:rPr lang="en-US" altLang="zh-CN"/>
+              <a:t> func(a, a + 1) </a:t>
+            </a:r>
+            <a:r>
+              <a:rPr lang="zh-CN" altLang="en-US"/>
+              <a:t>的情况，那样会产生数据依赖链，没法</a:t>
+            </a:r>
+            <a:r>
+              <a:rPr lang="en-US" altLang="zh-CN"/>
+              <a:t> SIMD </a:t>
+            </a:r>
+            <a:r>
+              <a:rPr lang="zh-CN" altLang="en-US"/>
+              <a:t>化。</a:t>
+            </a:r>
+            <a:endParaRPr lang="zh-CN" altLang="en-US"/>
+          </a:p>
+          <a:p>
+            <a:r>
+              <a:rPr lang="zh-CN" altLang="en-US"/>
+              <a:t>为了优化而不失正确性，他索性生成两份代码：</a:t>
+            </a:r>
+            <a:endParaRPr lang="zh-CN" altLang="en-US"/>
+          </a:p>
+          <a:p>
+            <a:r>
+              <a:rPr lang="zh-CN" altLang="en-US"/>
+              <a:t>一份是</a:t>
+            </a:r>
+            <a:r>
+              <a:rPr lang="en-US" altLang="zh-CN"/>
+              <a:t> SIMD </a:t>
+            </a:r>
+            <a:r>
+              <a:rPr lang="zh-CN" altLang="en-US"/>
+              <a:t>的，一份是传统标量的</a:t>
+            </a:r>
+            <a:endParaRPr lang="zh-CN" altLang="en-US"/>
+          </a:p>
+          <a:p>
+            <a:r>
+              <a:rPr lang="zh-CN" altLang="en-US"/>
+              <a:t>他在运行时检测</a:t>
+            </a:r>
+            <a:r>
+              <a:rPr lang="en-US" altLang="zh-CN"/>
+              <a:t> a, b </a:t>
+            </a:r>
+            <a:r>
+              <a:rPr lang="zh-CN" altLang="en-US"/>
+              <a:t>指针的差是否超过</a:t>
+            </a:r>
+            <a:r>
+              <a:rPr lang="en-US" altLang="zh-CN"/>
+              <a:t> 1024 </a:t>
+            </a:r>
+            <a:r>
+              <a:rPr lang="zh-CN" altLang="en-US"/>
+              <a:t>来判断是否有重叠现象。</a:t>
+            </a:r>
+            <a:endParaRPr lang="zh-CN" altLang="en-US"/>
+          </a:p>
+          <a:p>
+            <a:r>
+              <a:rPr lang="en-US" altLang="zh-CN"/>
+              <a:t>1. </a:t>
+            </a:r>
+            <a:r>
+              <a:rPr lang="zh-CN" altLang="en-US"/>
+              <a:t>如果没有重叠，则跳转到</a:t>
+            </a:r>
+            <a:r>
+              <a:rPr lang="en-US" altLang="zh-CN"/>
+              <a:t> SIMD </a:t>
+            </a:r>
+            <a:r>
+              <a:rPr lang="zh-CN" altLang="en-US"/>
+              <a:t>版本高效运行。</a:t>
+            </a:r>
+            <a:endParaRPr lang="zh-CN" altLang="en-US"/>
+          </a:p>
+          <a:p>
+            <a:r>
+              <a:rPr lang="en-US" altLang="zh-CN"/>
+              <a:t>2. </a:t>
+            </a:r>
+            <a:r>
+              <a:rPr lang="zh-CN" altLang="en-US"/>
+              <a:t>如果重叠，则跳转到标量版本低效运行，但至少不会错。</a:t>
+            </a:r>
+            <a:endParaRPr lang="zh-CN" altLang="en-US"/>
+          </a:p>
+        </p:txBody>
+      </p:sp>
+      <p:sp>
+        <p:nvSpPr>
+          <p:cNvPr id="14" name="Left Brace 13"/>
+          <p:cNvSpPr/>
+          <p:nvPr/>
+        </p:nvSpPr>
+        <p:spPr>
+          <a:xfrm>
+            <a:off x="7635875" y="2465070"/>
+            <a:ext cx="291465" cy="1492250"/>
+          </a:xfrm>
+          <a:prstGeom prst="leftBrace">
+            <a:avLst/>
+          </a:prstGeom>
+          <a:ln w="28575" cmpd="sng">
+            <a:solidFill>
+              <a:srgbClr val="FF3300"/>
+            </a:solidFill>
+            <a:prstDash val="solid"/>
+          </a:ln>
+        </p:spPr>
+        <p:style>
+          <a:lnRef idx="1">
+            <a:schemeClr val="accent1"/>
+          </a:lnRef>
+          <a:fillRef idx="0">
+            <a:schemeClr val="accent1"/>
+          </a:fillRef>
+          <a:effectRef idx="0">
+            <a:schemeClr val="accent1"/>
+          </a:effectRef>
+          <a:fontRef idx="minor">
+            <a:schemeClr val="tx1"/>
+          </a:fontRef>
+        </p:style>
+        <p:txBody>
+          <a:bodyPr rtlCol="0" anchor="ctr"/>
+          <a:p>
+            <a:pPr algn="ctr"/>
             <a:endParaRPr lang="en-US"/>
           </a:p>
         </p:txBody>
       </p:sp>
       <p:sp>
         <p:nvSpPr>
-          <p:cNvPr id="5" name="Content Placeholder 4"/>
-          <p:cNvSpPr>
-            <a:spLocks noGrp="1"/>
-          </p:cNvSpPr>
-          <p:nvPr>
-            <p:ph sz="half" idx="2"/>
-          </p:nvPr>
-        </p:nvSpPr>
-        <p:spPr/>
-        <p:txBody>
-          <a:bodyPr/>
-          <a:p>
+          <p:cNvPr id="2" name="Left Brace 1"/>
+          <p:cNvSpPr/>
+          <p:nvPr/>
+        </p:nvSpPr>
+        <p:spPr>
+          <a:xfrm>
+            <a:off x="7635875" y="4838065"/>
+            <a:ext cx="291465" cy="1492250"/>
+          </a:xfrm>
+          <a:prstGeom prst="leftBrace">
+            <a:avLst/>
+          </a:prstGeom>
+          <a:ln w="28575" cmpd="sng">
+            <a:solidFill>
+              <a:srgbClr val="FF3300"/>
+            </a:solidFill>
+            <a:prstDash val="solid"/>
+          </a:ln>
+        </p:spPr>
+        <p:style>
+          <a:lnRef idx="1">
+            <a:schemeClr val="accent1"/>
+          </a:lnRef>
+          <a:fillRef idx="0">
+            <a:schemeClr val="accent1"/>
+          </a:fillRef>
+          <a:effectRef idx="0">
+            <a:schemeClr val="accent1"/>
+          </a:effectRef>
+          <a:fontRef idx="minor">
+            <a:schemeClr val="tx1"/>
+          </a:fontRef>
+        </p:style>
+        <p:txBody>
+          <a:bodyPr rtlCol="0" anchor="ctr"/>
+          <a:p>
+            <a:pPr algn="ctr"/>
             <a:endParaRPr lang="en-US"/>
           </a:p>
         </p:txBody>
       </p:sp>
+      <p:sp>
+        <p:nvSpPr>
+          <p:cNvPr id="4" name="Text Box 3"/>
+          <p:cNvSpPr txBox="1"/>
+          <p:nvPr/>
+        </p:nvSpPr>
+        <p:spPr>
+          <a:xfrm>
+            <a:off x="6761480" y="3246120"/>
+            <a:ext cx="1165860" cy="368300"/>
+          </a:xfrm>
+          <a:prstGeom prst="rect">
+            <a:avLst/>
+          </a:prstGeom>
+          <a:noFill/>
+        </p:spPr>
+        <p:txBody>
+          <a:bodyPr wrap="square" rtlCol="0">
+            <a:spAutoFit/>
+          </a:bodyPr>
+          <a:p>
+            <a:r>
+              <a:rPr lang="en-US"/>
+              <a:t>SIMD </a:t>
+            </a:r>
+            <a:r>
+              <a:rPr lang="zh-CN" altLang="en-US"/>
+              <a:t>版</a:t>
+            </a:r>
+            <a:endParaRPr lang="zh-CN" altLang="en-US"/>
+          </a:p>
+        </p:txBody>
+      </p:sp>
+      <p:sp>
+        <p:nvSpPr>
+          <p:cNvPr id="5" name="Text Box 4"/>
+          <p:cNvSpPr txBox="1"/>
+          <p:nvPr/>
+        </p:nvSpPr>
+        <p:spPr>
+          <a:xfrm>
+            <a:off x="6875145" y="5656580"/>
+            <a:ext cx="1072515" cy="368300"/>
+          </a:xfrm>
+          <a:prstGeom prst="rect">
+            <a:avLst/>
+          </a:prstGeom>
+          <a:noFill/>
+        </p:spPr>
+        <p:txBody>
+          <a:bodyPr wrap="square" rtlCol="0">
+            <a:spAutoFit/>
+          </a:bodyPr>
+          <a:p>
+            <a:r>
+              <a:rPr lang="zh-CN" altLang="en-US"/>
+              <a:t>标量版</a:t>
+            </a:r>
+            <a:endParaRPr lang="zh-CN" altLang="en-US"/>
+          </a:p>
+        </p:txBody>
+      </p:sp>
+      <p:pic>
+        <p:nvPicPr>
+          <p:cNvPr id="6" name="Picture 5"/>
+          <p:cNvPicPr>
+            <a:picLocks noChangeAspect="1"/>
+          </p:cNvPicPr>
+          <p:nvPr/>
+        </p:nvPicPr>
+        <p:blipFill>
+          <a:blip r:embed="rId3"/>
+          <a:stretch>
+            <a:fillRect/>
+          </a:stretch>
+        </p:blipFill>
+        <p:spPr>
+          <a:xfrm>
+            <a:off x="6527165" y="0"/>
+            <a:ext cx="1400175" cy="1466850"/>
+          </a:xfrm>
+          <a:prstGeom prst="rect">
+            <a:avLst/>
+          </a:prstGeom>
+        </p:spPr>
+      </p:pic>
     </p:spTree>
   </p:cSld>
   <p:clrMapOvr>
     <a:masterClrMapping/>
   </p:clrMapOvr>
+  <p:timing>
+    <p:tnLst>
+      <p:par>
+        <p:cTn id="1" dur="indefinite" restart="never" nodeType="tmRoot">
+          <p:childTnLst>
+            <p:seq concurrent="1" nextAc="seek">
+              <p:cTn id="2" dur="indefinite" nodeType="mainSeq">
+                <p:childTnLst>
+                  <p:par>
+                    <p:cTn id="3" fill="hold">
+                      <p:stCondLst>
+                        <p:cond delay="indefinite"/>
+                      </p:stCondLst>
+                      <p:childTnLst>
+                        <p:par>
+                          <p:cTn id="4" fill="hold">
+                            <p:stCondLst>
+                              <p:cond delay="0"/>
+                            </p:stCondLst>
+                            <p:childTnLst>
+                              <p:par>
+                                <p:cTn id="5" presetID="7" presetClass="entr" presetSubtype="4" fill="hold" grpId="0" nodeType="clickEffect">
+                                  <p:stCondLst>
+                                    <p:cond delay="0"/>
+                                  </p:stCondLst>
+                                  <p:childTnLst>
+                                    <p:set>
+                                      <p:cBhvr>
+                                        <p:cTn id="6" dur="500" fill="hold">
+                                          <p:stCondLst>
+                                            <p:cond delay="0"/>
+                                          </p:stCondLst>
+                                        </p:cTn>
+                                        <p:tgtEl>
+                                          <p:spTgt spid="4"/>
+                                        </p:tgtEl>
+                                        <p:attrNameLst>
+                                          <p:attrName>style.visibility</p:attrName>
+                                        </p:attrNameLst>
+                                      </p:cBhvr>
+                                      <p:to>
+                                        <p:strVal val="visible"/>
+                                      </p:to>
+                                    </p:set>
+                                    <p:anim calcmode="lin" valueType="num">
+                                      <p:cBhvr additive="base">
+                                        <p:cTn id="7" dur="500" fill="hold"/>
+                                        <p:tgtEl>
+                                          <p:spTgt spid="4"/>
+                                        </p:tgtEl>
+                                        <p:attrNameLst>
+                                          <p:attrName>ppt_x</p:attrName>
+                                        </p:attrNameLst>
+                                      </p:cBhvr>
+                                      <p:tavLst>
+                                        <p:tav tm="0">
+                                          <p:val>
+                                            <p:strVal val="#ppt_x"/>
+                                          </p:val>
+                                        </p:tav>
+                                        <p:tav tm="100000">
+                                          <p:val>
+                                            <p:strVal val="#ppt_x"/>
+                                          </p:val>
+                                        </p:tav>
+                                      </p:tavLst>
+                                    </p:anim>
+                                    <p:anim calcmode="lin" valueType="num">
+                                      <p:cBhvr additive="base">
+                                        <p:cTn id="8" dur="500" fill="hold"/>
+                                        <p:tgtEl>
+                                          <p:spTgt spid="4"/>
+                                        </p:tgtEl>
+                                        <p:attrNameLst>
+                                          <p:attrName>ppt_y</p:attrName>
+                                        </p:attrNameLst>
+                                      </p:cBhvr>
+                                      <p:tavLst>
+                                        <p:tav tm="0">
+                                          <p:val>
+                                            <p:strVal val="1+#ppt_h/2"/>
+                                          </p:val>
+                                        </p:tav>
+                                        <p:tav tm="100000">
+                                          <p:val>
+                                            <p:strVal val="#ppt_y"/>
+                                          </p:val>
+                                        </p:tav>
+                                      </p:tavLst>
+                                    </p:anim>
+                                  </p:childTnLst>
+                                </p:cTn>
+                              </p:par>
+                              <p:par>
+                                <p:cTn id="9" presetID="7" presetClass="entr" presetSubtype="4" fill="hold" grpId="0" nodeType="withEffect">
+                                  <p:stCondLst>
+                                    <p:cond delay="0"/>
+                                  </p:stCondLst>
+                                  <p:childTnLst>
+                                    <p:set>
+                                      <p:cBhvr>
+                                        <p:cTn id="10" dur="500" fill="hold">
+                                          <p:stCondLst>
+                                            <p:cond delay="0"/>
+                                          </p:stCondLst>
+                                        </p:cTn>
+                                        <p:tgtEl>
+                                          <p:spTgt spid="14"/>
+                                        </p:tgtEl>
+                                        <p:attrNameLst>
+                                          <p:attrName>style.visibility</p:attrName>
+                                        </p:attrNameLst>
+                                      </p:cBhvr>
+                                      <p:to>
+                                        <p:strVal val="visible"/>
+                                      </p:to>
+                                    </p:set>
+                                    <p:anim calcmode="lin" valueType="num">
+                                      <p:cBhvr additive="base">
+                                        <p:cTn id="11" dur="500" fill="hold"/>
+                                        <p:tgtEl>
+                                          <p:spTgt spid="14"/>
+                                        </p:tgtEl>
+                                        <p:attrNameLst>
+                                          <p:attrName>ppt_x</p:attrName>
+                                        </p:attrNameLst>
+                                      </p:cBhvr>
+                                      <p:tavLst>
+                                        <p:tav tm="0">
+                                          <p:val>
+                                            <p:strVal val="#ppt_x"/>
+                                          </p:val>
+                                        </p:tav>
+                                        <p:tav tm="100000">
+                                          <p:val>
+                                            <p:strVal val="#ppt_x"/>
+                                          </p:val>
+                                        </p:tav>
+                                      </p:tavLst>
+                                    </p:anim>
+                                    <p:anim calcmode="lin" valueType="num">
+                                      <p:cBhvr additive="base">
+                                        <p:cTn id="12" dur="500" fill="hold"/>
+                                        <p:tgtEl>
+                                          <p:spTgt spid="14"/>
+                                        </p:tgtEl>
+                                        <p:attrNameLst>
+                                          <p:attrName>ppt_y</p:attrName>
+                                        </p:attrNameLst>
+                                      </p:cBhvr>
+                                      <p:tavLst>
+                                        <p:tav tm="0">
+                                          <p:val>
+                                            <p:strVal val="1+#ppt_h/2"/>
+                                          </p:val>
+                                        </p:tav>
+                                        <p:tav tm="100000">
+                                          <p:val>
+                                            <p:strVal val="#ppt_y"/>
+                                          </p:val>
+                                        </p:tav>
+                                      </p:tavLst>
+                                    </p:anim>
+                                  </p:childTnLst>
+                                </p:cTn>
+                              </p:par>
+                            </p:childTnLst>
+                          </p:cTn>
+                        </p:par>
+                      </p:childTnLst>
+                    </p:cTn>
+                  </p:par>
+                  <p:par>
+                    <p:cTn id="13" fill="hold">
+                      <p:stCondLst>
+                        <p:cond delay="indefinite"/>
+                      </p:stCondLst>
+                      <p:childTnLst>
+                        <p:par>
+                          <p:cTn id="14" fill="hold">
+                            <p:stCondLst>
+                              <p:cond delay="0"/>
+                            </p:stCondLst>
+                            <p:childTnLst>
+                              <p:par>
+                                <p:cTn id="15" presetID="7" presetClass="entr" presetSubtype="4" fill="hold" grpId="0" nodeType="clickEffect">
+                                  <p:stCondLst>
+                                    <p:cond delay="0"/>
+                                  </p:stCondLst>
+                                  <p:childTnLst>
+                                    <p:set>
+                                      <p:cBhvr>
+                                        <p:cTn id="16" dur="500" fill="hold">
+                                          <p:stCondLst>
+                                            <p:cond delay="0"/>
+                                          </p:stCondLst>
+                                        </p:cTn>
+                                        <p:tgtEl>
+                                          <p:spTgt spid="2"/>
+                                        </p:tgtEl>
+                                        <p:attrNameLst>
+                                          <p:attrName>style.visibility</p:attrName>
+                                        </p:attrNameLst>
+                                      </p:cBhvr>
+                                      <p:to>
+                                        <p:strVal val="visible"/>
+                                      </p:to>
+                                    </p:set>
+                                    <p:anim calcmode="lin" valueType="num">
+                                      <p:cBhvr additive="base">
+                                        <p:cTn id="17" dur="500" fill="hold"/>
+                                        <p:tgtEl>
+                                          <p:spTgt spid="2"/>
+                                        </p:tgtEl>
+                                        <p:attrNameLst>
+                                          <p:attrName>ppt_x</p:attrName>
+                                        </p:attrNameLst>
+                                      </p:cBhvr>
+                                      <p:tavLst>
+                                        <p:tav tm="0">
+                                          <p:val>
+                                            <p:strVal val="#ppt_x"/>
+                                          </p:val>
+                                        </p:tav>
+                                        <p:tav tm="100000">
+                                          <p:val>
+                                            <p:strVal val="#ppt_x"/>
+                                          </p:val>
+                                        </p:tav>
+                                      </p:tavLst>
+                                    </p:anim>
+                                    <p:anim calcmode="lin" valueType="num">
+                                      <p:cBhvr additive="base">
+                                        <p:cTn id="18" dur="500" fill="hold"/>
+                                        <p:tgtEl>
+                                          <p:spTgt spid="2"/>
+                                        </p:tgtEl>
+                                        <p:attrNameLst>
+                                          <p:attrName>ppt_y</p:attrName>
+                                        </p:attrNameLst>
+                                      </p:cBhvr>
+                                      <p:tavLst>
+                                        <p:tav tm="0">
+                                          <p:val>
+                                            <p:strVal val="1+#ppt_h/2"/>
+                                          </p:val>
+                                        </p:tav>
+                                        <p:tav tm="100000">
+                                          <p:val>
+                                            <p:strVal val="#ppt_y"/>
+                                          </p:val>
+                                        </p:tav>
+                                      </p:tavLst>
+                                    </p:anim>
+                                  </p:childTnLst>
+                                </p:cTn>
+                              </p:par>
+                              <p:par>
+                                <p:cTn id="19" presetID="7" presetClass="entr" presetSubtype="4" fill="hold" grpId="0" nodeType="withEffect">
+                                  <p:stCondLst>
+                                    <p:cond delay="0"/>
+                                  </p:stCondLst>
+                                  <p:childTnLst>
+                                    <p:set>
+                                      <p:cBhvr>
+                                        <p:cTn id="20" dur="500" fill="hold">
+                                          <p:stCondLst>
+                                            <p:cond delay="0"/>
+                                          </p:stCondLst>
+                                        </p:cTn>
+                                        <p:tgtEl>
+                                          <p:spTgt spid="5"/>
+                                        </p:tgtEl>
+                                        <p:attrNameLst>
+                                          <p:attrName>style.visibility</p:attrName>
+                                        </p:attrNameLst>
+                                      </p:cBhvr>
+                                      <p:to>
+                                        <p:strVal val="visible"/>
+                                      </p:to>
+                                    </p:set>
+                                    <p:anim calcmode="lin" valueType="num">
+                                      <p:cBhvr additive="base">
+                                        <p:cTn id="21" dur="500" fill="hold"/>
+                                        <p:tgtEl>
+                                          <p:spTgt spid="5"/>
+                                        </p:tgtEl>
+                                        <p:attrNameLst>
+                                          <p:attrName>ppt_x</p:attrName>
+                                        </p:attrNameLst>
+                                      </p:cBhvr>
+                                      <p:tavLst>
+                                        <p:tav tm="0">
+                                          <p:val>
+                                            <p:strVal val="#ppt_x"/>
+                                          </p:val>
+                                        </p:tav>
+                                        <p:tav tm="100000">
+                                          <p:val>
+                                            <p:strVal val="#ppt_x"/>
+                                          </p:val>
+                                        </p:tav>
+                                      </p:tavLst>
+                                    </p:anim>
+                                    <p:anim calcmode="lin" valueType="num">
+                                      <p:cBhvr additive="base">
+                                        <p:cTn id="22" dur="500" fill="hold"/>
+                                        <p:tgtEl>
+                                          <p:spTgt spid="5"/>
+                                        </p:tgtEl>
+                                        <p:attrNameLst>
+                                          <p:attrName>ppt_y</p:attrName>
+                                        </p:attrNameLst>
+                                      </p:cBhvr>
+                                      <p:tavLst>
+                                        <p:tav tm="0">
+                                          <p:val>
+                                            <p:strVal val="1+#ppt_h/2"/>
+                                          </p:val>
+                                        </p:tav>
+                                        <p:tav tm="100000">
+                                          <p:val>
+                                            <p:strVal val="#ppt_y"/>
+                                          </p:val>
+                                        </p:tav>
+                                      </p:tavLst>
+                                    </p:anim>
+                                  </p:childTnLst>
+                                </p:cTn>
+                              </p:par>
+                            </p:childTnLst>
+                          </p:cTn>
+                        </p:par>
+                      </p:childTnLst>
+                    </p:cTn>
+                  </p:par>
+                  <p:par>
+                    <p:cTn id="23" fill="hold">
+                      <p:stCondLst>
+                        <p:cond delay="indefinite"/>
+                      </p:stCondLst>
+                      <p:childTnLst>
+                        <p:par>
+                          <p:cTn id="24" fill="hold">
+                            <p:stCondLst>
+                              <p:cond delay="0"/>
+                            </p:stCondLst>
+                            <p:childTnLst>
+                              <p:par>
+                                <p:cTn id="25" presetID="4" presetClass="entr" presetSubtype="16" fill="hold" nodeType="clickEffect">
+                                  <p:stCondLst>
+                                    <p:cond delay="0"/>
+                                  </p:stCondLst>
+                                  <p:childTnLst>
+                                    <p:set>
+                                      <p:cBhvr>
+                                        <p:cTn id="26" dur="500" fill="hold">
+                                          <p:stCondLst>
+                                            <p:cond delay="0"/>
+                                          </p:stCondLst>
+                                        </p:cTn>
+                                        <p:tgtEl>
+                                          <p:spTgt spid="6"/>
+                                        </p:tgtEl>
+                                        <p:attrNameLst>
+                                          <p:attrName>style.visibility</p:attrName>
+                                        </p:attrNameLst>
+                                      </p:cBhvr>
+                                      <p:to>
+                                        <p:strVal val="visible"/>
+                                      </p:to>
+                                    </p:set>
+                                    <p:animEffect transition="in" filter="box(in)">
+                                      <p:cBhvr>
+                                        <p:cTn id="27" dur="500"/>
+                                        <p:tgtEl>
+                                          <p:spTgt spid="6"/>
+                                        </p:tgtEl>
+                                      </p:cBhvr>
+                                    </p:animEffect>
+                                  </p:childTnLst>
+                                </p:cTn>
+                              </p:par>
+                            </p:childTnLst>
+                          </p:cTn>
+                        </p:par>
+                      </p:childTnLst>
+                    </p:cTn>
+                  </p:par>
+                </p:childTnLst>
+              </p:cTn>
+              <p:prevCondLst>
+                <p:cond evt="onPrev" delay="0">
+                  <p:tgtEl>
+                    <p:sldTgt/>
+                  </p:tgtEl>
+                </p:cond>
+              </p:prevCondLst>
+              <p:nextCondLst>
+                <p:cond evt="onNext" delay="0">
+                  <p:tgtEl>
+                    <p:sldTgt/>
+                  </p:tgtEl>
+                </p:cond>
+              </p:nextCondLst>
+            </p:seq>
+          </p:childTnLst>
+        </p:cTn>
+      </p:par>
+    </p:tnLst>
+    <p:bldLst>
+      <p:bldP spid="4" grpId="0"/>
+      <p:bldP spid="14" grpId="0" animBg="1"/>
+      <p:bldP spid="2" grpId="0" animBg="1"/>
+      <p:bldP spid="5" grpId="0"/>
+    </p:bldLst>
+  </p:timing>
 </p:sld>
 </file>
 
@@ -12453,6 +13249,1756 @@
   <p:clrMapOvr>
     <a:masterClrMapping/>
   </p:clrMapOvr>
+</p:sld>
+</file>
+
+<file path=ppt/slides/slide50.xml><?xml version="1.0" encoding="utf-8"?>
+<p:sld xmlns:a="http://schemas.openxmlformats.org/drawingml/2006/main" xmlns:r="http://schemas.openxmlformats.org/officeDocument/2006/relationships" xmlns:p="http://schemas.openxmlformats.org/presentationml/2006/main">
+  <p:cSld>
+    <p:spTree>
+      <p:nvGrpSpPr>
+        <p:cNvPr id="1" name=""/>
+        <p:cNvGrpSpPr/>
+        <p:nvPr/>
+      </p:nvGrpSpPr>
+      <p:grpSpPr/>
+      <p:sp>
+        <p:nvSpPr>
+          <p:cNvPr id="3" name="Title 2"/>
+          <p:cNvSpPr>
+            <a:spLocks noGrp="1"/>
+          </p:cNvSpPr>
+          <p:nvPr>
+            <p:ph type="title"/>
+          </p:nvPr>
+        </p:nvSpPr>
+        <p:spPr/>
+        <p:txBody>
+          <a:bodyPr/>
+          <a:p>
+            <a:r>
+              <a:rPr lang="zh-CN" altLang="en-US"/>
+              <a:t>循环中的矢量化：解决指针别名</a:t>
+            </a:r>
+            <a:endParaRPr lang="zh-CN" altLang="en-US"/>
+          </a:p>
+        </p:txBody>
+      </p:sp>
+      <p:sp>
+        <p:nvSpPr>
+          <p:cNvPr id="13" name="Text Box 12"/>
+          <p:cNvSpPr txBox="1"/>
+          <p:nvPr/>
+        </p:nvSpPr>
+        <p:spPr>
+          <a:xfrm>
+            <a:off x="410845" y="1584325"/>
+            <a:ext cx="7168515" cy="645160"/>
+          </a:xfrm>
+          <a:prstGeom prst="rect">
+            <a:avLst/>
+          </a:prstGeom>
+          <a:noFill/>
+        </p:spPr>
+        <p:txBody>
+          <a:bodyPr wrap="square" rtlCol="0">
+            <a:spAutoFit/>
+          </a:bodyPr>
+          <a:p>
+            <a:r>
+              <a:rPr lang="zh-CN"/>
+              <a:t>所以，让我们加上</a:t>
+            </a:r>
+            <a:r>
+              <a:rPr lang="en-US" altLang="zh-CN"/>
+              <a:t> __restrict </a:t>
+            </a:r>
+            <a:r>
+              <a:rPr lang="zh-CN" altLang="en-US"/>
+              <a:t>关键字，打消编译器的顾虑！</a:t>
+            </a:r>
+            <a:endParaRPr lang="zh-CN" altLang="en-US"/>
+          </a:p>
+          <a:p>
+            <a:r>
+              <a:rPr lang="zh-CN" altLang="en-US"/>
+              <a:t>这下只需要生成一个</a:t>
+            </a:r>
+            <a:r>
+              <a:rPr lang="en-US" altLang="zh-CN"/>
+              <a:t> SIMD </a:t>
+            </a:r>
+            <a:r>
+              <a:rPr lang="zh-CN" altLang="en-US"/>
+              <a:t>版本了，没有了运行时判断重叠的焦虑。</a:t>
+            </a:r>
+            <a:endParaRPr lang="zh-CN" altLang="en-US"/>
+          </a:p>
+        </p:txBody>
+      </p:sp>
+      <p:pic>
+        <p:nvPicPr>
+          <p:cNvPr id="4" name="Content Placeholder 3"/>
+          <p:cNvPicPr>
+            <a:picLocks noChangeAspect="1"/>
+          </p:cNvPicPr>
+          <p:nvPr>
+            <p:ph sz="half" idx="1"/>
+          </p:nvPr>
+        </p:nvPicPr>
+        <p:blipFill>
+          <a:blip r:embed="rId1"/>
+          <a:stretch>
+            <a:fillRect/>
+          </a:stretch>
+        </p:blipFill>
+        <p:spPr>
+          <a:xfrm>
+            <a:off x="199390" y="5012690"/>
+            <a:ext cx="6915150" cy="1411605"/>
+          </a:xfrm>
+          <a:prstGeom prst="rect">
+            <a:avLst/>
+          </a:prstGeom>
+        </p:spPr>
+      </p:pic>
+      <p:pic>
+        <p:nvPicPr>
+          <p:cNvPr id="6" name="Content Placeholder 5"/>
+          <p:cNvPicPr>
+            <a:picLocks noChangeAspect="1"/>
+          </p:cNvPicPr>
+          <p:nvPr>
+            <p:ph sz="half" idx="2"/>
+          </p:nvPr>
+        </p:nvPicPr>
+        <p:blipFill>
+          <a:blip r:embed="rId2"/>
+          <a:stretch>
+            <a:fillRect/>
+          </a:stretch>
+        </p:blipFill>
+        <p:spPr>
+          <a:xfrm>
+            <a:off x="7406005" y="1492250"/>
+            <a:ext cx="4785995" cy="5365750"/>
+          </a:xfrm>
+          <a:prstGeom prst="rect">
+            <a:avLst/>
+          </a:prstGeom>
+        </p:spPr>
+      </p:pic>
+      <p:pic>
+        <p:nvPicPr>
+          <p:cNvPr id="2" name="Picture 1"/>
+          <p:cNvPicPr>
+            <a:picLocks noChangeAspect="1"/>
+          </p:cNvPicPr>
+          <p:nvPr/>
+        </p:nvPicPr>
+        <p:blipFill>
+          <a:blip r:embed="rId3"/>
+          <a:stretch>
+            <a:fillRect/>
+          </a:stretch>
+        </p:blipFill>
+        <p:spPr>
+          <a:xfrm>
+            <a:off x="7406005" y="0"/>
+            <a:ext cx="1400175" cy="1485900"/>
+          </a:xfrm>
+          <a:prstGeom prst="rect">
+            <a:avLst/>
+          </a:prstGeom>
+        </p:spPr>
+      </p:pic>
+      <p:sp>
+        <p:nvSpPr>
+          <p:cNvPr id="14" name="Left Brace 13"/>
+          <p:cNvSpPr/>
+          <p:nvPr/>
+        </p:nvSpPr>
+        <p:spPr>
+          <a:xfrm>
+            <a:off x="7114540" y="3209925"/>
+            <a:ext cx="291465" cy="1492250"/>
+          </a:xfrm>
+          <a:prstGeom prst="leftBrace">
+            <a:avLst/>
+          </a:prstGeom>
+          <a:ln w="28575" cmpd="sng">
+            <a:solidFill>
+              <a:srgbClr val="FF3300"/>
+            </a:solidFill>
+            <a:prstDash val="solid"/>
+          </a:ln>
+        </p:spPr>
+        <p:style>
+          <a:lnRef idx="1">
+            <a:schemeClr val="accent1"/>
+          </a:lnRef>
+          <a:fillRef idx="0">
+            <a:schemeClr val="accent1"/>
+          </a:fillRef>
+          <a:effectRef idx="0">
+            <a:schemeClr val="accent1"/>
+          </a:effectRef>
+          <a:fontRef idx="minor">
+            <a:schemeClr val="tx1"/>
+          </a:fontRef>
+        </p:style>
+        <p:txBody>
+          <a:bodyPr rtlCol="0" anchor="ctr"/>
+          <a:p>
+            <a:pPr algn="ctr"/>
+            <a:endParaRPr lang="en-US"/>
+          </a:p>
+        </p:txBody>
+      </p:sp>
+      <p:sp>
+        <p:nvSpPr>
+          <p:cNvPr id="5" name="Text Box 4"/>
+          <p:cNvSpPr txBox="1"/>
+          <p:nvPr/>
+        </p:nvSpPr>
+        <p:spPr>
+          <a:xfrm>
+            <a:off x="6240145" y="3990975"/>
+            <a:ext cx="1165860" cy="368300"/>
+          </a:xfrm>
+          <a:prstGeom prst="rect">
+            <a:avLst/>
+          </a:prstGeom>
+          <a:noFill/>
+        </p:spPr>
+        <p:txBody>
+          <a:bodyPr wrap="square" rtlCol="0">
+            <a:spAutoFit/>
+          </a:bodyPr>
+          <a:p>
+            <a:r>
+              <a:rPr lang="en-US"/>
+              <a:t>SIMD </a:t>
+            </a:r>
+            <a:r>
+              <a:rPr lang="zh-CN" altLang="en-US"/>
+              <a:t>版</a:t>
+            </a:r>
+            <a:endParaRPr lang="zh-CN" altLang="en-US"/>
+          </a:p>
+        </p:txBody>
+      </p:sp>
+    </p:spTree>
+  </p:cSld>
+  <p:clrMapOvr>
+    <a:masterClrMapping/>
+  </p:clrMapOvr>
+  <p:timing>
+    <p:tnLst>
+      <p:par>
+        <p:cTn id="1" dur="indefinite" restart="never" nodeType="tmRoot">
+          <p:childTnLst>
+            <p:seq concurrent="1" nextAc="seek">
+              <p:cTn id="2" dur="indefinite" nodeType="mainSeq">
+                <p:childTnLst>
+                  <p:par>
+                    <p:cTn id="3" fill="hold">
+                      <p:stCondLst>
+                        <p:cond delay="indefinite"/>
+                      </p:stCondLst>
+                      <p:childTnLst>
+                        <p:par>
+                          <p:cTn id="4" fill="hold">
+                            <p:stCondLst>
+                              <p:cond delay="0"/>
+                            </p:stCondLst>
+                            <p:childTnLst>
+                              <p:par>
+                                <p:cTn id="5" presetID="7" presetClass="entr" presetSubtype="4" fill="hold" grpId="0" nodeType="clickEffect">
+                                  <p:stCondLst>
+                                    <p:cond delay="0"/>
+                                  </p:stCondLst>
+                                  <p:childTnLst>
+                                    <p:set>
+                                      <p:cBhvr>
+                                        <p:cTn id="6" dur="500" fill="hold">
+                                          <p:stCondLst>
+                                            <p:cond delay="0"/>
+                                          </p:stCondLst>
+                                        </p:cTn>
+                                        <p:tgtEl>
+                                          <p:spTgt spid="5"/>
+                                        </p:tgtEl>
+                                        <p:attrNameLst>
+                                          <p:attrName>style.visibility</p:attrName>
+                                        </p:attrNameLst>
+                                      </p:cBhvr>
+                                      <p:to>
+                                        <p:strVal val="visible"/>
+                                      </p:to>
+                                    </p:set>
+                                    <p:anim calcmode="lin" valueType="num">
+                                      <p:cBhvr additive="base">
+                                        <p:cTn id="7" dur="500" fill="hold"/>
+                                        <p:tgtEl>
+                                          <p:spTgt spid="5"/>
+                                        </p:tgtEl>
+                                        <p:attrNameLst>
+                                          <p:attrName>ppt_x</p:attrName>
+                                        </p:attrNameLst>
+                                      </p:cBhvr>
+                                      <p:tavLst>
+                                        <p:tav tm="0">
+                                          <p:val>
+                                            <p:strVal val="#ppt_x"/>
+                                          </p:val>
+                                        </p:tav>
+                                        <p:tav tm="100000">
+                                          <p:val>
+                                            <p:strVal val="#ppt_x"/>
+                                          </p:val>
+                                        </p:tav>
+                                      </p:tavLst>
+                                    </p:anim>
+                                    <p:anim calcmode="lin" valueType="num">
+                                      <p:cBhvr additive="base">
+                                        <p:cTn id="8" dur="500" fill="hold"/>
+                                        <p:tgtEl>
+                                          <p:spTgt spid="5"/>
+                                        </p:tgtEl>
+                                        <p:attrNameLst>
+                                          <p:attrName>ppt_y</p:attrName>
+                                        </p:attrNameLst>
+                                      </p:cBhvr>
+                                      <p:tavLst>
+                                        <p:tav tm="0">
+                                          <p:val>
+                                            <p:strVal val="1+#ppt_h/2"/>
+                                          </p:val>
+                                        </p:tav>
+                                        <p:tav tm="100000">
+                                          <p:val>
+                                            <p:strVal val="#ppt_y"/>
+                                          </p:val>
+                                        </p:tav>
+                                      </p:tavLst>
+                                    </p:anim>
+                                  </p:childTnLst>
+                                </p:cTn>
+                              </p:par>
+                              <p:par>
+                                <p:cTn id="9" presetID="7" presetClass="entr" presetSubtype="4" fill="hold" grpId="0" nodeType="withEffect">
+                                  <p:stCondLst>
+                                    <p:cond delay="0"/>
+                                  </p:stCondLst>
+                                  <p:childTnLst>
+                                    <p:set>
+                                      <p:cBhvr>
+                                        <p:cTn id="10" dur="500" fill="hold">
+                                          <p:stCondLst>
+                                            <p:cond delay="0"/>
+                                          </p:stCondLst>
+                                        </p:cTn>
+                                        <p:tgtEl>
+                                          <p:spTgt spid="14"/>
+                                        </p:tgtEl>
+                                        <p:attrNameLst>
+                                          <p:attrName>style.visibility</p:attrName>
+                                        </p:attrNameLst>
+                                      </p:cBhvr>
+                                      <p:to>
+                                        <p:strVal val="visible"/>
+                                      </p:to>
+                                    </p:set>
+                                    <p:anim calcmode="lin" valueType="num">
+                                      <p:cBhvr additive="base">
+                                        <p:cTn id="11" dur="500" fill="hold"/>
+                                        <p:tgtEl>
+                                          <p:spTgt spid="14"/>
+                                        </p:tgtEl>
+                                        <p:attrNameLst>
+                                          <p:attrName>ppt_x</p:attrName>
+                                        </p:attrNameLst>
+                                      </p:cBhvr>
+                                      <p:tavLst>
+                                        <p:tav tm="0">
+                                          <p:val>
+                                            <p:strVal val="#ppt_x"/>
+                                          </p:val>
+                                        </p:tav>
+                                        <p:tav tm="100000">
+                                          <p:val>
+                                            <p:strVal val="#ppt_x"/>
+                                          </p:val>
+                                        </p:tav>
+                                      </p:tavLst>
+                                    </p:anim>
+                                    <p:anim calcmode="lin" valueType="num">
+                                      <p:cBhvr additive="base">
+                                        <p:cTn id="12" dur="500" fill="hold"/>
+                                        <p:tgtEl>
+                                          <p:spTgt spid="14"/>
+                                        </p:tgtEl>
+                                        <p:attrNameLst>
+                                          <p:attrName>ppt_y</p:attrName>
+                                        </p:attrNameLst>
+                                      </p:cBhvr>
+                                      <p:tavLst>
+                                        <p:tav tm="0">
+                                          <p:val>
+                                            <p:strVal val="1+#ppt_h/2"/>
+                                          </p:val>
+                                        </p:tav>
+                                        <p:tav tm="100000">
+                                          <p:val>
+                                            <p:strVal val="#ppt_y"/>
+                                          </p:val>
+                                        </p:tav>
+                                      </p:tavLst>
+                                    </p:anim>
+                                  </p:childTnLst>
+                                </p:cTn>
+                              </p:par>
+                            </p:childTnLst>
+                          </p:cTn>
+                        </p:par>
+                      </p:childTnLst>
+                    </p:cTn>
+                  </p:par>
+                  <p:par>
+                    <p:cTn id="13" fill="hold">
+                      <p:stCondLst>
+                        <p:cond delay="indefinite"/>
+                      </p:stCondLst>
+                      <p:childTnLst>
+                        <p:par>
+                          <p:cTn id="14" fill="hold">
+                            <p:stCondLst>
+                              <p:cond delay="0"/>
+                            </p:stCondLst>
+                            <p:childTnLst>
+                              <p:par>
+                                <p:cTn id="15" presetID="4" presetClass="entr" presetSubtype="16" fill="hold" nodeType="clickEffect">
+                                  <p:stCondLst>
+                                    <p:cond delay="0"/>
+                                  </p:stCondLst>
+                                  <p:childTnLst>
+                                    <p:set>
+                                      <p:cBhvr>
+                                        <p:cTn id="16" dur="500" fill="hold">
+                                          <p:stCondLst>
+                                            <p:cond delay="0"/>
+                                          </p:stCondLst>
+                                        </p:cTn>
+                                        <p:tgtEl>
+                                          <p:spTgt spid="2"/>
+                                        </p:tgtEl>
+                                        <p:attrNameLst>
+                                          <p:attrName>style.visibility</p:attrName>
+                                        </p:attrNameLst>
+                                      </p:cBhvr>
+                                      <p:to>
+                                        <p:strVal val="visible"/>
+                                      </p:to>
+                                    </p:set>
+                                    <p:animEffect transition="in" filter="box(in)">
+                                      <p:cBhvr>
+                                        <p:cTn id="17" dur="500"/>
+                                        <p:tgtEl>
+                                          <p:spTgt spid="2"/>
+                                        </p:tgtEl>
+                                      </p:cBhvr>
+                                    </p:animEffect>
+                                  </p:childTnLst>
+                                </p:cTn>
+                              </p:par>
+                            </p:childTnLst>
+                          </p:cTn>
+                        </p:par>
+                      </p:childTnLst>
+                    </p:cTn>
+                  </p:par>
+                </p:childTnLst>
+              </p:cTn>
+              <p:prevCondLst>
+                <p:cond evt="onPrev" delay="0">
+                  <p:tgtEl>
+                    <p:sldTgt/>
+                  </p:tgtEl>
+                </p:cond>
+              </p:prevCondLst>
+              <p:nextCondLst>
+                <p:cond evt="onNext" delay="0">
+                  <p:tgtEl>
+                    <p:sldTgt/>
+                  </p:tgtEl>
+                </p:cond>
+              </p:nextCondLst>
+            </p:seq>
+          </p:childTnLst>
+        </p:cTn>
+      </p:par>
+    </p:tnLst>
+    <p:bldLst>
+      <p:bldP spid="5" grpId="0"/>
+      <p:bldP spid="14" grpId="0" bldLvl="0" animBg="1"/>
+    </p:bldLst>
+  </p:timing>
+</p:sld>
+</file>
+
+<file path=ppt/slides/slide51.xml><?xml version="1.0" encoding="utf-8"?>
+<p:sld xmlns:a="http://schemas.openxmlformats.org/drawingml/2006/main" xmlns:r="http://schemas.openxmlformats.org/officeDocument/2006/relationships" xmlns:p="http://schemas.openxmlformats.org/presentationml/2006/main">
+  <p:cSld>
+    <p:spTree>
+      <p:nvGrpSpPr>
+        <p:cNvPr id="1" name=""/>
+        <p:cNvGrpSpPr/>
+        <p:nvPr/>
+      </p:nvGrpSpPr>
+      <p:grpSpPr/>
+      <p:sp>
+        <p:nvSpPr>
+          <p:cNvPr id="2" name="Title 1"/>
+          <p:cNvSpPr>
+            <a:spLocks noGrp="1"/>
+          </p:cNvSpPr>
+          <p:nvPr>
+            <p:ph type="title"/>
+          </p:nvPr>
+        </p:nvSpPr>
+        <p:spPr/>
+        <p:txBody>
+          <a:bodyPr/>
+          <a:p>
+            <a:r>
+              <a:rPr lang="zh-CN" altLang="en-US">
+                <a:sym typeface="+mn-ea"/>
+              </a:rPr>
+              <a:t>循环中的矢量化：强迫矢量化</a:t>
+            </a:r>
+            <a:endParaRPr lang="en-US"/>
+          </a:p>
+        </p:txBody>
+      </p:sp>
+      <p:pic>
+        <p:nvPicPr>
+          <p:cNvPr id="5" name="Content Placeholder 4"/>
+          <p:cNvPicPr>
+            <a:picLocks noChangeAspect="1"/>
+          </p:cNvPicPr>
+          <p:nvPr>
+            <p:ph sz="half" idx="1"/>
+          </p:nvPr>
+        </p:nvPicPr>
+        <p:blipFill>
+          <a:blip r:embed="rId1"/>
+          <a:stretch>
+            <a:fillRect/>
+          </a:stretch>
+        </p:blipFill>
+        <p:spPr>
+          <a:xfrm>
+            <a:off x="714375" y="2523490"/>
+            <a:ext cx="4893945" cy="1811020"/>
+          </a:xfrm>
+          <a:prstGeom prst="rect">
+            <a:avLst/>
+          </a:prstGeom>
+        </p:spPr>
+      </p:pic>
+      <p:sp>
+        <p:nvSpPr>
+          <p:cNvPr id="6" name="Text Box 5"/>
+          <p:cNvSpPr txBox="1"/>
+          <p:nvPr/>
+        </p:nvSpPr>
+        <p:spPr>
+          <a:xfrm>
+            <a:off x="714375" y="1737360"/>
+            <a:ext cx="4823460" cy="645160"/>
+          </a:xfrm>
+          <a:prstGeom prst="rect">
+            <a:avLst/>
+          </a:prstGeom>
+          <a:noFill/>
+        </p:spPr>
+        <p:txBody>
+          <a:bodyPr wrap="square" rtlCol="0">
+            <a:spAutoFit/>
+          </a:bodyPr>
+          <a:p>
+            <a:r>
+              <a:rPr lang="zh-CN" altLang="en-US"/>
+              <a:t>除了可以用</a:t>
+            </a:r>
+            <a:r>
+              <a:rPr lang="en-US" altLang="zh-CN"/>
+              <a:t> __restrict </a:t>
+            </a:r>
+            <a:r>
+              <a:rPr lang="zh-CN" altLang="en-US"/>
+              <a:t>让编译器放心做</a:t>
+            </a:r>
+            <a:r>
+              <a:rPr lang="en-US" altLang="zh-CN"/>
+              <a:t> SIMD </a:t>
+            </a:r>
+            <a:r>
+              <a:rPr lang="zh-CN" altLang="en-US"/>
+              <a:t>优化外，还可以用</a:t>
+            </a:r>
+            <a:r>
+              <a:rPr lang="en-US" altLang="zh-CN"/>
+              <a:t> OpenMP </a:t>
+            </a:r>
+            <a:r>
+              <a:rPr lang="zh-CN" altLang="en-US"/>
+              <a:t>的这条指令：</a:t>
+            </a:r>
+            <a:endParaRPr lang="zh-CN" altLang="en-US"/>
+          </a:p>
+        </p:txBody>
+      </p:sp>
+      <p:sp>
+        <p:nvSpPr>
+          <p:cNvPr id="7" name="Text Box 6"/>
+          <p:cNvSpPr txBox="1"/>
+          <p:nvPr/>
+        </p:nvSpPr>
+        <p:spPr>
+          <a:xfrm>
+            <a:off x="714375" y="4547870"/>
+            <a:ext cx="4822825" cy="922020"/>
+          </a:xfrm>
+          <a:prstGeom prst="rect">
+            <a:avLst/>
+          </a:prstGeom>
+          <a:noFill/>
+        </p:spPr>
+        <p:txBody>
+          <a:bodyPr wrap="square" rtlCol="0">
+            <a:spAutoFit/>
+          </a:bodyPr>
+          <a:p>
+            <a:r>
+              <a:rPr lang="zh-CN" altLang="en-US"/>
+              <a:t>来迫使编译器无视指针别名的问题，并启用</a:t>
+            </a:r>
+            <a:r>
+              <a:rPr lang="en-US" altLang="zh-CN"/>
+              <a:t> SIMD </a:t>
+            </a:r>
+            <a:r>
+              <a:rPr lang="zh-CN" altLang="en-US"/>
+              <a:t>优化。不过你得给编译器打开</a:t>
+            </a:r>
+            <a:r>
+              <a:rPr lang="en-US" altLang="zh-CN"/>
+              <a:t> -fopenmp </a:t>
+            </a:r>
+            <a:r>
+              <a:rPr lang="zh-CN" altLang="en-US"/>
+              <a:t>这个选项。</a:t>
+            </a:r>
+            <a:endParaRPr lang="zh-CN" altLang="en-US"/>
+          </a:p>
+        </p:txBody>
+      </p:sp>
+      <p:pic>
+        <p:nvPicPr>
+          <p:cNvPr id="9" name="Picture 8"/>
+          <p:cNvPicPr>
+            <a:picLocks noChangeAspect="1"/>
+          </p:cNvPicPr>
+          <p:nvPr/>
+        </p:nvPicPr>
+        <p:blipFill>
+          <a:blip r:embed="rId2"/>
+          <a:stretch>
+            <a:fillRect/>
+          </a:stretch>
+        </p:blipFill>
+        <p:spPr>
+          <a:xfrm>
+            <a:off x="1225550" y="5469890"/>
+            <a:ext cx="3227070" cy="480695"/>
+          </a:xfrm>
+          <a:prstGeom prst="rect">
+            <a:avLst/>
+          </a:prstGeom>
+        </p:spPr>
+      </p:pic>
+      <p:pic>
+        <p:nvPicPr>
+          <p:cNvPr id="12" name="Content Placeholder 11"/>
+          <p:cNvPicPr>
+            <a:picLocks noChangeAspect="1"/>
+          </p:cNvPicPr>
+          <p:nvPr>
+            <p:ph sz="half" idx="2"/>
+          </p:nvPr>
+        </p:nvPicPr>
+        <p:blipFill>
+          <a:blip r:embed="rId3"/>
+          <a:stretch>
+            <a:fillRect/>
+          </a:stretch>
+        </p:blipFill>
+        <p:spPr>
+          <a:xfrm>
+            <a:off x="6292215" y="258445"/>
+            <a:ext cx="5899785" cy="6599555"/>
+          </a:xfrm>
+          <a:prstGeom prst="rect">
+            <a:avLst/>
+          </a:prstGeom>
+        </p:spPr>
+      </p:pic>
+    </p:spTree>
+  </p:cSld>
+  <p:clrMapOvr>
+    <a:masterClrMapping/>
+  </p:clrMapOvr>
+</p:sld>
+</file>
+
+<file path=ppt/slides/slide52.xml><?xml version="1.0" encoding="utf-8"?>
+<p:sld xmlns:a="http://schemas.openxmlformats.org/drawingml/2006/main" xmlns:r="http://schemas.openxmlformats.org/officeDocument/2006/relationships" xmlns:p="http://schemas.openxmlformats.org/presentationml/2006/main">
+  <p:cSld>
+    <p:spTree>
+      <p:nvGrpSpPr>
+        <p:cNvPr id="1" name=""/>
+        <p:cNvGrpSpPr/>
+        <p:nvPr/>
+      </p:nvGrpSpPr>
+      <p:grpSpPr/>
+      <p:sp>
+        <p:nvSpPr>
+          <p:cNvPr id="2" name="Title 1"/>
+          <p:cNvSpPr>
+            <a:spLocks noGrp="1"/>
+          </p:cNvSpPr>
+          <p:nvPr>
+            <p:ph type="title"/>
+          </p:nvPr>
+        </p:nvSpPr>
+        <p:spPr/>
+        <p:txBody>
+          <a:bodyPr/>
+          <a:p>
+            <a:r>
+              <a:rPr lang="zh-CN" altLang="en-US">
+                <a:sym typeface="+mn-ea"/>
+              </a:rPr>
+              <a:t>循环中的</a:t>
+            </a:r>
+            <a:r>
+              <a:rPr lang="en-US" altLang="zh-CN">
+                <a:sym typeface="+mn-ea"/>
+              </a:rPr>
+              <a:t> if </a:t>
+            </a:r>
+            <a:r>
+              <a:rPr lang="zh-CN" altLang="en-US">
+                <a:sym typeface="+mn-ea"/>
+              </a:rPr>
+              <a:t>语句：挪到外面来</a:t>
+            </a:r>
+            <a:endParaRPr lang="zh-CN" altLang="en-US">
+              <a:sym typeface="+mn-ea"/>
+            </a:endParaRPr>
+          </a:p>
+        </p:txBody>
+      </p:sp>
+      <p:pic>
+        <p:nvPicPr>
+          <p:cNvPr id="5" name="Content Placeholder 4"/>
+          <p:cNvPicPr>
+            <a:picLocks noChangeAspect="1"/>
+          </p:cNvPicPr>
+          <p:nvPr>
+            <p:ph sz="half" idx="1"/>
+          </p:nvPr>
+        </p:nvPicPr>
+        <p:blipFill>
+          <a:blip r:embed="rId1"/>
+          <a:stretch>
+            <a:fillRect/>
+          </a:stretch>
+        </p:blipFill>
+        <p:spPr>
+          <a:xfrm>
+            <a:off x="0" y="3296285"/>
+            <a:ext cx="6763385" cy="2079625"/>
+          </a:xfrm>
+          <a:prstGeom prst="rect">
+            <a:avLst/>
+          </a:prstGeom>
+        </p:spPr>
+      </p:pic>
+      <p:pic>
+        <p:nvPicPr>
+          <p:cNvPr id="6" name="Content Placeholder 5"/>
+          <p:cNvPicPr>
+            <a:picLocks noChangeAspect="1"/>
+          </p:cNvPicPr>
+          <p:nvPr>
+            <p:ph sz="half" idx="2"/>
+          </p:nvPr>
+        </p:nvPicPr>
+        <p:blipFill>
+          <a:blip r:embed="rId2"/>
+          <a:stretch>
+            <a:fillRect/>
+          </a:stretch>
+        </p:blipFill>
+        <p:spPr>
+          <a:xfrm>
+            <a:off x="6962775" y="635"/>
+            <a:ext cx="5229225" cy="6857365"/>
+          </a:xfrm>
+          <a:prstGeom prst="rect">
+            <a:avLst/>
+          </a:prstGeom>
+        </p:spPr>
+      </p:pic>
+      <p:sp>
+        <p:nvSpPr>
+          <p:cNvPr id="14" name="Left Brace 13"/>
+          <p:cNvSpPr/>
+          <p:nvPr/>
+        </p:nvSpPr>
+        <p:spPr>
+          <a:xfrm>
+            <a:off x="6671310" y="1983740"/>
+            <a:ext cx="291465" cy="1942465"/>
+          </a:xfrm>
+          <a:prstGeom prst="leftBrace">
+            <a:avLst/>
+          </a:prstGeom>
+          <a:ln w="28575" cmpd="sng">
+            <a:solidFill>
+              <a:srgbClr val="FF3300"/>
+            </a:solidFill>
+            <a:prstDash val="solid"/>
+          </a:ln>
+        </p:spPr>
+        <p:style>
+          <a:lnRef idx="1">
+            <a:schemeClr val="accent1"/>
+          </a:lnRef>
+          <a:fillRef idx="0">
+            <a:schemeClr val="accent1"/>
+          </a:fillRef>
+          <a:effectRef idx="0">
+            <a:schemeClr val="accent1"/>
+          </a:effectRef>
+          <a:fontRef idx="minor">
+            <a:schemeClr val="tx1"/>
+          </a:fontRef>
+        </p:style>
+        <p:txBody>
+          <a:bodyPr rtlCol="0" anchor="ctr"/>
+          <a:p>
+            <a:pPr algn="ctr"/>
+            <a:endParaRPr lang="en-US"/>
+          </a:p>
+        </p:txBody>
+      </p:sp>
+      <p:sp>
+        <p:nvSpPr>
+          <p:cNvPr id="7" name="Text Box 6"/>
+          <p:cNvSpPr txBox="1"/>
+          <p:nvPr/>
+        </p:nvSpPr>
+        <p:spPr>
+          <a:xfrm>
+            <a:off x="5662295" y="2927985"/>
+            <a:ext cx="1165860" cy="368300"/>
+          </a:xfrm>
+          <a:prstGeom prst="rect">
+            <a:avLst/>
+          </a:prstGeom>
+          <a:noFill/>
+        </p:spPr>
+        <p:txBody>
+          <a:bodyPr wrap="square" rtlCol="0">
+            <a:spAutoFit/>
+          </a:bodyPr>
+          <a:p>
+            <a:r>
+              <a:rPr lang="zh-CN"/>
+              <a:t>乘法模式</a:t>
+            </a:r>
+            <a:endParaRPr lang="zh-CN"/>
+          </a:p>
+        </p:txBody>
+      </p:sp>
+      <p:sp>
+        <p:nvSpPr>
+          <p:cNvPr id="8" name="Left Brace 7"/>
+          <p:cNvSpPr/>
+          <p:nvPr/>
+        </p:nvSpPr>
+        <p:spPr>
+          <a:xfrm>
+            <a:off x="6671310" y="4572635"/>
+            <a:ext cx="291465" cy="1942465"/>
+          </a:xfrm>
+          <a:prstGeom prst="leftBrace">
+            <a:avLst/>
+          </a:prstGeom>
+          <a:ln w="28575" cmpd="sng">
+            <a:solidFill>
+              <a:srgbClr val="FF3300"/>
+            </a:solidFill>
+            <a:prstDash val="solid"/>
+          </a:ln>
+        </p:spPr>
+        <p:style>
+          <a:lnRef idx="1">
+            <a:schemeClr val="accent1"/>
+          </a:lnRef>
+          <a:fillRef idx="0">
+            <a:schemeClr val="accent1"/>
+          </a:fillRef>
+          <a:effectRef idx="0">
+            <a:schemeClr val="accent1"/>
+          </a:effectRef>
+          <a:fontRef idx="minor">
+            <a:schemeClr val="tx1"/>
+          </a:fontRef>
+        </p:style>
+        <p:txBody>
+          <a:bodyPr rtlCol="0" anchor="ctr"/>
+          <a:p>
+            <a:pPr algn="ctr"/>
+            <a:endParaRPr lang="en-US"/>
+          </a:p>
+        </p:txBody>
+      </p:sp>
+      <p:sp>
+        <p:nvSpPr>
+          <p:cNvPr id="9" name="Text Box 8"/>
+          <p:cNvSpPr txBox="1"/>
+          <p:nvPr/>
+        </p:nvSpPr>
+        <p:spPr>
+          <a:xfrm>
+            <a:off x="5662295" y="5516880"/>
+            <a:ext cx="1165860" cy="368300"/>
+          </a:xfrm>
+          <a:prstGeom prst="rect">
+            <a:avLst/>
+          </a:prstGeom>
+          <a:noFill/>
+        </p:spPr>
+        <p:txBody>
+          <a:bodyPr wrap="square" rtlCol="0">
+            <a:spAutoFit/>
+          </a:bodyPr>
+          <a:p>
+            <a:r>
+              <a:rPr lang="zh-CN"/>
+              <a:t>加法模式</a:t>
+            </a:r>
+            <a:endParaRPr lang="zh-CN"/>
+          </a:p>
+        </p:txBody>
+      </p:sp>
+      <p:sp>
+        <p:nvSpPr>
+          <p:cNvPr id="10" name="Text Box 9"/>
+          <p:cNvSpPr txBox="1"/>
+          <p:nvPr/>
+        </p:nvSpPr>
+        <p:spPr>
+          <a:xfrm>
+            <a:off x="930275" y="1839595"/>
+            <a:ext cx="5466715" cy="922020"/>
+          </a:xfrm>
+          <a:prstGeom prst="rect">
+            <a:avLst/>
+          </a:prstGeom>
+          <a:noFill/>
+        </p:spPr>
+        <p:txBody>
+          <a:bodyPr wrap="square" rtlCol="0">
+            <a:spAutoFit/>
+          </a:bodyPr>
+          <a:p>
+            <a:r>
+              <a:rPr lang="zh-CN" altLang="en-US"/>
+              <a:t>这个案例中，作者的用意很明显，在</a:t>
+            </a:r>
+            <a:r>
+              <a:rPr lang="en-US" altLang="zh-CN"/>
+              <a:t> is_mul </a:t>
+            </a:r>
+            <a:r>
+              <a:rPr lang="zh-CN" altLang="en-US"/>
+              <a:t>为真时执行</a:t>
+            </a:r>
+            <a:r>
+              <a:rPr lang="en-US" altLang="zh-CN"/>
+              <a:t> a *= b</a:t>
+            </a:r>
+            <a:r>
+              <a:rPr lang="zh-CN" altLang="en-US"/>
+              <a:t>，否则执行</a:t>
+            </a:r>
+            <a:r>
+              <a:rPr lang="en-US" altLang="zh-CN"/>
+              <a:t> a += b</a:t>
+            </a:r>
+            <a:r>
+              <a:rPr lang="zh-CN" altLang="en-US"/>
+              <a:t>。</a:t>
+            </a:r>
+            <a:endParaRPr lang="zh-CN" altLang="en-US"/>
+          </a:p>
+          <a:p>
+            <a:r>
+              <a:rPr lang="zh-CN" altLang="en-US"/>
+              <a:t>然而有</a:t>
+            </a:r>
+            <a:r>
+              <a:rPr lang="en-US" altLang="zh-CN"/>
+              <a:t> if </a:t>
+            </a:r>
+            <a:r>
+              <a:rPr lang="zh-CN" altLang="en-US"/>
+              <a:t>分支的循环体是难以</a:t>
+            </a:r>
+            <a:r>
+              <a:rPr lang="en-US" altLang="zh-CN"/>
+              <a:t> SIMD </a:t>
+            </a:r>
+            <a:r>
+              <a:rPr lang="zh-CN" altLang="en-US"/>
+              <a:t>矢量化的。</a:t>
+            </a:r>
+            <a:endParaRPr lang="zh-CN" altLang="en-US"/>
+          </a:p>
+        </p:txBody>
+      </p:sp>
+    </p:spTree>
+  </p:cSld>
+  <p:clrMapOvr>
+    <a:masterClrMapping/>
+  </p:clrMapOvr>
+  <p:timing>
+    <p:tnLst>
+      <p:par>
+        <p:cTn id="1" dur="indefinite" restart="never" nodeType="tmRoot">
+          <p:childTnLst>
+            <p:seq concurrent="1" nextAc="seek">
+              <p:cTn id="2" dur="indefinite" nodeType="mainSeq">
+                <p:childTnLst>
+                  <p:par>
+                    <p:cTn id="3" fill="hold">
+                      <p:stCondLst>
+                        <p:cond delay="indefinite"/>
+                      </p:stCondLst>
+                      <p:childTnLst>
+                        <p:par>
+                          <p:cTn id="4" fill="hold">
+                            <p:stCondLst>
+                              <p:cond delay="0"/>
+                            </p:stCondLst>
+                            <p:childTnLst>
+                              <p:par>
+                                <p:cTn id="5" presetID="7" presetClass="entr" presetSubtype="4" fill="hold" grpId="0" nodeType="clickEffect">
+                                  <p:stCondLst>
+                                    <p:cond delay="0"/>
+                                  </p:stCondLst>
+                                  <p:childTnLst>
+                                    <p:set>
+                                      <p:cBhvr>
+                                        <p:cTn id="6" dur="500" fill="hold">
+                                          <p:stCondLst>
+                                            <p:cond delay="0"/>
+                                          </p:stCondLst>
+                                        </p:cTn>
+                                        <p:tgtEl>
+                                          <p:spTgt spid="7"/>
+                                        </p:tgtEl>
+                                        <p:attrNameLst>
+                                          <p:attrName>style.visibility</p:attrName>
+                                        </p:attrNameLst>
+                                      </p:cBhvr>
+                                      <p:to>
+                                        <p:strVal val="visible"/>
+                                      </p:to>
+                                    </p:set>
+                                    <p:anim calcmode="lin" valueType="num">
+                                      <p:cBhvr additive="base">
+                                        <p:cTn id="7" dur="500" fill="hold"/>
+                                        <p:tgtEl>
+                                          <p:spTgt spid="7"/>
+                                        </p:tgtEl>
+                                        <p:attrNameLst>
+                                          <p:attrName>ppt_x</p:attrName>
+                                        </p:attrNameLst>
+                                      </p:cBhvr>
+                                      <p:tavLst>
+                                        <p:tav tm="0">
+                                          <p:val>
+                                            <p:strVal val="#ppt_x"/>
+                                          </p:val>
+                                        </p:tav>
+                                        <p:tav tm="100000">
+                                          <p:val>
+                                            <p:strVal val="#ppt_x"/>
+                                          </p:val>
+                                        </p:tav>
+                                      </p:tavLst>
+                                    </p:anim>
+                                    <p:anim calcmode="lin" valueType="num">
+                                      <p:cBhvr additive="base">
+                                        <p:cTn id="8" dur="500" fill="hold"/>
+                                        <p:tgtEl>
+                                          <p:spTgt spid="7"/>
+                                        </p:tgtEl>
+                                        <p:attrNameLst>
+                                          <p:attrName>ppt_y</p:attrName>
+                                        </p:attrNameLst>
+                                      </p:cBhvr>
+                                      <p:tavLst>
+                                        <p:tav tm="0">
+                                          <p:val>
+                                            <p:strVal val="1+#ppt_h/2"/>
+                                          </p:val>
+                                        </p:tav>
+                                        <p:tav tm="100000">
+                                          <p:val>
+                                            <p:strVal val="#ppt_y"/>
+                                          </p:val>
+                                        </p:tav>
+                                      </p:tavLst>
+                                    </p:anim>
+                                  </p:childTnLst>
+                                </p:cTn>
+                              </p:par>
+                              <p:par>
+                                <p:cTn id="9" presetID="7" presetClass="entr" presetSubtype="4" fill="hold" grpId="0" nodeType="withEffect">
+                                  <p:stCondLst>
+                                    <p:cond delay="0"/>
+                                  </p:stCondLst>
+                                  <p:childTnLst>
+                                    <p:set>
+                                      <p:cBhvr>
+                                        <p:cTn id="10" dur="500" fill="hold">
+                                          <p:stCondLst>
+                                            <p:cond delay="0"/>
+                                          </p:stCondLst>
+                                        </p:cTn>
+                                        <p:tgtEl>
+                                          <p:spTgt spid="14"/>
+                                        </p:tgtEl>
+                                        <p:attrNameLst>
+                                          <p:attrName>style.visibility</p:attrName>
+                                        </p:attrNameLst>
+                                      </p:cBhvr>
+                                      <p:to>
+                                        <p:strVal val="visible"/>
+                                      </p:to>
+                                    </p:set>
+                                    <p:anim calcmode="lin" valueType="num">
+                                      <p:cBhvr additive="base">
+                                        <p:cTn id="11" dur="500" fill="hold"/>
+                                        <p:tgtEl>
+                                          <p:spTgt spid="14"/>
+                                        </p:tgtEl>
+                                        <p:attrNameLst>
+                                          <p:attrName>ppt_x</p:attrName>
+                                        </p:attrNameLst>
+                                      </p:cBhvr>
+                                      <p:tavLst>
+                                        <p:tav tm="0">
+                                          <p:val>
+                                            <p:strVal val="#ppt_x"/>
+                                          </p:val>
+                                        </p:tav>
+                                        <p:tav tm="100000">
+                                          <p:val>
+                                            <p:strVal val="#ppt_x"/>
+                                          </p:val>
+                                        </p:tav>
+                                      </p:tavLst>
+                                    </p:anim>
+                                    <p:anim calcmode="lin" valueType="num">
+                                      <p:cBhvr additive="base">
+                                        <p:cTn id="12" dur="500" fill="hold"/>
+                                        <p:tgtEl>
+                                          <p:spTgt spid="14"/>
+                                        </p:tgtEl>
+                                        <p:attrNameLst>
+                                          <p:attrName>ppt_y</p:attrName>
+                                        </p:attrNameLst>
+                                      </p:cBhvr>
+                                      <p:tavLst>
+                                        <p:tav tm="0">
+                                          <p:val>
+                                            <p:strVal val="1+#ppt_h/2"/>
+                                          </p:val>
+                                        </p:tav>
+                                        <p:tav tm="100000">
+                                          <p:val>
+                                            <p:strVal val="#ppt_y"/>
+                                          </p:val>
+                                        </p:tav>
+                                      </p:tavLst>
+                                    </p:anim>
+                                  </p:childTnLst>
+                                </p:cTn>
+                              </p:par>
+                            </p:childTnLst>
+                          </p:cTn>
+                        </p:par>
+                      </p:childTnLst>
+                    </p:cTn>
+                  </p:par>
+                  <p:par>
+                    <p:cTn id="13" fill="hold">
+                      <p:stCondLst>
+                        <p:cond delay="indefinite"/>
+                      </p:stCondLst>
+                      <p:childTnLst>
+                        <p:par>
+                          <p:cTn id="14" fill="hold">
+                            <p:stCondLst>
+                              <p:cond delay="0"/>
+                            </p:stCondLst>
+                            <p:childTnLst>
+                              <p:par>
+                                <p:cTn id="15" presetID="7" presetClass="entr" presetSubtype="4" fill="hold" grpId="0" nodeType="clickEffect">
+                                  <p:stCondLst>
+                                    <p:cond delay="0"/>
+                                  </p:stCondLst>
+                                  <p:childTnLst>
+                                    <p:set>
+                                      <p:cBhvr>
+                                        <p:cTn id="16" dur="500" fill="hold">
+                                          <p:stCondLst>
+                                            <p:cond delay="0"/>
+                                          </p:stCondLst>
+                                        </p:cTn>
+                                        <p:tgtEl>
+                                          <p:spTgt spid="9"/>
+                                        </p:tgtEl>
+                                        <p:attrNameLst>
+                                          <p:attrName>style.visibility</p:attrName>
+                                        </p:attrNameLst>
+                                      </p:cBhvr>
+                                      <p:to>
+                                        <p:strVal val="visible"/>
+                                      </p:to>
+                                    </p:set>
+                                    <p:anim calcmode="lin" valueType="num">
+                                      <p:cBhvr additive="base">
+                                        <p:cTn id="17" dur="500" fill="hold"/>
+                                        <p:tgtEl>
+                                          <p:spTgt spid="9"/>
+                                        </p:tgtEl>
+                                        <p:attrNameLst>
+                                          <p:attrName>ppt_x</p:attrName>
+                                        </p:attrNameLst>
+                                      </p:cBhvr>
+                                      <p:tavLst>
+                                        <p:tav tm="0">
+                                          <p:val>
+                                            <p:strVal val="#ppt_x"/>
+                                          </p:val>
+                                        </p:tav>
+                                        <p:tav tm="100000">
+                                          <p:val>
+                                            <p:strVal val="#ppt_x"/>
+                                          </p:val>
+                                        </p:tav>
+                                      </p:tavLst>
+                                    </p:anim>
+                                    <p:anim calcmode="lin" valueType="num">
+                                      <p:cBhvr additive="base">
+                                        <p:cTn id="18" dur="500" fill="hold"/>
+                                        <p:tgtEl>
+                                          <p:spTgt spid="9"/>
+                                        </p:tgtEl>
+                                        <p:attrNameLst>
+                                          <p:attrName>ppt_y</p:attrName>
+                                        </p:attrNameLst>
+                                      </p:cBhvr>
+                                      <p:tavLst>
+                                        <p:tav tm="0">
+                                          <p:val>
+                                            <p:strVal val="1+#ppt_h/2"/>
+                                          </p:val>
+                                        </p:tav>
+                                        <p:tav tm="100000">
+                                          <p:val>
+                                            <p:strVal val="#ppt_y"/>
+                                          </p:val>
+                                        </p:tav>
+                                      </p:tavLst>
+                                    </p:anim>
+                                  </p:childTnLst>
+                                </p:cTn>
+                              </p:par>
+                              <p:par>
+                                <p:cTn id="19" presetID="7" presetClass="entr" presetSubtype="4" fill="hold" grpId="0" nodeType="withEffect">
+                                  <p:stCondLst>
+                                    <p:cond delay="0"/>
+                                  </p:stCondLst>
+                                  <p:childTnLst>
+                                    <p:set>
+                                      <p:cBhvr>
+                                        <p:cTn id="20" dur="500" fill="hold">
+                                          <p:stCondLst>
+                                            <p:cond delay="0"/>
+                                          </p:stCondLst>
+                                        </p:cTn>
+                                        <p:tgtEl>
+                                          <p:spTgt spid="8"/>
+                                        </p:tgtEl>
+                                        <p:attrNameLst>
+                                          <p:attrName>style.visibility</p:attrName>
+                                        </p:attrNameLst>
+                                      </p:cBhvr>
+                                      <p:to>
+                                        <p:strVal val="visible"/>
+                                      </p:to>
+                                    </p:set>
+                                    <p:anim calcmode="lin" valueType="num">
+                                      <p:cBhvr additive="base">
+                                        <p:cTn id="21" dur="500" fill="hold"/>
+                                        <p:tgtEl>
+                                          <p:spTgt spid="8"/>
+                                        </p:tgtEl>
+                                        <p:attrNameLst>
+                                          <p:attrName>ppt_x</p:attrName>
+                                        </p:attrNameLst>
+                                      </p:cBhvr>
+                                      <p:tavLst>
+                                        <p:tav tm="0">
+                                          <p:val>
+                                            <p:strVal val="#ppt_x"/>
+                                          </p:val>
+                                        </p:tav>
+                                        <p:tav tm="100000">
+                                          <p:val>
+                                            <p:strVal val="#ppt_x"/>
+                                          </p:val>
+                                        </p:tav>
+                                      </p:tavLst>
+                                    </p:anim>
+                                    <p:anim calcmode="lin" valueType="num">
+                                      <p:cBhvr additive="base">
+                                        <p:cTn id="22" dur="500" fill="hold"/>
+                                        <p:tgtEl>
+                                          <p:spTgt spid="8"/>
+                                        </p:tgtEl>
+                                        <p:attrNameLst>
+                                          <p:attrName>ppt_y</p:attrName>
+                                        </p:attrNameLst>
+                                      </p:cBhvr>
+                                      <p:tavLst>
+                                        <p:tav tm="0">
+                                          <p:val>
+                                            <p:strVal val="1+#ppt_h/2"/>
+                                          </p:val>
+                                        </p:tav>
+                                        <p:tav tm="100000">
+                                          <p:val>
+                                            <p:strVal val="#ppt_y"/>
+                                          </p:val>
+                                        </p:tav>
+                                      </p:tavLst>
+                                    </p:anim>
+                                  </p:childTnLst>
+                                </p:cTn>
+                              </p:par>
+                            </p:childTnLst>
+                          </p:cTn>
+                        </p:par>
+                      </p:childTnLst>
+                    </p:cTn>
+                  </p:par>
+                </p:childTnLst>
+              </p:cTn>
+              <p:prevCondLst>
+                <p:cond evt="onPrev" delay="0">
+                  <p:tgtEl>
+                    <p:sldTgt/>
+                  </p:tgtEl>
+                </p:cond>
+              </p:prevCondLst>
+              <p:nextCondLst>
+                <p:cond evt="onNext" delay="0">
+                  <p:tgtEl>
+                    <p:sldTgt/>
+                  </p:tgtEl>
+                </p:cond>
+              </p:nextCondLst>
+            </p:seq>
+          </p:childTnLst>
+        </p:cTn>
+      </p:par>
+    </p:tnLst>
+    <p:bldLst>
+      <p:bldP spid="7" grpId="0"/>
+      <p:bldP spid="14" grpId="0" bldLvl="0" animBg="1"/>
+      <p:bldP spid="9" grpId="0"/>
+      <p:bldP spid="8" grpId="0" bldLvl="0" animBg="1"/>
+    </p:bldLst>
+  </p:timing>
+</p:sld>
+</file>
+
+<file path=ppt/slides/slide53.xml><?xml version="1.0" encoding="utf-8"?>
+<p:sld xmlns:a="http://schemas.openxmlformats.org/drawingml/2006/main" xmlns:r="http://schemas.openxmlformats.org/officeDocument/2006/relationships" xmlns:p="http://schemas.openxmlformats.org/presentationml/2006/main">
+  <p:cSld>
+    <p:spTree>
+      <p:nvGrpSpPr>
+        <p:cNvPr id="1" name=""/>
+        <p:cNvGrpSpPr/>
+        <p:nvPr/>
+      </p:nvGrpSpPr>
+      <p:grpSpPr/>
+      <p:sp>
+        <p:nvSpPr>
+          <p:cNvPr id="2" name="Title 1"/>
+          <p:cNvSpPr>
+            <a:spLocks noGrp="1"/>
+          </p:cNvSpPr>
+          <p:nvPr>
+            <p:ph type="title"/>
+          </p:nvPr>
+        </p:nvSpPr>
+        <p:spPr/>
+        <p:txBody>
+          <a:bodyPr/>
+          <a:p>
+            <a:r>
+              <a:rPr lang="zh-CN" altLang="en-US">
+                <a:sym typeface="+mn-ea"/>
+              </a:rPr>
+              <a:t>循环中的</a:t>
+            </a:r>
+            <a:r>
+              <a:rPr lang="en-US" altLang="zh-CN">
+                <a:sym typeface="+mn-ea"/>
+              </a:rPr>
+              <a:t> if </a:t>
+            </a:r>
+            <a:r>
+              <a:rPr lang="zh-CN" altLang="en-US">
+                <a:sym typeface="+mn-ea"/>
+              </a:rPr>
+              <a:t>语句：挪到外面来（续）</a:t>
+            </a:r>
+            <a:endParaRPr lang="en-US"/>
+          </a:p>
+        </p:txBody>
+      </p:sp>
+      <p:pic>
+        <p:nvPicPr>
+          <p:cNvPr id="5" name="Content Placeholder 4"/>
+          <p:cNvPicPr>
+            <a:picLocks noChangeAspect="1"/>
+          </p:cNvPicPr>
+          <p:nvPr>
+            <p:ph sz="half" idx="1"/>
+          </p:nvPr>
+        </p:nvPicPr>
+        <p:blipFill>
+          <a:blip r:embed="rId1"/>
+          <a:stretch>
+            <a:fillRect/>
+          </a:stretch>
+        </p:blipFill>
+        <p:spPr>
+          <a:xfrm>
+            <a:off x="2920365" y="2061210"/>
+            <a:ext cx="6634480" cy="2039620"/>
+          </a:xfrm>
+          <a:prstGeom prst="rect">
+            <a:avLst/>
+          </a:prstGeom>
+        </p:spPr>
+      </p:pic>
+      <p:sp>
+        <p:nvSpPr>
+          <p:cNvPr id="6" name="Text Box 5"/>
+          <p:cNvSpPr txBox="1"/>
+          <p:nvPr/>
+        </p:nvSpPr>
+        <p:spPr>
+          <a:xfrm>
+            <a:off x="774700" y="1379855"/>
+            <a:ext cx="10641965" cy="645160"/>
+          </a:xfrm>
+          <a:prstGeom prst="rect">
+            <a:avLst/>
+          </a:prstGeom>
+          <a:noFill/>
+        </p:spPr>
+        <p:txBody>
+          <a:bodyPr wrap="square" rtlCol="0">
+            <a:spAutoFit/>
+          </a:bodyPr>
+          <a:p>
+            <a:r>
+              <a:rPr lang="zh-CN" altLang="en-US"/>
+              <a:t>编译器看到</a:t>
+            </a:r>
+            <a:r>
+              <a:rPr lang="en-US" altLang="zh-CN"/>
+              <a:t> is_mul </a:t>
+            </a:r>
+            <a:r>
+              <a:rPr lang="zh-CN" altLang="en-US"/>
+              <a:t>是一个常量，于是把</a:t>
+            </a:r>
+            <a:r>
+              <a:rPr lang="en-US" altLang="zh-CN"/>
+              <a:t> if </a:t>
+            </a:r>
+            <a:r>
+              <a:rPr lang="zh-CN" altLang="en-US"/>
+              <a:t>分支判断挪到了</a:t>
+            </a:r>
+            <a:r>
+              <a:rPr lang="en-US" altLang="zh-CN"/>
+              <a:t> for </a:t>
+            </a:r>
+            <a:r>
+              <a:rPr lang="zh-CN" altLang="en-US"/>
+              <a:t>外面来。</a:t>
+            </a:r>
+            <a:endParaRPr lang="zh-CN" altLang="en-US"/>
+          </a:p>
+          <a:p>
+            <a:r>
+              <a:rPr lang="zh-CN" altLang="en-US"/>
+              <a:t>相当于生成了两个版本，一个乘法，一个加法。</a:t>
+            </a:r>
+            <a:endParaRPr lang="zh-CN" altLang="en-US"/>
+          </a:p>
+        </p:txBody>
+      </p:sp>
+      <p:pic>
+        <p:nvPicPr>
+          <p:cNvPr id="7" name="Content Placeholder 6"/>
+          <p:cNvPicPr>
+            <a:picLocks noChangeAspect="1"/>
+          </p:cNvPicPr>
+          <p:nvPr>
+            <p:ph sz="half" idx="2"/>
+          </p:nvPr>
+        </p:nvPicPr>
+        <p:blipFill>
+          <a:blip r:embed="rId2"/>
+          <a:stretch>
+            <a:fillRect/>
+          </a:stretch>
+        </p:blipFill>
+        <p:spPr>
+          <a:xfrm>
+            <a:off x="2920365" y="4254500"/>
+            <a:ext cx="6634480" cy="2435225"/>
+          </a:xfrm>
+          <a:prstGeom prst="rect">
+            <a:avLst/>
+          </a:prstGeom>
+        </p:spPr>
+      </p:pic>
+      <p:sp>
+        <p:nvSpPr>
+          <p:cNvPr id="8" name="Text Box 7"/>
+          <p:cNvSpPr txBox="1"/>
+          <p:nvPr/>
+        </p:nvSpPr>
+        <p:spPr>
+          <a:xfrm>
+            <a:off x="1858010" y="2790190"/>
+            <a:ext cx="970915" cy="368300"/>
+          </a:xfrm>
+          <a:prstGeom prst="rect">
+            <a:avLst/>
+          </a:prstGeom>
+          <a:noFill/>
+        </p:spPr>
+        <p:txBody>
+          <a:bodyPr wrap="square" rtlCol="0">
+            <a:spAutoFit/>
+          </a:bodyPr>
+          <a:p>
+            <a:r>
+              <a:rPr lang="zh-CN" altLang="en-US"/>
+              <a:t>优化前：</a:t>
+            </a:r>
+            <a:endParaRPr lang="zh-CN" altLang="en-US"/>
+          </a:p>
+        </p:txBody>
+      </p:sp>
+      <p:sp>
+        <p:nvSpPr>
+          <p:cNvPr id="10" name="Text Box 9"/>
+          <p:cNvSpPr txBox="1"/>
+          <p:nvPr/>
+        </p:nvSpPr>
+        <p:spPr>
+          <a:xfrm>
+            <a:off x="1858010" y="5058410"/>
+            <a:ext cx="930275" cy="368300"/>
+          </a:xfrm>
+          <a:prstGeom prst="rect">
+            <a:avLst/>
+          </a:prstGeom>
+          <a:noFill/>
+        </p:spPr>
+        <p:txBody>
+          <a:bodyPr wrap="square" rtlCol="0">
+            <a:spAutoFit/>
+          </a:bodyPr>
+          <a:p>
+            <a:r>
+              <a:rPr lang="zh-CN" altLang="en-US"/>
+              <a:t>优化后：</a:t>
+            </a:r>
+            <a:endParaRPr lang="zh-CN" altLang="en-US"/>
+          </a:p>
+        </p:txBody>
+      </p:sp>
+      <p:sp>
+        <p:nvSpPr>
+          <p:cNvPr id="11" name="Text Box 10"/>
+          <p:cNvSpPr txBox="1"/>
+          <p:nvPr/>
+        </p:nvSpPr>
+        <p:spPr>
+          <a:xfrm>
+            <a:off x="10095865" y="3505200"/>
+            <a:ext cx="1778000" cy="922020"/>
+          </a:xfrm>
+          <a:prstGeom prst="rect">
+            <a:avLst/>
+          </a:prstGeom>
+          <a:noFill/>
+        </p:spPr>
+        <p:txBody>
+          <a:bodyPr wrap="square" rtlCol="0">
+            <a:spAutoFit/>
+          </a:bodyPr>
+          <a:p>
+            <a:r>
+              <a:rPr lang="zh-CN" altLang="en-US"/>
+              <a:t>这样就可以自由地使用</a:t>
+            </a:r>
+            <a:r>
+              <a:rPr lang="en-US" altLang="zh-CN"/>
+              <a:t> SIMD </a:t>
+            </a:r>
+            <a:r>
+              <a:rPr lang="zh-CN" altLang="en-US"/>
+              <a:t>指令啦</a:t>
+            </a:r>
+            <a:endParaRPr lang="zh-CN" altLang="en-US"/>
+          </a:p>
+        </p:txBody>
+      </p:sp>
+    </p:spTree>
+  </p:cSld>
+  <p:clrMapOvr>
+    <a:masterClrMapping/>
+  </p:clrMapOvr>
+  <p:timing>
+    <p:tnLst>
+      <p:par>
+        <p:cTn id="1" dur="indefinite" restart="never" nodeType="tmRoot">
+          <p:childTnLst>
+            <p:seq concurrent="1" nextAc="seek">
+              <p:cTn id="2" dur="indefinite" nodeType="mainSeq">
+                <p:childTnLst>
+                  <p:par>
+                    <p:cTn id="3" fill="hold">
+                      <p:stCondLst>
+                        <p:cond delay="indefinite"/>
+                      </p:stCondLst>
+                      <p:childTnLst>
+                        <p:par>
+                          <p:cTn id="4" fill="hold">
+                            <p:stCondLst>
+                              <p:cond delay="0"/>
+                            </p:stCondLst>
+                            <p:childTnLst>
+                              <p:par>
+                                <p:cTn id="5" presetID="9" presetClass="entr" presetSubtype="0" fill="hold" grpId="0" nodeType="clickEffect">
+                                  <p:stCondLst>
+                                    <p:cond delay="0"/>
+                                  </p:stCondLst>
+                                  <p:childTnLst>
+                                    <p:set>
+                                      <p:cBhvr>
+                                        <p:cTn id="6" dur="1" fill="hold">
+                                          <p:stCondLst>
+                                            <p:cond delay="0"/>
+                                          </p:stCondLst>
+                                        </p:cTn>
+                                        <p:tgtEl>
+                                          <p:spTgt spid="11"/>
+                                        </p:tgtEl>
+                                        <p:attrNameLst>
+                                          <p:attrName>style.visibility</p:attrName>
+                                        </p:attrNameLst>
+                                      </p:cBhvr>
+                                      <p:to>
+                                        <p:strVal val="visible"/>
+                                      </p:to>
+                                    </p:set>
+                                    <p:animEffect transition="in" filter="dissolve">
+                                      <p:cBhvr>
+                                        <p:cTn id="7" dur="500"/>
+                                        <p:tgtEl>
+                                          <p:spTgt spid="11"/>
+                                        </p:tgtEl>
+                                      </p:cBhvr>
+                                    </p:animEffect>
+                                  </p:childTnLst>
+                                </p:cTn>
+                              </p:par>
+                            </p:childTnLst>
+                          </p:cTn>
+                        </p:par>
+                      </p:childTnLst>
+                    </p:cTn>
+                  </p:par>
+                </p:childTnLst>
+              </p:cTn>
+              <p:prevCondLst>
+                <p:cond evt="onPrev" delay="0">
+                  <p:tgtEl>
+                    <p:sldTgt/>
+                  </p:tgtEl>
+                </p:cond>
+              </p:prevCondLst>
+              <p:nextCondLst>
+                <p:cond evt="onNext" delay="0">
+                  <p:tgtEl>
+                    <p:sldTgt/>
+                  </p:tgtEl>
+                </p:cond>
+              </p:nextCondLst>
+            </p:seq>
+          </p:childTnLst>
+        </p:cTn>
+      </p:par>
+    </p:tnLst>
+    <p:bldLst>
+      <p:bldP spid="11" grpId="0"/>
+    </p:bldLst>
+  </p:timing>
 </p:sld>
 </file>
 

--- a/04/slides.pptx
+++ b/04/slides.pptx
@@ -8,7 +8,7 @@
     <p:notesMasterId r:id="rId5"/>
   </p:notesMasterIdLst>
   <p:handoutMasterIdLst>
-    <p:handoutMasterId r:id="rId57"/>
+    <p:handoutMasterId r:id="rId66"/>
   </p:handoutMasterIdLst>
   <p:sldIdLst>
     <p:sldId id="256" r:id="rId3"/>
@@ -46,24 +46,33 @@
     <p:sldId id="297" r:id="rId36"/>
     <p:sldId id="300" r:id="rId37"/>
     <p:sldId id="303" r:id="rId38"/>
-    <p:sldId id="305" r:id="rId39"/>
-    <p:sldId id="306" r:id="rId40"/>
-    <p:sldId id="307" r:id="rId41"/>
-    <p:sldId id="308" r:id="rId42"/>
-    <p:sldId id="314" r:id="rId43"/>
-    <p:sldId id="309" r:id="rId44"/>
-    <p:sldId id="310" r:id="rId45"/>
-    <p:sldId id="311" r:id="rId46"/>
-    <p:sldId id="312" r:id="rId47"/>
-    <p:sldId id="313" r:id="rId48"/>
-    <p:sldId id="315" r:id="rId49"/>
-    <p:sldId id="316" r:id="rId50"/>
-    <p:sldId id="317" r:id="rId51"/>
-    <p:sldId id="318" r:id="rId52"/>
-    <p:sldId id="320" r:id="rId53"/>
-    <p:sldId id="357" r:id="rId54"/>
-    <p:sldId id="358" r:id="rId55"/>
-    <p:sldId id="359" r:id="rId56"/>
+    <p:sldId id="367" r:id="rId39"/>
+    <p:sldId id="305" r:id="rId40"/>
+    <p:sldId id="306" r:id="rId41"/>
+    <p:sldId id="307" r:id="rId42"/>
+    <p:sldId id="308" r:id="rId43"/>
+    <p:sldId id="314" r:id="rId44"/>
+    <p:sldId id="309" r:id="rId45"/>
+    <p:sldId id="310" r:id="rId46"/>
+    <p:sldId id="311" r:id="rId47"/>
+    <p:sldId id="312" r:id="rId48"/>
+    <p:sldId id="313" r:id="rId49"/>
+    <p:sldId id="315" r:id="rId50"/>
+    <p:sldId id="316" r:id="rId51"/>
+    <p:sldId id="317" r:id="rId52"/>
+    <p:sldId id="318" r:id="rId53"/>
+    <p:sldId id="320" r:id="rId54"/>
+    <p:sldId id="357" r:id="rId55"/>
+    <p:sldId id="358" r:id="rId56"/>
+    <p:sldId id="359" r:id="rId57"/>
+    <p:sldId id="368" r:id="rId58"/>
+    <p:sldId id="369" r:id="rId59"/>
+    <p:sldId id="360" r:id="rId60"/>
+    <p:sldId id="362" r:id="rId61"/>
+    <p:sldId id="363" r:id="rId62"/>
+    <p:sldId id="364" r:id="rId63"/>
+    <p:sldId id="365" r:id="rId64"/>
+    <p:sldId id="366" r:id="rId65"/>
   </p:sldIdLst>
   <p:sldSz cx="12192000" cy="6858000"/>
   <p:notesSz cx="7103745" cy="10234295"/>
@@ -3952,12 +3961,16 @@
         <p:spPr/>
         <p:txBody>
           <a:bodyPr>
-            <a:normAutofit/>
+            <a:normAutofit fontScale="90000"/>
           </a:bodyPr>
           <a:p>
             <a:r>
-              <a:rPr lang="zh-CN" altLang="en-US"/>
-              <a:t>论编译器自动优化</a:t>
+              <a:rPr lang="en-US" altLang="zh-CN"/>
+              <a:t>C/C++</a:t>
+            </a:r>
+            <a:r>
+              <a:rPr lang="zh-CN" altLang="en-US"/>
+              <a:t>编译器中的自动优化</a:t>
             </a:r>
             <a:endParaRPr lang="en-US" altLang="zh-CN"/>
           </a:p>
@@ -9186,8 +9199,199 @@
           <a:bodyPr/>
           <a:p>
             <a:r>
-              <a:rPr lang="zh-CN" altLang="en-US"/>
-              <a:t>放弃优化：</a:t>
+              <a:rPr lang="en-US"/>
+              <a:t>__restrict </a:t>
+            </a:r>
+            <a:r>
+              <a:rPr lang="zh-CN" altLang="en-US"/>
+              <a:t>关键字：只需加在非</a:t>
+            </a:r>
+            <a:r>
+              <a:rPr lang="en-US" altLang="zh-CN"/>
+              <a:t> const </a:t>
+            </a:r>
+            <a:r>
+              <a:rPr lang="zh-CN" altLang="en-US"/>
+              <a:t>的即可</a:t>
+            </a:r>
+            <a:endParaRPr lang="zh-CN" altLang="en-US"/>
+          </a:p>
+        </p:txBody>
+      </p:sp>
+      <p:pic>
+        <p:nvPicPr>
+          <p:cNvPr id="5" name="Content Placeholder 4"/>
+          <p:cNvPicPr>
+            <a:picLocks noChangeAspect="1"/>
+          </p:cNvPicPr>
+          <p:nvPr>
+            <p:ph sz="half" idx="1"/>
+          </p:nvPr>
+        </p:nvPicPr>
+        <p:blipFill>
+          <a:blip r:embed="rId1"/>
+          <a:stretch>
+            <a:fillRect/>
+          </a:stretch>
+        </p:blipFill>
+        <p:spPr>
+          <a:xfrm>
+            <a:off x="2124710" y="1584325"/>
+            <a:ext cx="7414260" cy="1085850"/>
+          </a:xfrm>
+          <a:prstGeom prst="rect">
+            <a:avLst/>
+          </a:prstGeom>
+        </p:spPr>
+      </p:pic>
+      <p:pic>
+        <p:nvPicPr>
+          <p:cNvPr id="6" name="Content Placeholder 5"/>
+          <p:cNvPicPr>
+            <a:picLocks noChangeAspect="1"/>
+          </p:cNvPicPr>
+          <p:nvPr>
+            <p:ph sz="half" idx="2"/>
+          </p:nvPr>
+        </p:nvPicPr>
+        <p:blipFill>
+          <a:blip r:embed="rId2"/>
+          <a:stretch>
+            <a:fillRect/>
+          </a:stretch>
+        </p:blipFill>
+        <p:spPr>
+          <a:xfrm>
+            <a:off x="3003550" y="3940175"/>
+            <a:ext cx="5805170" cy="2533650"/>
+          </a:xfrm>
+          <a:prstGeom prst="rect">
+            <a:avLst/>
+          </a:prstGeom>
+        </p:spPr>
+      </p:pic>
+      <p:sp>
+        <p:nvSpPr>
+          <p:cNvPr id="7" name="Text Box 6"/>
+          <p:cNvSpPr txBox="1"/>
+          <p:nvPr/>
+        </p:nvSpPr>
+        <p:spPr>
+          <a:xfrm>
+            <a:off x="3540760" y="2670175"/>
+            <a:ext cx="4946015" cy="1198880"/>
+          </a:xfrm>
+          <a:prstGeom prst="rect">
+            <a:avLst/>
+          </a:prstGeom>
+          <a:noFill/>
+        </p:spPr>
+        <p:txBody>
+          <a:bodyPr wrap="square" rtlCol="0">
+            <a:spAutoFit/>
+          </a:bodyPr>
+          <a:p>
+            <a:r>
+              <a:rPr lang="zh-CN" altLang="en-US"/>
+              <a:t>实际上，</a:t>
+            </a:r>
+            <a:r>
+              <a:rPr lang="en-US" altLang="zh-CN"/>
+              <a:t>__restrict </a:t>
+            </a:r>
+            <a:r>
+              <a:rPr lang="zh-CN" altLang="en-US"/>
+              <a:t>只需要加在所有具有写入访问的指针（这里是</a:t>
+            </a:r>
+            <a:r>
+              <a:rPr lang="en-US" altLang="zh-CN"/>
+              <a:t> c</a:t>
+            </a:r>
+            <a:r>
+              <a:rPr lang="zh-CN" altLang="en-US"/>
+              <a:t>）上，就可以优化成功。</a:t>
+            </a:r>
+            <a:endParaRPr lang="zh-CN" altLang="en-US"/>
+          </a:p>
+          <a:p>
+            <a:r>
+              <a:rPr lang="zh-CN" altLang="en-US"/>
+              <a:t>而我们可以用</a:t>
+            </a:r>
+            <a:r>
+              <a:rPr lang="en-US" altLang="zh-CN"/>
+              <a:t> const </a:t>
+            </a:r>
+            <a:r>
+              <a:rPr lang="zh-CN" altLang="en-US"/>
+              <a:t>禁止写入访问。</a:t>
+            </a:r>
+            <a:endParaRPr lang="zh-CN" altLang="en-US"/>
+          </a:p>
+          <a:p>
+            <a:r>
+              <a:rPr lang="zh-CN" altLang="en-US"/>
+              <a:t>结论：</a:t>
+            </a:r>
+            <a:r>
+              <a:rPr lang="zh-CN" altLang="en-US" b="1"/>
+              <a:t>所有非</a:t>
+            </a:r>
+            <a:r>
+              <a:rPr lang="en-US" altLang="zh-CN" b="1"/>
+              <a:t> const </a:t>
+            </a:r>
+            <a:r>
+              <a:rPr lang="zh-CN" altLang="en-US" b="1"/>
+              <a:t>的指针都声明</a:t>
+            </a:r>
+            <a:r>
+              <a:rPr lang="en-US" altLang="zh-CN" b="1"/>
+              <a:t> __restrict</a:t>
+            </a:r>
+            <a:r>
+              <a:rPr lang="zh-CN" altLang="en-US"/>
+              <a:t>。</a:t>
+            </a:r>
+            <a:endParaRPr lang="zh-CN" altLang="en-US"/>
+          </a:p>
+        </p:txBody>
+      </p:sp>
+    </p:spTree>
+  </p:cSld>
+  <p:clrMapOvr>
+    <a:masterClrMapping/>
+  </p:clrMapOvr>
+</p:sld>
+</file>
+
+<file path=ppt/slides/slide37.xml><?xml version="1.0" encoding="utf-8"?>
+<p:sld xmlns:a="http://schemas.openxmlformats.org/drawingml/2006/main" xmlns:r="http://schemas.openxmlformats.org/officeDocument/2006/relationships" xmlns:p="http://schemas.openxmlformats.org/presentationml/2006/main">
+  <p:cSld>
+    <p:spTree>
+      <p:nvGrpSpPr>
+        <p:cNvPr id="1" name=""/>
+        <p:cNvGrpSpPr/>
+        <p:nvPr/>
+      </p:nvGrpSpPr>
+      <p:grpSpPr/>
+      <p:sp>
+        <p:nvSpPr>
+          <p:cNvPr id="2" name="Title 1"/>
+          <p:cNvSpPr>
+            <a:spLocks noGrp="1"/>
+          </p:cNvSpPr>
+          <p:nvPr>
+            <p:ph type="title"/>
+          </p:nvPr>
+        </p:nvSpPr>
+        <p:spPr/>
+        <p:txBody>
+          <a:bodyPr/>
+          <a:p>
+            <a:r>
+              <a:rPr lang="zh-CN" altLang="en-US"/>
+              <a:t>禁止优化：</a:t>
             </a:r>
             <a:r>
               <a:rPr lang="en-US" altLang="zh-CN"/>
@@ -9273,9 +9477,69 @@
           </a:prstGeom>
         </p:spPr>
       </p:pic>
+      <p:sp>
+        <p:nvSpPr>
+          <p:cNvPr id="9" name="Text Box 8"/>
+          <p:cNvSpPr txBox="1"/>
+          <p:nvPr/>
+        </p:nvSpPr>
+        <p:spPr>
+          <a:xfrm>
+            <a:off x="949325" y="3474720"/>
+            <a:ext cx="3576955" cy="922020"/>
+          </a:xfrm>
+          <a:prstGeom prst="rect">
+            <a:avLst/>
+          </a:prstGeom>
+          <a:noFill/>
+        </p:spPr>
+        <p:txBody>
+          <a:bodyPr wrap="square" rtlCol="0">
+            <a:spAutoFit/>
+          </a:bodyPr>
+          <a:p>
+            <a:r>
+              <a:rPr lang="zh-CN" altLang="en-US"/>
+              <a:t>结论：加了</a:t>
+            </a:r>
+            <a:r>
+              <a:rPr lang="en-US" altLang="zh-CN"/>
+              <a:t> volatile </a:t>
+            </a:r>
+            <a:r>
+              <a:rPr lang="zh-CN" altLang="en-US"/>
+              <a:t>的对象，编译器</a:t>
+            </a:r>
+            <a:r>
+              <a:rPr lang="zh-CN" altLang="en-US" b="1"/>
+              <a:t>会放弃优化</a:t>
+            </a:r>
+            <a:r>
+              <a:rPr lang="zh-CN" altLang="en-US"/>
+              <a:t>对他的</a:t>
+            </a:r>
+            <a:r>
+              <a:rPr lang="zh-CN" altLang="en-US" b="1"/>
+              <a:t>读写操作</a:t>
+            </a:r>
+            <a:r>
+              <a:rPr lang="zh-CN" altLang="en-US"/>
+              <a:t>。</a:t>
+            </a:r>
+            <a:endParaRPr lang="zh-CN" altLang="en-US"/>
+          </a:p>
+          <a:p>
+            <a:r>
+              <a:rPr lang="zh-CN" altLang="en-US"/>
+              <a:t>做性能实验的时候非常有用。</a:t>
+            </a:r>
+            <a:endParaRPr lang="en-US" altLang="zh-CN"/>
+          </a:p>
+        </p:txBody>
+      </p:sp>
       <p:pic>
         <p:nvPicPr>
-          <p:cNvPr id="8" name="Picture 7"/>
+          <p:cNvPr id="3" name="Picture 2"/>
           <p:cNvPicPr>
             <a:picLocks noChangeAspect="1"/>
           </p:cNvPicPr>
@@ -9289,58 +9553,14 @@
         </p:blipFill>
         <p:spPr>
           <a:xfrm>
-            <a:off x="1394460" y="4574540"/>
-            <a:ext cx="3689985" cy="1143000"/>
+            <a:off x="993775" y="4745990"/>
+            <a:ext cx="4229100" cy="1205230"/>
           </a:xfrm>
           <a:prstGeom prst="rect">
             <a:avLst/>
           </a:prstGeom>
         </p:spPr>
       </p:pic>
-      <p:sp>
-        <p:nvSpPr>
-          <p:cNvPr id="9" name="Text Box 8"/>
-          <p:cNvSpPr txBox="1"/>
-          <p:nvPr/>
-        </p:nvSpPr>
-        <p:spPr>
-          <a:xfrm>
-            <a:off x="949325" y="3474720"/>
-            <a:ext cx="3576955" cy="922020"/>
-          </a:xfrm>
-          <a:prstGeom prst="rect">
-            <a:avLst/>
-          </a:prstGeom>
-          <a:noFill/>
-        </p:spPr>
-        <p:txBody>
-          <a:bodyPr wrap="square" rtlCol="0">
-            <a:spAutoFit/>
-          </a:bodyPr>
-          <a:p>
-            <a:r>
-              <a:rPr lang="zh-CN" altLang="en-US"/>
-              <a:t>结论：加了</a:t>
-            </a:r>
-            <a:r>
-              <a:rPr lang="en-US" altLang="zh-CN"/>
-              <a:t> volatile </a:t>
-            </a:r>
-            <a:r>
-              <a:rPr lang="zh-CN" altLang="en-US"/>
-              <a:t>的对象，编译器不会试图优化对他的读写访问。</a:t>
-            </a:r>
-            <a:endParaRPr lang="zh-CN" altLang="en-US"/>
-          </a:p>
-          <a:p>
-            <a:r>
-              <a:rPr lang="zh-CN" altLang="en-US"/>
-              <a:t>做性能实验的时候非常有用！</a:t>
-            </a:r>
-            <a:endParaRPr lang="zh-CN" altLang="en-US"/>
-          </a:p>
-        </p:txBody>
-      </p:sp>
     </p:spTree>
   </p:cSld>
   <p:clrMapOvr>
@@ -9435,301 +9655,6 @@
 </p:sld>
 </file>
 
-<file path=ppt/slides/slide37.xml><?xml version="1.0" encoding="utf-8"?>
-<p:sld xmlns:a="http://schemas.openxmlformats.org/drawingml/2006/main" xmlns:r="http://schemas.openxmlformats.org/officeDocument/2006/relationships" xmlns:p="http://schemas.openxmlformats.org/presentationml/2006/main">
-  <p:cSld>
-    <p:spTree>
-      <p:nvGrpSpPr>
-        <p:cNvPr id="1" name=""/>
-        <p:cNvGrpSpPr/>
-        <p:nvPr/>
-      </p:nvGrpSpPr>
-      <p:grpSpPr/>
-      <p:sp>
-        <p:nvSpPr>
-          <p:cNvPr id="5" name="Title 4"/>
-          <p:cNvSpPr>
-            <a:spLocks noGrp="1"/>
-          </p:cNvSpPr>
-          <p:nvPr>
-            <p:ph type="title"/>
-          </p:nvPr>
-        </p:nvSpPr>
-        <p:spPr/>
-        <p:txBody>
-          <a:bodyPr/>
-          <a:p>
-            <a:r>
-              <a:rPr lang="zh-CN" altLang="en-US"/>
-              <a:t>注意一下区别</a:t>
-            </a:r>
-            <a:endParaRPr lang="zh-CN" altLang="en-US"/>
-          </a:p>
-        </p:txBody>
-      </p:sp>
-      <p:sp>
-        <p:nvSpPr>
-          <p:cNvPr id="6" name="Content Placeholder 5"/>
-          <p:cNvSpPr>
-            <a:spLocks noGrp="1"/>
-          </p:cNvSpPr>
-          <p:nvPr>
-            <p:ph idx="1"/>
-          </p:nvPr>
-        </p:nvSpPr>
-        <p:spPr/>
-        <p:txBody>
-          <a:bodyPr/>
-          <a:p>
-            <a:pPr marL="457200" indent="-457200">
-              <a:buAutoNum type="arabicPeriod"/>
-            </a:pPr>
-            <a:r>
-              <a:rPr lang="en-US"/>
-              <a:t>volatile int *a</a:t>
-            </a:r>
-            <a:endParaRPr lang="en-US"/>
-          </a:p>
-          <a:p>
-            <a:pPr marL="457200" indent="-457200">
-              <a:buAutoNum type="arabicPeriod"/>
-            </a:pPr>
-            <a:r>
-              <a:rPr lang="en-US"/>
-              <a:t>int *__restrict a</a:t>
-            </a:r>
-            <a:endParaRPr lang="zh-CN" altLang="en-US"/>
-          </a:p>
-          <a:p>
-            <a:pPr marL="457200" indent="-457200"/>
-            <a:r>
-              <a:rPr lang="zh-CN" altLang="en-US"/>
-              <a:t>语法上区别：</a:t>
-            </a:r>
-            <a:r>
-              <a:rPr lang="en-US"/>
-              <a:t>volatile </a:t>
-            </a:r>
-            <a:r>
-              <a:rPr lang="zh-CN" altLang="en-US"/>
-              <a:t>在</a:t>
-            </a:r>
-            <a:r>
-              <a:rPr lang="en-US" altLang="zh-CN"/>
-              <a:t> * </a:t>
-            </a:r>
-            <a:r>
-              <a:rPr lang="zh-CN" altLang="en-US"/>
-              <a:t>前面而</a:t>
-            </a:r>
-            <a:r>
-              <a:rPr lang="en-US" altLang="zh-CN"/>
-              <a:t> __restrict </a:t>
-            </a:r>
-            <a:r>
-              <a:rPr lang="zh-CN" altLang="en-US"/>
-              <a:t>在</a:t>
-            </a:r>
-            <a:r>
-              <a:rPr lang="en-US" altLang="zh-CN"/>
-              <a:t> * </a:t>
-            </a:r>
-            <a:r>
-              <a:rPr lang="zh-CN" altLang="en-US"/>
-              <a:t>后面。</a:t>
-            </a:r>
-            <a:endParaRPr lang="zh-CN" altLang="en-US"/>
-          </a:p>
-          <a:p>
-            <a:pPr marL="457200" indent="-457200"/>
-            <a:r>
-              <a:rPr lang="zh-CN" altLang="en-US"/>
-              <a:t>功能上区别：</a:t>
-            </a:r>
-            <a:r>
-              <a:rPr lang="en-US" altLang="zh-CN"/>
-              <a:t>volatile </a:t>
-            </a:r>
-            <a:r>
-              <a:rPr lang="zh-CN" altLang="en-US"/>
-              <a:t>是禁用优化，</a:t>
-            </a:r>
-            <a:r>
-              <a:rPr lang="en-US" altLang="zh-CN"/>
-              <a:t>__restrict </a:t>
-            </a:r>
-            <a:r>
-              <a:rPr lang="zh-CN" altLang="en-US"/>
-              <a:t>是帮助优化。</a:t>
-            </a:r>
-            <a:endParaRPr lang="zh-CN" altLang="en-US"/>
-          </a:p>
-          <a:p>
-            <a:pPr marL="457200" indent="-457200"/>
-            <a:r>
-              <a:rPr lang="zh-CN" altLang="en-US"/>
-              <a:t>是否属于标准上区别：</a:t>
-            </a:r>
-            <a:endParaRPr lang="zh-CN" altLang="en-US"/>
-          </a:p>
-          <a:p>
-            <a:pPr marL="457200" indent="-457200"/>
-            <a:r>
-              <a:rPr lang="en-US" altLang="zh-CN"/>
-              <a:t>volatile </a:t>
-            </a:r>
-            <a:r>
-              <a:rPr lang="zh-CN" altLang="en-US"/>
-              <a:t>和</a:t>
-            </a:r>
-            <a:r>
-              <a:rPr lang="en-US" altLang="zh-CN"/>
-              <a:t> const </a:t>
-            </a:r>
-            <a:r>
-              <a:rPr lang="zh-CN" altLang="en-US"/>
-              <a:t>一样是</a:t>
-            </a:r>
-            <a:r>
-              <a:rPr lang="en-US" altLang="zh-CN"/>
-              <a:t> C++ </a:t>
-            </a:r>
-            <a:r>
-              <a:rPr lang="zh-CN" altLang="en-US"/>
-              <a:t>标准的一部分。</a:t>
-            </a:r>
-            <a:endParaRPr lang="zh-CN" altLang="en-US"/>
-          </a:p>
-          <a:p>
-            <a:pPr marL="457200" indent="-457200"/>
-            <a:r>
-              <a:rPr lang="en-US" altLang="zh-CN"/>
-              <a:t>restrict </a:t>
-            </a:r>
-            <a:r>
-              <a:rPr lang="zh-CN" altLang="en-US"/>
-              <a:t>是</a:t>
-            </a:r>
-            <a:r>
-              <a:rPr lang="en-US" altLang="zh-CN"/>
-              <a:t> C99 </a:t>
-            </a:r>
-            <a:r>
-              <a:rPr lang="zh-CN" altLang="en-US"/>
-              <a:t>标准关键字，但不是</a:t>
-            </a:r>
-            <a:r>
-              <a:rPr lang="en-US" altLang="zh-CN"/>
-              <a:t> C++ </a:t>
-            </a:r>
-            <a:r>
-              <a:rPr lang="zh-CN" altLang="en-US"/>
-              <a:t>标准的关键字。</a:t>
-            </a:r>
-            <a:endParaRPr lang="zh-CN" altLang="en-US"/>
-          </a:p>
-          <a:p>
-            <a:pPr marL="457200" indent="-457200"/>
-            <a:r>
-              <a:rPr lang="zh-CN" altLang="en-US"/>
-              <a:t>注：</a:t>
-            </a:r>
-            <a:r>
-              <a:rPr lang="en-US" altLang="zh-CN"/>
-              <a:t>__restrict </a:t>
-            </a:r>
-            <a:r>
-              <a:rPr lang="zh-CN" altLang="en-US"/>
-              <a:t>其实是编译器的</a:t>
-            </a:r>
-            <a:r>
-              <a:rPr lang="zh-CN" altLang="en-US">
-                <a:sym typeface="+mn-ea"/>
-              </a:rPr>
-              <a:t>“</a:t>
-            </a:r>
-            <a:r>
-              <a:rPr lang="zh-CN" altLang="en-US"/>
-              <a:t>私货”，好在大多数主流编译器都支持。</a:t>
-            </a:r>
-            <a:endParaRPr lang="zh-CN" altLang="en-US"/>
-          </a:p>
-          <a:p>
-            <a:pPr marL="457200" indent="-457200"/>
-            <a:r>
-              <a:rPr lang="zh-CN" altLang="en-US" strike="sngStrike">
-                <a:solidFill>
-                  <a:schemeClr val="bg1">
-                    <a:lumMod val="65000"/>
-                  </a:schemeClr>
-                </a:solidFill>
-                <a:uFillTx/>
-              </a:rPr>
-              <a:t>所以无耻的</a:t>
-            </a:r>
-            <a:r>
-              <a:rPr lang="en-US" altLang="zh-CN" strike="sngStrike">
-                <a:solidFill>
-                  <a:schemeClr val="bg1">
-                    <a:lumMod val="65000"/>
-                  </a:schemeClr>
-                </a:solidFill>
-                <a:uFillTx/>
-              </a:rPr>
-              <a:t> C</a:t>
-            </a:r>
-            <a:r>
-              <a:rPr lang="zh-CN" altLang="en-US" strike="sngStrike">
-                <a:solidFill>
-                  <a:schemeClr val="bg1">
-                    <a:lumMod val="65000"/>
-                  </a:schemeClr>
-                </a:solidFill>
-                <a:uFillTx/>
-              </a:rPr>
-              <a:t>艹标准委员会什么时候肯把他加入标准呢？看看人家</a:t>
-            </a:r>
-            <a:r>
-              <a:rPr lang="en-US" altLang="zh-CN" strike="sngStrike">
-                <a:solidFill>
-                  <a:schemeClr val="bg1">
-                    <a:lumMod val="65000"/>
-                  </a:schemeClr>
-                </a:solidFill>
-                <a:uFillTx/>
-              </a:rPr>
-              <a:t> C </a:t>
-            </a:r>
-            <a:r>
-              <a:rPr lang="zh-CN" altLang="en-US" strike="sngStrike">
-                <a:solidFill>
-                  <a:schemeClr val="bg1">
-                    <a:lumMod val="65000"/>
-                  </a:schemeClr>
-                </a:solidFill>
-                <a:uFillTx/>
-              </a:rPr>
-              <a:t>语言。</a:t>
-            </a:r>
-            <a:endParaRPr lang="zh-CN" altLang="en-US" strike="sngStrike">
-              <a:solidFill>
-                <a:schemeClr val="bg1">
-                  <a:lumMod val="65000"/>
-                </a:schemeClr>
-              </a:solidFill>
-              <a:uFillTx/>
-            </a:endParaRPr>
-          </a:p>
-        </p:txBody>
-      </p:sp>
-    </p:spTree>
-  </p:cSld>
-  <p:clrMapOvr>
-    <a:masterClrMapping/>
-  </p:clrMapOvr>
-</p:sld>
-</file>
-
 <file path=ppt/slides/slide38.xml><?xml version="1.0" encoding="utf-8"?>
 <p:sld xmlns:a="http://schemas.openxmlformats.org/drawingml/2006/main" xmlns:r="http://schemas.openxmlformats.org/officeDocument/2006/relationships" xmlns:p="http://schemas.openxmlformats.org/presentationml/2006/main">
   <p:cSld>
@@ -9742,7 +9667,7 @@
       <p:grpSpPr/>
       <p:sp>
         <p:nvSpPr>
-          <p:cNvPr id="2" name="Title 1"/>
+          <p:cNvPr id="5" name="Title 4"/>
           <p:cNvSpPr>
             <a:spLocks noGrp="1"/>
           </p:cNvSpPr>
@@ -9756,106 +9681,268 @@
           <a:p>
             <a:r>
               <a:rPr lang="zh-CN" altLang="en-US"/>
-              <a:t>编译器优化：合并写入</a:t>
+              <a:t>注意一下区别</a:t>
             </a:r>
             <a:endParaRPr lang="zh-CN" altLang="en-US"/>
           </a:p>
         </p:txBody>
       </p:sp>
-      <p:pic>
-        <p:nvPicPr>
-          <p:cNvPr id="10" name="Content Placeholder 9"/>
-          <p:cNvPicPr>
-            <a:picLocks noChangeAspect="1"/>
-          </p:cNvPicPr>
-          <p:nvPr>
-            <p:ph sz="half" idx="2"/>
-          </p:nvPr>
-        </p:nvPicPr>
-        <p:blipFill>
-          <a:blip r:embed="rId1"/>
-          <a:stretch>
-            <a:fillRect/>
-          </a:stretch>
-        </p:blipFill>
-        <p:spPr>
-          <a:xfrm>
-            <a:off x="5981700" y="2170430"/>
-            <a:ext cx="5181600" cy="3661410"/>
-          </a:xfrm>
-          <a:prstGeom prst="rect">
-            <a:avLst/>
-          </a:prstGeom>
-        </p:spPr>
-      </p:pic>
-      <p:pic>
-        <p:nvPicPr>
-          <p:cNvPr id="11" name="Content Placeholder 10"/>
-          <p:cNvPicPr>
-            <a:picLocks noChangeAspect="1"/>
-          </p:cNvPicPr>
-          <p:nvPr>
-            <p:ph sz="half" idx="1"/>
-          </p:nvPr>
-        </p:nvPicPr>
-        <p:blipFill>
-          <a:blip r:embed="rId2"/>
-          <a:stretch>
-            <a:fillRect/>
-          </a:stretch>
-        </p:blipFill>
-        <p:spPr>
-          <a:xfrm>
-            <a:off x="934720" y="3100070"/>
-            <a:ext cx="4606925" cy="1802130"/>
-          </a:xfrm>
-          <a:prstGeom prst="rect">
-            <a:avLst/>
-          </a:prstGeom>
-        </p:spPr>
-      </p:pic>
-      <p:sp>
-        <p:nvSpPr>
-          <p:cNvPr id="12" name="Text Box 11"/>
-          <p:cNvSpPr txBox="1"/>
-          <p:nvPr/>
-        </p:nvSpPr>
-        <p:spPr>
-          <a:xfrm>
-            <a:off x="5043170" y="1073150"/>
-            <a:ext cx="2738755" cy="645160"/>
-          </a:xfrm>
-          <a:prstGeom prst="rect">
-            <a:avLst/>
-          </a:prstGeom>
-          <a:noFill/>
-        </p:spPr>
-        <p:txBody>
-          <a:bodyPr wrap="square" rtlCol="0">
-            <a:spAutoFit/>
-          </a:bodyPr>
-          <a:p>
-            <a:r>
-              <a:rPr lang="zh-CN" altLang="en-US"/>
-              <a:t>将两个</a:t>
+      <p:sp>
+        <p:nvSpPr>
+          <p:cNvPr id="6" name="Content Placeholder 5"/>
+          <p:cNvSpPr>
+            <a:spLocks noGrp="1"/>
+          </p:cNvSpPr>
+          <p:nvPr>
+            <p:ph idx="1"/>
+          </p:nvPr>
+        </p:nvSpPr>
+        <p:spPr/>
+        <p:txBody>
+          <a:bodyPr/>
+          <a:p>
+            <a:pPr marL="457200" indent="-457200">
+              <a:buAutoNum type="arabicPeriod"/>
+            </a:pPr>
+            <a:r>
+              <a:rPr lang="en-US"/>
+              <a:t>volatile int *a </a:t>
+            </a:r>
+            <a:r>
+              <a:rPr lang="zh-CN" altLang="en-US"/>
+              <a:t>或</a:t>
             </a:r>
             <a:r>
               <a:rPr lang="en-US" altLang="zh-CN"/>
-              <a:t> int32 </a:t>
-            </a:r>
-            <a:r>
-              <a:rPr lang="zh-CN" altLang="en-US"/>
-              <a:t>的写入合并为一个</a:t>
+              <a:t> int volatile *a</a:t>
+            </a:r>
+            <a:endParaRPr lang="en-US"/>
+          </a:p>
+          <a:p>
+            <a:pPr marL="457200" indent="-457200">
+              <a:buAutoNum type="arabicPeriod"/>
+            </a:pPr>
+            <a:r>
+              <a:rPr lang="en-US"/>
+              <a:t>int *__restrict a</a:t>
+            </a:r>
+            <a:endParaRPr lang="zh-CN" altLang="en-US"/>
+          </a:p>
+          <a:p>
+            <a:pPr marL="457200" indent="-457200"/>
+            <a:r>
+              <a:rPr lang="zh-CN" altLang="en-US"/>
+              <a:t>语法上区别：</a:t>
+            </a:r>
+            <a:r>
+              <a:rPr lang="en-US"/>
+              <a:t>volatile </a:t>
+            </a:r>
+            <a:r>
+              <a:rPr lang="zh-CN" altLang="en-US"/>
+              <a:t>在</a:t>
             </a:r>
             <a:r>
               <a:rPr lang="en-US" altLang="zh-CN"/>
-              <a:t> int64 </a:t>
-            </a:r>
-            <a:r>
-              <a:rPr lang="zh-CN" altLang="en-US"/>
-              <a:t>的写入。</a:t>
+              <a:t> * </a:t>
+            </a:r>
+            <a:r>
+              <a:rPr lang="zh-CN" altLang="en-US"/>
+              <a:t>前面而</a:t>
+            </a:r>
+            <a:r>
+              <a:rPr lang="en-US" altLang="zh-CN"/>
+              <a:t> __restrict </a:t>
+            </a:r>
+            <a:r>
+              <a:rPr lang="zh-CN" altLang="en-US"/>
+              <a:t>在</a:t>
+            </a:r>
+            <a:r>
+              <a:rPr lang="en-US" altLang="zh-CN"/>
+              <a:t> * </a:t>
+            </a:r>
+            <a:r>
+              <a:rPr lang="zh-CN" altLang="en-US"/>
+              <a:t>后面。</a:t>
             </a:r>
             <a:endParaRPr lang="zh-CN" altLang="en-US"/>
+          </a:p>
+          <a:p>
+            <a:pPr marL="457200" indent="-457200"/>
+            <a:r>
+              <a:rPr lang="zh-CN" altLang="en-US"/>
+              <a:t>功能上区别：</a:t>
+            </a:r>
+            <a:r>
+              <a:rPr lang="en-US" altLang="zh-CN"/>
+              <a:t>volatile </a:t>
+            </a:r>
+            <a:r>
+              <a:rPr lang="zh-CN" altLang="en-US"/>
+              <a:t>是禁用优化，</a:t>
+            </a:r>
+            <a:r>
+              <a:rPr lang="en-US" altLang="zh-CN"/>
+              <a:t>__restrict </a:t>
+            </a:r>
+            <a:r>
+              <a:rPr lang="zh-CN" altLang="en-US"/>
+              <a:t>是帮助优化。</a:t>
+            </a:r>
+            <a:endParaRPr lang="zh-CN" altLang="en-US"/>
+          </a:p>
+          <a:p>
+            <a:pPr marL="457200" indent="-457200"/>
+            <a:r>
+              <a:rPr lang="zh-CN" altLang="en-US"/>
+              <a:t>是否属于标准上区别：</a:t>
+            </a:r>
+            <a:endParaRPr lang="zh-CN" altLang="en-US"/>
+          </a:p>
+          <a:p>
+            <a:pPr marL="457200" indent="-457200"/>
+            <a:r>
+              <a:rPr lang="en-US" altLang="zh-CN"/>
+              <a:t>volatile </a:t>
+            </a:r>
+            <a:r>
+              <a:rPr lang="zh-CN" altLang="en-US"/>
+              <a:t>和</a:t>
+            </a:r>
+            <a:r>
+              <a:rPr lang="en-US" altLang="zh-CN"/>
+              <a:t> const </a:t>
+            </a:r>
+            <a:r>
+              <a:rPr lang="zh-CN" altLang="en-US"/>
+              <a:t>一样是</a:t>
+            </a:r>
+            <a:r>
+              <a:rPr lang="en-US" altLang="zh-CN"/>
+              <a:t> C++ </a:t>
+            </a:r>
+            <a:r>
+              <a:rPr lang="zh-CN" altLang="en-US"/>
+              <a:t>标准的一部分。</a:t>
+            </a:r>
+            <a:endParaRPr lang="zh-CN" altLang="en-US"/>
+          </a:p>
+          <a:p>
+            <a:pPr marL="457200" indent="-457200"/>
+            <a:r>
+              <a:rPr lang="en-US" altLang="zh-CN"/>
+              <a:t>restrict </a:t>
+            </a:r>
+            <a:r>
+              <a:rPr lang="zh-CN" altLang="en-US"/>
+              <a:t>是</a:t>
+            </a:r>
+            <a:r>
+              <a:rPr lang="en-US" altLang="zh-CN"/>
+              <a:t> C99 </a:t>
+            </a:r>
+            <a:r>
+              <a:rPr lang="zh-CN" altLang="en-US"/>
+              <a:t>标准关键字，但不是</a:t>
+            </a:r>
+            <a:r>
+              <a:rPr lang="en-US" altLang="zh-CN"/>
+              <a:t> C++ </a:t>
+            </a:r>
+            <a:r>
+              <a:rPr lang="zh-CN" altLang="en-US"/>
+              <a:t>标准的关键字。</a:t>
+            </a:r>
+            <a:endParaRPr lang="zh-CN" altLang="en-US"/>
+          </a:p>
+          <a:p>
+            <a:pPr marL="457200" indent="-457200"/>
+            <a:r>
+              <a:rPr lang="en-US" altLang="zh-CN"/>
+              <a:t>__restrict </a:t>
+            </a:r>
+            <a:r>
+              <a:rPr lang="zh-CN" altLang="en-US"/>
+              <a:t>其实是编译器的</a:t>
+            </a:r>
+            <a:r>
+              <a:rPr lang="zh-CN" altLang="en-US">
+                <a:sym typeface="+mn-ea"/>
+              </a:rPr>
+              <a:t>“</a:t>
+            </a:r>
+            <a:r>
+              <a:rPr lang="zh-CN" altLang="en-US"/>
+              <a:t>私货”，好在大多数主流编译器都支持。</a:t>
+            </a:r>
+            <a:endParaRPr lang="zh-CN" altLang="en-US"/>
+          </a:p>
+          <a:p>
+            <a:pPr marL="457200" indent="-457200"/>
+            <a:r>
+              <a:rPr lang="zh-CN" altLang="en-US" strike="sngStrike">
+                <a:solidFill>
+                  <a:schemeClr val="bg1">
+                    <a:lumMod val="65000"/>
+                  </a:schemeClr>
+                </a:solidFill>
+                <a:uFillTx/>
+              </a:rPr>
+              <a:t>所以无耻的</a:t>
+            </a:r>
+            <a:r>
+              <a:rPr lang="en-US" altLang="zh-CN" strike="sngStrike">
+                <a:solidFill>
+                  <a:schemeClr val="bg1">
+                    <a:lumMod val="65000"/>
+                  </a:schemeClr>
+                </a:solidFill>
+                <a:uFillTx/>
+              </a:rPr>
+              <a:t> C</a:t>
+            </a:r>
+            <a:r>
+              <a:rPr lang="zh-CN" altLang="en-US" strike="sngStrike">
+                <a:solidFill>
+                  <a:schemeClr val="bg1">
+                    <a:lumMod val="65000"/>
+                  </a:schemeClr>
+                </a:solidFill>
+                <a:uFillTx/>
+              </a:rPr>
+              <a:t>艹标准委员会什么时候肯把他加入标准呢？看看人家</a:t>
+            </a:r>
+            <a:r>
+              <a:rPr lang="en-US" altLang="zh-CN" strike="sngStrike">
+                <a:solidFill>
+                  <a:schemeClr val="bg1">
+                    <a:lumMod val="65000"/>
+                  </a:schemeClr>
+                </a:solidFill>
+                <a:uFillTx/>
+              </a:rPr>
+              <a:t> C </a:t>
+            </a:r>
+            <a:r>
+              <a:rPr lang="zh-CN" altLang="en-US" strike="sngStrike">
+                <a:solidFill>
+                  <a:schemeClr val="bg1">
+                    <a:lumMod val="65000"/>
+                  </a:schemeClr>
+                </a:solidFill>
+                <a:uFillTx/>
+              </a:rPr>
+              <a:t>语言。</a:t>
+            </a:r>
+            <a:endParaRPr lang="zh-CN" altLang="en-US" strike="sngStrike">
+              <a:solidFill>
+                <a:schemeClr val="bg1">
+                  <a:lumMod val="65000"/>
+                </a:schemeClr>
+              </a:solidFill>
+              <a:uFillTx/>
+            </a:endParaRPr>
           </a:p>
         </p:txBody>
       </p:sp>
@@ -9892,23 +9979,21 @@
           <a:bodyPr/>
           <a:p>
             <a:r>
-              <a:rPr lang="zh-CN" altLang="en-US">
-                <a:sym typeface="+mn-ea"/>
-              </a:rPr>
-              <a:t>合并写入：不能跳跃</a:t>
-            </a:r>
-            <a:endParaRPr lang="en-US"/>
+              <a:rPr lang="zh-CN" altLang="en-US"/>
+              <a:t>编译器优化：合并写入</a:t>
+            </a:r>
+            <a:endParaRPr lang="zh-CN" altLang="en-US"/>
           </a:p>
         </p:txBody>
       </p:sp>
       <p:pic>
         <p:nvPicPr>
-          <p:cNvPr id="6" name="Content Placeholder 5"/>
+          <p:cNvPr id="10" name="Content Placeholder 9"/>
           <p:cNvPicPr>
             <a:picLocks noChangeAspect="1"/>
           </p:cNvPicPr>
           <p:nvPr>
-            <p:ph sz="half" idx="1"/>
+            <p:ph sz="half" idx="2"/>
           </p:nvPr>
         </p:nvPicPr>
         <p:blipFill>
@@ -9919,8 +10004,8 @@
         </p:blipFill>
         <p:spPr>
           <a:xfrm>
-            <a:off x="793115" y="3034665"/>
-            <a:ext cx="4890135" cy="1932940"/>
+            <a:off x="5981700" y="2170430"/>
+            <a:ext cx="5181600" cy="3661410"/>
           </a:xfrm>
           <a:prstGeom prst="rect">
             <a:avLst/>
@@ -9929,12 +10014,12 @@
       </p:pic>
       <p:pic>
         <p:nvPicPr>
-          <p:cNvPr id="7" name="Content Placeholder 6"/>
+          <p:cNvPr id="11" name="Content Placeholder 10"/>
           <p:cNvPicPr>
             <a:picLocks noChangeAspect="1"/>
           </p:cNvPicPr>
           <p:nvPr>
-            <p:ph sz="half" idx="2"/>
+            <p:ph sz="half" idx="1"/>
           </p:nvPr>
         </p:nvPicPr>
         <p:blipFill>
@@ -9945,8 +10030,8 @@
         </p:blipFill>
         <p:spPr>
           <a:xfrm>
-            <a:off x="5934710" y="2724150"/>
-            <a:ext cx="6054090" cy="2553970"/>
+            <a:off x="934720" y="3100070"/>
+            <a:ext cx="4606925" cy="1802130"/>
           </a:xfrm>
           <a:prstGeom prst="rect">
             <a:avLst/>
@@ -9961,8 +10046,8 @@
         </p:nvSpPr>
         <p:spPr>
           <a:xfrm>
-            <a:off x="5584825" y="776605"/>
-            <a:ext cx="2738755" cy="922020"/>
+            <a:off x="5043170" y="1073150"/>
+            <a:ext cx="2738755" cy="645160"/>
           </a:xfrm>
           <a:prstGeom prst="rect">
             <a:avLst/>
@@ -9975,10 +10060,26 @@
           </a:bodyPr>
           <a:p>
             <a:r>
-              <a:rPr lang="zh-CN"/>
-              <a:t>但如果访问的两个元素地址间有跳跃，就不能合并了。</a:t>
-            </a:r>
-            <a:endParaRPr lang="zh-CN"/>
+              <a:rPr lang="zh-CN" altLang="en-US"/>
+              <a:t>将两个</a:t>
+            </a:r>
+            <a:r>
+              <a:rPr lang="en-US" altLang="zh-CN"/>
+              <a:t> int32 </a:t>
+            </a:r>
+            <a:r>
+              <a:rPr lang="zh-CN" altLang="en-US"/>
+              <a:t>的写入合并为一个</a:t>
+            </a:r>
+            <a:r>
+              <a:rPr lang="en-US" altLang="zh-CN"/>
+              <a:t> int64 </a:t>
+            </a:r>
+            <a:r>
+              <a:rPr lang="zh-CN" altLang="en-US"/>
+              <a:t>的写入。</a:t>
+            </a:r>
+            <a:endParaRPr lang="zh-CN" altLang="en-US"/>
           </a:p>
         </p:txBody>
       </p:sp>
@@ -10191,7 +10292,7 @@
       <p:grpSpPr/>
       <p:sp>
         <p:nvSpPr>
-          <p:cNvPr id="5" name="Title 4"/>
+          <p:cNvPr id="2" name="Title 1"/>
           <p:cNvSpPr>
             <a:spLocks noGrp="1"/>
           </p:cNvSpPr>
@@ -10201,23 +10302,96 @@
         </p:nvSpPr>
         <p:spPr/>
         <p:txBody>
-          <a:bodyPr>
-            <a:normAutofit/>
+          <a:bodyPr/>
+          <a:p>
+            <a:r>
+              <a:rPr lang="zh-CN" altLang="en-US">
+                <a:sym typeface="+mn-ea"/>
+              </a:rPr>
+              <a:t>合并写入：不能跳跃</a:t>
+            </a:r>
+            <a:endParaRPr lang="en-US"/>
+          </a:p>
+        </p:txBody>
+      </p:sp>
+      <p:pic>
+        <p:nvPicPr>
+          <p:cNvPr id="6" name="Content Placeholder 5"/>
+          <p:cNvPicPr>
+            <a:picLocks noChangeAspect="1"/>
+          </p:cNvPicPr>
+          <p:nvPr>
+            <p:ph sz="half" idx="1"/>
+          </p:nvPr>
+        </p:nvPicPr>
+        <p:blipFill>
+          <a:blip r:embed="rId1"/>
+          <a:stretch>
+            <a:fillRect/>
+          </a:stretch>
+        </p:blipFill>
+        <p:spPr>
+          <a:xfrm>
+            <a:off x="793115" y="3034665"/>
+            <a:ext cx="4890135" cy="1932940"/>
+          </a:xfrm>
+          <a:prstGeom prst="rect">
+            <a:avLst/>
+          </a:prstGeom>
+        </p:spPr>
+      </p:pic>
+      <p:pic>
+        <p:nvPicPr>
+          <p:cNvPr id="7" name="Content Placeholder 6"/>
+          <p:cNvPicPr>
+            <a:picLocks noChangeAspect="1"/>
+          </p:cNvPicPr>
+          <p:nvPr>
+            <p:ph sz="half" idx="2"/>
+          </p:nvPr>
+        </p:nvPicPr>
+        <p:blipFill>
+          <a:blip r:embed="rId2"/>
+          <a:stretch>
+            <a:fillRect/>
+          </a:stretch>
+        </p:blipFill>
+        <p:spPr>
+          <a:xfrm>
+            <a:off x="5934710" y="2724150"/>
+            <a:ext cx="6054090" cy="2553970"/>
+          </a:xfrm>
+          <a:prstGeom prst="rect">
+            <a:avLst/>
+          </a:prstGeom>
+        </p:spPr>
+      </p:pic>
+      <p:sp>
+        <p:nvSpPr>
+          <p:cNvPr id="12" name="Text Box 11"/>
+          <p:cNvSpPr txBox="1"/>
+          <p:nvPr/>
+        </p:nvSpPr>
+        <p:spPr>
+          <a:xfrm>
+            <a:off x="5584825" y="776605"/>
+            <a:ext cx="2738755" cy="922020"/>
+          </a:xfrm>
+          <a:prstGeom prst="rect">
+            <a:avLst/>
+          </a:prstGeom>
+          <a:noFill/>
+        </p:spPr>
+        <p:txBody>
+          <a:bodyPr wrap="square" rtlCol="0">
+            <a:spAutoFit/>
           </a:bodyPr>
           <a:p>
             <a:r>
-              <a:rPr lang="zh-CN" altLang="en-US"/>
-              <a:t>第</a:t>
-            </a:r>
-            <a:r>
-              <a:rPr lang="en-US" altLang="zh-CN"/>
-              <a:t>4</a:t>
-            </a:r>
-            <a:r>
-              <a:rPr lang="zh-CN" altLang="en-US"/>
-              <a:t>章：矢量化</a:t>
-            </a:r>
-            <a:endParaRPr lang="zh-CN" altLang="en-US"/>
+              <a:rPr lang="zh-CN"/>
+              <a:t>但如果访问的两个元素地址间有跳跃，就不能合并了。</a:t>
+            </a:r>
+            <a:endParaRPr lang="zh-CN"/>
           </a:p>
         </p:txBody>
       </p:sp>
@@ -10230,6 +10404,56 @@
 </file>
 
 <file path=ppt/slides/slide41.xml><?xml version="1.0" encoding="utf-8"?>
+<p:sld xmlns:a="http://schemas.openxmlformats.org/drawingml/2006/main" xmlns:r="http://schemas.openxmlformats.org/officeDocument/2006/relationships" xmlns:p="http://schemas.openxmlformats.org/presentationml/2006/main">
+  <p:cSld>
+    <p:spTree>
+      <p:nvGrpSpPr>
+        <p:cNvPr id="1" name=""/>
+        <p:cNvGrpSpPr/>
+        <p:nvPr/>
+      </p:nvGrpSpPr>
+      <p:grpSpPr/>
+      <p:sp>
+        <p:nvSpPr>
+          <p:cNvPr id="5" name="Title 4"/>
+          <p:cNvSpPr>
+            <a:spLocks noGrp="1"/>
+          </p:cNvSpPr>
+          <p:nvPr>
+            <p:ph type="title"/>
+          </p:nvPr>
+        </p:nvSpPr>
+        <p:spPr/>
+        <p:txBody>
+          <a:bodyPr>
+            <a:normAutofit/>
+          </a:bodyPr>
+          <a:p>
+            <a:r>
+              <a:rPr lang="zh-CN" altLang="en-US"/>
+              <a:t>第</a:t>
+            </a:r>
+            <a:r>
+              <a:rPr lang="en-US" altLang="zh-CN"/>
+              <a:t>4</a:t>
+            </a:r>
+            <a:r>
+              <a:rPr lang="zh-CN" altLang="en-US"/>
+              <a:t>章：矢量化</a:t>
+            </a:r>
+            <a:endParaRPr lang="zh-CN" altLang="en-US"/>
+          </a:p>
+        </p:txBody>
+      </p:sp>
+    </p:spTree>
+  </p:cSld>
+  <p:clrMapOvr>
+    <a:masterClrMapping/>
+  </p:clrMapOvr>
+</p:sld>
+</file>
+
+<file path=ppt/slides/slide42.xml><?xml version="1.0" encoding="utf-8"?>
 <p:sld xmlns:a="http://schemas.openxmlformats.org/drawingml/2006/main" xmlns:r="http://schemas.openxmlformats.org/officeDocument/2006/relationships" xmlns:p="http://schemas.openxmlformats.org/presentationml/2006/main">
   <p:cSld>
     <p:spTree>
@@ -10680,7 +10904,7 @@
 </p:sld>
 </file>
 
-<file path=ppt/slides/slide42.xml><?xml version="1.0" encoding="utf-8"?>
+<file path=ppt/slides/slide43.xml><?xml version="1.0" encoding="utf-8"?>
 <p:sld xmlns:a="http://schemas.openxmlformats.org/drawingml/2006/main" xmlns:r="http://schemas.openxmlformats.org/officeDocument/2006/relationships" xmlns:p="http://schemas.openxmlformats.org/presentationml/2006/main">
   <p:cSld>
     <p:spTree>
@@ -11033,7 +11257,7 @@
 </p:sld>
 </file>
 
-<file path=ppt/slides/slide43.xml><?xml version="1.0" encoding="utf-8"?>
+<file path=ppt/slides/slide44.xml><?xml version="1.0" encoding="utf-8"?>
 <p:sld xmlns:a="http://schemas.openxmlformats.org/drawingml/2006/main" xmlns:r="http://schemas.openxmlformats.org/officeDocument/2006/relationships" xmlns:p="http://schemas.openxmlformats.org/presentationml/2006/main">
   <p:cSld>
     <p:spTree>
@@ -11288,7 +11512,7 @@
 </p:sld>
 </file>
 
-<file path=ppt/slides/slide44.xml><?xml version="1.0" encoding="utf-8"?>
+<file path=ppt/slides/slide45.xml><?xml version="1.0" encoding="utf-8"?>
 <p:sld xmlns:a="http://schemas.openxmlformats.org/drawingml/2006/main" xmlns:r="http://schemas.openxmlformats.org/officeDocument/2006/relationships" xmlns:p="http://schemas.openxmlformats.org/presentationml/2006/main">
   <p:cSld>
     <p:spTree>
@@ -11521,7 +11745,7 @@
 </p:sld>
 </file>
 
-<file path=ppt/slides/slide45.xml><?xml version="1.0" encoding="utf-8"?>
+<file path=ppt/slides/slide46.xml><?xml version="1.0" encoding="utf-8"?>
 <p:sld xmlns:a="http://schemas.openxmlformats.org/drawingml/2006/main" xmlns:r="http://schemas.openxmlformats.org/officeDocument/2006/relationships" xmlns:p="http://schemas.openxmlformats.org/presentationml/2006/main">
   <p:cSld>
     <p:spTree>
@@ -11637,7 +11861,7 @@
 </p:sld>
 </file>
 
-<file path=ppt/slides/slide46.xml><?xml version="1.0" encoding="utf-8"?>
+<file path=ppt/slides/slide47.xml><?xml version="1.0" encoding="utf-8"?>
 <p:sld xmlns:a="http://schemas.openxmlformats.org/drawingml/2006/main" xmlns:r="http://schemas.openxmlformats.org/officeDocument/2006/relationships" xmlns:p="http://schemas.openxmlformats.org/presentationml/2006/main">
   <p:cSld>
     <p:spTree>
@@ -11987,7 +12211,7 @@
 </p:sld>
 </file>
 
-<file path=ppt/slides/slide47.xml><?xml version="1.0" encoding="utf-8"?>
+<file path=ppt/slides/slide48.xml><?xml version="1.0" encoding="utf-8"?>
 <p:sld xmlns:a="http://schemas.openxmlformats.org/drawingml/2006/main" xmlns:r="http://schemas.openxmlformats.org/officeDocument/2006/relationships" xmlns:p="http://schemas.openxmlformats.org/presentationml/2006/main">
   <p:cSld>
     <p:spTree>
@@ -12332,7 +12556,7 @@
 </p:sld>
 </file>
 
-<file path=ppt/slides/slide48.xml><?xml version="1.0" encoding="utf-8"?>
+<file path=ppt/slides/slide49.xml><?xml version="1.0" encoding="utf-8"?>
 <p:sld xmlns:a="http://schemas.openxmlformats.org/drawingml/2006/main" xmlns:r="http://schemas.openxmlformats.org/officeDocument/2006/relationships" xmlns:p="http://schemas.openxmlformats.org/presentationml/2006/main">
   <p:cSld>
     <p:spTree>
@@ -12380,7 +12604,55 @@
 </p:sld>
 </file>
 
-<file path=ppt/slides/slide49.xml><?xml version="1.0" encoding="utf-8"?>
+<file path=ppt/slides/slide5.xml><?xml version="1.0" encoding="utf-8"?>
+<p:sld xmlns:a="http://schemas.openxmlformats.org/drawingml/2006/main" xmlns:r="http://schemas.openxmlformats.org/officeDocument/2006/relationships" xmlns:p="http://schemas.openxmlformats.org/presentationml/2006/main">
+  <p:cSld>
+    <p:spTree>
+      <p:nvGrpSpPr>
+        <p:cNvPr id="1" name=""/>
+        <p:cNvGrpSpPr/>
+        <p:nvPr/>
+      </p:nvGrpSpPr>
+      <p:grpSpPr/>
+      <p:sp>
+        <p:nvSpPr>
+          <p:cNvPr id="2" name="Title 1"/>
+          <p:cNvSpPr>
+            <a:spLocks noGrp="1"/>
+          </p:cNvSpPr>
+          <p:nvPr>
+            <p:ph type="title"/>
+          </p:nvPr>
+        </p:nvSpPr>
+        <p:spPr/>
+        <p:txBody>
+          <a:bodyPr/>
+          <a:p>
+            <a:r>
+              <a:rPr lang="zh-CN" altLang="en-US"/>
+              <a:t>第</a:t>
+            </a:r>
+            <a:r>
+              <a:rPr lang="en-US" altLang="zh-CN"/>
+              <a:t>0</a:t>
+            </a:r>
+            <a:r>
+              <a:rPr lang="zh-CN" altLang="en-US"/>
+              <a:t>章：汇编语言</a:t>
+            </a:r>
+            <a:endParaRPr lang="zh-CN" altLang="en-US"/>
+          </a:p>
+        </p:txBody>
+      </p:sp>
+    </p:spTree>
+  </p:cSld>
+  <p:clrMapOvr>
+    <a:masterClrMapping/>
+  </p:clrMapOvr>
+</p:sld>
+</file>
+
+<file path=ppt/slides/slide50.xml><?xml version="1.0" encoding="utf-8"?>
 <p:sld xmlns:a="http://schemas.openxmlformats.org/drawingml/2006/main" xmlns:r="http://schemas.openxmlformats.org/officeDocument/2006/relationships" xmlns:p="http://schemas.openxmlformats.org/presentationml/2006/main">
   <p:cSld>
     <p:spTree>
@@ -13204,55 +13476,7 @@
 </p:sld>
 </file>
 
-<file path=ppt/slides/slide5.xml><?xml version="1.0" encoding="utf-8"?>
-<p:sld xmlns:a="http://schemas.openxmlformats.org/drawingml/2006/main" xmlns:r="http://schemas.openxmlformats.org/officeDocument/2006/relationships" xmlns:p="http://schemas.openxmlformats.org/presentationml/2006/main">
-  <p:cSld>
-    <p:spTree>
-      <p:nvGrpSpPr>
-        <p:cNvPr id="1" name=""/>
-        <p:cNvGrpSpPr/>
-        <p:nvPr/>
-      </p:nvGrpSpPr>
-      <p:grpSpPr/>
-      <p:sp>
-        <p:nvSpPr>
-          <p:cNvPr id="2" name="Title 1"/>
-          <p:cNvSpPr>
-            <a:spLocks noGrp="1"/>
-          </p:cNvSpPr>
-          <p:nvPr>
-            <p:ph type="title"/>
-          </p:nvPr>
-        </p:nvSpPr>
-        <p:spPr/>
-        <p:txBody>
-          <a:bodyPr/>
-          <a:p>
-            <a:r>
-              <a:rPr lang="zh-CN" altLang="en-US"/>
-              <a:t>第</a:t>
-            </a:r>
-            <a:r>
-              <a:rPr lang="en-US" altLang="zh-CN"/>
-              <a:t>0</a:t>
-            </a:r>
-            <a:r>
-              <a:rPr lang="zh-CN" altLang="en-US"/>
-              <a:t>章：汇编语言</a:t>
-            </a:r>
-            <a:endParaRPr lang="zh-CN" altLang="en-US"/>
-          </a:p>
-        </p:txBody>
-      </p:sp>
-    </p:spTree>
-  </p:cSld>
-  <p:clrMapOvr>
-    <a:masterClrMapping/>
-  </p:clrMapOvr>
-</p:sld>
-</file>
-
-<file path=ppt/slides/slide50.xml><?xml version="1.0" encoding="utf-8"?>
+<file path=ppt/slides/slide51.xml><?xml version="1.0" encoding="utf-8"?>
 <p:sld xmlns:a="http://schemas.openxmlformats.org/drawingml/2006/main" xmlns:r="http://schemas.openxmlformats.org/officeDocument/2006/relationships" xmlns:p="http://schemas.openxmlformats.org/presentationml/2006/main">
   <p:cSld>
     <p:spTree>
@@ -13747,7 +13971,7 @@
 </p:sld>
 </file>
 
-<file path=ppt/slides/slide51.xml><?xml version="1.0" encoding="utf-8"?>
+<file path=ppt/slides/slide52.xml><?xml version="1.0" encoding="utf-8"?>
 <p:sld xmlns:a="http://schemas.openxmlformats.org/drawingml/2006/main" xmlns:r="http://schemas.openxmlformats.org/officeDocument/2006/relationships" xmlns:p="http://schemas.openxmlformats.org/presentationml/2006/main">
   <p:cSld>
     <p:spTree>
@@ -13963,7 +14187,7 @@
 </p:sld>
 </file>
 
-<file path=ppt/slides/slide52.xml><?xml version="1.0" encoding="utf-8"?>
+<file path=ppt/slides/slide53.xml><?xml version="1.0" encoding="utf-8"?>
 <p:sld xmlns:a="http://schemas.openxmlformats.org/drawingml/2006/main" xmlns:r="http://schemas.openxmlformats.org/officeDocument/2006/relationships" xmlns:p="http://schemas.openxmlformats.org/presentationml/2006/main">
   <p:cSld>
     <p:spTree>
@@ -14261,23 +14485,31 @@
           <a:p>
             <a:r>
               <a:rPr lang="zh-CN" altLang="en-US"/>
-              <a:t>然而有</a:t>
-            </a:r>
-            <a:r>
-              <a:rPr lang="en-US" altLang="zh-CN"/>
+              <a:t>然而</a:t>
+            </a:r>
+            <a:r>
+              <a:rPr lang="zh-CN" altLang="en-US" b="1"/>
+              <a:t>有</a:t>
+            </a:r>
+            <a:r>
+              <a:rPr lang="en-US" altLang="zh-CN" b="1"/>
               <a:t> if </a:t>
             </a:r>
             <a:r>
-              <a:rPr lang="zh-CN" altLang="en-US"/>
+              <a:rPr lang="zh-CN" altLang="en-US" b="1"/>
               <a:t>分支的循环体是难以</a:t>
             </a:r>
             <a:r>
-              <a:rPr lang="en-US" altLang="zh-CN"/>
+              <a:rPr lang="en-US" altLang="zh-CN" b="1"/>
               <a:t> SIMD </a:t>
             </a:r>
             <a:r>
-              <a:rPr lang="zh-CN" altLang="en-US"/>
-              <a:t>矢量化的。</a:t>
+              <a:rPr lang="zh-CN" altLang="en-US" b="1"/>
+              <a:t>矢量化的</a:t>
+            </a:r>
+            <a:r>
+              <a:rPr lang="zh-CN" altLang="en-US"/>
+              <a:t>。</a:t>
             </a:r>
             <a:endParaRPr lang="zh-CN" altLang="en-US"/>
           </a:p>
@@ -14655,7 +14887,7 @@
 </p:sld>
 </file>
 
-<file path=ppt/slides/slide53.xml><?xml version="1.0" encoding="utf-8"?>
+<file path=ppt/slides/slide54.xml><?xml version="1.0" encoding="utf-8"?>
 <p:sld xmlns:a="http://schemas.openxmlformats.org/drawingml/2006/main" xmlns:r="http://schemas.openxmlformats.org/officeDocument/2006/relationships" xmlns:p="http://schemas.openxmlformats.org/presentationml/2006/main">
   <p:cSld>
     <p:spTree>
@@ -15002,6 +15234,1312 @@
 </p:sld>
 </file>
 
+<file path=ppt/slides/slide55.xml><?xml version="1.0" encoding="utf-8"?>
+<p:sld xmlns:a="http://schemas.openxmlformats.org/drawingml/2006/main" xmlns:r="http://schemas.openxmlformats.org/officeDocument/2006/relationships" xmlns:p="http://schemas.openxmlformats.org/presentationml/2006/main">
+  <p:cSld>
+    <p:spTree>
+      <p:nvGrpSpPr>
+        <p:cNvPr id="1" name=""/>
+        <p:cNvGrpSpPr/>
+        <p:nvPr/>
+      </p:nvGrpSpPr>
+      <p:grpSpPr/>
+      <p:sp>
+        <p:nvSpPr>
+          <p:cNvPr id="2" name="Title 1"/>
+          <p:cNvSpPr>
+            <a:spLocks noGrp="1"/>
+          </p:cNvSpPr>
+          <p:nvPr>
+            <p:ph type="title"/>
+          </p:nvPr>
+        </p:nvSpPr>
+        <p:spPr/>
+        <p:txBody>
+          <a:bodyPr/>
+          <a:p>
+            <a:r>
+              <a:rPr lang="zh-CN" altLang="en-US"/>
+              <a:t>循环中的不变量：挪到外面来</a:t>
+            </a:r>
+            <a:endParaRPr lang="zh-CN" altLang="en-US"/>
+          </a:p>
+        </p:txBody>
+      </p:sp>
+      <p:pic>
+        <p:nvPicPr>
+          <p:cNvPr id="5" name="Content Placeholder 4"/>
+          <p:cNvPicPr>
+            <a:picLocks noChangeAspect="1"/>
+          </p:cNvPicPr>
+          <p:nvPr>
+            <p:ph sz="half" idx="1"/>
+          </p:nvPr>
+        </p:nvPicPr>
+        <p:blipFill>
+          <a:blip r:embed="rId1"/>
+          <a:stretch>
+            <a:fillRect/>
+          </a:stretch>
+        </p:blipFill>
+        <p:spPr>
+          <a:xfrm>
+            <a:off x="0" y="2946400"/>
+            <a:ext cx="6337935" cy="1489710"/>
+          </a:xfrm>
+          <a:prstGeom prst="rect">
+            <a:avLst/>
+          </a:prstGeom>
+        </p:spPr>
+      </p:pic>
+      <p:pic>
+        <p:nvPicPr>
+          <p:cNvPr id="6" name="Content Placeholder 5"/>
+          <p:cNvPicPr>
+            <a:picLocks noChangeAspect="1"/>
+          </p:cNvPicPr>
+          <p:nvPr>
+            <p:ph sz="half" idx="2"/>
+          </p:nvPr>
+        </p:nvPicPr>
+        <p:blipFill>
+          <a:blip r:embed="rId2"/>
+          <a:stretch>
+            <a:fillRect/>
+          </a:stretch>
+        </p:blipFill>
+        <p:spPr>
+          <a:xfrm>
+            <a:off x="7073265" y="1447800"/>
+            <a:ext cx="5118735" cy="5410200"/>
+          </a:xfrm>
+          <a:prstGeom prst="rect">
+            <a:avLst/>
+          </a:prstGeom>
+        </p:spPr>
+      </p:pic>
+      <p:sp>
+        <p:nvSpPr>
+          <p:cNvPr id="7" name="Text Box 6"/>
+          <p:cNvSpPr txBox="1"/>
+          <p:nvPr/>
+        </p:nvSpPr>
+        <p:spPr>
+          <a:xfrm>
+            <a:off x="980440" y="1532890"/>
+            <a:ext cx="4015740" cy="645160"/>
+          </a:xfrm>
+          <a:prstGeom prst="rect">
+            <a:avLst/>
+          </a:prstGeom>
+          <a:noFill/>
+        </p:spPr>
+        <p:txBody>
+          <a:bodyPr wrap="square" rtlCol="0">
+            <a:spAutoFit/>
+          </a:bodyPr>
+          <a:p>
+            <a:r>
+              <a:rPr lang="en-US"/>
+              <a:t>dt * dt </a:t>
+            </a:r>
+            <a:r>
+              <a:rPr lang="zh-CN" altLang="en-US"/>
+              <a:t>和当前</a:t>
+            </a:r>
+            <a:r>
+              <a:rPr lang="en-US" altLang="zh-CN"/>
+              <a:t> i </a:t>
+            </a:r>
+            <a:r>
+              <a:rPr lang="zh-CN" altLang="en-US"/>
+              <a:t>无关，因此可以移到循环体外，提前计算，避免重复计算。</a:t>
+            </a:r>
+            <a:endParaRPr lang="zh-CN" altLang="en-US"/>
+          </a:p>
+        </p:txBody>
+      </p:sp>
+      <p:pic>
+        <p:nvPicPr>
+          <p:cNvPr id="8" name="Picture 7"/>
+          <p:cNvPicPr>
+            <a:picLocks noChangeAspect="1"/>
+          </p:cNvPicPr>
+          <p:nvPr/>
+        </p:nvPicPr>
+        <p:blipFill>
+          <a:blip r:embed="rId3"/>
+          <a:stretch>
+            <a:fillRect/>
+          </a:stretch>
+        </p:blipFill>
+        <p:spPr>
+          <a:xfrm>
+            <a:off x="0" y="5251450"/>
+            <a:ext cx="6110605" cy="1606550"/>
+          </a:xfrm>
+          <a:prstGeom prst="rect">
+            <a:avLst/>
+          </a:prstGeom>
+        </p:spPr>
+      </p:pic>
+      <p:sp>
+        <p:nvSpPr>
+          <p:cNvPr id="14" name="Left Brace 13"/>
+          <p:cNvSpPr/>
+          <p:nvPr/>
+        </p:nvSpPr>
+        <p:spPr>
+          <a:xfrm>
+            <a:off x="6781800" y="2178050"/>
+            <a:ext cx="291465" cy="768985"/>
+          </a:xfrm>
+          <a:prstGeom prst="leftBrace">
+            <a:avLst/>
+          </a:prstGeom>
+          <a:ln w="28575" cmpd="sng">
+            <a:solidFill>
+              <a:srgbClr val="FF3300"/>
+            </a:solidFill>
+            <a:prstDash val="solid"/>
+          </a:ln>
+        </p:spPr>
+        <p:style>
+          <a:lnRef idx="1">
+            <a:schemeClr val="accent1"/>
+          </a:lnRef>
+          <a:fillRef idx="0">
+            <a:schemeClr val="accent1"/>
+          </a:fillRef>
+          <a:effectRef idx="0">
+            <a:schemeClr val="accent1"/>
+          </a:effectRef>
+          <a:fontRef idx="minor">
+            <a:schemeClr val="tx1"/>
+          </a:fontRef>
+        </p:style>
+        <p:txBody>
+          <a:bodyPr rtlCol="0" anchor="ctr"/>
+          <a:p>
+            <a:pPr algn="ctr"/>
+            <a:endParaRPr lang="en-US"/>
+          </a:p>
+        </p:txBody>
+      </p:sp>
+      <p:sp>
+        <p:nvSpPr>
+          <p:cNvPr id="9" name="Text Box 8"/>
+          <p:cNvSpPr txBox="1"/>
+          <p:nvPr/>
+        </p:nvSpPr>
+        <p:spPr>
+          <a:xfrm>
+            <a:off x="5170805" y="2178050"/>
+            <a:ext cx="1850390" cy="368300"/>
+          </a:xfrm>
+          <a:prstGeom prst="rect">
+            <a:avLst/>
+          </a:prstGeom>
+          <a:noFill/>
+        </p:spPr>
+        <p:txBody>
+          <a:bodyPr wrap="square" rtlCol="0">
+            <a:spAutoFit/>
+          </a:bodyPr>
+          <a:p>
+            <a:r>
+              <a:rPr lang="zh-CN"/>
+              <a:t>提前算好</a:t>
+            </a:r>
+            <a:r>
+              <a:rPr lang="en-US" altLang="zh-CN"/>
+              <a:t> dt * dt</a:t>
+            </a:r>
+            <a:endParaRPr lang="en-US" altLang="zh-CN"/>
+          </a:p>
+        </p:txBody>
+      </p:sp>
+      <p:sp>
+        <p:nvSpPr>
+          <p:cNvPr id="10" name="Text Box 9"/>
+          <p:cNvSpPr txBox="1"/>
+          <p:nvPr/>
+        </p:nvSpPr>
+        <p:spPr>
+          <a:xfrm>
+            <a:off x="459105" y="2578100"/>
+            <a:ext cx="1502410" cy="368300"/>
+          </a:xfrm>
+          <a:prstGeom prst="rect">
+            <a:avLst/>
+          </a:prstGeom>
+          <a:noFill/>
+        </p:spPr>
+        <p:txBody>
+          <a:bodyPr wrap="square" rtlCol="0">
+            <a:spAutoFit/>
+          </a:bodyPr>
+          <a:p>
+            <a:r>
+              <a:rPr lang="zh-CN" altLang="en-US"/>
+              <a:t>优化前：</a:t>
+            </a:r>
+            <a:endParaRPr lang="zh-CN" altLang="en-US"/>
+          </a:p>
+        </p:txBody>
+      </p:sp>
+      <p:sp>
+        <p:nvSpPr>
+          <p:cNvPr id="11" name="Text Box 10"/>
+          <p:cNvSpPr txBox="1"/>
+          <p:nvPr/>
+        </p:nvSpPr>
+        <p:spPr>
+          <a:xfrm>
+            <a:off x="459105" y="4883150"/>
+            <a:ext cx="1614805" cy="368300"/>
+          </a:xfrm>
+          <a:prstGeom prst="rect">
+            <a:avLst/>
+          </a:prstGeom>
+          <a:noFill/>
+        </p:spPr>
+        <p:txBody>
+          <a:bodyPr wrap="square" rtlCol="0">
+            <a:spAutoFit/>
+          </a:bodyPr>
+          <a:p>
+            <a:r>
+              <a:rPr lang="zh-CN" altLang="en-US"/>
+              <a:t>优化后：</a:t>
+            </a:r>
+            <a:endParaRPr lang="zh-CN" altLang="en-US"/>
+          </a:p>
+        </p:txBody>
+      </p:sp>
+    </p:spTree>
+  </p:cSld>
+  <p:clrMapOvr>
+    <a:masterClrMapping/>
+  </p:clrMapOvr>
+  <p:timing>
+    <p:tnLst>
+      <p:par>
+        <p:cTn id="1" dur="indefinite" restart="never" nodeType="tmRoot">
+          <p:childTnLst>
+            <p:seq concurrent="1" nextAc="seek">
+              <p:cTn id="2" dur="indefinite" nodeType="mainSeq">
+                <p:childTnLst>
+                  <p:par>
+                    <p:cTn id="3" fill="hold">
+                      <p:stCondLst>
+                        <p:cond delay="indefinite"/>
+                      </p:stCondLst>
+                      <p:childTnLst>
+                        <p:par>
+                          <p:cTn id="4" fill="hold">
+                            <p:stCondLst>
+                              <p:cond delay="0"/>
+                            </p:stCondLst>
+                            <p:childTnLst>
+                              <p:par>
+                                <p:cTn id="5" presetID="7" presetClass="entr" presetSubtype="4" fill="hold" grpId="0" nodeType="clickEffect">
+                                  <p:stCondLst>
+                                    <p:cond delay="0"/>
+                                  </p:stCondLst>
+                                  <p:childTnLst>
+                                    <p:set>
+                                      <p:cBhvr>
+                                        <p:cTn id="6" dur="500" fill="hold">
+                                          <p:stCondLst>
+                                            <p:cond delay="0"/>
+                                          </p:stCondLst>
+                                        </p:cTn>
+                                        <p:tgtEl>
+                                          <p:spTgt spid="9"/>
+                                        </p:tgtEl>
+                                        <p:attrNameLst>
+                                          <p:attrName>style.visibility</p:attrName>
+                                        </p:attrNameLst>
+                                      </p:cBhvr>
+                                      <p:to>
+                                        <p:strVal val="visible"/>
+                                      </p:to>
+                                    </p:set>
+                                    <p:anim calcmode="lin" valueType="num">
+                                      <p:cBhvr additive="base">
+                                        <p:cTn id="7" dur="500" fill="hold"/>
+                                        <p:tgtEl>
+                                          <p:spTgt spid="9"/>
+                                        </p:tgtEl>
+                                        <p:attrNameLst>
+                                          <p:attrName>ppt_x</p:attrName>
+                                        </p:attrNameLst>
+                                      </p:cBhvr>
+                                      <p:tavLst>
+                                        <p:tav tm="0">
+                                          <p:val>
+                                            <p:strVal val="#ppt_x"/>
+                                          </p:val>
+                                        </p:tav>
+                                        <p:tav tm="100000">
+                                          <p:val>
+                                            <p:strVal val="#ppt_x"/>
+                                          </p:val>
+                                        </p:tav>
+                                      </p:tavLst>
+                                    </p:anim>
+                                    <p:anim calcmode="lin" valueType="num">
+                                      <p:cBhvr additive="base">
+                                        <p:cTn id="8" dur="500" fill="hold"/>
+                                        <p:tgtEl>
+                                          <p:spTgt spid="9"/>
+                                        </p:tgtEl>
+                                        <p:attrNameLst>
+                                          <p:attrName>ppt_y</p:attrName>
+                                        </p:attrNameLst>
+                                      </p:cBhvr>
+                                      <p:tavLst>
+                                        <p:tav tm="0">
+                                          <p:val>
+                                            <p:strVal val="1+#ppt_h/2"/>
+                                          </p:val>
+                                        </p:tav>
+                                        <p:tav tm="100000">
+                                          <p:val>
+                                            <p:strVal val="#ppt_y"/>
+                                          </p:val>
+                                        </p:tav>
+                                      </p:tavLst>
+                                    </p:anim>
+                                  </p:childTnLst>
+                                </p:cTn>
+                              </p:par>
+                              <p:par>
+                                <p:cTn id="9" presetID="7" presetClass="entr" presetSubtype="4" fill="hold" grpId="0" nodeType="withEffect">
+                                  <p:stCondLst>
+                                    <p:cond delay="0"/>
+                                  </p:stCondLst>
+                                  <p:childTnLst>
+                                    <p:set>
+                                      <p:cBhvr>
+                                        <p:cTn id="10" dur="500" fill="hold">
+                                          <p:stCondLst>
+                                            <p:cond delay="0"/>
+                                          </p:stCondLst>
+                                        </p:cTn>
+                                        <p:tgtEl>
+                                          <p:spTgt spid="14"/>
+                                        </p:tgtEl>
+                                        <p:attrNameLst>
+                                          <p:attrName>style.visibility</p:attrName>
+                                        </p:attrNameLst>
+                                      </p:cBhvr>
+                                      <p:to>
+                                        <p:strVal val="visible"/>
+                                      </p:to>
+                                    </p:set>
+                                    <p:anim calcmode="lin" valueType="num">
+                                      <p:cBhvr additive="base">
+                                        <p:cTn id="11" dur="500" fill="hold"/>
+                                        <p:tgtEl>
+                                          <p:spTgt spid="14"/>
+                                        </p:tgtEl>
+                                        <p:attrNameLst>
+                                          <p:attrName>ppt_x</p:attrName>
+                                        </p:attrNameLst>
+                                      </p:cBhvr>
+                                      <p:tavLst>
+                                        <p:tav tm="0">
+                                          <p:val>
+                                            <p:strVal val="#ppt_x"/>
+                                          </p:val>
+                                        </p:tav>
+                                        <p:tav tm="100000">
+                                          <p:val>
+                                            <p:strVal val="#ppt_x"/>
+                                          </p:val>
+                                        </p:tav>
+                                      </p:tavLst>
+                                    </p:anim>
+                                    <p:anim calcmode="lin" valueType="num">
+                                      <p:cBhvr additive="base">
+                                        <p:cTn id="12" dur="500" fill="hold"/>
+                                        <p:tgtEl>
+                                          <p:spTgt spid="14"/>
+                                        </p:tgtEl>
+                                        <p:attrNameLst>
+                                          <p:attrName>ppt_y</p:attrName>
+                                        </p:attrNameLst>
+                                      </p:cBhvr>
+                                      <p:tavLst>
+                                        <p:tav tm="0">
+                                          <p:val>
+                                            <p:strVal val="1+#ppt_h/2"/>
+                                          </p:val>
+                                        </p:tav>
+                                        <p:tav tm="100000">
+                                          <p:val>
+                                            <p:strVal val="#ppt_y"/>
+                                          </p:val>
+                                        </p:tav>
+                                      </p:tavLst>
+                                    </p:anim>
+                                  </p:childTnLst>
+                                </p:cTn>
+                              </p:par>
+                            </p:childTnLst>
+                          </p:cTn>
+                        </p:par>
+                      </p:childTnLst>
+                    </p:cTn>
+                  </p:par>
+                </p:childTnLst>
+              </p:cTn>
+              <p:prevCondLst>
+                <p:cond evt="onPrev" delay="0">
+                  <p:tgtEl>
+                    <p:sldTgt/>
+                  </p:tgtEl>
+                </p:cond>
+              </p:prevCondLst>
+              <p:nextCondLst>
+                <p:cond evt="onNext" delay="0">
+                  <p:tgtEl>
+                    <p:sldTgt/>
+                  </p:tgtEl>
+                </p:cond>
+              </p:nextCondLst>
+            </p:seq>
+          </p:childTnLst>
+        </p:cTn>
+      </p:par>
+    </p:tnLst>
+    <p:bldLst>
+      <p:bldP spid="9" grpId="0"/>
+      <p:bldP spid="14" grpId="0" bldLvl="0" animBg="1"/>
+    </p:bldLst>
+  </p:timing>
+</p:sld>
+</file>
+
+<file path=ppt/slides/slide56.xml><?xml version="1.0" encoding="utf-8"?>
+<p:sld xmlns:a="http://schemas.openxmlformats.org/drawingml/2006/main" xmlns:r="http://schemas.openxmlformats.org/officeDocument/2006/relationships" xmlns:p="http://schemas.openxmlformats.org/presentationml/2006/main">
+  <p:cSld>
+    <p:spTree>
+      <p:nvGrpSpPr>
+        <p:cNvPr id="1" name=""/>
+        <p:cNvGrpSpPr/>
+        <p:nvPr/>
+      </p:nvGrpSpPr>
+      <p:grpSpPr/>
+      <p:sp>
+        <p:nvSpPr>
+          <p:cNvPr id="2" name="Title 1"/>
+          <p:cNvSpPr>
+            <a:spLocks noGrp="1"/>
+          </p:cNvSpPr>
+          <p:nvPr>
+            <p:ph type="title"/>
+          </p:nvPr>
+        </p:nvSpPr>
+        <p:spPr/>
+        <p:txBody>
+          <a:bodyPr/>
+          <a:p>
+            <a:r>
+              <a:rPr lang="zh-CN" altLang="en-US">
+                <a:sym typeface="+mn-ea"/>
+              </a:rPr>
+              <a:t>挪到外面来：优化失败</a:t>
+            </a:r>
+            <a:endParaRPr lang="en-US"/>
+          </a:p>
+        </p:txBody>
+      </p:sp>
+      <p:sp>
+        <p:nvSpPr>
+          <p:cNvPr id="10" name="Text Box 9"/>
+          <p:cNvSpPr txBox="1"/>
+          <p:nvPr/>
+        </p:nvSpPr>
+        <p:spPr>
+          <a:xfrm>
+            <a:off x="990600" y="2128520"/>
+            <a:ext cx="4950460" cy="922020"/>
+          </a:xfrm>
+          <a:prstGeom prst="rect">
+            <a:avLst/>
+          </a:prstGeom>
+          <a:noFill/>
+        </p:spPr>
+        <p:txBody>
+          <a:bodyPr wrap="square" rtlCol="0">
+            <a:spAutoFit/>
+          </a:bodyPr>
+          <a:p>
+            <a:r>
+              <a:rPr lang="zh-CN" altLang="en-US"/>
+              <a:t>然而只要去掉</a:t>
+            </a:r>
+            <a:r>
+              <a:rPr lang="en-US" altLang="zh-CN"/>
+              <a:t> (dt * dt) </a:t>
+            </a:r>
+            <a:r>
+              <a:rPr lang="zh-CN" altLang="en-US"/>
+              <a:t>的括号就会优化失败：</a:t>
+            </a:r>
+            <a:endParaRPr lang="zh-CN" altLang="en-US"/>
+          </a:p>
+          <a:p>
+            <a:r>
+              <a:rPr lang="zh-CN" altLang="en-US"/>
+              <a:t>因为乘法是左结合的，就相当于</a:t>
+            </a:r>
+            <a:r>
+              <a:rPr lang="en-US" altLang="zh-CN"/>
+              <a:t> (b[i] * dt) * dt</a:t>
+            </a:r>
+            <a:endParaRPr lang="en-US" altLang="zh-CN"/>
+          </a:p>
+          <a:p>
+            <a:r>
+              <a:rPr lang="zh-CN" altLang="en-US"/>
+              <a:t>编译器识别不到不变量，从而优化失败。</a:t>
+            </a:r>
+            <a:endParaRPr lang="zh-CN" altLang="en-US"/>
+          </a:p>
+        </p:txBody>
+      </p:sp>
+      <p:pic>
+        <p:nvPicPr>
+          <p:cNvPr id="5" name="Content Placeholder 4"/>
+          <p:cNvPicPr>
+            <a:picLocks noChangeAspect="1"/>
+          </p:cNvPicPr>
+          <p:nvPr>
+            <p:ph sz="half" idx="1"/>
+          </p:nvPr>
+        </p:nvPicPr>
+        <p:blipFill>
+          <a:blip r:embed="rId1"/>
+          <a:stretch>
+            <a:fillRect/>
+          </a:stretch>
+        </p:blipFill>
+        <p:spPr>
+          <a:xfrm>
+            <a:off x="0" y="3369945"/>
+            <a:ext cx="6238875" cy="1497965"/>
+          </a:xfrm>
+          <a:prstGeom prst="rect">
+            <a:avLst/>
+          </a:prstGeom>
+        </p:spPr>
+      </p:pic>
+      <p:pic>
+        <p:nvPicPr>
+          <p:cNvPr id="6" name="Content Placeholder 5"/>
+          <p:cNvPicPr>
+            <a:picLocks noChangeAspect="1"/>
+          </p:cNvPicPr>
+          <p:nvPr>
+            <p:ph sz="half" idx="2"/>
+          </p:nvPr>
+        </p:nvPicPr>
+        <p:blipFill>
+          <a:blip r:embed="rId2"/>
+          <a:stretch>
+            <a:fillRect/>
+          </a:stretch>
+        </p:blipFill>
+        <p:spPr>
+          <a:xfrm>
+            <a:off x="6764655" y="360045"/>
+            <a:ext cx="5427345" cy="6497955"/>
+          </a:xfrm>
+          <a:prstGeom prst="rect">
+            <a:avLst/>
+          </a:prstGeom>
+        </p:spPr>
+      </p:pic>
+      <p:sp>
+        <p:nvSpPr>
+          <p:cNvPr id="7" name="Text Box 6"/>
+          <p:cNvSpPr txBox="1"/>
+          <p:nvPr/>
+        </p:nvSpPr>
+        <p:spPr>
+          <a:xfrm>
+            <a:off x="929005" y="5518785"/>
+            <a:ext cx="4935855" cy="645160"/>
+          </a:xfrm>
+          <a:prstGeom prst="rect">
+            <a:avLst/>
+          </a:prstGeom>
+          <a:noFill/>
+        </p:spPr>
+        <p:txBody>
+          <a:bodyPr wrap="square" rtlCol="0">
+            <a:spAutoFit/>
+          </a:bodyPr>
+          <a:p>
+            <a:r>
+              <a:rPr lang="zh-CN" altLang="en-US"/>
+              <a:t>因此，要么帮编译器打上括号帮助他识别，要么手动提取不变量到循环体外。</a:t>
+            </a:r>
+            <a:endParaRPr lang="zh-CN" altLang="en-US"/>
+          </a:p>
+        </p:txBody>
+      </p:sp>
+    </p:spTree>
+  </p:cSld>
+  <p:clrMapOvr>
+    <a:masterClrMapping/>
+  </p:clrMapOvr>
+</p:sld>
+</file>
+
+<file path=ppt/slides/slide57.xml><?xml version="1.0" encoding="utf-8"?>
+<p:sld xmlns:a="http://schemas.openxmlformats.org/drawingml/2006/main" xmlns:r="http://schemas.openxmlformats.org/officeDocument/2006/relationships" xmlns:p="http://schemas.openxmlformats.org/presentationml/2006/main">
+  <p:cSld>
+    <p:spTree>
+      <p:nvGrpSpPr>
+        <p:cNvPr id="1" name=""/>
+        <p:cNvGrpSpPr/>
+        <p:nvPr/>
+      </p:nvGrpSpPr>
+      <p:grpSpPr/>
+      <p:sp>
+        <p:nvSpPr>
+          <p:cNvPr id="7" name="Title 6"/>
+          <p:cNvSpPr>
+            <a:spLocks noGrp="1"/>
+          </p:cNvSpPr>
+          <p:nvPr>
+            <p:ph type="title"/>
+          </p:nvPr>
+        </p:nvSpPr>
+        <p:spPr/>
+        <p:txBody>
+          <a:bodyPr/>
+          <a:p>
+            <a:r>
+              <a:rPr lang="zh-CN" altLang="en-US"/>
+              <a:t>第</a:t>
+            </a:r>
+            <a:r>
+              <a:rPr lang="en-US" altLang="zh-CN"/>
+              <a:t>6</a:t>
+            </a:r>
+            <a:r>
+              <a:rPr lang="zh-CN" altLang="en-US"/>
+              <a:t>章：结构体</a:t>
+            </a:r>
+            <a:endParaRPr lang="zh-CN" altLang="en-US"/>
+          </a:p>
+        </p:txBody>
+      </p:sp>
+    </p:spTree>
+  </p:cSld>
+  <p:clrMapOvr>
+    <a:masterClrMapping/>
+  </p:clrMapOvr>
+</p:sld>
+</file>
+
+<file path=ppt/slides/slide58.xml><?xml version="1.0" encoding="utf-8"?>
+<p:sld xmlns:a="http://schemas.openxmlformats.org/drawingml/2006/main" xmlns:r="http://schemas.openxmlformats.org/officeDocument/2006/relationships" xmlns:p="http://schemas.openxmlformats.org/presentationml/2006/main">
+  <p:cSld>
+    <p:spTree>
+      <p:nvGrpSpPr>
+        <p:cNvPr id="1" name=""/>
+        <p:cNvGrpSpPr/>
+        <p:nvPr/>
+      </p:nvGrpSpPr>
+      <p:grpSpPr/>
+      <p:sp>
+        <p:nvSpPr>
+          <p:cNvPr id="3" name="Title 2"/>
+          <p:cNvSpPr>
+            <a:spLocks noGrp="1"/>
+          </p:cNvSpPr>
+          <p:nvPr>
+            <p:ph type="title"/>
+          </p:nvPr>
+        </p:nvSpPr>
+        <p:spPr/>
+        <p:txBody>
+          <a:bodyPr/>
+          <a:p>
+            <a:r>
+              <a:rPr lang="zh-CN" altLang="en-US"/>
+              <a:t>两个</a:t>
+            </a:r>
+            <a:r>
+              <a:rPr lang="en-US" altLang="zh-CN"/>
+              <a:t> float</a:t>
+            </a:r>
+            <a:r>
+              <a:rPr lang="zh-CN" altLang="en-US"/>
+              <a:t>：对齐到</a:t>
+            </a:r>
+            <a:r>
+              <a:rPr lang="en-US" altLang="zh-CN"/>
+              <a:t> 8 </a:t>
+            </a:r>
+            <a:r>
+              <a:rPr lang="zh-CN" altLang="en-US"/>
+              <a:t>字节</a:t>
+            </a:r>
+            <a:endParaRPr lang="zh-CN" altLang="en-US"/>
+          </a:p>
+        </p:txBody>
+      </p:sp>
+      <p:pic>
+        <p:nvPicPr>
+          <p:cNvPr id="16" name="Content Placeholder 15"/>
+          <p:cNvPicPr>
+            <a:picLocks noChangeAspect="1"/>
+          </p:cNvPicPr>
+          <p:nvPr>
+            <p:ph sz="half" idx="1"/>
+          </p:nvPr>
+        </p:nvPicPr>
+        <p:blipFill>
+          <a:blip r:embed="rId1"/>
+          <a:stretch>
+            <a:fillRect/>
+          </a:stretch>
+        </p:blipFill>
+        <p:spPr>
+          <a:xfrm>
+            <a:off x="865505" y="2379345"/>
+            <a:ext cx="4745990" cy="3243580"/>
+          </a:xfrm>
+          <a:prstGeom prst="rect">
+            <a:avLst/>
+          </a:prstGeom>
+        </p:spPr>
+      </p:pic>
+      <p:pic>
+        <p:nvPicPr>
+          <p:cNvPr id="18" name="Content Placeholder 17"/>
+          <p:cNvPicPr>
+            <a:picLocks noChangeAspect="1"/>
+          </p:cNvPicPr>
+          <p:nvPr>
+            <p:ph sz="half" idx="2"/>
+          </p:nvPr>
+        </p:nvPicPr>
+        <p:blipFill>
+          <a:blip r:embed="rId2"/>
+          <a:stretch>
+            <a:fillRect/>
+          </a:stretch>
+        </p:blipFill>
+        <p:spPr>
+          <a:xfrm>
+            <a:off x="6522720" y="-5080"/>
+            <a:ext cx="5669280" cy="6863080"/>
+          </a:xfrm>
+          <a:prstGeom prst="rect">
+            <a:avLst/>
+          </a:prstGeom>
+        </p:spPr>
+      </p:pic>
+      <p:sp>
+        <p:nvSpPr>
+          <p:cNvPr id="19" name="Text Box 18"/>
+          <p:cNvSpPr txBox="1"/>
+          <p:nvPr/>
+        </p:nvSpPr>
+        <p:spPr>
+          <a:xfrm>
+            <a:off x="1623695" y="1499870"/>
+            <a:ext cx="2524760" cy="368300"/>
+          </a:xfrm>
+          <a:prstGeom prst="rect">
+            <a:avLst/>
+          </a:prstGeom>
+          <a:noFill/>
+        </p:spPr>
+        <p:txBody>
+          <a:bodyPr wrap="square" rtlCol="0">
+            <a:spAutoFit/>
+          </a:bodyPr>
+          <a:p>
+            <a:r>
+              <a:rPr lang="zh-CN" altLang="en-US"/>
+              <a:t>成功</a:t>
+            </a:r>
+            <a:r>
+              <a:rPr lang="en-US" altLang="zh-CN"/>
+              <a:t> SIMD </a:t>
+            </a:r>
+            <a:r>
+              <a:rPr lang="zh-CN" altLang="en-US"/>
+              <a:t>矢量化！</a:t>
+            </a:r>
+            <a:endParaRPr lang="zh-CN" altLang="en-US"/>
+          </a:p>
+        </p:txBody>
+      </p:sp>
+    </p:spTree>
+  </p:cSld>
+  <p:clrMapOvr>
+    <a:masterClrMapping/>
+  </p:clrMapOvr>
+  <p:timing>
+    <p:tnLst>
+      <p:par>
+        <p:cTn id="1" dur="indefinite" restart="never" nodeType="tmRoot">
+          <p:childTnLst>
+            <p:seq concurrent="1" nextAc="seek">
+              <p:cTn id="2" dur="indefinite" nodeType="mainSeq">
+                <p:childTnLst>
+                  <p:par>
+                    <p:cTn id="3" fill="hold">
+                      <p:stCondLst>
+                        <p:cond delay="indefinite"/>
+                      </p:stCondLst>
+                      <p:childTnLst>
+                        <p:par>
+                          <p:cTn id="4" fill="hold">
+                            <p:stCondLst>
+                              <p:cond delay="0"/>
+                            </p:stCondLst>
+                            <p:childTnLst>
+                              <p:par>
+                                <p:cTn id="5" presetID="9" presetClass="entr" presetSubtype="0" fill="hold" grpId="0" nodeType="clickEffect">
+                                  <p:stCondLst>
+                                    <p:cond delay="0"/>
+                                  </p:stCondLst>
+                                  <p:childTnLst>
+                                    <p:set>
+                                      <p:cBhvr>
+                                        <p:cTn id="6" dur="1" fill="hold">
+                                          <p:stCondLst>
+                                            <p:cond delay="0"/>
+                                          </p:stCondLst>
+                                        </p:cTn>
+                                        <p:tgtEl>
+                                          <p:spTgt spid="19"/>
+                                        </p:tgtEl>
+                                        <p:attrNameLst>
+                                          <p:attrName>style.visibility</p:attrName>
+                                        </p:attrNameLst>
+                                      </p:cBhvr>
+                                      <p:to>
+                                        <p:strVal val="visible"/>
+                                      </p:to>
+                                    </p:set>
+                                    <p:animEffect transition="in" filter="dissolve">
+                                      <p:cBhvr>
+                                        <p:cTn id="7" dur="500"/>
+                                        <p:tgtEl>
+                                          <p:spTgt spid="19"/>
+                                        </p:tgtEl>
+                                      </p:cBhvr>
+                                    </p:animEffect>
+                                  </p:childTnLst>
+                                </p:cTn>
+                              </p:par>
+                            </p:childTnLst>
+                          </p:cTn>
+                        </p:par>
+                      </p:childTnLst>
+                    </p:cTn>
+                  </p:par>
+                </p:childTnLst>
+              </p:cTn>
+              <p:prevCondLst>
+                <p:cond evt="onPrev" delay="0">
+                  <p:tgtEl>
+                    <p:sldTgt/>
+                  </p:tgtEl>
+                </p:cond>
+              </p:prevCondLst>
+              <p:nextCondLst>
+                <p:cond evt="onNext" delay="0">
+                  <p:tgtEl>
+                    <p:sldTgt/>
+                  </p:tgtEl>
+                </p:cond>
+              </p:nextCondLst>
+            </p:seq>
+          </p:childTnLst>
+        </p:cTn>
+      </p:par>
+    </p:tnLst>
+    <p:bldLst>
+      <p:bldP spid="19" grpId="0"/>
+    </p:bldLst>
+  </p:timing>
+</p:sld>
+</file>
+
+<file path=ppt/slides/slide59.xml><?xml version="1.0" encoding="utf-8"?>
+<p:sld xmlns:a="http://schemas.openxmlformats.org/drawingml/2006/main" xmlns:r="http://schemas.openxmlformats.org/officeDocument/2006/relationships" xmlns:p="http://schemas.openxmlformats.org/presentationml/2006/main">
+  <p:cSld>
+    <p:spTree>
+      <p:nvGrpSpPr>
+        <p:cNvPr id="1" name=""/>
+        <p:cNvGrpSpPr/>
+        <p:nvPr/>
+      </p:nvGrpSpPr>
+      <p:grpSpPr/>
+      <p:sp>
+        <p:nvSpPr>
+          <p:cNvPr id="3" name="Title 2"/>
+          <p:cNvSpPr>
+            <a:spLocks noGrp="1"/>
+          </p:cNvSpPr>
+          <p:nvPr>
+            <p:ph type="title"/>
+          </p:nvPr>
+        </p:nvSpPr>
+        <p:spPr/>
+        <p:txBody>
+          <a:bodyPr/>
+          <a:p>
+            <a:r>
+              <a:rPr lang="zh-CN" altLang="en-US"/>
+              <a:t>三个</a:t>
+            </a:r>
+            <a:r>
+              <a:rPr lang="en-US" altLang="zh-CN"/>
+              <a:t> float</a:t>
+            </a:r>
+            <a:r>
+              <a:rPr lang="zh-CN" altLang="en-US"/>
+              <a:t>：对齐到</a:t>
+            </a:r>
+            <a:r>
+              <a:rPr lang="en-US" altLang="zh-CN"/>
+              <a:t> 12 </a:t>
+            </a:r>
+            <a:r>
+              <a:rPr lang="zh-CN" altLang="en-US"/>
+              <a:t>字节</a:t>
+            </a:r>
+            <a:endParaRPr lang="zh-CN" altLang="en-US"/>
+          </a:p>
+        </p:txBody>
+      </p:sp>
+      <p:sp>
+        <p:nvSpPr>
+          <p:cNvPr id="19" name="Text Box 18"/>
+          <p:cNvSpPr txBox="1"/>
+          <p:nvPr/>
+        </p:nvSpPr>
+        <p:spPr>
+          <a:xfrm>
+            <a:off x="1623695" y="1499870"/>
+            <a:ext cx="3853180" cy="368300"/>
+          </a:xfrm>
+          <a:prstGeom prst="rect">
+            <a:avLst/>
+          </a:prstGeom>
+          <a:noFill/>
+        </p:spPr>
+        <p:txBody>
+          <a:bodyPr wrap="square" rtlCol="0">
+            <a:spAutoFit/>
+          </a:bodyPr>
+          <a:p>
+            <a:r>
+              <a:rPr lang="zh-CN" altLang="en-US"/>
+              <a:t>矢量化失败，生成了标量的低效代码</a:t>
+            </a:r>
+            <a:endParaRPr lang="zh-CN" altLang="en-US"/>
+          </a:p>
+        </p:txBody>
+      </p:sp>
+      <p:pic>
+        <p:nvPicPr>
+          <p:cNvPr id="4" name="Content Placeholder 3"/>
+          <p:cNvPicPr>
+            <a:picLocks noChangeAspect="1"/>
+          </p:cNvPicPr>
+          <p:nvPr>
+            <p:ph sz="half" idx="2"/>
+          </p:nvPr>
+        </p:nvPicPr>
+        <p:blipFill>
+          <a:blip r:embed="rId1"/>
+          <a:stretch>
+            <a:fillRect/>
+          </a:stretch>
+        </p:blipFill>
+        <p:spPr>
+          <a:xfrm>
+            <a:off x="6948170" y="1382395"/>
+            <a:ext cx="5243830" cy="5475605"/>
+          </a:xfrm>
+          <a:prstGeom prst="rect">
+            <a:avLst/>
+          </a:prstGeom>
+        </p:spPr>
+      </p:pic>
+      <p:pic>
+        <p:nvPicPr>
+          <p:cNvPr id="7" name="Content Placeholder 6"/>
+          <p:cNvPicPr>
+            <a:picLocks noChangeAspect="1"/>
+          </p:cNvPicPr>
+          <p:nvPr>
+            <p:ph sz="half" idx="1"/>
+          </p:nvPr>
+        </p:nvPicPr>
+        <p:blipFill>
+          <a:blip r:embed="rId2"/>
+          <a:stretch>
+            <a:fillRect/>
+          </a:stretch>
+        </p:blipFill>
+        <p:spPr>
+          <a:xfrm>
+            <a:off x="925195" y="2278380"/>
+            <a:ext cx="5250180" cy="3813175"/>
+          </a:xfrm>
+          <a:prstGeom prst="rect">
+            <a:avLst/>
+          </a:prstGeom>
+        </p:spPr>
+      </p:pic>
+      <p:sp>
+        <p:nvSpPr>
+          <p:cNvPr id="9" name="Text Box 8"/>
+          <p:cNvSpPr txBox="1"/>
+          <p:nvPr/>
+        </p:nvSpPr>
+        <p:spPr>
+          <a:xfrm>
+            <a:off x="1282700" y="6212840"/>
+            <a:ext cx="4803140" cy="645160"/>
+          </a:xfrm>
+          <a:prstGeom prst="rect">
+            <a:avLst/>
+          </a:prstGeom>
+          <a:noFill/>
+        </p:spPr>
+        <p:txBody>
+          <a:bodyPr wrap="square" rtlCol="0">
+            <a:spAutoFit/>
+          </a:bodyPr>
+          <a:p>
+            <a:r>
+              <a:rPr lang="zh-CN" altLang="en-US"/>
+              <a:t>往</a:t>
+            </a:r>
+            <a:r>
+              <a:rPr lang="en-US" altLang="zh-CN"/>
+              <a:t> struct </a:t>
+            </a:r>
+            <a:r>
+              <a:rPr lang="zh-CN" altLang="en-US"/>
+              <a:t>里添加了个根本没有用到的</a:t>
+            </a:r>
+            <a:r>
+              <a:rPr lang="en-US" altLang="zh-CN"/>
+              <a:t> z</a:t>
+            </a:r>
+            <a:r>
+              <a:rPr lang="zh-CN" altLang="en-US"/>
+              <a:t>，却直接导致了优化失败！这是为什么？</a:t>
+            </a:r>
+            <a:endParaRPr lang="zh-CN" altLang="en-US"/>
+          </a:p>
+        </p:txBody>
+      </p:sp>
+    </p:spTree>
+  </p:cSld>
+  <p:clrMapOvr>
+    <a:masterClrMapping/>
+  </p:clrMapOvr>
+  <p:timing>
+    <p:tnLst>
+      <p:par>
+        <p:cTn id="1" dur="indefinite" restart="never" nodeType="tmRoot">
+          <p:childTnLst>
+            <p:seq concurrent="1" nextAc="seek">
+              <p:cTn id="2" dur="indefinite" nodeType="mainSeq">
+                <p:childTnLst>
+                  <p:par>
+                    <p:cTn id="3" fill="hold">
+                      <p:stCondLst>
+                        <p:cond delay="indefinite"/>
+                      </p:stCondLst>
+                      <p:childTnLst>
+                        <p:par>
+                          <p:cTn id="4" fill="hold">
+                            <p:stCondLst>
+                              <p:cond delay="0"/>
+                            </p:stCondLst>
+                            <p:childTnLst>
+                              <p:par>
+                                <p:cTn id="5" presetID="9" presetClass="entr" presetSubtype="0" fill="hold" grpId="0" nodeType="clickEffect">
+                                  <p:stCondLst>
+                                    <p:cond delay="0"/>
+                                  </p:stCondLst>
+                                  <p:childTnLst>
+                                    <p:set>
+                                      <p:cBhvr>
+                                        <p:cTn id="6" dur="1" fill="hold">
+                                          <p:stCondLst>
+                                            <p:cond delay="0"/>
+                                          </p:stCondLst>
+                                        </p:cTn>
+                                        <p:tgtEl>
+                                          <p:spTgt spid="19"/>
+                                        </p:tgtEl>
+                                        <p:attrNameLst>
+                                          <p:attrName>style.visibility</p:attrName>
+                                        </p:attrNameLst>
+                                      </p:cBhvr>
+                                      <p:to>
+                                        <p:strVal val="visible"/>
+                                      </p:to>
+                                    </p:set>
+                                    <p:animEffect transition="in" filter="dissolve">
+                                      <p:cBhvr>
+                                        <p:cTn id="7" dur="500"/>
+                                        <p:tgtEl>
+                                          <p:spTgt spid="19"/>
+                                        </p:tgtEl>
+                                      </p:cBhvr>
+                                    </p:animEffect>
+                                  </p:childTnLst>
+                                </p:cTn>
+                              </p:par>
+                            </p:childTnLst>
+                          </p:cTn>
+                        </p:par>
+                      </p:childTnLst>
+                    </p:cTn>
+                  </p:par>
+                  <p:par>
+                    <p:cTn id="8" fill="hold">
+                      <p:stCondLst>
+                        <p:cond delay="indefinite"/>
+                      </p:stCondLst>
+                      <p:childTnLst>
+                        <p:par>
+                          <p:cTn id="9" fill="hold">
+                            <p:stCondLst>
+                              <p:cond delay="0"/>
+                            </p:stCondLst>
+                            <p:childTnLst>
+                              <p:par>
+                                <p:cTn id="10" presetID="7" presetClass="entr" presetSubtype="4" fill="hold" grpId="0" nodeType="clickEffect">
+                                  <p:stCondLst>
+                                    <p:cond delay="0"/>
+                                  </p:stCondLst>
+                                  <p:childTnLst>
+                                    <p:set>
+                                      <p:cBhvr>
+                                        <p:cTn id="11" dur="500" fill="hold">
+                                          <p:stCondLst>
+                                            <p:cond delay="0"/>
+                                          </p:stCondLst>
+                                        </p:cTn>
+                                        <p:tgtEl>
+                                          <p:spTgt spid="9"/>
+                                        </p:tgtEl>
+                                        <p:attrNameLst>
+                                          <p:attrName>style.visibility</p:attrName>
+                                        </p:attrNameLst>
+                                      </p:cBhvr>
+                                      <p:to>
+                                        <p:strVal val="visible"/>
+                                      </p:to>
+                                    </p:set>
+                                    <p:anim calcmode="lin" valueType="num">
+                                      <p:cBhvr additive="base">
+                                        <p:cTn id="12" dur="500" fill="hold"/>
+                                        <p:tgtEl>
+                                          <p:spTgt spid="9"/>
+                                        </p:tgtEl>
+                                        <p:attrNameLst>
+                                          <p:attrName>ppt_x</p:attrName>
+                                        </p:attrNameLst>
+                                      </p:cBhvr>
+                                      <p:tavLst>
+                                        <p:tav tm="0">
+                                          <p:val>
+                                            <p:strVal val="#ppt_x"/>
+                                          </p:val>
+                                        </p:tav>
+                                        <p:tav tm="100000">
+                                          <p:val>
+                                            <p:strVal val="#ppt_x"/>
+                                          </p:val>
+                                        </p:tav>
+                                      </p:tavLst>
+                                    </p:anim>
+                                    <p:anim calcmode="lin" valueType="num">
+                                      <p:cBhvr additive="base">
+                                        <p:cTn id="13" dur="500" fill="hold"/>
+                                        <p:tgtEl>
+                                          <p:spTgt spid="9"/>
+                                        </p:tgtEl>
+                                        <p:attrNameLst>
+                                          <p:attrName>ppt_y</p:attrName>
+                                        </p:attrNameLst>
+                                      </p:cBhvr>
+                                      <p:tavLst>
+                                        <p:tav tm="0">
+                                          <p:val>
+                                            <p:strVal val="1+#ppt_h/2"/>
+                                          </p:val>
+                                        </p:tav>
+                                        <p:tav tm="100000">
+                                          <p:val>
+                                            <p:strVal val="#ppt_y"/>
+                                          </p:val>
+                                        </p:tav>
+                                      </p:tavLst>
+                                    </p:anim>
+                                  </p:childTnLst>
+                                </p:cTn>
+                              </p:par>
+                            </p:childTnLst>
+                          </p:cTn>
+                        </p:par>
+                      </p:childTnLst>
+                    </p:cTn>
+                  </p:par>
+                </p:childTnLst>
+              </p:cTn>
+              <p:prevCondLst>
+                <p:cond evt="onPrev" delay="0">
+                  <p:tgtEl>
+                    <p:sldTgt/>
+                  </p:tgtEl>
+                </p:cond>
+              </p:prevCondLst>
+              <p:nextCondLst>
+                <p:cond evt="onNext" delay="0">
+                  <p:tgtEl>
+                    <p:sldTgt/>
+                  </p:tgtEl>
+                </p:cond>
+              </p:nextCondLst>
+            </p:seq>
+          </p:childTnLst>
+        </p:cTn>
+      </p:par>
+    </p:tnLst>
+    <p:bldLst>
+      <p:bldP spid="19" grpId="0"/>
+      <p:bldP spid="9" grpId="0"/>
+    </p:bldLst>
+  </p:timing>
+</p:sld>
+</file>
+
 <file path=ppt/slides/slide6.xml><?xml version="1.0" encoding="utf-8"?>
 <p:sld xmlns:a="http://schemas.openxmlformats.org/drawingml/2006/main" xmlns:r="http://schemas.openxmlformats.org/officeDocument/2006/relationships" xmlns:p="http://schemas.openxmlformats.org/presentationml/2006/main">
   <p:cSld>
@@ -15201,6 +16739,781 @@
       <p:bldP spid="3" grpId="0" animBg="1"/>
     </p:bldLst>
   </p:timing>
+</p:sld>
+</file>
+
+<file path=ppt/slides/slide60.xml><?xml version="1.0" encoding="utf-8"?>
+<p:sld xmlns:a="http://schemas.openxmlformats.org/drawingml/2006/main" xmlns:r="http://schemas.openxmlformats.org/officeDocument/2006/relationships" xmlns:p="http://schemas.openxmlformats.org/presentationml/2006/main">
+  <p:cSld>
+    <p:spTree>
+      <p:nvGrpSpPr>
+        <p:cNvPr id="1" name=""/>
+        <p:cNvGrpSpPr/>
+        <p:nvPr/>
+      </p:nvGrpSpPr>
+      <p:grpSpPr/>
+      <p:sp>
+        <p:nvSpPr>
+          <p:cNvPr id="2" name="Title 1"/>
+          <p:cNvSpPr>
+            <a:spLocks noGrp="1"/>
+          </p:cNvSpPr>
+          <p:nvPr>
+            <p:ph type="title"/>
+          </p:nvPr>
+        </p:nvSpPr>
+        <p:spPr/>
+        <p:txBody>
+          <a:bodyPr/>
+          <a:p>
+            <a:r>
+              <a:rPr lang="zh-CN" altLang="en-US"/>
+              <a:t>添加一个辅助对齐的变量：对齐到</a:t>
+            </a:r>
+            <a:r>
+              <a:rPr lang="en-US" altLang="zh-CN"/>
+              <a:t> 16 </a:t>
+            </a:r>
+            <a:r>
+              <a:rPr lang="zh-CN" altLang="en-US"/>
+              <a:t>字节</a:t>
+            </a:r>
+            <a:endParaRPr lang="zh-CN" altLang="en-US"/>
+          </a:p>
+        </p:txBody>
+      </p:sp>
+      <p:pic>
+        <p:nvPicPr>
+          <p:cNvPr id="6" name="Content Placeholder 5"/>
+          <p:cNvPicPr>
+            <a:picLocks noChangeAspect="1"/>
+          </p:cNvPicPr>
+          <p:nvPr>
+            <p:ph sz="half" idx="1"/>
+          </p:nvPr>
+        </p:nvPicPr>
+        <p:blipFill>
+          <a:blip r:embed="rId1"/>
+          <a:stretch>
+            <a:fillRect/>
+          </a:stretch>
+        </p:blipFill>
+        <p:spPr>
+          <a:xfrm>
+            <a:off x="835660" y="2065020"/>
+            <a:ext cx="4804410" cy="3872230"/>
+          </a:xfrm>
+          <a:prstGeom prst="rect">
+            <a:avLst/>
+          </a:prstGeom>
+        </p:spPr>
+      </p:pic>
+      <p:pic>
+        <p:nvPicPr>
+          <p:cNvPr id="7" name="Content Placeholder 6"/>
+          <p:cNvPicPr>
+            <a:picLocks noChangeAspect="1"/>
+          </p:cNvPicPr>
+          <p:nvPr>
+            <p:ph sz="half" idx="2"/>
+          </p:nvPr>
+        </p:nvPicPr>
+        <p:blipFill>
+          <a:blip r:embed="rId2"/>
+          <a:stretch>
+            <a:fillRect/>
+          </a:stretch>
+        </p:blipFill>
+        <p:spPr>
+          <a:xfrm>
+            <a:off x="8081645" y="635"/>
+            <a:ext cx="4110355" cy="6857365"/>
+          </a:xfrm>
+          <a:prstGeom prst="rect">
+            <a:avLst/>
+          </a:prstGeom>
+        </p:spPr>
+      </p:pic>
+      <p:sp>
+        <p:nvSpPr>
+          <p:cNvPr id="9" name="Text Box 8"/>
+          <p:cNvSpPr txBox="1"/>
+          <p:nvPr/>
+        </p:nvSpPr>
+        <p:spPr>
+          <a:xfrm>
+            <a:off x="1930400" y="1256665"/>
+            <a:ext cx="5335270" cy="645160"/>
+          </a:xfrm>
+          <a:prstGeom prst="rect">
+            <a:avLst/>
+          </a:prstGeom>
+          <a:noFill/>
+        </p:spPr>
+        <p:txBody>
+          <a:bodyPr wrap="square" rtlCol="0">
+            <a:spAutoFit/>
+          </a:bodyPr>
+          <a:p>
+            <a:r>
+              <a:rPr lang="zh-CN"/>
+              <a:t>追加</a:t>
+            </a:r>
+            <a:r>
+              <a:rPr lang="zh-CN" altLang="en-US"/>
+              <a:t>了一个没有用的</a:t>
+            </a:r>
+            <a:r>
+              <a:rPr lang="en-US" altLang="zh-CN"/>
+              <a:t> 4 </a:t>
+            </a:r>
+            <a:r>
+              <a:rPr lang="zh-CN" altLang="en-US"/>
+              <a:t>字节变量，整个结构体变成</a:t>
+            </a:r>
+            <a:r>
+              <a:rPr lang="en-US" altLang="zh-CN"/>
+              <a:t> 16 </a:t>
+            </a:r>
+            <a:r>
+              <a:rPr lang="zh-CN" altLang="en-US"/>
+              <a:t>字节大小，矢量化反而成功了？？</a:t>
+            </a:r>
+            <a:endParaRPr lang="zh-CN" altLang="en-US"/>
+          </a:p>
+        </p:txBody>
+      </p:sp>
+      <p:sp>
+        <p:nvSpPr>
+          <p:cNvPr id="10" name="Text Box 9"/>
+          <p:cNvSpPr txBox="1"/>
+          <p:nvPr/>
+        </p:nvSpPr>
+        <p:spPr>
+          <a:xfrm>
+            <a:off x="1057275" y="6049645"/>
+            <a:ext cx="6376670" cy="645160"/>
+          </a:xfrm>
+          <a:prstGeom prst="rect">
+            <a:avLst/>
+          </a:prstGeom>
+          <a:noFill/>
+        </p:spPr>
+        <p:txBody>
+          <a:bodyPr wrap="square" rtlCol="0">
+            <a:spAutoFit/>
+          </a:bodyPr>
+          <a:p>
+            <a:r>
+              <a:rPr lang="zh-CN" altLang="en-US"/>
+              <a:t>结论：计算机喜欢</a:t>
+            </a:r>
+            <a:r>
+              <a:rPr lang="en-US" altLang="zh-CN"/>
+              <a:t> 2 </a:t>
+            </a:r>
+            <a:r>
+              <a:rPr lang="zh-CN" altLang="en-US"/>
+              <a:t>的整数幂，</a:t>
+            </a:r>
+            <a:r>
+              <a:rPr lang="en-US" altLang="zh-CN"/>
+              <a:t>2, 4, 8, 16, 32, 64, 128...</a:t>
+            </a:r>
+            <a:endParaRPr lang="en-US" altLang="zh-CN"/>
+          </a:p>
+          <a:p>
+            <a:r>
+              <a:rPr lang="zh-CN" altLang="en-US"/>
+              <a:t>结构体</a:t>
+            </a:r>
+            <a:r>
+              <a:rPr lang="zh-CN" altLang="en-US" b="1"/>
+              <a:t>大小若不是</a:t>
+            </a:r>
+            <a:r>
+              <a:rPr lang="en-US" altLang="zh-CN" b="1"/>
+              <a:t> 2 </a:t>
+            </a:r>
+            <a:r>
+              <a:rPr lang="zh-CN" altLang="en-US" b="1"/>
+              <a:t>的整数幂</a:t>
+            </a:r>
+            <a:r>
+              <a:rPr lang="zh-CN" altLang="en-US"/>
+              <a:t>，往往会</a:t>
+            </a:r>
+            <a:r>
+              <a:rPr lang="zh-CN" altLang="en-US" b="1"/>
+              <a:t>导致</a:t>
+            </a:r>
+            <a:r>
+              <a:rPr lang="en-US" altLang="zh-CN" b="1"/>
+              <a:t> SIMD </a:t>
+            </a:r>
+            <a:r>
+              <a:rPr lang="zh-CN" altLang="en-US" b="1"/>
+              <a:t>优化失败</a:t>
+            </a:r>
+            <a:r>
+              <a:rPr lang="zh-CN" altLang="en-US"/>
+              <a:t>。</a:t>
+            </a:r>
+            <a:endParaRPr lang="zh-CN" altLang="en-US"/>
+          </a:p>
+        </p:txBody>
+      </p:sp>
+    </p:spTree>
+  </p:cSld>
+  <p:clrMapOvr>
+    <a:masterClrMapping/>
+  </p:clrMapOvr>
+  <p:timing>
+    <p:tnLst>
+      <p:par>
+        <p:cTn id="1" dur="indefinite" restart="never" nodeType="tmRoot">
+          <p:childTnLst>
+            <p:seq concurrent="1" nextAc="seek">
+              <p:cTn id="2" dur="indefinite" nodeType="mainSeq">
+                <p:childTnLst>
+                  <p:par>
+                    <p:cTn id="3" fill="hold">
+                      <p:stCondLst>
+                        <p:cond delay="indefinite"/>
+                      </p:stCondLst>
+                      <p:childTnLst>
+                        <p:par>
+                          <p:cTn id="4" fill="hold">
+                            <p:stCondLst>
+                              <p:cond delay="0"/>
+                            </p:stCondLst>
+                            <p:childTnLst>
+                              <p:par>
+                                <p:cTn id="5" presetID="5" presetClass="entr" presetSubtype="10" fill="hold" grpId="0" nodeType="clickEffect">
+                                  <p:stCondLst>
+                                    <p:cond delay="0"/>
+                                  </p:stCondLst>
+                                  <p:childTnLst>
+                                    <p:set>
+                                      <p:cBhvr>
+                                        <p:cTn id="6" dur="1" fill="hold">
+                                          <p:stCondLst>
+                                            <p:cond delay="0"/>
+                                          </p:stCondLst>
+                                        </p:cTn>
+                                        <p:tgtEl>
+                                          <p:spTgt spid="9"/>
+                                        </p:tgtEl>
+                                        <p:attrNameLst>
+                                          <p:attrName>style.visibility</p:attrName>
+                                        </p:attrNameLst>
+                                      </p:cBhvr>
+                                      <p:to>
+                                        <p:strVal val="visible"/>
+                                      </p:to>
+                                    </p:set>
+                                    <p:animEffect transition="in" filter="checkerboard(across)">
+                                      <p:cBhvr>
+                                        <p:cTn id="7" dur="500"/>
+                                        <p:tgtEl>
+                                          <p:spTgt spid="9"/>
+                                        </p:tgtEl>
+                                      </p:cBhvr>
+                                    </p:animEffect>
+                                  </p:childTnLst>
+                                </p:cTn>
+                              </p:par>
+                            </p:childTnLst>
+                          </p:cTn>
+                        </p:par>
+                      </p:childTnLst>
+                    </p:cTn>
+                  </p:par>
+                </p:childTnLst>
+              </p:cTn>
+              <p:prevCondLst>
+                <p:cond evt="onPrev" delay="0">
+                  <p:tgtEl>
+                    <p:sldTgt/>
+                  </p:tgtEl>
+                </p:cond>
+              </p:prevCondLst>
+              <p:nextCondLst>
+                <p:cond evt="onNext" delay="0">
+                  <p:tgtEl>
+                    <p:sldTgt/>
+                  </p:tgtEl>
+                </p:cond>
+              </p:nextCondLst>
+            </p:seq>
+          </p:childTnLst>
+        </p:cTn>
+      </p:par>
+    </p:tnLst>
+    <p:bldLst>
+      <p:bldP spid="9" grpId="0"/>
+    </p:bldLst>
+  </p:timing>
+</p:sld>
+</file>
+
+<file path=ppt/slides/slide61.xml><?xml version="1.0" encoding="utf-8"?>
+<p:sld xmlns:a="http://schemas.openxmlformats.org/drawingml/2006/main" xmlns:r="http://schemas.openxmlformats.org/officeDocument/2006/relationships" xmlns:p="http://schemas.openxmlformats.org/presentationml/2006/main">
+  <p:cSld>
+    <p:spTree>
+      <p:nvGrpSpPr>
+        <p:cNvPr id="1" name=""/>
+        <p:cNvGrpSpPr/>
+        <p:nvPr/>
+      </p:nvGrpSpPr>
+      <p:grpSpPr/>
+      <p:sp>
+        <p:nvSpPr>
+          <p:cNvPr id="2" name="Title 1"/>
+          <p:cNvSpPr>
+            <a:spLocks noGrp="1"/>
+          </p:cNvSpPr>
+          <p:nvPr>
+            <p:ph type="title"/>
+          </p:nvPr>
+        </p:nvSpPr>
+        <p:spPr/>
+        <p:txBody>
+          <a:bodyPr/>
+          <a:p>
+            <a:r>
+              <a:rPr lang="en-US"/>
+              <a:t>C++11 </a:t>
+            </a:r>
+            <a:r>
+              <a:rPr lang="zh-CN" altLang="en-US"/>
+              <a:t>新语法：</a:t>
+            </a:r>
+            <a:r>
+              <a:rPr lang="en-US" altLang="zh-CN"/>
+              <a:t>alignas</a:t>
+            </a:r>
+            <a:endParaRPr lang="zh-CN" altLang="en-US"/>
+          </a:p>
+        </p:txBody>
+      </p:sp>
+      <p:pic>
+        <p:nvPicPr>
+          <p:cNvPr id="5" name="Content Placeholder 4"/>
+          <p:cNvPicPr>
+            <a:picLocks noChangeAspect="1"/>
+          </p:cNvPicPr>
+          <p:nvPr>
+            <p:ph sz="half" idx="1"/>
+          </p:nvPr>
+        </p:nvPicPr>
+        <p:blipFill>
+          <a:blip r:embed="rId1"/>
+          <a:stretch>
+            <a:fillRect/>
+          </a:stretch>
+        </p:blipFill>
+        <p:spPr>
+          <a:xfrm>
+            <a:off x="1581785" y="2161540"/>
+            <a:ext cx="4784090" cy="3517265"/>
+          </a:xfrm>
+          <a:prstGeom prst="rect">
+            <a:avLst/>
+          </a:prstGeom>
+        </p:spPr>
+      </p:pic>
+      <p:pic>
+        <p:nvPicPr>
+          <p:cNvPr id="7" name="Content Placeholder 6"/>
+          <p:cNvPicPr>
+            <a:picLocks noChangeAspect="1"/>
+          </p:cNvPicPr>
+          <p:nvPr>
+            <p:ph sz="half" idx="2"/>
+          </p:nvPr>
+        </p:nvPicPr>
+        <p:blipFill>
+          <a:blip r:embed="rId2"/>
+          <a:stretch>
+            <a:fillRect/>
+          </a:stretch>
+        </p:blipFill>
+        <p:spPr>
+          <a:xfrm>
+            <a:off x="7933055" y="-635"/>
+            <a:ext cx="4258945" cy="6858635"/>
+          </a:xfrm>
+          <a:prstGeom prst="rect">
+            <a:avLst/>
+          </a:prstGeom>
+        </p:spPr>
+      </p:pic>
+      <p:sp>
+        <p:nvSpPr>
+          <p:cNvPr id="8" name="Text Box 7"/>
+          <p:cNvSpPr txBox="1"/>
+          <p:nvPr/>
+        </p:nvSpPr>
+        <p:spPr>
+          <a:xfrm>
+            <a:off x="944245" y="1348105"/>
+            <a:ext cx="6682105" cy="645160"/>
+          </a:xfrm>
+          <a:prstGeom prst="rect">
+            <a:avLst/>
+          </a:prstGeom>
+          <a:noFill/>
+        </p:spPr>
+        <p:txBody>
+          <a:bodyPr wrap="square" rtlCol="0">
+            <a:spAutoFit/>
+          </a:bodyPr>
+          <a:p>
+            <a:r>
+              <a:rPr lang="zh-CN" altLang="en-US"/>
+              <a:t>在</a:t>
+            </a:r>
+            <a:r>
+              <a:rPr lang="en-US" altLang="zh-CN"/>
+              <a:t> struct </a:t>
+            </a:r>
+            <a:r>
+              <a:rPr lang="zh-CN" altLang="en-US"/>
+              <a:t>后加上</a:t>
+            </a:r>
+            <a:r>
+              <a:rPr lang="en-US" altLang="zh-CN"/>
+              <a:t> alignas(</a:t>
+            </a:r>
+            <a:r>
+              <a:rPr lang="zh-CN" altLang="en-US"/>
+              <a:t>要对齐到的字节数</a:t>
+            </a:r>
+            <a:r>
+              <a:rPr lang="en-US" altLang="zh-CN"/>
+              <a:t>) </a:t>
+            </a:r>
+            <a:r>
+              <a:rPr lang="zh-CN" altLang="en-US"/>
+              <a:t>即可实现同样效果，就不需要手动写</a:t>
+            </a:r>
+            <a:r>
+              <a:rPr lang="en-US" altLang="zh-CN"/>
+              <a:t> padding </a:t>
+            </a:r>
+            <a:r>
+              <a:rPr lang="zh-CN" altLang="en-US"/>
+              <a:t>变量了。</a:t>
+            </a:r>
+            <a:endParaRPr lang="zh-CN" altLang="en-US"/>
+          </a:p>
+        </p:txBody>
+      </p:sp>
+      <p:sp>
+        <p:nvSpPr>
+          <p:cNvPr id="10" name="Text Box 9"/>
+          <p:cNvSpPr txBox="1"/>
+          <p:nvPr/>
+        </p:nvSpPr>
+        <p:spPr>
+          <a:xfrm>
+            <a:off x="318770" y="5659120"/>
+            <a:ext cx="7614285" cy="1198880"/>
+          </a:xfrm>
+          <a:prstGeom prst="rect">
+            <a:avLst/>
+          </a:prstGeom>
+          <a:noFill/>
+        </p:spPr>
+        <p:txBody>
+          <a:bodyPr wrap="square" rtlCol="0">
+            <a:spAutoFit/>
+          </a:bodyPr>
+          <a:p>
+            <a:r>
+              <a:rPr lang="zh-CN" altLang="en-US"/>
+              <a:t>那是不是所有结构体打上</a:t>
+            </a:r>
+            <a:r>
+              <a:rPr lang="en-US" altLang="zh-CN"/>
+              <a:t> alignas(16) </a:t>
+            </a:r>
+            <a:r>
+              <a:rPr lang="zh-CN" altLang="en-US"/>
+              <a:t>我的程序就会变快？</a:t>
+            </a:r>
+            <a:endParaRPr lang="zh-CN" altLang="en-US"/>
+          </a:p>
+          <a:p>
+            <a:r>
+              <a:rPr lang="zh-CN" altLang="en-US"/>
+              <a:t>错了，</a:t>
+            </a:r>
+            <a:r>
+              <a:rPr lang="zh-CN" altLang="en-US" b="1"/>
+              <a:t>有可能不仅不变快，反而还变慢</a:t>
+            </a:r>
+            <a:r>
+              <a:rPr lang="zh-CN" altLang="en-US"/>
+              <a:t>！</a:t>
+            </a:r>
+            <a:r>
+              <a:rPr lang="en-US" altLang="zh-CN"/>
+              <a:t>SIMD </a:t>
+            </a:r>
+            <a:r>
+              <a:rPr lang="zh-CN" altLang="en-US"/>
+              <a:t>和缓存行对齐只是性能优化的一个点，又不是全部。还要考虑结构体变大会导致内存带宽的占用，对缓存的占用等一系列连锁反应，总之，要根据实际情况选择优化方案。</a:t>
+            </a:r>
+            <a:endParaRPr lang="zh-CN" altLang="en-US"/>
+          </a:p>
+        </p:txBody>
+      </p:sp>
+    </p:spTree>
+  </p:cSld>
+  <p:clrMapOvr>
+    <a:masterClrMapping/>
+  </p:clrMapOvr>
+  <p:timing>
+    <p:tnLst>
+      <p:par>
+        <p:cTn id="1" dur="indefinite" restart="never" nodeType="tmRoot">
+          <p:childTnLst>
+            <p:seq concurrent="1" nextAc="seek">
+              <p:cTn id="2" dur="indefinite" nodeType="mainSeq">
+                <p:childTnLst>
+                  <p:par>
+                    <p:cTn id="3" fill="hold">
+                      <p:stCondLst>
+                        <p:cond delay="indefinite"/>
+                      </p:stCondLst>
+                      <p:childTnLst>
+                        <p:par>
+                          <p:cTn id="4" fill="hold">
+                            <p:stCondLst>
+                              <p:cond delay="0"/>
+                            </p:stCondLst>
+                            <p:childTnLst>
+                              <p:par>
+                                <p:cTn id="5" presetID="5" presetClass="entr" presetSubtype="10" fill="hold" grpId="0" nodeType="clickEffect">
+                                  <p:stCondLst>
+                                    <p:cond delay="0"/>
+                                  </p:stCondLst>
+                                  <p:childTnLst>
+                                    <p:set>
+                                      <p:cBhvr>
+                                        <p:cTn id="6" dur="1" fill="hold">
+                                          <p:stCondLst>
+                                            <p:cond delay="0"/>
+                                          </p:stCondLst>
+                                        </p:cTn>
+                                        <p:tgtEl>
+                                          <p:spTgt spid="10"/>
+                                        </p:tgtEl>
+                                        <p:attrNameLst>
+                                          <p:attrName>style.visibility</p:attrName>
+                                        </p:attrNameLst>
+                                      </p:cBhvr>
+                                      <p:to>
+                                        <p:strVal val="visible"/>
+                                      </p:to>
+                                    </p:set>
+                                    <p:animEffect transition="in" filter="checkerboard(across)">
+                                      <p:cBhvr>
+                                        <p:cTn id="7" dur="500"/>
+                                        <p:tgtEl>
+                                          <p:spTgt spid="10"/>
+                                        </p:tgtEl>
+                                      </p:cBhvr>
+                                    </p:animEffect>
+                                  </p:childTnLst>
+                                </p:cTn>
+                              </p:par>
+                            </p:childTnLst>
+                          </p:cTn>
+                        </p:par>
+                      </p:childTnLst>
+                    </p:cTn>
+                  </p:par>
+                </p:childTnLst>
+              </p:cTn>
+              <p:prevCondLst>
+                <p:cond evt="onPrev" delay="0">
+                  <p:tgtEl>
+                    <p:sldTgt/>
+                  </p:tgtEl>
+                </p:cond>
+              </p:prevCondLst>
+              <p:nextCondLst>
+                <p:cond evt="onNext" delay="0">
+                  <p:tgtEl>
+                    <p:sldTgt/>
+                  </p:tgtEl>
+                </p:cond>
+              </p:nextCondLst>
+            </p:seq>
+          </p:childTnLst>
+        </p:cTn>
+      </p:par>
+    </p:tnLst>
+    <p:bldLst>
+      <p:bldP spid="10" grpId="0"/>
+    </p:bldLst>
+  </p:timing>
+</p:sld>
+</file>
+
+<file path=ppt/slides/slide62.xml><?xml version="1.0" encoding="utf-8"?>
+<p:sld xmlns:a="http://schemas.openxmlformats.org/drawingml/2006/main" xmlns:r="http://schemas.openxmlformats.org/officeDocument/2006/relationships" xmlns:p="http://schemas.openxmlformats.org/presentationml/2006/main">
+  <p:cSld>
+    <p:spTree>
+      <p:nvGrpSpPr>
+        <p:cNvPr id="1" name=""/>
+        <p:cNvGrpSpPr/>
+        <p:nvPr/>
+      </p:nvGrpSpPr>
+      <p:grpSpPr/>
+      <p:sp>
+        <p:nvSpPr>
+          <p:cNvPr id="2" name="Title 1"/>
+          <p:cNvSpPr>
+            <a:spLocks noGrp="1"/>
+          </p:cNvSpPr>
+          <p:nvPr>
+            <p:ph type="title"/>
+          </p:nvPr>
+        </p:nvSpPr>
+        <p:spPr/>
+        <p:txBody>
+          <a:bodyPr/>
+          <a:p>
+            <a:r>
+              <a:rPr lang="zh-CN" altLang="en-US"/>
+              <a:t>结构体的内存布局：</a:t>
+            </a:r>
+            <a:r>
+              <a:rPr lang="en-US" altLang="zh-CN"/>
+              <a:t>AOS </a:t>
+            </a:r>
+            <a:r>
+              <a:rPr lang="zh-CN" altLang="en-US"/>
+              <a:t>与</a:t>
+            </a:r>
+            <a:r>
+              <a:rPr lang="en-US" altLang="zh-CN"/>
+              <a:t> SOA</a:t>
+            </a:r>
+            <a:endParaRPr lang="en-US" altLang="zh-CN"/>
+          </a:p>
+        </p:txBody>
+      </p:sp>
+      <p:sp>
+        <p:nvSpPr>
+          <p:cNvPr id="3" name="Content Placeholder 2"/>
+          <p:cNvSpPr>
+            <a:spLocks noGrp="1"/>
+          </p:cNvSpPr>
+          <p:nvPr>
+            <p:ph sz="half" idx="1"/>
+          </p:nvPr>
+        </p:nvSpPr>
+        <p:spPr/>
+        <p:txBody>
+          <a:bodyPr/>
+          <a:p>
+            <a:r>
+              <a:rPr lang="en-US" altLang="zh-CN"/>
+              <a:t>SOA</a:t>
+            </a:r>
+            <a:r>
+              <a:rPr lang="zh-CN" altLang="en-US"/>
+              <a:t>（</a:t>
+            </a:r>
+            <a:r>
+              <a:rPr lang="en-US" altLang="zh-CN"/>
+              <a:t>Struct of Array</a:t>
+            </a:r>
+            <a:r>
+              <a:rPr lang="zh-CN" altLang="en-US"/>
+              <a:t>）</a:t>
+            </a:r>
+            <a:endParaRPr lang="zh-CN" altLang="en-US"/>
+          </a:p>
+          <a:p>
+            <a:r>
+              <a:rPr lang="zh-CN" altLang="en-US"/>
+              <a:t>这个案例最好的内存布局应该是</a:t>
+            </a:r>
+            <a:r>
+              <a:rPr lang="en-US" altLang="zh-CN"/>
+              <a:t> SOA</a:t>
+            </a:r>
+            <a:r>
+              <a:rPr lang="zh-CN" altLang="en-US"/>
+              <a:t>。</a:t>
+            </a:r>
+            <a:endParaRPr lang="zh-CN" altLang="en-US"/>
+          </a:p>
+          <a:p>
+            <a:r>
+              <a:rPr lang="en-US" altLang="zh-CN"/>
+              <a:t>TODO</a:t>
+            </a:r>
+            <a:r>
+              <a:rPr lang="zh-CN" altLang="en-US"/>
+              <a:t>：嵌套循环</a:t>
+            </a:r>
+            <a:endParaRPr lang="zh-CN" altLang="en-US"/>
+          </a:p>
+          <a:p>
+            <a:r>
+              <a:rPr lang="en-US" altLang="zh-CN"/>
+              <a:t>TODO</a:t>
+            </a:r>
+            <a:r>
+              <a:rPr lang="zh-CN" altLang="en-US"/>
+              <a:t>：循环</a:t>
+            </a:r>
+            <a:r>
+              <a:rPr lang="en-US" altLang="zh-CN"/>
+              <a:t>fusion/separation</a:t>
+            </a:r>
+            <a:endParaRPr lang="en-US" altLang="zh-CN"/>
+          </a:p>
+        </p:txBody>
+      </p:sp>
+      <p:pic>
+        <p:nvPicPr>
+          <p:cNvPr id="6" name="Content Placeholder 5"/>
+          <p:cNvPicPr>
+            <a:picLocks noChangeAspect="1"/>
+          </p:cNvPicPr>
+          <p:nvPr>
+            <p:ph sz="half" idx="2"/>
+          </p:nvPr>
+        </p:nvPicPr>
+        <p:blipFill>
+          <a:blip r:embed="rId1"/>
+          <a:stretch>
+            <a:fillRect/>
+          </a:stretch>
+        </p:blipFill>
+        <p:spPr>
+          <a:xfrm>
+            <a:off x="6122035" y="2067560"/>
+            <a:ext cx="5165090" cy="3868420"/>
+          </a:xfrm>
+          <a:prstGeom prst="rect">
+            <a:avLst/>
+          </a:prstGeom>
+        </p:spPr>
+      </p:pic>
+    </p:spTree>
+  </p:cSld>
+  <p:clrMapOvr>
+    <a:masterClrMapping/>
+  </p:clrMapOvr>
 </p:sld>
 </file>
 

--- a/04/slides.pptx
+++ b/04/slides.pptx
@@ -8,7 +8,7 @@
     <p:notesMasterId r:id="rId5"/>
   </p:notesMasterIdLst>
   <p:handoutMasterIdLst>
-    <p:handoutMasterId r:id="rId66"/>
+    <p:handoutMasterId r:id="rId70"/>
   </p:handoutMasterIdLst>
   <p:sldIdLst>
     <p:sldId id="256" r:id="rId3"/>
@@ -59,20 +59,24 @@
     <p:sldId id="313" r:id="rId49"/>
     <p:sldId id="315" r:id="rId50"/>
     <p:sldId id="316" r:id="rId51"/>
-    <p:sldId id="317" r:id="rId52"/>
-    <p:sldId id="318" r:id="rId53"/>
-    <p:sldId id="320" r:id="rId54"/>
-    <p:sldId id="357" r:id="rId55"/>
-    <p:sldId id="358" r:id="rId56"/>
-    <p:sldId id="359" r:id="rId57"/>
-    <p:sldId id="368" r:id="rId58"/>
-    <p:sldId id="369" r:id="rId59"/>
-    <p:sldId id="360" r:id="rId60"/>
-    <p:sldId id="362" r:id="rId61"/>
-    <p:sldId id="363" r:id="rId62"/>
-    <p:sldId id="364" r:id="rId63"/>
-    <p:sldId id="365" r:id="rId64"/>
-    <p:sldId id="366" r:id="rId65"/>
+    <p:sldId id="370" r:id="rId52"/>
+    <p:sldId id="317" r:id="rId53"/>
+    <p:sldId id="318" r:id="rId54"/>
+    <p:sldId id="320" r:id="rId55"/>
+    <p:sldId id="357" r:id="rId56"/>
+    <p:sldId id="373" r:id="rId57"/>
+    <p:sldId id="358" r:id="rId58"/>
+    <p:sldId id="359" r:id="rId59"/>
+    <p:sldId id="368" r:id="rId60"/>
+    <p:sldId id="369" r:id="rId61"/>
+    <p:sldId id="371" r:id="rId62"/>
+    <p:sldId id="372" r:id="rId63"/>
+    <p:sldId id="360" r:id="rId64"/>
+    <p:sldId id="362" r:id="rId65"/>
+    <p:sldId id="363" r:id="rId66"/>
+    <p:sldId id="364" r:id="rId67"/>
+    <p:sldId id="365" r:id="rId68"/>
+    <p:sldId id="366" r:id="rId69"/>
   </p:sldIdLst>
   <p:sldSz cx="12192000" cy="6858000"/>
   <p:notesSz cx="7103745" cy="10234295"/>
@@ -994,6 +998,50 @@
 </file>
 
 <file path=ppt/notesSlides/notesSlide8.xml><?xml version="1.0" encoding="utf-8"?>
+<p:notes xmlns:a="http://schemas.openxmlformats.org/drawingml/2006/main" xmlns:r="http://schemas.openxmlformats.org/officeDocument/2006/relationships" xmlns:p="http://schemas.openxmlformats.org/presentationml/2006/main">
+  <p:cSld>
+    <p:spTree>
+      <p:nvGrpSpPr>
+        <p:cNvPr id="1" name=""/>
+        <p:cNvGrpSpPr/>
+        <p:nvPr/>
+      </p:nvGrpSpPr>
+      <p:grpSpPr/>
+      <p:sp>
+        <p:nvSpPr>
+          <p:cNvPr id="2" name="Slide Image Placeholder 1"/>
+          <p:cNvSpPr/>
+          <p:nvPr>
+            <p:ph type="sldImg" idx="2"/>
+          </p:nvPr>
+        </p:nvSpPr>
+        <p:spPr/>
+      </p:sp>
+      <p:sp>
+        <p:nvSpPr>
+          <p:cNvPr id="3" name="Text Placeholder 2"/>
+          <p:cNvSpPr/>
+          <p:nvPr>
+            <p:ph type="body" idx="3"/>
+          </p:nvPr>
+        </p:nvSpPr>
+        <p:spPr/>
+        <p:txBody>
+          <a:bodyPr/>
+          <a:p>
+            <a:endParaRPr lang="en-US"/>
+          </a:p>
+        </p:txBody>
+      </p:sp>
+    </p:spTree>
+  </p:cSld>
+  <p:clrMapOvr>
+    <a:masterClrMapping/>
+  </p:clrMapOvr>
+</p:notes>
+</file>
+
+<file path=ppt/notesSlides/notesSlide9.xml><?xml version="1.0" encoding="utf-8"?>
 <p:notes xmlns:a="http://schemas.openxmlformats.org/drawingml/2006/main" xmlns:r="http://schemas.openxmlformats.org/officeDocument/2006/relationships" xmlns:p="http://schemas.openxmlformats.org/presentationml/2006/main">
   <p:cSld>
     <p:spTree>
@@ -12568,7 +12616,7 @@
       <p:grpSpPr/>
       <p:sp>
         <p:nvSpPr>
-          <p:cNvPr id="7" name="Title 6"/>
+          <p:cNvPr id="2" name="Title 1"/>
           <p:cNvSpPr>
             <a:spLocks noGrp="1"/>
           </p:cNvSpPr>
@@ -12581,18 +12629,58 @@
           <a:bodyPr/>
           <a:p>
             <a:r>
-              <a:rPr lang="zh-CN" altLang="en-US"/>
-              <a:t>第</a:t>
-            </a:r>
-            <a:r>
-              <a:rPr lang="en-US" altLang="zh-CN"/>
-              <a:t>5</a:t>
-            </a:r>
-            <a:r>
-              <a:rPr lang="zh-CN" altLang="en-US"/>
-              <a:t>章：循环</a:t>
+              <a:rPr lang="en-US" altLang="zh-CN"/>
+              <a:t>n</a:t>
+            </a:r>
+            <a:r>
+              <a:rPr lang="zh-CN" altLang="en-US"/>
+              <a:t>总是</a:t>
+            </a:r>
+            <a:r>
+              <a:rPr lang="en-US" altLang="zh-CN"/>
+              <a:t>4</a:t>
+            </a:r>
+            <a:r>
+              <a:rPr lang="zh-CN" altLang="en-US"/>
+              <a:t>的倍数？避免边界特判</a:t>
             </a:r>
             <a:endParaRPr lang="zh-CN" altLang="en-US"/>
+          </a:p>
+        </p:txBody>
+      </p:sp>
+      <p:sp>
+        <p:nvSpPr>
+          <p:cNvPr id="3" name="Content Placeholder 2"/>
+          <p:cNvSpPr>
+            <a:spLocks noGrp="1"/>
+          </p:cNvSpPr>
+          <p:nvPr>
+            <p:ph sz="half" idx="1"/>
+          </p:nvPr>
+        </p:nvSpPr>
+        <p:spPr/>
+        <p:txBody>
+          <a:bodyPr/>
+          <a:p>
+            <a:endParaRPr lang="en-US"/>
+          </a:p>
+        </p:txBody>
+      </p:sp>
+      <p:sp>
+        <p:nvSpPr>
+          <p:cNvPr id="4" name="Content Placeholder 3"/>
+          <p:cNvSpPr>
+            <a:spLocks noGrp="1"/>
+          </p:cNvSpPr>
+          <p:nvPr>
+            <p:ph sz="half" idx="2"/>
+          </p:nvPr>
+        </p:nvSpPr>
+        <p:spPr/>
+        <p:txBody>
+          <a:bodyPr/>
+          <a:p>
+            <a:endParaRPr lang="en-US"/>
           </a:p>
         </p:txBody>
       </p:sp>
@@ -12653,6 +12741,54 @@
 </file>
 
 <file path=ppt/slides/slide50.xml><?xml version="1.0" encoding="utf-8"?>
+<p:sld xmlns:a="http://schemas.openxmlformats.org/drawingml/2006/main" xmlns:r="http://schemas.openxmlformats.org/officeDocument/2006/relationships" xmlns:p="http://schemas.openxmlformats.org/presentationml/2006/main">
+  <p:cSld>
+    <p:spTree>
+      <p:nvGrpSpPr>
+        <p:cNvPr id="1" name=""/>
+        <p:cNvGrpSpPr/>
+        <p:nvPr/>
+      </p:nvGrpSpPr>
+      <p:grpSpPr/>
+      <p:sp>
+        <p:nvSpPr>
+          <p:cNvPr id="7" name="Title 6"/>
+          <p:cNvSpPr>
+            <a:spLocks noGrp="1"/>
+          </p:cNvSpPr>
+          <p:nvPr>
+            <p:ph type="title"/>
+          </p:nvPr>
+        </p:nvSpPr>
+        <p:spPr/>
+        <p:txBody>
+          <a:bodyPr/>
+          <a:p>
+            <a:r>
+              <a:rPr lang="zh-CN" altLang="en-US"/>
+              <a:t>第</a:t>
+            </a:r>
+            <a:r>
+              <a:rPr lang="en-US" altLang="zh-CN"/>
+              <a:t>5</a:t>
+            </a:r>
+            <a:r>
+              <a:rPr lang="zh-CN" altLang="en-US"/>
+              <a:t>章：循环</a:t>
+            </a:r>
+            <a:endParaRPr lang="zh-CN" altLang="en-US"/>
+          </a:p>
+        </p:txBody>
+      </p:sp>
+    </p:spTree>
+  </p:cSld>
+  <p:clrMapOvr>
+    <a:masterClrMapping/>
+  </p:clrMapOvr>
+</p:sld>
+</file>
+
+<file path=ppt/slides/slide51.xml><?xml version="1.0" encoding="utf-8"?>
 <p:sld xmlns:a="http://schemas.openxmlformats.org/drawingml/2006/main" xmlns:r="http://schemas.openxmlformats.org/officeDocument/2006/relationships" xmlns:p="http://schemas.openxmlformats.org/presentationml/2006/main">
   <p:cSld>
     <p:spTree>
@@ -13476,7 +13612,7 @@
 </p:sld>
 </file>
 
-<file path=ppt/slides/slide51.xml><?xml version="1.0" encoding="utf-8"?>
+<file path=ppt/slides/slide52.xml><?xml version="1.0" encoding="utf-8"?>
 <p:sld xmlns:a="http://schemas.openxmlformats.org/drawingml/2006/main" xmlns:r="http://schemas.openxmlformats.org/officeDocument/2006/relationships" xmlns:p="http://schemas.openxmlformats.org/presentationml/2006/main">
   <p:cSld>
     <p:spTree>
@@ -13971,7 +14107,7 @@
 </p:sld>
 </file>
 
-<file path=ppt/slides/slide52.xml><?xml version="1.0" encoding="utf-8"?>
+<file path=ppt/slides/slide53.xml><?xml version="1.0" encoding="utf-8"?>
 <p:sld xmlns:a="http://schemas.openxmlformats.org/drawingml/2006/main" xmlns:r="http://schemas.openxmlformats.org/officeDocument/2006/relationships" xmlns:p="http://schemas.openxmlformats.org/presentationml/2006/main">
   <p:cSld>
     <p:spTree>
@@ -13999,7 +14135,19 @@
               <a:rPr lang="zh-CN" altLang="en-US">
                 <a:sym typeface="+mn-ea"/>
               </a:rPr>
-              <a:t>循环中的矢量化：强迫矢量化</a:t>
+              <a:t>循环中的矢量化：</a:t>
+            </a:r>
+            <a:r>
+              <a:rPr lang="en-US" altLang="zh-CN">
+                <a:sym typeface="+mn-ea"/>
+              </a:rPr>
+              <a:t>OpenMP </a:t>
+            </a:r>
+            <a:r>
+              <a:rPr lang="zh-CN" altLang="en-US">
+                <a:sym typeface="+mn-ea"/>
+              </a:rPr>
+              <a:t>强制矢量化</a:t>
             </a:r>
             <a:endParaRPr lang="en-US"/>
           </a:p>
@@ -14187,7 +14335,211 @@
 </p:sld>
 </file>
 
-<file path=ppt/slides/slide53.xml><?xml version="1.0" encoding="utf-8"?>
+<file path=ppt/slides/slide54.xml><?xml version="1.0" encoding="utf-8"?>
+<p:sld xmlns:a="http://schemas.openxmlformats.org/drawingml/2006/main" xmlns:r="http://schemas.openxmlformats.org/officeDocument/2006/relationships" xmlns:p="http://schemas.openxmlformats.org/presentationml/2006/main">
+  <p:cSld>
+    <p:spTree>
+      <p:nvGrpSpPr>
+        <p:cNvPr id="1" name=""/>
+        <p:cNvGrpSpPr/>
+        <p:nvPr/>
+      </p:nvGrpSpPr>
+      <p:grpSpPr/>
+      <p:sp>
+        <p:nvSpPr>
+          <p:cNvPr id="2" name="Title 1"/>
+          <p:cNvSpPr>
+            <a:spLocks noGrp="1"/>
+          </p:cNvSpPr>
+          <p:nvPr>
+            <p:ph type="title"/>
+          </p:nvPr>
+        </p:nvSpPr>
+        <p:spPr/>
+        <p:txBody>
+          <a:bodyPr/>
+          <a:p>
+            <a:r>
+              <a:rPr lang="zh-CN" altLang="en-US">
+                <a:sym typeface="+mn-ea"/>
+              </a:rPr>
+              <a:t>循环中的矢量化：编译器提示忽略指针别名</a:t>
+            </a:r>
+            <a:endParaRPr lang="en-US"/>
+          </a:p>
+        </p:txBody>
+      </p:sp>
+      <p:sp>
+        <p:nvSpPr>
+          <p:cNvPr id="3" name="Content Placeholder 2"/>
+          <p:cNvSpPr>
+            <a:spLocks noGrp="1"/>
+          </p:cNvSpPr>
+          <p:nvPr>
+            <p:ph sz="half" idx="1"/>
+          </p:nvPr>
+        </p:nvSpPr>
+        <p:spPr>
+          <a:xfrm>
+            <a:off x="309880" y="1825625"/>
+            <a:ext cx="5716270" cy="4351655"/>
+          </a:xfrm>
+        </p:spPr>
+        <p:txBody>
+          <a:bodyPr/>
+          <a:p>
+            <a:r>
+              <a:rPr lang="zh-CN" altLang="en-US">
+                <a:sym typeface="+mn-ea"/>
+              </a:rPr>
+              <a:t>除了可以用</a:t>
+            </a:r>
+            <a:r>
+              <a:rPr lang="en-US" altLang="zh-CN">
+                <a:sym typeface="+mn-ea"/>
+              </a:rPr>
+              <a:t> __restrict</a:t>
+            </a:r>
+            <a:r>
+              <a:rPr lang="zh-CN" altLang="en-US">
+                <a:sym typeface="+mn-ea"/>
+              </a:rPr>
+              <a:t>，</a:t>
+            </a:r>
+            <a:r>
+              <a:rPr lang="en-US" altLang="zh-CN">
+                <a:sym typeface="+mn-ea"/>
+              </a:rPr>
+              <a:t>#pragma omp simd </a:t>
+            </a:r>
+            <a:r>
+              <a:rPr lang="zh-CN" altLang="en-US">
+                <a:sym typeface="+mn-ea"/>
+              </a:rPr>
+              <a:t>外，对于</a:t>
+            </a:r>
+            <a:r>
+              <a:rPr lang="en-US" altLang="zh-CN">
+                <a:sym typeface="+mn-ea"/>
+              </a:rPr>
+              <a:t> GCC </a:t>
+            </a:r>
+            <a:r>
+              <a:rPr lang="zh-CN" altLang="en-US">
+                <a:sym typeface="+mn-ea"/>
+              </a:rPr>
+              <a:t>编译器还可以用：</a:t>
+            </a:r>
+            <a:endParaRPr lang="zh-CN" altLang="en-US">
+              <a:sym typeface="+mn-ea"/>
+            </a:endParaRPr>
+          </a:p>
+          <a:p>
+            <a:r>
+              <a:rPr lang="en-US" altLang="zh-CN">
+                <a:sym typeface="+mn-ea"/>
+              </a:rPr>
+              <a:t>#pragma GCC ivdep</a:t>
+            </a:r>
+            <a:endParaRPr lang="en-US" altLang="zh-CN">
+              <a:sym typeface="+mn-ea"/>
+            </a:endParaRPr>
+          </a:p>
+          <a:p>
+            <a:r>
+              <a:rPr lang="zh-CN" altLang="en-US">
+                <a:sym typeface="+mn-ea"/>
+              </a:rPr>
+              <a:t>表示忽视下方</a:t>
+            </a:r>
+            <a:r>
+              <a:rPr lang="en-US" altLang="zh-CN">
+                <a:sym typeface="+mn-ea"/>
+              </a:rPr>
+              <a:t> for </a:t>
+            </a:r>
+            <a:r>
+              <a:rPr lang="zh-CN" altLang="en-US">
+                <a:sym typeface="+mn-ea"/>
+              </a:rPr>
+              <a:t>循环内可能的指针别名现象。</a:t>
+            </a:r>
+            <a:endParaRPr lang="en-US" altLang="zh-CN">
+              <a:sym typeface="+mn-ea"/>
+            </a:endParaRPr>
+          </a:p>
+          <a:p>
+            <a:r>
+              <a:rPr lang="zh-CN" altLang="en-US">
+                <a:sym typeface="+mn-ea"/>
+              </a:rPr>
+              <a:t>不同的编译器这个</a:t>
+            </a:r>
+            <a:r>
+              <a:rPr lang="en-US" altLang="zh-CN">
+                <a:sym typeface="+mn-ea"/>
+              </a:rPr>
+              <a:t> pragma </a:t>
+            </a:r>
+            <a:r>
+              <a:rPr lang="zh-CN" altLang="en-US">
+                <a:sym typeface="+mn-ea"/>
+              </a:rPr>
+              <a:t>指令不同，这里只是拿</a:t>
+            </a:r>
+            <a:r>
+              <a:rPr lang="en-US" altLang="zh-CN">
+                <a:sym typeface="+mn-ea"/>
+              </a:rPr>
+              <a:t> GCC </a:t>
+            </a:r>
+            <a:r>
+              <a:rPr lang="zh-CN" altLang="en-US">
+                <a:sym typeface="+mn-ea"/>
+              </a:rPr>
+              <a:t>举例，其他编译器请自行查找资料。</a:t>
+            </a:r>
+            <a:endParaRPr lang="zh-CN" altLang="en-US">
+              <a:sym typeface="+mn-ea"/>
+            </a:endParaRPr>
+          </a:p>
+        </p:txBody>
+      </p:sp>
+      <p:pic>
+        <p:nvPicPr>
+          <p:cNvPr id="5" name="Content Placeholder 4"/>
+          <p:cNvPicPr>
+            <a:picLocks noChangeAspect="1"/>
+          </p:cNvPicPr>
+          <p:nvPr>
+            <p:ph sz="half" idx="2"/>
+          </p:nvPr>
+        </p:nvPicPr>
+        <p:blipFill>
+          <a:blip r:embed="rId1"/>
+          <a:stretch>
+            <a:fillRect/>
+          </a:stretch>
+        </p:blipFill>
+        <p:spPr>
+          <a:xfrm>
+            <a:off x="6026785" y="2991485"/>
+            <a:ext cx="5765165" cy="2019300"/>
+          </a:xfrm>
+          <a:prstGeom prst="rect">
+            <a:avLst/>
+          </a:prstGeom>
+        </p:spPr>
+      </p:pic>
+    </p:spTree>
+  </p:cSld>
+  <p:clrMapOvr>
+    <a:masterClrMapping/>
+  </p:clrMapOvr>
+</p:sld>
+</file>
+
+<file path=ppt/slides/slide55.xml><?xml version="1.0" encoding="utf-8"?>
 <p:sld xmlns:a="http://schemas.openxmlformats.org/drawingml/2006/main" xmlns:r="http://schemas.openxmlformats.org/officeDocument/2006/relationships" xmlns:p="http://schemas.openxmlformats.org/presentationml/2006/main">
   <p:cSld>
     <p:spTree>
@@ -14887,7 +15239,7 @@
 </p:sld>
 </file>
 
-<file path=ppt/slides/slide54.xml><?xml version="1.0" encoding="utf-8"?>
+<file path=ppt/slides/slide56.xml><?xml version="1.0" encoding="utf-8"?>
 <p:sld xmlns:a="http://schemas.openxmlformats.org/drawingml/2006/main" xmlns:r="http://schemas.openxmlformats.org/officeDocument/2006/relationships" xmlns:p="http://schemas.openxmlformats.org/presentationml/2006/main">
   <p:cSld>
     <p:spTree>
@@ -15234,7 +15586,7 @@
 </p:sld>
 </file>
 
-<file path=ppt/slides/slide55.xml><?xml version="1.0" encoding="utf-8"?>
+<file path=ppt/slides/slide57.xml><?xml version="1.0" encoding="utf-8"?>
 <p:sld xmlns:a="http://schemas.openxmlformats.org/drawingml/2006/main" xmlns:r="http://schemas.openxmlformats.org/officeDocument/2006/relationships" xmlns:p="http://schemas.openxmlformats.org/presentationml/2006/main">
   <p:cSld>
     <p:spTree>
@@ -15266,58 +15618,6 @@
           </a:p>
         </p:txBody>
       </p:sp>
-      <p:pic>
-        <p:nvPicPr>
-          <p:cNvPr id="5" name="Content Placeholder 4"/>
-          <p:cNvPicPr>
-            <a:picLocks noChangeAspect="1"/>
-          </p:cNvPicPr>
-          <p:nvPr>
-            <p:ph sz="half" idx="1"/>
-          </p:nvPr>
-        </p:nvPicPr>
-        <p:blipFill>
-          <a:blip r:embed="rId1"/>
-          <a:stretch>
-            <a:fillRect/>
-          </a:stretch>
-        </p:blipFill>
-        <p:spPr>
-          <a:xfrm>
-            <a:off x="0" y="2946400"/>
-            <a:ext cx="6337935" cy="1489710"/>
-          </a:xfrm>
-          <a:prstGeom prst="rect">
-            <a:avLst/>
-          </a:prstGeom>
-        </p:spPr>
-      </p:pic>
-      <p:pic>
-        <p:nvPicPr>
-          <p:cNvPr id="6" name="Content Placeholder 5"/>
-          <p:cNvPicPr>
-            <a:picLocks noChangeAspect="1"/>
-          </p:cNvPicPr>
-          <p:nvPr>
-            <p:ph sz="half" idx="2"/>
-          </p:nvPr>
-        </p:nvPicPr>
-        <p:blipFill>
-          <a:blip r:embed="rId2"/>
-          <a:stretch>
-            <a:fillRect/>
-          </a:stretch>
-        </p:blipFill>
-        <p:spPr>
-          <a:xfrm>
-            <a:off x="7073265" y="1447800"/>
-            <a:ext cx="5118735" cy="5410200"/>
-          </a:xfrm>
-          <a:prstGeom prst="rect">
-            <a:avLst/>
-          </a:prstGeom>
-        </p:spPr>
-      </p:pic>
       <p:sp>
         <p:nvSpPr>
           <p:cNvPr id="7" name="Text Box 6"/>
@@ -15359,30 +15659,6 @@
           </a:p>
         </p:txBody>
       </p:sp>
-      <p:pic>
-        <p:nvPicPr>
-          <p:cNvPr id="8" name="Picture 7"/>
-          <p:cNvPicPr>
-            <a:picLocks noChangeAspect="1"/>
-          </p:cNvPicPr>
-          <p:nvPr/>
-        </p:nvPicPr>
-        <p:blipFill>
-          <a:blip r:embed="rId3"/>
-          <a:stretch>
-            <a:fillRect/>
-          </a:stretch>
-        </p:blipFill>
-        <p:spPr>
-          <a:xfrm>
-            <a:off x="0" y="5251450"/>
-            <a:ext cx="6110605" cy="1606550"/>
-          </a:xfrm>
-          <a:prstGeom prst="rect">
-            <a:avLst/>
-          </a:prstGeom>
-        </p:spPr>
-      </p:pic>
       <p:sp>
         <p:nvSpPr>
           <p:cNvPr id="14" name="Left Brace 13"/>
@@ -15391,7 +15667,7 @@
         </p:nvSpPr>
         <p:spPr>
           <a:xfrm>
-            <a:off x="6781800" y="2178050"/>
+            <a:off x="6729730" y="2188210"/>
             <a:ext cx="291465" cy="768985"/>
           </a:xfrm>
           <a:prstGeom prst="leftBrace">
@@ -15434,7 +15710,7 @@
         </p:nvSpPr>
         <p:spPr>
           <a:xfrm>
-            <a:off x="5170805" y="2178050"/>
+            <a:off x="5150485" y="2239010"/>
             <a:ext cx="1850390" cy="368300"/>
           </a:xfrm>
           <a:prstGeom prst="rect">
@@ -15467,7 +15743,7 @@
         </p:nvSpPr>
         <p:spPr>
           <a:xfrm>
-            <a:off x="459105" y="2578100"/>
+            <a:off x="132080" y="3079750"/>
             <a:ext cx="1502410" cy="368300"/>
           </a:xfrm>
           <a:prstGeom prst="rect">
@@ -15496,7 +15772,7 @@
         </p:nvSpPr>
         <p:spPr>
           <a:xfrm>
-            <a:off x="459105" y="4883150"/>
+            <a:off x="132080" y="5147310"/>
             <a:ext cx="1614805" cy="368300"/>
           </a:xfrm>
           <a:prstGeom prst="rect">
@@ -15517,6 +15793,82 @@
           </a:p>
         </p:txBody>
       </p:sp>
+      <p:pic>
+        <p:nvPicPr>
+          <p:cNvPr id="13" name="Content Placeholder 12"/>
+          <p:cNvPicPr>
+            <a:picLocks noChangeAspect="1"/>
+          </p:cNvPicPr>
+          <p:nvPr>
+            <p:ph sz="half" idx="1"/>
+          </p:nvPr>
+        </p:nvPicPr>
+        <p:blipFill>
+          <a:blip r:embed="rId1"/>
+          <a:stretch>
+            <a:fillRect/>
+          </a:stretch>
+        </p:blipFill>
+        <p:spPr>
+          <a:xfrm>
+            <a:off x="0" y="3448050"/>
+            <a:ext cx="6939280" cy="1152525"/>
+          </a:xfrm>
+          <a:prstGeom prst="rect">
+            <a:avLst/>
+          </a:prstGeom>
+        </p:spPr>
+      </p:pic>
+      <p:pic>
+        <p:nvPicPr>
+          <p:cNvPr id="16" name="Picture 15"/>
+          <p:cNvPicPr>
+            <a:picLocks noChangeAspect="1"/>
+          </p:cNvPicPr>
+          <p:nvPr/>
+        </p:nvPicPr>
+        <p:blipFill>
+          <a:blip r:embed="rId2"/>
+          <a:stretch>
+            <a:fillRect/>
+          </a:stretch>
+        </p:blipFill>
+        <p:spPr>
+          <a:xfrm>
+            <a:off x="-10795" y="5515610"/>
+            <a:ext cx="6950075" cy="1342390"/>
+          </a:xfrm>
+          <a:prstGeom prst="rect">
+            <a:avLst/>
+          </a:prstGeom>
+        </p:spPr>
+      </p:pic>
+      <p:pic>
+        <p:nvPicPr>
+          <p:cNvPr id="18" name="Content Placeholder 17"/>
+          <p:cNvPicPr>
+            <a:picLocks noChangeAspect="1"/>
+          </p:cNvPicPr>
+          <p:nvPr>
+            <p:ph sz="half" idx="2"/>
+          </p:nvPr>
+        </p:nvPicPr>
+        <p:blipFill>
+          <a:blip r:embed="rId3"/>
+          <a:stretch>
+            <a:fillRect/>
+          </a:stretch>
+        </p:blipFill>
+        <p:spPr>
+          <a:xfrm>
+            <a:off x="7021195" y="1489075"/>
+            <a:ext cx="5170805" cy="5368925"/>
+          </a:xfrm>
+          <a:prstGeom prst="rect">
+            <a:avLst/>
+          </a:prstGeom>
+        </p:spPr>
+      </p:pic>
     </p:spTree>
   </p:cSld>
   <p:clrMapOvr>
@@ -15723,7 +16075,7 @@
 </p:sld>
 </file>
 
-<file path=ppt/slides/slide56.xml><?xml version="1.0" encoding="utf-8"?>
+<file path=ppt/slides/slide58.xml><?xml version="1.0" encoding="utf-8"?>
 <p:sld xmlns:a="http://schemas.openxmlformats.org/drawingml/2006/main" xmlns:r="http://schemas.openxmlformats.org/officeDocument/2006/relationships" xmlns:p="http://schemas.openxmlformats.org/presentationml/2006/main">
   <p:cSld>
     <p:spTree>
@@ -15812,9 +16164,38 @@
           </a:p>
         </p:txBody>
       </p:sp>
+      <p:sp>
+        <p:nvSpPr>
+          <p:cNvPr id="7" name="Text Box 6"/>
+          <p:cNvSpPr txBox="1"/>
+          <p:nvPr/>
+        </p:nvSpPr>
+        <p:spPr>
+          <a:xfrm>
+            <a:off x="929005" y="5518785"/>
+            <a:ext cx="4935855" cy="645160"/>
+          </a:xfrm>
+          <a:prstGeom prst="rect">
+            <a:avLst/>
+          </a:prstGeom>
+          <a:noFill/>
+        </p:spPr>
+        <p:txBody>
+          <a:bodyPr wrap="square" rtlCol="0">
+            <a:spAutoFit/>
+          </a:bodyPr>
+          <a:p>
+            <a:r>
+              <a:rPr lang="zh-CN" altLang="en-US"/>
+              <a:t>因此，要么帮编译器打上括号帮助他识别，要么手动提取不变量到循环体外。</a:t>
+            </a:r>
+            <a:endParaRPr lang="zh-CN" altLang="en-US"/>
+          </a:p>
+        </p:txBody>
+      </p:sp>
       <p:pic>
         <p:nvPicPr>
-          <p:cNvPr id="5" name="Content Placeholder 4"/>
+          <p:cNvPr id="9" name="Content Placeholder 8"/>
           <p:cNvPicPr>
             <a:picLocks noChangeAspect="1"/>
           </p:cNvPicPr>
@@ -15830,8 +16211,8 @@
         </p:blipFill>
         <p:spPr>
           <a:xfrm>
-            <a:off x="0" y="3369945"/>
-            <a:ext cx="6238875" cy="1497965"/>
+            <a:off x="0" y="3665855"/>
+            <a:ext cx="6685915" cy="1247140"/>
           </a:xfrm>
           <a:prstGeom prst="rect">
             <a:avLst/>
@@ -15840,7 +16221,7 @@
       </p:pic>
       <p:pic>
         <p:nvPicPr>
-          <p:cNvPr id="6" name="Content Placeholder 5"/>
+          <p:cNvPr id="12" name="Content Placeholder 11"/>
           <p:cNvPicPr>
             <a:picLocks noChangeAspect="1"/>
           </p:cNvPicPr>
@@ -15856,43 +16237,14 @@
         </p:blipFill>
         <p:spPr>
           <a:xfrm>
-            <a:off x="6764655" y="360045"/>
-            <a:ext cx="5427345" cy="6497955"/>
+            <a:off x="6765925" y="381635"/>
+            <a:ext cx="5426075" cy="6476365"/>
           </a:xfrm>
           <a:prstGeom prst="rect">
             <a:avLst/>
           </a:prstGeom>
         </p:spPr>
       </p:pic>
-      <p:sp>
-        <p:nvSpPr>
-          <p:cNvPr id="7" name="Text Box 6"/>
-          <p:cNvSpPr txBox="1"/>
-          <p:nvPr/>
-        </p:nvSpPr>
-        <p:spPr>
-          <a:xfrm>
-            <a:off x="929005" y="5518785"/>
-            <a:ext cx="4935855" cy="645160"/>
-          </a:xfrm>
-          <a:prstGeom prst="rect">
-            <a:avLst/>
-          </a:prstGeom>
-          <a:noFill/>
-        </p:spPr>
-        <p:txBody>
-          <a:bodyPr wrap="square" rtlCol="0">
-            <a:spAutoFit/>
-          </a:bodyPr>
-          <a:p>
-            <a:r>
-              <a:rPr lang="zh-CN" altLang="en-US"/>
-              <a:t>因此，要么帮编译器打上括号帮助他识别，要么手动提取不变量到循环体外。</a:t>
-            </a:r>
-            <a:endParaRPr lang="zh-CN" altLang="en-US"/>
-          </a:p>
-        </p:txBody>
-      </p:sp>
     </p:spTree>
   </p:cSld>
   <p:clrMapOvr>
@@ -15901,7 +16253,7 @@
 </p:sld>
 </file>
 
-<file path=ppt/slides/slide57.xml><?xml version="1.0" encoding="utf-8"?>
+<file path=ppt/slides/slide59.xml><?xml version="1.0" encoding="utf-8"?>
 <p:sld xmlns:a="http://schemas.openxmlformats.org/drawingml/2006/main" xmlns:r="http://schemas.openxmlformats.org/officeDocument/2006/relationships" xmlns:p="http://schemas.openxmlformats.org/presentationml/2006/main">
   <p:cSld>
     <p:spTree>
@@ -15913,7 +16265,7 @@
       <p:grpSpPr/>
       <p:sp>
         <p:nvSpPr>
-          <p:cNvPr id="7" name="Title 6"/>
+          <p:cNvPr id="2" name="Title 1"/>
           <p:cNvSpPr>
             <a:spLocks noGrp="1"/>
           </p:cNvSpPr>
@@ -15927,15 +16279,111 @@
           <a:p>
             <a:r>
               <a:rPr lang="zh-CN" altLang="en-US"/>
-              <a:t>第</a:t>
-            </a:r>
-            <a:r>
-              <a:rPr lang="en-US" altLang="zh-CN"/>
-              <a:t>6</a:t>
-            </a:r>
-            <a:r>
-              <a:rPr lang="zh-CN" altLang="en-US"/>
-              <a:t>章：结构体</a:t>
+              <a:t>为什么需要循环展开</a:t>
+            </a:r>
+            <a:endParaRPr lang="en-US" altLang="zh-CN"/>
+          </a:p>
+        </p:txBody>
+      </p:sp>
+      <p:pic>
+        <p:nvPicPr>
+          <p:cNvPr id="10" name="Content Placeholder 9"/>
+          <p:cNvPicPr>
+            <a:picLocks noChangeAspect="1"/>
+          </p:cNvPicPr>
+          <p:nvPr>
+            <p:ph sz="half" idx="2"/>
+          </p:nvPr>
+        </p:nvPicPr>
+        <p:blipFill>
+          <a:blip r:embed="rId1"/>
+          <a:stretch>
+            <a:fillRect/>
+          </a:stretch>
+        </p:blipFill>
+        <p:spPr>
+          <a:xfrm>
+            <a:off x="6564630" y="2151380"/>
+            <a:ext cx="5181600" cy="3699510"/>
+          </a:xfrm>
+          <a:prstGeom prst="rect">
+            <a:avLst/>
+          </a:prstGeom>
+        </p:spPr>
+      </p:pic>
+      <p:pic>
+        <p:nvPicPr>
+          <p:cNvPr id="12" name="Content Placeholder 11"/>
+          <p:cNvPicPr>
+            <a:picLocks noChangeAspect="1"/>
+          </p:cNvPicPr>
+          <p:nvPr>
+            <p:ph sz="half" idx="1"/>
+          </p:nvPr>
+        </p:nvPicPr>
+        <p:blipFill>
+          <a:blip r:embed="rId2"/>
+          <a:stretch>
+            <a:fillRect/>
+          </a:stretch>
+        </p:blipFill>
+        <p:spPr>
+          <a:xfrm>
+            <a:off x="446405" y="3343275"/>
+            <a:ext cx="4908550" cy="1315720"/>
+          </a:xfrm>
+          <a:prstGeom prst="rect">
+            <a:avLst/>
+          </a:prstGeom>
+        </p:spPr>
+      </p:pic>
+      <p:sp>
+        <p:nvSpPr>
+          <p:cNvPr id="14" name="Text Box 13"/>
+          <p:cNvSpPr txBox="1"/>
+          <p:nvPr/>
+        </p:nvSpPr>
+        <p:spPr>
+          <a:xfrm>
+            <a:off x="446405" y="1957070"/>
+            <a:ext cx="5916930" cy="645160"/>
+          </a:xfrm>
+          <a:prstGeom prst="rect">
+            <a:avLst/>
+          </a:prstGeom>
+          <a:noFill/>
+        </p:spPr>
+        <p:txBody>
+          <a:bodyPr wrap="square" rtlCol="0">
+            <a:spAutoFit/>
+          </a:bodyPr>
+          <a:p>
+            <a:r>
+              <a:rPr lang="zh-CN" altLang="en-US"/>
+              <a:t>每次执行循环体</a:t>
+            </a:r>
+            <a:r>
+              <a:rPr lang="en-US" altLang="zh-CN"/>
+              <a:t> a[i] = 1</a:t>
+            </a:r>
+            <a:r>
+              <a:rPr lang="zh-CN" altLang="en-US"/>
+              <a:t>后，都要进行一次判断</a:t>
+            </a:r>
+            <a:r>
+              <a:rPr lang="en-US" altLang="zh-CN"/>
+              <a:t> i &lt; 1024</a:t>
+            </a:r>
+            <a:r>
+              <a:rPr lang="zh-CN" altLang="en-US"/>
+              <a:t>。</a:t>
+            </a:r>
+            <a:endParaRPr lang="en-US" altLang="zh-CN"/>
+          </a:p>
+          <a:p>
+            <a:r>
+              <a:rPr lang="zh-CN" altLang="en-US"/>
+              <a:t>导致一部分时间花在判断是否结束循环，而不是循环体里。</a:t>
             </a:r>
             <a:endParaRPr lang="zh-CN" altLang="en-US"/>
           </a:p>
@@ -15949,7 +16397,840 @@
 </p:sld>
 </file>
 
-<file path=ppt/slides/slide58.xml><?xml version="1.0" encoding="utf-8"?>
+<file path=ppt/slides/slide6.xml><?xml version="1.0" encoding="utf-8"?>
+<p:sld xmlns:a="http://schemas.openxmlformats.org/drawingml/2006/main" xmlns:r="http://schemas.openxmlformats.org/officeDocument/2006/relationships" xmlns:p="http://schemas.openxmlformats.org/presentationml/2006/main">
+  <p:cSld>
+    <p:spTree>
+      <p:nvGrpSpPr>
+        <p:cNvPr id="1" name=""/>
+        <p:cNvGrpSpPr/>
+        <p:nvPr/>
+      </p:nvGrpSpPr>
+      <p:grpSpPr/>
+      <p:sp>
+        <p:nvSpPr>
+          <p:cNvPr id="2" name="Title 1"/>
+          <p:cNvSpPr>
+            <a:spLocks noGrp="1"/>
+          </p:cNvSpPr>
+          <p:nvPr>
+            <p:ph type="title"/>
+          </p:nvPr>
+        </p:nvSpPr>
+        <p:spPr/>
+        <p:txBody>
+          <a:bodyPr/>
+          <a:p>
+            <a:r>
+              <a:rPr lang="en-US"/>
+              <a:t>x64 </a:t>
+            </a:r>
+            <a:r>
+              <a:rPr lang="zh-CN" altLang="en-US"/>
+              <a:t>架构下的寄存器模型</a:t>
+            </a:r>
+            <a:endParaRPr lang="zh-CN" altLang="en-US"/>
+          </a:p>
+        </p:txBody>
+      </p:sp>
+      <p:pic>
+        <p:nvPicPr>
+          <p:cNvPr id="4" name="Content Placeholder 3"/>
+          <p:cNvPicPr>
+            <a:picLocks noChangeAspect="1"/>
+          </p:cNvPicPr>
+          <p:nvPr>
+            <p:ph idx="1"/>
+          </p:nvPr>
+        </p:nvPicPr>
+        <p:blipFill>
+          <a:blip r:embed="rId1"/>
+          <a:stretch>
+            <a:fillRect/>
+          </a:stretch>
+        </p:blipFill>
+        <p:spPr>
+          <a:xfrm>
+            <a:off x="2066925" y="1825625"/>
+            <a:ext cx="7675880" cy="4351655"/>
+          </a:xfrm>
+          <a:prstGeom prst="rect">
+            <a:avLst/>
+          </a:prstGeom>
+        </p:spPr>
+      </p:pic>
+      <p:sp>
+        <p:nvSpPr>
+          <p:cNvPr id="3" name="Rounded Rectangle 2"/>
+          <p:cNvSpPr/>
+          <p:nvPr/>
+        </p:nvSpPr>
+        <p:spPr>
+          <a:xfrm>
+            <a:off x="2094230" y="2237740"/>
+            <a:ext cx="1328420" cy="3945255"/>
+          </a:xfrm>
+          <a:prstGeom prst="roundRect">
+            <a:avLst/>
+          </a:prstGeom>
+          <a:noFill/>
+          <a:ln w="28575" cmpd="sng">
+            <a:solidFill>
+              <a:srgbClr val="FF3300"/>
+            </a:solidFill>
+            <a:prstDash val="solid"/>
+          </a:ln>
+        </p:spPr>
+        <p:style>
+          <a:lnRef idx="2">
+            <a:schemeClr val="accent1">
+              <a:shade val="50000"/>
+            </a:schemeClr>
+          </a:lnRef>
+          <a:fillRef idx="1">
+            <a:schemeClr val="accent1"/>
+          </a:fillRef>
+          <a:effectRef idx="0">
+            <a:schemeClr val="accent1"/>
+          </a:effectRef>
+          <a:fontRef idx="minor">
+            <a:schemeClr val="lt1"/>
+          </a:fontRef>
+        </p:style>
+        <p:txBody>
+          <a:bodyPr rtlCol="0" anchor="ctr"/>
+          <a:p>
+            <a:pPr algn="ctr"/>
+            <a:endParaRPr lang="en-US"/>
+          </a:p>
+        </p:txBody>
+      </p:sp>
+    </p:spTree>
+  </p:cSld>
+  <p:clrMapOvr>
+    <a:masterClrMapping/>
+  </p:clrMapOvr>
+  <p:timing>
+    <p:tnLst>
+      <p:par>
+        <p:cTn id="1" dur="indefinite" restart="never" nodeType="tmRoot">
+          <p:childTnLst>
+            <p:seq concurrent="1" nextAc="seek">
+              <p:cTn id="2" dur="indefinite" nodeType="mainSeq">
+                <p:childTnLst>
+                  <p:par>
+                    <p:cTn id="3" fill="hold">
+                      <p:stCondLst>
+                        <p:cond delay="indefinite"/>
+                      </p:stCondLst>
+                      <p:childTnLst>
+                        <p:par>
+                          <p:cTn id="4" fill="hold">
+                            <p:stCondLst>
+                              <p:cond delay="0"/>
+                            </p:stCondLst>
+                            <p:childTnLst>
+                              <p:par>
+                                <p:cTn id="5" presetID="9" presetClass="entr" presetSubtype="0" fill="hold" grpId="0" nodeType="clickEffect">
+                                  <p:stCondLst>
+                                    <p:cond delay="0"/>
+                                  </p:stCondLst>
+                                  <p:childTnLst>
+                                    <p:set>
+                                      <p:cBhvr>
+                                        <p:cTn id="6" dur="1" fill="hold">
+                                          <p:stCondLst>
+                                            <p:cond delay="0"/>
+                                          </p:stCondLst>
+                                        </p:cTn>
+                                        <p:tgtEl>
+                                          <p:spTgt spid="3"/>
+                                        </p:tgtEl>
+                                        <p:attrNameLst>
+                                          <p:attrName>style.visibility</p:attrName>
+                                        </p:attrNameLst>
+                                      </p:cBhvr>
+                                      <p:to>
+                                        <p:strVal val="visible"/>
+                                      </p:to>
+                                    </p:set>
+                                    <p:animEffect transition="in" filter="dissolve">
+                                      <p:cBhvr>
+                                        <p:cTn id="7" dur="500"/>
+                                        <p:tgtEl>
+                                          <p:spTgt spid="3"/>
+                                        </p:tgtEl>
+                                      </p:cBhvr>
+                                    </p:animEffect>
+                                  </p:childTnLst>
+                                </p:cTn>
+                              </p:par>
+                            </p:childTnLst>
+                          </p:cTn>
+                        </p:par>
+                      </p:childTnLst>
+                    </p:cTn>
+                  </p:par>
+                </p:childTnLst>
+              </p:cTn>
+              <p:prevCondLst>
+                <p:cond evt="onPrev" delay="0">
+                  <p:tgtEl>
+                    <p:sldTgt/>
+                  </p:tgtEl>
+                </p:cond>
+              </p:prevCondLst>
+              <p:nextCondLst>
+                <p:cond evt="onNext" delay="0">
+                  <p:tgtEl>
+                    <p:sldTgt/>
+                  </p:tgtEl>
+                </p:cond>
+              </p:nextCondLst>
+            </p:seq>
+          </p:childTnLst>
+        </p:cTn>
+      </p:par>
+    </p:tnLst>
+    <p:bldLst>
+      <p:bldP spid="3" grpId="0" animBg="1"/>
+    </p:bldLst>
+  </p:timing>
+</p:sld>
+</file>
+
+<file path=ppt/slides/slide60.xml><?xml version="1.0" encoding="utf-8"?>
+<p:sld xmlns:a="http://schemas.openxmlformats.org/drawingml/2006/main" xmlns:r="http://schemas.openxmlformats.org/officeDocument/2006/relationships" xmlns:p="http://schemas.openxmlformats.org/presentationml/2006/main">
+  <p:cSld>
+    <p:spTree>
+      <p:nvGrpSpPr>
+        <p:cNvPr id="1" name=""/>
+        <p:cNvGrpSpPr/>
+        <p:nvPr/>
+      </p:nvGrpSpPr>
+      <p:grpSpPr/>
+      <p:sp>
+        <p:nvSpPr>
+          <p:cNvPr id="2" name="Title 1"/>
+          <p:cNvSpPr>
+            <a:spLocks noGrp="1"/>
+          </p:cNvSpPr>
+          <p:nvPr>
+            <p:ph type="title"/>
+          </p:nvPr>
+        </p:nvSpPr>
+        <p:spPr/>
+        <p:txBody>
+          <a:bodyPr/>
+          <a:p>
+            <a:r>
+              <a:rPr lang="zh-CN" altLang="en-US">
+                <a:sym typeface="+mn-ea"/>
+              </a:rPr>
+              <a:t>编译器指令：循环展开</a:t>
+            </a:r>
+            <a:endParaRPr lang="en-US" altLang="zh-CN"/>
+          </a:p>
+        </p:txBody>
+      </p:sp>
+      <p:pic>
+        <p:nvPicPr>
+          <p:cNvPr id="6" name="Content Placeholder 5"/>
+          <p:cNvPicPr>
+            <a:picLocks noChangeAspect="1"/>
+          </p:cNvPicPr>
+          <p:nvPr>
+            <p:ph sz="half" idx="2"/>
+          </p:nvPr>
+        </p:nvPicPr>
+        <p:blipFill>
+          <a:blip r:embed="rId1"/>
+          <a:stretch>
+            <a:fillRect/>
+          </a:stretch>
+        </p:blipFill>
+        <p:spPr>
+          <a:xfrm>
+            <a:off x="6612890" y="2042795"/>
+            <a:ext cx="5298440" cy="4171950"/>
+          </a:xfrm>
+          <a:prstGeom prst="rect">
+            <a:avLst/>
+          </a:prstGeom>
+        </p:spPr>
+      </p:pic>
+      <p:pic>
+        <p:nvPicPr>
+          <p:cNvPr id="7" name="Content Placeholder 6"/>
+          <p:cNvPicPr>
+            <a:picLocks noChangeAspect="1"/>
+          </p:cNvPicPr>
+          <p:nvPr>
+            <p:ph sz="half" idx="1"/>
+          </p:nvPr>
+        </p:nvPicPr>
+        <p:blipFill>
+          <a:blip r:embed="rId2"/>
+          <a:stretch>
+            <a:fillRect/>
+          </a:stretch>
+        </p:blipFill>
+        <p:spPr>
+          <a:xfrm>
+            <a:off x="424815" y="2975610"/>
+            <a:ext cx="4248150" cy="1457325"/>
+          </a:xfrm>
+          <a:prstGeom prst="rect">
+            <a:avLst/>
+          </a:prstGeom>
+        </p:spPr>
+      </p:pic>
+      <p:sp>
+        <p:nvSpPr>
+          <p:cNvPr id="3" name="Text Box 2"/>
+          <p:cNvSpPr txBox="1"/>
+          <p:nvPr/>
+        </p:nvSpPr>
+        <p:spPr>
+          <a:xfrm>
+            <a:off x="673735" y="1819275"/>
+            <a:ext cx="3750310" cy="922020"/>
+          </a:xfrm>
+          <a:prstGeom prst="rect">
+            <a:avLst/>
+          </a:prstGeom>
+          <a:noFill/>
+        </p:spPr>
+        <p:txBody>
+          <a:bodyPr wrap="square" rtlCol="0">
+            <a:spAutoFit/>
+          </a:bodyPr>
+          <a:p>
+            <a:r>
+              <a:rPr lang="zh-CN" altLang="en-US"/>
+              <a:t>对于</a:t>
+            </a:r>
+            <a:r>
+              <a:rPr lang="en-US" altLang="zh-CN"/>
+              <a:t> GCC </a:t>
+            </a:r>
+            <a:r>
+              <a:rPr lang="zh-CN" altLang="en-US"/>
+              <a:t>编译器，可以用</a:t>
+            </a:r>
+            <a:endParaRPr lang="zh-CN" altLang="en-US"/>
+          </a:p>
+          <a:p>
+            <a:r>
+              <a:rPr lang="en-US" altLang="zh-CN"/>
+              <a:t>#pragma GCC unroll 4</a:t>
+            </a:r>
+            <a:endParaRPr lang="en-US" altLang="zh-CN"/>
+          </a:p>
+          <a:p>
+            <a:r>
+              <a:rPr lang="zh-CN" altLang="en-US"/>
+              <a:t>表示把循环体展开为</a:t>
+            </a:r>
+            <a:r>
+              <a:rPr lang="en-US" altLang="zh-CN"/>
+              <a:t>4</a:t>
+            </a:r>
+            <a:r>
+              <a:rPr lang="zh-CN" altLang="en-US"/>
+              <a:t>个</a:t>
+            </a:r>
+            <a:endParaRPr lang="zh-CN" altLang="en-US"/>
+          </a:p>
+        </p:txBody>
+      </p:sp>
+      <p:pic>
+        <p:nvPicPr>
+          <p:cNvPr id="4" name="Picture 3"/>
+          <p:cNvPicPr>
+            <a:picLocks noChangeAspect="1"/>
+          </p:cNvPicPr>
+          <p:nvPr/>
+        </p:nvPicPr>
+        <p:blipFill>
+          <a:blip r:embed="rId3"/>
+          <a:stretch>
+            <a:fillRect/>
+          </a:stretch>
+        </p:blipFill>
+        <p:spPr>
+          <a:xfrm>
+            <a:off x="424815" y="5010150"/>
+            <a:ext cx="4457700" cy="1847850"/>
+          </a:xfrm>
+          <a:prstGeom prst="rect">
+            <a:avLst/>
+          </a:prstGeom>
+        </p:spPr>
+      </p:pic>
+      <p:sp>
+        <p:nvSpPr>
+          <p:cNvPr id="5" name="Text Box 4"/>
+          <p:cNvSpPr txBox="1"/>
+          <p:nvPr/>
+        </p:nvSpPr>
+        <p:spPr>
+          <a:xfrm>
+            <a:off x="503555" y="4641850"/>
+            <a:ext cx="2421890" cy="368300"/>
+          </a:xfrm>
+          <a:prstGeom prst="rect">
+            <a:avLst/>
+          </a:prstGeom>
+          <a:noFill/>
+        </p:spPr>
+        <p:txBody>
+          <a:bodyPr wrap="square" rtlCol="0">
+            <a:spAutoFit/>
+          </a:bodyPr>
+          <a:p>
+            <a:r>
+              <a:rPr lang="zh-CN" altLang="en-US"/>
+              <a:t>相当于：</a:t>
+            </a:r>
+            <a:endParaRPr lang="zh-CN" altLang="en-US"/>
+          </a:p>
+        </p:txBody>
+      </p:sp>
+      <p:sp>
+        <p:nvSpPr>
+          <p:cNvPr id="8" name="Text Box 7"/>
+          <p:cNvSpPr txBox="1"/>
+          <p:nvPr/>
+        </p:nvSpPr>
+        <p:spPr>
+          <a:xfrm>
+            <a:off x="7479665" y="510540"/>
+            <a:ext cx="3683000" cy="1198880"/>
+          </a:xfrm>
+          <a:prstGeom prst="rect">
+            <a:avLst/>
+          </a:prstGeom>
+          <a:noFill/>
+        </p:spPr>
+        <p:txBody>
+          <a:bodyPr wrap="square" rtlCol="0">
+            <a:spAutoFit/>
+          </a:bodyPr>
+          <a:p>
+            <a:r>
+              <a:rPr lang="zh-CN" altLang="en-US"/>
+              <a:t>对</a:t>
+            </a:r>
+            <a:r>
+              <a:rPr lang="zh-CN" altLang="en-US" b="1"/>
+              <a:t>小的循环体</a:t>
+            </a:r>
+            <a:r>
+              <a:rPr lang="zh-CN" altLang="en-US"/>
+              <a:t>进行</a:t>
+            </a:r>
+            <a:r>
+              <a:rPr lang="en-US" altLang="zh-CN"/>
+              <a:t> unroll </a:t>
+            </a:r>
+            <a:r>
+              <a:rPr lang="zh-CN" altLang="en-US"/>
+              <a:t>可能是划算的，但最好不要</a:t>
+            </a:r>
+            <a:r>
+              <a:rPr lang="en-US" altLang="zh-CN"/>
+              <a:t> unroll </a:t>
+            </a:r>
+            <a:r>
+              <a:rPr lang="zh-CN" altLang="en-US"/>
+              <a:t>大的循环体，否则会造成指令缓存的压力反而变慢！</a:t>
+            </a:r>
+            <a:endParaRPr lang="zh-CN" altLang="en-US"/>
+          </a:p>
+        </p:txBody>
+      </p:sp>
+      <p:sp>
+        <p:nvSpPr>
+          <p:cNvPr id="14" name="Left Brace 13"/>
+          <p:cNvSpPr/>
+          <p:nvPr/>
+        </p:nvSpPr>
+        <p:spPr>
+          <a:xfrm>
+            <a:off x="6321425" y="4109720"/>
+            <a:ext cx="291465" cy="1075055"/>
+          </a:xfrm>
+          <a:prstGeom prst="leftBrace">
+            <a:avLst/>
+          </a:prstGeom>
+          <a:ln w="28575" cmpd="sng">
+            <a:solidFill>
+              <a:srgbClr val="FF3300"/>
+            </a:solidFill>
+            <a:prstDash val="solid"/>
+          </a:ln>
+        </p:spPr>
+        <p:style>
+          <a:lnRef idx="1">
+            <a:schemeClr val="accent1"/>
+          </a:lnRef>
+          <a:fillRef idx="0">
+            <a:schemeClr val="accent1"/>
+          </a:fillRef>
+          <a:effectRef idx="0">
+            <a:schemeClr val="accent1"/>
+          </a:effectRef>
+          <a:fontRef idx="minor">
+            <a:schemeClr val="tx1"/>
+          </a:fontRef>
+        </p:style>
+        <p:txBody>
+          <a:bodyPr rtlCol="0" anchor="ctr"/>
+          <a:p>
+            <a:pPr algn="ctr"/>
+            <a:endParaRPr lang="en-US"/>
+          </a:p>
+        </p:txBody>
+      </p:sp>
+      <p:sp>
+        <p:nvSpPr>
+          <p:cNvPr id="9" name="Text Box 8"/>
+          <p:cNvSpPr txBox="1"/>
+          <p:nvPr/>
+        </p:nvSpPr>
+        <p:spPr>
+          <a:xfrm>
+            <a:off x="5123180" y="4273550"/>
+            <a:ext cx="1400175" cy="368300"/>
+          </a:xfrm>
+          <a:prstGeom prst="rect">
+            <a:avLst/>
+          </a:prstGeom>
+          <a:noFill/>
+        </p:spPr>
+        <p:txBody>
+          <a:bodyPr wrap="square" rtlCol="0">
+            <a:spAutoFit/>
+          </a:bodyPr>
+          <a:p>
+            <a:r>
+              <a:rPr lang="zh-CN"/>
+              <a:t>重复了四次</a:t>
+            </a:r>
+            <a:endParaRPr lang="zh-CN"/>
+          </a:p>
+        </p:txBody>
+      </p:sp>
+    </p:spTree>
+  </p:cSld>
+  <p:clrMapOvr>
+    <a:masterClrMapping/>
+  </p:clrMapOvr>
+  <p:timing>
+    <p:tnLst>
+      <p:par>
+        <p:cTn id="1" dur="indefinite" restart="never" nodeType="tmRoot">
+          <p:childTnLst>
+            <p:seq concurrent="1" nextAc="seek">
+              <p:cTn id="2" dur="indefinite" nodeType="mainSeq">
+                <p:childTnLst>
+                  <p:par>
+                    <p:cTn id="3" fill="hold">
+                      <p:stCondLst>
+                        <p:cond delay="indefinite"/>
+                      </p:stCondLst>
+                      <p:childTnLst>
+                        <p:par>
+                          <p:cTn id="4" fill="hold">
+                            <p:stCondLst>
+                              <p:cond delay="0"/>
+                            </p:stCondLst>
+                            <p:childTnLst>
+                              <p:par>
+                                <p:cTn id="5" presetID="7" presetClass="entr" presetSubtype="4" fill="hold" grpId="0" nodeType="clickEffect">
+                                  <p:stCondLst>
+                                    <p:cond delay="0"/>
+                                  </p:stCondLst>
+                                  <p:childTnLst>
+                                    <p:set>
+                                      <p:cBhvr>
+                                        <p:cTn id="6" dur="500" fill="hold">
+                                          <p:stCondLst>
+                                            <p:cond delay="0"/>
+                                          </p:stCondLst>
+                                        </p:cTn>
+                                        <p:tgtEl>
+                                          <p:spTgt spid="9"/>
+                                        </p:tgtEl>
+                                        <p:attrNameLst>
+                                          <p:attrName>style.visibility</p:attrName>
+                                        </p:attrNameLst>
+                                      </p:cBhvr>
+                                      <p:to>
+                                        <p:strVal val="visible"/>
+                                      </p:to>
+                                    </p:set>
+                                    <p:anim calcmode="lin" valueType="num">
+                                      <p:cBhvr additive="base">
+                                        <p:cTn id="7" dur="500" fill="hold"/>
+                                        <p:tgtEl>
+                                          <p:spTgt spid="9"/>
+                                        </p:tgtEl>
+                                        <p:attrNameLst>
+                                          <p:attrName>ppt_x</p:attrName>
+                                        </p:attrNameLst>
+                                      </p:cBhvr>
+                                      <p:tavLst>
+                                        <p:tav tm="0">
+                                          <p:val>
+                                            <p:strVal val="#ppt_x"/>
+                                          </p:val>
+                                        </p:tav>
+                                        <p:tav tm="100000">
+                                          <p:val>
+                                            <p:strVal val="#ppt_x"/>
+                                          </p:val>
+                                        </p:tav>
+                                      </p:tavLst>
+                                    </p:anim>
+                                    <p:anim calcmode="lin" valueType="num">
+                                      <p:cBhvr additive="base">
+                                        <p:cTn id="8" dur="500" fill="hold"/>
+                                        <p:tgtEl>
+                                          <p:spTgt spid="9"/>
+                                        </p:tgtEl>
+                                        <p:attrNameLst>
+                                          <p:attrName>ppt_y</p:attrName>
+                                        </p:attrNameLst>
+                                      </p:cBhvr>
+                                      <p:tavLst>
+                                        <p:tav tm="0">
+                                          <p:val>
+                                            <p:strVal val="1+#ppt_h/2"/>
+                                          </p:val>
+                                        </p:tav>
+                                        <p:tav tm="100000">
+                                          <p:val>
+                                            <p:strVal val="#ppt_y"/>
+                                          </p:val>
+                                        </p:tav>
+                                      </p:tavLst>
+                                    </p:anim>
+                                  </p:childTnLst>
+                                </p:cTn>
+                              </p:par>
+                              <p:par>
+                                <p:cTn id="9" presetID="7" presetClass="entr" presetSubtype="4" fill="hold" grpId="0" nodeType="withEffect">
+                                  <p:stCondLst>
+                                    <p:cond delay="0"/>
+                                  </p:stCondLst>
+                                  <p:childTnLst>
+                                    <p:set>
+                                      <p:cBhvr>
+                                        <p:cTn id="10" dur="500" fill="hold">
+                                          <p:stCondLst>
+                                            <p:cond delay="0"/>
+                                          </p:stCondLst>
+                                        </p:cTn>
+                                        <p:tgtEl>
+                                          <p:spTgt spid="14"/>
+                                        </p:tgtEl>
+                                        <p:attrNameLst>
+                                          <p:attrName>style.visibility</p:attrName>
+                                        </p:attrNameLst>
+                                      </p:cBhvr>
+                                      <p:to>
+                                        <p:strVal val="visible"/>
+                                      </p:to>
+                                    </p:set>
+                                    <p:anim calcmode="lin" valueType="num">
+                                      <p:cBhvr additive="base">
+                                        <p:cTn id="11" dur="500" fill="hold"/>
+                                        <p:tgtEl>
+                                          <p:spTgt spid="14"/>
+                                        </p:tgtEl>
+                                        <p:attrNameLst>
+                                          <p:attrName>ppt_x</p:attrName>
+                                        </p:attrNameLst>
+                                      </p:cBhvr>
+                                      <p:tavLst>
+                                        <p:tav tm="0">
+                                          <p:val>
+                                            <p:strVal val="#ppt_x"/>
+                                          </p:val>
+                                        </p:tav>
+                                        <p:tav tm="100000">
+                                          <p:val>
+                                            <p:strVal val="#ppt_x"/>
+                                          </p:val>
+                                        </p:tav>
+                                      </p:tavLst>
+                                    </p:anim>
+                                    <p:anim calcmode="lin" valueType="num">
+                                      <p:cBhvr additive="base">
+                                        <p:cTn id="12" dur="500" fill="hold"/>
+                                        <p:tgtEl>
+                                          <p:spTgt spid="14"/>
+                                        </p:tgtEl>
+                                        <p:attrNameLst>
+                                          <p:attrName>ppt_y</p:attrName>
+                                        </p:attrNameLst>
+                                      </p:cBhvr>
+                                      <p:tavLst>
+                                        <p:tav tm="0">
+                                          <p:val>
+                                            <p:strVal val="1+#ppt_h/2"/>
+                                          </p:val>
+                                        </p:tav>
+                                        <p:tav tm="100000">
+                                          <p:val>
+                                            <p:strVal val="#ppt_y"/>
+                                          </p:val>
+                                        </p:tav>
+                                      </p:tavLst>
+                                    </p:anim>
+                                  </p:childTnLst>
+                                </p:cTn>
+                              </p:par>
+                            </p:childTnLst>
+                          </p:cTn>
+                        </p:par>
+                      </p:childTnLst>
+                    </p:cTn>
+                  </p:par>
+                  <p:par>
+                    <p:cTn id="13" fill="hold">
+                      <p:stCondLst>
+                        <p:cond delay="indefinite"/>
+                      </p:stCondLst>
+                      <p:childTnLst>
+                        <p:par>
+                          <p:cTn id="14" fill="hold">
+                            <p:stCondLst>
+                              <p:cond delay="0"/>
+                            </p:stCondLst>
+                            <p:childTnLst>
+                              <p:par>
+                                <p:cTn id="15" presetID="9" presetClass="entr" presetSubtype="0" fill="hold" grpId="0" nodeType="clickEffect">
+                                  <p:stCondLst>
+                                    <p:cond delay="0"/>
+                                  </p:stCondLst>
+                                  <p:childTnLst>
+                                    <p:set>
+                                      <p:cBhvr>
+                                        <p:cTn id="16" dur="1" fill="hold">
+                                          <p:stCondLst>
+                                            <p:cond delay="0"/>
+                                          </p:stCondLst>
+                                        </p:cTn>
+                                        <p:tgtEl>
+                                          <p:spTgt spid="8"/>
+                                        </p:tgtEl>
+                                        <p:attrNameLst>
+                                          <p:attrName>style.visibility</p:attrName>
+                                        </p:attrNameLst>
+                                      </p:cBhvr>
+                                      <p:to>
+                                        <p:strVal val="visible"/>
+                                      </p:to>
+                                    </p:set>
+                                    <p:animEffect transition="in" filter="dissolve">
+                                      <p:cBhvr>
+                                        <p:cTn id="17" dur="500"/>
+                                        <p:tgtEl>
+                                          <p:spTgt spid="8"/>
+                                        </p:tgtEl>
+                                      </p:cBhvr>
+                                    </p:animEffect>
+                                  </p:childTnLst>
+                                </p:cTn>
+                              </p:par>
+                            </p:childTnLst>
+                          </p:cTn>
+                        </p:par>
+                      </p:childTnLst>
+                    </p:cTn>
+                  </p:par>
+                </p:childTnLst>
+              </p:cTn>
+              <p:prevCondLst>
+                <p:cond evt="onPrev" delay="0">
+                  <p:tgtEl>
+                    <p:sldTgt/>
+                  </p:tgtEl>
+                </p:cond>
+              </p:prevCondLst>
+              <p:nextCondLst>
+                <p:cond evt="onNext" delay="0">
+                  <p:tgtEl>
+                    <p:sldTgt/>
+                  </p:tgtEl>
+                </p:cond>
+              </p:nextCondLst>
+            </p:seq>
+          </p:childTnLst>
+        </p:cTn>
+      </p:par>
+    </p:tnLst>
+    <p:bldLst>
+      <p:bldP spid="8" grpId="0"/>
+      <p:bldP spid="9" grpId="0"/>
+      <p:bldP spid="14" grpId="0" bldLvl="0" animBg="1"/>
+    </p:bldLst>
+  </p:timing>
+</p:sld>
+</file>
+
+<file path=ppt/slides/slide61.xml><?xml version="1.0" encoding="utf-8"?>
+<p:sld xmlns:a="http://schemas.openxmlformats.org/drawingml/2006/main" xmlns:r="http://schemas.openxmlformats.org/officeDocument/2006/relationships" xmlns:p="http://schemas.openxmlformats.org/presentationml/2006/main">
+  <p:cSld>
+    <p:spTree>
+      <p:nvGrpSpPr>
+        <p:cNvPr id="1" name=""/>
+        <p:cNvGrpSpPr/>
+        <p:nvPr/>
+      </p:nvGrpSpPr>
+      <p:grpSpPr/>
+      <p:sp>
+        <p:nvSpPr>
+          <p:cNvPr id="7" name="Title 6"/>
+          <p:cNvSpPr>
+            <a:spLocks noGrp="1"/>
+          </p:cNvSpPr>
+          <p:nvPr>
+            <p:ph type="title"/>
+          </p:nvPr>
+        </p:nvSpPr>
+        <p:spPr/>
+        <p:txBody>
+          <a:bodyPr/>
+          <a:p>
+            <a:r>
+              <a:rPr lang="zh-CN" altLang="en-US"/>
+              <a:t>第</a:t>
+            </a:r>
+            <a:r>
+              <a:rPr lang="en-US" altLang="zh-CN"/>
+              <a:t>6</a:t>
+            </a:r>
+            <a:r>
+              <a:rPr lang="zh-CN" altLang="en-US"/>
+              <a:t>章：结构体</a:t>
+            </a:r>
+            <a:endParaRPr lang="zh-CN" altLang="en-US"/>
+          </a:p>
+        </p:txBody>
+      </p:sp>
+    </p:spTree>
+  </p:cSld>
+  <p:clrMapOvr>
+    <a:masterClrMapping/>
+  </p:clrMapOvr>
+</p:sld>
+</file>
+
+<file path=ppt/slides/slide62.xml><?xml version="1.0" encoding="utf-8"?>
 <p:sld xmlns:a="http://schemas.openxmlformats.org/drawingml/2006/main" xmlns:r="http://schemas.openxmlformats.org/officeDocument/2006/relationships" xmlns:p="http://schemas.openxmlformats.org/presentationml/2006/main">
   <p:cSld>
     <p:spTree>
@@ -16180,7 +17461,7 @@
 </p:sld>
 </file>
 
-<file path=ppt/slides/slide59.xml><?xml version="1.0" encoding="utf-8"?>
+<file path=ppt/slides/slide63.xml><?xml version="1.0" encoding="utf-8"?>
 <p:sld xmlns:a="http://schemas.openxmlformats.org/drawingml/2006/main" xmlns:r="http://schemas.openxmlformats.org/officeDocument/2006/relationships" xmlns:p="http://schemas.openxmlformats.org/presentationml/2006/main">
   <p:cSld>
     <p:spTree>
@@ -16540,209 +17821,7 @@
 </p:sld>
 </file>
 
-<file path=ppt/slides/slide6.xml><?xml version="1.0" encoding="utf-8"?>
-<p:sld xmlns:a="http://schemas.openxmlformats.org/drawingml/2006/main" xmlns:r="http://schemas.openxmlformats.org/officeDocument/2006/relationships" xmlns:p="http://schemas.openxmlformats.org/presentationml/2006/main">
-  <p:cSld>
-    <p:spTree>
-      <p:nvGrpSpPr>
-        <p:cNvPr id="1" name=""/>
-        <p:cNvGrpSpPr/>
-        <p:nvPr/>
-      </p:nvGrpSpPr>
-      <p:grpSpPr/>
-      <p:sp>
-        <p:nvSpPr>
-          <p:cNvPr id="2" name="Title 1"/>
-          <p:cNvSpPr>
-            <a:spLocks noGrp="1"/>
-          </p:cNvSpPr>
-          <p:nvPr>
-            <p:ph type="title"/>
-          </p:nvPr>
-        </p:nvSpPr>
-        <p:spPr/>
-        <p:txBody>
-          <a:bodyPr/>
-          <a:p>
-            <a:r>
-              <a:rPr lang="en-US"/>
-              <a:t>x64 </a:t>
-            </a:r>
-            <a:r>
-              <a:rPr lang="zh-CN" altLang="en-US"/>
-              <a:t>架构下的寄存器模型</a:t>
-            </a:r>
-            <a:endParaRPr lang="zh-CN" altLang="en-US"/>
-          </a:p>
-        </p:txBody>
-      </p:sp>
-      <p:pic>
-        <p:nvPicPr>
-          <p:cNvPr id="4" name="Content Placeholder 3"/>
-          <p:cNvPicPr>
-            <a:picLocks noChangeAspect="1"/>
-          </p:cNvPicPr>
-          <p:nvPr>
-            <p:ph idx="1"/>
-          </p:nvPr>
-        </p:nvPicPr>
-        <p:blipFill>
-          <a:blip r:embed="rId1"/>
-          <a:stretch>
-            <a:fillRect/>
-          </a:stretch>
-        </p:blipFill>
-        <p:spPr>
-          <a:xfrm>
-            <a:off x="2066925" y="1825625"/>
-            <a:ext cx="7675880" cy="4351655"/>
-          </a:xfrm>
-          <a:prstGeom prst="rect">
-            <a:avLst/>
-          </a:prstGeom>
-        </p:spPr>
-      </p:pic>
-      <p:sp>
-        <p:nvSpPr>
-          <p:cNvPr id="3" name="Rounded Rectangle 2"/>
-          <p:cNvSpPr/>
-          <p:nvPr/>
-        </p:nvSpPr>
-        <p:spPr>
-          <a:xfrm>
-            <a:off x="2094230" y="2237740"/>
-            <a:ext cx="1328420" cy="3945255"/>
-          </a:xfrm>
-          <a:prstGeom prst="roundRect">
-            <a:avLst/>
-          </a:prstGeom>
-          <a:noFill/>
-          <a:ln w="28575" cmpd="sng">
-            <a:solidFill>
-              <a:srgbClr val="FF3300"/>
-            </a:solidFill>
-            <a:prstDash val="solid"/>
-          </a:ln>
-        </p:spPr>
-        <p:style>
-          <a:lnRef idx="2">
-            <a:schemeClr val="accent1">
-              <a:shade val="50000"/>
-            </a:schemeClr>
-          </a:lnRef>
-          <a:fillRef idx="1">
-            <a:schemeClr val="accent1"/>
-          </a:fillRef>
-          <a:effectRef idx="0">
-            <a:schemeClr val="accent1"/>
-          </a:effectRef>
-          <a:fontRef idx="minor">
-            <a:schemeClr val="lt1"/>
-          </a:fontRef>
-        </p:style>
-        <p:txBody>
-          <a:bodyPr rtlCol="0" anchor="ctr"/>
-          <a:p>
-            <a:pPr algn="ctr"/>
-            <a:endParaRPr lang="en-US"/>
-          </a:p>
-        </p:txBody>
-      </p:sp>
-    </p:spTree>
-  </p:cSld>
-  <p:clrMapOvr>
-    <a:masterClrMapping/>
-  </p:clrMapOvr>
-  <p:timing>
-    <p:tnLst>
-      <p:par>
-        <p:cTn id="1" dur="indefinite" restart="never" nodeType="tmRoot">
-          <p:childTnLst>
-            <p:seq concurrent="1" nextAc="seek">
-              <p:cTn id="2" dur="indefinite" nodeType="mainSeq">
-                <p:childTnLst>
-                  <p:par>
-                    <p:cTn id="3" fill="hold">
-                      <p:stCondLst>
-                        <p:cond delay="indefinite"/>
-                      </p:stCondLst>
-                      <p:childTnLst>
-                        <p:par>
-                          <p:cTn id="4" fill="hold">
-                            <p:stCondLst>
-                              <p:cond delay="0"/>
-                            </p:stCondLst>
-                            <p:childTnLst>
-                              <p:par>
-                                <p:cTn id="5" presetID="9" presetClass="entr" presetSubtype="0" fill="hold" grpId="0" nodeType="clickEffect">
-                                  <p:stCondLst>
-                                    <p:cond delay="0"/>
-                                  </p:stCondLst>
-                                  <p:childTnLst>
-                                    <p:set>
-                                      <p:cBhvr>
-                                        <p:cTn id="6" dur="1" fill="hold">
-                                          <p:stCondLst>
-                                            <p:cond delay="0"/>
-                                          </p:stCondLst>
-                                        </p:cTn>
-                                        <p:tgtEl>
-                                          <p:spTgt spid="3"/>
-                                        </p:tgtEl>
-                                        <p:attrNameLst>
-                                          <p:attrName>style.visibility</p:attrName>
-                                        </p:attrNameLst>
-                                      </p:cBhvr>
-                                      <p:to>
-                                        <p:strVal val="visible"/>
-                                      </p:to>
-                                    </p:set>
-                                    <p:animEffect transition="in" filter="dissolve">
-                                      <p:cBhvr>
-                                        <p:cTn id="7" dur="500"/>
-                                        <p:tgtEl>
-                                          <p:spTgt spid="3"/>
-                                        </p:tgtEl>
-                                      </p:cBhvr>
-                                    </p:animEffect>
-                                  </p:childTnLst>
-                                </p:cTn>
-                              </p:par>
-                            </p:childTnLst>
-                          </p:cTn>
-                        </p:par>
-                      </p:childTnLst>
-                    </p:cTn>
-                  </p:par>
-                </p:childTnLst>
-              </p:cTn>
-              <p:prevCondLst>
-                <p:cond evt="onPrev" delay="0">
-                  <p:tgtEl>
-                    <p:sldTgt/>
-                  </p:tgtEl>
-                </p:cond>
-              </p:prevCondLst>
-              <p:nextCondLst>
-                <p:cond evt="onNext" delay="0">
-                  <p:tgtEl>
-                    <p:sldTgt/>
-                  </p:tgtEl>
-                </p:cond>
-              </p:nextCondLst>
-            </p:seq>
-          </p:childTnLst>
-        </p:cTn>
-      </p:par>
-    </p:tnLst>
-    <p:bldLst>
-      <p:bldP spid="3" grpId="0" animBg="1"/>
-    </p:bldLst>
-  </p:timing>
-</p:sld>
-</file>
-
-<file path=ppt/slides/slide60.xml><?xml version="1.0" encoding="utf-8"?>
+<file path=ppt/slides/slide64.xml><?xml version="1.0" encoding="utf-8"?>
 <p:sld xmlns:a="http://schemas.openxmlformats.org/drawingml/2006/main" xmlns:r="http://schemas.openxmlformats.org/officeDocument/2006/relationships" xmlns:p="http://schemas.openxmlformats.org/presentationml/2006/main">
   <p:cSld>
     <p:spTree>
@@ -17057,7 +18136,7 @@
 </p:sld>
 </file>
 
-<file path=ppt/slides/slide61.xml><?xml version="1.0" encoding="utf-8"?>
+<file path=ppt/slides/slide65.xml><?xml version="1.0" encoding="utf-8"?>
 <p:sld xmlns:a="http://schemas.openxmlformats.org/drawingml/2006/main" xmlns:r="http://schemas.openxmlformats.org/officeDocument/2006/relationships" xmlns:p="http://schemas.openxmlformats.org/presentationml/2006/main">
   <p:cSld>
     <p:spTree>
@@ -17364,7 +18443,7 @@
 </p:sld>
 </file>
 
-<file path=ppt/slides/slide62.xml><?xml version="1.0" encoding="utf-8"?>
+<file path=ppt/slides/slide66.xml><?xml version="1.0" encoding="utf-8"?>
 <p:sld xmlns:a="http://schemas.openxmlformats.org/drawingml/2006/main" xmlns:r="http://schemas.openxmlformats.org/officeDocument/2006/relationships" xmlns:p="http://schemas.openxmlformats.org/presentationml/2006/main">
   <p:cSld>
     <p:spTree>
@@ -17477,9 +18556,36 @@
             </a:r>
             <a:r>
               <a:rPr lang="en-US" altLang="zh-CN"/>
-              <a:t>fusion/separation</a:t>
+              <a:t>fusion/separation/unroll</a:t>
             </a:r>
             <a:endParaRPr lang="en-US" altLang="zh-CN"/>
+          </a:p>
+          <a:p>
+            <a:r>
+              <a:rPr lang="en-US" altLang="zh-CN"/>
+              <a:t>TODO</a:t>
+            </a:r>
+            <a:r>
+              <a:rPr lang="zh-CN" altLang="en-US"/>
+              <a:t>：</a:t>
+            </a:r>
+            <a:r>
+              <a:rPr lang="en-US" altLang="zh-CN"/>
+              <a:t>restrict</a:t>
+            </a:r>
+            <a:r>
+              <a:rPr lang="zh-CN" altLang="en-US"/>
+              <a:t>用于</a:t>
+            </a:r>
+            <a:r>
+              <a:rPr lang="en-US" altLang="zh-CN"/>
+              <a:t>STL</a:t>
+            </a:r>
+            <a:r>
+              <a:rPr lang="zh-CN" altLang="en-US"/>
+              <a:t>容器</a:t>
+            </a:r>
+            <a:endParaRPr lang="zh-CN" altLang="en-US"/>
           </a:p>
         </p:txBody>
       </p:sp>

--- a/04/slides.pptx
+++ b/04/slides.pptx
@@ -8,7 +8,7 @@
     <p:notesMasterId r:id="rId5"/>
   </p:notesMasterIdLst>
   <p:handoutMasterIdLst>
-    <p:handoutMasterId r:id="rId70"/>
+    <p:handoutMasterId r:id="rId71"/>
   </p:handoutMasterIdLst>
   <p:sldIdLst>
     <p:sldId id="256" r:id="rId3"/>
@@ -60,23 +60,24 @@
     <p:sldId id="315" r:id="rId50"/>
     <p:sldId id="316" r:id="rId51"/>
     <p:sldId id="370" r:id="rId52"/>
-    <p:sldId id="317" r:id="rId53"/>
-    <p:sldId id="318" r:id="rId54"/>
-    <p:sldId id="320" r:id="rId55"/>
-    <p:sldId id="357" r:id="rId56"/>
-    <p:sldId id="373" r:id="rId57"/>
-    <p:sldId id="358" r:id="rId58"/>
-    <p:sldId id="359" r:id="rId59"/>
-    <p:sldId id="368" r:id="rId60"/>
-    <p:sldId id="369" r:id="rId61"/>
-    <p:sldId id="371" r:id="rId62"/>
-    <p:sldId id="372" r:id="rId63"/>
-    <p:sldId id="360" r:id="rId64"/>
-    <p:sldId id="362" r:id="rId65"/>
-    <p:sldId id="363" r:id="rId66"/>
-    <p:sldId id="364" r:id="rId67"/>
-    <p:sldId id="365" r:id="rId68"/>
-    <p:sldId id="366" r:id="rId69"/>
+    <p:sldId id="374" r:id="rId53"/>
+    <p:sldId id="317" r:id="rId54"/>
+    <p:sldId id="318" r:id="rId55"/>
+    <p:sldId id="320" r:id="rId56"/>
+    <p:sldId id="357" r:id="rId57"/>
+    <p:sldId id="373" r:id="rId58"/>
+    <p:sldId id="358" r:id="rId59"/>
+    <p:sldId id="359" r:id="rId60"/>
+    <p:sldId id="368" r:id="rId61"/>
+    <p:sldId id="369" r:id="rId62"/>
+    <p:sldId id="371" r:id="rId63"/>
+    <p:sldId id="372" r:id="rId64"/>
+    <p:sldId id="360" r:id="rId65"/>
+    <p:sldId id="362" r:id="rId66"/>
+    <p:sldId id="363" r:id="rId67"/>
+    <p:sldId id="364" r:id="rId68"/>
+    <p:sldId id="365" r:id="rId69"/>
+    <p:sldId id="366" r:id="rId70"/>
   </p:sldIdLst>
   <p:sldSz cx="12192000" cy="6858000"/>
   <p:notesSz cx="7103745" cy="10234295"/>
@@ -12630,7 +12631,7 @@
           <a:p>
             <a:r>
               <a:rPr lang="en-US" altLang="zh-CN"/>
-              <a:t>n</a:t>
+              <a:t>n </a:t>
             </a:r>
             <a:r>
               <a:rPr lang="zh-CN" altLang="en-US"/>
@@ -12638,7 +12639,7 @@
             </a:r>
             <a:r>
               <a:rPr lang="en-US" altLang="zh-CN"/>
-              <a:t>4</a:t>
+              <a:t> 4 </a:t>
             </a:r>
             <a:r>
               <a:rPr lang="zh-CN" altLang="en-US"/>
@@ -12648,39 +12649,137 @@
           </a:p>
         </p:txBody>
       </p:sp>
-      <p:sp>
-        <p:nvSpPr>
-          <p:cNvPr id="3" name="Content Placeholder 2"/>
-          <p:cNvSpPr>
-            <a:spLocks noGrp="1"/>
-          </p:cNvSpPr>
+      <p:pic>
+        <p:nvPicPr>
+          <p:cNvPr id="5" name="Content Placeholder 4"/>
+          <p:cNvPicPr>
+            <a:picLocks noChangeAspect="1"/>
+          </p:cNvPicPr>
           <p:nvPr>
             <p:ph sz="half" idx="1"/>
           </p:nvPr>
-        </p:nvSpPr>
-        <p:spPr/>
-        <p:txBody>
-          <a:bodyPr/>
-          <a:p>
-            <a:endParaRPr lang="en-US"/>
-          </a:p>
-        </p:txBody>
-      </p:sp>
-      <p:sp>
-        <p:nvSpPr>
-          <p:cNvPr id="4" name="Content Placeholder 3"/>
-          <p:cNvSpPr>
-            <a:spLocks noGrp="1"/>
-          </p:cNvSpPr>
+        </p:nvPicPr>
+        <p:blipFill>
+          <a:blip r:embed="rId1"/>
+          <a:stretch>
+            <a:fillRect/>
+          </a:stretch>
+        </p:blipFill>
+        <p:spPr>
+          <a:xfrm>
+            <a:off x="924560" y="2561590"/>
+            <a:ext cx="4750435" cy="1736090"/>
+          </a:xfrm>
+          <a:prstGeom prst="rect">
+            <a:avLst/>
+          </a:prstGeom>
+        </p:spPr>
+      </p:pic>
+      <p:pic>
+        <p:nvPicPr>
+          <p:cNvPr id="6" name="Content Placeholder 5"/>
+          <p:cNvPicPr>
+            <a:picLocks noChangeAspect="1"/>
+          </p:cNvPicPr>
           <p:nvPr>
             <p:ph sz="half" idx="2"/>
           </p:nvPr>
-        </p:nvSpPr>
-        <p:spPr/>
-        <p:txBody>
-          <a:bodyPr/>
-          <a:p>
-            <a:endParaRPr lang="en-US"/>
+        </p:nvPicPr>
+        <p:blipFill>
+          <a:blip r:embed="rId2"/>
+          <a:stretch>
+            <a:fillRect/>
+          </a:stretch>
+        </p:blipFill>
+        <p:spPr>
+          <a:xfrm>
+            <a:off x="7332345" y="635"/>
+            <a:ext cx="4859655" cy="6857365"/>
+          </a:xfrm>
+          <a:prstGeom prst="rect">
+            <a:avLst/>
+          </a:prstGeom>
+        </p:spPr>
+      </p:pic>
+      <p:sp>
+        <p:nvSpPr>
+          <p:cNvPr id="10" name="Text Box 9"/>
+          <p:cNvSpPr txBox="1"/>
+          <p:nvPr/>
+        </p:nvSpPr>
+        <p:spPr>
+          <a:xfrm>
+            <a:off x="647700" y="1758950"/>
+            <a:ext cx="5675630" cy="368300"/>
+          </a:xfrm>
+          <a:prstGeom prst="rect">
+            <a:avLst/>
+          </a:prstGeom>
+          <a:noFill/>
+        </p:spPr>
+        <p:txBody>
+          <a:bodyPr wrap="square" rtlCol="0">
+            <a:spAutoFit/>
+          </a:bodyPr>
+          <a:p>
+            <a:r>
+              <a:rPr lang="zh-CN" altLang="en-US"/>
+              <a:t>如果你能保证</a:t>
+            </a:r>
+            <a:r>
+              <a:rPr lang="en-US" altLang="zh-CN"/>
+              <a:t> n </a:t>
+            </a:r>
+            <a:r>
+              <a:rPr lang="zh-CN" altLang="en-US"/>
+              <a:t>总是</a:t>
+            </a:r>
+            <a:r>
+              <a:rPr lang="en-US" altLang="zh-CN"/>
+              <a:t> 4 </a:t>
+            </a:r>
+            <a:r>
+              <a:rPr lang="zh-CN" altLang="en-US"/>
+              <a:t>的倍数，也可以这样写：</a:t>
+            </a:r>
+            <a:endParaRPr lang="zh-CN" altLang="en-US"/>
+          </a:p>
+        </p:txBody>
+      </p:sp>
+      <p:sp>
+        <p:nvSpPr>
+          <p:cNvPr id="7" name="Text Box 6"/>
+          <p:cNvSpPr txBox="1"/>
+          <p:nvPr/>
+        </p:nvSpPr>
+        <p:spPr>
+          <a:xfrm>
+            <a:off x="462280" y="5156200"/>
+            <a:ext cx="6114415" cy="368300"/>
+          </a:xfrm>
+          <a:prstGeom prst="rect">
+            <a:avLst/>
+          </a:prstGeom>
+          <a:noFill/>
+        </p:spPr>
+        <p:txBody>
+          <a:bodyPr wrap="square" rtlCol="0">
+            <a:spAutoFit/>
+          </a:bodyPr>
+          <a:p>
+            <a:r>
+              <a:rPr lang="zh-CN"/>
+              <a:t>编译器会发现</a:t>
+            </a:r>
+            <a:r>
+              <a:rPr lang="en-US" altLang="zh-CN"/>
+              <a:t> n % 4 = 0</a:t>
+            </a:r>
+            <a:r>
+              <a:rPr lang="zh-CN"/>
+              <a:t>，从而不会生成边界特判的分支。</a:t>
+            </a:r>
+            <a:endParaRPr lang="zh-CN"/>
           </a:p>
         </p:txBody>
       </p:sp>
@@ -12752,6 +12851,523 @@
       <p:grpSpPr/>
       <p:sp>
         <p:nvSpPr>
+          <p:cNvPr id="2" name="Title 1"/>
+          <p:cNvSpPr>
+            <a:spLocks noGrp="1"/>
+          </p:cNvSpPr>
+          <p:nvPr>
+            <p:ph type="title"/>
+          </p:nvPr>
+        </p:nvSpPr>
+        <p:spPr/>
+        <p:txBody>
+          <a:bodyPr/>
+          <a:p>
+            <a:r>
+              <a:rPr lang="zh-CN" altLang="en-US"/>
+              <a:t>假定指针是</a:t>
+            </a:r>
+            <a:r>
+              <a:rPr lang="en-US" altLang="zh-CN"/>
+              <a:t> 16 </a:t>
+            </a:r>
+            <a:r>
+              <a:rPr lang="zh-CN" altLang="en-US"/>
+              <a:t>字节对齐的：</a:t>
+            </a:r>
+            <a:r>
+              <a:rPr lang="en-US"/>
+              <a:t>assume_aligned</a:t>
+            </a:r>
+            <a:endParaRPr lang="en-US"/>
+          </a:p>
+        </p:txBody>
+      </p:sp>
+      <p:pic>
+        <p:nvPicPr>
+          <p:cNvPr id="5" name="Content Placeholder 4"/>
+          <p:cNvPicPr>
+            <a:picLocks noChangeAspect="1"/>
+          </p:cNvPicPr>
+          <p:nvPr>
+            <p:ph sz="half" idx="1"/>
+          </p:nvPr>
+        </p:nvPicPr>
+        <p:blipFill>
+          <a:blip r:embed="rId1"/>
+          <a:stretch>
+            <a:fillRect/>
+          </a:stretch>
+        </p:blipFill>
+        <p:spPr>
+          <a:xfrm>
+            <a:off x="1008380" y="2328545"/>
+            <a:ext cx="5584190" cy="1671320"/>
+          </a:xfrm>
+          <a:prstGeom prst="rect">
+            <a:avLst/>
+          </a:prstGeom>
+        </p:spPr>
+      </p:pic>
+      <p:pic>
+        <p:nvPicPr>
+          <p:cNvPr id="6" name="Content Placeholder 5"/>
+          <p:cNvPicPr>
+            <a:picLocks noChangeAspect="1"/>
+          </p:cNvPicPr>
+          <p:nvPr>
+            <p:ph sz="half" idx="2"/>
+          </p:nvPr>
+        </p:nvPicPr>
+        <p:blipFill>
+          <a:blip r:embed="rId2"/>
+          <a:stretch>
+            <a:fillRect/>
+          </a:stretch>
+        </p:blipFill>
+        <p:spPr>
+          <a:xfrm>
+            <a:off x="7938135" y="0"/>
+            <a:ext cx="4253865" cy="6858000"/>
+          </a:xfrm>
+          <a:prstGeom prst="rect">
+            <a:avLst/>
+          </a:prstGeom>
+        </p:spPr>
+      </p:pic>
+      <p:sp>
+        <p:nvSpPr>
+          <p:cNvPr id="10" name="Text Box 9"/>
+          <p:cNvSpPr txBox="1"/>
+          <p:nvPr/>
+        </p:nvSpPr>
+        <p:spPr>
+          <a:xfrm>
+            <a:off x="538480" y="1892300"/>
+            <a:ext cx="7044690" cy="368300"/>
+          </a:xfrm>
+          <a:prstGeom prst="rect">
+            <a:avLst/>
+          </a:prstGeom>
+          <a:noFill/>
+        </p:spPr>
+        <p:txBody>
+          <a:bodyPr wrap="square" rtlCol="0">
+            <a:spAutoFit/>
+          </a:bodyPr>
+          <a:p>
+            <a:r>
+              <a:rPr lang="zh-CN" altLang="en-US"/>
+              <a:t>如果能保证指针</a:t>
+            </a:r>
+            <a:r>
+              <a:rPr lang="en-US" altLang="zh-CN"/>
+              <a:t> a </a:t>
+            </a:r>
+            <a:r>
+              <a:rPr lang="zh-CN" altLang="en-US"/>
+              <a:t>总是对齐到</a:t>
+            </a:r>
+            <a:r>
+              <a:rPr lang="en-US" altLang="zh-CN"/>
+              <a:t> </a:t>
+            </a:r>
+            <a:r>
+              <a:rPr lang="en-US"/>
+              <a:t>16 </a:t>
+            </a:r>
+            <a:r>
+              <a:rPr lang="zh-CN" altLang="en-US"/>
+              <a:t>字节，在</a:t>
+            </a:r>
+            <a:r>
+              <a:rPr lang="en-US" altLang="zh-CN"/>
+              <a:t> GCC </a:t>
+            </a:r>
+            <a:r>
+              <a:rPr lang="zh-CN" altLang="en-US"/>
+              <a:t>编译器中这样写：</a:t>
+            </a:r>
+            <a:endParaRPr lang="zh-CN" altLang="en-US"/>
+          </a:p>
+        </p:txBody>
+      </p:sp>
+      <p:sp>
+        <p:nvSpPr>
+          <p:cNvPr id="7" name="Text Box 6"/>
+          <p:cNvSpPr txBox="1"/>
+          <p:nvPr/>
+        </p:nvSpPr>
+        <p:spPr>
+          <a:xfrm>
+            <a:off x="537845" y="4210685"/>
+            <a:ext cx="7044690" cy="368300"/>
+          </a:xfrm>
+          <a:prstGeom prst="rect">
+            <a:avLst/>
+          </a:prstGeom>
+          <a:noFill/>
+        </p:spPr>
+        <p:txBody>
+          <a:bodyPr wrap="square" rtlCol="0">
+            <a:spAutoFit/>
+          </a:bodyPr>
+          <a:p>
+            <a:r>
+              <a:rPr lang="zh-CN"/>
+              <a:t>但这样不通用，因此</a:t>
+            </a:r>
+            <a:r>
+              <a:rPr lang="en-US" altLang="zh-CN"/>
+              <a:t> C++20 </a:t>
+            </a:r>
+            <a:r>
+              <a:rPr lang="zh-CN" altLang="en-US"/>
+              <a:t>引入了标准化的</a:t>
+            </a:r>
+            <a:r>
+              <a:rPr lang="en-US" altLang="zh-CN"/>
+              <a:t> std::assume_aligned</a:t>
+            </a:r>
+            <a:r>
+              <a:rPr lang="zh-CN" altLang="en-US"/>
+              <a:t>：</a:t>
+            </a:r>
+            <a:endParaRPr lang="zh-CN" altLang="en-US"/>
+          </a:p>
+        </p:txBody>
+      </p:sp>
+      <p:pic>
+        <p:nvPicPr>
+          <p:cNvPr id="8" name="Picture 7"/>
+          <p:cNvPicPr>
+            <a:picLocks noChangeAspect="1"/>
+          </p:cNvPicPr>
+          <p:nvPr/>
+        </p:nvPicPr>
+        <p:blipFill>
+          <a:blip r:embed="rId3"/>
+          <a:stretch>
+            <a:fillRect/>
+          </a:stretch>
+        </p:blipFill>
+        <p:spPr>
+          <a:xfrm>
+            <a:off x="1785620" y="4578985"/>
+            <a:ext cx="4029075" cy="2238375"/>
+          </a:xfrm>
+          <a:prstGeom prst="rect">
+            <a:avLst/>
+          </a:prstGeom>
+        </p:spPr>
+      </p:pic>
+      <p:sp>
+        <p:nvSpPr>
+          <p:cNvPr id="9" name="Text Box 8"/>
+          <p:cNvSpPr txBox="1"/>
+          <p:nvPr/>
+        </p:nvSpPr>
+        <p:spPr>
+          <a:xfrm>
+            <a:off x="5939790" y="4578985"/>
+            <a:ext cx="1873250" cy="1753235"/>
+          </a:xfrm>
+          <a:prstGeom prst="rect">
+            <a:avLst/>
+          </a:prstGeom>
+          <a:noFill/>
+        </p:spPr>
+        <p:txBody>
+          <a:bodyPr wrap="square" rtlCol="0">
+            <a:spAutoFit/>
+          </a:bodyPr>
+          <a:p>
+            <a:r>
+              <a:rPr lang="en-US"/>
+              <a:t>movups</a:t>
+            </a:r>
+            <a:endParaRPr lang="en-US"/>
+          </a:p>
+          <a:p>
+            <a:r>
+              <a:rPr lang="zh-CN" altLang="en-US"/>
+              <a:t>变成了</a:t>
+            </a:r>
+            <a:endParaRPr lang="zh-CN" altLang="en-US"/>
+          </a:p>
+          <a:p>
+            <a:r>
+              <a:rPr lang="en-US" altLang="zh-CN"/>
+              <a:t>movaps</a:t>
+            </a:r>
+            <a:endParaRPr lang="en-US" altLang="zh-CN"/>
+          </a:p>
+          <a:p>
+            <a:r>
+              <a:rPr lang="zh-CN" altLang="en-US"/>
+              <a:t>对齐的读写可能带来微乎其微的性能提升</a:t>
+            </a:r>
+            <a:r>
+              <a:rPr lang="en-US" altLang="zh-CN"/>
+              <a:t>……</a:t>
+            </a:r>
+            <a:endParaRPr lang="en-US" altLang="zh-CN"/>
+          </a:p>
+        </p:txBody>
+      </p:sp>
+      <p:cxnSp>
+        <p:nvCxnSpPr>
+          <p:cNvPr id="11" name="Straight Arrow Connector 10"/>
+          <p:cNvCxnSpPr/>
+          <p:nvPr/>
+        </p:nvCxnSpPr>
+        <p:spPr>
+          <a:xfrm flipV="1">
+            <a:off x="7623175" y="5344795"/>
+            <a:ext cx="704850" cy="255270"/>
+          </a:xfrm>
+          <a:prstGeom prst="straightConnector1">
+            <a:avLst/>
+          </a:prstGeom>
+          <a:ln w="41275">
+            <a:solidFill>
+              <a:srgbClr val="FF3300"/>
+            </a:solidFill>
+            <a:tailEnd type="arrow"/>
+          </a:ln>
+        </p:spPr>
+        <p:style>
+          <a:lnRef idx="1">
+            <a:schemeClr val="accent1"/>
+          </a:lnRef>
+          <a:fillRef idx="0">
+            <a:schemeClr val="accent1"/>
+          </a:fillRef>
+          <a:effectRef idx="0">
+            <a:schemeClr val="accent1"/>
+          </a:effectRef>
+          <a:fontRef idx="minor">
+            <a:schemeClr val="tx1"/>
+          </a:fontRef>
+        </p:style>
+      </p:cxnSp>
+    </p:spTree>
+  </p:cSld>
+  <p:clrMapOvr>
+    <a:masterClrMapping/>
+  </p:clrMapOvr>
+  <p:timing>
+    <p:tnLst>
+      <p:par>
+        <p:cTn id="1" dur="indefinite" restart="never" nodeType="tmRoot">
+          <p:childTnLst>
+            <p:seq concurrent="1" nextAc="seek">
+              <p:cTn id="2" dur="indefinite" nodeType="mainSeq">
+                <p:childTnLst>
+                  <p:par>
+                    <p:cTn id="3" fill="hold">
+                      <p:stCondLst>
+                        <p:cond delay="indefinite"/>
+                      </p:stCondLst>
+                      <p:childTnLst>
+                        <p:par>
+                          <p:cTn id="4" fill="hold">
+                            <p:stCondLst>
+                              <p:cond delay="0"/>
+                            </p:stCondLst>
+                            <p:childTnLst>
+                              <p:par>
+                                <p:cTn id="5" presetID="2" presetClass="entr" presetSubtype="4" fill="hold" nodeType="clickEffect">
+                                  <p:stCondLst>
+                                    <p:cond delay="0"/>
+                                  </p:stCondLst>
+                                  <p:childTnLst>
+                                    <p:set>
+                                      <p:cBhvr>
+                                        <p:cTn id="6" dur="1" fill="hold">
+                                          <p:stCondLst>
+                                            <p:cond delay="0"/>
+                                          </p:stCondLst>
+                                        </p:cTn>
+                                        <p:tgtEl>
+                                          <p:spTgt spid="11"/>
+                                        </p:tgtEl>
+                                        <p:attrNameLst>
+                                          <p:attrName>style.visibility</p:attrName>
+                                        </p:attrNameLst>
+                                      </p:cBhvr>
+                                      <p:to>
+                                        <p:strVal val="visible"/>
+                                      </p:to>
+                                    </p:set>
+                                    <p:anim calcmode="lin" valueType="num">
+                                      <p:cBhvr additive="base">
+                                        <p:cTn id="7" dur="500" fill="hold"/>
+                                        <p:tgtEl>
+                                          <p:spTgt spid="11"/>
+                                        </p:tgtEl>
+                                        <p:attrNameLst>
+                                          <p:attrName>ppt_x</p:attrName>
+                                        </p:attrNameLst>
+                                      </p:cBhvr>
+                                      <p:tavLst>
+                                        <p:tav tm="0">
+                                          <p:val>
+                                            <p:strVal val="#ppt_x"/>
+                                          </p:val>
+                                        </p:tav>
+                                        <p:tav tm="100000">
+                                          <p:val>
+                                            <p:strVal val="#ppt_x"/>
+                                          </p:val>
+                                        </p:tav>
+                                      </p:tavLst>
+                                    </p:anim>
+                                    <p:anim calcmode="lin" valueType="num">
+                                      <p:cBhvr additive="base">
+                                        <p:cTn id="8" dur="500" fill="hold"/>
+                                        <p:tgtEl>
+                                          <p:spTgt spid="11"/>
+                                        </p:tgtEl>
+                                        <p:attrNameLst>
+                                          <p:attrName>ppt_y</p:attrName>
+                                        </p:attrNameLst>
+                                      </p:cBhvr>
+                                      <p:tavLst>
+                                        <p:tav tm="0">
+                                          <p:val>
+                                            <p:strVal val="1+#ppt_h/2"/>
+                                          </p:val>
+                                        </p:tav>
+                                        <p:tav tm="100000">
+                                          <p:val>
+                                            <p:strVal val="#ppt_y"/>
+                                          </p:val>
+                                        </p:tav>
+                                      </p:tavLst>
+                                    </p:anim>
+                                  </p:childTnLst>
+                                </p:cTn>
+                              </p:par>
+                              <p:par>
+                                <p:cTn id="9" presetID="2" presetClass="entr" presetSubtype="4" fill="hold" grpId="0" nodeType="withEffect">
+                                  <p:stCondLst>
+                                    <p:cond delay="0"/>
+                                  </p:stCondLst>
+                                  <p:childTnLst>
+                                    <p:set>
+                                      <p:cBhvr>
+                                        <p:cTn id="10" dur="1" fill="hold">
+                                          <p:stCondLst>
+                                            <p:cond delay="0"/>
+                                          </p:stCondLst>
+                                        </p:cTn>
+                                        <p:tgtEl>
+                                          <p:spTgt spid="9"/>
+                                        </p:tgtEl>
+                                        <p:attrNameLst>
+                                          <p:attrName>style.visibility</p:attrName>
+                                        </p:attrNameLst>
+                                      </p:cBhvr>
+                                      <p:to>
+                                        <p:strVal val="visible"/>
+                                      </p:to>
+                                    </p:set>
+                                    <p:anim calcmode="lin" valueType="num">
+                                      <p:cBhvr additive="base">
+                                        <p:cTn id="11" dur="500" fill="hold"/>
+                                        <p:tgtEl>
+                                          <p:spTgt spid="9"/>
+                                        </p:tgtEl>
+                                        <p:attrNameLst>
+                                          <p:attrName>ppt_x</p:attrName>
+                                        </p:attrNameLst>
+                                      </p:cBhvr>
+                                      <p:tavLst>
+                                        <p:tav tm="0">
+                                          <p:val>
+                                            <p:strVal val="#ppt_x"/>
+                                          </p:val>
+                                        </p:tav>
+                                        <p:tav tm="100000">
+                                          <p:val>
+                                            <p:strVal val="#ppt_x"/>
+                                          </p:val>
+                                        </p:tav>
+                                      </p:tavLst>
+                                    </p:anim>
+                                    <p:anim calcmode="lin" valueType="num">
+                                      <p:cBhvr additive="base">
+                                        <p:cTn id="12" dur="500" fill="hold"/>
+                                        <p:tgtEl>
+                                          <p:spTgt spid="9"/>
+                                        </p:tgtEl>
+                                        <p:attrNameLst>
+                                          <p:attrName>ppt_y</p:attrName>
+                                        </p:attrNameLst>
+                                      </p:cBhvr>
+                                      <p:tavLst>
+                                        <p:tav tm="0">
+                                          <p:val>
+                                            <p:strVal val="1+#ppt_h/2"/>
+                                          </p:val>
+                                        </p:tav>
+                                        <p:tav tm="100000">
+                                          <p:val>
+                                            <p:strVal val="#ppt_y"/>
+                                          </p:val>
+                                        </p:tav>
+                                      </p:tavLst>
+                                    </p:anim>
+                                  </p:childTnLst>
+                                </p:cTn>
+                              </p:par>
+                            </p:childTnLst>
+                          </p:cTn>
+                        </p:par>
+                      </p:childTnLst>
+                    </p:cTn>
+                  </p:par>
+                </p:childTnLst>
+              </p:cTn>
+              <p:prevCondLst>
+                <p:cond evt="onPrev" delay="0">
+                  <p:tgtEl>
+                    <p:sldTgt/>
+                  </p:tgtEl>
+                </p:cond>
+              </p:prevCondLst>
+              <p:nextCondLst>
+                <p:cond evt="onNext" delay="0">
+                  <p:tgtEl>
+                    <p:sldTgt/>
+                  </p:tgtEl>
+                </p:cond>
+              </p:nextCondLst>
+            </p:seq>
+          </p:childTnLst>
+        </p:cTn>
+      </p:par>
+    </p:tnLst>
+    <p:bldLst>
+      <p:bldP spid="9" grpId="0"/>
+    </p:bldLst>
+  </p:timing>
+</p:sld>
+</file>
+
+<file path=ppt/slides/slide51.xml><?xml version="1.0" encoding="utf-8"?>
+<p:sld xmlns:a="http://schemas.openxmlformats.org/drawingml/2006/main" xmlns:r="http://schemas.openxmlformats.org/officeDocument/2006/relationships" xmlns:p="http://schemas.openxmlformats.org/presentationml/2006/main">
+  <p:cSld>
+    <p:spTree>
+      <p:nvGrpSpPr>
+        <p:cNvPr id="1" name=""/>
+        <p:cNvGrpSpPr/>
+        <p:nvPr/>
+      </p:nvGrpSpPr>
+      <p:grpSpPr/>
+      <p:sp>
+        <p:nvSpPr>
           <p:cNvPr id="7" name="Title 6"/>
           <p:cNvSpPr>
             <a:spLocks noGrp="1"/>
@@ -12788,7 +13404,7 @@
 </p:sld>
 </file>
 
-<file path=ppt/slides/slide51.xml><?xml version="1.0" encoding="utf-8"?>
+<file path=ppt/slides/slide52.xml><?xml version="1.0" encoding="utf-8"?>
 <p:sld xmlns:a="http://schemas.openxmlformats.org/drawingml/2006/main" xmlns:r="http://schemas.openxmlformats.org/officeDocument/2006/relationships" xmlns:p="http://schemas.openxmlformats.org/presentationml/2006/main">
   <p:cSld>
     <p:spTree>
@@ -13541,14 +14157,105 @@
                             </p:stCondLst>
                             <p:childTnLst>
                               <p:par>
-                                <p:cTn id="25" presetID="4" presetClass="entr" presetSubtype="16" fill="hold" nodeType="clickEffect">
+                                <p:cTn id="25" presetID="2" presetClass="entr" presetSubtype="4" fill="hold" grpId="0" nodeType="clickEffect">
                                   <p:stCondLst>
                                     <p:cond delay="0"/>
                                   </p:stCondLst>
                                   <p:childTnLst>
                                     <p:set>
                                       <p:cBhvr>
-                                        <p:cTn id="26" dur="500" fill="hold">
+                                        <p:cTn id="26" dur="1" fill="hold">
+                                          <p:stCondLst>
+                                            <p:cond delay="0"/>
+                                          </p:stCondLst>
+                                        </p:cTn>
+                                        <p:tgtEl>
+                                          <p:spTgt spid="13"/>
+                                        </p:tgtEl>
+                                        <p:attrNameLst>
+                                          <p:attrName>style.visibility</p:attrName>
+                                        </p:attrNameLst>
+                                      </p:cBhvr>
+                                      <p:to>
+                                        <p:strVal val="visible"/>
+                                      </p:to>
+                                    </p:set>
+                                    <p:anim calcmode="lin" valueType="num">
+                                      <p:cBhvr additive="base">
+                                        <p:cTn id="27" dur="500" fill="hold"/>
+                                        <p:tgtEl>
+                                          <p:spTgt spid="13"/>
+                                        </p:tgtEl>
+                                        <p:attrNameLst>
+                                          <p:attrName>ppt_x</p:attrName>
+                                        </p:attrNameLst>
+                                      </p:cBhvr>
+                                      <p:tavLst>
+                                        <p:tav tm="0">
+                                          <p:val>
+                                            <p:strVal val="#ppt_x"/>
+                                          </p:val>
+                                        </p:tav>
+                                        <p:tav tm="100000">
+                                          <p:val>
+                                            <p:strVal val="#ppt_x"/>
+                                          </p:val>
+                                        </p:tav>
+                                      </p:tavLst>
+                                    </p:anim>
+                                    <p:anim calcmode="lin" valueType="num">
+                                      <p:cBhvr additive="base">
+                                        <p:cTn id="28" dur="500" fill="hold"/>
+                                        <p:tgtEl>
+                                          <p:spTgt spid="13"/>
+                                        </p:tgtEl>
+                                        <p:attrNameLst>
+                                          <p:attrName>ppt_y</p:attrName>
+                                        </p:attrNameLst>
+                                      </p:cBhvr>
+                                      <p:tavLst>
+                                        <p:tav tm="0">
+                                          <p:val>
+                                            <p:strVal val="1+#ppt_h/2"/>
+                                          </p:val>
+                                        </p:tav>
+                                        <p:tav tm="100000">
+                                          <p:val>
+                                            <p:strVal val="#ppt_y"/>
+                                          </p:val>
+                                        </p:tav>
+                                      </p:tavLst>
+                                    </p:anim>
+                                  </p:childTnLst>
+                                </p:cTn>
+                              </p:par>
+                            </p:childTnLst>
+                          </p:cTn>
+                        </p:par>
+                      </p:childTnLst>
+                    </p:cTn>
+                  </p:par>
+                  <p:par>
+                    <p:cTn id="29" fill="hold">
+                      <p:stCondLst>
+                        <p:cond delay="indefinite"/>
+                      </p:stCondLst>
+                      <p:childTnLst>
+                        <p:par>
+                          <p:cTn id="30" fill="hold">
+                            <p:stCondLst>
+                              <p:cond delay="0"/>
+                            </p:stCondLst>
+                            <p:childTnLst>
+                              <p:par>
+                                <p:cTn id="31" presetID="4" presetClass="entr" presetSubtype="16" fill="hold" nodeType="clickEffect">
+                                  <p:stCondLst>
+                                    <p:cond delay="0"/>
+                                  </p:stCondLst>
+                                  <p:childTnLst>
+                                    <p:set>
+                                      <p:cBhvr>
+                                        <p:cTn id="32" dur="500" fill="hold">
                                           <p:stCondLst>
                                             <p:cond delay="0"/>
                                           </p:stCondLst>
@@ -13566,7 +14273,7 @@
                                     </p:set>
                                     <p:animEffect transition="in" filter="box(in)">
                                       <p:cBhvr>
-                                        <p:cTn id="27" dur="500"/>
+                                        <p:cTn id="33" dur="500"/>
                                         <p:tgtEl>
                                           <p:spTgt spid="6"/>
                                         </p:tgtEl>
@@ -13607,12 +14314,13 @@
       <p:bldP spid="14" grpId="0" animBg="1"/>
       <p:bldP spid="2" grpId="0" animBg="1"/>
       <p:bldP spid="5" grpId="0"/>
+      <p:bldP spid="13" grpId="0"/>
     </p:bldLst>
   </p:timing>
 </p:sld>
 </file>
 
-<file path=ppt/slides/slide52.xml><?xml version="1.0" encoding="utf-8"?>
+<file path=ppt/slides/slide53.xml><?xml version="1.0" encoding="utf-8"?>
 <p:sld xmlns:a="http://schemas.openxmlformats.org/drawingml/2006/main" xmlns:r="http://schemas.openxmlformats.org/officeDocument/2006/relationships" xmlns:p="http://schemas.openxmlformats.org/presentationml/2006/main">
   <p:cSld>
     <p:spTree>
@@ -14107,7 +14815,7 @@
 </p:sld>
 </file>
 
-<file path=ppt/slides/slide53.xml><?xml version="1.0" encoding="utf-8"?>
+<file path=ppt/slides/slide54.xml><?xml version="1.0" encoding="utf-8"?>
 <p:sld xmlns:a="http://schemas.openxmlformats.org/drawingml/2006/main" xmlns:r="http://schemas.openxmlformats.org/officeDocument/2006/relationships" xmlns:p="http://schemas.openxmlformats.org/presentationml/2006/main">
   <p:cSld>
     <p:spTree>
@@ -14335,7 +15043,7 @@
 </p:sld>
 </file>
 
-<file path=ppt/slides/slide54.xml><?xml version="1.0" encoding="utf-8"?>
+<file path=ppt/slides/slide55.xml><?xml version="1.0" encoding="utf-8"?>
 <p:sld xmlns:a="http://schemas.openxmlformats.org/drawingml/2006/main" xmlns:r="http://schemas.openxmlformats.org/officeDocument/2006/relationships" xmlns:p="http://schemas.openxmlformats.org/presentationml/2006/main">
   <p:cSld>
     <p:spTree>
@@ -14539,7 +15247,7 @@
 </p:sld>
 </file>
 
-<file path=ppt/slides/slide55.xml><?xml version="1.0" encoding="utf-8"?>
+<file path=ppt/slides/slide56.xml><?xml version="1.0" encoding="utf-8"?>
 <p:sld xmlns:a="http://schemas.openxmlformats.org/drawingml/2006/main" xmlns:r="http://schemas.openxmlformats.org/officeDocument/2006/relationships" xmlns:p="http://schemas.openxmlformats.org/presentationml/2006/main">
   <p:cSld>
     <p:spTree>
@@ -15239,7 +15947,7 @@
 </p:sld>
 </file>
 
-<file path=ppt/slides/slide56.xml><?xml version="1.0" encoding="utf-8"?>
+<file path=ppt/slides/slide57.xml><?xml version="1.0" encoding="utf-8"?>
 <p:sld xmlns:a="http://schemas.openxmlformats.org/drawingml/2006/main" xmlns:r="http://schemas.openxmlformats.org/officeDocument/2006/relationships" xmlns:p="http://schemas.openxmlformats.org/presentationml/2006/main">
   <p:cSld>
     <p:spTree>
@@ -15586,7 +16294,7 @@
 </p:sld>
 </file>
 
-<file path=ppt/slides/slide57.xml><?xml version="1.0" encoding="utf-8"?>
+<file path=ppt/slides/slide58.xml><?xml version="1.0" encoding="utf-8"?>
 <p:sld xmlns:a="http://schemas.openxmlformats.org/drawingml/2006/main" xmlns:r="http://schemas.openxmlformats.org/officeDocument/2006/relationships" xmlns:p="http://schemas.openxmlformats.org/presentationml/2006/main">
   <p:cSld>
     <p:spTree>
@@ -16075,184 +16783,6 @@
 </p:sld>
 </file>
 
-<file path=ppt/slides/slide58.xml><?xml version="1.0" encoding="utf-8"?>
-<p:sld xmlns:a="http://schemas.openxmlformats.org/drawingml/2006/main" xmlns:r="http://schemas.openxmlformats.org/officeDocument/2006/relationships" xmlns:p="http://schemas.openxmlformats.org/presentationml/2006/main">
-  <p:cSld>
-    <p:spTree>
-      <p:nvGrpSpPr>
-        <p:cNvPr id="1" name=""/>
-        <p:cNvGrpSpPr/>
-        <p:nvPr/>
-      </p:nvGrpSpPr>
-      <p:grpSpPr/>
-      <p:sp>
-        <p:nvSpPr>
-          <p:cNvPr id="2" name="Title 1"/>
-          <p:cNvSpPr>
-            <a:spLocks noGrp="1"/>
-          </p:cNvSpPr>
-          <p:nvPr>
-            <p:ph type="title"/>
-          </p:nvPr>
-        </p:nvSpPr>
-        <p:spPr/>
-        <p:txBody>
-          <a:bodyPr/>
-          <a:p>
-            <a:r>
-              <a:rPr lang="zh-CN" altLang="en-US">
-                <a:sym typeface="+mn-ea"/>
-              </a:rPr>
-              <a:t>挪到外面来：优化失败</a:t>
-            </a:r>
-            <a:endParaRPr lang="en-US"/>
-          </a:p>
-        </p:txBody>
-      </p:sp>
-      <p:sp>
-        <p:nvSpPr>
-          <p:cNvPr id="10" name="Text Box 9"/>
-          <p:cNvSpPr txBox="1"/>
-          <p:nvPr/>
-        </p:nvSpPr>
-        <p:spPr>
-          <a:xfrm>
-            <a:off x="990600" y="2128520"/>
-            <a:ext cx="4950460" cy="922020"/>
-          </a:xfrm>
-          <a:prstGeom prst="rect">
-            <a:avLst/>
-          </a:prstGeom>
-          <a:noFill/>
-        </p:spPr>
-        <p:txBody>
-          <a:bodyPr wrap="square" rtlCol="0">
-            <a:spAutoFit/>
-          </a:bodyPr>
-          <a:p>
-            <a:r>
-              <a:rPr lang="zh-CN" altLang="en-US"/>
-              <a:t>然而只要去掉</a:t>
-            </a:r>
-            <a:r>
-              <a:rPr lang="en-US" altLang="zh-CN"/>
-              <a:t> (dt * dt) </a:t>
-            </a:r>
-            <a:r>
-              <a:rPr lang="zh-CN" altLang="en-US"/>
-              <a:t>的括号就会优化失败：</a:t>
-            </a:r>
-            <a:endParaRPr lang="zh-CN" altLang="en-US"/>
-          </a:p>
-          <a:p>
-            <a:r>
-              <a:rPr lang="zh-CN" altLang="en-US"/>
-              <a:t>因为乘法是左结合的，就相当于</a:t>
-            </a:r>
-            <a:r>
-              <a:rPr lang="en-US" altLang="zh-CN"/>
-              <a:t> (b[i] * dt) * dt</a:t>
-            </a:r>
-            <a:endParaRPr lang="en-US" altLang="zh-CN"/>
-          </a:p>
-          <a:p>
-            <a:r>
-              <a:rPr lang="zh-CN" altLang="en-US"/>
-              <a:t>编译器识别不到不变量，从而优化失败。</a:t>
-            </a:r>
-            <a:endParaRPr lang="zh-CN" altLang="en-US"/>
-          </a:p>
-        </p:txBody>
-      </p:sp>
-      <p:sp>
-        <p:nvSpPr>
-          <p:cNvPr id="7" name="Text Box 6"/>
-          <p:cNvSpPr txBox="1"/>
-          <p:nvPr/>
-        </p:nvSpPr>
-        <p:spPr>
-          <a:xfrm>
-            <a:off x="929005" y="5518785"/>
-            <a:ext cx="4935855" cy="645160"/>
-          </a:xfrm>
-          <a:prstGeom prst="rect">
-            <a:avLst/>
-          </a:prstGeom>
-          <a:noFill/>
-        </p:spPr>
-        <p:txBody>
-          <a:bodyPr wrap="square" rtlCol="0">
-            <a:spAutoFit/>
-          </a:bodyPr>
-          <a:p>
-            <a:r>
-              <a:rPr lang="zh-CN" altLang="en-US"/>
-              <a:t>因此，要么帮编译器打上括号帮助他识别，要么手动提取不变量到循环体外。</a:t>
-            </a:r>
-            <a:endParaRPr lang="zh-CN" altLang="en-US"/>
-          </a:p>
-        </p:txBody>
-      </p:sp>
-      <p:pic>
-        <p:nvPicPr>
-          <p:cNvPr id="9" name="Content Placeholder 8"/>
-          <p:cNvPicPr>
-            <a:picLocks noChangeAspect="1"/>
-          </p:cNvPicPr>
-          <p:nvPr>
-            <p:ph sz="half" idx="1"/>
-          </p:nvPr>
-        </p:nvPicPr>
-        <p:blipFill>
-          <a:blip r:embed="rId1"/>
-          <a:stretch>
-            <a:fillRect/>
-          </a:stretch>
-        </p:blipFill>
-        <p:spPr>
-          <a:xfrm>
-            <a:off x="0" y="3665855"/>
-            <a:ext cx="6685915" cy="1247140"/>
-          </a:xfrm>
-          <a:prstGeom prst="rect">
-            <a:avLst/>
-          </a:prstGeom>
-        </p:spPr>
-      </p:pic>
-      <p:pic>
-        <p:nvPicPr>
-          <p:cNvPr id="12" name="Content Placeholder 11"/>
-          <p:cNvPicPr>
-            <a:picLocks noChangeAspect="1"/>
-          </p:cNvPicPr>
-          <p:nvPr>
-            <p:ph sz="half" idx="2"/>
-          </p:nvPr>
-        </p:nvPicPr>
-        <p:blipFill>
-          <a:blip r:embed="rId2"/>
-          <a:stretch>
-            <a:fillRect/>
-          </a:stretch>
-        </p:blipFill>
-        <p:spPr>
-          <a:xfrm>
-            <a:off x="6765925" y="381635"/>
-            <a:ext cx="5426075" cy="6476365"/>
-          </a:xfrm>
-          <a:prstGeom prst="rect">
-            <a:avLst/>
-          </a:prstGeom>
-        </p:spPr>
-      </p:pic>
-    </p:spTree>
-  </p:cSld>
-  <p:clrMapOvr>
-    <a:masterClrMapping/>
-  </p:clrMapOvr>
-</p:sld>
-</file>
-
 <file path=ppt/slides/slide59.xml><?xml version="1.0" encoding="utf-8"?>
 <p:sld xmlns:a="http://schemas.openxmlformats.org/drawingml/2006/main" xmlns:r="http://schemas.openxmlformats.org/officeDocument/2006/relationships" xmlns:p="http://schemas.openxmlformats.org/presentationml/2006/main">
   <p:cSld>
@@ -16278,21 +16808,107 @@
           <a:bodyPr/>
           <a:p>
             <a:r>
-              <a:rPr lang="zh-CN" altLang="en-US"/>
-              <a:t>为什么需要循环展开</a:t>
+              <a:rPr lang="zh-CN" altLang="en-US">
+                <a:sym typeface="+mn-ea"/>
+              </a:rPr>
+              <a:t>挪到外面来：优化失败</a:t>
+            </a:r>
+            <a:endParaRPr lang="en-US"/>
+          </a:p>
+        </p:txBody>
+      </p:sp>
+      <p:sp>
+        <p:nvSpPr>
+          <p:cNvPr id="10" name="Text Box 9"/>
+          <p:cNvSpPr txBox="1"/>
+          <p:nvPr/>
+        </p:nvSpPr>
+        <p:spPr>
+          <a:xfrm>
+            <a:off x="990600" y="2128520"/>
+            <a:ext cx="4950460" cy="922020"/>
+          </a:xfrm>
+          <a:prstGeom prst="rect">
+            <a:avLst/>
+          </a:prstGeom>
+          <a:noFill/>
+        </p:spPr>
+        <p:txBody>
+          <a:bodyPr wrap="square" rtlCol="0">
+            <a:spAutoFit/>
+          </a:bodyPr>
+          <a:p>
+            <a:r>
+              <a:rPr lang="zh-CN" altLang="en-US"/>
+              <a:t>然而只要去掉</a:t>
+            </a:r>
+            <a:r>
+              <a:rPr lang="en-US" altLang="zh-CN"/>
+              <a:t> (dt * dt) </a:t>
+            </a:r>
+            <a:r>
+              <a:rPr lang="zh-CN" altLang="en-US"/>
+              <a:t>的括号就会优化失败：</a:t>
+            </a:r>
+            <a:endParaRPr lang="zh-CN" altLang="en-US"/>
+          </a:p>
+          <a:p>
+            <a:r>
+              <a:rPr lang="zh-CN" altLang="en-US"/>
+              <a:t>因为乘法是左结合的，就相当于</a:t>
+            </a:r>
+            <a:r>
+              <a:rPr lang="en-US" altLang="zh-CN"/>
+              <a:t> (b[i] * dt) * dt</a:t>
             </a:r>
             <a:endParaRPr lang="en-US" altLang="zh-CN"/>
+          </a:p>
+          <a:p>
+            <a:r>
+              <a:rPr lang="zh-CN" altLang="en-US"/>
+              <a:t>编译器识别不到不变量，从而优化失败。</a:t>
+            </a:r>
+            <a:endParaRPr lang="zh-CN" altLang="en-US"/>
+          </a:p>
+        </p:txBody>
+      </p:sp>
+      <p:sp>
+        <p:nvSpPr>
+          <p:cNvPr id="7" name="Text Box 6"/>
+          <p:cNvSpPr txBox="1"/>
+          <p:nvPr/>
+        </p:nvSpPr>
+        <p:spPr>
+          <a:xfrm>
+            <a:off x="929005" y="5518785"/>
+            <a:ext cx="4935855" cy="645160"/>
+          </a:xfrm>
+          <a:prstGeom prst="rect">
+            <a:avLst/>
+          </a:prstGeom>
+          <a:noFill/>
+        </p:spPr>
+        <p:txBody>
+          <a:bodyPr wrap="square" rtlCol="0">
+            <a:spAutoFit/>
+          </a:bodyPr>
+          <a:p>
+            <a:r>
+              <a:rPr lang="zh-CN" altLang="en-US"/>
+              <a:t>因此，要么帮编译器打上括号帮助他识别，要么手动提取不变量到循环体外。</a:t>
+            </a:r>
+            <a:endParaRPr lang="zh-CN" altLang="en-US"/>
           </a:p>
         </p:txBody>
       </p:sp>
       <p:pic>
         <p:nvPicPr>
-          <p:cNvPr id="10" name="Content Placeholder 9"/>
+          <p:cNvPr id="9" name="Content Placeholder 8"/>
           <p:cNvPicPr>
             <a:picLocks noChangeAspect="1"/>
           </p:cNvPicPr>
           <p:nvPr>
-            <p:ph sz="half" idx="2"/>
+            <p:ph sz="half" idx="1"/>
           </p:nvPr>
         </p:nvPicPr>
         <p:blipFill>
@@ -16303,8 +16919,8 @@
         </p:blipFill>
         <p:spPr>
           <a:xfrm>
-            <a:off x="6564630" y="2151380"/>
-            <a:ext cx="5181600" cy="3699510"/>
+            <a:off x="0" y="3665855"/>
+            <a:ext cx="6685915" cy="1247140"/>
           </a:xfrm>
           <a:prstGeom prst="rect">
             <a:avLst/>
@@ -16318,7 +16934,7 @@
             <a:picLocks noChangeAspect="1"/>
           </p:cNvPicPr>
           <p:nvPr>
-            <p:ph sz="half" idx="1"/>
+            <p:ph sz="half" idx="2"/>
           </p:nvPr>
         </p:nvPicPr>
         <p:blipFill>
@@ -16329,71 +16945,141 @@
         </p:blipFill>
         <p:spPr>
           <a:xfrm>
-            <a:off x="446405" y="3343275"/>
-            <a:ext cx="4908550" cy="1315720"/>
+            <a:off x="6765925" y="381635"/>
+            <a:ext cx="5426075" cy="6476365"/>
           </a:xfrm>
           <a:prstGeom prst="rect">
             <a:avLst/>
           </a:prstGeom>
         </p:spPr>
       </p:pic>
-      <p:sp>
-        <p:nvSpPr>
-          <p:cNvPr id="14" name="Text Box 13"/>
-          <p:cNvSpPr txBox="1"/>
+      <p:cxnSp>
+        <p:nvCxnSpPr>
+          <p:cNvPr id="13" name="Straight Connector 12"/>
+          <p:cNvCxnSpPr/>
           <p:nvPr/>
-        </p:nvSpPr>
-        <p:spPr>
-          <a:xfrm>
-            <a:off x="446405" y="1957070"/>
-            <a:ext cx="5916930" cy="645160"/>
-          </a:xfrm>
-          <a:prstGeom prst="rect">
-            <a:avLst/>
-          </a:prstGeom>
-          <a:noFill/>
-        </p:spPr>
-        <p:txBody>
-          <a:bodyPr wrap="square" rtlCol="0">
-            <a:spAutoFit/>
-          </a:bodyPr>
-          <a:p>
-            <a:r>
-              <a:rPr lang="zh-CN" altLang="en-US"/>
-              <a:t>每次执行循环体</a:t>
-            </a:r>
-            <a:r>
-              <a:rPr lang="en-US" altLang="zh-CN"/>
-              <a:t> a[i] = 1</a:t>
-            </a:r>
-            <a:r>
-              <a:rPr lang="zh-CN" altLang="en-US"/>
-              <a:t>后，都要进行一次判断</a:t>
-            </a:r>
-            <a:r>
-              <a:rPr lang="en-US" altLang="zh-CN"/>
-              <a:t> i &lt; 1024</a:t>
-            </a:r>
-            <a:r>
-              <a:rPr lang="zh-CN" altLang="en-US"/>
-              <a:t>。</a:t>
-            </a:r>
-            <a:endParaRPr lang="en-US" altLang="zh-CN"/>
-          </a:p>
-          <a:p>
-            <a:r>
-              <a:rPr lang="zh-CN" altLang="en-US"/>
-              <a:t>导致一部分时间花在判断是否结束循环，而不是循环体里。</a:t>
-            </a:r>
-            <a:endParaRPr lang="zh-CN" altLang="en-US"/>
-          </a:p>
-        </p:txBody>
-      </p:sp>
+        </p:nvCxnSpPr>
+        <p:spPr>
+          <a:xfrm>
+            <a:off x="3208020" y="4353560"/>
+            <a:ext cx="776605" cy="0"/>
+          </a:xfrm>
+          <a:prstGeom prst="line">
+            <a:avLst/>
+          </a:prstGeom>
+          <a:ln w="28575" cmpd="sng">
+            <a:solidFill>
+              <a:srgbClr val="FF3300"/>
+            </a:solidFill>
+            <a:prstDash val="solid"/>
+          </a:ln>
+        </p:spPr>
+        <p:style>
+          <a:lnRef idx="1">
+            <a:schemeClr val="accent1"/>
+          </a:lnRef>
+          <a:fillRef idx="0">
+            <a:schemeClr val="accent1"/>
+          </a:fillRef>
+          <a:effectRef idx="0">
+            <a:schemeClr val="accent1"/>
+          </a:effectRef>
+          <a:fontRef idx="minor">
+            <a:schemeClr val="tx1"/>
+          </a:fontRef>
+        </p:style>
+      </p:cxnSp>
     </p:spTree>
   </p:cSld>
   <p:clrMapOvr>
     <a:masterClrMapping/>
   </p:clrMapOvr>
+  <p:timing>
+    <p:tnLst>
+      <p:par>
+        <p:cTn id="1" dur="indefinite" restart="never" nodeType="tmRoot">
+          <p:childTnLst>
+            <p:seq concurrent="1" nextAc="seek">
+              <p:cTn id="2" dur="indefinite" nodeType="mainSeq">
+                <p:childTnLst>
+                  <p:par>
+                    <p:cTn id="3" fill="hold">
+                      <p:stCondLst>
+                        <p:cond delay="indefinite"/>
+                      </p:stCondLst>
+                      <p:childTnLst>
+                        <p:par>
+                          <p:cTn id="4" fill="hold">
+                            <p:stCondLst>
+                              <p:cond delay="0"/>
+                            </p:stCondLst>
+                            <p:childTnLst>
+                              <p:par>
+                                <p:cTn id="5" presetID="5" presetClass="entr" presetSubtype="10" fill="hold" grpId="0" nodeType="clickEffect">
+                                  <p:stCondLst>
+                                    <p:cond delay="0"/>
+                                  </p:stCondLst>
+                                  <p:childTnLst>
+                                    <p:set>
+                                      <p:cBhvr>
+                                        <p:cTn id="6" dur="1" fill="hold">
+                                          <p:stCondLst>
+                                            <p:cond delay="0"/>
+                                          </p:stCondLst>
+                                        </p:cTn>
+                                        <p:tgtEl>
+                                          <p:spTgt spid="7"/>
+                                        </p:tgtEl>
+                                        <p:attrNameLst>
+                                          <p:attrName>style.visibility</p:attrName>
+                                        </p:attrNameLst>
+                                      </p:cBhvr>
+                                      <p:to>
+                                        <p:strVal val="visible"/>
+                                      </p:to>
+                                    </p:set>
+                                    <p:animEffect transition="in" filter="checkerboard(across)">
+                                      <p:cBhvr>
+                                        <p:cTn id="7" dur="500"/>
+                                        <p:tgtEl>
+                                          <p:spTgt spid="7"/>
+                                        </p:tgtEl>
+                                      </p:cBhvr>
+                                    </p:animEffect>
+                                  </p:childTnLst>
+                                </p:cTn>
+                              </p:par>
+                            </p:childTnLst>
+                          </p:cTn>
+                        </p:par>
+                      </p:childTnLst>
+                    </p:cTn>
+                  </p:par>
+                </p:childTnLst>
+              </p:cTn>
+              <p:prevCondLst>
+                <p:cond evt="onPrev" delay="0">
+                  <p:tgtEl>
+                    <p:sldTgt/>
+                  </p:tgtEl>
+                </p:cond>
+              </p:prevCondLst>
+              <p:nextCondLst>
+                <p:cond evt="onNext" delay="0">
+                  <p:tgtEl>
+                    <p:sldTgt/>
+                  </p:tgtEl>
+                </p:cond>
+              </p:nextCondLst>
+            </p:seq>
+          </p:childTnLst>
+        </p:cTn>
+      </p:par>
+    </p:tnLst>
+    <p:bldLst>
+      <p:bldP spid="7" grpId="0"/>
+    </p:bldLst>
+  </p:timing>
 </p:sld>
 </file>
 
@@ -16600,6 +17286,150 @@
 </file>
 
 <file path=ppt/slides/slide60.xml><?xml version="1.0" encoding="utf-8"?>
+<p:sld xmlns:a="http://schemas.openxmlformats.org/drawingml/2006/main" xmlns:r="http://schemas.openxmlformats.org/officeDocument/2006/relationships" xmlns:p="http://schemas.openxmlformats.org/presentationml/2006/main">
+  <p:cSld>
+    <p:spTree>
+      <p:nvGrpSpPr>
+        <p:cNvPr id="1" name=""/>
+        <p:cNvGrpSpPr/>
+        <p:nvPr/>
+      </p:nvGrpSpPr>
+      <p:grpSpPr/>
+      <p:sp>
+        <p:nvSpPr>
+          <p:cNvPr id="2" name="Title 1"/>
+          <p:cNvSpPr>
+            <a:spLocks noGrp="1"/>
+          </p:cNvSpPr>
+          <p:nvPr>
+            <p:ph type="title"/>
+          </p:nvPr>
+        </p:nvSpPr>
+        <p:spPr/>
+        <p:txBody>
+          <a:bodyPr/>
+          <a:p>
+            <a:r>
+              <a:rPr lang="zh-CN" altLang="en-US"/>
+              <a:t>为什么需要循环展开</a:t>
+            </a:r>
+            <a:endParaRPr lang="en-US" altLang="zh-CN"/>
+          </a:p>
+        </p:txBody>
+      </p:sp>
+      <p:pic>
+        <p:nvPicPr>
+          <p:cNvPr id="10" name="Content Placeholder 9"/>
+          <p:cNvPicPr>
+            <a:picLocks noChangeAspect="1"/>
+          </p:cNvPicPr>
+          <p:nvPr>
+            <p:ph sz="half" idx="2"/>
+          </p:nvPr>
+        </p:nvPicPr>
+        <p:blipFill>
+          <a:blip r:embed="rId1"/>
+          <a:stretch>
+            <a:fillRect/>
+          </a:stretch>
+        </p:blipFill>
+        <p:spPr>
+          <a:xfrm>
+            <a:off x="6564630" y="2151380"/>
+            <a:ext cx="5181600" cy="3699510"/>
+          </a:xfrm>
+          <a:prstGeom prst="rect">
+            <a:avLst/>
+          </a:prstGeom>
+        </p:spPr>
+      </p:pic>
+      <p:pic>
+        <p:nvPicPr>
+          <p:cNvPr id="12" name="Content Placeholder 11"/>
+          <p:cNvPicPr>
+            <a:picLocks noChangeAspect="1"/>
+          </p:cNvPicPr>
+          <p:nvPr>
+            <p:ph sz="half" idx="1"/>
+          </p:nvPr>
+        </p:nvPicPr>
+        <p:blipFill>
+          <a:blip r:embed="rId2"/>
+          <a:stretch>
+            <a:fillRect/>
+          </a:stretch>
+        </p:blipFill>
+        <p:spPr>
+          <a:xfrm>
+            <a:off x="446405" y="3343275"/>
+            <a:ext cx="4908550" cy="1315720"/>
+          </a:xfrm>
+          <a:prstGeom prst="rect">
+            <a:avLst/>
+          </a:prstGeom>
+        </p:spPr>
+      </p:pic>
+      <p:sp>
+        <p:nvSpPr>
+          <p:cNvPr id="14" name="Text Box 13"/>
+          <p:cNvSpPr txBox="1"/>
+          <p:nvPr/>
+        </p:nvSpPr>
+        <p:spPr>
+          <a:xfrm>
+            <a:off x="446405" y="1957070"/>
+            <a:ext cx="5916930" cy="645160"/>
+          </a:xfrm>
+          <a:prstGeom prst="rect">
+            <a:avLst/>
+          </a:prstGeom>
+          <a:noFill/>
+        </p:spPr>
+        <p:txBody>
+          <a:bodyPr wrap="square" rtlCol="0">
+            <a:spAutoFit/>
+          </a:bodyPr>
+          <a:p>
+            <a:r>
+              <a:rPr lang="zh-CN" altLang="en-US"/>
+              <a:t>每次执行循环体</a:t>
+            </a:r>
+            <a:r>
+              <a:rPr lang="en-US" altLang="zh-CN"/>
+              <a:t> a[i] = 1</a:t>
+            </a:r>
+            <a:r>
+              <a:rPr lang="zh-CN" altLang="en-US"/>
+              <a:t>后，都要进行一次判断</a:t>
+            </a:r>
+            <a:r>
+              <a:rPr lang="en-US" altLang="zh-CN"/>
+              <a:t> i &lt; 1024</a:t>
+            </a:r>
+            <a:r>
+              <a:rPr lang="zh-CN" altLang="en-US"/>
+              <a:t>。</a:t>
+            </a:r>
+            <a:endParaRPr lang="en-US" altLang="zh-CN"/>
+          </a:p>
+          <a:p>
+            <a:r>
+              <a:rPr lang="zh-CN" altLang="en-US"/>
+              <a:t>导致一部分时间花在判断是否结束循环，而不是循环体里。</a:t>
+            </a:r>
+            <a:endParaRPr lang="zh-CN" altLang="en-US"/>
+          </a:p>
+        </p:txBody>
+      </p:sp>
+    </p:spTree>
+  </p:cSld>
+  <p:clrMapOvr>
+    <a:masterClrMapping/>
+  </p:clrMapOvr>
+</p:sld>
+</file>
+
+<file path=ppt/slides/slide61.xml><?xml version="1.0" encoding="utf-8"?>
 <p:sld xmlns:a="http://schemas.openxmlformats.org/drawingml/2006/main" xmlns:r="http://schemas.openxmlformats.org/officeDocument/2006/relationships" xmlns:p="http://schemas.openxmlformats.org/presentationml/2006/main">
   <p:cSld>
     <p:spTree>
@@ -17182,7 +18012,7 @@
 </p:sld>
 </file>
 
-<file path=ppt/slides/slide61.xml><?xml version="1.0" encoding="utf-8"?>
+<file path=ppt/slides/slide62.xml><?xml version="1.0" encoding="utf-8"?>
 <p:sld xmlns:a="http://schemas.openxmlformats.org/drawingml/2006/main" xmlns:r="http://schemas.openxmlformats.org/officeDocument/2006/relationships" xmlns:p="http://schemas.openxmlformats.org/presentationml/2006/main">
   <p:cSld>
     <p:spTree>
@@ -17230,7 +18060,7 @@
 </p:sld>
 </file>
 
-<file path=ppt/slides/slide62.xml><?xml version="1.0" encoding="utf-8"?>
+<file path=ppt/slides/slide63.xml><?xml version="1.0" encoding="utf-8"?>
 <p:sld xmlns:a="http://schemas.openxmlformats.org/drawingml/2006/main" xmlns:r="http://schemas.openxmlformats.org/officeDocument/2006/relationships" xmlns:p="http://schemas.openxmlformats.org/presentationml/2006/main">
   <p:cSld>
     <p:spTree>
@@ -17461,7 +18291,7 @@
 </p:sld>
 </file>
 
-<file path=ppt/slides/slide63.xml><?xml version="1.0" encoding="utf-8"?>
+<file path=ppt/slides/slide64.xml><?xml version="1.0" encoding="utf-8"?>
 <p:sld xmlns:a="http://schemas.openxmlformats.org/drawingml/2006/main" xmlns:r="http://schemas.openxmlformats.org/officeDocument/2006/relationships" xmlns:p="http://schemas.openxmlformats.org/presentationml/2006/main">
   <p:cSld>
     <p:spTree>
@@ -17821,7 +18651,7 @@
 </p:sld>
 </file>
 
-<file path=ppt/slides/slide64.xml><?xml version="1.0" encoding="utf-8"?>
+<file path=ppt/slides/slide65.xml><?xml version="1.0" encoding="utf-8"?>
 <p:sld xmlns:a="http://schemas.openxmlformats.org/drawingml/2006/main" xmlns:r="http://schemas.openxmlformats.org/officeDocument/2006/relationships" xmlns:p="http://schemas.openxmlformats.org/presentationml/2006/main">
   <p:cSld>
     <p:spTree>
@@ -18136,7 +18966,7 @@
 </p:sld>
 </file>
 
-<file path=ppt/slides/slide65.xml><?xml version="1.0" encoding="utf-8"?>
+<file path=ppt/slides/slide66.xml><?xml version="1.0" encoding="utf-8"?>
 <p:sld xmlns:a="http://schemas.openxmlformats.org/drawingml/2006/main" xmlns:r="http://schemas.openxmlformats.org/officeDocument/2006/relationships" xmlns:p="http://schemas.openxmlformats.org/presentationml/2006/main">
   <p:cSld>
     <p:spTree>
@@ -18443,7 +19273,7 @@
 </p:sld>
 </file>
 
-<file path=ppt/slides/slide66.xml><?xml version="1.0" encoding="utf-8"?>
+<file path=ppt/slides/slide67.xml><?xml version="1.0" encoding="utf-8"?>
 <p:sld xmlns:a="http://schemas.openxmlformats.org/drawingml/2006/main" xmlns:r="http://schemas.openxmlformats.org/officeDocument/2006/relationships" xmlns:p="http://schemas.openxmlformats.org/presentationml/2006/main">
   <p:cSld>
     <p:spTree>

--- a/04/slides.pptx
+++ b/04/slides.pptx
@@ -8,7 +8,7 @@
     <p:notesMasterId r:id="rId5"/>
   </p:notesMasterIdLst>
   <p:handoutMasterIdLst>
-    <p:handoutMasterId r:id="rId71"/>
+    <p:handoutMasterId r:id="rId83"/>
   </p:handoutMasterIdLst>
   <p:sldIdLst>
     <p:sldId id="256" r:id="rId3"/>
@@ -23,61 +23,73 @@
     <p:sldId id="268" r:id="rId13"/>
     <p:sldId id="269" r:id="rId14"/>
     <p:sldId id="270" r:id="rId15"/>
-    <p:sldId id="319" r:id="rId16"/>
-    <p:sldId id="272" r:id="rId17"/>
-    <p:sldId id="273" r:id="rId18"/>
-    <p:sldId id="281" r:id="rId19"/>
-    <p:sldId id="282" r:id="rId20"/>
-    <p:sldId id="283" r:id="rId21"/>
-    <p:sldId id="284" r:id="rId22"/>
-    <p:sldId id="285" r:id="rId23"/>
-    <p:sldId id="286" r:id="rId24"/>
-    <p:sldId id="294" r:id="rId25"/>
-    <p:sldId id="295" r:id="rId26"/>
-    <p:sldId id="302" r:id="rId27"/>
-    <p:sldId id="274" r:id="rId28"/>
-    <p:sldId id="275" r:id="rId29"/>
-    <p:sldId id="277" r:id="rId30"/>
-    <p:sldId id="276" r:id="rId31"/>
-    <p:sldId id="278" r:id="rId32"/>
-    <p:sldId id="279" r:id="rId33"/>
-    <p:sldId id="280" r:id="rId34"/>
-    <p:sldId id="299" r:id="rId35"/>
-    <p:sldId id="297" r:id="rId36"/>
-    <p:sldId id="300" r:id="rId37"/>
-    <p:sldId id="303" r:id="rId38"/>
-    <p:sldId id="367" r:id="rId39"/>
-    <p:sldId id="305" r:id="rId40"/>
-    <p:sldId id="306" r:id="rId41"/>
-    <p:sldId id="307" r:id="rId42"/>
-    <p:sldId id="308" r:id="rId43"/>
-    <p:sldId id="314" r:id="rId44"/>
-    <p:sldId id="309" r:id="rId45"/>
-    <p:sldId id="310" r:id="rId46"/>
-    <p:sldId id="311" r:id="rId47"/>
-    <p:sldId id="312" r:id="rId48"/>
-    <p:sldId id="313" r:id="rId49"/>
-    <p:sldId id="315" r:id="rId50"/>
-    <p:sldId id="316" r:id="rId51"/>
-    <p:sldId id="370" r:id="rId52"/>
-    <p:sldId id="374" r:id="rId53"/>
-    <p:sldId id="317" r:id="rId54"/>
-    <p:sldId id="318" r:id="rId55"/>
-    <p:sldId id="320" r:id="rId56"/>
-    <p:sldId id="357" r:id="rId57"/>
-    <p:sldId id="373" r:id="rId58"/>
-    <p:sldId id="358" r:id="rId59"/>
-    <p:sldId id="359" r:id="rId60"/>
-    <p:sldId id="368" r:id="rId61"/>
-    <p:sldId id="369" r:id="rId62"/>
-    <p:sldId id="371" r:id="rId63"/>
-    <p:sldId id="372" r:id="rId64"/>
-    <p:sldId id="360" r:id="rId65"/>
-    <p:sldId id="362" r:id="rId66"/>
-    <p:sldId id="363" r:id="rId67"/>
-    <p:sldId id="364" r:id="rId68"/>
-    <p:sldId id="365" r:id="rId69"/>
-    <p:sldId id="366" r:id="rId70"/>
+    <p:sldId id="400" r:id="rId16"/>
+    <p:sldId id="401" r:id="rId17"/>
+    <p:sldId id="402" r:id="rId18"/>
+    <p:sldId id="404" r:id="rId19"/>
+    <p:sldId id="403" r:id="rId20"/>
+    <p:sldId id="319" r:id="rId21"/>
+    <p:sldId id="272" r:id="rId22"/>
+    <p:sldId id="273" r:id="rId23"/>
+    <p:sldId id="281" r:id="rId24"/>
+    <p:sldId id="282" r:id="rId25"/>
+    <p:sldId id="283" r:id="rId26"/>
+    <p:sldId id="284" r:id="rId27"/>
+    <p:sldId id="285" r:id="rId28"/>
+    <p:sldId id="286" r:id="rId29"/>
+    <p:sldId id="294" r:id="rId30"/>
+    <p:sldId id="295" r:id="rId31"/>
+    <p:sldId id="302" r:id="rId32"/>
+    <p:sldId id="274" r:id="rId33"/>
+    <p:sldId id="275" r:id="rId34"/>
+    <p:sldId id="277" r:id="rId35"/>
+    <p:sldId id="276" r:id="rId36"/>
+    <p:sldId id="278" r:id="rId37"/>
+    <p:sldId id="279" r:id="rId38"/>
+    <p:sldId id="280" r:id="rId39"/>
+    <p:sldId id="299" r:id="rId40"/>
+    <p:sldId id="297" r:id="rId41"/>
+    <p:sldId id="300" r:id="rId42"/>
+    <p:sldId id="303" r:id="rId43"/>
+    <p:sldId id="367" r:id="rId44"/>
+    <p:sldId id="305" r:id="rId45"/>
+    <p:sldId id="306" r:id="rId46"/>
+    <p:sldId id="307" r:id="rId47"/>
+    <p:sldId id="308" r:id="rId48"/>
+    <p:sldId id="314" r:id="rId49"/>
+    <p:sldId id="309" r:id="rId50"/>
+    <p:sldId id="310" r:id="rId51"/>
+    <p:sldId id="311" r:id="rId52"/>
+    <p:sldId id="312" r:id="rId53"/>
+    <p:sldId id="313" r:id="rId54"/>
+    <p:sldId id="315" r:id="rId55"/>
+    <p:sldId id="316" r:id="rId56"/>
+    <p:sldId id="370" r:id="rId57"/>
+    <p:sldId id="374" r:id="rId58"/>
+    <p:sldId id="317" r:id="rId59"/>
+    <p:sldId id="318" r:id="rId60"/>
+    <p:sldId id="320" r:id="rId61"/>
+    <p:sldId id="357" r:id="rId62"/>
+    <p:sldId id="373" r:id="rId63"/>
+    <p:sldId id="358" r:id="rId64"/>
+    <p:sldId id="359" r:id="rId65"/>
+    <p:sldId id="368" r:id="rId66"/>
+    <p:sldId id="369" r:id="rId67"/>
+    <p:sldId id="371" r:id="rId68"/>
+    <p:sldId id="372" r:id="rId69"/>
+    <p:sldId id="360" r:id="rId70"/>
+    <p:sldId id="362" r:id="rId71"/>
+    <p:sldId id="363" r:id="rId72"/>
+    <p:sldId id="364" r:id="rId73"/>
+    <p:sldId id="365" r:id="rId74"/>
+    <p:sldId id="366" r:id="rId75"/>
+    <p:sldId id="406" r:id="rId76"/>
+    <p:sldId id="407" r:id="rId77"/>
+    <p:sldId id="408" r:id="rId78"/>
+    <p:sldId id="405" r:id="rId79"/>
+    <p:sldId id="467" r:id="rId80"/>
+    <p:sldId id="409" r:id="rId81"/>
+    <p:sldId id="375" r:id="rId82"/>
   </p:sldIdLst>
   <p:sldSz cx="12192000" cy="6858000"/>
   <p:notesSz cx="7103745" cy="10234295"/>
@@ -4443,7 +4455,7 @@
       <p:grpSpPr/>
       <p:sp>
         <p:nvSpPr>
-          <p:cNvPr id="5" name="Title 4"/>
+          <p:cNvPr id="2" name="Title 1"/>
           <p:cNvSpPr>
             <a:spLocks noGrp="1"/>
           </p:cNvSpPr>
@@ -4457,17 +4469,98 @@
           <a:p>
             <a:r>
               <a:rPr lang="zh-CN" altLang="en-US"/>
-              <a:t>第</a:t>
-            </a:r>
-            <a:r>
-              <a:rPr lang="en-US" altLang="zh-CN"/>
-              <a:t>1</a:t>
-            </a:r>
-            <a:r>
-              <a:rPr lang="zh-CN" altLang="en-US"/>
-              <a:t>章：化简</a:t>
+              <a:t>整数加法：被优化成</a:t>
+            </a:r>
+            <a:r>
+              <a:rPr lang="en-US" altLang="zh-CN"/>
+              <a:t> leal </a:t>
+            </a:r>
+            <a:r>
+              <a:rPr lang="zh-CN" altLang="en-US"/>
+              <a:t>了</a:t>
             </a:r>
             <a:endParaRPr lang="zh-CN" altLang="en-US"/>
+          </a:p>
+        </p:txBody>
+      </p:sp>
+      <p:pic>
+        <p:nvPicPr>
+          <p:cNvPr id="5" name="Content Placeholder 4"/>
+          <p:cNvPicPr>
+            <a:picLocks noChangeAspect="1"/>
+          </p:cNvPicPr>
+          <p:nvPr>
+            <p:ph sz="half" idx="2"/>
+          </p:nvPr>
+        </p:nvPicPr>
+        <p:blipFill>
+          <a:blip r:embed="rId1"/>
+          <a:stretch>
+            <a:fillRect/>
+          </a:stretch>
+        </p:blipFill>
+        <p:spPr>
+          <a:xfrm>
+            <a:off x="6038850" y="2854325"/>
+            <a:ext cx="5066030" cy="2294255"/>
+          </a:xfrm>
+          <a:prstGeom prst="rect">
+            <a:avLst/>
+          </a:prstGeom>
+        </p:spPr>
+      </p:pic>
+      <p:pic>
+        <p:nvPicPr>
+          <p:cNvPr id="6" name="Content Placeholder 5"/>
+          <p:cNvPicPr>
+            <a:picLocks noChangeAspect="1"/>
+          </p:cNvPicPr>
+          <p:nvPr>
+            <p:ph sz="half" idx="1"/>
+          </p:nvPr>
+        </p:nvPicPr>
+        <p:blipFill>
+          <a:blip r:embed="rId2"/>
+          <a:stretch>
+            <a:fillRect/>
+          </a:stretch>
+        </p:blipFill>
+        <p:spPr>
+          <a:xfrm>
+            <a:off x="1121410" y="3436620"/>
+            <a:ext cx="4233545" cy="1129030"/>
+          </a:xfrm>
+          <a:prstGeom prst="rect">
+            <a:avLst/>
+          </a:prstGeom>
+        </p:spPr>
+      </p:pic>
+      <p:sp>
+        <p:nvSpPr>
+          <p:cNvPr id="10" name="Text Box 9"/>
+          <p:cNvSpPr txBox="1"/>
+          <p:nvPr/>
+        </p:nvSpPr>
+        <p:spPr>
+          <a:xfrm>
+            <a:off x="7371715" y="2486025"/>
+            <a:ext cx="2554605" cy="368300"/>
+          </a:xfrm>
+          <a:prstGeom prst="rect">
+            <a:avLst/>
+          </a:prstGeom>
+          <a:noFill/>
+        </p:spPr>
+        <p:txBody>
+          <a:bodyPr wrap="square" rtlCol="0">
+            <a:spAutoFit/>
+          </a:bodyPr>
+          <a:p>
+            <a:r>
+              <a:rPr lang="en-US"/>
+              <a:t>eax = rdi + rsi</a:t>
+            </a:r>
+            <a:endParaRPr lang="en-US"/>
           </a:p>
         </p:txBody>
       </p:sp>
@@ -4476,6 +4569,92 @@
   <p:clrMapOvr>
     <a:masterClrMapping/>
   </p:clrMapOvr>
+  <p:timing>
+    <p:tnLst>
+      <p:par>
+        <p:cTn id="1" dur="indefinite" restart="never" nodeType="tmRoot">
+          <p:childTnLst>
+            <p:seq concurrent="1" nextAc="seek">
+              <p:cTn id="2" dur="indefinite" nodeType="mainSeq">
+                <p:childTnLst>
+                  <p:par>
+                    <p:cTn id="3" fill="hold">
+                      <p:stCondLst>
+                        <p:cond delay="indefinite"/>
+                      </p:stCondLst>
+                      <p:childTnLst>
+                        <p:par>
+                          <p:cTn id="4" fill="hold">
+                            <p:stCondLst>
+                              <p:cond delay="0"/>
+                            </p:stCondLst>
+                            <p:childTnLst>
+                              <p:par>
+                                <p:cTn id="5" presetID="8" presetClass="entr" presetSubtype="16" fill="hold" grpId="0" nodeType="clickEffect">
+                                  <p:stCondLst>
+                                    <p:cond delay="0"/>
+                                  </p:stCondLst>
+                                  <p:childTnLst>
+                                    <p:set>
+                                      <p:cBhvr>
+                                        <p:cTn id="6" dur="500" fill="hold">
+                                          <p:stCondLst>
+                                            <p:cond delay="0"/>
+                                          </p:stCondLst>
+                                        </p:cTn>
+                                        <p:tgtEl>
+                                          <p:spTgt spid="10"/>
+                                        </p:tgtEl>
+                                        <p:attrNameLst>
+                                          <p:attrName>style.visibility</p:attrName>
+                                        </p:attrNameLst>
+                                      </p:cBhvr>
+                                      <p:to>
+                                        <p:strVal val="visible"/>
+                                      </p:to>
+                                    </p:set>
+                                    <p:animEffect transition="in" filter="diamond(in)">
+                                      <p:cBhvr>
+                                        <p:cTn id="7" dur="500"/>
+                                        <p:tgtEl>
+                                          <p:spTgt spid="10"/>
+                                        </p:tgtEl>
+                                      </p:cBhvr>
+                                    </p:animEffect>
+                                  </p:childTnLst>
+                                </p:cTn>
+                              </p:par>
+                            </p:childTnLst>
+                          </p:cTn>
+                        </p:par>
+                      </p:childTnLst>
+                    </p:cTn>
+                  </p:par>
+                </p:childTnLst>
+              </p:cTn>
+              <p:prevCondLst>
+                <p:cond evt="onPrev" delay="0">
+                  <p:tgtEl>
+                    <p:sldTgt/>
+                  </p:tgtEl>
+                </p:cond>
+              </p:prevCondLst>
+              <p:nextCondLst>
+                <p:cond evt="onNext" delay="0">
+                  <p:tgtEl>
+                    <p:sldTgt/>
+                  </p:tgtEl>
+                </p:cond>
+              </p:nextCondLst>
+            </p:seq>
+          </p:childTnLst>
+        </p:cTn>
+      </p:par>
+    </p:tnLst>
+    <p:bldLst>
+      <p:bldP spid="10" grpId="0"/>
+    </p:bldLst>
+  </p:timing>
 </p:sld>
 </file>
 
@@ -4505,7 +4684,11 @@
           <a:p>
             <a:r>
               <a:rPr lang="zh-CN" altLang="en-US"/>
-              <a:t>编译器优化：代数化简</a:t>
+              <a:t>整数加常数乘整数：都可以被优化成</a:t>
+            </a:r>
+            <a:r>
+              <a:rPr lang="en-US" altLang="zh-CN"/>
+              <a:t> leal</a:t>
             </a:r>
             <a:endParaRPr lang="zh-CN" altLang="en-US"/>
           </a:p>
@@ -4513,7 +4696,7 @@
       </p:sp>
       <p:pic>
         <p:nvPicPr>
-          <p:cNvPr id="5" name="Content Placeholder 4"/>
+          <p:cNvPr id="4" name="Content Placeholder 3"/>
           <p:cNvPicPr>
             <a:picLocks noChangeAspect="1"/>
           </p:cNvPicPr>
@@ -4529,8 +4712,8 @@
         </p:blipFill>
         <p:spPr>
           <a:xfrm>
-            <a:off x="814705" y="3027045"/>
-            <a:ext cx="4846320" cy="1948180"/>
+            <a:off x="882650" y="3423920"/>
+            <a:ext cx="4711065" cy="1154430"/>
           </a:xfrm>
           <a:prstGeom prst="rect">
             <a:avLst/>
@@ -4539,7 +4722,7 @@
       </p:pic>
       <p:pic>
         <p:nvPicPr>
-          <p:cNvPr id="6" name="Content Placeholder 5"/>
+          <p:cNvPr id="8" name="Content Placeholder 7"/>
           <p:cNvPicPr>
             <a:picLocks noChangeAspect="1"/>
           </p:cNvPicPr>
@@ -4555,19 +4738,225 @@
         </p:blipFill>
         <p:spPr>
           <a:xfrm>
-            <a:off x="5898515" y="2806700"/>
-            <a:ext cx="5346700" cy="2388870"/>
+            <a:off x="6096000" y="2875915"/>
+            <a:ext cx="4953000" cy="2250440"/>
           </a:xfrm>
           <a:prstGeom prst="rect">
             <a:avLst/>
           </a:prstGeom>
         </p:spPr>
       </p:pic>
+      <p:sp>
+        <p:nvSpPr>
+          <p:cNvPr id="9" name="Text Box 8"/>
+          <p:cNvSpPr txBox="1"/>
+          <p:nvPr/>
+        </p:nvSpPr>
+        <p:spPr>
+          <a:xfrm>
+            <a:off x="2094230" y="1798320"/>
+            <a:ext cx="3188335" cy="1476375"/>
+          </a:xfrm>
+          <a:prstGeom prst="rect">
+            <a:avLst/>
+          </a:prstGeom>
+          <a:noFill/>
+        </p:spPr>
+        <p:txBody>
+          <a:bodyPr wrap="square" rtlCol="0">
+            <a:spAutoFit/>
+          </a:bodyPr>
+          <a:p>
+            <a:r>
+              <a:rPr lang="zh-CN" altLang="en-US"/>
+              <a:t>因为这种线性变换在地址索引中很常见，所以被做成了单独一个指令。这里尽管不是地址，但同样可以利用</a:t>
+            </a:r>
+            <a:r>
+              <a:rPr lang="en-US" altLang="zh-CN"/>
+              <a:t> lea </a:t>
+            </a:r>
+            <a:r>
+              <a:rPr lang="zh-CN" altLang="en-US"/>
+              <a:t>指令简化生成的代码大小。</a:t>
+            </a:r>
+            <a:endParaRPr lang="zh-CN" altLang="en-US"/>
+          </a:p>
+        </p:txBody>
+      </p:sp>
+      <p:sp>
+        <p:nvSpPr>
+          <p:cNvPr id="10" name="Text Box 9"/>
+          <p:cNvSpPr txBox="1"/>
+          <p:nvPr/>
+        </p:nvSpPr>
+        <p:spPr>
+          <a:xfrm>
+            <a:off x="7095490" y="2507615"/>
+            <a:ext cx="3188335" cy="368300"/>
+          </a:xfrm>
+          <a:prstGeom prst="rect">
+            <a:avLst/>
+          </a:prstGeom>
+          <a:noFill/>
+        </p:spPr>
+        <p:txBody>
+          <a:bodyPr wrap="square" rtlCol="0">
+            <a:spAutoFit/>
+          </a:bodyPr>
+          <a:p>
+            <a:r>
+              <a:rPr lang="en-US"/>
+              <a:t>eax = rdi + rsi * 8</a:t>
+            </a:r>
+            <a:endParaRPr lang="en-US"/>
+          </a:p>
+        </p:txBody>
+      </p:sp>
     </p:spTree>
   </p:cSld>
   <p:clrMapOvr>
     <a:masterClrMapping/>
   </p:clrMapOvr>
+  <p:timing>
+    <p:tnLst>
+      <p:par>
+        <p:cTn id="1" dur="indefinite" restart="never" nodeType="tmRoot">
+          <p:childTnLst>
+            <p:seq concurrent="1" nextAc="seek">
+              <p:cTn id="2" dur="indefinite" nodeType="mainSeq">
+                <p:childTnLst>
+                  <p:par>
+                    <p:cTn id="3" fill="hold">
+                      <p:stCondLst>
+                        <p:cond delay="indefinite"/>
+                      </p:stCondLst>
+                      <p:childTnLst>
+                        <p:par>
+                          <p:cTn id="4" fill="hold">
+                            <p:stCondLst>
+                              <p:cond delay="0"/>
+                            </p:stCondLst>
+                            <p:childTnLst>
+                              <p:par>
+                                <p:cTn id="5" presetID="8" presetClass="entr" presetSubtype="16" fill="hold" grpId="0" nodeType="clickEffect">
+                                  <p:stCondLst>
+                                    <p:cond delay="0"/>
+                                  </p:stCondLst>
+                                  <p:childTnLst>
+                                    <p:set>
+                                      <p:cBhvr>
+                                        <p:cTn id="6" dur="500" fill="hold">
+                                          <p:stCondLst>
+                                            <p:cond delay="0"/>
+                                          </p:stCondLst>
+                                        </p:cTn>
+                                        <p:tgtEl>
+                                          <p:spTgt spid="10"/>
+                                        </p:tgtEl>
+                                        <p:attrNameLst>
+                                          <p:attrName>style.visibility</p:attrName>
+                                        </p:attrNameLst>
+                                      </p:cBhvr>
+                                      <p:to>
+                                        <p:strVal val="visible"/>
+                                      </p:to>
+                                    </p:set>
+                                    <p:animEffect transition="in" filter="diamond(in)">
+                                      <p:cBhvr>
+                                        <p:cTn id="7" dur="500"/>
+                                        <p:tgtEl>
+                                          <p:spTgt spid="10"/>
+                                        </p:tgtEl>
+                                      </p:cBhvr>
+                                    </p:animEffect>
+                                  </p:childTnLst>
+                                </p:cTn>
+                              </p:par>
+                            </p:childTnLst>
+                          </p:cTn>
+                        </p:par>
+                      </p:childTnLst>
+                    </p:cTn>
+                  </p:par>
+                  <p:par>
+                    <p:cTn id="8" fill="hold">
+                      <p:stCondLst>
+                        <p:cond delay="indefinite"/>
+                      </p:stCondLst>
+                      <p:childTnLst>
+                        <p:par>
+                          <p:cTn id="9" fill="hold">
+                            <p:stCondLst>
+                              <p:cond delay="0"/>
+                            </p:stCondLst>
+                            <p:childTnLst>
+                              <p:par>
+                                <p:cTn id="10" presetID="8" presetClass="entr" presetSubtype="16" fill="hold" grpId="0" nodeType="clickEffect">
+                                  <p:stCondLst>
+                                    <p:cond delay="0"/>
+                                  </p:stCondLst>
+                                  <p:childTnLst>
+                                    <p:set>
+                                      <p:cBhvr>
+                                        <p:cTn id="11" dur="500" fill="hold">
+                                          <p:stCondLst>
+                                            <p:cond delay="0"/>
+                                          </p:stCondLst>
+                                        </p:cTn>
+                                        <p:tgtEl>
+                                          <p:spTgt spid="9"/>
+                                        </p:tgtEl>
+                                        <p:attrNameLst>
+                                          <p:attrName>style.visibility</p:attrName>
+                                        </p:attrNameLst>
+                                      </p:cBhvr>
+                                      <p:to>
+                                        <p:strVal val="visible"/>
+                                      </p:to>
+                                    </p:set>
+                                    <p:animEffect transition="in" filter="diamond(in)">
+                                      <p:cBhvr>
+                                        <p:cTn id="12" dur="500"/>
+                                        <p:tgtEl>
+                                          <p:spTgt spid="9"/>
+                                        </p:tgtEl>
+                                      </p:cBhvr>
+                                    </p:animEffect>
+                                  </p:childTnLst>
+                                </p:cTn>
+                              </p:par>
+                            </p:childTnLst>
+                          </p:cTn>
+                        </p:par>
+                      </p:childTnLst>
+                    </p:cTn>
+                  </p:par>
+                </p:childTnLst>
+              </p:cTn>
+              <p:prevCondLst>
+                <p:cond evt="onPrev" delay="0">
+                  <p:tgtEl>
+                    <p:sldTgt/>
+                  </p:tgtEl>
+                </p:cond>
+              </p:prevCondLst>
+              <p:nextCondLst>
+                <p:cond evt="onNext" delay="0">
+                  <p:tgtEl>
+                    <p:sldTgt/>
+                  </p:tgtEl>
+                </p:cond>
+              </p:nextCondLst>
+            </p:seq>
+          </p:childTnLst>
+        </p:cTn>
+      </p:par>
+    </p:tnLst>
+    <p:bldLst>
+      <p:bldP spid="9" grpId="0"/>
+      <p:bldP spid="10" grpId="0"/>
+    </p:bldLst>
+  </p:timing>
 </p:sld>
 </file>
 
@@ -4597,7 +4986,7 @@
           <a:p>
             <a:r>
               <a:rPr lang="zh-CN" altLang="en-US"/>
-              <a:t>编译器优化：常量折叠</a:t>
+              <a:t>指针访问对象：线性访问地址</a:t>
             </a:r>
             <a:endParaRPr lang="zh-CN" altLang="en-US"/>
           </a:p>
@@ -4605,12 +4994,12 @@
       </p:sp>
       <p:pic>
         <p:nvPicPr>
-          <p:cNvPr id="4" name="Content Placeholder 3"/>
+          <p:cNvPr id="5" name="Content Placeholder 4"/>
           <p:cNvPicPr>
             <a:picLocks noChangeAspect="1"/>
           </p:cNvPicPr>
           <p:nvPr>
-            <p:ph sz="half" idx="1"/>
+            <p:ph sz="half" idx="2"/>
           </p:nvPr>
         </p:nvPicPr>
         <p:blipFill>
@@ -4621,22 +5010,111 @@
         </p:blipFill>
         <p:spPr>
           <a:xfrm>
-            <a:off x="1082675" y="2858770"/>
-            <a:ext cx="4311015" cy="2284730"/>
+            <a:off x="6481445" y="2500630"/>
+            <a:ext cx="4182110" cy="3001010"/>
           </a:xfrm>
           <a:prstGeom prst="rect">
             <a:avLst/>
           </a:prstGeom>
         </p:spPr>
       </p:pic>
+      <p:sp>
+        <p:nvSpPr>
+          <p:cNvPr id="10" name="Text Box 9"/>
+          <p:cNvSpPr txBox="1"/>
+          <p:nvPr/>
+        </p:nvSpPr>
+        <p:spPr>
+          <a:xfrm>
+            <a:off x="7115810" y="1855470"/>
+            <a:ext cx="3188335" cy="645160"/>
+          </a:xfrm>
+          <a:prstGeom prst="rect">
+            <a:avLst/>
+          </a:prstGeom>
+          <a:noFill/>
+        </p:spPr>
+        <p:txBody>
+          <a:bodyPr wrap="square" rtlCol="0">
+            <a:spAutoFit/>
+          </a:bodyPr>
+          <a:p>
+            <a:r>
+              <a:rPr lang="en-US"/>
+              <a:t>rsi = (int64_t)esi</a:t>
+            </a:r>
+            <a:endParaRPr lang="en-US"/>
+          </a:p>
+          <a:p>
+            <a:r>
+              <a:rPr lang="en-US"/>
+              <a:t>eax = *(int *)(rdi + rsi * 4)</a:t>
+            </a:r>
+            <a:endParaRPr lang="en-US"/>
+          </a:p>
+        </p:txBody>
+      </p:sp>
+      <p:sp>
+        <p:nvSpPr>
+          <p:cNvPr id="9" name="Text Box 8"/>
+          <p:cNvSpPr txBox="1"/>
+          <p:nvPr/>
+        </p:nvSpPr>
+        <p:spPr>
+          <a:xfrm>
+            <a:off x="6978650" y="808990"/>
+            <a:ext cx="3188335" cy="645160"/>
+          </a:xfrm>
+          <a:prstGeom prst="rect">
+            <a:avLst/>
+          </a:prstGeom>
+          <a:noFill/>
+        </p:spPr>
+        <p:txBody>
+          <a:bodyPr wrap="square" rtlCol="0">
+            <a:spAutoFit/>
+          </a:bodyPr>
+          <a:p>
+            <a:r>
+              <a:rPr lang="zh-CN" altLang="en-US"/>
+              <a:t>为什么乘以</a:t>
+            </a:r>
+            <a:r>
+              <a:rPr lang="en-US" altLang="zh-CN"/>
+              <a:t> 4</a:t>
+            </a:r>
+            <a:r>
+              <a:rPr lang="zh-CN" altLang="en-US"/>
+              <a:t>？因为访问的对象，</a:t>
+            </a:r>
+            <a:r>
+              <a:rPr lang="en-US" altLang="zh-CN"/>
+              <a:t>int </a:t>
+            </a:r>
+            <a:r>
+              <a:rPr lang="zh-CN" altLang="en-US"/>
+              <a:t>的大小是</a:t>
+            </a:r>
+            <a:r>
+              <a:rPr lang="en-US" altLang="zh-CN"/>
+              <a:t> 4</a:t>
+            </a:r>
+            <a:r>
+              <a:rPr lang="zh-CN" altLang="en-US"/>
+              <a:t>。</a:t>
+            </a:r>
+            <a:endParaRPr lang="zh-CN" altLang="en-US"/>
+          </a:p>
+        </p:txBody>
+      </p:sp>
       <p:pic>
         <p:nvPicPr>
-          <p:cNvPr id="8" name="Content Placeholder 7"/>
+          <p:cNvPr id="6" name="Content Placeholder 5"/>
           <p:cNvPicPr>
             <a:picLocks noChangeAspect="1"/>
           </p:cNvPicPr>
           <p:nvPr>
-            <p:ph sz="half" idx="2"/>
+            <p:ph sz="half" idx="1"/>
           </p:nvPr>
         </p:nvPicPr>
         <p:blipFill>
@@ -4647,8 +5125,8 @@
         </p:blipFill>
         <p:spPr>
           <a:xfrm>
-            <a:off x="6245225" y="2616200"/>
-            <a:ext cx="4653280" cy="2769870"/>
+            <a:off x="1001395" y="3383280"/>
+            <a:ext cx="4473575" cy="1235710"/>
           </a:xfrm>
           <a:prstGeom prst="rect">
             <a:avLst/>
@@ -4660,6 +5138,146 @@
   <p:clrMapOvr>
     <a:masterClrMapping/>
   </p:clrMapOvr>
+  <p:timing>
+    <p:tnLst>
+      <p:par>
+        <p:cTn id="1" dur="indefinite" restart="never" nodeType="tmRoot">
+          <p:childTnLst>
+            <p:seq concurrent="1" nextAc="seek">
+              <p:cTn id="2" dur="indefinite" nodeType="mainSeq">
+                <p:childTnLst>
+                  <p:par>
+                    <p:cTn id="3" fill="hold">
+                      <p:stCondLst>
+                        <p:cond delay="indefinite"/>
+                      </p:stCondLst>
+                      <p:childTnLst>
+                        <p:par>
+                          <p:cTn id="4" fill="hold">
+                            <p:stCondLst>
+                              <p:cond delay="0"/>
+                            </p:stCondLst>
+                            <p:childTnLst>
+                              <p:par>
+                                <p:cTn id="5" presetID="8" presetClass="entr" presetSubtype="16" fill="hold" grpId="0" nodeType="clickEffect">
+                                  <p:stCondLst>
+                                    <p:cond delay="0"/>
+                                  </p:stCondLst>
+                                  <p:childTnLst>
+                                    <p:set>
+                                      <p:cBhvr>
+                                        <p:cTn id="6" dur="500" fill="hold">
+                                          <p:stCondLst>
+                                            <p:cond delay="0"/>
+                                          </p:stCondLst>
+                                        </p:cTn>
+                                        <p:tgtEl>
+                                          <p:spTgt spid="10"/>
+                                        </p:tgtEl>
+                                        <p:attrNameLst>
+                                          <p:attrName>style.visibility</p:attrName>
+                                        </p:attrNameLst>
+                                      </p:cBhvr>
+                                      <p:to>
+                                        <p:strVal val="visible"/>
+                                      </p:to>
+                                    </p:set>
+                                    <p:animEffect transition="in" filter="diamond(in)">
+                                      <p:cBhvr>
+                                        <p:cTn id="7" dur="500"/>
+                                        <p:tgtEl>
+                                          <p:spTgt spid="10"/>
+                                        </p:tgtEl>
+                                      </p:cBhvr>
+                                    </p:animEffect>
+                                  </p:childTnLst>
+                                </p:cTn>
+                              </p:par>
+                            </p:childTnLst>
+                          </p:cTn>
+                        </p:par>
+                      </p:childTnLst>
+                    </p:cTn>
+                  </p:par>
+                  <p:par>
+                    <p:cTn id="8" fill="hold">
+                      <p:stCondLst>
+                        <p:cond delay="indefinite"/>
+                      </p:stCondLst>
+                      <p:childTnLst>
+                        <p:par>
+                          <p:cTn id="9" fill="hold">
+                            <p:stCondLst>
+                              <p:cond delay="0"/>
+                            </p:stCondLst>
+                            <p:childTnLst>
+                              <p:par>
+                                <p:cTn id="10" presetID="8" presetClass="entr" presetSubtype="16" fill="hold" grpId="0" nodeType="clickEffect">
+                                  <p:stCondLst>
+                                    <p:cond delay="0"/>
+                                  </p:stCondLst>
+                                  <p:childTnLst>
+                                    <p:set>
+                                      <p:cBhvr>
+                                        <p:cTn id="11" dur="500" fill="hold">
+                                          <p:stCondLst>
+                                            <p:cond delay="0"/>
+                                          </p:stCondLst>
+                                        </p:cTn>
+                                        <p:tgtEl>
+                                          <p:spTgt spid="9"/>
+                                        </p:tgtEl>
+                                        <p:attrNameLst>
+                                          <p:attrName>style.visibility</p:attrName>
+                                        </p:attrNameLst>
+                                      </p:cBhvr>
+                                      <p:to>
+                                        <p:strVal val="visible"/>
+                                      </p:to>
+                                    </p:set>
+                                    <p:animEffect transition="in" filter="diamond(in)">
+                                      <p:cBhvr>
+                                        <p:cTn id="12" dur="500"/>
+                                        <p:tgtEl>
+                                          <p:spTgt spid="9"/>
+                                        </p:tgtEl>
+                                      </p:cBhvr>
+                                    </p:animEffect>
+                                  </p:childTnLst>
+                                </p:cTn>
+                              </p:par>
+                            </p:childTnLst>
+                          </p:cTn>
+                        </p:par>
+                      </p:childTnLst>
+                    </p:cTn>
+                  </p:par>
+                </p:childTnLst>
+              </p:cTn>
+              <p:prevCondLst>
+                <p:cond evt="onPrev" delay="0">
+                  <p:tgtEl>
+                    <p:sldTgt/>
+                  </p:tgtEl>
+                </p:cond>
+              </p:prevCondLst>
+              <p:nextCondLst>
+                <p:cond evt="onNext" delay="0">
+                  <p:tgtEl>
+                    <p:sldTgt/>
+                  </p:tgtEl>
+                </p:cond>
+              </p:nextCondLst>
+            </p:seq>
+          </p:childTnLst>
+        </p:cTn>
+      </p:par>
+    </p:tnLst>
+    <p:bldLst>
+      <p:bldP spid="10" grpId="0"/>
+      <p:bldP spid="9" grpId="0"/>
+    </p:bldLst>
+  </p:timing>
 </p:sld>
 </file>
 
@@ -4689,7 +5307,175 @@
           <a:p>
             <a:r>
               <a:rPr lang="zh-CN" altLang="en-US"/>
-              <a:t>编译器优化：举个例子</a:t>
+              <a:t>指针的索引：尽量用</a:t>
+            </a:r>
+            <a:r>
+              <a:rPr lang="en-US" altLang="zh-CN"/>
+              <a:t> size_t</a:t>
+            </a:r>
+            <a:endParaRPr lang="en-US" altLang="zh-CN"/>
+          </a:p>
+        </p:txBody>
+      </p:sp>
+      <p:sp>
+        <p:nvSpPr>
+          <p:cNvPr id="10" name="Text Box 9"/>
+          <p:cNvSpPr txBox="1"/>
+          <p:nvPr/>
+        </p:nvSpPr>
+        <p:spPr>
+          <a:xfrm>
+            <a:off x="7115810" y="2132330"/>
+            <a:ext cx="3188335" cy="368300"/>
+          </a:xfrm>
+          <a:prstGeom prst="rect">
+            <a:avLst/>
+          </a:prstGeom>
+          <a:noFill/>
+        </p:spPr>
+        <p:txBody>
+          <a:bodyPr wrap="square" rtlCol="0">
+            <a:spAutoFit/>
+          </a:bodyPr>
+          <a:p>
+            <a:r>
+              <a:rPr lang="en-US"/>
+              <a:t>eax = *(int *)(rdi + rsi * 4)</a:t>
+            </a:r>
+            <a:endParaRPr lang="en-US"/>
+          </a:p>
+        </p:txBody>
+      </p:sp>
+      <p:sp>
+        <p:nvSpPr>
+          <p:cNvPr id="9" name="Text Box 8"/>
+          <p:cNvSpPr txBox="1"/>
+          <p:nvPr/>
+        </p:nvSpPr>
+        <p:spPr>
+          <a:xfrm>
+            <a:off x="6356985" y="258445"/>
+            <a:ext cx="4430395" cy="1753235"/>
+          </a:xfrm>
+          <a:prstGeom prst="rect">
+            <a:avLst/>
+          </a:prstGeom>
+          <a:noFill/>
+        </p:spPr>
+        <p:txBody>
+          <a:bodyPr wrap="square" rtlCol="0">
+            <a:spAutoFit/>
+          </a:bodyPr>
+          <a:p>
+            <a:r>
+              <a:rPr lang="en-US"/>
+              <a:t>size_t </a:t>
+            </a:r>
+            <a:r>
+              <a:rPr lang="zh-CN" altLang="en-US"/>
+              <a:t>在</a:t>
+            </a:r>
+            <a:r>
+              <a:rPr lang="en-US" altLang="zh-CN"/>
+              <a:t> 64 </a:t>
+            </a:r>
+            <a:r>
+              <a:rPr lang="zh-CN" altLang="en-US"/>
+              <a:t>位系统上相当于</a:t>
+            </a:r>
+            <a:r>
+              <a:rPr lang="en-US" altLang="zh-CN"/>
+              <a:t> uint64_t</a:t>
+            </a:r>
+            <a:endParaRPr lang="en-US" altLang="zh-CN"/>
+          </a:p>
+          <a:p>
+            <a:r>
+              <a:rPr lang="en-US">
+                <a:sym typeface="+mn-ea"/>
+              </a:rPr>
+              <a:t>size_t </a:t>
+            </a:r>
+            <a:r>
+              <a:rPr lang="zh-CN" altLang="en-US">
+                <a:sym typeface="+mn-ea"/>
+              </a:rPr>
+              <a:t>在</a:t>
+            </a:r>
+            <a:r>
+              <a:rPr lang="en-US" altLang="zh-CN">
+                <a:sym typeface="+mn-ea"/>
+              </a:rPr>
+              <a:t> 32 </a:t>
+            </a:r>
+            <a:r>
+              <a:rPr lang="zh-CN" altLang="en-US">
+                <a:sym typeface="+mn-ea"/>
+              </a:rPr>
+              <a:t>位系统上相当于</a:t>
+            </a:r>
+            <a:r>
+              <a:rPr lang="en-US" altLang="zh-CN">
+                <a:sym typeface="+mn-ea"/>
+              </a:rPr>
+              <a:t> uint32_t</a:t>
+            </a:r>
+            <a:endParaRPr lang="en-US" altLang="zh-CN">
+              <a:sym typeface="+mn-ea"/>
+            </a:endParaRPr>
+          </a:p>
+          <a:p>
+            <a:r>
+              <a:rPr lang="zh-CN" altLang="en-US"/>
+              <a:t>从而不需要用</a:t>
+            </a:r>
+            <a:r>
+              <a:rPr lang="en-US" altLang="zh-CN"/>
+              <a:t> movslq </a:t>
+            </a:r>
+            <a:r>
+              <a:rPr lang="zh-CN" altLang="en-US"/>
+              <a:t>从</a:t>
+            </a:r>
+            <a:r>
+              <a:rPr lang="en-US" altLang="zh-CN"/>
+              <a:t> 32 </a:t>
+            </a:r>
+            <a:r>
+              <a:rPr lang="zh-CN" altLang="en-US"/>
+              <a:t>位符号扩展到</a:t>
+            </a:r>
+            <a:r>
+              <a:rPr lang="en-US" altLang="zh-CN"/>
+              <a:t> 64 </a:t>
+            </a:r>
+            <a:r>
+              <a:rPr lang="zh-CN" altLang="en-US"/>
+              <a:t>位，更高效。而且也能处理数组大小超过</a:t>
+            </a:r>
+            <a:r>
+              <a:rPr lang="en-US" altLang="zh-CN"/>
+              <a:t> INT_MAX </a:t>
+            </a:r>
+            <a:r>
+              <a:rPr lang="zh-CN" altLang="en-US"/>
+              <a:t>的情况，推荐始终</a:t>
+            </a:r>
+            <a:r>
+              <a:rPr lang="zh-CN" altLang="en-US" b="1"/>
+              <a:t>用</a:t>
+            </a:r>
+            <a:r>
+              <a:rPr lang="en-US" altLang="zh-CN" b="1"/>
+              <a:t> size_t </a:t>
+            </a:r>
+            <a:r>
+              <a:rPr lang="zh-CN" altLang="en-US" b="1"/>
+              <a:t>表示数组大小和索引</a:t>
+            </a:r>
+            <a:r>
+              <a:rPr lang="zh-CN" altLang="en-US"/>
+              <a:t>。</a:t>
             </a:r>
             <a:endParaRPr lang="zh-CN" altLang="en-US"/>
           </a:p>
@@ -4697,12 +5483,12 @@
       </p:sp>
       <p:pic>
         <p:nvPicPr>
-          <p:cNvPr id="5" name="Content Placeholder 4"/>
+          <p:cNvPr id="4" name="Content Placeholder 3"/>
           <p:cNvPicPr>
             <a:picLocks noChangeAspect="1"/>
           </p:cNvPicPr>
           <p:nvPr>
-            <p:ph sz="half" idx="2"/>
+            <p:ph sz="half" idx="1"/>
           </p:nvPr>
         </p:nvPicPr>
         <p:blipFill>
@@ -4713,8 +5499,617 @@
         </p:blipFill>
         <p:spPr>
           <a:xfrm>
-            <a:off x="6172835" y="2554605"/>
-            <a:ext cx="4799330" cy="2893060"/>
+            <a:off x="643890" y="3211195"/>
+            <a:ext cx="5188585" cy="1579880"/>
+          </a:xfrm>
+          <a:prstGeom prst="rect">
+            <a:avLst/>
+          </a:prstGeom>
+        </p:spPr>
+      </p:pic>
+      <p:pic>
+        <p:nvPicPr>
+          <p:cNvPr id="8" name="Content Placeholder 7"/>
+          <p:cNvPicPr>
+            <a:picLocks noChangeAspect="1"/>
+          </p:cNvPicPr>
+          <p:nvPr>
+            <p:ph sz="half" idx="2"/>
+          </p:nvPr>
+        </p:nvPicPr>
+        <p:blipFill>
+          <a:blip r:embed="rId2"/>
+          <a:stretch>
+            <a:fillRect/>
+          </a:stretch>
+        </p:blipFill>
+        <p:spPr>
+          <a:xfrm>
+            <a:off x="6029960" y="2524125"/>
+            <a:ext cx="5084445" cy="2954020"/>
+          </a:xfrm>
+          <a:prstGeom prst="rect">
+            <a:avLst/>
+          </a:prstGeom>
+        </p:spPr>
+      </p:pic>
+    </p:spTree>
+  </p:cSld>
+  <p:clrMapOvr>
+    <a:masterClrMapping/>
+  </p:clrMapOvr>
+  <p:timing>
+    <p:tnLst>
+      <p:par>
+        <p:cTn id="1" dur="indefinite" restart="never" nodeType="tmRoot">
+          <p:childTnLst>
+            <p:seq concurrent="1" nextAc="seek">
+              <p:cTn id="2" dur="indefinite" nodeType="mainSeq">
+                <p:childTnLst>
+                  <p:par>
+                    <p:cTn id="3" fill="hold">
+                      <p:stCondLst>
+                        <p:cond delay="indefinite"/>
+                      </p:stCondLst>
+                      <p:childTnLst>
+                        <p:par>
+                          <p:cTn id="4" fill="hold">
+                            <p:stCondLst>
+                              <p:cond delay="0"/>
+                            </p:stCondLst>
+                            <p:childTnLst>
+                              <p:par>
+                                <p:cTn id="5" presetID="8" presetClass="entr" presetSubtype="16" fill="hold" grpId="0" nodeType="clickEffect">
+                                  <p:stCondLst>
+                                    <p:cond delay="0"/>
+                                  </p:stCondLst>
+                                  <p:childTnLst>
+                                    <p:set>
+                                      <p:cBhvr>
+                                        <p:cTn id="6" dur="500" fill="hold">
+                                          <p:stCondLst>
+                                            <p:cond delay="0"/>
+                                          </p:stCondLst>
+                                        </p:cTn>
+                                        <p:tgtEl>
+                                          <p:spTgt spid="10"/>
+                                        </p:tgtEl>
+                                        <p:attrNameLst>
+                                          <p:attrName>style.visibility</p:attrName>
+                                        </p:attrNameLst>
+                                      </p:cBhvr>
+                                      <p:to>
+                                        <p:strVal val="visible"/>
+                                      </p:to>
+                                    </p:set>
+                                    <p:animEffect transition="in" filter="diamond(in)">
+                                      <p:cBhvr>
+                                        <p:cTn id="7" dur="500"/>
+                                        <p:tgtEl>
+                                          <p:spTgt spid="10"/>
+                                        </p:tgtEl>
+                                      </p:cBhvr>
+                                    </p:animEffect>
+                                  </p:childTnLst>
+                                </p:cTn>
+                              </p:par>
+                            </p:childTnLst>
+                          </p:cTn>
+                        </p:par>
+                      </p:childTnLst>
+                    </p:cTn>
+                  </p:par>
+                  <p:par>
+                    <p:cTn id="8" fill="hold">
+                      <p:stCondLst>
+                        <p:cond delay="indefinite"/>
+                      </p:stCondLst>
+                      <p:childTnLst>
+                        <p:par>
+                          <p:cTn id="9" fill="hold">
+                            <p:stCondLst>
+                              <p:cond delay="0"/>
+                            </p:stCondLst>
+                            <p:childTnLst>
+                              <p:par>
+                                <p:cTn id="10" presetID="8" presetClass="entr" presetSubtype="16" fill="hold" grpId="0" nodeType="clickEffect">
+                                  <p:stCondLst>
+                                    <p:cond delay="0"/>
+                                  </p:stCondLst>
+                                  <p:childTnLst>
+                                    <p:set>
+                                      <p:cBhvr>
+                                        <p:cTn id="11" dur="500" fill="hold">
+                                          <p:stCondLst>
+                                            <p:cond delay="0"/>
+                                          </p:stCondLst>
+                                        </p:cTn>
+                                        <p:tgtEl>
+                                          <p:spTgt spid="9"/>
+                                        </p:tgtEl>
+                                        <p:attrNameLst>
+                                          <p:attrName>style.visibility</p:attrName>
+                                        </p:attrNameLst>
+                                      </p:cBhvr>
+                                      <p:to>
+                                        <p:strVal val="visible"/>
+                                      </p:to>
+                                    </p:set>
+                                    <p:animEffect transition="in" filter="diamond(in)">
+                                      <p:cBhvr>
+                                        <p:cTn id="12" dur="500"/>
+                                        <p:tgtEl>
+                                          <p:spTgt spid="9"/>
+                                        </p:tgtEl>
+                                      </p:cBhvr>
+                                    </p:animEffect>
+                                  </p:childTnLst>
+                                </p:cTn>
+                              </p:par>
+                            </p:childTnLst>
+                          </p:cTn>
+                        </p:par>
+                      </p:childTnLst>
+                    </p:cTn>
+                  </p:par>
+                </p:childTnLst>
+              </p:cTn>
+              <p:prevCondLst>
+                <p:cond evt="onPrev" delay="0">
+                  <p:tgtEl>
+                    <p:sldTgt/>
+                  </p:tgtEl>
+                </p:cond>
+              </p:prevCondLst>
+              <p:nextCondLst>
+                <p:cond evt="onNext" delay="0">
+                  <p:tgtEl>
+                    <p:sldTgt/>
+                  </p:tgtEl>
+                </p:cond>
+              </p:nextCondLst>
+            </p:seq>
+          </p:childTnLst>
+        </p:cTn>
+      </p:par>
+    </p:tnLst>
+    <p:bldLst>
+      <p:bldP spid="10" grpId="0"/>
+      <p:bldP spid="9" grpId="0"/>
+    </p:bldLst>
+  </p:timing>
+</p:sld>
+</file>
+
+<file path=ppt/slides/slide17.xml><?xml version="1.0" encoding="utf-8"?>
+<p:sld xmlns:a="http://schemas.openxmlformats.org/drawingml/2006/main" xmlns:r="http://schemas.openxmlformats.org/officeDocument/2006/relationships" xmlns:p="http://schemas.openxmlformats.org/presentationml/2006/main">
+  <p:cSld>
+    <p:spTree>
+      <p:nvGrpSpPr>
+        <p:cNvPr id="1" name=""/>
+        <p:cNvGrpSpPr/>
+        <p:nvPr/>
+      </p:nvGrpSpPr>
+      <p:grpSpPr/>
+      <p:sp>
+        <p:nvSpPr>
+          <p:cNvPr id="2" name="Title 1"/>
+          <p:cNvSpPr>
+            <a:spLocks noGrp="1"/>
+          </p:cNvSpPr>
+          <p:nvPr>
+            <p:ph type="title"/>
+          </p:nvPr>
+        </p:nvSpPr>
+        <p:spPr/>
+        <p:txBody>
+          <a:bodyPr/>
+          <a:p>
+            <a:r>
+              <a:rPr lang="zh-CN" altLang="en-US"/>
+              <a:t>浮点作为参数和返回：</a:t>
+            </a:r>
+            <a:r>
+              <a:rPr lang="en-US" altLang="zh-CN"/>
+              <a:t>xmm </a:t>
+            </a:r>
+            <a:r>
+              <a:rPr lang="zh-CN" altLang="en-US"/>
+              <a:t>系列寄存器</a:t>
+            </a:r>
+            <a:endParaRPr lang="zh-CN" altLang="en-US"/>
+          </a:p>
+        </p:txBody>
+      </p:sp>
+      <p:sp>
+        <p:nvSpPr>
+          <p:cNvPr id="10" name="Text Box 9"/>
+          <p:cNvSpPr txBox="1"/>
+          <p:nvPr/>
+        </p:nvSpPr>
+        <p:spPr>
+          <a:xfrm>
+            <a:off x="7115810" y="2132330"/>
+            <a:ext cx="3188335" cy="368300"/>
+          </a:xfrm>
+          <a:prstGeom prst="rect">
+            <a:avLst/>
+          </a:prstGeom>
+          <a:noFill/>
+        </p:spPr>
+        <p:txBody>
+          <a:bodyPr wrap="square" rtlCol="0">
+            <a:spAutoFit/>
+          </a:bodyPr>
+          <a:p>
+            <a:r>
+              <a:rPr lang="en-US"/>
+              <a:t>xmm0 = xmm0 + xmm1</a:t>
+            </a:r>
+            <a:endParaRPr lang="en-US"/>
+          </a:p>
+        </p:txBody>
+      </p:sp>
+      <p:pic>
+        <p:nvPicPr>
+          <p:cNvPr id="4" name="Content Placeholder 3"/>
+          <p:cNvPicPr>
+            <a:picLocks noChangeAspect="1"/>
+          </p:cNvPicPr>
+          <p:nvPr>
+            <p:ph sz="half" idx="1"/>
+          </p:nvPr>
+        </p:nvPicPr>
+        <p:blipFill>
+          <a:blip r:embed="rId1"/>
+          <a:stretch>
+            <a:fillRect/>
+          </a:stretch>
+        </p:blipFill>
+        <p:spPr>
+          <a:xfrm>
+            <a:off x="1015365" y="3488690"/>
+            <a:ext cx="4096385" cy="902970"/>
+          </a:xfrm>
+          <a:prstGeom prst="rect">
+            <a:avLst/>
+          </a:prstGeom>
+        </p:spPr>
+      </p:pic>
+      <p:pic>
+        <p:nvPicPr>
+          <p:cNvPr id="8" name="Content Placeholder 7"/>
+          <p:cNvPicPr>
+            <a:picLocks noChangeAspect="1"/>
+          </p:cNvPicPr>
+          <p:nvPr>
+            <p:ph sz="half" idx="2"/>
+          </p:nvPr>
+        </p:nvPicPr>
+        <p:blipFill>
+          <a:blip r:embed="rId2"/>
+          <a:stretch>
+            <a:fillRect/>
+          </a:stretch>
+        </p:blipFill>
+        <p:spPr>
+          <a:xfrm>
+            <a:off x="6199505" y="2630805"/>
+            <a:ext cx="4744720" cy="2740660"/>
+          </a:xfrm>
+          <a:prstGeom prst="rect">
+            <a:avLst/>
+          </a:prstGeom>
+        </p:spPr>
+      </p:pic>
+      <p:sp>
+        <p:nvSpPr>
+          <p:cNvPr id="11" name="Text Box 10"/>
+          <p:cNvSpPr txBox="1"/>
+          <p:nvPr/>
+        </p:nvSpPr>
+        <p:spPr>
+          <a:xfrm>
+            <a:off x="6764020" y="1228090"/>
+            <a:ext cx="4250690" cy="645160"/>
+          </a:xfrm>
+          <a:prstGeom prst="rect">
+            <a:avLst/>
+          </a:prstGeom>
+          <a:noFill/>
+        </p:spPr>
+        <p:txBody>
+          <a:bodyPr wrap="square" rtlCol="0">
+            <a:spAutoFit/>
+          </a:bodyPr>
+          <a:p>
+            <a:r>
+              <a:rPr lang="zh-CN"/>
+              <a:t>参数分别通过</a:t>
+            </a:r>
+            <a:r>
+              <a:rPr lang="en-US" altLang="zh-CN"/>
+              <a:t> xmm0</a:t>
+            </a:r>
+            <a:r>
+              <a:rPr lang="zh-CN" altLang="en-US"/>
+              <a:t>，</a:t>
+            </a:r>
+            <a:r>
+              <a:rPr lang="en-US" altLang="zh-CN"/>
+              <a:t>xmm1 </a:t>
+            </a:r>
+            <a:r>
+              <a:rPr lang="zh-CN" altLang="en-US"/>
+              <a:t>传入。</a:t>
+            </a:r>
+            <a:endParaRPr lang="zh-CN" altLang="en-US"/>
+          </a:p>
+          <a:p>
+            <a:r>
+              <a:rPr lang="zh-CN" altLang="en-US"/>
+              <a:t>返回值通过</a:t>
+            </a:r>
+            <a:r>
+              <a:rPr lang="en-US" altLang="zh-CN"/>
+              <a:t> xmm0 </a:t>
+            </a:r>
+            <a:r>
+              <a:rPr lang="zh-CN" altLang="en-US"/>
+              <a:t>传出。</a:t>
+            </a:r>
+            <a:endParaRPr lang="zh-CN" altLang="en-US"/>
+          </a:p>
+        </p:txBody>
+      </p:sp>
+    </p:spTree>
+  </p:cSld>
+  <p:clrMapOvr>
+    <a:masterClrMapping/>
+  </p:clrMapOvr>
+  <p:timing>
+    <p:tnLst>
+      <p:par>
+        <p:cTn id="1" dur="indefinite" restart="never" nodeType="tmRoot">
+          <p:childTnLst>
+            <p:seq concurrent="1" nextAc="seek">
+              <p:cTn id="2" dur="indefinite" nodeType="mainSeq">
+                <p:childTnLst>
+                  <p:par>
+                    <p:cTn id="3" fill="hold">
+                      <p:stCondLst>
+                        <p:cond delay="indefinite"/>
+                      </p:stCondLst>
+                      <p:childTnLst>
+                        <p:par>
+                          <p:cTn id="4" fill="hold">
+                            <p:stCondLst>
+                              <p:cond delay="0"/>
+                            </p:stCondLst>
+                            <p:childTnLst>
+                              <p:par>
+                                <p:cTn id="5" presetID="8" presetClass="entr" presetSubtype="16" fill="hold" grpId="0" nodeType="clickEffect">
+                                  <p:stCondLst>
+                                    <p:cond delay="0"/>
+                                  </p:stCondLst>
+                                  <p:childTnLst>
+                                    <p:set>
+                                      <p:cBhvr>
+                                        <p:cTn id="6" dur="500" fill="hold">
+                                          <p:stCondLst>
+                                            <p:cond delay="0"/>
+                                          </p:stCondLst>
+                                        </p:cTn>
+                                        <p:tgtEl>
+                                          <p:spTgt spid="10"/>
+                                        </p:tgtEl>
+                                        <p:attrNameLst>
+                                          <p:attrName>style.visibility</p:attrName>
+                                        </p:attrNameLst>
+                                      </p:cBhvr>
+                                      <p:to>
+                                        <p:strVal val="visible"/>
+                                      </p:to>
+                                    </p:set>
+                                    <p:animEffect transition="in" filter="diamond(in)">
+                                      <p:cBhvr>
+                                        <p:cTn id="7" dur="500"/>
+                                        <p:tgtEl>
+                                          <p:spTgt spid="10"/>
+                                        </p:tgtEl>
+                                      </p:cBhvr>
+                                    </p:animEffect>
+                                  </p:childTnLst>
+                                </p:cTn>
+                              </p:par>
+                            </p:childTnLst>
+                          </p:cTn>
+                        </p:par>
+                      </p:childTnLst>
+                    </p:cTn>
+                  </p:par>
+                  <p:par>
+                    <p:cTn id="8" fill="hold">
+                      <p:stCondLst>
+                        <p:cond delay="indefinite"/>
+                      </p:stCondLst>
+                      <p:childTnLst>
+                        <p:par>
+                          <p:cTn id="9" fill="hold">
+                            <p:stCondLst>
+                              <p:cond delay="0"/>
+                            </p:stCondLst>
+                            <p:childTnLst>
+                              <p:par>
+                                <p:cTn id="10" presetID="8" presetClass="entr" presetSubtype="16" fill="hold" grpId="0" nodeType="clickEffect">
+                                  <p:stCondLst>
+                                    <p:cond delay="0"/>
+                                  </p:stCondLst>
+                                  <p:childTnLst>
+                                    <p:set>
+                                      <p:cBhvr>
+                                        <p:cTn id="11" dur="500" fill="hold">
+                                          <p:stCondLst>
+                                            <p:cond delay="0"/>
+                                          </p:stCondLst>
+                                        </p:cTn>
+                                        <p:tgtEl>
+                                          <p:spTgt spid="11"/>
+                                        </p:tgtEl>
+                                        <p:attrNameLst>
+                                          <p:attrName>style.visibility</p:attrName>
+                                        </p:attrNameLst>
+                                      </p:cBhvr>
+                                      <p:to>
+                                        <p:strVal val="visible"/>
+                                      </p:to>
+                                    </p:set>
+                                    <p:animEffect transition="in" filter="diamond(in)">
+                                      <p:cBhvr>
+                                        <p:cTn id="12" dur="500"/>
+                                        <p:tgtEl>
+                                          <p:spTgt spid="11"/>
+                                        </p:tgtEl>
+                                      </p:cBhvr>
+                                    </p:animEffect>
+                                  </p:childTnLst>
+                                </p:cTn>
+                              </p:par>
+                            </p:childTnLst>
+                          </p:cTn>
+                        </p:par>
+                      </p:childTnLst>
+                    </p:cTn>
+                  </p:par>
+                </p:childTnLst>
+              </p:cTn>
+              <p:prevCondLst>
+                <p:cond evt="onPrev" delay="0">
+                  <p:tgtEl>
+                    <p:sldTgt/>
+                  </p:tgtEl>
+                </p:cond>
+              </p:prevCondLst>
+              <p:nextCondLst>
+                <p:cond evt="onNext" delay="0">
+                  <p:tgtEl>
+                    <p:sldTgt/>
+                  </p:tgtEl>
+                </p:cond>
+              </p:nextCondLst>
+            </p:seq>
+          </p:childTnLst>
+        </p:cTn>
+      </p:par>
+    </p:tnLst>
+    <p:bldLst>
+      <p:bldP spid="10" grpId="0"/>
+      <p:bldP spid="11" grpId="0"/>
+    </p:bldLst>
+  </p:timing>
+</p:sld>
+</file>
+
+<file path=ppt/slides/slide18.xml><?xml version="1.0" encoding="utf-8"?>
+<p:sld xmlns:a="http://schemas.openxmlformats.org/drawingml/2006/main" xmlns:r="http://schemas.openxmlformats.org/officeDocument/2006/relationships" xmlns:p="http://schemas.openxmlformats.org/presentationml/2006/main">
+  <p:cSld>
+    <p:spTree>
+      <p:nvGrpSpPr>
+        <p:cNvPr id="1" name=""/>
+        <p:cNvGrpSpPr/>
+        <p:nvPr/>
+      </p:nvGrpSpPr>
+      <p:grpSpPr/>
+      <p:sp>
+        <p:nvSpPr>
+          <p:cNvPr id="5" name="Title 4"/>
+          <p:cNvSpPr>
+            <a:spLocks noGrp="1"/>
+          </p:cNvSpPr>
+          <p:nvPr>
+            <p:ph type="title"/>
+          </p:nvPr>
+        </p:nvSpPr>
+        <p:spPr/>
+        <p:txBody>
+          <a:bodyPr/>
+          <a:p>
+            <a:r>
+              <a:rPr lang="zh-CN" altLang="en-US"/>
+              <a:t>第</a:t>
+            </a:r>
+            <a:r>
+              <a:rPr lang="en-US" altLang="zh-CN"/>
+              <a:t>1</a:t>
+            </a:r>
+            <a:r>
+              <a:rPr lang="zh-CN" altLang="en-US"/>
+              <a:t>章：化简</a:t>
+            </a:r>
+            <a:endParaRPr lang="zh-CN" altLang="en-US"/>
+          </a:p>
+        </p:txBody>
+      </p:sp>
+    </p:spTree>
+  </p:cSld>
+  <p:clrMapOvr>
+    <a:masterClrMapping/>
+  </p:clrMapOvr>
+</p:sld>
+</file>
+
+<file path=ppt/slides/slide19.xml><?xml version="1.0" encoding="utf-8"?>
+<p:sld xmlns:a="http://schemas.openxmlformats.org/drawingml/2006/main" xmlns:r="http://schemas.openxmlformats.org/officeDocument/2006/relationships" xmlns:p="http://schemas.openxmlformats.org/presentationml/2006/main">
+  <p:cSld>
+    <p:spTree>
+      <p:nvGrpSpPr>
+        <p:cNvPr id="1" name=""/>
+        <p:cNvGrpSpPr/>
+        <p:nvPr/>
+      </p:nvGrpSpPr>
+      <p:grpSpPr/>
+      <p:sp>
+        <p:nvSpPr>
+          <p:cNvPr id="2" name="Title 1"/>
+          <p:cNvSpPr>
+            <a:spLocks noGrp="1"/>
+          </p:cNvSpPr>
+          <p:nvPr>
+            <p:ph type="title"/>
+          </p:nvPr>
+        </p:nvSpPr>
+        <p:spPr/>
+        <p:txBody>
+          <a:bodyPr/>
+          <a:p>
+            <a:r>
+              <a:rPr lang="zh-CN" altLang="en-US"/>
+              <a:t>编译器优化：代数化简</a:t>
+            </a:r>
+            <a:endParaRPr lang="zh-CN" altLang="en-US"/>
+          </a:p>
+        </p:txBody>
+      </p:sp>
+      <p:pic>
+        <p:nvPicPr>
+          <p:cNvPr id="5" name="Content Placeholder 4"/>
+          <p:cNvPicPr>
+            <a:picLocks noChangeAspect="1"/>
+          </p:cNvPicPr>
+          <p:nvPr>
+            <p:ph sz="half" idx="1"/>
+          </p:nvPr>
+        </p:nvPicPr>
+        <p:blipFill>
+          <a:blip r:embed="rId1"/>
+          <a:stretch>
+            <a:fillRect/>
+          </a:stretch>
+        </p:blipFill>
+        <p:spPr>
+          <a:xfrm>
+            <a:off x="814705" y="3027045"/>
+            <a:ext cx="4846320" cy="1948180"/>
           </a:xfrm>
           <a:prstGeom prst="rect">
             <a:avLst/>
@@ -4728,7 +6123,7 @@
             <a:picLocks noChangeAspect="1"/>
           </p:cNvPicPr>
           <p:nvPr>
-            <p:ph sz="half" idx="1"/>
+            <p:ph sz="half" idx="2"/>
           </p:nvPr>
         </p:nvPicPr>
         <p:blipFill>
@@ -4739,8 +6134,8 @@
         </p:blipFill>
         <p:spPr>
           <a:xfrm>
-            <a:off x="492125" y="2907665"/>
-            <a:ext cx="5492115" cy="2186940"/>
+            <a:off x="5898515" y="2806700"/>
+            <a:ext cx="5346700" cy="2388870"/>
           </a:xfrm>
           <a:prstGeom prst="rect">
             <a:avLst/>
@@ -4755,7 +6150,370 @@
 </p:sld>
 </file>
 
-<file path=ppt/slides/slide17.xml><?xml version="1.0" encoding="utf-8"?>
+<file path=ppt/slides/slide2.xml><?xml version="1.0" encoding="utf-8"?>
+<p:sld xmlns:a="http://schemas.openxmlformats.org/drawingml/2006/main" xmlns:r="http://schemas.openxmlformats.org/officeDocument/2006/relationships" xmlns:p="http://schemas.openxmlformats.org/presentationml/2006/main">
+  <p:cSld>
+    <p:spTree>
+      <p:nvGrpSpPr>
+        <p:cNvPr id="1" name=""/>
+        <p:cNvGrpSpPr/>
+        <p:nvPr/>
+      </p:nvGrpSpPr>
+      <p:grpSpPr/>
+      <p:sp>
+        <p:nvSpPr>
+          <p:cNvPr id="2" name="Title 1"/>
+          <p:cNvSpPr>
+            <a:spLocks noGrp="1"/>
+          </p:cNvSpPr>
+          <p:nvPr>
+            <p:ph type="title"/>
+          </p:nvPr>
+        </p:nvSpPr>
+        <p:spPr/>
+        <p:txBody>
+          <a:bodyPr/>
+          <a:p>
+            <a:r>
+              <a:rPr lang="zh-CN"/>
+              <a:t>编译器：从</a:t>
+            </a:r>
+            <a:r>
+              <a:rPr lang="en-US" altLang="zh-CN"/>
+              <a:t>C++</a:t>
+            </a:r>
+            <a:r>
+              <a:rPr lang="zh-CN"/>
+              <a:t>源码到汇编指令</a:t>
+            </a:r>
+            <a:endParaRPr lang="zh-CN"/>
+          </a:p>
+        </p:txBody>
+      </p:sp>
+      <p:pic>
+        <p:nvPicPr>
+          <p:cNvPr id="6" name="Content Placeholder 5"/>
+          <p:cNvPicPr>
+            <a:picLocks noChangeAspect="1"/>
+          </p:cNvPicPr>
+          <p:nvPr>
+            <p:ph sz="half" idx="1"/>
+          </p:nvPr>
+        </p:nvPicPr>
+        <p:blipFill>
+          <a:blip r:embed="rId1"/>
+          <a:stretch>
+            <a:fillRect/>
+          </a:stretch>
+        </p:blipFill>
+        <p:spPr>
+          <a:xfrm>
+            <a:off x="882015" y="2955290"/>
+            <a:ext cx="4712335" cy="2091690"/>
+          </a:xfrm>
+          <a:prstGeom prst="rect">
+            <a:avLst/>
+          </a:prstGeom>
+        </p:spPr>
+      </p:pic>
+      <p:pic>
+        <p:nvPicPr>
+          <p:cNvPr id="7" name="Content Placeholder 6"/>
+          <p:cNvPicPr>
+            <a:picLocks noChangeAspect="1"/>
+          </p:cNvPicPr>
+          <p:nvPr>
+            <p:ph sz="half" idx="2"/>
+          </p:nvPr>
+        </p:nvPicPr>
+        <p:blipFill>
+          <a:blip r:embed="rId2"/>
+          <a:stretch>
+            <a:fillRect/>
+          </a:stretch>
+        </p:blipFill>
+        <p:spPr>
+          <a:xfrm>
+            <a:off x="7000240" y="1390650"/>
+            <a:ext cx="3143885" cy="5220970"/>
+          </a:xfrm>
+          <a:prstGeom prst="rect">
+            <a:avLst/>
+          </a:prstGeom>
+        </p:spPr>
+      </p:pic>
+      <p:pic>
+        <p:nvPicPr>
+          <p:cNvPr id="8" name="Picture 7"/>
+          <p:cNvPicPr>
+            <a:picLocks noChangeAspect="1"/>
+          </p:cNvPicPr>
+          <p:nvPr/>
+        </p:nvPicPr>
+        <p:blipFill>
+          <a:blip r:embed="rId3"/>
+          <a:stretch>
+            <a:fillRect/>
+          </a:stretch>
+        </p:blipFill>
+        <p:spPr>
+          <a:xfrm>
+            <a:off x="7000240" y="955675"/>
+            <a:ext cx="3238500" cy="266700"/>
+          </a:xfrm>
+          <a:prstGeom prst="rect">
+            <a:avLst/>
+          </a:prstGeom>
+        </p:spPr>
+      </p:pic>
+      <p:sp>
+        <p:nvSpPr>
+          <p:cNvPr id="9" name="Text Box 8"/>
+          <p:cNvSpPr txBox="1"/>
+          <p:nvPr/>
+        </p:nvSpPr>
+        <p:spPr>
+          <a:xfrm>
+            <a:off x="1458595" y="1649730"/>
+            <a:ext cx="2777490" cy="922020"/>
+          </a:xfrm>
+          <a:prstGeom prst="rect">
+            <a:avLst/>
+          </a:prstGeom>
+          <a:noFill/>
+        </p:spPr>
+        <p:txBody>
+          <a:bodyPr wrap="square" rtlCol="0">
+            <a:spAutoFit/>
+          </a:bodyPr>
+          <a:p>
+            <a:r>
+              <a:rPr lang="en-US"/>
+              <a:t>lea</a:t>
+            </a:r>
+            <a:r>
+              <a:rPr lang="zh-CN" altLang="en-US"/>
+              <a:t>：加载字符串的地址</a:t>
+            </a:r>
+            <a:endParaRPr lang="zh-CN" altLang="en-US"/>
+          </a:p>
+          <a:p>
+            <a:r>
+              <a:rPr lang="en-US" altLang="zh-CN"/>
+              <a:t>rdi</a:t>
+            </a:r>
+            <a:r>
+              <a:rPr lang="zh-CN" altLang="en-US"/>
+              <a:t>：第一个参数寄存器</a:t>
+            </a:r>
+            <a:endParaRPr lang="zh-CN" altLang="en-US"/>
+          </a:p>
+          <a:p>
+            <a:r>
+              <a:rPr lang="en-US" altLang="zh-CN"/>
+              <a:t>eax</a:t>
+            </a:r>
+            <a:r>
+              <a:rPr lang="zh-CN" altLang="en-US"/>
+              <a:t>：返回值寄存器</a:t>
+            </a:r>
+            <a:endParaRPr lang="zh-CN" altLang="en-US"/>
+          </a:p>
+        </p:txBody>
+      </p:sp>
+    </p:spTree>
+  </p:cSld>
+  <p:clrMapOvr>
+    <a:masterClrMapping/>
+  </p:clrMapOvr>
+</p:sld>
+</file>
+
+<file path=ppt/slides/slide20.xml><?xml version="1.0" encoding="utf-8"?>
+<p:sld xmlns:a="http://schemas.openxmlformats.org/drawingml/2006/main" xmlns:r="http://schemas.openxmlformats.org/officeDocument/2006/relationships" xmlns:p="http://schemas.openxmlformats.org/presentationml/2006/main">
+  <p:cSld>
+    <p:spTree>
+      <p:nvGrpSpPr>
+        <p:cNvPr id="1" name=""/>
+        <p:cNvGrpSpPr/>
+        <p:nvPr/>
+      </p:nvGrpSpPr>
+      <p:grpSpPr/>
+      <p:sp>
+        <p:nvSpPr>
+          <p:cNvPr id="2" name="Title 1"/>
+          <p:cNvSpPr>
+            <a:spLocks noGrp="1"/>
+          </p:cNvSpPr>
+          <p:nvPr>
+            <p:ph type="title"/>
+          </p:nvPr>
+        </p:nvSpPr>
+        <p:spPr/>
+        <p:txBody>
+          <a:bodyPr/>
+          <a:p>
+            <a:r>
+              <a:rPr lang="zh-CN" altLang="en-US"/>
+              <a:t>编译器优化：常量折叠</a:t>
+            </a:r>
+            <a:endParaRPr lang="zh-CN" altLang="en-US"/>
+          </a:p>
+        </p:txBody>
+      </p:sp>
+      <p:pic>
+        <p:nvPicPr>
+          <p:cNvPr id="4" name="Content Placeholder 3"/>
+          <p:cNvPicPr>
+            <a:picLocks noChangeAspect="1"/>
+          </p:cNvPicPr>
+          <p:nvPr>
+            <p:ph sz="half" idx="1"/>
+          </p:nvPr>
+        </p:nvPicPr>
+        <p:blipFill>
+          <a:blip r:embed="rId1"/>
+          <a:stretch>
+            <a:fillRect/>
+          </a:stretch>
+        </p:blipFill>
+        <p:spPr>
+          <a:xfrm>
+            <a:off x="1082675" y="2858770"/>
+            <a:ext cx="4311015" cy="2284730"/>
+          </a:xfrm>
+          <a:prstGeom prst="rect">
+            <a:avLst/>
+          </a:prstGeom>
+        </p:spPr>
+      </p:pic>
+      <p:pic>
+        <p:nvPicPr>
+          <p:cNvPr id="8" name="Content Placeholder 7"/>
+          <p:cNvPicPr>
+            <a:picLocks noChangeAspect="1"/>
+          </p:cNvPicPr>
+          <p:nvPr>
+            <p:ph sz="half" idx="2"/>
+          </p:nvPr>
+        </p:nvPicPr>
+        <p:blipFill>
+          <a:blip r:embed="rId2"/>
+          <a:stretch>
+            <a:fillRect/>
+          </a:stretch>
+        </p:blipFill>
+        <p:spPr>
+          <a:xfrm>
+            <a:off x="6245225" y="2616200"/>
+            <a:ext cx="4653280" cy="2769870"/>
+          </a:xfrm>
+          <a:prstGeom prst="rect">
+            <a:avLst/>
+          </a:prstGeom>
+        </p:spPr>
+      </p:pic>
+    </p:spTree>
+  </p:cSld>
+  <p:clrMapOvr>
+    <a:masterClrMapping/>
+  </p:clrMapOvr>
+</p:sld>
+</file>
+
+<file path=ppt/slides/slide21.xml><?xml version="1.0" encoding="utf-8"?>
+<p:sld xmlns:a="http://schemas.openxmlformats.org/drawingml/2006/main" xmlns:r="http://schemas.openxmlformats.org/officeDocument/2006/relationships" xmlns:p="http://schemas.openxmlformats.org/presentationml/2006/main">
+  <p:cSld>
+    <p:spTree>
+      <p:nvGrpSpPr>
+        <p:cNvPr id="1" name=""/>
+        <p:cNvGrpSpPr/>
+        <p:nvPr/>
+      </p:nvGrpSpPr>
+      <p:grpSpPr/>
+      <p:sp>
+        <p:nvSpPr>
+          <p:cNvPr id="2" name="Title 1"/>
+          <p:cNvSpPr>
+            <a:spLocks noGrp="1"/>
+          </p:cNvSpPr>
+          <p:nvPr>
+            <p:ph type="title"/>
+          </p:nvPr>
+        </p:nvSpPr>
+        <p:spPr/>
+        <p:txBody>
+          <a:bodyPr/>
+          <a:p>
+            <a:r>
+              <a:rPr lang="zh-CN" altLang="en-US"/>
+              <a:t>编译器优化：举个例子</a:t>
+            </a:r>
+            <a:endParaRPr lang="zh-CN" altLang="en-US"/>
+          </a:p>
+        </p:txBody>
+      </p:sp>
+      <p:pic>
+        <p:nvPicPr>
+          <p:cNvPr id="5" name="Content Placeholder 4"/>
+          <p:cNvPicPr>
+            <a:picLocks noChangeAspect="1"/>
+          </p:cNvPicPr>
+          <p:nvPr>
+            <p:ph sz="half" idx="2"/>
+          </p:nvPr>
+        </p:nvPicPr>
+        <p:blipFill>
+          <a:blip r:embed="rId1"/>
+          <a:stretch>
+            <a:fillRect/>
+          </a:stretch>
+        </p:blipFill>
+        <p:spPr>
+          <a:xfrm>
+            <a:off x="6172835" y="2554605"/>
+            <a:ext cx="4799330" cy="2893060"/>
+          </a:xfrm>
+          <a:prstGeom prst="rect">
+            <a:avLst/>
+          </a:prstGeom>
+        </p:spPr>
+      </p:pic>
+      <p:pic>
+        <p:nvPicPr>
+          <p:cNvPr id="6" name="Content Placeholder 5"/>
+          <p:cNvPicPr>
+            <a:picLocks noChangeAspect="1"/>
+          </p:cNvPicPr>
+          <p:nvPr>
+            <p:ph sz="half" idx="1"/>
+          </p:nvPr>
+        </p:nvPicPr>
+        <p:blipFill>
+          <a:blip r:embed="rId2"/>
+          <a:stretch>
+            <a:fillRect/>
+          </a:stretch>
+        </p:blipFill>
+        <p:spPr>
+          <a:xfrm>
+            <a:off x="492125" y="2907665"/>
+            <a:ext cx="5492115" cy="2186940"/>
+          </a:xfrm>
+          <a:prstGeom prst="rect">
+            <a:avLst/>
+          </a:prstGeom>
+        </p:spPr>
+      </p:pic>
+    </p:spTree>
+  </p:cSld>
+  <p:clrMapOvr>
+    <a:masterClrMapping/>
+  </p:clrMapOvr>
+</p:sld>
+</file>
+
+<file path=ppt/slides/slide22.xml><?xml version="1.0" encoding="utf-8"?>
 <p:sld xmlns:a="http://schemas.openxmlformats.org/drawingml/2006/main" xmlns:r="http://schemas.openxmlformats.org/officeDocument/2006/relationships" xmlns:p="http://schemas.openxmlformats.org/presentationml/2006/main">
   <p:cSld>
     <p:spTree>
@@ -4989,7 +6747,7 @@
 </p:sld>
 </file>
 
-<file path=ppt/slides/slide18.xml><?xml version="1.0" encoding="utf-8"?>
+<file path=ppt/slides/slide23.xml><?xml version="1.0" encoding="utf-8"?>
 <p:sld xmlns:a="http://schemas.openxmlformats.org/drawingml/2006/main" xmlns:r="http://schemas.openxmlformats.org/officeDocument/2006/relationships" xmlns:p="http://schemas.openxmlformats.org/presentationml/2006/main">
   <p:cSld>
     <p:spTree>
@@ -5370,7 +7128,7 @@
 </p:sld>
 </file>
 
-<file path=ppt/slides/slide19.xml><?xml version="1.0" encoding="utf-8"?>
+<file path=ppt/slides/slide24.xml><?xml version="1.0" encoding="utf-8"?>
 <p:sld xmlns:a="http://schemas.openxmlformats.org/drawingml/2006/main" xmlns:r="http://schemas.openxmlformats.org/officeDocument/2006/relationships" xmlns:p="http://schemas.openxmlformats.org/presentationml/2006/main">
   <p:cSld>
     <p:spTree>
@@ -5470,7 +7228,7 @@
 </p:sld>
 </file>
 
-<file path=ppt/slides/slide2.xml><?xml version="1.0" encoding="utf-8"?>
+<file path=ppt/slides/slide25.xml><?xml version="1.0" encoding="utf-8"?>
 <p:sld xmlns:a="http://schemas.openxmlformats.org/drawingml/2006/main" xmlns:r="http://schemas.openxmlformats.org/officeDocument/2006/relationships" xmlns:p="http://schemas.openxmlformats.org/presentationml/2006/main">
   <p:cSld>
     <p:spTree>
@@ -5495,185 +7253,6 @@
           <a:bodyPr/>
           <a:p>
             <a:r>
-              <a:rPr lang="zh-CN"/>
-              <a:t>编译器：从</a:t>
-            </a:r>
-            <a:r>
-              <a:rPr lang="en-US" altLang="zh-CN"/>
-              <a:t>C++</a:t>
-            </a:r>
-            <a:r>
-              <a:rPr lang="zh-CN"/>
-              <a:t>源码到汇编指令</a:t>
-            </a:r>
-            <a:endParaRPr lang="zh-CN"/>
-          </a:p>
-        </p:txBody>
-      </p:sp>
-      <p:pic>
-        <p:nvPicPr>
-          <p:cNvPr id="6" name="Content Placeholder 5"/>
-          <p:cNvPicPr>
-            <a:picLocks noChangeAspect="1"/>
-          </p:cNvPicPr>
-          <p:nvPr>
-            <p:ph sz="half" idx="1"/>
-          </p:nvPr>
-        </p:nvPicPr>
-        <p:blipFill>
-          <a:blip r:embed="rId1"/>
-          <a:stretch>
-            <a:fillRect/>
-          </a:stretch>
-        </p:blipFill>
-        <p:spPr>
-          <a:xfrm>
-            <a:off x="882015" y="2955290"/>
-            <a:ext cx="4712335" cy="2091690"/>
-          </a:xfrm>
-          <a:prstGeom prst="rect">
-            <a:avLst/>
-          </a:prstGeom>
-        </p:spPr>
-      </p:pic>
-      <p:pic>
-        <p:nvPicPr>
-          <p:cNvPr id="7" name="Content Placeholder 6"/>
-          <p:cNvPicPr>
-            <a:picLocks noChangeAspect="1"/>
-          </p:cNvPicPr>
-          <p:nvPr>
-            <p:ph sz="half" idx="2"/>
-          </p:nvPr>
-        </p:nvPicPr>
-        <p:blipFill>
-          <a:blip r:embed="rId2"/>
-          <a:stretch>
-            <a:fillRect/>
-          </a:stretch>
-        </p:blipFill>
-        <p:spPr>
-          <a:xfrm>
-            <a:off x="7000240" y="1390650"/>
-            <a:ext cx="3143885" cy="5220970"/>
-          </a:xfrm>
-          <a:prstGeom prst="rect">
-            <a:avLst/>
-          </a:prstGeom>
-        </p:spPr>
-      </p:pic>
-      <p:pic>
-        <p:nvPicPr>
-          <p:cNvPr id="8" name="Picture 7"/>
-          <p:cNvPicPr>
-            <a:picLocks noChangeAspect="1"/>
-          </p:cNvPicPr>
-          <p:nvPr/>
-        </p:nvPicPr>
-        <p:blipFill>
-          <a:blip r:embed="rId3"/>
-          <a:stretch>
-            <a:fillRect/>
-          </a:stretch>
-        </p:blipFill>
-        <p:spPr>
-          <a:xfrm>
-            <a:off x="7000240" y="955675"/>
-            <a:ext cx="3238500" cy="266700"/>
-          </a:xfrm>
-          <a:prstGeom prst="rect">
-            <a:avLst/>
-          </a:prstGeom>
-        </p:spPr>
-      </p:pic>
-      <p:sp>
-        <p:nvSpPr>
-          <p:cNvPr id="9" name="Text Box 8"/>
-          <p:cNvSpPr txBox="1"/>
-          <p:nvPr/>
-        </p:nvSpPr>
-        <p:spPr>
-          <a:xfrm>
-            <a:off x="1458595" y="1649730"/>
-            <a:ext cx="2777490" cy="922020"/>
-          </a:xfrm>
-          <a:prstGeom prst="rect">
-            <a:avLst/>
-          </a:prstGeom>
-          <a:noFill/>
-        </p:spPr>
-        <p:txBody>
-          <a:bodyPr wrap="square" rtlCol="0">
-            <a:spAutoFit/>
-          </a:bodyPr>
-          <a:p>
-            <a:r>
-              <a:rPr lang="en-US"/>
-              <a:t>lea</a:t>
-            </a:r>
-            <a:r>
-              <a:rPr lang="zh-CN" altLang="en-US"/>
-              <a:t>：加载字符串的地址</a:t>
-            </a:r>
-            <a:endParaRPr lang="zh-CN" altLang="en-US"/>
-          </a:p>
-          <a:p>
-            <a:r>
-              <a:rPr lang="en-US" altLang="zh-CN"/>
-              <a:t>rdi</a:t>
-            </a:r>
-            <a:r>
-              <a:rPr lang="zh-CN" altLang="en-US"/>
-              <a:t>：第一个参数寄存器</a:t>
-            </a:r>
-            <a:endParaRPr lang="zh-CN" altLang="en-US"/>
-          </a:p>
-          <a:p>
-            <a:r>
-              <a:rPr lang="en-US" altLang="zh-CN"/>
-              <a:t>eax</a:t>
-            </a:r>
-            <a:r>
-              <a:rPr lang="zh-CN" altLang="en-US"/>
-              <a:t>：返回值寄存器</a:t>
-            </a:r>
-            <a:endParaRPr lang="zh-CN" altLang="en-US"/>
-          </a:p>
-        </p:txBody>
-      </p:sp>
-    </p:spTree>
-  </p:cSld>
-  <p:clrMapOvr>
-    <a:masterClrMapping/>
-  </p:clrMapOvr>
-</p:sld>
-</file>
-
-<file path=ppt/slides/slide20.xml><?xml version="1.0" encoding="utf-8"?>
-<p:sld xmlns:a="http://schemas.openxmlformats.org/drawingml/2006/main" xmlns:r="http://schemas.openxmlformats.org/officeDocument/2006/relationships" xmlns:p="http://schemas.openxmlformats.org/presentationml/2006/main">
-  <p:cSld>
-    <p:spTree>
-      <p:nvGrpSpPr>
-        <p:cNvPr id="1" name=""/>
-        <p:cNvGrpSpPr/>
-        <p:nvPr/>
-      </p:nvGrpSpPr>
-      <p:grpSpPr/>
-      <p:sp>
-        <p:nvSpPr>
-          <p:cNvPr id="2" name="Title 1"/>
-          <p:cNvSpPr>
-            <a:spLocks noGrp="1"/>
-          </p:cNvSpPr>
-          <p:nvPr>
-            <p:ph type="title"/>
-          </p:nvPr>
-        </p:nvSpPr>
-        <p:spPr/>
-        <p:txBody>
-          <a:bodyPr/>
-          <a:p>
-            <a:r>
               <a:rPr lang="zh-CN" altLang="en-US">
                 <a:sym typeface="+mn-ea"/>
               </a:rPr>
@@ -5763,7 +7342,7 @@
 </p:sld>
 </file>
 
-<file path=ppt/slides/slide21.xml><?xml version="1.0" encoding="utf-8"?>
+<file path=ppt/slides/slide26.xml><?xml version="1.0" encoding="utf-8"?>
 <p:sld xmlns:a="http://schemas.openxmlformats.org/drawingml/2006/main" xmlns:r="http://schemas.openxmlformats.org/officeDocument/2006/relationships" xmlns:p="http://schemas.openxmlformats.org/presentationml/2006/main">
   <p:cSld>
     <p:spTree>
@@ -6021,7 +7600,7 @@
 </p:sld>
 </file>
 
-<file path=ppt/slides/slide22.xml><?xml version="1.0" encoding="utf-8"?>
+<file path=ppt/slides/slide27.xml><?xml version="1.0" encoding="utf-8"?>
 <p:sld xmlns:a="http://schemas.openxmlformats.org/drawingml/2006/main" xmlns:r="http://schemas.openxmlformats.org/officeDocument/2006/relationships" xmlns:p="http://schemas.openxmlformats.org/presentationml/2006/main">
   <p:cSld>
     <p:spTree>
@@ -6363,7 +7942,7 @@
 </p:sld>
 </file>
 
-<file path=ppt/slides/slide23.xml><?xml version="1.0" encoding="utf-8"?>
+<file path=ppt/slides/slide28.xml><?xml version="1.0" encoding="utf-8"?>
 <p:sld xmlns:a="http://schemas.openxmlformats.org/drawingml/2006/main" xmlns:r="http://schemas.openxmlformats.org/officeDocument/2006/relationships" xmlns:p="http://schemas.openxmlformats.org/presentationml/2006/main">
   <p:cSld>
     <p:spTree>
@@ -6582,7 +8161,7 @@
 </p:sld>
 </file>
 
-<file path=ppt/slides/slide24.xml><?xml version="1.0" encoding="utf-8"?>
+<file path=ppt/slides/slide29.xml><?xml version="1.0" encoding="utf-8"?>
 <p:sld xmlns:a="http://schemas.openxmlformats.org/drawingml/2006/main" xmlns:r="http://schemas.openxmlformats.org/officeDocument/2006/relationships" xmlns:p="http://schemas.openxmlformats.org/presentationml/2006/main">
   <p:cSld>
     <p:spTree>
@@ -6630,7 +8209,7 @@
 </p:sld>
 </file>
 
-<file path=ppt/slides/slide25.xml><?xml version="1.0" encoding="utf-8"?>
+<file path=ppt/slides/slide3.xml><?xml version="1.0" encoding="utf-8"?>
 <p:sld xmlns:a="http://schemas.openxmlformats.org/drawingml/2006/main" xmlns:r="http://schemas.openxmlformats.org/officeDocument/2006/relationships" xmlns:p="http://schemas.openxmlformats.org/presentationml/2006/main">
   <p:cSld>
     <p:spTree>
@@ -6655,38 +8234,24 @@
           <a:bodyPr/>
           <a:p>
             <a:r>
-              <a:rPr lang="zh-CN" altLang="en-US">
-                <a:sym typeface="+mn-ea"/>
-              </a:rPr>
-              <a:t>调用其他函数：</a:t>
-            </a:r>
-            <a:r>
-              <a:rPr lang="en-US" altLang="zh-CN">
-                <a:sym typeface="+mn-ea"/>
-              </a:rPr>
-              <a:t>call </a:t>
-            </a:r>
-            <a:r>
-              <a:rPr lang="zh-CN" altLang="en-US">
-                <a:sym typeface="+mn-ea"/>
-              </a:rPr>
-              <a:t>指令</a:t>
-            </a:r>
-            <a:endParaRPr lang="zh-CN" altLang="en-US">
-              <a:sym typeface="+mn-ea"/>
-            </a:endParaRPr>
+              <a:rPr lang="zh-CN" altLang="en-US"/>
+              <a:t>启用优化：</a:t>
+            </a:r>
+            <a:r>
+              <a:rPr lang="en-US" altLang="zh-CN"/>
+              <a:t>-O3</a:t>
+            </a:r>
+            <a:endParaRPr lang="en-US" altLang="zh-CN"/>
           </a:p>
         </p:txBody>
       </p:sp>
       <p:pic>
         <p:nvPicPr>
-          <p:cNvPr id="6" name="Content Placeholder 5"/>
+          <p:cNvPr id="5" name="Picture 4"/>
           <p:cNvPicPr>
             <a:picLocks noChangeAspect="1"/>
           </p:cNvPicPr>
-          <p:nvPr>
-            <p:ph sz="half" idx="2"/>
-          </p:nvPr>
+          <p:nvPr/>
         </p:nvPicPr>
         <p:blipFill>
           <a:blip r:embed="rId1"/>
@@ -6696,8 +8261,8 @@
         </p:blipFill>
         <p:spPr>
           <a:xfrm>
-            <a:off x="6144260" y="2019300"/>
-            <a:ext cx="4856480" cy="3963670"/>
+            <a:off x="6262370" y="1539875"/>
+            <a:ext cx="3629025" cy="285750"/>
           </a:xfrm>
           <a:prstGeom prst="rect">
             <a:avLst/>
@@ -6706,7 +8271,7 @@
       </p:pic>
       <p:pic>
         <p:nvPicPr>
-          <p:cNvPr id="7" name="Content Placeholder 6"/>
+          <p:cNvPr id="6" name="Content Placeholder 6"/>
           <p:cNvPicPr>
             <a:picLocks noChangeAspect="1"/>
           </p:cNvPicPr>
@@ -6722,8 +8287,8 @@
         </p:blipFill>
         <p:spPr>
           <a:xfrm>
-            <a:off x="650240" y="2838450"/>
-            <a:ext cx="5175250" cy="2325370"/>
+            <a:off x="1704340" y="1584325"/>
+            <a:ext cx="2995295" cy="4973955"/>
           </a:xfrm>
           <a:prstGeom prst="rect">
             <a:avLst/>
@@ -6746,6 +8311,193 @@
         </p:blipFill>
         <p:spPr>
           <a:xfrm>
+            <a:off x="1582420" y="1273175"/>
+            <a:ext cx="3238500" cy="266700"/>
+          </a:xfrm>
+          <a:prstGeom prst="rect">
+            <a:avLst/>
+          </a:prstGeom>
+        </p:spPr>
+      </p:pic>
+      <p:pic>
+        <p:nvPicPr>
+          <p:cNvPr id="11" name="Content Placeholder 10"/>
+          <p:cNvPicPr>
+            <a:picLocks noChangeAspect="1"/>
+          </p:cNvPicPr>
+          <p:nvPr>
+            <p:ph sz="half" idx="2"/>
+          </p:nvPr>
+        </p:nvPicPr>
+        <p:blipFill>
+          <a:blip r:embed="rId4"/>
+          <a:stretch>
+            <a:fillRect/>
+          </a:stretch>
+        </p:blipFill>
+        <p:spPr>
+          <a:xfrm>
+            <a:off x="6233795" y="1843405"/>
+            <a:ext cx="4676775" cy="4314825"/>
+          </a:xfrm>
+          <a:prstGeom prst="rect">
+            <a:avLst/>
+          </a:prstGeom>
+        </p:spPr>
+      </p:pic>
+      <p:sp>
+        <p:nvSpPr>
+          <p:cNvPr id="13" name="Text Box 12"/>
+          <p:cNvSpPr txBox="1"/>
+          <p:nvPr/>
+        </p:nvSpPr>
+        <p:spPr>
+          <a:xfrm>
+            <a:off x="6454775" y="258445"/>
+            <a:ext cx="2777490" cy="922020"/>
+          </a:xfrm>
+          <a:prstGeom prst="rect">
+            <a:avLst/>
+          </a:prstGeom>
+          <a:noFill/>
+        </p:spPr>
+        <p:txBody>
+          <a:bodyPr wrap="square" rtlCol="0">
+            <a:spAutoFit/>
+          </a:bodyPr>
+          <a:p>
+            <a:r>
+              <a:rPr lang="zh-CN"/>
+              <a:t>结论：启用优化后编译器会生成更高效更紧凑的汇编指令。</a:t>
+            </a:r>
+            <a:endParaRPr lang="zh-CN"/>
+          </a:p>
+        </p:txBody>
+      </p:sp>
+    </p:spTree>
+  </p:cSld>
+  <p:clrMapOvr>
+    <a:masterClrMapping/>
+  </p:clrMapOvr>
+</p:sld>
+</file>
+
+<file path=ppt/slides/slide30.xml><?xml version="1.0" encoding="utf-8"?>
+<p:sld xmlns:a="http://schemas.openxmlformats.org/drawingml/2006/main" xmlns:r="http://schemas.openxmlformats.org/officeDocument/2006/relationships" xmlns:p="http://schemas.openxmlformats.org/presentationml/2006/main">
+  <p:cSld>
+    <p:spTree>
+      <p:nvGrpSpPr>
+        <p:cNvPr id="1" name=""/>
+        <p:cNvGrpSpPr/>
+        <p:nvPr/>
+      </p:nvGrpSpPr>
+      <p:grpSpPr/>
+      <p:sp>
+        <p:nvSpPr>
+          <p:cNvPr id="2" name="Title 1"/>
+          <p:cNvSpPr>
+            <a:spLocks noGrp="1"/>
+          </p:cNvSpPr>
+          <p:nvPr>
+            <p:ph type="title"/>
+          </p:nvPr>
+        </p:nvSpPr>
+        <p:spPr/>
+        <p:txBody>
+          <a:bodyPr/>
+          <a:p>
+            <a:r>
+              <a:rPr lang="zh-CN" altLang="en-US">
+                <a:sym typeface="+mn-ea"/>
+              </a:rPr>
+              <a:t>调用其他函数：</a:t>
+            </a:r>
+            <a:r>
+              <a:rPr lang="en-US" altLang="zh-CN">
+                <a:sym typeface="+mn-ea"/>
+              </a:rPr>
+              <a:t>call </a:t>
+            </a:r>
+            <a:r>
+              <a:rPr lang="zh-CN" altLang="en-US">
+                <a:sym typeface="+mn-ea"/>
+              </a:rPr>
+              <a:t>指令</a:t>
+            </a:r>
+            <a:endParaRPr lang="zh-CN" altLang="en-US">
+              <a:sym typeface="+mn-ea"/>
+            </a:endParaRPr>
+          </a:p>
+        </p:txBody>
+      </p:sp>
+      <p:pic>
+        <p:nvPicPr>
+          <p:cNvPr id="6" name="Content Placeholder 5"/>
+          <p:cNvPicPr>
+            <a:picLocks noChangeAspect="1"/>
+          </p:cNvPicPr>
+          <p:nvPr>
+            <p:ph sz="half" idx="2"/>
+          </p:nvPr>
+        </p:nvPicPr>
+        <p:blipFill>
+          <a:blip r:embed="rId1"/>
+          <a:stretch>
+            <a:fillRect/>
+          </a:stretch>
+        </p:blipFill>
+        <p:spPr>
+          <a:xfrm>
+            <a:off x="6144260" y="2019300"/>
+            <a:ext cx="4856480" cy="3963670"/>
+          </a:xfrm>
+          <a:prstGeom prst="rect">
+            <a:avLst/>
+          </a:prstGeom>
+        </p:spPr>
+      </p:pic>
+      <p:pic>
+        <p:nvPicPr>
+          <p:cNvPr id="7" name="Content Placeholder 6"/>
+          <p:cNvPicPr>
+            <a:picLocks noChangeAspect="1"/>
+          </p:cNvPicPr>
+          <p:nvPr>
+            <p:ph sz="half" idx="1"/>
+          </p:nvPr>
+        </p:nvPicPr>
+        <p:blipFill>
+          <a:blip r:embed="rId2"/>
+          <a:stretch>
+            <a:fillRect/>
+          </a:stretch>
+        </p:blipFill>
+        <p:spPr>
+          <a:xfrm>
+            <a:off x="650240" y="2838450"/>
+            <a:ext cx="5175250" cy="2325370"/>
+          </a:xfrm>
+          <a:prstGeom prst="rect">
+            <a:avLst/>
+          </a:prstGeom>
+        </p:spPr>
+      </p:pic>
+      <p:pic>
+        <p:nvPicPr>
+          <p:cNvPr id="8" name="Picture 7"/>
+          <p:cNvPicPr>
+            <a:picLocks noChangeAspect="1"/>
+          </p:cNvPicPr>
+          <p:nvPr/>
+        </p:nvPicPr>
+        <p:blipFill>
+          <a:blip r:embed="rId3"/>
+          <a:stretch>
+            <a:fillRect/>
+          </a:stretch>
+        </p:blipFill>
+        <p:spPr>
+          <a:xfrm>
             <a:off x="3680460" y="0"/>
             <a:ext cx="8511540" cy="315595"/>
           </a:xfrm>
@@ -6762,7 +8514,7 @@
 </p:sld>
 </file>
 
-<file path=ppt/slides/slide26.xml><?xml version="1.0" encoding="utf-8"?>
+<file path=ppt/slides/slide31.xml><?xml version="1.0" encoding="utf-8"?>
 <p:sld xmlns:a="http://schemas.openxmlformats.org/drawingml/2006/main" xmlns:r="http://schemas.openxmlformats.org/officeDocument/2006/relationships" xmlns:p="http://schemas.openxmlformats.org/presentationml/2006/main">
   <p:cSld>
     <p:spTree>
@@ -6900,7 +8652,7 @@
 </p:sld>
 </file>
 
-<file path=ppt/slides/slide27.xml><?xml version="1.0" encoding="utf-8"?>
+<file path=ppt/slides/slide32.xml><?xml version="1.0" encoding="utf-8"?>
 <p:sld xmlns:a="http://schemas.openxmlformats.org/drawingml/2006/main" xmlns:r="http://schemas.openxmlformats.org/officeDocument/2006/relationships" xmlns:p="http://schemas.openxmlformats.org/presentationml/2006/main">
   <p:cSld>
     <p:spTree>
@@ -7252,7 +9004,7 @@
 </p:sld>
 </file>
 
-<file path=ppt/slides/slide28.xml><?xml version="1.0" encoding="utf-8"?>
+<file path=ppt/slides/slide33.xml><?xml version="1.0" encoding="utf-8"?>
 <p:sld xmlns:a="http://schemas.openxmlformats.org/drawingml/2006/main" xmlns:r="http://schemas.openxmlformats.org/officeDocument/2006/relationships" xmlns:p="http://schemas.openxmlformats.org/presentationml/2006/main">
   <p:cSld>
     <p:spTree>
@@ -7502,7 +9254,7 @@
 </p:sld>
 </file>
 
-<file path=ppt/slides/slide29.xml><?xml version="1.0" encoding="utf-8"?>
+<file path=ppt/slides/slide34.xml><?xml version="1.0" encoding="utf-8"?>
 <p:sld xmlns:a="http://schemas.openxmlformats.org/drawingml/2006/main" xmlns:r="http://schemas.openxmlformats.org/officeDocument/2006/relationships" xmlns:p="http://schemas.openxmlformats.org/presentationml/2006/main">
   <p:cSld>
     <p:spTree>
@@ -7783,180 +9535,7 @@
 </p:sld>
 </file>
 
-<file path=ppt/slides/slide3.xml><?xml version="1.0" encoding="utf-8"?>
-<p:sld xmlns:a="http://schemas.openxmlformats.org/drawingml/2006/main" xmlns:r="http://schemas.openxmlformats.org/officeDocument/2006/relationships" xmlns:p="http://schemas.openxmlformats.org/presentationml/2006/main">
-  <p:cSld>
-    <p:spTree>
-      <p:nvGrpSpPr>
-        <p:cNvPr id="1" name=""/>
-        <p:cNvGrpSpPr/>
-        <p:nvPr/>
-      </p:nvGrpSpPr>
-      <p:grpSpPr/>
-      <p:sp>
-        <p:nvSpPr>
-          <p:cNvPr id="2" name="Title 1"/>
-          <p:cNvSpPr>
-            <a:spLocks noGrp="1"/>
-          </p:cNvSpPr>
-          <p:nvPr>
-            <p:ph type="title"/>
-          </p:nvPr>
-        </p:nvSpPr>
-        <p:spPr/>
-        <p:txBody>
-          <a:bodyPr/>
-          <a:p>
-            <a:r>
-              <a:rPr lang="zh-CN" altLang="en-US"/>
-              <a:t>启用优化：</a:t>
-            </a:r>
-            <a:r>
-              <a:rPr lang="en-US" altLang="zh-CN"/>
-              <a:t>-O3</a:t>
-            </a:r>
-            <a:endParaRPr lang="en-US" altLang="zh-CN"/>
-          </a:p>
-        </p:txBody>
-      </p:sp>
-      <p:pic>
-        <p:nvPicPr>
-          <p:cNvPr id="5" name="Picture 4"/>
-          <p:cNvPicPr>
-            <a:picLocks noChangeAspect="1"/>
-          </p:cNvPicPr>
-          <p:nvPr/>
-        </p:nvPicPr>
-        <p:blipFill>
-          <a:blip r:embed="rId1"/>
-          <a:stretch>
-            <a:fillRect/>
-          </a:stretch>
-        </p:blipFill>
-        <p:spPr>
-          <a:xfrm>
-            <a:off x="6262370" y="1539875"/>
-            <a:ext cx="3629025" cy="285750"/>
-          </a:xfrm>
-          <a:prstGeom prst="rect">
-            <a:avLst/>
-          </a:prstGeom>
-        </p:spPr>
-      </p:pic>
-      <p:pic>
-        <p:nvPicPr>
-          <p:cNvPr id="6" name="Content Placeholder 6"/>
-          <p:cNvPicPr>
-            <a:picLocks noChangeAspect="1"/>
-          </p:cNvPicPr>
-          <p:nvPr>
-            <p:ph sz="half" idx="1"/>
-          </p:nvPr>
-        </p:nvPicPr>
-        <p:blipFill>
-          <a:blip r:embed="rId2"/>
-          <a:stretch>
-            <a:fillRect/>
-          </a:stretch>
-        </p:blipFill>
-        <p:spPr>
-          <a:xfrm>
-            <a:off x="1704340" y="1584325"/>
-            <a:ext cx="2995295" cy="4973955"/>
-          </a:xfrm>
-          <a:prstGeom prst="rect">
-            <a:avLst/>
-          </a:prstGeom>
-        </p:spPr>
-      </p:pic>
-      <p:pic>
-        <p:nvPicPr>
-          <p:cNvPr id="8" name="Picture 7"/>
-          <p:cNvPicPr>
-            <a:picLocks noChangeAspect="1"/>
-          </p:cNvPicPr>
-          <p:nvPr/>
-        </p:nvPicPr>
-        <p:blipFill>
-          <a:blip r:embed="rId3"/>
-          <a:stretch>
-            <a:fillRect/>
-          </a:stretch>
-        </p:blipFill>
-        <p:spPr>
-          <a:xfrm>
-            <a:off x="1582420" y="1273175"/>
-            <a:ext cx="3238500" cy="266700"/>
-          </a:xfrm>
-          <a:prstGeom prst="rect">
-            <a:avLst/>
-          </a:prstGeom>
-        </p:spPr>
-      </p:pic>
-      <p:pic>
-        <p:nvPicPr>
-          <p:cNvPr id="11" name="Content Placeholder 10"/>
-          <p:cNvPicPr>
-            <a:picLocks noChangeAspect="1"/>
-          </p:cNvPicPr>
-          <p:nvPr>
-            <p:ph sz="half" idx="2"/>
-          </p:nvPr>
-        </p:nvPicPr>
-        <p:blipFill>
-          <a:blip r:embed="rId4"/>
-          <a:stretch>
-            <a:fillRect/>
-          </a:stretch>
-        </p:blipFill>
-        <p:spPr>
-          <a:xfrm>
-            <a:off x="6233795" y="1843405"/>
-            <a:ext cx="4676775" cy="4314825"/>
-          </a:xfrm>
-          <a:prstGeom prst="rect">
-            <a:avLst/>
-          </a:prstGeom>
-        </p:spPr>
-      </p:pic>
-      <p:sp>
-        <p:nvSpPr>
-          <p:cNvPr id="13" name="Text Box 12"/>
-          <p:cNvSpPr txBox="1"/>
-          <p:nvPr/>
-        </p:nvSpPr>
-        <p:spPr>
-          <a:xfrm>
-            <a:off x="6454775" y="258445"/>
-            <a:ext cx="2777490" cy="922020"/>
-          </a:xfrm>
-          <a:prstGeom prst="rect">
-            <a:avLst/>
-          </a:prstGeom>
-          <a:noFill/>
-        </p:spPr>
-        <p:txBody>
-          <a:bodyPr wrap="square" rtlCol="0">
-            <a:spAutoFit/>
-          </a:bodyPr>
-          <a:p>
-            <a:r>
-              <a:rPr lang="zh-CN"/>
-              <a:t>结论：启用优化后编译器会生成更高效更紧凑的汇编指令。</a:t>
-            </a:r>
-            <a:endParaRPr lang="zh-CN"/>
-          </a:p>
-        </p:txBody>
-      </p:sp>
-    </p:spTree>
-  </p:cSld>
-  <p:clrMapOvr>
-    <a:masterClrMapping/>
-  </p:clrMapOvr>
-</p:sld>
-</file>
-
-<file path=ppt/slides/slide30.xml><?xml version="1.0" encoding="utf-8"?>
+<file path=ppt/slides/slide35.xml><?xml version="1.0" encoding="utf-8"?>
 <p:sld xmlns:a="http://schemas.openxmlformats.org/drawingml/2006/main" xmlns:r="http://schemas.openxmlformats.org/officeDocument/2006/relationships" xmlns:p="http://schemas.openxmlformats.org/presentationml/2006/main">
   <p:cSld>
     <p:spTree>
@@ -8315,7 +9894,7 @@
 </p:sld>
 </file>
 
-<file path=ppt/slides/slide31.xml><?xml version="1.0" encoding="utf-8"?>
+<file path=ppt/slides/slide36.xml><?xml version="1.0" encoding="utf-8"?>
 <p:sld xmlns:a="http://schemas.openxmlformats.org/drawingml/2006/main" xmlns:r="http://schemas.openxmlformats.org/officeDocument/2006/relationships" xmlns:p="http://schemas.openxmlformats.org/presentationml/2006/main">
   <p:cSld>
     <p:spTree>
@@ -8524,7 +10103,7 @@
 </p:sld>
 </file>
 
-<file path=ppt/slides/slide32.xml><?xml version="1.0" encoding="utf-8"?>
+<file path=ppt/slides/slide37.xml><?xml version="1.0" encoding="utf-8"?>
 <p:sld xmlns:a="http://schemas.openxmlformats.org/drawingml/2006/main" xmlns:r="http://schemas.openxmlformats.org/officeDocument/2006/relationships" xmlns:p="http://schemas.openxmlformats.org/presentationml/2006/main">
   <p:cSld>
     <p:spTree>
@@ -8572,7 +10151,7 @@
 </p:sld>
 </file>
 
-<file path=ppt/slides/slide33.xml><?xml version="1.0" encoding="utf-8"?>
+<file path=ppt/slides/slide38.xml><?xml version="1.0" encoding="utf-8"?>
 <p:sld xmlns:a="http://schemas.openxmlformats.org/drawingml/2006/main" xmlns:r="http://schemas.openxmlformats.org/officeDocument/2006/relationships" xmlns:p="http://schemas.openxmlformats.org/presentationml/2006/main">
   <p:cSld>
     <p:spTree>
@@ -8787,7 +10366,7 @@
 </p:sld>
 </file>
 
-<file path=ppt/slides/slide34.xml><?xml version="1.0" encoding="utf-8"?>
+<file path=ppt/slides/slide39.xml><?xml version="1.0" encoding="utf-8"?>
 <p:sld xmlns:a="http://schemas.openxmlformats.org/drawingml/2006/main" xmlns:r="http://schemas.openxmlformats.org/officeDocument/2006/relationships" xmlns:p="http://schemas.openxmlformats.org/presentationml/2006/main">
   <p:cSld>
     <p:spTree>
@@ -9075,7 +10654,7 @@
 </p:sld>
 </file>
 
-<file path=ppt/slides/slide35.xml><?xml version="1.0" encoding="utf-8"?>
+<file path=ppt/slides/slide4.xml><?xml version="1.0" encoding="utf-8"?>
 <p:sld xmlns:a="http://schemas.openxmlformats.org/drawingml/2006/main" xmlns:r="http://schemas.openxmlformats.org/officeDocument/2006/relationships" xmlns:p="http://schemas.openxmlformats.org/presentationml/2006/main">
   <p:cSld>
     <p:spTree>
@@ -9100,26 +10679,14 @@
           <a:bodyPr/>
           <a:p>
             <a:r>
-              <a:rPr lang="zh-CN" altLang="en-US">
-                <a:sym typeface="+mn-ea"/>
-              </a:rPr>
-              <a:t>告诉编译器别怕指针别名：</a:t>
-            </a:r>
-            <a:r>
-              <a:rPr lang="en-US" altLang="zh-CN">
-                <a:sym typeface="+mn-ea"/>
-              </a:rPr>
-              <a:t>__restrict </a:t>
-            </a:r>
-            <a:r>
-              <a:rPr lang="zh-CN" altLang="en-US">
-                <a:sym typeface="+mn-ea"/>
-              </a:rPr>
-              <a:t>关键字</a:t>
-            </a:r>
-            <a:endParaRPr lang="zh-CN" altLang="en-US">
-              <a:sym typeface="+mn-ea"/>
-            </a:endParaRPr>
+              <a:rPr lang="zh-CN" altLang="en-US"/>
+              <a:t>帮助调试：</a:t>
+            </a:r>
+            <a:r>
+              <a:rPr lang="en-US" altLang="zh-CN"/>
+              <a:t>-fverbose-asm</a:t>
+            </a:r>
+            <a:endParaRPr lang="en-US" altLang="zh-CN"/>
           </a:p>
         </p:txBody>
       </p:sp>
@@ -9130,7 +10697,7 @@
             <a:picLocks noChangeAspect="1"/>
           </p:cNvPicPr>
           <p:nvPr>
-            <p:ph sz="half" idx="1"/>
+            <p:ph sz="half" idx="2"/>
           </p:nvPr>
         </p:nvPicPr>
         <p:blipFill>
@@ -9141,8 +10708,8 @@
         </p:blipFill>
         <p:spPr>
           <a:xfrm>
-            <a:off x="2227580" y="1793240"/>
-            <a:ext cx="8052435" cy="1084580"/>
+            <a:off x="6557010" y="1408430"/>
+            <a:ext cx="4029710" cy="5035550"/>
           </a:xfrm>
           <a:prstGeom prst="rect">
             <a:avLst/>
@@ -9151,12 +10718,12 @@
       </p:pic>
       <p:pic>
         <p:nvPicPr>
-          <p:cNvPr id="6" name="Content Placeholder 5"/>
+          <p:cNvPr id="6" name="Content Placeholder 6"/>
           <p:cNvPicPr>
             <a:picLocks noChangeAspect="1"/>
           </p:cNvPicPr>
           <p:nvPr>
-            <p:ph sz="half" idx="2"/>
+            <p:ph sz="half" idx="1"/>
           </p:nvPr>
         </p:nvPicPr>
         <p:blipFill>
@@ -9167,24 +10734,48 @@
         </p:blipFill>
         <p:spPr>
           <a:xfrm>
-            <a:off x="3893185" y="3931285"/>
-            <a:ext cx="4848225" cy="2162175"/>
+            <a:off x="1716405" y="1473835"/>
+            <a:ext cx="3044190" cy="5055235"/>
           </a:xfrm>
           <a:prstGeom prst="rect">
             <a:avLst/>
           </a:prstGeom>
         </p:spPr>
       </p:pic>
-      <p:sp>
-        <p:nvSpPr>
-          <p:cNvPr id="7" name="Text Box 6"/>
+      <p:pic>
+        <p:nvPicPr>
+          <p:cNvPr id="8" name="Picture 7"/>
+          <p:cNvPicPr>
+            <a:picLocks noChangeAspect="1"/>
+          </p:cNvPicPr>
+          <p:nvPr/>
+        </p:nvPicPr>
+        <p:blipFill>
+          <a:blip r:embed="rId3"/>
+          <a:stretch>
+            <a:fillRect/>
+          </a:stretch>
+        </p:blipFill>
+        <p:spPr>
+          <a:xfrm>
+            <a:off x="1619250" y="1141730"/>
+            <a:ext cx="3238500" cy="266700"/>
+          </a:xfrm>
+          <a:prstGeom prst="rect">
+            <a:avLst/>
+          </a:prstGeom>
+        </p:spPr>
+      </p:pic>
+      <p:sp>
+        <p:nvSpPr>
+          <p:cNvPr id="13" name="Text Box 12"/>
           <p:cNvSpPr txBox="1"/>
           <p:nvPr/>
         </p:nvSpPr>
         <p:spPr>
           <a:xfrm>
-            <a:off x="3893185" y="2967990"/>
-            <a:ext cx="4946015" cy="922020"/>
+            <a:off x="6120130" y="219710"/>
+            <a:ext cx="4358005" cy="922020"/>
           </a:xfrm>
           <a:prstGeom prst="rect">
             <a:avLst/>
@@ -9197,24 +10788,53 @@
           </a:bodyPr>
           <a:p>
             <a:r>
-              <a:rPr lang="en-US" altLang="zh-CN"/>
-              <a:t>__restrict </a:t>
-            </a:r>
-            <a:r>
-              <a:rPr lang="zh-CN" altLang="en-US"/>
-              <a:t>是一个提示性的关键字，是程序员向编译器保证：这些指针之间不会发生重叠！</a:t>
-            </a:r>
-            <a:endParaRPr lang="zh-CN" altLang="en-US"/>
-          </a:p>
-          <a:p>
-            <a:r>
-              <a:rPr lang="zh-CN" altLang="en-US"/>
-              <a:t>从而他可以放心地优化成功：</a:t>
-            </a:r>
-            <a:endParaRPr lang="zh-CN" altLang="en-US"/>
-          </a:p>
-        </p:txBody>
-      </p:sp>
+              <a:rPr lang="zh-CN"/>
+              <a:t>结论：加了</a:t>
+            </a:r>
+            <a:r>
+              <a:rPr lang="en-US" altLang="zh-CN"/>
+              <a:t> -fverbose-asm </a:t>
+            </a:r>
+            <a:r>
+              <a:rPr lang="zh-CN" altLang="en-US"/>
+              <a:t>这个</a:t>
+            </a:r>
+            <a:r>
+              <a:rPr lang="en-US" altLang="zh-CN"/>
+              <a:t> flag </a:t>
+            </a:r>
+            <a:r>
+              <a:rPr lang="zh-CN"/>
+              <a:t>后编译器生成的汇编指令中会夹杂注释，方便我们分析每行汇编对应源码中哪些行。</a:t>
+            </a:r>
+            <a:endParaRPr lang="zh-CN"/>
+          </a:p>
+        </p:txBody>
+      </p:sp>
+      <p:pic>
+        <p:nvPicPr>
+          <p:cNvPr id="9" name="Picture 8"/>
+          <p:cNvPicPr>
+            <a:picLocks noChangeAspect="1"/>
+          </p:cNvPicPr>
+          <p:nvPr/>
+        </p:nvPicPr>
+        <p:blipFill>
+          <a:blip r:embed="rId4"/>
+          <a:stretch>
+            <a:fillRect/>
+          </a:stretch>
+        </p:blipFill>
+        <p:spPr>
+          <a:xfrm>
+            <a:off x="6257290" y="1165225"/>
+            <a:ext cx="4629150" cy="219075"/>
+          </a:xfrm>
+          <a:prstGeom prst="rect">
+            <a:avLst/>
+          </a:prstGeom>
+        </p:spPr>
+      </p:pic>
     </p:spTree>
   </p:cSld>
   <p:clrMapOvr>
@@ -9223,7 +10843,7 @@
 </p:sld>
 </file>
 
-<file path=ppt/slides/slide36.xml><?xml version="1.0" encoding="utf-8"?>
+<file path=ppt/slides/slide40.xml><?xml version="1.0" encoding="utf-8"?>
 <p:sld xmlns:a="http://schemas.openxmlformats.org/drawingml/2006/main" xmlns:r="http://schemas.openxmlformats.org/officeDocument/2006/relationships" xmlns:p="http://schemas.openxmlformats.org/presentationml/2006/main">
   <p:cSld>
     <p:spTree>
@@ -9248,22 +10868,26 @@
           <a:bodyPr/>
           <a:p>
             <a:r>
-              <a:rPr lang="en-US"/>
+              <a:rPr lang="zh-CN" altLang="en-US">
+                <a:sym typeface="+mn-ea"/>
+              </a:rPr>
+              <a:t>告诉编译器别怕指针别名：</a:t>
+            </a:r>
+            <a:r>
+              <a:rPr lang="en-US" altLang="zh-CN">
+                <a:sym typeface="+mn-ea"/>
+              </a:rPr>
               <a:t>__restrict </a:t>
             </a:r>
             <a:r>
-              <a:rPr lang="zh-CN" altLang="en-US"/>
-              <a:t>关键字：只需加在非</a:t>
-            </a:r>
-            <a:r>
-              <a:rPr lang="en-US" altLang="zh-CN"/>
-              <a:t> const </a:t>
-            </a:r>
-            <a:r>
-              <a:rPr lang="zh-CN" altLang="en-US"/>
-              <a:t>的即可</a:t>
-            </a:r>
-            <a:endParaRPr lang="zh-CN" altLang="en-US"/>
+              <a:rPr lang="zh-CN" altLang="en-US">
+                <a:sym typeface="+mn-ea"/>
+              </a:rPr>
+              <a:t>关键字</a:t>
+            </a:r>
+            <a:endParaRPr lang="zh-CN" altLang="en-US">
+              <a:sym typeface="+mn-ea"/>
+            </a:endParaRPr>
           </a:p>
         </p:txBody>
       </p:sp>
@@ -9285,8 +10909,8 @@
         </p:blipFill>
         <p:spPr>
           <a:xfrm>
-            <a:off x="2124710" y="1584325"/>
-            <a:ext cx="7414260" cy="1085850"/>
+            <a:off x="2227580" y="1793240"/>
+            <a:ext cx="8052435" cy="1084580"/>
           </a:xfrm>
           <a:prstGeom prst="rect">
             <a:avLst/>
@@ -9311,8 +10935,8 @@
         </p:blipFill>
         <p:spPr>
           <a:xfrm>
-            <a:off x="3003550" y="3940175"/>
-            <a:ext cx="5805170" cy="2533650"/>
+            <a:off x="3893185" y="3931285"/>
+            <a:ext cx="4848225" cy="2162175"/>
           </a:xfrm>
           <a:prstGeom prst="rect">
             <a:avLst/>
@@ -9327,8 +10951,8 @@
         </p:nvSpPr>
         <p:spPr>
           <a:xfrm>
-            <a:off x="3540760" y="2670175"/>
-            <a:ext cx="4946015" cy="1198880"/>
+            <a:off x="3893185" y="2967990"/>
+            <a:ext cx="4946015" cy="922020"/>
           </a:xfrm>
           <a:prstGeom prst="rect">
             <a:avLst/>
@@ -9341,66 +10965,19 @@
           </a:bodyPr>
           <a:p>
             <a:r>
-              <a:rPr lang="zh-CN" altLang="en-US"/>
-              <a:t>实际上，</a:t>
-            </a:r>
-            <a:r>
               <a:rPr lang="en-US" altLang="zh-CN"/>
               <a:t>__restrict </a:t>
             </a:r>
             <a:r>
               <a:rPr lang="zh-CN" altLang="en-US"/>
-              <a:t>只需要加在所有具有写入访问的指针（这里是</a:t>
-            </a:r>
-            <a:r>
-              <a:rPr lang="en-US" altLang="zh-CN"/>
-              <a:t> c</a:t>
-            </a:r>
-            <a:r>
-              <a:rPr lang="zh-CN" altLang="en-US"/>
-              <a:t>）上，就可以优化成功。</a:t>
+              <a:t>是一个提示性的关键字，是程序员向编译器保证：这些指针之间不会发生重叠！</a:t>
             </a:r>
             <a:endParaRPr lang="zh-CN" altLang="en-US"/>
           </a:p>
           <a:p>
             <a:r>
               <a:rPr lang="zh-CN" altLang="en-US"/>
-              <a:t>而我们可以用</a:t>
-            </a:r>
-            <a:r>
-              <a:rPr lang="en-US" altLang="zh-CN"/>
-              <a:t> const </a:t>
-            </a:r>
-            <a:r>
-              <a:rPr lang="zh-CN" altLang="en-US"/>
-              <a:t>禁止写入访问。</a:t>
-            </a:r>
-            <a:endParaRPr lang="zh-CN" altLang="en-US"/>
-          </a:p>
-          <a:p>
-            <a:r>
-              <a:rPr lang="zh-CN" altLang="en-US"/>
-              <a:t>结论：</a:t>
-            </a:r>
-            <a:r>
-              <a:rPr lang="zh-CN" altLang="en-US" b="1"/>
-              <a:t>所有非</a:t>
-            </a:r>
-            <a:r>
-              <a:rPr lang="en-US" altLang="zh-CN" b="1"/>
-              <a:t> const </a:t>
-            </a:r>
-            <a:r>
-              <a:rPr lang="zh-CN" altLang="en-US" b="1"/>
-              <a:t>的指针都声明</a:t>
-            </a:r>
-            <a:r>
-              <a:rPr lang="en-US" altLang="zh-CN" b="1"/>
-              <a:t> __restrict</a:t>
-            </a:r>
-            <a:r>
-              <a:rPr lang="zh-CN" altLang="en-US"/>
-              <a:t>。</a:t>
+              <a:t>从而他可以放心地优化成功：</a:t>
             </a:r>
             <a:endParaRPr lang="zh-CN" altLang="en-US"/>
           </a:p>
@@ -9414,7 +10991,198 @@
 </p:sld>
 </file>
 
-<file path=ppt/slides/slide37.xml><?xml version="1.0" encoding="utf-8"?>
+<file path=ppt/slides/slide41.xml><?xml version="1.0" encoding="utf-8"?>
+<p:sld xmlns:a="http://schemas.openxmlformats.org/drawingml/2006/main" xmlns:r="http://schemas.openxmlformats.org/officeDocument/2006/relationships" xmlns:p="http://schemas.openxmlformats.org/presentationml/2006/main">
+  <p:cSld>
+    <p:spTree>
+      <p:nvGrpSpPr>
+        <p:cNvPr id="1" name=""/>
+        <p:cNvGrpSpPr/>
+        <p:nvPr/>
+      </p:nvGrpSpPr>
+      <p:grpSpPr/>
+      <p:sp>
+        <p:nvSpPr>
+          <p:cNvPr id="2" name="Title 1"/>
+          <p:cNvSpPr>
+            <a:spLocks noGrp="1"/>
+          </p:cNvSpPr>
+          <p:nvPr>
+            <p:ph type="title"/>
+          </p:nvPr>
+        </p:nvSpPr>
+        <p:spPr/>
+        <p:txBody>
+          <a:bodyPr/>
+          <a:p>
+            <a:r>
+              <a:rPr lang="en-US"/>
+              <a:t>__restrict </a:t>
+            </a:r>
+            <a:r>
+              <a:rPr lang="zh-CN" altLang="en-US"/>
+              <a:t>关键字：只需加在非</a:t>
+            </a:r>
+            <a:r>
+              <a:rPr lang="en-US" altLang="zh-CN"/>
+              <a:t> const </a:t>
+            </a:r>
+            <a:r>
+              <a:rPr lang="zh-CN" altLang="en-US"/>
+              <a:t>的即可</a:t>
+            </a:r>
+            <a:endParaRPr lang="zh-CN" altLang="en-US"/>
+          </a:p>
+        </p:txBody>
+      </p:sp>
+      <p:pic>
+        <p:nvPicPr>
+          <p:cNvPr id="5" name="Content Placeholder 4"/>
+          <p:cNvPicPr>
+            <a:picLocks noChangeAspect="1"/>
+          </p:cNvPicPr>
+          <p:nvPr>
+            <p:ph sz="half" idx="1"/>
+          </p:nvPr>
+        </p:nvPicPr>
+        <p:blipFill>
+          <a:blip r:embed="rId1"/>
+          <a:stretch>
+            <a:fillRect/>
+          </a:stretch>
+        </p:blipFill>
+        <p:spPr>
+          <a:xfrm>
+            <a:off x="2124710" y="1584325"/>
+            <a:ext cx="7414260" cy="1085850"/>
+          </a:xfrm>
+          <a:prstGeom prst="rect">
+            <a:avLst/>
+          </a:prstGeom>
+        </p:spPr>
+      </p:pic>
+      <p:pic>
+        <p:nvPicPr>
+          <p:cNvPr id="6" name="Content Placeholder 5"/>
+          <p:cNvPicPr>
+            <a:picLocks noChangeAspect="1"/>
+          </p:cNvPicPr>
+          <p:nvPr>
+            <p:ph sz="half" idx="2"/>
+          </p:nvPr>
+        </p:nvPicPr>
+        <p:blipFill>
+          <a:blip r:embed="rId2"/>
+          <a:stretch>
+            <a:fillRect/>
+          </a:stretch>
+        </p:blipFill>
+        <p:spPr>
+          <a:xfrm>
+            <a:off x="3003550" y="3940175"/>
+            <a:ext cx="5805170" cy="2533650"/>
+          </a:xfrm>
+          <a:prstGeom prst="rect">
+            <a:avLst/>
+          </a:prstGeom>
+        </p:spPr>
+      </p:pic>
+      <p:sp>
+        <p:nvSpPr>
+          <p:cNvPr id="7" name="Text Box 6"/>
+          <p:cNvSpPr txBox="1"/>
+          <p:nvPr/>
+        </p:nvSpPr>
+        <p:spPr>
+          <a:xfrm>
+            <a:off x="3540760" y="2670175"/>
+            <a:ext cx="4946015" cy="1198880"/>
+          </a:xfrm>
+          <a:prstGeom prst="rect">
+            <a:avLst/>
+          </a:prstGeom>
+          <a:noFill/>
+        </p:spPr>
+        <p:txBody>
+          <a:bodyPr wrap="square" rtlCol="0">
+            <a:spAutoFit/>
+          </a:bodyPr>
+          <a:p>
+            <a:r>
+              <a:rPr lang="zh-CN" altLang="en-US"/>
+              <a:t>实际上，</a:t>
+            </a:r>
+            <a:r>
+              <a:rPr lang="en-US" altLang="zh-CN"/>
+              <a:t>__restrict </a:t>
+            </a:r>
+            <a:r>
+              <a:rPr lang="zh-CN" altLang="en-US"/>
+              <a:t>只需要加在所有具有写入访问的指针（这里是</a:t>
+            </a:r>
+            <a:r>
+              <a:rPr lang="en-US" altLang="zh-CN"/>
+              <a:t> c</a:t>
+            </a:r>
+            <a:r>
+              <a:rPr lang="zh-CN" altLang="en-US"/>
+              <a:t>）上，就可以优化成功。</a:t>
+            </a:r>
+            <a:endParaRPr lang="zh-CN" altLang="en-US"/>
+          </a:p>
+          <a:p>
+            <a:r>
+              <a:rPr lang="zh-CN" altLang="en-US"/>
+              <a:t>而我们可以用</a:t>
+            </a:r>
+            <a:r>
+              <a:rPr lang="en-US" altLang="zh-CN"/>
+              <a:t> const </a:t>
+            </a:r>
+            <a:r>
+              <a:rPr lang="zh-CN" altLang="en-US"/>
+              <a:t>禁止写入访问。</a:t>
+            </a:r>
+            <a:endParaRPr lang="zh-CN" altLang="en-US"/>
+          </a:p>
+          <a:p>
+            <a:r>
+              <a:rPr lang="zh-CN" altLang="en-US"/>
+              <a:t>结论：</a:t>
+            </a:r>
+            <a:r>
+              <a:rPr lang="zh-CN" altLang="en-US" b="1"/>
+              <a:t>所有非</a:t>
+            </a:r>
+            <a:r>
+              <a:rPr lang="en-US" altLang="zh-CN" b="1"/>
+              <a:t> const </a:t>
+            </a:r>
+            <a:r>
+              <a:rPr lang="zh-CN" altLang="en-US" b="1"/>
+              <a:t>的指针都声明</a:t>
+            </a:r>
+            <a:r>
+              <a:rPr lang="en-US" altLang="zh-CN" b="1"/>
+              <a:t> __restrict</a:t>
+            </a:r>
+            <a:r>
+              <a:rPr lang="zh-CN" altLang="en-US"/>
+              <a:t>。</a:t>
+            </a:r>
+            <a:endParaRPr lang="zh-CN" altLang="en-US"/>
+          </a:p>
+        </p:txBody>
+      </p:sp>
+    </p:spTree>
+  </p:cSld>
+  <p:clrMapOvr>
+    <a:masterClrMapping/>
+  </p:clrMapOvr>
+</p:sld>
+</file>
+
+<file path=ppt/slides/slide42.xml><?xml version="1.0" encoding="utf-8"?>
 <p:sld xmlns:a="http://schemas.openxmlformats.org/drawingml/2006/main" xmlns:r="http://schemas.openxmlformats.org/officeDocument/2006/relationships" xmlns:p="http://schemas.openxmlformats.org/presentationml/2006/main">
   <p:cSld>
     <p:spTree>
@@ -9704,7 +11472,7 @@
 </p:sld>
 </file>
 
-<file path=ppt/slides/slide38.xml><?xml version="1.0" encoding="utf-8"?>
+<file path=ppt/slides/slide43.xml><?xml version="1.0" encoding="utf-8"?>
 <p:sld xmlns:a="http://schemas.openxmlformats.org/drawingml/2006/main" xmlns:r="http://schemas.openxmlformats.org/officeDocument/2006/relationships" xmlns:p="http://schemas.openxmlformats.org/presentationml/2006/main">
   <p:cSld>
     <p:spTree>
@@ -10003,7 +11771,7 @@
 </p:sld>
 </file>
 
-<file path=ppt/slides/slide39.xml><?xml version="1.0" encoding="utf-8"?>
+<file path=ppt/slides/slide44.xml><?xml version="1.0" encoding="utf-8"?>
 <p:sld xmlns:a="http://schemas.openxmlformats.org/drawingml/2006/main" xmlns:r="http://schemas.openxmlformats.org/officeDocument/2006/relationships" xmlns:p="http://schemas.openxmlformats.org/presentationml/2006/main">
   <p:cSld>
     <p:spTree>
@@ -10140,7 +11908,7 @@
 </p:sld>
 </file>
 
-<file path=ppt/slides/slide4.xml><?xml version="1.0" encoding="utf-8"?>
+<file path=ppt/slides/slide45.xml><?xml version="1.0" encoding="utf-8"?>
 <p:sld xmlns:a="http://schemas.openxmlformats.org/drawingml/2006/main" xmlns:r="http://schemas.openxmlformats.org/officeDocument/2006/relationships" xmlns:p="http://schemas.openxmlformats.org/presentationml/2006/main">
   <p:cSld>
     <p:spTree>
@@ -10165,25 +11933,23 @@
           <a:bodyPr/>
           <a:p>
             <a:r>
-              <a:rPr lang="zh-CN" altLang="en-US"/>
-              <a:t>帮助调试：</a:t>
-            </a:r>
-            <a:r>
-              <a:rPr lang="en-US" altLang="zh-CN"/>
-              <a:t>-fverbose-asm</a:t>
-            </a:r>
-            <a:endParaRPr lang="en-US" altLang="zh-CN"/>
+              <a:rPr lang="zh-CN" altLang="en-US">
+                <a:sym typeface="+mn-ea"/>
+              </a:rPr>
+              <a:t>合并写入：不能跳跃</a:t>
+            </a:r>
+            <a:endParaRPr lang="en-US"/>
           </a:p>
         </p:txBody>
       </p:sp>
       <p:pic>
         <p:nvPicPr>
-          <p:cNvPr id="5" name="Content Placeholder 4"/>
+          <p:cNvPr id="6" name="Content Placeholder 5"/>
           <p:cNvPicPr>
             <a:picLocks noChangeAspect="1"/>
           </p:cNvPicPr>
           <p:nvPr>
-            <p:ph sz="half" idx="2"/>
+            <p:ph sz="half" idx="1"/>
           </p:nvPr>
         </p:nvPicPr>
         <p:blipFill>
@@ -10194,8 +11960,8 @@
         </p:blipFill>
         <p:spPr>
           <a:xfrm>
-            <a:off x="6557010" y="1408430"/>
-            <a:ext cx="4029710" cy="5035550"/>
+            <a:off x="793115" y="3034665"/>
+            <a:ext cx="4890135" cy="1932940"/>
           </a:xfrm>
           <a:prstGeom prst="rect">
             <a:avLst/>
@@ -10204,12 +11970,12 @@
       </p:pic>
       <p:pic>
         <p:nvPicPr>
-          <p:cNvPr id="6" name="Content Placeholder 6"/>
+          <p:cNvPr id="7" name="Content Placeholder 6"/>
           <p:cNvPicPr>
             <a:picLocks noChangeAspect="1"/>
           </p:cNvPicPr>
           <p:nvPr>
-            <p:ph sz="half" idx="1"/>
+            <p:ph sz="half" idx="2"/>
           </p:nvPr>
         </p:nvPicPr>
         <p:blipFill>
@@ -10220,48 +11986,24 @@
         </p:blipFill>
         <p:spPr>
           <a:xfrm>
-            <a:off x="1716405" y="1473835"/>
-            <a:ext cx="3044190" cy="5055235"/>
+            <a:off x="5934710" y="2724150"/>
+            <a:ext cx="6054090" cy="2553970"/>
           </a:xfrm>
           <a:prstGeom prst="rect">
             <a:avLst/>
           </a:prstGeom>
         </p:spPr>
       </p:pic>
-      <p:pic>
-        <p:nvPicPr>
-          <p:cNvPr id="8" name="Picture 7"/>
-          <p:cNvPicPr>
-            <a:picLocks noChangeAspect="1"/>
-          </p:cNvPicPr>
-          <p:nvPr/>
-        </p:nvPicPr>
-        <p:blipFill>
-          <a:blip r:embed="rId3"/>
-          <a:stretch>
-            <a:fillRect/>
-          </a:stretch>
-        </p:blipFill>
-        <p:spPr>
-          <a:xfrm>
-            <a:off x="1619250" y="1141730"/>
-            <a:ext cx="3238500" cy="266700"/>
-          </a:xfrm>
-          <a:prstGeom prst="rect">
-            <a:avLst/>
-          </a:prstGeom>
-        </p:spPr>
-      </p:pic>
-      <p:sp>
-        <p:nvSpPr>
-          <p:cNvPr id="13" name="Text Box 12"/>
+      <p:sp>
+        <p:nvSpPr>
+          <p:cNvPr id="12" name="Text Box 11"/>
           <p:cNvSpPr txBox="1"/>
           <p:nvPr/>
         </p:nvSpPr>
         <p:spPr>
           <a:xfrm>
-            <a:off x="6120130" y="219710"/>
-            <a:ext cx="4358005" cy="922020"/>
+            <a:off x="5584825" y="776605"/>
+            <a:ext cx="2738755" cy="922020"/>
           </a:xfrm>
           <a:prstGeom prst="rect">
             <a:avLst/>
@@ -10275,52 +12017,12 @@
           <a:p>
             <a:r>
               <a:rPr lang="zh-CN"/>
-              <a:t>结论：加了</a:t>
-            </a:r>
-            <a:r>
-              <a:rPr lang="en-US" altLang="zh-CN"/>
-              <a:t> -fverbose-asm </a:t>
-            </a:r>
-            <a:r>
-              <a:rPr lang="zh-CN" altLang="en-US"/>
-              <a:t>这个</a:t>
-            </a:r>
-            <a:r>
-              <a:rPr lang="en-US" altLang="zh-CN"/>
-              <a:t> flag </a:t>
-            </a:r>
-            <a:r>
-              <a:rPr lang="zh-CN"/>
-              <a:t>后编译器生成的汇编指令中会夹杂注释，方便我们分析每行汇编对应源码中哪些行。</a:t>
+              <a:t>但如果访问的两个元素地址间有跳跃，就不能合并了。</a:t>
             </a:r>
             <a:endParaRPr lang="zh-CN"/>
           </a:p>
         </p:txBody>
       </p:sp>
-      <p:pic>
-        <p:nvPicPr>
-          <p:cNvPr id="9" name="Picture 8"/>
-          <p:cNvPicPr>
-            <a:picLocks noChangeAspect="1"/>
-          </p:cNvPicPr>
-          <p:nvPr/>
-        </p:nvPicPr>
-        <p:blipFill>
-          <a:blip r:embed="rId4"/>
-          <a:stretch>
-            <a:fillRect/>
-          </a:stretch>
-        </p:blipFill>
-        <p:spPr>
-          <a:xfrm>
-            <a:off x="6257290" y="1165225"/>
-            <a:ext cx="4629150" cy="219075"/>
-          </a:xfrm>
-          <a:prstGeom prst="rect">
-            <a:avLst/>
-          </a:prstGeom>
-        </p:spPr>
-      </p:pic>
     </p:spTree>
   </p:cSld>
   <p:clrMapOvr>
@@ -10329,7 +12031,7 @@
 </p:sld>
 </file>
 
-<file path=ppt/slides/slide40.xml><?xml version="1.0" encoding="utf-8"?>
+<file path=ppt/slides/slide46.xml><?xml version="1.0" encoding="utf-8"?>
 <p:sld xmlns:a="http://schemas.openxmlformats.org/drawingml/2006/main" xmlns:r="http://schemas.openxmlformats.org/officeDocument/2006/relationships" xmlns:p="http://schemas.openxmlformats.org/presentationml/2006/main">
   <p:cSld>
     <p:spTree>
@@ -10341,7 +12043,7 @@
       <p:grpSpPr/>
       <p:sp>
         <p:nvSpPr>
-          <p:cNvPr id="2" name="Title 1"/>
+          <p:cNvPr id="5" name="Title 4"/>
           <p:cNvSpPr>
             <a:spLocks noGrp="1"/>
           </p:cNvSpPr>
@@ -10351,96 +12053,23 @@
         </p:nvSpPr>
         <p:spPr/>
         <p:txBody>
-          <a:bodyPr/>
-          <a:p>
-            <a:r>
-              <a:rPr lang="zh-CN" altLang="en-US">
-                <a:sym typeface="+mn-ea"/>
-              </a:rPr>
-              <a:t>合并写入：不能跳跃</a:t>
-            </a:r>
-            <a:endParaRPr lang="en-US"/>
-          </a:p>
-        </p:txBody>
-      </p:sp>
-      <p:pic>
-        <p:nvPicPr>
-          <p:cNvPr id="6" name="Content Placeholder 5"/>
-          <p:cNvPicPr>
-            <a:picLocks noChangeAspect="1"/>
-          </p:cNvPicPr>
-          <p:nvPr>
-            <p:ph sz="half" idx="1"/>
-          </p:nvPr>
-        </p:nvPicPr>
-        <p:blipFill>
-          <a:blip r:embed="rId1"/>
-          <a:stretch>
-            <a:fillRect/>
-          </a:stretch>
-        </p:blipFill>
-        <p:spPr>
-          <a:xfrm>
-            <a:off x="793115" y="3034665"/>
-            <a:ext cx="4890135" cy="1932940"/>
-          </a:xfrm>
-          <a:prstGeom prst="rect">
-            <a:avLst/>
-          </a:prstGeom>
-        </p:spPr>
-      </p:pic>
-      <p:pic>
-        <p:nvPicPr>
-          <p:cNvPr id="7" name="Content Placeholder 6"/>
-          <p:cNvPicPr>
-            <a:picLocks noChangeAspect="1"/>
-          </p:cNvPicPr>
-          <p:nvPr>
-            <p:ph sz="half" idx="2"/>
-          </p:nvPr>
-        </p:nvPicPr>
-        <p:blipFill>
-          <a:blip r:embed="rId2"/>
-          <a:stretch>
-            <a:fillRect/>
-          </a:stretch>
-        </p:blipFill>
-        <p:spPr>
-          <a:xfrm>
-            <a:off x="5934710" y="2724150"/>
-            <a:ext cx="6054090" cy="2553970"/>
-          </a:xfrm>
-          <a:prstGeom prst="rect">
-            <a:avLst/>
-          </a:prstGeom>
-        </p:spPr>
-      </p:pic>
-      <p:sp>
-        <p:nvSpPr>
-          <p:cNvPr id="12" name="Text Box 11"/>
-          <p:cNvSpPr txBox="1"/>
-          <p:nvPr/>
-        </p:nvSpPr>
-        <p:spPr>
-          <a:xfrm>
-            <a:off x="5584825" y="776605"/>
-            <a:ext cx="2738755" cy="922020"/>
-          </a:xfrm>
-          <a:prstGeom prst="rect">
-            <a:avLst/>
-          </a:prstGeom>
-          <a:noFill/>
-        </p:spPr>
-        <p:txBody>
-          <a:bodyPr wrap="square" rtlCol="0">
-            <a:spAutoFit/>
+          <a:bodyPr>
+            <a:normAutofit/>
           </a:bodyPr>
           <a:p>
             <a:r>
-              <a:rPr lang="zh-CN"/>
-              <a:t>但如果访问的两个元素地址间有跳跃，就不能合并了。</a:t>
-            </a:r>
-            <a:endParaRPr lang="zh-CN"/>
+              <a:rPr lang="zh-CN" altLang="en-US"/>
+              <a:t>第</a:t>
+            </a:r>
+            <a:r>
+              <a:rPr lang="en-US" altLang="zh-CN"/>
+              <a:t>4</a:t>
+            </a:r>
+            <a:r>
+              <a:rPr lang="zh-CN" altLang="en-US"/>
+              <a:t>章：矢量化</a:t>
+            </a:r>
+            <a:endParaRPr lang="zh-CN" altLang="en-US"/>
           </a:p>
         </p:txBody>
       </p:sp>
@@ -10452,57 +12081,7 @@
 </p:sld>
 </file>
 
-<file path=ppt/slides/slide41.xml><?xml version="1.0" encoding="utf-8"?>
-<p:sld xmlns:a="http://schemas.openxmlformats.org/drawingml/2006/main" xmlns:r="http://schemas.openxmlformats.org/officeDocument/2006/relationships" xmlns:p="http://schemas.openxmlformats.org/presentationml/2006/main">
-  <p:cSld>
-    <p:spTree>
-      <p:nvGrpSpPr>
-        <p:cNvPr id="1" name=""/>
-        <p:cNvGrpSpPr/>
-        <p:nvPr/>
-      </p:nvGrpSpPr>
-      <p:grpSpPr/>
-      <p:sp>
-        <p:nvSpPr>
-          <p:cNvPr id="5" name="Title 4"/>
-          <p:cNvSpPr>
-            <a:spLocks noGrp="1"/>
-          </p:cNvSpPr>
-          <p:nvPr>
-            <p:ph type="title"/>
-          </p:nvPr>
-        </p:nvSpPr>
-        <p:spPr/>
-        <p:txBody>
-          <a:bodyPr>
-            <a:normAutofit/>
-          </a:bodyPr>
-          <a:p>
-            <a:r>
-              <a:rPr lang="zh-CN" altLang="en-US"/>
-              <a:t>第</a:t>
-            </a:r>
-            <a:r>
-              <a:rPr lang="en-US" altLang="zh-CN"/>
-              <a:t>4</a:t>
-            </a:r>
-            <a:r>
-              <a:rPr lang="zh-CN" altLang="en-US"/>
-              <a:t>章：矢量化</a:t>
-            </a:r>
-            <a:endParaRPr lang="zh-CN" altLang="en-US"/>
-          </a:p>
-        </p:txBody>
-      </p:sp>
-    </p:spTree>
-  </p:cSld>
-  <p:clrMapOvr>
-    <a:masterClrMapping/>
-  </p:clrMapOvr>
-</p:sld>
-</file>
-
-<file path=ppt/slides/slide42.xml><?xml version="1.0" encoding="utf-8"?>
+<file path=ppt/slides/slide47.xml><?xml version="1.0" encoding="utf-8"?>
 <p:sld xmlns:a="http://schemas.openxmlformats.org/drawingml/2006/main" xmlns:r="http://schemas.openxmlformats.org/officeDocument/2006/relationships" xmlns:p="http://schemas.openxmlformats.org/presentationml/2006/main">
   <p:cSld>
     <p:spTree>
@@ -10953,7 +12532,7 @@
 </p:sld>
 </file>
 
-<file path=ppt/slides/slide43.xml><?xml version="1.0" encoding="utf-8"?>
+<file path=ppt/slides/slide48.xml><?xml version="1.0" encoding="utf-8"?>
 <p:sld xmlns:a="http://schemas.openxmlformats.org/drawingml/2006/main" xmlns:r="http://schemas.openxmlformats.org/officeDocument/2006/relationships" xmlns:p="http://schemas.openxmlformats.org/presentationml/2006/main">
   <p:cSld>
     <p:spTree>
@@ -11306,7 +12885,7 @@
 </p:sld>
 </file>
 
-<file path=ppt/slides/slide44.xml><?xml version="1.0" encoding="utf-8"?>
+<file path=ppt/slides/slide49.xml><?xml version="1.0" encoding="utf-8"?>
 <p:sld xmlns:a="http://schemas.openxmlformats.org/drawingml/2006/main" xmlns:r="http://schemas.openxmlformats.org/officeDocument/2006/relationships" xmlns:p="http://schemas.openxmlformats.org/presentationml/2006/main">
   <p:cSld>
     <p:spTree>
@@ -11561,7 +13140,55 @@
 </p:sld>
 </file>
 
-<file path=ppt/slides/slide45.xml><?xml version="1.0" encoding="utf-8"?>
+<file path=ppt/slides/slide5.xml><?xml version="1.0" encoding="utf-8"?>
+<p:sld xmlns:a="http://schemas.openxmlformats.org/drawingml/2006/main" xmlns:r="http://schemas.openxmlformats.org/officeDocument/2006/relationships" xmlns:p="http://schemas.openxmlformats.org/presentationml/2006/main">
+  <p:cSld>
+    <p:spTree>
+      <p:nvGrpSpPr>
+        <p:cNvPr id="1" name=""/>
+        <p:cNvGrpSpPr/>
+        <p:nvPr/>
+      </p:nvGrpSpPr>
+      <p:grpSpPr/>
+      <p:sp>
+        <p:nvSpPr>
+          <p:cNvPr id="2" name="Title 1"/>
+          <p:cNvSpPr>
+            <a:spLocks noGrp="1"/>
+          </p:cNvSpPr>
+          <p:nvPr>
+            <p:ph type="title"/>
+          </p:nvPr>
+        </p:nvSpPr>
+        <p:spPr/>
+        <p:txBody>
+          <a:bodyPr/>
+          <a:p>
+            <a:r>
+              <a:rPr lang="zh-CN" altLang="en-US"/>
+              <a:t>第</a:t>
+            </a:r>
+            <a:r>
+              <a:rPr lang="en-US" altLang="zh-CN"/>
+              <a:t>0</a:t>
+            </a:r>
+            <a:r>
+              <a:rPr lang="zh-CN" altLang="en-US"/>
+              <a:t>章：汇编语言</a:t>
+            </a:r>
+            <a:endParaRPr lang="zh-CN" altLang="en-US"/>
+          </a:p>
+        </p:txBody>
+      </p:sp>
+    </p:spTree>
+  </p:cSld>
+  <p:clrMapOvr>
+    <a:masterClrMapping/>
+  </p:clrMapOvr>
+</p:sld>
+</file>
+
+<file path=ppt/slides/slide50.xml><?xml version="1.0" encoding="utf-8"?>
 <p:sld xmlns:a="http://schemas.openxmlformats.org/drawingml/2006/main" xmlns:r="http://schemas.openxmlformats.org/officeDocument/2006/relationships" xmlns:p="http://schemas.openxmlformats.org/presentationml/2006/main">
   <p:cSld>
     <p:spTree>
@@ -11794,7 +13421,7 @@
 </p:sld>
 </file>
 
-<file path=ppt/slides/slide46.xml><?xml version="1.0" encoding="utf-8"?>
+<file path=ppt/slides/slide51.xml><?xml version="1.0" encoding="utf-8"?>
 <p:sld xmlns:a="http://schemas.openxmlformats.org/drawingml/2006/main" xmlns:r="http://schemas.openxmlformats.org/officeDocument/2006/relationships" xmlns:p="http://schemas.openxmlformats.org/presentationml/2006/main">
   <p:cSld>
     <p:spTree>
@@ -11910,7 +13537,7 @@
 </p:sld>
 </file>
 
-<file path=ppt/slides/slide47.xml><?xml version="1.0" encoding="utf-8"?>
+<file path=ppt/slides/slide52.xml><?xml version="1.0" encoding="utf-8"?>
 <p:sld xmlns:a="http://schemas.openxmlformats.org/drawingml/2006/main" xmlns:r="http://schemas.openxmlformats.org/officeDocument/2006/relationships" xmlns:p="http://schemas.openxmlformats.org/presentationml/2006/main">
   <p:cSld>
     <p:spTree>
@@ -12260,7 +13887,7 @@
 </p:sld>
 </file>
 
-<file path=ppt/slides/slide48.xml><?xml version="1.0" encoding="utf-8"?>
+<file path=ppt/slides/slide53.xml><?xml version="1.0" encoding="utf-8"?>
 <p:sld xmlns:a="http://schemas.openxmlformats.org/drawingml/2006/main" xmlns:r="http://schemas.openxmlformats.org/officeDocument/2006/relationships" xmlns:p="http://schemas.openxmlformats.org/presentationml/2006/main">
   <p:cSld>
     <p:spTree>
@@ -12605,7 +14232,7 @@
 </p:sld>
 </file>
 
-<file path=ppt/slides/slide49.xml><?xml version="1.0" encoding="utf-8"?>
+<file path=ppt/slides/slide54.xml><?xml version="1.0" encoding="utf-8"?>
 <p:sld xmlns:a="http://schemas.openxmlformats.org/drawingml/2006/main" xmlns:r="http://schemas.openxmlformats.org/officeDocument/2006/relationships" xmlns:p="http://schemas.openxmlformats.org/presentationml/2006/main">
   <p:cSld>
     <p:spTree>
@@ -12791,55 +14418,7 @@
 </p:sld>
 </file>
 
-<file path=ppt/slides/slide5.xml><?xml version="1.0" encoding="utf-8"?>
-<p:sld xmlns:a="http://schemas.openxmlformats.org/drawingml/2006/main" xmlns:r="http://schemas.openxmlformats.org/officeDocument/2006/relationships" xmlns:p="http://schemas.openxmlformats.org/presentationml/2006/main">
-  <p:cSld>
-    <p:spTree>
-      <p:nvGrpSpPr>
-        <p:cNvPr id="1" name=""/>
-        <p:cNvGrpSpPr/>
-        <p:nvPr/>
-      </p:nvGrpSpPr>
-      <p:grpSpPr/>
-      <p:sp>
-        <p:nvSpPr>
-          <p:cNvPr id="2" name="Title 1"/>
-          <p:cNvSpPr>
-            <a:spLocks noGrp="1"/>
-          </p:cNvSpPr>
-          <p:nvPr>
-            <p:ph type="title"/>
-          </p:nvPr>
-        </p:nvSpPr>
-        <p:spPr/>
-        <p:txBody>
-          <a:bodyPr/>
-          <a:p>
-            <a:r>
-              <a:rPr lang="zh-CN" altLang="en-US"/>
-              <a:t>第</a:t>
-            </a:r>
-            <a:r>
-              <a:rPr lang="en-US" altLang="zh-CN"/>
-              <a:t>0</a:t>
-            </a:r>
-            <a:r>
-              <a:rPr lang="zh-CN" altLang="en-US"/>
-              <a:t>章：汇编语言</a:t>
-            </a:r>
-            <a:endParaRPr lang="zh-CN" altLang="en-US"/>
-          </a:p>
-        </p:txBody>
-      </p:sp>
-    </p:spTree>
-  </p:cSld>
-  <p:clrMapOvr>
-    <a:masterClrMapping/>
-  </p:clrMapOvr>
-</p:sld>
-</file>
-
-<file path=ppt/slides/slide50.xml><?xml version="1.0" encoding="utf-8"?>
+<file path=ppt/slides/slide55.xml><?xml version="1.0" encoding="utf-8"?>
 <p:sld xmlns:a="http://schemas.openxmlformats.org/drawingml/2006/main" xmlns:r="http://schemas.openxmlformats.org/officeDocument/2006/relationships" xmlns:p="http://schemas.openxmlformats.org/presentationml/2006/main">
   <p:cSld>
     <p:spTree>
@@ -13356,7 +14935,7 @@
 </p:sld>
 </file>
 
-<file path=ppt/slides/slide51.xml><?xml version="1.0" encoding="utf-8"?>
+<file path=ppt/slides/slide56.xml><?xml version="1.0" encoding="utf-8"?>
 <p:sld xmlns:a="http://schemas.openxmlformats.org/drawingml/2006/main" xmlns:r="http://schemas.openxmlformats.org/officeDocument/2006/relationships" xmlns:p="http://schemas.openxmlformats.org/presentationml/2006/main">
   <p:cSld>
     <p:spTree>
@@ -13404,7 +14983,7 @@
 </p:sld>
 </file>
 
-<file path=ppt/slides/slide52.xml><?xml version="1.0" encoding="utf-8"?>
+<file path=ppt/slides/slide57.xml><?xml version="1.0" encoding="utf-8"?>
 <p:sld xmlns:a="http://schemas.openxmlformats.org/drawingml/2006/main" xmlns:r="http://schemas.openxmlformats.org/officeDocument/2006/relationships" xmlns:p="http://schemas.openxmlformats.org/presentationml/2006/main">
   <p:cSld>
     <p:spTree>
@@ -14320,7 +15899,7 @@
 </p:sld>
 </file>
 
-<file path=ppt/slides/slide53.xml><?xml version="1.0" encoding="utf-8"?>
+<file path=ppt/slides/slide58.xml><?xml version="1.0" encoding="utf-8"?>
 <p:sld xmlns:a="http://schemas.openxmlformats.org/drawingml/2006/main" xmlns:r="http://schemas.openxmlformats.org/officeDocument/2006/relationships" xmlns:p="http://schemas.openxmlformats.org/presentationml/2006/main">
   <p:cSld>
     <p:spTree>
@@ -14815,7 +16394,7 @@
 </p:sld>
 </file>
 
-<file path=ppt/slides/slide54.xml><?xml version="1.0" encoding="utf-8"?>
+<file path=ppt/slides/slide59.xml><?xml version="1.0" encoding="utf-8"?>
 <p:sld xmlns:a="http://schemas.openxmlformats.org/drawingml/2006/main" xmlns:r="http://schemas.openxmlformats.org/officeDocument/2006/relationships" xmlns:p="http://schemas.openxmlformats.org/presentationml/2006/main">
   <p:cSld>
     <p:spTree>
@@ -15043,7 +16622,7 @@
 </p:sld>
 </file>
 
-<file path=ppt/slides/slide55.xml><?xml version="1.0" encoding="utf-8"?>
+<file path=ppt/slides/slide6.xml><?xml version="1.0" encoding="utf-8"?>
 <p:sld xmlns:a="http://schemas.openxmlformats.org/drawingml/2006/main" xmlns:r="http://schemas.openxmlformats.org/officeDocument/2006/relationships" xmlns:p="http://schemas.openxmlformats.org/presentationml/2006/main">
   <p:cSld>
     <p:spTree>
@@ -15068,6 +16647,208 @@
           <a:bodyPr/>
           <a:p>
             <a:r>
+              <a:rPr lang="en-US"/>
+              <a:t>x64 </a:t>
+            </a:r>
+            <a:r>
+              <a:rPr lang="zh-CN" altLang="en-US"/>
+              <a:t>架构下的寄存器模型</a:t>
+            </a:r>
+            <a:endParaRPr lang="zh-CN" altLang="en-US"/>
+          </a:p>
+        </p:txBody>
+      </p:sp>
+      <p:pic>
+        <p:nvPicPr>
+          <p:cNvPr id="4" name="Content Placeholder 3"/>
+          <p:cNvPicPr>
+            <a:picLocks noChangeAspect="1"/>
+          </p:cNvPicPr>
+          <p:nvPr>
+            <p:ph idx="1"/>
+          </p:nvPr>
+        </p:nvPicPr>
+        <p:blipFill>
+          <a:blip r:embed="rId1"/>
+          <a:stretch>
+            <a:fillRect/>
+          </a:stretch>
+        </p:blipFill>
+        <p:spPr>
+          <a:xfrm>
+            <a:off x="2066925" y="1825625"/>
+            <a:ext cx="7675880" cy="4351655"/>
+          </a:xfrm>
+          <a:prstGeom prst="rect">
+            <a:avLst/>
+          </a:prstGeom>
+        </p:spPr>
+      </p:pic>
+      <p:sp>
+        <p:nvSpPr>
+          <p:cNvPr id="3" name="Rounded Rectangle 2"/>
+          <p:cNvSpPr/>
+          <p:nvPr/>
+        </p:nvSpPr>
+        <p:spPr>
+          <a:xfrm>
+            <a:off x="2094230" y="2237740"/>
+            <a:ext cx="1328420" cy="3945255"/>
+          </a:xfrm>
+          <a:prstGeom prst="roundRect">
+            <a:avLst/>
+          </a:prstGeom>
+          <a:noFill/>
+          <a:ln w="28575" cmpd="sng">
+            <a:solidFill>
+              <a:srgbClr val="FF3300"/>
+            </a:solidFill>
+            <a:prstDash val="solid"/>
+          </a:ln>
+        </p:spPr>
+        <p:style>
+          <a:lnRef idx="2">
+            <a:schemeClr val="accent1">
+              <a:shade val="50000"/>
+            </a:schemeClr>
+          </a:lnRef>
+          <a:fillRef idx="1">
+            <a:schemeClr val="accent1"/>
+          </a:fillRef>
+          <a:effectRef idx="0">
+            <a:schemeClr val="accent1"/>
+          </a:effectRef>
+          <a:fontRef idx="minor">
+            <a:schemeClr val="lt1"/>
+          </a:fontRef>
+        </p:style>
+        <p:txBody>
+          <a:bodyPr rtlCol="0" anchor="ctr"/>
+          <a:p>
+            <a:pPr algn="ctr"/>
+            <a:endParaRPr lang="en-US"/>
+          </a:p>
+        </p:txBody>
+      </p:sp>
+    </p:spTree>
+  </p:cSld>
+  <p:clrMapOvr>
+    <a:masterClrMapping/>
+  </p:clrMapOvr>
+  <p:timing>
+    <p:tnLst>
+      <p:par>
+        <p:cTn id="1" dur="indefinite" restart="never" nodeType="tmRoot">
+          <p:childTnLst>
+            <p:seq concurrent="1" nextAc="seek">
+              <p:cTn id="2" dur="indefinite" nodeType="mainSeq">
+                <p:childTnLst>
+                  <p:par>
+                    <p:cTn id="3" fill="hold">
+                      <p:stCondLst>
+                        <p:cond delay="indefinite"/>
+                      </p:stCondLst>
+                      <p:childTnLst>
+                        <p:par>
+                          <p:cTn id="4" fill="hold">
+                            <p:stCondLst>
+                              <p:cond delay="0"/>
+                            </p:stCondLst>
+                            <p:childTnLst>
+                              <p:par>
+                                <p:cTn id="5" presetID="9" presetClass="entr" presetSubtype="0" fill="hold" grpId="0" nodeType="clickEffect">
+                                  <p:stCondLst>
+                                    <p:cond delay="0"/>
+                                  </p:stCondLst>
+                                  <p:childTnLst>
+                                    <p:set>
+                                      <p:cBhvr>
+                                        <p:cTn id="6" dur="1" fill="hold">
+                                          <p:stCondLst>
+                                            <p:cond delay="0"/>
+                                          </p:stCondLst>
+                                        </p:cTn>
+                                        <p:tgtEl>
+                                          <p:spTgt spid="3"/>
+                                        </p:tgtEl>
+                                        <p:attrNameLst>
+                                          <p:attrName>style.visibility</p:attrName>
+                                        </p:attrNameLst>
+                                      </p:cBhvr>
+                                      <p:to>
+                                        <p:strVal val="visible"/>
+                                      </p:to>
+                                    </p:set>
+                                    <p:animEffect transition="in" filter="dissolve">
+                                      <p:cBhvr>
+                                        <p:cTn id="7" dur="500"/>
+                                        <p:tgtEl>
+                                          <p:spTgt spid="3"/>
+                                        </p:tgtEl>
+                                      </p:cBhvr>
+                                    </p:animEffect>
+                                  </p:childTnLst>
+                                </p:cTn>
+                              </p:par>
+                            </p:childTnLst>
+                          </p:cTn>
+                        </p:par>
+                      </p:childTnLst>
+                    </p:cTn>
+                  </p:par>
+                </p:childTnLst>
+              </p:cTn>
+              <p:prevCondLst>
+                <p:cond evt="onPrev" delay="0">
+                  <p:tgtEl>
+                    <p:sldTgt/>
+                  </p:tgtEl>
+                </p:cond>
+              </p:prevCondLst>
+              <p:nextCondLst>
+                <p:cond evt="onNext" delay="0">
+                  <p:tgtEl>
+                    <p:sldTgt/>
+                  </p:tgtEl>
+                </p:cond>
+              </p:nextCondLst>
+            </p:seq>
+          </p:childTnLst>
+        </p:cTn>
+      </p:par>
+    </p:tnLst>
+    <p:bldLst>
+      <p:bldP spid="3" grpId="0" animBg="1"/>
+    </p:bldLst>
+  </p:timing>
+</p:sld>
+</file>
+
+<file path=ppt/slides/slide60.xml><?xml version="1.0" encoding="utf-8"?>
+<p:sld xmlns:a="http://schemas.openxmlformats.org/drawingml/2006/main" xmlns:r="http://schemas.openxmlformats.org/officeDocument/2006/relationships" xmlns:p="http://schemas.openxmlformats.org/presentationml/2006/main">
+  <p:cSld>
+    <p:spTree>
+      <p:nvGrpSpPr>
+        <p:cNvPr id="1" name=""/>
+        <p:cNvGrpSpPr/>
+        <p:nvPr/>
+      </p:nvGrpSpPr>
+      <p:grpSpPr/>
+      <p:sp>
+        <p:nvSpPr>
+          <p:cNvPr id="2" name="Title 1"/>
+          <p:cNvSpPr>
+            <a:spLocks noGrp="1"/>
+          </p:cNvSpPr>
+          <p:nvPr>
+            <p:ph type="title"/>
+          </p:nvPr>
+        </p:nvSpPr>
+        <p:spPr/>
+        <p:txBody>
+          <a:bodyPr/>
+          <a:p>
+            <a:r>
               <a:rPr lang="zh-CN" altLang="en-US">
                 <a:sym typeface="+mn-ea"/>
               </a:rPr>
@@ -15247,7 +17028,7 @@
 </p:sld>
 </file>
 
-<file path=ppt/slides/slide56.xml><?xml version="1.0" encoding="utf-8"?>
+<file path=ppt/slides/slide61.xml><?xml version="1.0" encoding="utf-8"?>
 <p:sld xmlns:a="http://schemas.openxmlformats.org/drawingml/2006/main" xmlns:r="http://schemas.openxmlformats.org/officeDocument/2006/relationships" xmlns:p="http://schemas.openxmlformats.org/presentationml/2006/main">
   <p:cSld>
     <p:spTree>
@@ -15947,7 +17728,7 @@
 </p:sld>
 </file>
 
-<file path=ppt/slides/slide57.xml><?xml version="1.0" encoding="utf-8"?>
+<file path=ppt/slides/slide62.xml><?xml version="1.0" encoding="utf-8"?>
 <p:sld xmlns:a="http://schemas.openxmlformats.org/drawingml/2006/main" xmlns:r="http://schemas.openxmlformats.org/officeDocument/2006/relationships" xmlns:p="http://schemas.openxmlformats.org/presentationml/2006/main">
   <p:cSld>
     <p:spTree>
@@ -16294,7 +18075,7 @@
 </p:sld>
 </file>
 
-<file path=ppt/slides/slide58.xml><?xml version="1.0" encoding="utf-8"?>
+<file path=ppt/slides/slide63.xml><?xml version="1.0" encoding="utf-8"?>
 <p:sld xmlns:a="http://schemas.openxmlformats.org/drawingml/2006/main" xmlns:r="http://schemas.openxmlformats.org/officeDocument/2006/relationships" xmlns:p="http://schemas.openxmlformats.org/presentationml/2006/main">
   <p:cSld>
     <p:spTree>
@@ -16783,7 +18564,7 @@
 </p:sld>
 </file>
 
-<file path=ppt/slides/slide59.xml><?xml version="1.0" encoding="utf-8"?>
+<file path=ppt/slides/slide64.xml><?xml version="1.0" encoding="utf-8"?>
 <p:sld xmlns:a="http://schemas.openxmlformats.org/drawingml/2006/main" xmlns:r="http://schemas.openxmlformats.org/officeDocument/2006/relationships" xmlns:p="http://schemas.openxmlformats.org/presentationml/2006/main">
   <p:cSld>
     <p:spTree>
@@ -17083,7 +18864,7 @@
 </p:sld>
 </file>
 
-<file path=ppt/slides/slide6.xml><?xml version="1.0" encoding="utf-8"?>
+<file path=ppt/slides/slide65.xml><?xml version="1.0" encoding="utf-8"?>
 <p:sld xmlns:a="http://schemas.openxmlformats.org/drawingml/2006/main" xmlns:r="http://schemas.openxmlformats.org/officeDocument/2006/relationships" xmlns:p="http://schemas.openxmlformats.org/presentationml/2006/main">
   <p:cSld>
     <p:spTree>
@@ -17108,208 +18889,6 @@
           <a:bodyPr/>
           <a:p>
             <a:r>
-              <a:rPr lang="en-US"/>
-              <a:t>x64 </a:t>
-            </a:r>
-            <a:r>
-              <a:rPr lang="zh-CN" altLang="en-US"/>
-              <a:t>架构下的寄存器模型</a:t>
-            </a:r>
-            <a:endParaRPr lang="zh-CN" altLang="en-US"/>
-          </a:p>
-        </p:txBody>
-      </p:sp>
-      <p:pic>
-        <p:nvPicPr>
-          <p:cNvPr id="4" name="Content Placeholder 3"/>
-          <p:cNvPicPr>
-            <a:picLocks noChangeAspect="1"/>
-          </p:cNvPicPr>
-          <p:nvPr>
-            <p:ph idx="1"/>
-          </p:nvPr>
-        </p:nvPicPr>
-        <p:blipFill>
-          <a:blip r:embed="rId1"/>
-          <a:stretch>
-            <a:fillRect/>
-          </a:stretch>
-        </p:blipFill>
-        <p:spPr>
-          <a:xfrm>
-            <a:off x="2066925" y="1825625"/>
-            <a:ext cx="7675880" cy="4351655"/>
-          </a:xfrm>
-          <a:prstGeom prst="rect">
-            <a:avLst/>
-          </a:prstGeom>
-        </p:spPr>
-      </p:pic>
-      <p:sp>
-        <p:nvSpPr>
-          <p:cNvPr id="3" name="Rounded Rectangle 2"/>
-          <p:cNvSpPr/>
-          <p:nvPr/>
-        </p:nvSpPr>
-        <p:spPr>
-          <a:xfrm>
-            <a:off x="2094230" y="2237740"/>
-            <a:ext cx="1328420" cy="3945255"/>
-          </a:xfrm>
-          <a:prstGeom prst="roundRect">
-            <a:avLst/>
-          </a:prstGeom>
-          <a:noFill/>
-          <a:ln w="28575" cmpd="sng">
-            <a:solidFill>
-              <a:srgbClr val="FF3300"/>
-            </a:solidFill>
-            <a:prstDash val="solid"/>
-          </a:ln>
-        </p:spPr>
-        <p:style>
-          <a:lnRef idx="2">
-            <a:schemeClr val="accent1">
-              <a:shade val="50000"/>
-            </a:schemeClr>
-          </a:lnRef>
-          <a:fillRef idx="1">
-            <a:schemeClr val="accent1"/>
-          </a:fillRef>
-          <a:effectRef idx="0">
-            <a:schemeClr val="accent1"/>
-          </a:effectRef>
-          <a:fontRef idx="minor">
-            <a:schemeClr val="lt1"/>
-          </a:fontRef>
-        </p:style>
-        <p:txBody>
-          <a:bodyPr rtlCol="0" anchor="ctr"/>
-          <a:p>
-            <a:pPr algn="ctr"/>
-            <a:endParaRPr lang="en-US"/>
-          </a:p>
-        </p:txBody>
-      </p:sp>
-    </p:spTree>
-  </p:cSld>
-  <p:clrMapOvr>
-    <a:masterClrMapping/>
-  </p:clrMapOvr>
-  <p:timing>
-    <p:tnLst>
-      <p:par>
-        <p:cTn id="1" dur="indefinite" restart="never" nodeType="tmRoot">
-          <p:childTnLst>
-            <p:seq concurrent="1" nextAc="seek">
-              <p:cTn id="2" dur="indefinite" nodeType="mainSeq">
-                <p:childTnLst>
-                  <p:par>
-                    <p:cTn id="3" fill="hold">
-                      <p:stCondLst>
-                        <p:cond delay="indefinite"/>
-                      </p:stCondLst>
-                      <p:childTnLst>
-                        <p:par>
-                          <p:cTn id="4" fill="hold">
-                            <p:stCondLst>
-                              <p:cond delay="0"/>
-                            </p:stCondLst>
-                            <p:childTnLst>
-                              <p:par>
-                                <p:cTn id="5" presetID="9" presetClass="entr" presetSubtype="0" fill="hold" grpId="0" nodeType="clickEffect">
-                                  <p:stCondLst>
-                                    <p:cond delay="0"/>
-                                  </p:stCondLst>
-                                  <p:childTnLst>
-                                    <p:set>
-                                      <p:cBhvr>
-                                        <p:cTn id="6" dur="1" fill="hold">
-                                          <p:stCondLst>
-                                            <p:cond delay="0"/>
-                                          </p:stCondLst>
-                                        </p:cTn>
-                                        <p:tgtEl>
-                                          <p:spTgt spid="3"/>
-                                        </p:tgtEl>
-                                        <p:attrNameLst>
-                                          <p:attrName>style.visibility</p:attrName>
-                                        </p:attrNameLst>
-                                      </p:cBhvr>
-                                      <p:to>
-                                        <p:strVal val="visible"/>
-                                      </p:to>
-                                    </p:set>
-                                    <p:animEffect transition="in" filter="dissolve">
-                                      <p:cBhvr>
-                                        <p:cTn id="7" dur="500"/>
-                                        <p:tgtEl>
-                                          <p:spTgt spid="3"/>
-                                        </p:tgtEl>
-                                      </p:cBhvr>
-                                    </p:animEffect>
-                                  </p:childTnLst>
-                                </p:cTn>
-                              </p:par>
-                            </p:childTnLst>
-                          </p:cTn>
-                        </p:par>
-                      </p:childTnLst>
-                    </p:cTn>
-                  </p:par>
-                </p:childTnLst>
-              </p:cTn>
-              <p:prevCondLst>
-                <p:cond evt="onPrev" delay="0">
-                  <p:tgtEl>
-                    <p:sldTgt/>
-                  </p:tgtEl>
-                </p:cond>
-              </p:prevCondLst>
-              <p:nextCondLst>
-                <p:cond evt="onNext" delay="0">
-                  <p:tgtEl>
-                    <p:sldTgt/>
-                  </p:tgtEl>
-                </p:cond>
-              </p:nextCondLst>
-            </p:seq>
-          </p:childTnLst>
-        </p:cTn>
-      </p:par>
-    </p:tnLst>
-    <p:bldLst>
-      <p:bldP spid="3" grpId="0" animBg="1"/>
-    </p:bldLst>
-  </p:timing>
-</p:sld>
-</file>
-
-<file path=ppt/slides/slide60.xml><?xml version="1.0" encoding="utf-8"?>
-<p:sld xmlns:a="http://schemas.openxmlformats.org/drawingml/2006/main" xmlns:r="http://schemas.openxmlformats.org/officeDocument/2006/relationships" xmlns:p="http://schemas.openxmlformats.org/presentationml/2006/main">
-  <p:cSld>
-    <p:spTree>
-      <p:nvGrpSpPr>
-        <p:cNvPr id="1" name=""/>
-        <p:cNvGrpSpPr/>
-        <p:nvPr/>
-      </p:nvGrpSpPr>
-      <p:grpSpPr/>
-      <p:sp>
-        <p:nvSpPr>
-          <p:cNvPr id="2" name="Title 1"/>
-          <p:cNvSpPr>
-            <a:spLocks noGrp="1"/>
-          </p:cNvSpPr>
-          <p:nvPr>
-            <p:ph type="title"/>
-          </p:nvPr>
-        </p:nvSpPr>
-        <p:spPr/>
-        <p:txBody>
-          <a:bodyPr/>
-          <a:p>
-            <a:r>
               <a:rPr lang="zh-CN" altLang="en-US"/>
               <a:t>为什么需要循环展开</a:t>
             </a:r>
@@ -17429,7 +19008,7 @@
 </p:sld>
 </file>
 
-<file path=ppt/slides/slide61.xml><?xml version="1.0" encoding="utf-8"?>
+<file path=ppt/slides/slide66.xml><?xml version="1.0" encoding="utf-8"?>
 <p:sld xmlns:a="http://schemas.openxmlformats.org/drawingml/2006/main" xmlns:r="http://schemas.openxmlformats.org/officeDocument/2006/relationships" xmlns:p="http://schemas.openxmlformats.org/presentationml/2006/main">
   <p:cSld>
     <p:spTree>
@@ -18012,7 +19591,7 @@
 </p:sld>
 </file>
 
-<file path=ppt/slides/slide62.xml><?xml version="1.0" encoding="utf-8"?>
+<file path=ppt/slides/slide67.xml><?xml version="1.0" encoding="utf-8"?>
 <p:sld xmlns:a="http://schemas.openxmlformats.org/drawingml/2006/main" xmlns:r="http://schemas.openxmlformats.org/officeDocument/2006/relationships" xmlns:p="http://schemas.openxmlformats.org/presentationml/2006/main">
   <p:cSld>
     <p:spTree>
@@ -18060,7 +19639,7 @@
 </p:sld>
 </file>
 
-<file path=ppt/slides/slide63.xml><?xml version="1.0" encoding="utf-8"?>
+<file path=ppt/slides/slide68.xml><?xml version="1.0" encoding="utf-8"?>
 <p:sld xmlns:a="http://schemas.openxmlformats.org/drawingml/2006/main" xmlns:r="http://schemas.openxmlformats.org/officeDocument/2006/relationships" xmlns:p="http://schemas.openxmlformats.org/presentationml/2006/main">
   <p:cSld>
     <p:spTree>
@@ -18291,7 +19870,7 @@
 </p:sld>
 </file>
 
-<file path=ppt/slides/slide64.xml><?xml version="1.0" encoding="utf-8"?>
+<file path=ppt/slides/slide69.xml><?xml version="1.0" encoding="utf-8"?>
 <p:sld xmlns:a="http://schemas.openxmlformats.org/drawingml/2006/main" xmlns:r="http://schemas.openxmlformats.org/officeDocument/2006/relationships" xmlns:p="http://schemas.openxmlformats.org/presentationml/2006/main">
   <p:cSld>
     <p:spTree>
@@ -18651,7 +20230,171 @@
 </p:sld>
 </file>
 
-<file path=ppt/slides/slide65.xml><?xml version="1.0" encoding="utf-8"?>
+<file path=ppt/slides/slide7.xml><?xml version="1.0" encoding="utf-8"?>
+<p:sld xmlns:a="http://schemas.openxmlformats.org/drawingml/2006/main" xmlns:r="http://schemas.openxmlformats.org/officeDocument/2006/relationships" xmlns:p="http://schemas.openxmlformats.org/presentationml/2006/main">
+  <p:cSld>
+    <p:spTree>
+      <p:nvGrpSpPr>
+        <p:cNvPr id="1" name=""/>
+        <p:cNvGrpSpPr/>
+        <p:nvPr/>
+      </p:nvGrpSpPr>
+      <p:grpSpPr/>
+      <p:sp>
+        <p:nvSpPr>
+          <p:cNvPr id="8" name="Title 7"/>
+          <p:cNvSpPr>
+            <a:spLocks noGrp="1"/>
+          </p:cNvSpPr>
+          <p:nvPr>
+            <p:ph type="title"/>
+          </p:nvPr>
+        </p:nvSpPr>
+        <p:spPr/>
+        <p:txBody>
+          <a:bodyPr/>
+          <a:p>
+            <a:r>
+              <a:rPr lang="en-US" altLang="zh-CN"/>
+              <a:t>8</a:t>
+            </a:r>
+            <a:r>
+              <a:rPr lang="zh-CN" altLang="en-US"/>
+              <a:t>位，</a:t>
+            </a:r>
+            <a:r>
+              <a:rPr lang="en-US" altLang="zh-CN"/>
+              <a:t>16</a:t>
+            </a:r>
+            <a:r>
+              <a:rPr lang="zh-CN" altLang="en-US"/>
+              <a:t>位，</a:t>
+            </a:r>
+            <a:r>
+              <a:rPr lang="en-US" altLang="zh-CN"/>
+              <a:t>32</a:t>
+            </a:r>
+            <a:r>
+              <a:rPr lang="zh-CN" altLang="en-US"/>
+              <a:t>位，</a:t>
+            </a:r>
+            <a:r>
+              <a:rPr lang="en-US" altLang="zh-CN"/>
+              <a:t>64</a:t>
+            </a:r>
+            <a:r>
+              <a:rPr lang="zh-CN" altLang="en-US"/>
+              <a:t>位版本</a:t>
+            </a:r>
+            <a:endParaRPr lang="zh-CN" altLang="en-US"/>
+          </a:p>
+        </p:txBody>
+      </p:sp>
+      <p:sp>
+        <p:nvSpPr>
+          <p:cNvPr id="9" name="Text Placeholder 8"/>
+          <p:cNvSpPr>
+            <a:spLocks noGrp="1"/>
+          </p:cNvSpPr>
+          <p:nvPr>
+            <p:ph type="body" idx="1"/>
+          </p:nvPr>
+        </p:nvSpPr>
+        <p:spPr/>
+        <p:txBody>
+          <a:bodyPr/>
+          <a:p>
+            <a:r>
+              <a:rPr lang="en-US"/>
+              <a:t>al, ax, eax, rax</a:t>
+            </a:r>
+            <a:endParaRPr lang="en-US"/>
+          </a:p>
+        </p:txBody>
+      </p:sp>
+      <p:pic>
+        <p:nvPicPr>
+          <p:cNvPr id="4" name="Content Placeholder 3"/>
+          <p:cNvPicPr>
+            <a:picLocks noChangeAspect="1"/>
+          </p:cNvPicPr>
+          <p:nvPr>
+            <p:ph sz="half" idx="2"/>
+          </p:nvPr>
+        </p:nvPicPr>
+        <p:blipFill>
+          <a:blip r:embed="rId1"/>
+          <a:stretch>
+            <a:fillRect/>
+          </a:stretch>
+        </p:blipFill>
+        <p:spPr>
+          <a:xfrm>
+            <a:off x="899160" y="3406775"/>
+            <a:ext cx="5038725" cy="1990725"/>
+          </a:xfrm>
+          <a:prstGeom prst="rect">
+            <a:avLst/>
+          </a:prstGeom>
+        </p:spPr>
+      </p:pic>
+      <p:sp>
+        <p:nvSpPr>
+          <p:cNvPr id="10" name="Text Placeholder 9"/>
+          <p:cNvSpPr>
+            <a:spLocks noGrp="1"/>
+          </p:cNvSpPr>
+          <p:nvPr>
+            <p:ph type="body" sz="quarter" idx="3"/>
+          </p:nvPr>
+        </p:nvSpPr>
+        <p:spPr/>
+        <p:txBody>
+          <a:bodyPr/>
+          <a:p>
+            <a:r>
+              <a:rPr lang="en-US"/>
+              <a:t>r15b, r15w, r15d, r15</a:t>
+            </a:r>
+            <a:endParaRPr lang="en-US"/>
+          </a:p>
+        </p:txBody>
+      </p:sp>
+      <p:pic>
+        <p:nvPicPr>
+          <p:cNvPr id="7" name="Content Placeholder 6"/>
+          <p:cNvPicPr>
+            <a:picLocks noChangeAspect="1"/>
+          </p:cNvPicPr>
+          <p:nvPr>
+            <p:ph sz="quarter" idx="4"/>
+          </p:nvPr>
+        </p:nvPicPr>
+        <p:blipFill>
+          <a:blip r:embed="rId2"/>
+          <a:stretch>
+            <a:fillRect/>
+          </a:stretch>
+        </p:blipFill>
+        <p:spPr>
+          <a:xfrm>
+            <a:off x="6506210" y="3954780"/>
+            <a:ext cx="4514850" cy="895350"/>
+          </a:xfrm>
+          <a:prstGeom prst="rect">
+            <a:avLst/>
+          </a:prstGeom>
+        </p:spPr>
+      </p:pic>
+    </p:spTree>
+  </p:cSld>
+  <p:clrMapOvr>
+    <a:masterClrMapping/>
+  </p:clrMapOvr>
+</p:sld>
+</file>
+
+<file path=ppt/slides/slide70.xml><?xml version="1.0" encoding="utf-8"?>
 <p:sld xmlns:a="http://schemas.openxmlformats.org/drawingml/2006/main" xmlns:r="http://schemas.openxmlformats.org/officeDocument/2006/relationships" xmlns:p="http://schemas.openxmlformats.org/presentationml/2006/main">
   <p:cSld>
     <p:spTree>
@@ -18966,7 +20709,7 @@
 </p:sld>
 </file>
 
-<file path=ppt/slides/slide66.xml><?xml version="1.0" encoding="utf-8"?>
+<file path=ppt/slides/slide71.xml><?xml version="1.0" encoding="utf-8"?>
 <p:sld xmlns:a="http://schemas.openxmlformats.org/drawingml/2006/main" xmlns:r="http://schemas.openxmlformats.org/officeDocument/2006/relationships" xmlns:p="http://schemas.openxmlformats.org/presentationml/2006/main">
   <p:cSld>
     <p:spTree>
@@ -19273,7 +21016,7 @@
 </p:sld>
 </file>
 
-<file path=ppt/slides/slide67.xml><?xml version="1.0" encoding="utf-8"?>
+<file path=ppt/slides/slide72.xml><?xml version="1.0" encoding="utf-8"?>
 <p:sld xmlns:a="http://schemas.openxmlformats.org/drawingml/2006/main" xmlns:r="http://schemas.openxmlformats.org/officeDocument/2006/relationships" xmlns:p="http://schemas.openxmlformats.org/presentationml/2006/main">
   <p:cSld>
     <p:spTree>
@@ -19327,9 +21070,56 @@
             <p:ph sz="half" idx="1"/>
           </p:nvPr>
         </p:nvSpPr>
-        <p:spPr/>
-        <p:txBody>
-          <a:bodyPr/>
+        <p:spPr>
+          <a:xfrm>
+            <a:off x="362585" y="1825625"/>
+            <a:ext cx="6130290" cy="4351655"/>
+          </a:xfrm>
+        </p:spPr>
+        <p:txBody>
+          <a:bodyPr>
+            <a:normAutofit lnSpcReduction="20000"/>
+          </a:bodyPr>
+          <a:p>
+            <a:r>
+              <a:rPr lang="en-US" altLang="zh-CN">
+                <a:sym typeface="+mn-ea"/>
+              </a:rPr>
+              <a:t>AOS</a:t>
+            </a:r>
+            <a:r>
+              <a:rPr lang="zh-CN" altLang="en-US">
+                <a:sym typeface="+mn-ea"/>
+              </a:rPr>
+              <a:t>（</a:t>
+            </a:r>
+            <a:r>
+              <a:rPr lang="en-US" altLang="zh-CN">
+                <a:sym typeface="+mn-ea"/>
+              </a:rPr>
+              <a:t>Array of Struct</a:t>
+            </a:r>
+            <a:r>
+              <a:rPr lang="zh-CN" altLang="en-US">
+                <a:sym typeface="+mn-ea"/>
+              </a:rPr>
+              <a:t>）单个对象的属性紧挨着存</a:t>
+            </a:r>
+            <a:endParaRPr lang="zh-CN" altLang="en-US">
+              <a:sym typeface="+mn-ea"/>
+            </a:endParaRPr>
+          </a:p>
+          <a:p>
+            <a:r>
+              <a:rPr lang="en-US" altLang="zh-CN">
+                <a:sym typeface="+mn-ea"/>
+              </a:rPr>
+              <a:t>xyzxyzxyzxyz</a:t>
+            </a:r>
+            <a:endParaRPr lang="zh-CN" altLang="en-US">
+              <a:sym typeface="+mn-ea"/>
+            </a:endParaRPr>
+          </a:p>
           <a:p>
             <a:r>
               <a:rPr lang="en-US" altLang="zh-CN"/>
@@ -19345,76 +21135,75 @@
             </a:r>
             <a:r>
               <a:rPr lang="zh-CN" altLang="en-US"/>
-              <a:t>）</a:t>
+              <a:t>）属性分离存储在多个数组</a:t>
             </a:r>
             <a:endParaRPr lang="zh-CN" altLang="en-US"/>
           </a:p>
           <a:p>
             <a:r>
-              <a:rPr lang="zh-CN" altLang="en-US"/>
-              <a:t>这个案例最好的内存布局应该是</a:t>
-            </a:r>
-            <a:r>
-              <a:rPr lang="en-US" altLang="zh-CN"/>
-              <a:t> SOA</a:t>
-            </a:r>
-            <a:r>
-              <a:rPr lang="zh-CN" altLang="en-US"/>
-              <a:t>。</a:t>
+              <a:rPr lang="en-US" altLang="zh-CN"/>
+              <a:t>xxxxyyyyzzzz</a:t>
+            </a:r>
+            <a:endParaRPr lang="en-US" altLang="zh-CN"/>
+          </a:p>
+          <a:p>
+            <a:r>
+              <a:rPr lang="en-US" altLang="zh-CN"/>
+              <a:t>AOS </a:t>
+            </a:r>
+            <a:r>
+              <a:rPr lang="zh-CN" altLang="en-US"/>
+              <a:t>必须对齐到</a:t>
+            </a:r>
+            <a:r>
+              <a:rPr lang="en-US" altLang="zh-CN"/>
+              <a:t> 2 </a:t>
+            </a:r>
+            <a:r>
+              <a:rPr lang="zh-CN" altLang="en-US"/>
+              <a:t>的幂才高效，</a:t>
+            </a:r>
+            <a:r>
+              <a:rPr lang="en-US" altLang="zh-CN"/>
+              <a:t>SOA </a:t>
+            </a:r>
+            <a:r>
+              <a:rPr lang="zh-CN" altLang="en-US"/>
+              <a:t>就不需要。</a:t>
             </a:r>
             <a:endParaRPr lang="zh-CN" altLang="en-US"/>
           </a:p>
           <a:p>
             <a:r>
               <a:rPr lang="en-US" altLang="zh-CN"/>
-              <a:t>TODO</a:t>
-            </a:r>
-            <a:r>
-              <a:rPr lang="zh-CN" altLang="en-US"/>
-              <a:t>：嵌套循环</a:t>
+              <a:t>AOS </a:t>
+            </a:r>
+            <a:r>
+              <a:rPr lang="zh-CN" altLang="en-US"/>
+              <a:t>符合直觉，不一定要存储在数组这种线性结构，而</a:t>
+            </a:r>
+            <a:r>
+              <a:rPr lang="en-US" altLang="zh-CN"/>
+              <a:t> SOA </a:t>
+            </a:r>
+            <a:r>
+              <a:rPr lang="zh-CN" altLang="en-US"/>
+              <a:t>可能无法保证多个数组大小一致。</a:t>
             </a:r>
             <a:endParaRPr lang="zh-CN" altLang="en-US"/>
           </a:p>
           <a:p>
             <a:r>
               <a:rPr lang="en-US" altLang="zh-CN"/>
-              <a:t>TODO</a:t>
-            </a:r>
-            <a:r>
-              <a:rPr lang="zh-CN" altLang="en-US"/>
-              <a:t>：循环</a:t>
-            </a:r>
-            <a:r>
-              <a:rPr lang="en-US" altLang="zh-CN"/>
-              <a:t>fusion/separation/unroll</a:t>
-            </a:r>
-            <a:endParaRPr lang="en-US" altLang="zh-CN"/>
-          </a:p>
-          <a:p>
-            <a:r>
-              <a:rPr lang="en-US" altLang="zh-CN"/>
-              <a:t>TODO</a:t>
-            </a:r>
-            <a:r>
-              <a:rPr lang="zh-CN" altLang="en-US"/>
-              <a:t>：</a:t>
-            </a:r>
-            <a:r>
-              <a:rPr lang="en-US" altLang="zh-CN"/>
-              <a:t>restrict</a:t>
-            </a:r>
-            <a:r>
-              <a:rPr lang="zh-CN" altLang="en-US"/>
-              <a:t>用于</a:t>
-            </a:r>
-            <a:r>
-              <a:rPr lang="en-US" altLang="zh-CN"/>
-              <a:t>STL</a:t>
-            </a:r>
-            <a:r>
-              <a:rPr lang="zh-CN" altLang="en-US"/>
-              <a:t>容器</a:t>
-            </a:r>
+              <a:t>SOA </a:t>
+            </a:r>
+            <a:r>
+              <a:rPr lang="zh-CN" altLang="en-US"/>
+              <a:t>不符合直觉，但通常是更高效的！</a:t>
+            </a:r>
+            <a:endParaRPr lang="zh-CN" altLang="en-US"/>
+          </a:p>
+          <a:p>
             <a:endParaRPr lang="zh-CN" altLang="en-US"/>
           </a:p>
         </p:txBody>
@@ -19437,7 +21226,7 @@
         </p:blipFill>
         <p:spPr>
           <a:xfrm>
-            <a:off x="6122035" y="2067560"/>
+            <a:off x="6623050" y="2066925"/>
             <a:ext cx="5165090" cy="3868420"/>
           </a:xfrm>
           <a:prstGeom prst="rect">
@@ -19453,7 +21242,7 @@
 </p:sld>
 </file>
 
-<file path=ppt/slides/slide7.xml><?xml version="1.0" encoding="utf-8"?>
+<file path=ppt/slides/slide73.xml><?xml version="1.0" encoding="utf-8"?>
 <p:sld xmlns:a="http://schemas.openxmlformats.org/drawingml/2006/main" xmlns:r="http://schemas.openxmlformats.org/officeDocument/2006/relationships" xmlns:p="http://schemas.openxmlformats.org/presentationml/2006/main">
   <p:cSld>
     <p:spTree>
@@ -19465,7 +21254,7 @@
       <p:grpSpPr/>
       <p:sp>
         <p:nvSpPr>
-          <p:cNvPr id="8" name="Title 7"/>
+          <p:cNvPr id="2" name="Title 1"/>
           <p:cNvSpPr>
             <a:spLocks noGrp="1"/>
           </p:cNvSpPr>
@@ -19478,71 +21267,29 @@
           <a:bodyPr/>
           <a:p>
             <a:r>
-              <a:rPr lang="en-US" altLang="zh-CN"/>
-              <a:t>8</a:t>
-            </a:r>
-            <a:r>
-              <a:rPr lang="zh-CN" altLang="en-US"/>
-              <a:t>位，</a:t>
-            </a:r>
-            <a:r>
-              <a:rPr lang="en-US" altLang="zh-CN"/>
-              <a:t>16</a:t>
-            </a:r>
-            <a:r>
-              <a:rPr lang="zh-CN" altLang="en-US"/>
-              <a:t>位，</a:t>
-            </a:r>
-            <a:r>
-              <a:rPr lang="en-US" altLang="zh-CN"/>
-              <a:t>32</a:t>
-            </a:r>
-            <a:r>
-              <a:rPr lang="zh-CN" altLang="en-US"/>
-              <a:t>位，</a:t>
-            </a:r>
-            <a:r>
-              <a:rPr lang="en-US" altLang="zh-CN"/>
-              <a:t>64</a:t>
-            </a:r>
-            <a:r>
-              <a:rPr lang="zh-CN" altLang="en-US"/>
-              <a:t>位版本</a:t>
-            </a:r>
-            <a:endParaRPr lang="zh-CN" altLang="en-US"/>
-          </a:p>
-        </p:txBody>
-      </p:sp>
-      <p:sp>
-        <p:nvSpPr>
-          <p:cNvPr id="9" name="Text Placeholder 8"/>
-          <p:cNvSpPr>
-            <a:spLocks noGrp="1"/>
-          </p:cNvSpPr>
-          <p:nvPr>
-            <p:ph type="body" idx="1"/>
-          </p:nvPr>
-        </p:nvSpPr>
-        <p:spPr/>
-        <p:txBody>
-          <a:bodyPr/>
-          <a:p>
-            <a:r>
               <a:rPr lang="en-US"/>
-              <a:t>al, ax, eax, rax</a:t>
-            </a:r>
-            <a:endParaRPr lang="en-US"/>
+              <a:t>AOS</a:t>
+            </a:r>
+            <a:r>
+              <a:rPr lang="zh-CN" altLang="en-US"/>
+              <a:t>：</a:t>
+            </a:r>
+            <a:r>
+              <a:rPr lang="zh-CN"/>
+              <a:t>紧凑存储多个属性</a:t>
+            </a:r>
+            <a:endParaRPr lang="zh-CN"/>
           </a:p>
         </p:txBody>
       </p:sp>
       <p:pic>
         <p:nvPicPr>
-          <p:cNvPr id="4" name="Content Placeholder 3"/>
+          <p:cNvPr id="5" name="Content Placeholder 4"/>
           <p:cNvPicPr>
             <a:picLocks noChangeAspect="1"/>
           </p:cNvPicPr>
           <p:nvPr>
-            <p:ph sz="half" idx="2"/>
+            <p:ph sz="half" idx="1"/>
           </p:nvPr>
         </p:nvPicPr>
         <p:blipFill>
@@ -19553,36 +21300,14 @@
         </p:blipFill>
         <p:spPr>
           <a:xfrm>
-            <a:off x="899160" y="3406775"/>
-            <a:ext cx="5038725" cy="1990725"/>
+            <a:off x="1005840" y="2307590"/>
+            <a:ext cx="4465320" cy="3387090"/>
           </a:xfrm>
           <a:prstGeom prst="rect">
             <a:avLst/>
           </a:prstGeom>
         </p:spPr>
       </p:pic>
-      <p:sp>
-        <p:nvSpPr>
-          <p:cNvPr id="10" name="Text Placeholder 9"/>
-          <p:cNvSpPr>
-            <a:spLocks noGrp="1"/>
-          </p:cNvSpPr>
-          <p:nvPr>
-            <p:ph type="body" sz="quarter" idx="3"/>
-          </p:nvPr>
-        </p:nvSpPr>
-        <p:spPr/>
-        <p:txBody>
-          <a:bodyPr/>
-          <a:p>
-            <a:r>
-              <a:rPr lang="en-US"/>
-              <a:t>r15b, r15w, r15d, r15</a:t>
-            </a:r>
-            <a:endParaRPr lang="en-US"/>
-          </a:p>
-        </p:txBody>
-      </p:sp>
       <p:pic>
         <p:nvPicPr>
           <p:cNvPr id="7" name="Content Placeholder 6"/>
@@ -19590,7 +21315,7 @@
             <a:picLocks noChangeAspect="1"/>
           </p:cNvPicPr>
           <p:nvPr>
-            <p:ph sz="quarter" idx="4"/>
+            <p:ph sz="half" idx="2"/>
           </p:nvPr>
         </p:nvPicPr>
         <p:blipFill>
@@ -19601,14 +21326,1460 @@
         </p:blipFill>
         <p:spPr>
           <a:xfrm>
-            <a:off x="6506210" y="3954780"/>
-            <a:ext cx="4514850" cy="895350"/>
+            <a:off x="5817235" y="1447800"/>
+            <a:ext cx="5509895" cy="5107940"/>
           </a:xfrm>
           <a:prstGeom prst="rect">
             <a:avLst/>
           </a:prstGeom>
         </p:spPr>
       </p:pic>
+      <p:sp>
+        <p:nvSpPr>
+          <p:cNvPr id="8" name="Text Box 7"/>
+          <p:cNvSpPr txBox="1"/>
+          <p:nvPr/>
+        </p:nvSpPr>
+        <p:spPr>
+          <a:xfrm>
+            <a:off x="6814185" y="972185"/>
+            <a:ext cx="3515360" cy="368300"/>
+          </a:xfrm>
+          <a:prstGeom prst="rect">
+            <a:avLst/>
+          </a:prstGeom>
+          <a:noFill/>
+        </p:spPr>
+        <p:txBody>
+          <a:bodyPr wrap="square" rtlCol="0">
+            <a:spAutoFit/>
+          </a:bodyPr>
+          <a:p>
+            <a:r>
+              <a:rPr lang="en-US" altLang="zh-CN"/>
+              <a:t>SIMD </a:t>
+            </a:r>
+            <a:r>
+              <a:rPr lang="zh-CN" altLang="en-US"/>
+              <a:t>矢量化失败！</a:t>
+            </a:r>
+            <a:endParaRPr lang="zh-CN" altLang="en-US"/>
+          </a:p>
+        </p:txBody>
+      </p:sp>
+    </p:spTree>
+  </p:cSld>
+  <p:clrMapOvr>
+    <a:masterClrMapping/>
+  </p:clrMapOvr>
+  <p:timing>
+    <p:tnLst>
+      <p:par>
+        <p:cTn id="1" dur="indefinite" restart="never" nodeType="tmRoot">
+          <p:childTnLst>
+            <p:seq concurrent="1" nextAc="seek">
+              <p:cTn id="2" dur="indefinite" nodeType="mainSeq">
+                <p:childTnLst>
+                  <p:par>
+                    <p:cTn id="3" fill="hold">
+                      <p:stCondLst>
+                        <p:cond delay="indefinite"/>
+                      </p:stCondLst>
+                      <p:childTnLst>
+                        <p:par>
+                          <p:cTn id="4" fill="hold">
+                            <p:stCondLst>
+                              <p:cond delay="0"/>
+                            </p:stCondLst>
+                            <p:childTnLst>
+                              <p:par>
+                                <p:cTn id="5" presetID="9" presetClass="entr" presetSubtype="0" fill="hold" grpId="0" nodeType="clickEffect">
+                                  <p:stCondLst>
+                                    <p:cond delay="0"/>
+                                  </p:stCondLst>
+                                  <p:childTnLst>
+                                    <p:set>
+                                      <p:cBhvr>
+                                        <p:cTn id="6" dur="1" fill="hold">
+                                          <p:stCondLst>
+                                            <p:cond delay="0"/>
+                                          </p:stCondLst>
+                                        </p:cTn>
+                                        <p:tgtEl>
+                                          <p:spTgt spid="8"/>
+                                        </p:tgtEl>
+                                        <p:attrNameLst>
+                                          <p:attrName>style.visibility</p:attrName>
+                                        </p:attrNameLst>
+                                      </p:cBhvr>
+                                      <p:to>
+                                        <p:strVal val="visible"/>
+                                      </p:to>
+                                    </p:set>
+                                    <p:animEffect transition="in" filter="dissolve">
+                                      <p:cBhvr>
+                                        <p:cTn id="7" dur="500"/>
+                                        <p:tgtEl>
+                                          <p:spTgt spid="8"/>
+                                        </p:tgtEl>
+                                      </p:cBhvr>
+                                    </p:animEffect>
+                                  </p:childTnLst>
+                                </p:cTn>
+                              </p:par>
+                            </p:childTnLst>
+                          </p:cTn>
+                        </p:par>
+                      </p:childTnLst>
+                    </p:cTn>
+                  </p:par>
+                </p:childTnLst>
+              </p:cTn>
+              <p:prevCondLst>
+                <p:cond evt="onPrev" delay="0">
+                  <p:tgtEl>
+                    <p:sldTgt/>
+                  </p:tgtEl>
+                </p:cond>
+              </p:prevCondLst>
+              <p:nextCondLst>
+                <p:cond evt="onNext" delay="0">
+                  <p:tgtEl>
+                    <p:sldTgt/>
+                  </p:tgtEl>
+                </p:cond>
+              </p:nextCondLst>
+            </p:seq>
+          </p:childTnLst>
+        </p:cTn>
+      </p:par>
+    </p:tnLst>
+    <p:bldLst>
+      <p:bldP spid="8" grpId="0"/>
+    </p:bldLst>
+  </p:timing>
+</p:sld>
+</file>
+
+<file path=ppt/slides/slide74.xml><?xml version="1.0" encoding="utf-8"?>
+<p:sld xmlns:a="http://schemas.openxmlformats.org/drawingml/2006/main" xmlns:r="http://schemas.openxmlformats.org/officeDocument/2006/relationships" xmlns:p="http://schemas.openxmlformats.org/presentationml/2006/main">
+  <p:cSld>
+    <p:spTree>
+      <p:nvGrpSpPr>
+        <p:cNvPr id="1" name=""/>
+        <p:cNvGrpSpPr/>
+        <p:nvPr/>
+      </p:nvGrpSpPr>
+      <p:grpSpPr/>
+      <p:sp>
+        <p:nvSpPr>
+          <p:cNvPr id="2" name="Title 1"/>
+          <p:cNvSpPr>
+            <a:spLocks noGrp="1"/>
+          </p:cNvSpPr>
+          <p:nvPr>
+            <p:ph type="title"/>
+          </p:nvPr>
+        </p:nvSpPr>
+        <p:spPr/>
+        <p:txBody>
+          <a:bodyPr/>
+          <a:p>
+            <a:r>
+              <a:rPr lang="en-US"/>
+              <a:t>SOA</a:t>
+            </a:r>
+            <a:r>
+              <a:rPr lang="zh-CN" altLang="en-US"/>
+              <a:t>：</a:t>
+            </a:r>
+            <a:r>
+              <a:rPr lang="zh-CN"/>
+              <a:t>分离存储多个属性</a:t>
+            </a:r>
+            <a:endParaRPr lang="zh-CN"/>
+          </a:p>
+        </p:txBody>
+      </p:sp>
+      <p:pic>
+        <p:nvPicPr>
+          <p:cNvPr id="5" name="Content Placeholder 4"/>
+          <p:cNvPicPr>
+            <a:picLocks noChangeAspect="1"/>
+          </p:cNvPicPr>
+          <p:nvPr>
+            <p:ph sz="half" idx="1"/>
+          </p:nvPr>
+        </p:nvPicPr>
+        <p:blipFill>
+          <a:blip r:embed="rId1"/>
+          <a:stretch>
+            <a:fillRect/>
+          </a:stretch>
+        </p:blipFill>
+        <p:spPr>
+          <a:xfrm>
+            <a:off x="973455" y="2298700"/>
+            <a:ext cx="4530090" cy="3405505"/>
+          </a:xfrm>
+          <a:prstGeom prst="rect">
+            <a:avLst/>
+          </a:prstGeom>
+        </p:spPr>
+      </p:pic>
+      <p:pic>
+        <p:nvPicPr>
+          <p:cNvPr id="8" name="Content Placeholder 7"/>
+          <p:cNvPicPr>
+            <a:picLocks noChangeAspect="1"/>
+          </p:cNvPicPr>
+          <p:nvPr>
+            <p:ph sz="half" idx="2"/>
+          </p:nvPr>
+        </p:nvPicPr>
+        <p:blipFill>
+          <a:blip r:embed="rId2"/>
+          <a:stretch>
+            <a:fillRect/>
+          </a:stretch>
+        </p:blipFill>
+        <p:spPr>
+          <a:xfrm>
+            <a:off x="6392545" y="1830705"/>
+            <a:ext cx="4359910" cy="4340225"/>
+          </a:xfrm>
+          <a:prstGeom prst="rect">
+            <a:avLst/>
+          </a:prstGeom>
+        </p:spPr>
+      </p:pic>
+      <p:sp>
+        <p:nvSpPr>
+          <p:cNvPr id="10" name="Text Box 9"/>
+          <p:cNvSpPr txBox="1"/>
+          <p:nvPr/>
+        </p:nvSpPr>
+        <p:spPr>
+          <a:xfrm>
+            <a:off x="6814820" y="1360805"/>
+            <a:ext cx="3515360" cy="368300"/>
+          </a:xfrm>
+          <a:prstGeom prst="rect">
+            <a:avLst/>
+          </a:prstGeom>
+          <a:noFill/>
+        </p:spPr>
+        <p:txBody>
+          <a:bodyPr wrap="square" rtlCol="0">
+            <a:spAutoFit/>
+          </a:bodyPr>
+          <a:p>
+            <a:r>
+              <a:rPr lang="en-US" altLang="zh-CN"/>
+              <a:t>SIMD </a:t>
+            </a:r>
+            <a:r>
+              <a:rPr lang="zh-CN" altLang="en-US"/>
+              <a:t>矢量化成功！</a:t>
+            </a:r>
+            <a:endParaRPr lang="zh-CN" altLang="en-US"/>
+          </a:p>
+        </p:txBody>
+      </p:sp>
+    </p:spTree>
+  </p:cSld>
+  <p:clrMapOvr>
+    <a:masterClrMapping/>
+  </p:clrMapOvr>
+  <p:timing>
+    <p:tnLst>
+      <p:par>
+        <p:cTn id="1" dur="indefinite" restart="never" nodeType="tmRoot">
+          <p:childTnLst>
+            <p:seq concurrent="1" nextAc="seek">
+              <p:cTn id="2" dur="indefinite" nodeType="mainSeq">
+                <p:childTnLst>
+                  <p:par>
+                    <p:cTn id="3" fill="hold">
+                      <p:stCondLst>
+                        <p:cond delay="indefinite"/>
+                      </p:stCondLst>
+                      <p:childTnLst>
+                        <p:par>
+                          <p:cTn id="4" fill="hold">
+                            <p:stCondLst>
+                              <p:cond delay="0"/>
+                            </p:stCondLst>
+                            <p:childTnLst>
+                              <p:par>
+                                <p:cTn id="5" presetID="9" presetClass="entr" presetSubtype="0" fill="hold" grpId="0" nodeType="clickEffect">
+                                  <p:stCondLst>
+                                    <p:cond delay="0"/>
+                                  </p:stCondLst>
+                                  <p:childTnLst>
+                                    <p:set>
+                                      <p:cBhvr>
+                                        <p:cTn id="6" dur="1" fill="hold">
+                                          <p:stCondLst>
+                                            <p:cond delay="0"/>
+                                          </p:stCondLst>
+                                        </p:cTn>
+                                        <p:tgtEl>
+                                          <p:spTgt spid="10"/>
+                                        </p:tgtEl>
+                                        <p:attrNameLst>
+                                          <p:attrName>style.visibility</p:attrName>
+                                        </p:attrNameLst>
+                                      </p:cBhvr>
+                                      <p:to>
+                                        <p:strVal val="visible"/>
+                                      </p:to>
+                                    </p:set>
+                                    <p:animEffect transition="in" filter="dissolve">
+                                      <p:cBhvr>
+                                        <p:cTn id="7" dur="500"/>
+                                        <p:tgtEl>
+                                          <p:spTgt spid="10"/>
+                                        </p:tgtEl>
+                                      </p:cBhvr>
+                                    </p:animEffect>
+                                  </p:childTnLst>
+                                </p:cTn>
+                              </p:par>
+                            </p:childTnLst>
+                          </p:cTn>
+                        </p:par>
+                      </p:childTnLst>
+                    </p:cTn>
+                  </p:par>
+                </p:childTnLst>
+              </p:cTn>
+              <p:prevCondLst>
+                <p:cond evt="onPrev" delay="0">
+                  <p:tgtEl>
+                    <p:sldTgt/>
+                  </p:tgtEl>
+                </p:cond>
+              </p:prevCondLst>
+              <p:nextCondLst>
+                <p:cond evt="onNext" delay="0">
+                  <p:tgtEl>
+                    <p:sldTgt/>
+                  </p:tgtEl>
+                </p:cond>
+              </p:nextCondLst>
+            </p:seq>
+          </p:childTnLst>
+        </p:cTn>
+      </p:par>
+    </p:tnLst>
+    <p:bldLst>
+      <p:bldP spid="10" grpId="0"/>
+    </p:bldLst>
+  </p:timing>
+</p:sld>
+</file>
+
+<file path=ppt/slides/slide75.xml><?xml version="1.0" encoding="utf-8"?>
+<p:sld xmlns:a="http://schemas.openxmlformats.org/drawingml/2006/main" xmlns:r="http://schemas.openxmlformats.org/officeDocument/2006/relationships" xmlns:p="http://schemas.openxmlformats.org/presentationml/2006/main">
+  <p:cSld>
+    <p:spTree>
+      <p:nvGrpSpPr>
+        <p:cNvPr id="1" name=""/>
+        <p:cNvGrpSpPr/>
+        <p:nvPr/>
+      </p:nvGrpSpPr>
+      <p:grpSpPr/>
+      <p:sp>
+        <p:nvSpPr>
+          <p:cNvPr id="2" name="Title 1"/>
+          <p:cNvSpPr>
+            <a:spLocks noGrp="1"/>
+          </p:cNvSpPr>
+          <p:nvPr>
+            <p:ph type="title"/>
+          </p:nvPr>
+        </p:nvSpPr>
+        <p:spPr/>
+        <p:txBody>
+          <a:bodyPr/>
+          <a:p>
+            <a:r>
+              <a:rPr lang="en-US" altLang="zh-CN"/>
+              <a:t>AOSOA</a:t>
+            </a:r>
+            <a:r>
+              <a:rPr lang="zh-CN" altLang="en-US"/>
+              <a:t>：中间方案</a:t>
+            </a:r>
+            <a:endParaRPr lang="zh-CN" altLang="en-US"/>
+          </a:p>
+        </p:txBody>
+      </p:sp>
+      <p:pic>
+        <p:nvPicPr>
+          <p:cNvPr id="5" name="Content Placeholder 4"/>
+          <p:cNvPicPr>
+            <a:picLocks noChangeAspect="1"/>
+          </p:cNvPicPr>
+          <p:nvPr>
+            <p:ph sz="half" idx="1"/>
+          </p:nvPr>
+        </p:nvPicPr>
+        <p:blipFill>
+          <a:blip r:embed="rId1"/>
+          <a:stretch>
+            <a:fillRect/>
+          </a:stretch>
+        </p:blipFill>
+        <p:spPr>
+          <a:xfrm>
+            <a:off x="785495" y="2098675"/>
+            <a:ext cx="4906010" cy="3804285"/>
+          </a:xfrm>
+          <a:prstGeom prst="rect">
+            <a:avLst/>
+          </a:prstGeom>
+        </p:spPr>
+      </p:pic>
+      <p:pic>
+        <p:nvPicPr>
+          <p:cNvPr id="6" name="Content Placeholder 5"/>
+          <p:cNvPicPr>
+            <a:picLocks noChangeAspect="1"/>
+          </p:cNvPicPr>
+          <p:nvPr>
+            <p:ph sz="half" idx="2"/>
+          </p:nvPr>
+        </p:nvPicPr>
+        <p:blipFill>
+          <a:blip r:embed="rId2"/>
+          <a:stretch>
+            <a:fillRect/>
+          </a:stretch>
+        </p:blipFill>
+        <p:spPr>
+          <a:xfrm>
+            <a:off x="6217285" y="1825625"/>
+            <a:ext cx="4709160" cy="4351655"/>
+          </a:xfrm>
+          <a:prstGeom prst="rect">
+            <a:avLst/>
+          </a:prstGeom>
+        </p:spPr>
+      </p:pic>
+      <p:sp>
+        <p:nvSpPr>
+          <p:cNvPr id="10" name="Text Box 9"/>
+          <p:cNvSpPr txBox="1"/>
+          <p:nvPr/>
+        </p:nvSpPr>
+        <p:spPr>
+          <a:xfrm>
+            <a:off x="6722110" y="1360170"/>
+            <a:ext cx="3515360" cy="368300"/>
+          </a:xfrm>
+          <a:prstGeom prst="rect">
+            <a:avLst/>
+          </a:prstGeom>
+          <a:noFill/>
+        </p:spPr>
+        <p:txBody>
+          <a:bodyPr wrap="square" rtlCol="0">
+            <a:spAutoFit/>
+          </a:bodyPr>
+          <a:p>
+            <a:r>
+              <a:rPr lang="en-US" altLang="zh-CN"/>
+              <a:t>SIMD </a:t>
+            </a:r>
+            <a:r>
+              <a:rPr lang="zh-CN" altLang="en-US"/>
+              <a:t>矢量化成功！</a:t>
+            </a:r>
+            <a:endParaRPr lang="zh-CN" altLang="en-US"/>
+          </a:p>
+        </p:txBody>
+      </p:sp>
+      <p:sp>
+        <p:nvSpPr>
+          <p:cNvPr id="7" name="Text Box 6"/>
+          <p:cNvSpPr txBox="1"/>
+          <p:nvPr/>
+        </p:nvSpPr>
+        <p:spPr>
+          <a:xfrm>
+            <a:off x="1290320" y="1299210"/>
+            <a:ext cx="3962400" cy="645160"/>
+          </a:xfrm>
+          <a:prstGeom prst="rect">
+            <a:avLst/>
+          </a:prstGeom>
+          <a:noFill/>
+        </p:spPr>
+        <p:txBody>
+          <a:bodyPr wrap="square" rtlCol="0">
+            <a:spAutoFit/>
+          </a:bodyPr>
+          <a:p>
+            <a:r>
+              <a:rPr lang="en-US"/>
+              <a:t>4 </a:t>
+            </a:r>
+            <a:r>
+              <a:rPr lang="zh-CN" altLang="en-US"/>
+              <a:t>个对象一组打包成</a:t>
+            </a:r>
+            <a:r>
+              <a:rPr lang="en-US" altLang="zh-CN"/>
+              <a:t> SOA</a:t>
+            </a:r>
+            <a:r>
+              <a:rPr lang="zh-CN" altLang="en-US"/>
+              <a:t>，再用一个</a:t>
+            </a:r>
+            <a:r>
+              <a:rPr lang="en-US" altLang="zh-CN"/>
+              <a:t> n / 4 </a:t>
+            </a:r>
+            <a:r>
+              <a:rPr lang="zh-CN" altLang="en-US"/>
+              <a:t>大小的数组存储为</a:t>
+            </a:r>
+            <a:r>
+              <a:rPr lang="en-US" altLang="zh-CN"/>
+              <a:t> AOS</a:t>
+            </a:r>
+            <a:r>
+              <a:rPr lang="zh-CN" altLang="en-US"/>
+              <a:t>。</a:t>
+            </a:r>
+            <a:endParaRPr lang="zh-CN" altLang="en-US"/>
+          </a:p>
+        </p:txBody>
+      </p:sp>
+      <p:sp>
+        <p:nvSpPr>
+          <p:cNvPr id="8" name="Text Box 7"/>
+          <p:cNvSpPr txBox="1"/>
+          <p:nvPr/>
+        </p:nvSpPr>
+        <p:spPr>
+          <a:xfrm>
+            <a:off x="3585210" y="193040"/>
+            <a:ext cx="3822065" cy="922020"/>
+          </a:xfrm>
+          <a:prstGeom prst="rect">
+            <a:avLst/>
+          </a:prstGeom>
+          <a:noFill/>
+        </p:spPr>
+        <p:txBody>
+          <a:bodyPr wrap="square" rtlCol="0">
+            <a:spAutoFit/>
+          </a:bodyPr>
+          <a:p>
+            <a:r>
+              <a:rPr lang="zh-CN" altLang="en-US">
+                <a:sym typeface="+mn-ea"/>
+              </a:rPr>
+              <a:t>优点：</a:t>
+            </a:r>
+            <a:r>
+              <a:rPr lang="en-US" altLang="zh-CN">
+                <a:sym typeface="+mn-ea"/>
+              </a:rPr>
+              <a:t>SOA </a:t>
+            </a:r>
+            <a:r>
+              <a:rPr lang="zh-CN" altLang="en-US">
+                <a:sym typeface="+mn-ea"/>
+              </a:rPr>
+              <a:t>便于</a:t>
+            </a:r>
+            <a:r>
+              <a:rPr lang="en-US" altLang="zh-CN">
+                <a:sym typeface="+mn-ea"/>
+              </a:rPr>
+              <a:t> SIMD </a:t>
+            </a:r>
+            <a:r>
+              <a:rPr lang="zh-CN" altLang="en-US">
+                <a:sym typeface="+mn-ea"/>
+              </a:rPr>
+              <a:t>优化；</a:t>
+            </a:r>
+            <a:r>
+              <a:rPr lang="en-US" altLang="zh-CN">
+                <a:sym typeface="+mn-ea"/>
+              </a:rPr>
+              <a:t>AOS </a:t>
+            </a:r>
+            <a:r>
+              <a:rPr lang="zh-CN" altLang="en-US">
+                <a:sym typeface="+mn-ea"/>
+              </a:rPr>
+              <a:t>便于存储在传统容器；</a:t>
+            </a:r>
+            <a:r>
+              <a:rPr lang="en-US" altLang="zh-CN">
+                <a:sym typeface="+mn-ea"/>
+              </a:rPr>
+              <a:t>AOSOA </a:t>
+            </a:r>
+            <a:r>
+              <a:rPr lang="zh-CN" altLang="en-US">
+                <a:sym typeface="+mn-ea"/>
+              </a:rPr>
+              <a:t>两者得兼！是王鑫磊的最爱。</a:t>
+            </a:r>
+            <a:endParaRPr lang="en-US" altLang="zh-CN">
+              <a:sym typeface="+mn-ea"/>
+            </a:endParaRPr>
+          </a:p>
+        </p:txBody>
+      </p:sp>
+      <p:sp>
+        <p:nvSpPr>
+          <p:cNvPr id="9" name="Text Box 8"/>
+          <p:cNvSpPr txBox="1"/>
+          <p:nvPr/>
+        </p:nvSpPr>
+        <p:spPr>
+          <a:xfrm>
+            <a:off x="7593330" y="193040"/>
+            <a:ext cx="4415155" cy="922020"/>
+          </a:xfrm>
+          <a:prstGeom prst="rect">
+            <a:avLst/>
+          </a:prstGeom>
+          <a:noFill/>
+        </p:spPr>
+        <p:txBody>
+          <a:bodyPr wrap="square" rtlCol="0">
+            <a:spAutoFit/>
+          </a:bodyPr>
+          <a:p>
+            <a:r>
+              <a:rPr lang="zh-CN" altLang="en-US">
+                <a:sym typeface="+mn-ea"/>
+              </a:rPr>
+              <a:t>缺点：需要两层</a:t>
+            </a:r>
+            <a:r>
+              <a:rPr lang="en-US" altLang="zh-CN">
+                <a:sym typeface="+mn-ea"/>
+              </a:rPr>
+              <a:t> for </a:t>
+            </a:r>
+            <a:r>
+              <a:rPr lang="zh-CN" altLang="en-US">
+                <a:sym typeface="+mn-ea"/>
+              </a:rPr>
+              <a:t>循环，不利于随机访问；需要数组大小是</a:t>
+            </a:r>
+            <a:r>
+              <a:rPr lang="en-US" altLang="zh-CN">
+                <a:sym typeface="+mn-ea"/>
+              </a:rPr>
+              <a:t> 4 </a:t>
+            </a:r>
+            <a:r>
+              <a:rPr lang="zh-CN" altLang="en-US">
+                <a:sym typeface="+mn-ea"/>
+              </a:rPr>
+              <a:t>的整数倍，不过可以用边界特判法解决。</a:t>
+            </a:r>
+            <a:endParaRPr lang="zh-CN" altLang="en-US">
+              <a:sym typeface="+mn-ea"/>
+            </a:endParaRPr>
+          </a:p>
+        </p:txBody>
+      </p:sp>
+    </p:spTree>
+  </p:cSld>
+  <p:clrMapOvr>
+    <a:masterClrMapping/>
+  </p:clrMapOvr>
+  <p:timing>
+    <p:tnLst>
+      <p:par>
+        <p:cTn id="1" dur="indefinite" restart="never" nodeType="tmRoot">
+          <p:childTnLst>
+            <p:seq concurrent="1" nextAc="seek">
+              <p:cTn id="2" dur="indefinite" nodeType="mainSeq">
+                <p:childTnLst>
+                  <p:par>
+                    <p:cTn id="3" fill="hold">
+                      <p:stCondLst>
+                        <p:cond delay="indefinite"/>
+                      </p:stCondLst>
+                      <p:childTnLst>
+                        <p:par>
+                          <p:cTn id="4" fill="hold">
+                            <p:stCondLst>
+                              <p:cond delay="0"/>
+                            </p:stCondLst>
+                            <p:childTnLst>
+                              <p:par>
+                                <p:cTn id="5" presetID="9" presetClass="entr" presetSubtype="0" fill="hold" grpId="0" nodeType="clickEffect">
+                                  <p:stCondLst>
+                                    <p:cond delay="0"/>
+                                  </p:stCondLst>
+                                  <p:childTnLst>
+                                    <p:set>
+                                      <p:cBhvr>
+                                        <p:cTn id="6" dur="1" fill="hold">
+                                          <p:stCondLst>
+                                            <p:cond delay="0"/>
+                                          </p:stCondLst>
+                                        </p:cTn>
+                                        <p:tgtEl>
+                                          <p:spTgt spid="10"/>
+                                        </p:tgtEl>
+                                        <p:attrNameLst>
+                                          <p:attrName>style.visibility</p:attrName>
+                                        </p:attrNameLst>
+                                      </p:cBhvr>
+                                      <p:to>
+                                        <p:strVal val="visible"/>
+                                      </p:to>
+                                    </p:set>
+                                    <p:animEffect transition="in" filter="dissolve">
+                                      <p:cBhvr>
+                                        <p:cTn id="7" dur="500"/>
+                                        <p:tgtEl>
+                                          <p:spTgt spid="10"/>
+                                        </p:tgtEl>
+                                      </p:cBhvr>
+                                    </p:animEffect>
+                                  </p:childTnLst>
+                                </p:cTn>
+                              </p:par>
+                            </p:childTnLst>
+                          </p:cTn>
+                        </p:par>
+                      </p:childTnLst>
+                    </p:cTn>
+                  </p:par>
+                  <p:par>
+                    <p:cTn id="8" fill="hold">
+                      <p:stCondLst>
+                        <p:cond delay="indefinite"/>
+                      </p:stCondLst>
+                      <p:childTnLst>
+                        <p:par>
+                          <p:cTn id="9" fill="hold">
+                            <p:stCondLst>
+                              <p:cond delay="0"/>
+                            </p:stCondLst>
+                            <p:childTnLst>
+                              <p:par>
+                                <p:cTn id="10" presetID="8" presetClass="entr" presetSubtype="16" fill="hold" grpId="0" nodeType="clickEffect">
+                                  <p:stCondLst>
+                                    <p:cond delay="0"/>
+                                  </p:stCondLst>
+                                  <p:childTnLst>
+                                    <p:set>
+                                      <p:cBhvr>
+                                        <p:cTn id="11" dur="500" fill="hold">
+                                          <p:stCondLst>
+                                            <p:cond delay="0"/>
+                                          </p:stCondLst>
+                                        </p:cTn>
+                                        <p:tgtEl>
+                                          <p:spTgt spid="8"/>
+                                        </p:tgtEl>
+                                        <p:attrNameLst>
+                                          <p:attrName>style.visibility</p:attrName>
+                                        </p:attrNameLst>
+                                      </p:cBhvr>
+                                      <p:to>
+                                        <p:strVal val="visible"/>
+                                      </p:to>
+                                    </p:set>
+                                    <p:animEffect transition="in" filter="diamond(in)">
+                                      <p:cBhvr>
+                                        <p:cTn id="12" dur="500"/>
+                                        <p:tgtEl>
+                                          <p:spTgt spid="8"/>
+                                        </p:tgtEl>
+                                      </p:cBhvr>
+                                    </p:animEffect>
+                                  </p:childTnLst>
+                                </p:cTn>
+                              </p:par>
+                            </p:childTnLst>
+                          </p:cTn>
+                        </p:par>
+                      </p:childTnLst>
+                    </p:cTn>
+                  </p:par>
+                  <p:par>
+                    <p:cTn id="13" fill="hold">
+                      <p:stCondLst>
+                        <p:cond delay="indefinite"/>
+                      </p:stCondLst>
+                      <p:childTnLst>
+                        <p:par>
+                          <p:cTn id="14" fill="hold">
+                            <p:stCondLst>
+                              <p:cond delay="0"/>
+                            </p:stCondLst>
+                            <p:childTnLst>
+                              <p:par>
+                                <p:cTn id="15" presetID="8" presetClass="entr" presetSubtype="16" fill="hold" grpId="0" nodeType="clickEffect">
+                                  <p:stCondLst>
+                                    <p:cond delay="0"/>
+                                  </p:stCondLst>
+                                  <p:childTnLst>
+                                    <p:set>
+                                      <p:cBhvr>
+                                        <p:cTn id="16" dur="500" fill="hold">
+                                          <p:stCondLst>
+                                            <p:cond delay="0"/>
+                                          </p:stCondLst>
+                                        </p:cTn>
+                                        <p:tgtEl>
+                                          <p:spTgt spid="9"/>
+                                        </p:tgtEl>
+                                        <p:attrNameLst>
+                                          <p:attrName>style.visibility</p:attrName>
+                                        </p:attrNameLst>
+                                      </p:cBhvr>
+                                      <p:to>
+                                        <p:strVal val="visible"/>
+                                      </p:to>
+                                    </p:set>
+                                    <p:animEffect transition="in" filter="diamond(in)">
+                                      <p:cBhvr>
+                                        <p:cTn id="17" dur="500"/>
+                                        <p:tgtEl>
+                                          <p:spTgt spid="9"/>
+                                        </p:tgtEl>
+                                      </p:cBhvr>
+                                    </p:animEffect>
+                                  </p:childTnLst>
+                                </p:cTn>
+                              </p:par>
+                            </p:childTnLst>
+                          </p:cTn>
+                        </p:par>
+                      </p:childTnLst>
+                    </p:cTn>
+                  </p:par>
+                </p:childTnLst>
+              </p:cTn>
+              <p:prevCondLst>
+                <p:cond evt="onPrev" delay="0">
+                  <p:tgtEl>
+                    <p:sldTgt/>
+                  </p:tgtEl>
+                </p:cond>
+              </p:prevCondLst>
+              <p:nextCondLst>
+                <p:cond evt="onNext" delay="0">
+                  <p:tgtEl>
+                    <p:sldTgt/>
+                  </p:tgtEl>
+                </p:cond>
+              </p:nextCondLst>
+            </p:seq>
+          </p:childTnLst>
+        </p:cTn>
+      </p:par>
+    </p:tnLst>
+    <p:bldLst>
+      <p:bldP spid="10" grpId="0"/>
+      <p:bldP spid="8" grpId="0"/>
+      <p:bldP spid="9" grpId="0"/>
+    </p:bldLst>
+  </p:timing>
+</p:sld>
+</file>
+
+<file path=ppt/slides/slide76.xml><?xml version="1.0" encoding="utf-8"?>
+<p:sld xmlns:a="http://schemas.openxmlformats.org/drawingml/2006/main" xmlns:r="http://schemas.openxmlformats.org/officeDocument/2006/relationships" xmlns:p="http://schemas.openxmlformats.org/presentationml/2006/main">
+  <p:cSld>
+    <p:spTree>
+      <p:nvGrpSpPr>
+        <p:cNvPr id="1" name=""/>
+        <p:cNvGrpSpPr/>
+        <p:nvPr/>
+      </p:nvGrpSpPr>
+      <p:grpSpPr/>
+      <p:sp>
+        <p:nvSpPr>
+          <p:cNvPr id="7" name="Title 6"/>
+          <p:cNvSpPr>
+            <a:spLocks noGrp="1"/>
+          </p:cNvSpPr>
+          <p:nvPr>
+            <p:ph type="title"/>
+          </p:nvPr>
+        </p:nvSpPr>
+        <p:spPr/>
+        <p:txBody>
+          <a:bodyPr/>
+          <a:p>
+            <a:r>
+              <a:rPr lang="zh-CN" altLang="en-US"/>
+              <a:t>第</a:t>
+            </a:r>
+            <a:r>
+              <a:rPr lang="en-US" altLang="zh-CN"/>
+              <a:t>7</a:t>
+            </a:r>
+            <a:r>
+              <a:rPr lang="zh-CN" altLang="en-US"/>
+              <a:t>章：</a:t>
+            </a:r>
+            <a:r>
+              <a:rPr lang="en-US" altLang="zh-CN"/>
+              <a:t>STL</a:t>
+            </a:r>
+            <a:r>
+              <a:rPr lang="zh-CN" altLang="en-US"/>
+              <a:t>容器</a:t>
+            </a:r>
+            <a:endParaRPr lang="zh-CN" altLang="en-US"/>
+          </a:p>
+        </p:txBody>
+      </p:sp>
+    </p:spTree>
+  </p:cSld>
+  <p:clrMapOvr>
+    <a:masterClrMapping/>
+  </p:clrMapOvr>
+</p:sld>
+</file>
+
+<file path=ppt/slides/slide77.xml><?xml version="1.0" encoding="utf-8"?>
+<p:sld xmlns:a="http://schemas.openxmlformats.org/drawingml/2006/main" xmlns:r="http://schemas.openxmlformats.org/officeDocument/2006/relationships" xmlns:p="http://schemas.openxmlformats.org/presentationml/2006/main">
+  <p:cSld>
+    <p:spTree>
+      <p:nvGrpSpPr>
+        <p:cNvPr id="1" name=""/>
+        <p:cNvGrpSpPr/>
+        <p:nvPr/>
+      </p:nvGrpSpPr>
+      <p:grpSpPr/>
+      <p:sp>
+        <p:nvSpPr>
+          <p:cNvPr id="7" name="Title 6"/>
+          <p:cNvSpPr>
+            <a:spLocks noGrp="1"/>
+          </p:cNvSpPr>
+          <p:nvPr>
+            <p:ph type="title"/>
+          </p:nvPr>
+        </p:nvSpPr>
+        <p:spPr/>
+        <p:txBody>
+          <a:bodyPr/>
+          <a:p>
+            <a:r>
+              <a:rPr lang="zh-CN" altLang="en-US"/>
+              <a:t>第</a:t>
+            </a:r>
+            <a:r>
+              <a:rPr lang="en-US" altLang="zh-CN"/>
+              <a:t>8</a:t>
+            </a:r>
+            <a:r>
+              <a:rPr lang="zh-CN" altLang="en-US"/>
+              <a:t>章：</a:t>
+            </a:r>
+            <a:r>
+              <a:rPr lang="zh-CN"/>
+              <a:t>实战演练</a:t>
+            </a:r>
+            <a:endParaRPr lang="zh-CN"/>
+          </a:p>
+        </p:txBody>
+      </p:sp>
+    </p:spTree>
+  </p:cSld>
+  <p:clrMapOvr>
+    <a:masterClrMapping/>
+  </p:clrMapOvr>
+</p:sld>
+</file>
+
+<file path=ppt/slides/slide78.xml><?xml version="1.0" encoding="utf-8"?>
+<p:sld xmlns:a="http://schemas.openxmlformats.org/drawingml/2006/main" xmlns:r="http://schemas.openxmlformats.org/officeDocument/2006/relationships" xmlns:p="http://schemas.openxmlformats.org/presentationml/2006/main">
+  <p:cSld>
+    <p:spTree>
+      <p:nvGrpSpPr>
+        <p:cNvPr id="1" name=""/>
+        <p:cNvGrpSpPr/>
+        <p:nvPr/>
+      </p:nvGrpSpPr>
+      <p:grpSpPr/>
+      <p:sp>
+        <p:nvSpPr>
+          <p:cNvPr id="3" name="Title 2"/>
+          <p:cNvSpPr>
+            <a:spLocks noGrp="1"/>
+          </p:cNvSpPr>
+          <p:nvPr>
+            <p:ph type="title"/>
+          </p:nvPr>
+        </p:nvSpPr>
+        <p:spPr/>
+        <p:txBody>
+          <a:bodyPr/>
+          <a:p>
+            <a:r>
+              <a:rPr lang="zh-CN" altLang="en-US"/>
+              <a:t>总结</a:t>
+            </a:r>
+            <a:endParaRPr lang="zh-CN" altLang="en-US"/>
+          </a:p>
+        </p:txBody>
+      </p:sp>
+      <p:sp>
+        <p:nvSpPr>
+          <p:cNvPr id="4" name="Content Placeholder 3"/>
+          <p:cNvSpPr>
+            <a:spLocks noGrp="1"/>
+          </p:cNvSpPr>
+          <p:nvPr>
+            <p:ph idx="1"/>
+          </p:nvPr>
+        </p:nvSpPr>
+        <p:spPr/>
+        <p:txBody>
+          <a:bodyPr/>
+          <a:p>
+            <a:pPr marL="457200" indent="-457200">
+              <a:buAutoNum type="arabicPeriod"/>
+            </a:pPr>
+            <a:r>
+              <a:rPr lang="zh-CN" altLang="en-US"/>
+              <a:t>用</a:t>
+            </a:r>
+            <a:r>
+              <a:rPr lang="en-US" altLang="zh-CN"/>
+              <a:t> size_t </a:t>
+            </a:r>
+            <a:r>
+              <a:rPr lang="zh-CN" altLang="en-US"/>
+              <a:t>作为索引</a:t>
+            </a:r>
+            <a:endParaRPr lang="zh-CN" altLang="en-US"/>
+          </a:p>
+          <a:p>
+            <a:pPr marL="457200" indent="-457200">
+              <a:buAutoNum type="arabicPeriod"/>
+            </a:pPr>
+            <a:r>
+              <a:rPr lang="zh-CN" altLang="en-US"/>
+              <a:t>函数尽量写在同一个文件内</a:t>
+            </a:r>
+            <a:endParaRPr lang="zh-CN" altLang="en-US"/>
+          </a:p>
+          <a:p>
+            <a:pPr marL="457200" indent="-457200">
+              <a:buAutoNum type="arabicPeriod"/>
+            </a:pPr>
+            <a:r>
+              <a:rPr lang="zh-CN" altLang="en-US"/>
+              <a:t>避免在</a:t>
+            </a:r>
+            <a:r>
+              <a:rPr lang="en-US" altLang="zh-CN"/>
+              <a:t> for </a:t>
+            </a:r>
+            <a:r>
+              <a:rPr lang="zh-CN" altLang="en-US"/>
+              <a:t>循环内调用外部函数</a:t>
+            </a:r>
+            <a:endParaRPr lang="zh-CN" altLang="en-US"/>
+          </a:p>
+          <a:p>
+            <a:pPr marL="457200" indent="-457200">
+              <a:buAutoNum type="arabicPeriod"/>
+            </a:pPr>
+            <a:r>
+              <a:rPr lang="zh-CN" altLang="en-US"/>
+              <a:t>非</a:t>
+            </a:r>
+            <a:r>
+              <a:rPr lang="en-US" altLang="zh-CN"/>
+              <a:t> const </a:t>
+            </a:r>
+            <a:r>
+              <a:rPr lang="zh-CN" altLang="en-US"/>
+              <a:t>指针加上</a:t>
+            </a:r>
+            <a:r>
+              <a:rPr lang="en-US" altLang="zh-CN"/>
+              <a:t> __restrict </a:t>
+            </a:r>
+            <a:r>
+              <a:rPr lang="zh-CN" altLang="en-US"/>
+              <a:t>修饰</a:t>
+            </a:r>
+            <a:endParaRPr lang="zh-CN" altLang="en-US"/>
+          </a:p>
+          <a:p>
+            <a:pPr marL="457200" indent="-457200">
+              <a:buAutoNum type="arabicPeriod"/>
+            </a:pPr>
+            <a:r>
+              <a:rPr lang="zh-CN" altLang="en-US"/>
+              <a:t>尽量用</a:t>
+            </a:r>
+            <a:r>
+              <a:rPr lang="en-US" altLang="zh-CN"/>
+              <a:t> SOA </a:t>
+            </a:r>
+            <a:r>
+              <a:rPr lang="zh-CN" altLang="en-US"/>
+              <a:t>而不是</a:t>
+            </a:r>
+            <a:r>
+              <a:rPr lang="en-US" altLang="zh-CN"/>
+              <a:t> AOS</a:t>
+            </a:r>
+            <a:endParaRPr lang="en-US" altLang="zh-CN"/>
+          </a:p>
+          <a:p>
+            <a:pPr marL="457200" indent="-457200">
+              <a:buAutoNum type="arabicPeriod"/>
+            </a:pPr>
+            <a:r>
+              <a:rPr lang="en-US" altLang="zh-CN"/>
+              <a:t>struct </a:t>
+            </a:r>
+            <a:r>
+              <a:rPr lang="zh-CN" altLang="en-US"/>
+              <a:t>对齐到</a:t>
+            </a:r>
+            <a:r>
+              <a:rPr lang="en-US" altLang="zh-CN"/>
+              <a:t> 16 </a:t>
+            </a:r>
+            <a:r>
+              <a:rPr lang="zh-CN" altLang="en-US"/>
+              <a:t>或</a:t>
+            </a:r>
+            <a:r>
+              <a:rPr lang="en-US" altLang="zh-CN"/>
+              <a:t> 64 </a:t>
+            </a:r>
+            <a:r>
+              <a:rPr lang="zh-CN" altLang="en-US"/>
+              <a:t>字节</a:t>
+            </a:r>
+            <a:endParaRPr lang="zh-CN" altLang="en-US"/>
+          </a:p>
+          <a:p>
+            <a:pPr marL="457200" indent="-457200">
+              <a:buAutoNum type="arabicPeriod"/>
+            </a:pPr>
+            <a:r>
+              <a:rPr lang="zh-CN" altLang="en-US"/>
+              <a:t>写简单的代码，不要复杂化</a:t>
+            </a:r>
+            <a:endParaRPr lang="zh-CN" altLang="en-US"/>
+          </a:p>
+          <a:p>
+            <a:pPr marL="457200" indent="-457200">
+              <a:buAutoNum type="arabicPeriod"/>
+            </a:pPr>
+            <a:r>
+              <a:rPr lang="zh-CN"/>
+              <a:t>存在堆上</a:t>
+            </a:r>
+            <a:r>
+              <a:rPr lang="zh-CN" altLang="en-US"/>
+              <a:t>的</a:t>
+            </a:r>
+            <a:r>
+              <a:rPr lang="en-US" altLang="zh-CN"/>
+              <a:t> STL </a:t>
+            </a:r>
+            <a:r>
+              <a:rPr lang="zh-CN" altLang="en-US"/>
+              <a:t>容器不利于优化</a:t>
+            </a:r>
+            <a:endParaRPr lang="zh-CN" altLang="en-US"/>
+          </a:p>
+        </p:txBody>
+      </p:sp>
+    </p:spTree>
+  </p:cSld>
+  <p:clrMapOvr>
+    <a:masterClrMapping/>
+  </p:clrMapOvr>
+</p:sld>
+</file>
+
+<file path=ppt/slides/slide79.xml><?xml version="1.0" encoding="utf-8"?>
+<p:sld xmlns:a="http://schemas.openxmlformats.org/drawingml/2006/main" xmlns:r="http://schemas.openxmlformats.org/officeDocument/2006/relationships" xmlns:p="http://schemas.openxmlformats.org/presentationml/2006/main">
+  <p:cSld>
+    <p:spTree>
+      <p:nvGrpSpPr>
+        <p:cNvPr id="1" name=""/>
+        <p:cNvGrpSpPr/>
+        <p:nvPr/>
+      </p:nvGrpSpPr>
+      <p:grpSpPr/>
+      <p:sp>
+        <p:nvSpPr>
+          <p:cNvPr id="2" name="Title 1"/>
+          <p:cNvSpPr>
+            <a:spLocks noGrp="1"/>
+          </p:cNvSpPr>
+          <p:nvPr>
+            <p:ph type="title"/>
+          </p:nvPr>
+        </p:nvSpPr>
+        <p:spPr/>
+        <p:txBody>
+          <a:bodyPr/>
+          <a:p>
+            <a:r>
+              <a:rPr lang="en-US"/>
+              <a:t>__restrict</a:t>
+            </a:r>
+            <a:r>
+              <a:rPr lang="zh-CN" altLang="en-US"/>
+              <a:t>：能否用于</a:t>
+            </a:r>
+            <a:r>
+              <a:rPr lang="en-US" altLang="zh-CN"/>
+              <a:t> std::vector</a:t>
+            </a:r>
+            <a:r>
+              <a:rPr lang="zh-CN" altLang="en-US"/>
+              <a:t>？</a:t>
+            </a:r>
+            <a:endParaRPr lang="zh-CN" altLang="en-US"/>
+          </a:p>
+        </p:txBody>
+      </p:sp>
+      <p:sp>
+        <p:nvSpPr>
+          <p:cNvPr id="3" name="Content Placeholder 2"/>
+          <p:cNvSpPr>
+            <a:spLocks noGrp="1"/>
+          </p:cNvSpPr>
+          <p:nvPr>
+            <p:ph sz="half" idx="1"/>
+          </p:nvPr>
+        </p:nvSpPr>
+        <p:spPr/>
+        <p:txBody>
+          <a:bodyPr>
+            <a:normAutofit lnSpcReduction="20000"/>
+          </a:bodyPr>
+          <a:p>
+            <a:r>
+              <a:rPr lang="en-US" altLang="zh-CN">
+                <a:sym typeface="+mn-ea"/>
+              </a:rPr>
+              <a:t>SOA</a:t>
+            </a:r>
+            <a:r>
+              <a:rPr lang="zh-CN" altLang="en-US">
+                <a:sym typeface="+mn-ea"/>
+              </a:rPr>
+              <a:t>（</a:t>
+            </a:r>
+            <a:r>
+              <a:rPr lang="en-US" altLang="zh-CN">
+                <a:sym typeface="+mn-ea"/>
+              </a:rPr>
+              <a:t>Struct of Array</a:t>
+            </a:r>
+            <a:r>
+              <a:rPr lang="zh-CN" altLang="en-US">
+                <a:sym typeface="+mn-ea"/>
+              </a:rPr>
+              <a:t>）</a:t>
+            </a:r>
+            <a:endParaRPr lang="zh-CN" altLang="en-US"/>
+          </a:p>
+          <a:p>
+            <a:r>
+              <a:rPr lang="zh-CN" altLang="en-US">
+                <a:sym typeface="+mn-ea"/>
+              </a:rPr>
+              <a:t>这个案例最好的内存布局应该是</a:t>
+            </a:r>
+            <a:r>
+              <a:rPr lang="en-US" altLang="zh-CN">
+                <a:sym typeface="+mn-ea"/>
+              </a:rPr>
+              <a:t> SOA</a:t>
+            </a:r>
+            <a:r>
+              <a:rPr lang="zh-CN" altLang="en-US">
+                <a:sym typeface="+mn-ea"/>
+              </a:rPr>
+              <a:t>。</a:t>
+            </a:r>
+            <a:endParaRPr lang="zh-CN" altLang="en-US"/>
+          </a:p>
+          <a:p>
+            <a:r>
+              <a:rPr lang="en-US" altLang="zh-CN">
+                <a:sym typeface="+mn-ea"/>
+              </a:rPr>
+              <a:t>TODO</a:t>
+            </a:r>
+            <a:r>
+              <a:rPr lang="zh-CN" altLang="en-US">
+                <a:sym typeface="+mn-ea"/>
+              </a:rPr>
+              <a:t>：嵌套循环</a:t>
+            </a:r>
+            <a:endParaRPr lang="zh-CN" altLang="en-US"/>
+          </a:p>
+          <a:p>
+            <a:r>
+              <a:rPr lang="en-US" altLang="zh-CN">
+                <a:sym typeface="+mn-ea"/>
+              </a:rPr>
+              <a:t>TODO</a:t>
+            </a:r>
+            <a:r>
+              <a:rPr lang="zh-CN" altLang="en-US">
+                <a:sym typeface="+mn-ea"/>
+              </a:rPr>
+              <a:t>：循环</a:t>
+            </a:r>
+            <a:r>
+              <a:rPr lang="en-US" altLang="zh-CN">
+                <a:sym typeface="+mn-ea"/>
+              </a:rPr>
+              <a:t>fusion/separation</a:t>
+            </a:r>
+            <a:endParaRPr lang="en-US" altLang="zh-CN"/>
+          </a:p>
+          <a:p>
+            <a:r>
+              <a:rPr lang="en-US" altLang="zh-CN">
+                <a:sym typeface="+mn-ea"/>
+              </a:rPr>
+              <a:t>TODO</a:t>
+            </a:r>
+            <a:r>
+              <a:rPr lang="zh-CN" altLang="en-US">
+                <a:sym typeface="+mn-ea"/>
+              </a:rPr>
+              <a:t>：</a:t>
+            </a:r>
+            <a:r>
+              <a:rPr lang="en-US" altLang="zh-CN">
+                <a:sym typeface="+mn-ea"/>
+              </a:rPr>
+              <a:t>restrict</a:t>
+            </a:r>
+            <a:r>
+              <a:rPr lang="zh-CN" altLang="en-US">
+                <a:sym typeface="+mn-ea"/>
+              </a:rPr>
+              <a:t>用于</a:t>
+            </a:r>
+            <a:r>
+              <a:rPr lang="en-US" altLang="zh-CN">
+                <a:sym typeface="+mn-ea"/>
+              </a:rPr>
+              <a:t>STL</a:t>
+            </a:r>
+            <a:r>
+              <a:rPr lang="zh-CN" altLang="en-US">
+                <a:sym typeface="+mn-ea"/>
+              </a:rPr>
+              <a:t>容器</a:t>
+            </a:r>
+            <a:endParaRPr lang="zh-CN" altLang="en-US"/>
+          </a:p>
+          <a:p>
+            <a:r>
+              <a:rPr lang="en-US" altLang="zh-CN">
+                <a:sym typeface="+mn-ea"/>
+              </a:rPr>
+              <a:t>TODO</a:t>
+            </a:r>
+            <a:r>
+              <a:rPr lang="zh-CN" altLang="en-US">
+                <a:sym typeface="+mn-ea"/>
+              </a:rPr>
+              <a:t>：</a:t>
+            </a:r>
+            <a:r>
+              <a:rPr lang="en-US" altLang="zh-CN">
+                <a:sym typeface="+mn-ea"/>
+              </a:rPr>
+              <a:t>-ffast-math</a:t>
+            </a:r>
+            <a:endParaRPr lang="en-US" altLang="zh-CN">
+              <a:sym typeface="+mn-ea"/>
+            </a:endParaRPr>
+          </a:p>
+          <a:p>
+            <a:r>
+              <a:rPr lang="en-US"/>
+              <a:t>TODO</a:t>
+            </a:r>
+            <a:r>
+              <a:rPr lang="zh-CN" altLang="en-US"/>
+              <a:t>：寄存器压力</a:t>
+            </a:r>
+            <a:endParaRPr lang="zh-CN" altLang="en-US"/>
+          </a:p>
+          <a:p>
+            <a:r>
+              <a:rPr lang="en-US" altLang="zh-CN"/>
+              <a:t>TODO</a:t>
+            </a:r>
+            <a:r>
+              <a:rPr lang="zh-CN" altLang="en-US"/>
+              <a:t>：</a:t>
+            </a:r>
+            <a:r>
+              <a:rPr lang="en-US" altLang="zh-CN"/>
+              <a:t>for </a:t>
+            </a:r>
+            <a:r>
+              <a:rPr lang="zh-CN" altLang="en-US"/>
+              <a:t>对</a:t>
+            </a:r>
+            <a:r>
+              <a:rPr lang="en-US" altLang="zh-CN"/>
+              <a:t> iterator </a:t>
+            </a:r>
+            <a:r>
+              <a:rPr lang="zh-CN" altLang="en-US"/>
+              <a:t>依赖</a:t>
+            </a:r>
+            <a:endParaRPr lang="zh-CN" altLang="en-US"/>
+          </a:p>
+        </p:txBody>
+      </p:sp>
+      <p:sp>
+        <p:nvSpPr>
+          <p:cNvPr id="4" name="Content Placeholder 3"/>
+          <p:cNvSpPr>
+            <a:spLocks noGrp="1"/>
+          </p:cNvSpPr>
+          <p:nvPr>
+            <p:ph sz="half" idx="2"/>
+          </p:nvPr>
+        </p:nvSpPr>
+        <p:spPr/>
+        <p:txBody>
+          <a:bodyPr/>
+          <a:p>
+            <a:endParaRPr lang="en-US"/>
+          </a:p>
+        </p:txBody>
+      </p:sp>
     </p:spTree>
   </p:cSld>
   <p:clrMapOvr>
